--- a/Report/Presentation/Simulating Liquid Crystals.pptx
+++ b/Report/Presentation/Simulating Liquid Crystals.pptx
@@ -5,16 +5,20 @@
     <p:sldMasterId id="2147483660" r:id="rId1"/>
   </p:sldMasterIdLst>
   <p:notesMasterIdLst>
-    <p:notesMasterId r:id="rId9"/>
+    <p:notesMasterId r:id="rId13"/>
   </p:notesMasterIdLst>
   <p:sldIdLst>
     <p:sldId id="256" r:id="rId2"/>
     <p:sldId id="257" r:id="rId3"/>
     <p:sldId id="262" r:id="rId4"/>
-    <p:sldId id="258" r:id="rId5"/>
-    <p:sldId id="259" r:id="rId6"/>
-    <p:sldId id="260" r:id="rId7"/>
-    <p:sldId id="261" r:id="rId8"/>
+    <p:sldId id="264" r:id="rId5"/>
+    <p:sldId id="265" r:id="rId6"/>
+    <p:sldId id="266" r:id="rId7"/>
+    <p:sldId id="258" r:id="rId8"/>
+    <p:sldId id="259" r:id="rId9"/>
+    <p:sldId id="260" r:id="rId10"/>
+    <p:sldId id="261" r:id="rId11"/>
+    <p:sldId id="263" r:id="rId12"/>
   </p:sldIdLst>
   <p:sldSz cx="12192000" cy="6858000"/>
   <p:notesSz cx="6858000" cy="9144000"/>
@@ -113,6 +117,11 @@
       </a:defRPr>
     </a:lvl9pPr>
   </p:defaultTextStyle>
+  <p:extLst>
+    <p:ext uri="{EFAFB233-063F-42B5-8137-9DF3F51BA10A}">
+      <p15:sldGuideLst xmlns:p15="http://schemas.microsoft.com/office/powerpoint/2012/main"/>
+    </p:ext>
+  </p:extLst>
 </p:presentation>
 </file>
 
@@ -1352,48 +1361,67 @@
             <a:spLocks noGrp="1"/>
           </p:cNvSpPr>
           <p:nvPr>
-            <p:ph idx="1"/>
-          </p:nvPr>
-        </p:nvSpPr>
-        <p:spPr/>
-        <p:txBody>
-          <a:bodyPr/>
-          <a:lstStyle/>
+            <p:ph idx="1" hasCustomPrompt="1"/>
+          </p:nvPr>
+        </p:nvSpPr>
+        <p:spPr/>
+        <p:txBody>
+          <a:bodyPr>
+            <a:normAutofit/>
+          </a:bodyPr>
+          <a:lstStyle>
+            <a:lvl1pPr marL="91440" indent="-91440">
+              <a:buFont typeface="Arial" panose="020B0604020202020204" pitchFamily="34" charset="0"/>
+              <a:buChar char="•"/>
+              <a:defRPr sz="2800"/>
+            </a:lvl1pPr>
+            <a:lvl2pPr>
+              <a:defRPr sz="2400"/>
+            </a:lvl2pPr>
+            <a:lvl3pPr>
+              <a:defRPr sz="1800"/>
+            </a:lvl3pPr>
+            <a:lvl4pPr>
+              <a:defRPr sz="1800"/>
+            </a:lvl4pPr>
+            <a:lvl5pPr>
+              <a:defRPr sz="1800"/>
+            </a:lvl5pPr>
+          </a:lstStyle>
           <a:p>
             <a:pPr lvl="0"/>
             <a:r>
-              <a:rPr lang="en-US"/>
-              <a:t>Click to edit Master text styles</a:t>
+              <a:rPr lang="en-US" dirty="0"/>
+              <a:t> Click to edit Master text styles</a:t>
             </a:r>
           </a:p>
           <a:p>
             <a:pPr lvl="1"/>
             <a:r>
-              <a:rPr lang="en-US"/>
+              <a:rPr lang="en-US" dirty="0"/>
               <a:t>Second level</a:t>
             </a:r>
           </a:p>
           <a:p>
             <a:pPr lvl="2"/>
             <a:r>
-              <a:rPr lang="en-US"/>
+              <a:rPr lang="en-US" dirty="0"/>
               <a:t>Third level</a:t>
             </a:r>
           </a:p>
           <a:p>
             <a:pPr lvl="3"/>
             <a:r>
-              <a:rPr lang="en-US"/>
+              <a:rPr lang="en-US" dirty="0"/>
               <a:t>Fourth level</a:t>
             </a:r>
           </a:p>
           <a:p>
             <a:pPr lvl="4"/>
             <a:r>
-              <a:rPr lang="en-US"/>
+              <a:rPr lang="en-US" dirty="0"/>
               <a:t>Fifth level</a:t>
             </a:r>
-            <a:endParaRPr lang="en-US" dirty="0"/>
           </a:p>
         </p:txBody>
       </p:sp>
@@ -2788,7 +2816,7 @@
 </file>
 
 <file path=ppt/slideLayouts/slideLayout8.xml><?xml version="1.0" encoding="utf-8"?>
-<p:sldLayout xmlns:a="http://schemas.openxmlformats.org/drawingml/2006/main" xmlns:r="http://schemas.openxmlformats.org/officeDocument/2006/relationships" xmlns:p="http://schemas.openxmlformats.org/presentationml/2006/main" showMasterSp="0" type="objTx" preserve="1">
+<p:sldLayout xmlns:a="http://schemas.openxmlformats.org/drawingml/2006/main" xmlns:r="http://schemas.openxmlformats.org/officeDocument/2006/relationships" xmlns:p="http://schemas.openxmlformats.org/presentationml/2006/main" showMasterSp="0" preserve="1" userDrawn="1">
   <p:cSld name="Content with Caption">
     <p:spTree>
       <p:nvGrpSpPr>
@@ -2931,7 +2959,7 @@
         <p:spPr>
           <a:xfrm>
             <a:off x="4800600" y="731520"/>
-            <a:ext cx="6492240" cy="5257800"/>
+            <a:ext cx="6492240" cy="4355385"/>
           </a:xfrm>
         </p:spPr>
         <p:txBody>
@@ -2987,8 +3015,8 @@
         </p:nvSpPr>
         <p:spPr>
           <a:xfrm>
-            <a:off x="457200" y="2926080"/>
-            <a:ext cx="3200400" cy="3379124"/>
+            <a:off x="457200" y="4998128"/>
+            <a:ext cx="3200400" cy="1307076"/>
           </a:xfrm>
         </p:spPr>
         <p:txBody>
@@ -3144,6 +3172,75 @@
           </a:p>
         </p:txBody>
       </p:sp>
+      <p:sp>
+        <p:nvSpPr>
+          <p:cNvPr id="11" name="Text Placeholder 10">
+            <a:extLst>
+              <a:ext uri="{FF2B5EF4-FFF2-40B4-BE49-F238E27FC236}">
+                <a16:creationId xmlns:a16="http://schemas.microsoft.com/office/drawing/2014/main" id="{A3972045-4195-489E-A5E2-E1EC080EBEA0}"/>
+              </a:ext>
+            </a:extLst>
+          </p:cNvPr>
+          <p:cNvSpPr>
+            <a:spLocks noGrp="1"/>
+          </p:cNvSpPr>
+          <p:nvPr>
+            <p:ph type="body" sz="quarter" idx="13" hasCustomPrompt="1"/>
+          </p:nvPr>
+        </p:nvSpPr>
+        <p:spPr>
+          <a:xfrm>
+            <a:off x="4800600" y="5521325"/>
+            <a:ext cx="6483350" cy="693738"/>
+          </a:xfrm>
+        </p:spPr>
+        <p:txBody>
+          <a:bodyPr/>
+          <a:lstStyle>
+            <a:lvl1pPr>
+              <a:defRPr/>
+            </a:lvl1pPr>
+          </a:lstStyle>
+          <a:p>
+            <a:pPr lvl="0"/>
+            <a:r>
+              <a:rPr lang="en-US" dirty="0"/>
+              <a:t>Text</a:t>
+            </a:r>
+            <a:endParaRPr lang="en-GB" dirty="0"/>
+          </a:p>
+        </p:txBody>
+      </p:sp>
+      <p:pic>
+        <p:nvPicPr>
+          <p:cNvPr id="12" name="Picture 11">
+            <a:extLst>
+              <a:ext uri="{FF2B5EF4-FFF2-40B4-BE49-F238E27FC236}">
+                <a16:creationId xmlns:a16="http://schemas.microsoft.com/office/drawing/2014/main" id="{1890AD96-E486-40A5-9D5C-6457228BBBCF}"/>
+              </a:ext>
+            </a:extLst>
+          </p:cNvPr>
+          <p:cNvPicPr>
+            <a:picLocks noChangeAspect="1"/>
+          </p:cNvPicPr>
+          <p:nvPr userDrawn="1"/>
+        </p:nvPicPr>
+        <p:blipFill>
+          <a:blip r:embed="rId2"/>
+          <a:stretch>
+            <a:fillRect/>
+          </a:stretch>
+        </p:blipFill>
+        <p:spPr>
+          <a:xfrm>
+            <a:off x="9445012" y="6119566"/>
+            <a:ext cx="2746972" cy="738434"/>
+          </a:xfrm>
+          <a:prstGeom prst="rect">
+            <a:avLst/>
+          </a:prstGeom>
+        </p:spPr>
+      </p:pic>
     </p:spTree>
     <p:extLst>
       <p:ext uri="{BB962C8B-B14F-4D97-AF65-F5344CB8AC3E}">
@@ -4428,6 +4525,468 @@
 </p:sld>
 </file>
 
+<file path=ppt/slides/slide10.xml><?xml version="1.0" encoding="utf-8"?>
+<p:sld xmlns:a="http://schemas.openxmlformats.org/drawingml/2006/main" xmlns:r="http://schemas.openxmlformats.org/officeDocument/2006/relationships" xmlns:p="http://schemas.openxmlformats.org/presentationml/2006/main">
+  <p:cSld>
+    <p:spTree>
+      <p:nvGrpSpPr>
+        <p:cNvPr id="1" name=""/>
+        <p:cNvGrpSpPr/>
+        <p:nvPr/>
+      </p:nvGrpSpPr>
+      <p:grpSpPr>
+        <a:xfrm>
+          <a:off x="0" y="0"/>
+          <a:ext cx="0" cy="0"/>
+          <a:chOff x="0" y="0"/>
+          <a:chExt cx="0" cy="0"/>
+        </a:xfrm>
+      </p:grpSpPr>
+      <p:sp>
+        <p:nvSpPr>
+          <p:cNvPr id="2" name="Title 1">
+            <a:extLst>
+              <a:ext uri="{FF2B5EF4-FFF2-40B4-BE49-F238E27FC236}">
+                <a16:creationId xmlns:a16="http://schemas.microsoft.com/office/drawing/2014/main" id="{8942B4A0-F150-405A-9068-8F7612F09AE0}"/>
+              </a:ext>
+            </a:extLst>
+          </p:cNvPr>
+          <p:cNvSpPr>
+            <a:spLocks noGrp="1"/>
+          </p:cNvSpPr>
+          <p:nvPr>
+            <p:ph type="title"/>
+          </p:nvPr>
+        </p:nvSpPr>
+        <p:spPr/>
+        <p:txBody>
+          <a:bodyPr/>
+          <a:lstStyle/>
+          <a:p>
+            <a:r>
+              <a:rPr lang="en-GB" dirty="0"/>
+              <a:t>Conclusions</a:t>
+            </a:r>
+          </a:p>
+        </p:txBody>
+      </p:sp>
+      <p:sp>
+        <p:nvSpPr>
+          <p:cNvPr id="3" name="Content Placeholder 2">
+            <a:extLst>
+              <a:ext uri="{FF2B5EF4-FFF2-40B4-BE49-F238E27FC236}">
+                <a16:creationId xmlns:a16="http://schemas.microsoft.com/office/drawing/2014/main" id="{AC53D448-2676-4126-B047-DB0C6E8D4412}"/>
+              </a:ext>
+            </a:extLst>
+          </p:cNvPr>
+          <p:cNvSpPr>
+            <a:spLocks noGrp="1"/>
+          </p:cNvSpPr>
+          <p:nvPr>
+            <p:ph idx="1"/>
+          </p:nvPr>
+        </p:nvSpPr>
+        <p:spPr/>
+        <p:txBody>
+          <a:bodyPr>
+            <a:normAutofit/>
+          </a:bodyPr>
+          <a:lstStyle/>
+          <a:p>
+            <a:pPr>
+              <a:buFont typeface="Arial" panose="020B0604020202020204" pitchFamily="34" charset="0"/>
+              <a:buChar char="•"/>
+            </a:pPr>
+            <a:r>
+              <a:rPr lang="en-GB" sz="2800" dirty="0"/>
+              <a:t> Introduction</a:t>
+            </a:r>
+          </a:p>
+          <a:p>
+            <a:pPr>
+              <a:buFont typeface="Arial" panose="020B0604020202020204" pitchFamily="34" charset="0"/>
+              <a:buChar char="•"/>
+            </a:pPr>
+            <a:r>
+              <a:rPr lang="en-GB" sz="2800" b="1" dirty="0"/>
+              <a:t> </a:t>
+            </a:r>
+            <a:r>
+              <a:rPr lang="en-GB" sz="2800" dirty="0"/>
+              <a:t>Methods</a:t>
+            </a:r>
+          </a:p>
+          <a:p>
+            <a:pPr>
+              <a:buFont typeface="Arial" panose="020B0604020202020204" pitchFamily="34" charset="0"/>
+              <a:buChar char="•"/>
+            </a:pPr>
+            <a:r>
+              <a:rPr lang="en-GB" sz="2800" dirty="0"/>
+              <a:t> Rigid Rod Simulations</a:t>
+            </a:r>
+          </a:p>
+          <a:p>
+            <a:pPr>
+              <a:buFont typeface="Arial" panose="020B0604020202020204" pitchFamily="34" charset="0"/>
+              <a:buChar char="•"/>
+            </a:pPr>
+            <a:r>
+              <a:rPr lang="en-GB" sz="2800" dirty="0"/>
+              <a:t> Nunchuck Simulations </a:t>
+            </a:r>
+          </a:p>
+          <a:p>
+            <a:pPr>
+              <a:buFont typeface="Arial" panose="020B0604020202020204" pitchFamily="34" charset="0"/>
+              <a:buChar char="•"/>
+            </a:pPr>
+            <a:r>
+              <a:rPr lang="en-GB" sz="2800" dirty="0"/>
+              <a:t> </a:t>
+            </a:r>
+            <a:r>
+              <a:rPr lang="en-GB" sz="2800" b="1" dirty="0"/>
+              <a:t>Conclusions</a:t>
+            </a:r>
+          </a:p>
+          <a:p>
+            <a:pPr lvl="1">
+              <a:buFont typeface="Arial" panose="020B0604020202020204" pitchFamily="34" charset="0"/>
+              <a:buChar char="•"/>
+            </a:pPr>
+            <a:r>
+              <a:rPr lang="en-GB" sz="2600" i="1" dirty="0"/>
+              <a:t>Primary Findings</a:t>
+            </a:r>
+          </a:p>
+          <a:p>
+            <a:pPr lvl="1">
+              <a:buFont typeface="Arial" panose="020B0604020202020204" pitchFamily="34" charset="0"/>
+              <a:buChar char="•"/>
+            </a:pPr>
+            <a:r>
+              <a:rPr lang="en-GB" sz="2600" i="1" dirty="0"/>
+              <a:t>Further Work</a:t>
+            </a:r>
+            <a:endParaRPr lang="en-GB" sz="2600" dirty="0"/>
+          </a:p>
+          <a:p>
+            <a:endParaRPr lang="en-GB" dirty="0"/>
+          </a:p>
+        </p:txBody>
+      </p:sp>
+      <p:sp>
+        <p:nvSpPr>
+          <p:cNvPr id="7" name="Date Placeholder 6">
+            <a:extLst>
+              <a:ext uri="{FF2B5EF4-FFF2-40B4-BE49-F238E27FC236}">
+                <a16:creationId xmlns:a16="http://schemas.microsoft.com/office/drawing/2014/main" id="{A899C2D9-963B-4A7D-B350-213AC1754454}"/>
+              </a:ext>
+            </a:extLst>
+          </p:cNvPr>
+          <p:cNvSpPr>
+            <a:spLocks noGrp="1"/>
+          </p:cNvSpPr>
+          <p:nvPr>
+            <p:ph type="dt" sz="half" idx="10"/>
+          </p:nvPr>
+        </p:nvSpPr>
+        <p:spPr/>
+        <p:txBody>
+          <a:bodyPr/>
+          <a:lstStyle/>
+          <a:p>
+            <a:fld id="{7F35EB2B-3FCE-4F7C-945F-B528C12B6B66}" type="datetime1">
+              <a:rPr lang="en-GB" smtClean="0"/>
+              <a:t>06/05/2021</a:t>
+            </a:fld>
+            <a:endParaRPr lang="en-GB"/>
+          </a:p>
+        </p:txBody>
+      </p:sp>
+      <p:sp>
+        <p:nvSpPr>
+          <p:cNvPr id="8" name="Footer Placeholder 7">
+            <a:extLst>
+              <a:ext uri="{FF2B5EF4-FFF2-40B4-BE49-F238E27FC236}">
+                <a16:creationId xmlns:a16="http://schemas.microsoft.com/office/drawing/2014/main" id="{5B41B150-3135-4FDE-9CE6-C3447A401A81}"/>
+              </a:ext>
+            </a:extLst>
+          </p:cNvPr>
+          <p:cNvSpPr>
+            <a:spLocks noGrp="1"/>
+          </p:cNvSpPr>
+          <p:nvPr>
+            <p:ph type="ftr" sz="quarter" idx="11"/>
+          </p:nvPr>
+        </p:nvSpPr>
+        <p:spPr/>
+        <p:txBody>
+          <a:bodyPr/>
+          <a:lstStyle/>
+          <a:p>
+            <a:r>
+              <a:rPr lang="en-GB"/>
+              <a:t>Simulating Liqyuid Crystals</a:t>
+            </a:r>
+          </a:p>
+        </p:txBody>
+      </p:sp>
+      <p:sp>
+        <p:nvSpPr>
+          <p:cNvPr id="9" name="Slide Number Placeholder 8">
+            <a:extLst>
+              <a:ext uri="{FF2B5EF4-FFF2-40B4-BE49-F238E27FC236}">
+                <a16:creationId xmlns:a16="http://schemas.microsoft.com/office/drawing/2014/main" id="{8CDB5539-7981-43FC-A4B3-45CFD7FCFCDE}"/>
+              </a:ext>
+            </a:extLst>
+          </p:cNvPr>
+          <p:cNvSpPr>
+            <a:spLocks noGrp="1"/>
+          </p:cNvSpPr>
+          <p:nvPr>
+            <p:ph type="sldNum" sz="quarter" idx="12"/>
+          </p:nvPr>
+        </p:nvSpPr>
+        <p:spPr/>
+        <p:txBody>
+          <a:bodyPr/>
+          <a:lstStyle/>
+          <a:p>
+            <a:fld id="{AB645ECC-7A7A-4729-8128-50B722794741}" type="slidenum">
+              <a:rPr lang="en-GB" smtClean="0"/>
+              <a:t>10</a:t>
+            </a:fld>
+            <a:endParaRPr lang="en-GB"/>
+          </a:p>
+        </p:txBody>
+      </p:sp>
+    </p:spTree>
+    <p:extLst>
+      <p:ext uri="{BB962C8B-B14F-4D97-AF65-F5344CB8AC3E}">
+        <p14:creationId xmlns:p14="http://schemas.microsoft.com/office/powerpoint/2010/main" val="4282608364"/>
+      </p:ext>
+    </p:extLst>
+  </p:cSld>
+  <p:clrMapOvr>
+    <a:masterClrMapping/>
+  </p:clrMapOvr>
+</p:sld>
+</file>
+
+<file path=ppt/slides/slide11.xml><?xml version="1.0" encoding="utf-8"?>
+<p:sld xmlns:a="http://schemas.openxmlformats.org/drawingml/2006/main" xmlns:r="http://schemas.openxmlformats.org/officeDocument/2006/relationships" xmlns:p="http://schemas.openxmlformats.org/presentationml/2006/main">
+  <p:cSld>
+    <p:spTree>
+      <p:nvGrpSpPr>
+        <p:cNvPr id="1" name=""/>
+        <p:cNvGrpSpPr/>
+        <p:nvPr/>
+      </p:nvGrpSpPr>
+      <p:grpSpPr>
+        <a:xfrm>
+          <a:off x="0" y="0"/>
+          <a:ext cx="0" cy="0"/>
+          <a:chOff x="0" y="0"/>
+          <a:chExt cx="0" cy="0"/>
+        </a:xfrm>
+      </p:grpSpPr>
+      <p:sp>
+        <p:nvSpPr>
+          <p:cNvPr id="2" name="Title 1">
+            <a:extLst>
+              <a:ext uri="{FF2B5EF4-FFF2-40B4-BE49-F238E27FC236}">
+                <a16:creationId xmlns:a16="http://schemas.microsoft.com/office/drawing/2014/main" id="{0A31ED90-FB80-42B2-B1B3-6B1B614B65EF}"/>
+              </a:ext>
+            </a:extLst>
+          </p:cNvPr>
+          <p:cNvSpPr>
+            <a:spLocks noGrp="1"/>
+          </p:cNvSpPr>
+          <p:nvPr>
+            <p:ph type="title"/>
+          </p:nvPr>
+        </p:nvSpPr>
+        <p:spPr/>
+        <p:txBody>
+          <a:bodyPr/>
+          <a:lstStyle/>
+          <a:p>
+            <a:r>
+              <a:rPr lang="en-GB" dirty="0"/>
+              <a:t>References</a:t>
+            </a:r>
+          </a:p>
+        </p:txBody>
+      </p:sp>
+      <p:sp>
+        <p:nvSpPr>
+          <p:cNvPr id="3" name="Content Placeholder 2">
+            <a:extLst>
+              <a:ext uri="{FF2B5EF4-FFF2-40B4-BE49-F238E27FC236}">
+                <a16:creationId xmlns:a16="http://schemas.microsoft.com/office/drawing/2014/main" id="{C003DBD8-7BF5-4F3F-B759-1CCB51E33DB1}"/>
+              </a:ext>
+            </a:extLst>
+          </p:cNvPr>
+          <p:cNvSpPr>
+            <a:spLocks noGrp="1"/>
+          </p:cNvSpPr>
+          <p:nvPr>
+            <p:ph idx="1"/>
+          </p:nvPr>
+        </p:nvSpPr>
+        <p:spPr/>
+        <p:txBody>
+          <a:bodyPr/>
+          <a:lstStyle/>
+          <a:p>
+            <a:r>
+              <a:rPr lang="en-GB" b="0" i="0" baseline="30000" dirty="0">
+                <a:solidFill>
+                  <a:srgbClr val="666666"/>
+                </a:solidFill>
+                <a:effectLst/>
+                <a:latin typeface="Arial" panose="020B0604020202020204" pitchFamily="34" charset="0"/>
+              </a:rPr>
+              <a:t>1 </a:t>
+            </a:r>
+            <a:r>
+              <a:rPr lang="en-GB" b="0" i="0" dirty="0">
+                <a:solidFill>
+                  <a:srgbClr val="666666"/>
+                </a:solidFill>
+                <a:effectLst/>
+                <a:latin typeface="Arial" panose="020B0604020202020204" pitchFamily="34" charset="0"/>
+              </a:rPr>
+              <a:t>T. Kato, Y. Hirai, S. </a:t>
+            </a:r>
+            <a:r>
+              <a:rPr lang="en-GB" b="0" i="0" dirty="0" err="1">
+                <a:solidFill>
+                  <a:srgbClr val="666666"/>
+                </a:solidFill>
+                <a:effectLst/>
+                <a:latin typeface="Arial" panose="020B0604020202020204" pitchFamily="34" charset="0"/>
+              </a:rPr>
+              <a:t>Nakaso</a:t>
+            </a:r>
+            <a:r>
+              <a:rPr lang="en-GB" b="0" i="0" dirty="0">
+                <a:solidFill>
+                  <a:srgbClr val="666666"/>
+                </a:solidFill>
+                <a:effectLst/>
+                <a:latin typeface="Arial" panose="020B0604020202020204" pitchFamily="34" charset="0"/>
+              </a:rPr>
+              <a:t>, and M. Moriyama, Liquid-Crystalline Physical Gels, Chem. Soc. Rev. 36, 1857 (2007).</a:t>
+            </a:r>
+            <a:endParaRPr lang="en-GB" dirty="0"/>
+          </a:p>
+          <a:p>
+            <a:endParaRPr lang="en-GB" dirty="0"/>
+          </a:p>
+        </p:txBody>
+      </p:sp>
+      <p:sp>
+        <p:nvSpPr>
+          <p:cNvPr id="4" name="Date Placeholder 3">
+            <a:extLst>
+              <a:ext uri="{FF2B5EF4-FFF2-40B4-BE49-F238E27FC236}">
+                <a16:creationId xmlns:a16="http://schemas.microsoft.com/office/drawing/2014/main" id="{45E110CB-4FC8-455C-A409-7376F083CE2D}"/>
+              </a:ext>
+            </a:extLst>
+          </p:cNvPr>
+          <p:cNvSpPr>
+            <a:spLocks noGrp="1"/>
+          </p:cNvSpPr>
+          <p:nvPr>
+            <p:ph type="dt" sz="half" idx="10"/>
+          </p:nvPr>
+        </p:nvSpPr>
+        <p:spPr/>
+        <p:txBody>
+          <a:bodyPr/>
+          <a:lstStyle/>
+          <a:p>
+            <a:fld id="{7F253374-1CF5-427D-922B-09BFB2E7CA63}" type="datetime1">
+              <a:rPr lang="en-GB" smtClean="0"/>
+              <a:t>06/05/2021</a:t>
+            </a:fld>
+            <a:endParaRPr lang="en-GB"/>
+          </a:p>
+        </p:txBody>
+      </p:sp>
+      <p:sp>
+        <p:nvSpPr>
+          <p:cNvPr id="5" name="Footer Placeholder 4">
+            <a:extLst>
+              <a:ext uri="{FF2B5EF4-FFF2-40B4-BE49-F238E27FC236}">
+                <a16:creationId xmlns:a16="http://schemas.microsoft.com/office/drawing/2014/main" id="{BD7A2662-75BF-49DB-A5BA-E48A6A084A9A}"/>
+              </a:ext>
+            </a:extLst>
+          </p:cNvPr>
+          <p:cNvSpPr>
+            <a:spLocks noGrp="1"/>
+          </p:cNvSpPr>
+          <p:nvPr>
+            <p:ph type="ftr" sz="quarter" idx="11"/>
+          </p:nvPr>
+        </p:nvSpPr>
+        <p:spPr/>
+        <p:txBody>
+          <a:bodyPr/>
+          <a:lstStyle/>
+          <a:p>
+            <a:r>
+              <a:rPr lang="en-GB"/>
+              <a:t>Simulating Liqyuid Crystals</a:t>
+            </a:r>
+          </a:p>
+        </p:txBody>
+      </p:sp>
+      <p:sp>
+        <p:nvSpPr>
+          <p:cNvPr id="6" name="Slide Number Placeholder 5">
+            <a:extLst>
+              <a:ext uri="{FF2B5EF4-FFF2-40B4-BE49-F238E27FC236}">
+                <a16:creationId xmlns:a16="http://schemas.microsoft.com/office/drawing/2014/main" id="{046CAC3D-4F68-4DD3-97E3-51A43FBC4F95}"/>
+              </a:ext>
+            </a:extLst>
+          </p:cNvPr>
+          <p:cNvSpPr>
+            <a:spLocks noGrp="1"/>
+          </p:cNvSpPr>
+          <p:nvPr>
+            <p:ph type="sldNum" sz="quarter" idx="12"/>
+          </p:nvPr>
+        </p:nvSpPr>
+        <p:spPr/>
+        <p:txBody>
+          <a:bodyPr/>
+          <a:lstStyle/>
+          <a:p>
+            <a:fld id="{AB645ECC-7A7A-4729-8128-50B722794741}" type="slidenum">
+              <a:rPr lang="en-GB" smtClean="0"/>
+              <a:t>11</a:t>
+            </a:fld>
+            <a:endParaRPr lang="en-GB"/>
+          </a:p>
+        </p:txBody>
+      </p:sp>
+    </p:spTree>
+    <p:extLst>
+      <p:ext uri="{BB962C8B-B14F-4D97-AF65-F5344CB8AC3E}">
+        <p14:creationId xmlns:p14="http://schemas.microsoft.com/office/powerpoint/2010/main" val="4253407361"/>
+      </p:ext>
+    </p:extLst>
+  </p:cSld>
+  <p:clrMapOvr>
+    <a:masterClrMapping/>
+  </p:clrMapOvr>
+</p:sld>
+</file>
+
 <file path=ppt/slides/slide2.xml><?xml version="1.0" encoding="utf-8"?>
 <p:sld xmlns:a="http://schemas.openxmlformats.org/drawingml/2006/main" xmlns:r="http://schemas.openxmlformats.org/officeDocument/2006/relationships" xmlns:p="http://schemas.openxmlformats.org/presentationml/2006/main">
   <p:cSld>
@@ -4516,7 +5075,7 @@
             </a:pPr>
             <a:r>
               <a:rPr lang="en-GB" sz="2400" i="1" dirty="0"/>
-              <a:t>Liquid Crystals (and their applications)</a:t>
+              <a:t>Liquid Crystals </a:t>
             </a:r>
           </a:p>
           <a:p>
@@ -4730,6 +5289,14 @@
 <file path=ppt/slides/slide3.xml><?xml version="1.0" encoding="utf-8"?>
 <p:sld xmlns:a="http://schemas.openxmlformats.org/drawingml/2006/main" xmlns:r="http://schemas.openxmlformats.org/officeDocument/2006/relationships" xmlns:p="http://schemas.openxmlformats.org/presentationml/2006/main">
   <p:cSld>
+    <p:bg>
+      <p:bgPr>
+        <a:solidFill>
+          <a:schemeClr val="bg1"/>
+        </a:solidFill>
+        <a:effectLst/>
+      </p:bgPr>
+    </p:bg>
     <p:spTree>
       <p:nvGrpSpPr>
         <p:cNvPr id="1" name=""/>
@@ -4762,11 +5329,17 @@
         </p:nvSpPr>
         <p:spPr/>
         <p:txBody>
-          <a:bodyPr/>
-          <a:lstStyle/>
-          <a:p>
-            <a:r>
-              <a:rPr lang="en-GB" dirty="0"/>
+          <a:bodyPr>
+            <a:normAutofit/>
+          </a:bodyPr>
+          <a:lstStyle/>
+          <a:p>
+            <a:r>
+              <a:rPr lang="en-GB" sz="3600">
+                <a:solidFill>
+                  <a:srgbClr val="FFFFFF"/>
+                </a:solidFill>
+              </a:rPr>
               <a:t>Liquid Crystals</a:t>
             </a:r>
           </a:p>
@@ -4774,10 +5347,10 @@
       </p:sp>
       <p:sp>
         <p:nvSpPr>
-          <p:cNvPr id="3" name="Content Placeholder 2">
+          <p:cNvPr id="9" name="Text Placeholder 8">
             <a:extLst>
               <a:ext uri="{FF2B5EF4-FFF2-40B4-BE49-F238E27FC236}">
-                <a16:creationId xmlns:a16="http://schemas.microsoft.com/office/drawing/2014/main" id="{93C58F7F-5B42-4339-AD8C-F266D21C2766}"/>
+                <a16:creationId xmlns:a16="http://schemas.microsoft.com/office/drawing/2014/main" id="{267B10D7-A625-404C-A522-AE2978E10D82}"/>
               </a:ext>
             </a:extLst>
           </p:cNvPr>
@@ -4785,15 +5358,56 @@
             <a:spLocks noGrp="1"/>
           </p:cNvSpPr>
           <p:nvPr>
-            <p:ph idx="1"/>
-          </p:nvPr>
-        </p:nvSpPr>
-        <p:spPr/>
-        <p:txBody>
-          <a:bodyPr/>
-          <a:lstStyle/>
-          <a:p>
-            <a:endParaRPr lang="en-GB" dirty="0"/>
+            <p:ph type="body" sz="half" idx="2"/>
+          </p:nvPr>
+        </p:nvSpPr>
+        <p:spPr>
+          <a:xfrm>
+            <a:off x="457200" y="5406500"/>
+            <a:ext cx="3200400" cy="898703"/>
+          </a:xfrm>
+        </p:spPr>
+        <p:txBody>
+          <a:bodyPr>
+            <a:normAutofit lnSpcReduction="10000"/>
+          </a:bodyPr>
+          <a:lstStyle/>
+          <a:p>
+            <a:r>
+              <a:rPr lang="en-GB" b="0" i="0" dirty="0">
+                <a:solidFill>
+                  <a:schemeClr val="bg1"/>
+                </a:solidFill>
+                <a:effectLst/>
+                <a:latin typeface="Arial" panose="020B0604020202020204" pitchFamily="34" charset="0"/>
+              </a:rPr>
+              <a:t>[1] T. Kato, Y. Hirai, S. </a:t>
+            </a:r>
+            <a:r>
+              <a:rPr lang="en-GB" b="0" i="0" dirty="0" err="1">
+                <a:solidFill>
+                  <a:schemeClr val="bg1"/>
+                </a:solidFill>
+                <a:effectLst/>
+                <a:latin typeface="Arial" panose="020B0604020202020204" pitchFamily="34" charset="0"/>
+              </a:rPr>
+              <a:t>Nakaso</a:t>
+            </a:r>
+            <a:r>
+              <a:rPr lang="en-GB" b="0" i="0" dirty="0">
+                <a:solidFill>
+                  <a:schemeClr val="bg1"/>
+                </a:solidFill>
+                <a:effectLst/>
+                <a:latin typeface="Arial" panose="020B0604020202020204" pitchFamily="34" charset="0"/>
+              </a:rPr>
+              <a:t>, and M. Moriyama, Liquid-Crystalline Physical Gels, Chem. Soc. Rev. 36, 1857 (2007).</a:t>
+            </a:r>
+            <a:endParaRPr lang="en-GB" dirty="0">
+              <a:solidFill>
+                <a:schemeClr val="bg1"/>
+              </a:solidFill>
+            </a:endParaRPr>
           </a:p>
         </p:txBody>
       </p:sp>
@@ -4815,11 +5429,23 @@
         </p:nvSpPr>
         <p:spPr/>
         <p:txBody>
-          <a:bodyPr/>
-          <a:lstStyle/>
-          <a:p>
+          <a:bodyPr>
+            <a:normAutofit/>
+          </a:bodyPr>
+          <a:lstStyle/>
+          <a:p>
+            <a:pPr algn="r">
+              <a:spcAft>
+                <a:spcPts val="600"/>
+              </a:spcAft>
+            </a:pPr>
             <a:fld id="{7F253374-1CF5-427D-922B-09BFB2E7CA63}" type="datetime1">
               <a:rPr lang="en-GB" smtClean="0"/>
+              <a:pPr algn="r">
+                <a:spcAft>
+                  <a:spcPts val="600"/>
+                </a:spcAft>
+              </a:pPr>
               <a:t>06/05/2021</a:t>
             </a:fld>
             <a:endParaRPr lang="en-GB"/>
@@ -4844,9 +5470,16 @@
         </p:nvSpPr>
         <p:spPr/>
         <p:txBody>
-          <a:bodyPr/>
-          <a:lstStyle/>
-          <a:p>
+          <a:bodyPr>
+            <a:normAutofit/>
+          </a:bodyPr>
+          <a:lstStyle/>
+          <a:p>
+            <a:pPr algn="l">
+              <a:spcAft>
+                <a:spcPts val="600"/>
+              </a:spcAft>
+            </a:pPr>
             <a:r>
               <a:rPr lang="en-GB"/>
               <a:t>Simulating Liqyuid Crystals</a:t>
@@ -4872,17 +5505,337 @@
         </p:nvSpPr>
         <p:spPr/>
         <p:txBody>
-          <a:bodyPr/>
-          <a:lstStyle/>
-          <a:p>
+          <a:bodyPr>
+            <a:normAutofit/>
+          </a:bodyPr>
+          <a:lstStyle/>
+          <a:p>
+            <a:pPr>
+              <a:spcAft>
+                <a:spcPts val="600"/>
+              </a:spcAft>
+            </a:pPr>
             <a:fld id="{AB645ECC-7A7A-4729-8128-50B722794741}" type="slidenum">
-              <a:rPr lang="en-GB" smtClean="0"/>
+              <a:rPr lang="en-GB">
+                <a:solidFill>
+                  <a:schemeClr val="tx2"/>
+                </a:solidFill>
+              </a:rPr>
+              <a:pPr>
+                <a:spcAft>
+                  <a:spcPts val="600"/>
+                </a:spcAft>
+              </a:pPr>
               <a:t>3</a:t>
             </a:fld>
-            <a:endParaRPr lang="en-GB"/>
-          </a:p>
-        </p:txBody>
-      </p:sp>
+            <a:endParaRPr lang="en-GB">
+              <a:solidFill>
+                <a:schemeClr val="tx2"/>
+              </a:solidFill>
+            </a:endParaRPr>
+          </a:p>
+        </p:txBody>
+      </p:sp>
+      <p:sp>
+        <p:nvSpPr>
+          <p:cNvPr id="10" name="Text Placeholder 9">
+            <a:extLst>
+              <a:ext uri="{FF2B5EF4-FFF2-40B4-BE49-F238E27FC236}">
+                <a16:creationId xmlns:a16="http://schemas.microsoft.com/office/drawing/2014/main" id="{18B839E2-B265-48CA-AD88-7FAB29520AE8}"/>
+              </a:ext>
+            </a:extLst>
+          </p:cNvPr>
+          <p:cNvSpPr>
+            <a:spLocks noGrp="1"/>
+          </p:cNvSpPr>
+          <p:nvPr>
+            <p:ph type="body" sz="quarter" idx="13"/>
+          </p:nvPr>
+        </p:nvSpPr>
+        <p:spPr>
+          <a:xfrm>
+            <a:off x="4587535" y="5211056"/>
+            <a:ext cx="7335175" cy="1128158"/>
+          </a:xfrm>
+        </p:spPr>
+        <p:txBody>
+          <a:bodyPr>
+            <a:normAutofit fontScale="92500" lnSpcReduction="10000"/>
+          </a:bodyPr>
+          <a:lstStyle/>
+          <a:p>
+            <a:r>
+              <a:rPr lang="en-GB" i="1" dirty="0"/>
+              <a:t>Figure 1: Representation of the three liquid crystal phase classes, reproduced from Kato et al. [1] with permission. Note the distinct layers in the smectic and columnar phases, and the different class of molecule in the columnar phase. </a:t>
+            </a:r>
+          </a:p>
+        </p:txBody>
+      </p:sp>
+      <p:grpSp>
+        <p:nvGrpSpPr>
+          <p:cNvPr id="22" name="Group 21">
+            <a:extLst>
+              <a:ext uri="{FF2B5EF4-FFF2-40B4-BE49-F238E27FC236}">
+                <a16:creationId xmlns:a16="http://schemas.microsoft.com/office/drawing/2014/main" id="{D0D7F136-F76A-49C8-A47E-2348B024E5D4}"/>
+              </a:ext>
+            </a:extLst>
+          </p:cNvPr>
+          <p:cNvGrpSpPr/>
+          <p:nvPr/>
+        </p:nvGrpSpPr>
+        <p:grpSpPr>
+          <a:xfrm>
+            <a:off x="5157386" y="576603"/>
+            <a:ext cx="6055097" cy="4479536"/>
+            <a:chOff x="5157386" y="576603"/>
+            <a:chExt cx="6055097" cy="4479536"/>
+          </a:xfrm>
+        </p:grpSpPr>
+        <p:pic>
+          <p:nvPicPr>
+            <p:cNvPr id="8" name="Picture 7">
+              <a:extLst>
+                <a:ext uri="{FF2B5EF4-FFF2-40B4-BE49-F238E27FC236}">
+                  <a16:creationId xmlns:a16="http://schemas.microsoft.com/office/drawing/2014/main" id="{D0BF595E-5845-487A-8251-5AF96FD95FB9}"/>
+                </a:ext>
+              </a:extLst>
+            </p:cNvPr>
+            <p:cNvPicPr>
+              <a:picLocks noChangeAspect="1"/>
+            </p:cNvPicPr>
+            <p:nvPr/>
+          </p:nvPicPr>
+          <p:blipFill>
+            <a:blip r:embed="rId2">
+              <a:extLst>
+                <a:ext uri="{28A0092B-C50C-407E-A947-70E740481C1C}">
+                  <a14:useLocalDpi xmlns:a14="http://schemas.microsoft.com/office/drawing/2010/main" val="0"/>
+                </a:ext>
+              </a:extLst>
+            </a:blip>
+            <a:stretch>
+              <a:fillRect/>
+            </a:stretch>
+          </p:blipFill>
+          <p:spPr>
+            <a:xfrm>
+              <a:off x="5157386" y="576603"/>
+              <a:ext cx="6055097" cy="4479536"/>
+            </a:xfrm>
+            <a:prstGeom prst="rect">
+              <a:avLst/>
+            </a:prstGeom>
+          </p:spPr>
+        </p:pic>
+        <p:sp>
+          <p:nvSpPr>
+            <p:cNvPr id="11" name="Rectangle 10">
+              <a:extLst>
+                <a:ext uri="{FF2B5EF4-FFF2-40B4-BE49-F238E27FC236}">
+                  <a16:creationId xmlns:a16="http://schemas.microsoft.com/office/drawing/2014/main" id="{14B78825-6332-4798-BFF4-7E7DDFCF6FD8}"/>
+                </a:ext>
+              </a:extLst>
+            </p:cNvPr>
+            <p:cNvSpPr/>
+            <p:nvPr/>
+          </p:nvSpPr>
+          <p:spPr>
+            <a:xfrm>
+              <a:off x="6459346" y="1494995"/>
+              <a:ext cx="719091" cy="257453"/>
+            </a:xfrm>
+            <a:prstGeom prst="rect">
+              <a:avLst/>
+            </a:prstGeom>
+            <a:solidFill>
+              <a:schemeClr val="bg1"/>
+            </a:solidFill>
+            <a:ln>
+              <a:noFill/>
+            </a:ln>
+          </p:spPr>
+          <p:style>
+            <a:lnRef idx="2">
+              <a:schemeClr val="accent1">
+                <a:shade val="50000"/>
+              </a:schemeClr>
+            </a:lnRef>
+            <a:fillRef idx="1">
+              <a:schemeClr val="accent1"/>
+            </a:fillRef>
+            <a:effectRef idx="0">
+              <a:schemeClr val="accent1"/>
+            </a:effectRef>
+            <a:fontRef idx="minor">
+              <a:schemeClr val="lt1"/>
+            </a:fontRef>
+          </p:style>
+          <p:txBody>
+            <a:bodyPr rtlCol="0" anchor="ctr"/>
+            <a:lstStyle/>
+            <a:p>
+              <a:pPr algn="ctr"/>
+              <a:endParaRPr lang="en-GB" dirty="0"/>
+            </a:p>
+          </p:txBody>
+        </p:sp>
+        <p:sp>
+          <p:nvSpPr>
+            <p:cNvPr id="16" name="Rectangle 15">
+              <a:extLst>
+                <a:ext uri="{FF2B5EF4-FFF2-40B4-BE49-F238E27FC236}">
+                  <a16:creationId xmlns:a16="http://schemas.microsoft.com/office/drawing/2014/main" id="{CCA656C0-04BD-407A-9B22-30C6F753F10C}"/>
+                </a:ext>
+              </a:extLst>
+            </p:cNvPr>
+            <p:cNvSpPr/>
+            <p:nvPr/>
+          </p:nvSpPr>
+          <p:spPr>
+            <a:xfrm>
+              <a:off x="6405609" y="937035"/>
+              <a:ext cx="719091" cy="257453"/>
+            </a:xfrm>
+            <a:prstGeom prst="rect">
+              <a:avLst/>
+            </a:prstGeom>
+            <a:solidFill>
+              <a:schemeClr val="bg1"/>
+            </a:solidFill>
+            <a:ln>
+              <a:noFill/>
+            </a:ln>
+          </p:spPr>
+          <p:style>
+            <a:lnRef idx="2">
+              <a:schemeClr val="accent1">
+                <a:shade val="50000"/>
+              </a:schemeClr>
+            </a:lnRef>
+            <a:fillRef idx="1">
+              <a:schemeClr val="accent1"/>
+            </a:fillRef>
+            <a:effectRef idx="0">
+              <a:schemeClr val="accent1"/>
+            </a:effectRef>
+            <a:fontRef idx="minor">
+              <a:schemeClr val="lt1"/>
+            </a:fontRef>
+          </p:style>
+          <p:txBody>
+            <a:bodyPr rtlCol="0" anchor="ctr"/>
+            <a:lstStyle/>
+            <a:p>
+              <a:pPr algn="ctr"/>
+              <a:endParaRPr lang="en-GB"/>
+            </a:p>
+          </p:txBody>
+        </p:sp>
+        <p:sp>
+          <p:nvSpPr>
+            <p:cNvPr id="18" name="Rectangle 17">
+              <a:extLst>
+                <a:ext uri="{FF2B5EF4-FFF2-40B4-BE49-F238E27FC236}">
+                  <a16:creationId xmlns:a16="http://schemas.microsoft.com/office/drawing/2014/main" id="{330BA400-55BE-41F6-AD84-7A24FDB527B3}"/>
+                </a:ext>
+              </a:extLst>
+            </p:cNvPr>
+            <p:cNvSpPr/>
+            <p:nvPr/>
+          </p:nvSpPr>
+          <p:spPr>
+            <a:xfrm>
+              <a:off x="9089253" y="1488117"/>
+              <a:ext cx="719091" cy="257453"/>
+            </a:xfrm>
+            <a:prstGeom prst="rect">
+              <a:avLst/>
+            </a:prstGeom>
+            <a:solidFill>
+              <a:schemeClr val="bg1"/>
+            </a:solidFill>
+            <a:ln>
+              <a:noFill/>
+            </a:ln>
+          </p:spPr>
+          <p:style>
+            <a:lnRef idx="2">
+              <a:schemeClr val="accent1">
+                <a:shade val="50000"/>
+              </a:schemeClr>
+            </a:lnRef>
+            <a:fillRef idx="1">
+              <a:schemeClr val="accent1"/>
+            </a:fillRef>
+            <a:effectRef idx="0">
+              <a:schemeClr val="accent1"/>
+            </a:effectRef>
+            <a:fontRef idx="minor">
+              <a:schemeClr val="lt1"/>
+            </a:fontRef>
+          </p:style>
+          <p:txBody>
+            <a:bodyPr rtlCol="0" anchor="ctr"/>
+            <a:lstStyle/>
+            <a:p>
+              <a:pPr algn="ctr"/>
+              <a:endParaRPr lang="en-GB"/>
+            </a:p>
+          </p:txBody>
+        </p:sp>
+        <p:sp>
+          <p:nvSpPr>
+            <p:cNvPr id="19" name="Rectangle 18">
+              <a:extLst>
+                <a:ext uri="{FF2B5EF4-FFF2-40B4-BE49-F238E27FC236}">
+                  <a16:creationId xmlns:a16="http://schemas.microsoft.com/office/drawing/2014/main" id="{2E41D5B6-AD4F-4B84-9837-81E13C406220}"/>
+                </a:ext>
+              </a:extLst>
+            </p:cNvPr>
+            <p:cNvSpPr/>
+            <p:nvPr/>
+          </p:nvSpPr>
+          <p:spPr>
+            <a:xfrm>
+              <a:off x="9089253" y="937034"/>
+              <a:ext cx="719091" cy="257453"/>
+            </a:xfrm>
+            <a:prstGeom prst="rect">
+              <a:avLst/>
+            </a:prstGeom>
+            <a:solidFill>
+              <a:schemeClr val="bg1"/>
+            </a:solidFill>
+            <a:ln>
+              <a:noFill/>
+            </a:ln>
+          </p:spPr>
+          <p:style>
+            <a:lnRef idx="2">
+              <a:schemeClr val="accent1">
+                <a:shade val="50000"/>
+              </a:schemeClr>
+            </a:lnRef>
+            <a:fillRef idx="1">
+              <a:schemeClr val="accent1"/>
+            </a:fillRef>
+            <a:effectRef idx="0">
+              <a:schemeClr val="accent1"/>
+            </a:effectRef>
+            <a:fontRef idx="minor">
+              <a:schemeClr val="lt1"/>
+            </a:fontRef>
+          </p:style>
+          <p:txBody>
+            <a:bodyPr rtlCol="0" anchor="ctr"/>
+            <a:lstStyle/>
+            <a:p>
+              <a:pPr algn="ctr"/>
+              <a:endParaRPr lang="en-GB"/>
+            </a:p>
+          </p:txBody>
+        </p:sp>
+      </p:grpSp>
     </p:spTree>
     <p:extLst>
       <p:ext uri="{BB962C8B-B14F-4D97-AF65-F5344CB8AC3E}">
@@ -4918,7 +5871,7 @@
           <p:cNvPr id="2" name="Title 1">
             <a:extLst>
               <a:ext uri="{FF2B5EF4-FFF2-40B4-BE49-F238E27FC236}">
-                <a16:creationId xmlns:a16="http://schemas.microsoft.com/office/drawing/2014/main" id="{8942B4A0-F150-405A-9068-8F7612F09AE0}"/>
+                <a16:creationId xmlns:a16="http://schemas.microsoft.com/office/drawing/2014/main" id="{89A056DC-77D0-4C7E-9998-81D8A5E2BE92}"/>
               </a:ext>
             </a:extLst>
           </p:cNvPr>
@@ -4936,17 +5889,17 @@
           <a:p>
             <a:r>
               <a:rPr lang="en-GB" dirty="0"/>
-              <a:t>Methods</a:t>
-            </a:r>
-          </a:p>
-        </p:txBody>
-      </p:sp>
-      <p:sp>
-        <p:nvSpPr>
-          <p:cNvPr id="3" name="Content Placeholder 2">
+              <a:t>Phase Transitions</a:t>
+            </a:r>
+          </a:p>
+        </p:txBody>
+      </p:sp>
+      <p:sp>
+        <p:nvSpPr>
+          <p:cNvPr id="9" name="Content Placeholder 8">
             <a:extLst>
               <a:ext uri="{FF2B5EF4-FFF2-40B4-BE49-F238E27FC236}">
-                <a16:creationId xmlns:a16="http://schemas.microsoft.com/office/drawing/2014/main" id="{AC53D448-2676-4126-B047-DB0C6E8D4412}"/>
+                <a16:creationId xmlns:a16="http://schemas.microsoft.com/office/drawing/2014/main" id="{8C079F86-81B7-4A0F-99FD-881B4449FB89}"/>
               </a:ext>
             </a:extLst>
           </p:cNvPr>
@@ -4963,15 +5916,31 @@
             <a:normAutofit/>
           </a:bodyPr>
           <a:lstStyle/>
+          <a:p>
+            <a:pPr marL="0" indent="0">
+              <a:buNone/>
+            </a:pPr>
+            <a:r>
+              <a:rPr lang="en-GB" sz="2800" b="1" dirty="0"/>
+              <a:t> </a:t>
+            </a:r>
+          </a:p>
           <a:p>
             <a:pPr>
               <a:buFont typeface="Arial" panose="020B0604020202020204" pitchFamily="34" charset="0"/>
               <a:buChar char="•"/>
             </a:pPr>
             <a:r>
-              <a:rPr lang="en-GB" sz="2800" dirty="0"/>
-              <a:t> Introduction</a:t>
-            </a:r>
+              <a:rPr lang="en-GB" sz="3200" b="1" dirty="0"/>
+              <a:t> Lyotropic</a:t>
+            </a:r>
+            <a:r>
+              <a:rPr lang="en-GB" sz="3200" dirty="0"/>
+              <a:t> – Induced by changes in concentration</a:t>
+            </a:r>
+          </a:p>
+          <a:p>
+            <a:endParaRPr lang="en-GB" sz="3200" dirty="0"/>
           </a:p>
           <a:p>
             <a:pPr>
@@ -4979,71 +5948,26 @@
               <a:buChar char="•"/>
             </a:pPr>
             <a:r>
-              <a:rPr lang="en-GB" sz="2800" b="1" dirty="0"/>
-              <a:t> Methods</a:t>
-            </a:r>
-          </a:p>
-          <a:p>
-            <a:pPr lvl="1">
-              <a:buFont typeface="Arial" panose="020B0604020202020204" pitchFamily="34" charset="0"/>
-              <a:buChar char="•"/>
-            </a:pPr>
-            <a:r>
-              <a:rPr lang="en-GB" sz="2400" i="1" dirty="0"/>
-              <a:t>LAMMPS Software</a:t>
-            </a:r>
-          </a:p>
-          <a:p>
-            <a:pPr lvl="1">
-              <a:buFont typeface="Arial" panose="020B0604020202020204" pitchFamily="34" charset="0"/>
-              <a:buChar char="•"/>
-            </a:pPr>
-            <a:r>
-              <a:rPr lang="en-GB" sz="2400" i="1" dirty="0"/>
-              <a:t>Nunchuck Molecules</a:t>
-            </a:r>
-          </a:p>
-          <a:p>
-            <a:pPr>
-              <a:buFont typeface="Arial" panose="020B0604020202020204" pitchFamily="34" charset="0"/>
-              <a:buChar char="•"/>
-            </a:pPr>
-            <a:r>
-              <a:rPr lang="en-GB" sz="2800" dirty="0"/>
-              <a:t> Rigid Rod Simulations</a:t>
-            </a:r>
-          </a:p>
-          <a:p>
-            <a:pPr>
-              <a:buFont typeface="Arial" panose="020B0604020202020204" pitchFamily="34" charset="0"/>
-              <a:buChar char="•"/>
-            </a:pPr>
-            <a:r>
-              <a:rPr lang="en-GB" sz="2800" dirty="0"/>
-              <a:t> Nunchuck Simulations </a:t>
-            </a:r>
-          </a:p>
-          <a:p>
-            <a:pPr>
-              <a:buFont typeface="Arial" panose="020B0604020202020204" pitchFamily="34" charset="0"/>
-              <a:buChar char="•"/>
-            </a:pPr>
-            <a:r>
-              <a:rPr lang="en-GB" sz="2800" dirty="0"/>
-              <a:t> Conclusions</a:t>
-            </a:r>
-          </a:p>
-          <a:p>
-            <a:endParaRPr lang="en-GB" dirty="0"/>
-          </a:p>
-        </p:txBody>
-      </p:sp>
-      <p:sp>
-        <p:nvSpPr>
-          <p:cNvPr id="7" name="Date Placeholder 6">
+              <a:rPr lang="en-GB" sz="3200" dirty="0"/>
+              <a:t> </a:t>
+            </a:r>
+            <a:r>
+              <a:rPr lang="en-GB" sz="3200" b="1" dirty="0"/>
+              <a:t>Entropically Driven </a:t>
+            </a:r>
+            <a:r>
+              <a:rPr lang="en-GB" sz="3200" dirty="0"/>
+              <a:t>– Occurring in the absence of attractive intermolecular forces</a:t>
+            </a:r>
+          </a:p>
+        </p:txBody>
+      </p:sp>
+      <p:sp>
+        <p:nvSpPr>
+          <p:cNvPr id="5" name="Date Placeholder 4">
             <a:extLst>
               <a:ext uri="{FF2B5EF4-FFF2-40B4-BE49-F238E27FC236}">
-                <a16:creationId xmlns:a16="http://schemas.microsoft.com/office/drawing/2014/main" id="{3C9CC48B-1CCE-412F-A1D4-0991F38FC073}"/>
+                <a16:creationId xmlns:a16="http://schemas.microsoft.com/office/drawing/2014/main" id="{5F4922A2-AF72-4771-BFB9-2C2889533C96}"/>
               </a:ext>
             </a:extLst>
           </p:cNvPr>
@@ -5059,7 +5983,7 @@
           <a:bodyPr/>
           <a:lstStyle/>
           <a:p>
-            <a:fld id="{339720CA-7F93-46E4-BD55-7C05EDF0D99C}" type="datetime1">
+            <a:fld id="{7158BEE1-24AC-45AA-AE5A-25B089A27E97}" type="datetime1">
               <a:rPr lang="en-GB" smtClean="0"/>
               <a:t>06/05/2021</a:t>
             </a:fld>
@@ -5069,10 +5993,10 @@
       </p:sp>
       <p:sp>
         <p:nvSpPr>
-          <p:cNvPr id="8" name="Footer Placeholder 7">
+          <p:cNvPr id="6" name="Footer Placeholder 5">
             <a:extLst>
               <a:ext uri="{FF2B5EF4-FFF2-40B4-BE49-F238E27FC236}">
-                <a16:creationId xmlns:a16="http://schemas.microsoft.com/office/drawing/2014/main" id="{D4FFF9EB-6A54-4C2A-B9B2-AE903E9D1386}"/>
+                <a16:creationId xmlns:a16="http://schemas.microsoft.com/office/drawing/2014/main" id="{2571D3AD-BE91-4885-AB7E-3E30D342FCBB}"/>
               </a:ext>
             </a:extLst>
           </p:cNvPr>
@@ -5097,10 +6021,10 @@
       </p:sp>
       <p:sp>
         <p:nvSpPr>
-          <p:cNvPr id="9" name="Slide Number Placeholder 8">
+          <p:cNvPr id="7" name="Slide Number Placeholder 6">
             <a:extLst>
               <a:ext uri="{FF2B5EF4-FFF2-40B4-BE49-F238E27FC236}">
-                <a16:creationId xmlns:a16="http://schemas.microsoft.com/office/drawing/2014/main" id="{B6C44EE6-121B-41BE-A574-497B1572AC93}"/>
+                <a16:creationId xmlns:a16="http://schemas.microsoft.com/office/drawing/2014/main" id="{63B1B88B-FDE6-4691-BA90-A614DE883E5B}"/>
               </a:ext>
             </a:extLst>
           </p:cNvPr>
@@ -5127,7 +6051,7 @@
     </p:spTree>
     <p:extLst>
       <p:ext uri="{BB962C8B-B14F-4D97-AF65-F5344CB8AC3E}">
-        <p14:creationId xmlns:p14="http://schemas.microsoft.com/office/powerpoint/2010/main" val="1634486955"/>
+        <p14:creationId xmlns:p14="http://schemas.microsoft.com/office/powerpoint/2010/main" val="2121459046"/>
       </p:ext>
     </p:extLst>
   </p:cSld>
@@ -5159,7 +6083,7 @@
           <p:cNvPr id="2" name="Title 1">
             <a:extLst>
               <a:ext uri="{FF2B5EF4-FFF2-40B4-BE49-F238E27FC236}">
-                <a16:creationId xmlns:a16="http://schemas.microsoft.com/office/drawing/2014/main" id="{8942B4A0-F150-405A-9068-8F7612F09AE0}"/>
+                <a16:creationId xmlns:a16="http://schemas.microsoft.com/office/drawing/2014/main" id="{A82EB67A-DA6F-4946-8E54-684D8B5F3A92}"/>
               </a:ext>
             </a:extLst>
           </p:cNvPr>
@@ -5177,17 +6101,644 @@
           <a:p>
             <a:r>
               <a:rPr lang="en-GB" dirty="0"/>
-              <a:t>Rigid Rod Simulations</a:t>
-            </a:r>
-          </a:p>
-        </p:txBody>
-      </p:sp>
-      <p:sp>
-        <p:nvSpPr>
-          <p:cNvPr id="3" name="Content Placeholder 2">
+              <a:t>Order Parameter</a:t>
+            </a:r>
+          </a:p>
+        </p:txBody>
+      </p:sp>
+      <mc:AlternateContent xmlns:mc="http://schemas.openxmlformats.org/markup-compatibility/2006">
+        <mc:Choice xmlns:a14="http://schemas.microsoft.com/office/drawing/2010/main" Requires="a14">
+          <p:sp>
+            <p:nvSpPr>
+              <p:cNvPr id="3" name="Content Placeholder 2">
+                <a:extLst>
+                  <a:ext uri="{FF2B5EF4-FFF2-40B4-BE49-F238E27FC236}">
+                    <a16:creationId xmlns:a16="http://schemas.microsoft.com/office/drawing/2014/main" id="{C85490A2-70BA-47A2-9EBF-5B93C3CDAE4D}"/>
+                  </a:ext>
+                </a:extLst>
+              </p:cNvPr>
+              <p:cNvSpPr>
+                <a:spLocks noGrp="1"/>
+              </p:cNvSpPr>
+              <p:nvPr>
+                <p:ph idx="1"/>
+              </p:nvPr>
+            </p:nvSpPr>
+            <p:spPr>
+              <a:xfrm>
+                <a:off x="1097279" y="1845734"/>
+                <a:ext cx="10701143" cy="4023360"/>
+              </a:xfrm>
+            </p:spPr>
+            <p:txBody>
+              <a:bodyPr>
+                <a:normAutofit/>
+              </a:bodyPr>
+              <a:lstStyle/>
+              <a:p>
+                <a:pPr marL="0" indent="0">
+                  <a:buNone/>
+                </a:pPr>
+                <a:endParaRPr lang="en-GB" dirty="0"/>
+              </a:p>
+              <a:p>
+                <a:pPr>
+                  <a:buFont typeface="Arial" panose="020B0604020202020204" pitchFamily="34" charset="0"/>
+                  <a:buChar char="•"/>
+                </a:pPr>
+                <a:r>
+                  <a:rPr lang="en-GB" dirty="0"/>
+                  <a:t> </a:t>
+                </a:r>
+                <a:r>
+                  <a:rPr lang="en-GB" b="1" dirty="0"/>
+                  <a:t>Nematic Order Parameter</a:t>
+                </a:r>
+                <a:r>
+                  <a:rPr lang="en-GB" dirty="0"/>
+                  <a:t>	</a:t>
+                </a:r>
+                <a14:m>
+                  <m:oMath xmlns:m="http://schemas.openxmlformats.org/officeDocument/2006/math">
+                    <m:sSub>
+                      <m:sSubPr>
+                        <m:ctrlPr>
+                          <a:rPr lang="en-GB" i="1" smtClean="0">
+                            <a:latin typeface="Cambria Math" panose="02040503050406030204" pitchFamily="18" charset="0"/>
+                          </a:rPr>
+                        </m:ctrlPr>
+                      </m:sSubPr>
+                      <m:e>
+                        <m:r>
+                          <a:rPr lang="en-GB" b="0" i="1" smtClean="0">
+                            <a:latin typeface="Cambria Math" panose="02040503050406030204" pitchFamily="18" charset="0"/>
+                          </a:rPr>
+                          <m:t>𝑆</m:t>
+                        </m:r>
+                      </m:e>
+                      <m:sub>
+                        <m:r>
+                          <a:rPr lang="en-GB" b="0" i="1" smtClean="0">
+                            <a:latin typeface="Cambria Math" panose="02040503050406030204" pitchFamily="18" charset="0"/>
+                          </a:rPr>
+                          <m:t>𝑛</m:t>
+                        </m:r>
+                      </m:sub>
+                    </m:sSub>
+                    <m:r>
+                      <a:rPr lang="en-GB" b="0" i="1" smtClean="0">
+                        <a:latin typeface="Cambria Math" panose="02040503050406030204" pitchFamily="18" charset="0"/>
+                      </a:rPr>
+                      <m:t>= </m:t>
+                    </m:r>
+                    <m:d>
+                      <m:dPr>
+                        <m:begChr m:val="⟨"/>
+                        <m:endChr m:val="⟩"/>
+                        <m:ctrlPr>
+                          <a:rPr lang="en-GB" b="0" i="1" smtClean="0">
+                            <a:latin typeface="Cambria Math" panose="02040503050406030204" pitchFamily="18" charset="0"/>
+                          </a:rPr>
+                        </m:ctrlPr>
+                      </m:dPr>
+                      <m:e>
+                        <m:sSub>
+                          <m:sSubPr>
+                            <m:ctrlPr>
+                              <a:rPr lang="en-GB" b="0" i="1" smtClean="0">
+                                <a:latin typeface="Cambria Math" panose="02040503050406030204" pitchFamily="18" charset="0"/>
+                              </a:rPr>
+                            </m:ctrlPr>
+                          </m:sSubPr>
+                          <m:e>
+                            <m:r>
+                              <a:rPr lang="en-GB" b="0" i="1" smtClean="0">
+                                <a:latin typeface="Cambria Math" panose="02040503050406030204" pitchFamily="18" charset="0"/>
+                              </a:rPr>
+                              <m:t>𝑃</m:t>
+                            </m:r>
+                          </m:e>
+                          <m:sub>
+                            <m:r>
+                              <a:rPr lang="en-GB" b="0" i="1" smtClean="0">
+                                <a:latin typeface="Cambria Math" panose="02040503050406030204" pitchFamily="18" charset="0"/>
+                              </a:rPr>
+                              <m:t>2</m:t>
+                            </m:r>
+                          </m:sub>
+                        </m:sSub>
+                        <m:d>
+                          <m:dPr>
+                            <m:ctrlPr>
+                              <a:rPr lang="en-GB" b="0" i="1" smtClean="0">
+                                <a:latin typeface="Cambria Math" panose="02040503050406030204" pitchFamily="18" charset="0"/>
+                              </a:rPr>
+                            </m:ctrlPr>
+                          </m:dPr>
+                          <m:e>
+                            <m:func>
+                              <m:funcPr>
+                                <m:ctrlPr>
+                                  <a:rPr lang="en-GB" b="0" i="1" smtClean="0">
+                                    <a:latin typeface="Cambria Math" panose="02040503050406030204" pitchFamily="18" charset="0"/>
+                                  </a:rPr>
+                                </m:ctrlPr>
+                              </m:funcPr>
+                              <m:fName>
+                                <m:r>
+                                  <m:rPr>
+                                    <m:sty m:val="p"/>
+                                  </m:rPr>
+                                  <a:rPr lang="en-GB" b="0" i="0" smtClean="0">
+                                    <a:latin typeface="Cambria Math" panose="02040503050406030204" pitchFamily="18" charset="0"/>
+                                  </a:rPr>
+                                  <m:t>cos</m:t>
+                                </m:r>
+                              </m:fName>
+                              <m:e>
+                                <m:r>
+                                  <a:rPr lang="en-GB" b="0" i="1" smtClean="0">
+                                    <a:latin typeface="Cambria Math" panose="02040503050406030204" pitchFamily="18" charset="0"/>
+                                    <a:ea typeface="Cambria Math" panose="02040503050406030204" pitchFamily="18" charset="0"/>
+                                  </a:rPr>
+                                  <m:t>𝜃</m:t>
+                                </m:r>
+                              </m:e>
+                            </m:func>
+                          </m:e>
+                        </m:d>
+                      </m:e>
+                    </m:d>
+                    <m:r>
+                      <a:rPr lang="en-GB" b="0" i="1" smtClean="0">
+                        <a:latin typeface="Cambria Math" panose="02040503050406030204" pitchFamily="18" charset="0"/>
+                      </a:rPr>
+                      <m:t> = </m:t>
+                    </m:r>
+                    <m:d>
+                      <m:dPr>
+                        <m:begChr m:val="⟨"/>
+                        <m:endChr m:val="⟩"/>
+                        <m:ctrlPr>
+                          <a:rPr lang="en-GB" b="0" i="1" smtClean="0">
+                            <a:latin typeface="Cambria Math" panose="02040503050406030204" pitchFamily="18" charset="0"/>
+                          </a:rPr>
+                        </m:ctrlPr>
+                      </m:dPr>
+                      <m:e>
+                        <m:r>
+                          <a:rPr lang="en-GB" b="0" i="1" smtClean="0">
+                            <a:latin typeface="Cambria Math" panose="02040503050406030204" pitchFamily="18" charset="0"/>
+                          </a:rPr>
+                          <m:t> </m:t>
+                        </m:r>
+                        <m:f>
+                          <m:fPr>
+                            <m:ctrlPr>
+                              <a:rPr lang="en-GB" b="0" i="1" smtClean="0">
+                                <a:latin typeface="Cambria Math" panose="02040503050406030204" pitchFamily="18" charset="0"/>
+                              </a:rPr>
+                            </m:ctrlPr>
+                          </m:fPr>
+                          <m:num>
+                            <m:r>
+                              <a:rPr lang="en-GB" b="0" i="1" smtClean="0">
+                                <a:latin typeface="Cambria Math" panose="02040503050406030204" pitchFamily="18" charset="0"/>
+                              </a:rPr>
+                              <m:t>3</m:t>
+                            </m:r>
+                          </m:num>
+                          <m:den>
+                            <m:r>
+                              <a:rPr lang="en-GB" b="0" i="1" smtClean="0">
+                                <a:latin typeface="Cambria Math" panose="02040503050406030204" pitchFamily="18" charset="0"/>
+                              </a:rPr>
+                              <m:t>2</m:t>
+                            </m:r>
+                          </m:den>
+                        </m:f>
+                        <m:func>
+                          <m:funcPr>
+                            <m:ctrlPr>
+                              <a:rPr lang="en-GB" b="0" i="1" smtClean="0">
+                                <a:latin typeface="Cambria Math" panose="02040503050406030204" pitchFamily="18" charset="0"/>
+                              </a:rPr>
+                            </m:ctrlPr>
+                          </m:funcPr>
+                          <m:fName>
+                            <m:sSup>
+                              <m:sSupPr>
+                                <m:ctrlPr>
+                                  <a:rPr lang="en-GB" b="0" i="1" smtClean="0">
+                                    <a:latin typeface="Cambria Math" panose="02040503050406030204" pitchFamily="18" charset="0"/>
+                                  </a:rPr>
+                                </m:ctrlPr>
+                              </m:sSupPr>
+                              <m:e>
+                                <m:r>
+                                  <m:rPr>
+                                    <m:sty m:val="p"/>
+                                  </m:rPr>
+                                  <a:rPr lang="en-GB" b="0" i="0" smtClean="0">
+                                    <a:latin typeface="Cambria Math" panose="02040503050406030204" pitchFamily="18" charset="0"/>
+                                  </a:rPr>
+                                  <m:t>cos</m:t>
+                                </m:r>
+                              </m:e>
+                              <m:sup>
+                                <m:r>
+                                  <a:rPr lang="en-GB" b="0" i="1" smtClean="0">
+                                    <a:latin typeface="Cambria Math" panose="02040503050406030204" pitchFamily="18" charset="0"/>
+                                  </a:rPr>
+                                  <m:t>2</m:t>
+                                </m:r>
+                              </m:sup>
+                            </m:sSup>
+                          </m:fName>
+                          <m:e>
+                            <m:d>
+                              <m:dPr>
+                                <m:ctrlPr>
+                                  <a:rPr lang="en-GB" b="0" i="1" smtClean="0">
+                                    <a:latin typeface="Cambria Math" panose="02040503050406030204" pitchFamily="18" charset="0"/>
+                                  </a:rPr>
+                                </m:ctrlPr>
+                              </m:dPr>
+                              <m:e>
+                                <m:r>
+                                  <a:rPr lang="en-GB" b="0" i="1" smtClean="0">
+                                    <a:latin typeface="Cambria Math" panose="02040503050406030204" pitchFamily="18" charset="0"/>
+                                    <a:ea typeface="Cambria Math" panose="02040503050406030204" pitchFamily="18" charset="0"/>
+                                  </a:rPr>
+                                  <m:t>𝜃</m:t>
+                                </m:r>
+                              </m:e>
+                            </m:d>
+                            <m:r>
+                              <a:rPr lang="en-GB" b="0" i="1" smtClean="0">
+                                <a:latin typeface="Cambria Math" panose="02040503050406030204" pitchFamily="18" charset="0"/>
+                              </a:rPr>
+                              <m:t>−</m:t>
+                            </m:r>
+                            <m:f>
+                              <m:fPr>
+                                <m:ctrlPr>
+                                  <a:rPr lang="en-GB" b="0" i="1" smtClean="0">
+                                    <a:latin typeface="Cambria Math" panose="02040503050406030204" pitchFamily="18" charset="0"/>
+                                  </a:rPr>
+                                </m:ctrlPr>
+                              </m:fPr>
+                              <m:num>
+                                <m:r>
+                                  <a:rPr lang="en-GB" b="0" i="1" smtClean="0">
+                                    <a:latin typeface="Cambria Math" panose="02040503050406030204" pitchFamily="18" charset="0"/>
+                                  </a:rPr>
+                                  <m:t>1</m:t>
+                                </m:r>
+                              </m:num>
+                              <m:den>
+                                <m:r>
+                                  <a:rPr lang="en-GB" b="0" i="1" smtClean="0">
+                                    <a:latin typeface="Cambria Math" panose="02040503050406030204" pitchFamily="18" charset="0"/>
+                                  </a:rPr>
+                                  <m:t>2</m:t>
+                                </m:r>
+                              </m:den>
+                            </m:f>
+                          </m:e>
+                        </m:func>
+                        <m:r>
+                          <a:rPr lang="en-GB" b="0" i="1" smtClean="0">
+                            <a:latin typeface="Cambria Math" panose="02040503050406030204" pitchFamily="18" charset="0"/>
+                          </a:rPr>
+                          <m:t> </m:t>
+                        </m:r>
+                      </m:e>
+                    </m:d>
+                    <m:r>
+                      <a:rPr lang="en-GB" b="0" i="1" smtClean="0">
+                        <a:latin typeface="Cambria Math" panose="02040503050406030204" pitchFamily="18" charset="0"/>
+                      </a:rPr>
+                      <m:t> </m:t>
+                    </m:r>
+                  </m:oMath>
+                </a14:m>
+                <a:endParaRPr lang="en-GB" dirty="0"/>
+              </a:p>
+              <a:p>
+                <a:pPr marL="0" indent="0">
+                  <a:buNone/>
+                </a:pPr>
+                <a:endParaRPr lang="en-GB" dirty="0"/>
+              </a:p>
+              <a:p>
+                <a:pPr>
+                  <a:buFont typeface="Arial" panose="020B0604020202020204" pitchFamily="34" charset="0"/>
+                  <a:buChar char="•"/>
+                </a:pPr>
+                <a:r>
+                  <a:rPr lang="en-GB" dirty="0"/>
+                  <a:t> </a:t>
+                </a:r>
+                <a:r>
+                  <a:rPr lang="en-GB" b="1" dirty="0"/>
+                  <a:t>Smectic Order Parameter</a:t>
+                </a:r>
+                <a:r>
+                  <a:rPr lang="en-GB" dirty="0"/>
+                  <a:t>	</a:t>
+                </a:r>
+                <a14:m>
+                  <m:oMath xmlns:m="http://schemas.openxmlformats.org/officeDocument/2006/math">
+                    <m:sSub>
+                      <m:sSubPr>
+                        <m:ctrlPr>
+                          <a:rPr lang="en-GB" i="1" smtClean="0">
+                            <a:latin typeface="Cambria Math" panose="02040503050406030204" pitchFamily="18" charset="0"/>
+                          </a:rPr>
+                        </m:ctrlPr>
+                      </m:sSubPr>
+                      <m:e>
+                        <m:r>
+                          <a:rPr lang="en-GB" b="0" i="1" smtClean="0">
+                            <a:latin typeface="Cambria Math" panose="02040503050406030204" pitchFamily="18" charset="0"/>
+                          </a:rPr>
+                          <m:t>𝑆</m:t>
+                        </m:r>
+                      </m:e>
+                      <m:sub>
+                        <m:r>
+                          <a:rPr lang="en-GB" b="0" i="1" smtClean="0">
+                            <a:latin typeface="Cambria Math" panose="02040503050406030204" pitchFamily="18" charset="0"/>
+                          </a:rPr>
+                          <m:t>𝑠</m:t>
+                        </m:r>
+                      </m:sub>
+                    </m:sSub>
+                    <m:r>
+                      <a:rPr lang="en-GB" b="0" i="1" smtClean="0">
+                        <a:latin typeface="Cambria Math" panose="02040503050406030204" pitchFamily="18" charset="0"/>
+                      </a:rPr>
+                      <m:t>= </m:t>
+                    </m:r>
+                    <m:f>
+                      <m:fPr>
+                        <m:ctrlPr>
+                          <a:rPr lang="en-GB" b="0" i="1" smtClean="0">
+                            <a:latin typeface="Cambria Math" panose="02040503050406030204" pitchFamily="18" charset="0"/>
+                          </a:rPr>
+                        </m:ctrlPr>
+                      </m:fPr>
+                      <m:num>
+                        <m:r>
+                          <a:rPr lang="en-GB" b="0" i="1" smtClean="0">
+                            <a:latin typeface="Cambria Math" panose="02040503050406030204" pitchFamily="18" charset="0"/>
+                          </a:rPr>
+                          <m:t>1</m:t>
+                        </m:r>
+                      </m:num>
+                      <m:den>
+                        <m:r>
+                          <a:rPr lang="en-GB" b="0" i="1" smtClean="0">
+                            <a:latin typeface="Cambria Math" panose="02040503050406030204" pitchFamily="18" charset="0"/>
+                          </a:rPr>
+                          <m:t>𝑁</m:t>
+                        </m:r>
+                      </m:den>
+                    </m:f>
+                    <m:d>
+                      <m:dPr>
+                        <m:begChr m:val="|"/>
+                        <m:endChr m:val="|"/>
+                        <m:ctrlPr>
+                          <a:rPr lang="en-GB" b="0" i="1" smtClean="0">
+                            <a:latin typeface="Cambria Math" panose="02040503050406030204" pitchFamily="18" charset="0"/>
+                          </a:rPr>
+                        </m:ctrlPr>
+                      </m:dPr>
+                      <m:e>
+                        <m:nary>
+                          <m:naryPr>
+                            <m:chr m:val="∑"/>
+                            <m:ctrlPr>
+                              <a:rPr lang="en-GB" b="0" i="1" smtClean="0">
+                                <a:latin typeface="Cambria Math" panose="02040503050406030204" pitchFamily="18" charset="0"/>
+                              </a:rPr>
+                            </m:ctrlPr>
+                          </m:naryPr>
+                          <m:sub>
+                            <m:r>
+                              <m:rPr>
+                                <m:brk m:alnAt="23"/>
+                              </m:rPr>
+                              <a:rPr lang="en-GB" b="0" i="1" smtClean="0">
+                                <a:latin typeface="Cambria Math" panose="02040503050406030204" pitchFamily="18" charset="0"/>
+                              </a:rPr>
+                              <m:t>𝑗</m:t>
+                            </m:r>
+                            <m:r>
+                              <a:rPr lang="en-GB" b="0" i="1" smtClean="0">
+                                <a:latin typeface="Cambria Math" panose="02040503050406030204" pitchFamily="18" charset="0"/>
+                              </a:rPr>
+                              <m:t>=0</m:t>
+                            </m:r>
+                          </m:sub>
+                          <m:sup>
+                            <m:r>
+                              <a:rPr lang="en-GB" b="0" i="1" smtClean="0">
+                                <a:latin typeface="Cambria Math" panose="02040503050406030204" pitchFamily="18" charset="0"/>
+                              </a:rPr>
+                              <m:t>𝑁</m:t>
+                            </m:r>
+                          </m:sup>
+                          <m:e>
+                            <m:sSup>
+                              <m:sSupPr>
+                                <m:ctrlPr>
+                                  <a:rPr lang="en-GB" b="0" i="1" smtClean="0">
+                                    <a:latin typeface="Cambria Math" panose="02040503050406030204" pitchFamily="18" charset="0"/>
+                                  </a:rPr>
+                                </m:ctrlPr>
+                              </m:sSupPr>
+                              <m:e>
+                                <m:r>
+                                  <a:rPr lang="en-GB" b="0" i="1" smtClean="0">
+                                    <a:latin typeface="Cambria Math" panose="02040503050406030204" pitchFamily="18" charset="0"/>
+                                  </a:rPr>
+                                  <m:t>𝑒</m:t>
+                                </m:r>
+                              </m:e>
+                              <m:sup>
+                                <m:f>
+                                  <m:fPr>
+                                    <m:ctrlPr>
+                                      <a:rPr lang="en-GB" b="0" i="1" smtClean="0">
+                                        <a:latin typeface="Cambria Math" panose="02040503050406030204" pitchFamily="18" charset="0"/>
+                                      </a:rPr>
+                                    </m:ctrlPr>
+                                  </m:fPr>
+                                  <m:num>
+                                    <m:r>
+                                      <a:rPr lang="en-GB" b="0" i="1" smtClean="0">
+                                        <a:latin typeface="Cambria Math" panose="02040503050406030204" pitchFamily="18" charset="0"/>
+                                      </a:rPr>
+                                      <m:t>2</m:t>
+                                    </m:r>
+                                    <m:r>
+                                      <a:rPr lang="en-GB" b="0" i="1" smtClean="0">
+                                        <a:latin typeface="Cambria Math" panose="02040503050406030204" pitchFamily="18" charset="0"/>
+                                        <a:ea typeface="Cambria Math" panose="02040503050406030204" pitchFamily="18" charset="0"/>
+                                      </a:rPr>
+                                      <m:t>𝜋</m:t>
+                                    </m:r>
+                                  </m:num>
+                                  <m:den>
+                                    <m:r>
+                                      <a:rPr lang="en-GB" b="0" i="1" smtClean="0">
+                                        <a:latin typeface="Cambria Math" panose="02040503050406030204" pitchFamily="18" charset="0"/>
+                                      </a:rPr>
+                                      <m:t>𝐿</m:t>
+                                    </m:r>
+                                  </m:den>
+                                </m:f>
+                                <m:r>
+                                  <a:rPr lang="en-GB" b="0" i="1" smtClean="0">
+                                    <a:latin typeface="Cambria Math" panose="02040503050406030204" pitchFamily="18" charset="0"/>
+                                  </a:rPr>
+                                  <m:t>𝑖</m:t>
+                                </m:r>
+                                <m:sSub>
+                                  <m:sSubPr>
+                                    <m:ctrlPr>
+                                      <a:rPr lang="en-GB" b="0" i="1" smtClean="0">
+                                        <a:latin typeface="Cambria Math" panose="02040503050406030204" pitchFamily="18" charset="0"/>
+                                      </a:rPr>
+                                    </m:ctrlPr>
+                                  </m:sSubPr>
+                                  <m:e>
+                                    <m:r>
+                                      <a:rPr lang="en-GB" b="1" i="1" smtClean="0">
+                                        <a:latin typeface="Cambria Math" panose="02040503050406030204" pitchFamily="18" charset="0"/>
+                                      </a:rPr>
+                                      <m:t>𝒓</m:t>
+                                    </m:r>
+                                  </m:e>
+                                  <m:sub>
+                                    <m:r>
+                                      <a:rPr lang="en-GB" b="0" i="1" smtClean="0">
+                                        <a:latin typeface="Cambria Math" panose="02040503050406030204" pitchFamily="18" charset="0"/>
+                                      </a:rPr>
+                                      <m:t>𝑗</m:t>
+                                    </m:r>
+                                  </m:sub>
+                                </m:sSub>
+                                <m:r>
+                                  <a:rPr lang="en-GB" b="0" i="1" smtClean="0">
+                                    <a:latin typeface="Cambria Math" panose="02040503050406030204" pitchFamily="18" charset="0"/>
+                                    <a:ea typeface="Cambria Math" panose="02040503050406030204" pitchFamily="18" charset="0"/>
+                                  </a:rPr>
+                                  <m:t>∙</m:t>
+                                </m:r>
+                                <m:acc>
+                                  <m:accPr>
+                                    <m:chr m:val="̂"/>
+                                    <m:ctrlPr>
+                                      <a:rPr lang="en-GB" b="0" i="1" smtClean="0">
+                                        <a:latin typeface="Cambria Math" panose="02040503050406030204" pitchFamily="18" charset="0"/>
+                                        <a:ea typeface="Cambria Math" panose="02040503050406030204" pitchFamily="18" charset="0"/>
+                                      </a:rPr>
+                                    </m:ctrlPr>
+                                  </m:accPr>
+                                  <m:e>
+                                    <m:r>
+                                      <a:rPr lang="en-GB" b="1" i="1" smtClean="0">
+                                        <a:latin typeface="Cambria Math" panose="02040503050406030204" pitchFamily="18" charset="0"/>
+                                        <a:ea typeface="Cambria Math" panose="02040503050406030204" pitchFamily="18" charset="0"/>
+                                      </a:rPr>
+                                      <m:t>𝒏</m:t>
+                                    </m:r>
+                                  </m:e>
+                                </m:acc>
+                              </m:sup>
+                            </m:sSup>
+                          </m:e>
+                        </m:nary>
+                      </m:e>
+                    </m:d>
+                  </m:oMath>
+                </a14:m>
+                <a:endParaRPr lang="en-GB" dirty="0"/>
+              </a:p>
+              <a:p>
+                <a:pPr>
+                  <a:buFont typeface="Arial" panose="020B0604020202020204" pitchFamily="34" charset="0"/>
+                  <a:buChar char="•"/>
+                </a:pPr>
+                <a:endParaRPr lang="en-GB" dirty="0"/>
+              </a:p>
+              <a:p>
+                <a:pPr>
+                  <a:buFont typeface="Arial" panose="020B0604020202020204" pitchFamily="34" charset="0"/>
+                  <a:buChar char="•"/>
+                </a:pPr>
+                <a:r>
+                  <a:rPr lang="en-GB" i="1" dirty="0"/>
+                  <a:t> Both range from 1 (perfectly ordered) to 0 (no order)</a:t>
+                </a:r>
+              </a:p>
+            </p:txBody>
+          </p:sp>
+        </mc:Choice>
+        <mc:Fallback>
+          <p:sp>
+            <p:nvSpPr>
+              <p:cNvPr id="3" name="Content Placeholder 2">
+                <a:extLst>
+                  <a:ext uri="{FF2B5EF4-FFF2-40B4-BE49-F238E27FC236}">
+                    <a16:creationId xmlns:a16="http://schemas.microsoft.com/office/drawing/2014/main" id="{C85490A2-70BA-47A2-9EBF-5B93C3CDAE4D}"/>
+                  </a:ext>
+                </a:extLst>
+              </p:cNvPr>
+              <p:cNvSpPr>
+                <a:spLocks noGrp="1" noRot="1" noChangeAspect="1" noMove="1" noResize="1" noEditPoints="1" noAdjustHandles="1" noChangeArrowheads="1" noChangeShapeType="1" noTextEdit="1"/>
+              </p:cNvSpPr>
+              <p:nvPr>
+                <p:ph idx="1"/>
+              </p:nvPr>
+            </p:nvSpPr>
+            <p:spPr>
+              <a:xfrm>
+                <a:off x="1097279" y="1845734"/>
+                <a:ext cx="10701143" cy="4023360"/>
+              </a:xfrm>
+              <a:blipFill>
+                <a:blip r:embed="rId2"/>
+                <a:stretch>
+                  <a:fillRect l="-1880" b="-455"/>
+                </a:stretch>
+              </a:blipFill>
+            </p:spPr>
+            <p:txBody>
+              <a:bodyPr/>
+              <a:lstStyle/>
+              <a:p>
+                <a:r>
+                  <a:rPr lang="en-GB">
+                    <a:noFill/>
+                  </a:rPr>
+                  <a:t> </a:t>
+                </a:r>
+              </a:p>
+            </p:txBody>
+          </p:sp>
+        </mc:Fallback>
+      </mc:AlternateContent>
+      <p:sp>
+        <p:nvSpPr>
+          <p:cNvPr id="4" name="Date Placeholder 3">
             <a:extLst>
               <a:ext uri="{FF2B5EF4-FFF2-40B4-BE49-F238E27FC236}">
-                <a16:creationId xmlns:a16="http://schemas.microsoft.com/office/drawing/2014/main" id="{AC53D448-2676-4126-B047-DB0C6E8D4412}"/>
+                <a16:creationId xmlns:a16="http://schemas.microsoft.com/office/drawing/2014/main" id="{D15BD117-7EDE-4B78-B756-92D3AB936C3F}"/>
               </a:ext>
             </a:extLst>
           </p:cNvPr>
@@ -5195,111 +6746,6 @@
             <a:spLocks noGrp="1"/>
           </p:cNvSpPr>
           <p:nvPr>
-            <p:ph idx="1"/>
-          </p:nvPr>
-        </p:nvSpPr>
-        <p:spPr/>
-        <p:txBody>
-          <a:bodyPr>
-            <a:normAutofit/>
-          </a:bodyPr>
-          <a:lstStyle/>
-          <a:p>
-            <a:pPr>
-              <a:buFont typeface="Arial" panose="020B0604020202020204" pitchFamily="34" charset="0"/>
-              <a:buChar char="•"/>
-            </a:pPr>
-            <a:r>
-              <a:rPr lang="en-GB" sz="2800" dirty="0"/>
-              <a:t> Introduction</a:t>
-            </a:r>
-          </a:p>
-          <a:p>
-            <a:pPr>
-              <a:buFont typeface="Arial" panose="020B0604020202020204" pitchFamily="34" charset="0"/>
-              <a:buChar char="•"/>
-            </a:pPr>
-            <a:r>
-              <a:rPr lang="en-GB" sz="2800" b="1" dirty="0"/>
-              <a:t> </a:t>
-            </a:r>
-            <a:r>
-              <a:rPr lang="en-GB" sz="2800" dirty="0"/>
-              <a:t>Methods</a:t>
-            </a:r>
-          </a:p>
-          <a:p>
-            <a:pPr>
-              <a:buFont typeface="Arial" panose="020B0604020202020204" pitchFamily="34" charset="0"/>
-              <a:buChar char="•"/>
-            </a:pPr>
-            <a:r>
-              <a:rPr lang="en-GB" sz="2800" dirty="0"/>
-              <a:t> </a:t>
-            </a:r>
-            <a:r>
-              <a:rPr lang="en-GB" sz="2800" b="1" dirty="0"/>
-              <a:t>Rigid Rod Simulations</a:t>
-            </a:r>
-          </a:p>
-          <a:p>
-            <a:pPr lvl="1">
-              <a:buFont typeface="Arial" panose="020B0604020202020204" pitchFamily="34" charset="0"/>
-              <a:buChar char="•"/>
-            </a:pPr>
-            <a:r>
-              <a:rPr lang="en-GB" sz="2400" i="1" dirty="0"/>
-              <a:t>Nematic Transition</a:t>
-            </a:r>
-          </a:p>
-          <a:p>
-            <a:pPr lvl="1">
-              <a:buFont typeface="Arial" panose="020B0604020202020204" pitchFamily="34" charset="0"/>
-              <a:buChar char="•"/>
-            </a:pPr>
-            <a:r>
-              <a:rPr lang="en-GB" sz="2400" i="1" dirty="0"/>
-              <a:t>Smectic Transition</a:t>
-            </a:r>
-          </a:p>
-          <a:p>
-            <a:pPr>
-              <a:buFont typeface="Arial" panose="020B0604020202020204" pitchFamily="34" charset="0"/>
-              <a:buChar char="•"/>
-            </a:pPr>
-            <a:r>
-              <a:rPr lang="en-GB" sz="2800" dirty="0"/>
-              <a:t> Nunchuck Simulations </a:t>
-            </a:r>
-          </a:p>
-          <a:p>
-            <a:pPr>
-              <a:buFont typeface="Arial" panose="020B0604020202020204" pitchFamily="34" charset="0"/>
-              <a:buChar char="•"/>
-            </a:pPr>
-            <a:r>
-              <a:rPr lang="en-GB" sz="2800" dirty="0"/>
-              <a:t> Conclusions</a:t>
-            </a:r>
-          </a:p>
-          <a:p>
-            <a:endParaRPr lang="en-GB" dirty="0"/>
-          </a:p>
-        </p:txBody>
-      </p:sp>
-      <p:sp>
-        <p:nvSpPr>
-          <p:cNvPr id="7" name="Date Placeholder 6">
-            <a:extLst>
-              <a:ext uri="{FF2B5EF4-FFF2-40B4-BE49-F238E27FC236}">
-                <a16:creationId xmlns:a16="http://schemas.microsoft.com/office/drawing/2014/main" id="{C3EC29A1-3F1F-4672-BD61-9D8F6A796CD5}"/>
-              </a:ext>
-            </a:extLst>
-          </p:cNvPr>
-          <p:cNvSpPr>
-            <a:spLocks noGrp="1"/>
-          </p:cNvSpPr>
-          <p:nvPr>
             <p:ph type="dt" sz="half" idx="10"/>
           </p:nvPr>
         </p:nvSpPr>
@@ -5308,7 +6754,7 @@
           <a:bodyPr/>
           <a:lstStyle/>
           <a:p>
-            <a:fld id="{5ED3C242-668A-4C09-B0F2-37AF4FC7BCE8}" type="datetime1">
+            <a:fld id="{7F253374-1CF5-427D-922B-09BFB2E7CA63}" type="datetime1">
               <a:rPr lang="en-GB" smtClean="0"/>
               <a:t>06/05/2021</a:t>
             </a:fld>
@@ -5318,10 +6764,10 @@
       </p:sp>
       <p:sp>
         <p:nvSpPr>
-          <p:cNvPr id="8" name="Footer Placeholder 7">
+          <p:cNvPr id="5" name="Footer Placeholder 4">
             <a:extLst>
               <a:ext uri="{FF2B5EF4-FFF2-40B4-BE49-F238E27FC236}">
-                <a16:creationId xmlns:a16="http://schemas.microsoft.com/office/drawing/2014/main" id="{53B70617-410A-4AB2-8AD5-DDE0CED9C1F5}"/>
+                <a16:creationId xmlns:a16="http://schemas.microsoft.com/office/drawing/2014/main" id="{920C26E9-E106-456F-81BF-FC0C56C37C6D}"/>
               </a:ext>
             </a:extLst>
           </p:cNvPr>
@@ -5346,10 +6792,10 @@
       </p:sp>
       <p:sp>
         <p:nvSpPr>
-          <p:cNvPr id="9" name="Slide Number Placeholder 8">
+          <p:cNvPr id="6" name="Slide Number Placeholder 5">
             <a:extLst>
               <a:ext uri="{FF2B5EF4-FFF2-40B4-BE49-F238E27FC236}">
-                <a16:creationId xmlns:a16="http://schemas.microsoft.com/office/drawing/2014/main" id="{837BB13C-55C4-4CAF-96F7-29F3B0A46D5D}"/>
+                <a16:creationId xmlns:a16="http://schemas.microsoft.com/office/drawing/2014/main" id="{B2DC3A50-B463-4E62-8239-9A0E243F74D6}"/>
               </a:ext>
             </a:extLst>
           </p:cNvPr>
@@ -5376,7 +6822,7 @@
     </p:spTree>
     <p:extLst>
       <p:ext uri="{BB962C8B-B14F-4D97-AF65-F5344CB8AC3E}">
-        <p14:creationId xmlns:p14="http://schemas.microsoft.com/office/powerpoint/2010/main" val="2442228963"/>
+        <p14:creationId xmlns:p14="http://schemas.microsoft.com/office/powerpoint/2010/main" val="423235810"/>
       </p:ext>
     </p:extLst>
   </p:cSld>
@@ -5408,7 +6854,7 @@
           <p:cNvPr id="2" name="Title 1">
             <a:extLst>
               <a:ext uri="{FF2B5EF4-FFF2-40B4-BE49-F238E27FC236}">
-                <a16:creationId xmlns:a16="http://schemas.microsoft.com/office/drawing/2014/main" id="{8942B4A0-F150-405A-9068-8F7612F09AE0}"/>
+                <a16:creationId xmlns:a16="http://schemas.microsoft.com/office/drawing/2014/main" id="{92B565AD-5E36-4446-AA4B-FDDD7A4B1B72}"/>
               </a:ext>
             </a:extLst>
           </p:cNvPr>
@@ -5425,10 +6871,9 @@
           <a:lstStyle/>
           <a:p>
             <a:r>
-              <a:rPr lang="en-GB" sz="4800" dirty="0"/>
-              <a:t>Nunchuck Simulations</a:t>
-            </a:r>
-            <a:endParaRPr lang="en-GB" dirty="0"/>
+              <a:rPr lang="en-GB" dirty="0"/>
+              <a:t>DNA as a Liquid Crystal</a:t>
+            </a:r>
           </a:p>
         </p:txBody>
       </p:sp>
@@ -5437,7 +6882,7 @@
           <p:cNvPr id="3" name="Content Placeholder 2">
             <a:extLst>
               <a:ext uri="{FF2B5EF4-FFF2-40B4-BE49-F238E27FC236}">
-                <a16:creationId xmlns:a16="http://schemas.microsoft.com/office/drawing/2014/main" id="{AC53D448-2676-4126-B047-DB0C6E8D4412}"/>
+                <a16:creationId xmlns:a16="http://schemas.microsoft.com/office/drawing/2014/main" id="{D2CED2D2-B4AD-44C1-933A-E3F1DC2807B4}"/>
               </a:ext>
             </a:extLst>
           </p:cNvPr>
@@ -5450,109 +6895,19 @@
         </p:nvSpPr>
         <p:spPr/>
         <p:txBody>
-          <a:bodyPr>
-            <a:normAutofit/>
-          </a:bodyPr>
-          <a:lstStyle/>
-          <a:p>
-            <a:pPr>
-              <a:buFont typeface="Arial" panose="020B0604020202020204" pitchFamily="34" charset="0"/>
-              <a:buChar char="•"/>
-            </a:pPr>
-            <a:r>
-              <a:rPr lang="en-GB" sz="2800" dirty="0"/>
-              <a:t> Introduction</a:t>
-            </a:r>
-          </a:p>
-          <a:p>
-            <a:pPr>
-              <a:buFont typeface="Arial" panose="020B0604020202020204" pitchFamily="34" charset="0"/>
-              <a:buChar char="•"/>
-            </a:pPr>
-            <a:r>
-              <a:rPr lang="en-GB" sz="2800" b="1" dirty="0"/>
-              <a:t> </a:t>
-            </a:r>
-            <a:r>
-              <a:rPr lang="en-GB" sz="2800" dirty="0"/>
-              <a:t>Methods</a:t>
-            </a:r>
-          </a:p>
-          <a:p>
-            <a:pPr>
-              <a:buFont typeface="Arial" panose="020B0604020202020204" pitchFamily="34" charset="0"/>
-              <a:buChar char="•"/>
-            </a:pPr>
-            <a:r>
-              <a:rPr lang="en-GB" sz="2800" dirty="0"/>
-              <a:t> Rigid Rod Simulations</a:t>
-            </a:r>
-          </a:p>
-          <a:p>
-            <a:pPr>
-              <a:buFont typeface="Arial" panose="020B0604020202020204" pitchFamily="34" charset="0"/>
-              <a:buChar char="•"/>
-            </a:pPr>
-            <a:r>
-              <a:rPr lang="en-GB" sz="2800" dirty="0"/>
-              <a:t> </a:t>
-            </a:r>
-            <a:r>
-              <a:rPr lang="en-GB" sz="2800" b="1" dirty="0"/>
-              <a:t>Nunchuck Simulations </a:t>
-            </a:r>
-          </a:p>
-          <a:p>
-            <a:pPr lvl="1">
-              <a:buFont typeface="Arial" panose="020B0604020202020204" pitchFamily="34" charset="0"/>
-              <a:buChar char="•"/>
-            </a:pPr>
-            <a:r>
-              <a:rPr lang="en-GB" sz="2400" i="1" dirty="0"/>
-              <a:t>Fixed Rigidity</a:t>
-            </a:r>
-          </a:p>
-          <a:p>
-            <a:pPr lvl="1">
-              <a:buFont typeface="Arial" panose="020B0604020202020204" pitchFamily="34" charset="0"/>
-              <a:buChar char="•"/>
-            </a:pPr>
-            <a:r>
-              <a:rPr lang="en-GB" sz="2400" i="1" dirty="0"/>
-              <a:t>Fixed Angle</a:t>
-            </a:r>
-          </a:p>
-          <a:p>
-            <a:pPr lvl="1">
-              <a:buFont typeface="Arial" panose="020B0604020202020204" pitchFamily="34" charset="0"/>
-              <a:buChar char="•"/>
-            </a:pPr>
-            <a:r>
-              <a:rPr lang="en-GB" sz="2400" i="1" dirty="0"/>
-              <a:t>Dynamic Properties</a:t>
-            </a:r>
-          </a:p>
-          <a:p>
-            <a:pPr>
-              <a:buFont typeface="Arial" panose="020B0604020202020204" pitchFamily="34" charset="0"/>
-              <a:buChar char="•"/>
-            </a:pPr>
-            <a:r>
-              <a:rPr lang="en-GB" sz="2800" dirty="0"/>
-              <a:t> Conclusions</a:t>
-            </a:r>
-          </a:p>
-          <a:p>
-            <a:endParaRPr lang="en-GB" dirty="0"/>
-          </a:p>
-        </p:txBody>
-      </p:sp>
-      <p:sp>
-        <p:nvSpPr>
-          <p:cNvPr id="7" name="Date Placeholder 6">
+          <a:bodyPr/>
+          <a:lstStyle/>
+          <a:p>
+            <a:endParaRPr lang="en-GB"/>
+          </a:p>
+        </p:txBody>
+      </p:sp>
+      <p:sp>
+        <p:nvSpPr>
+          <p:cNvPr id="4" name="Date Placeholder 3">
             <a:extLst>
               <a:ext uri="{FF2B5EF4-FFF2-40B4-BE49-F238E27FC236}">
-                <a16:creationId xmlns:a16="http://schemas.microsoft.com/office/drawing/2014/main" id="{F8D3FD9E-0468-4D84-B8AB-62CFA79681D8}"/>
+                <a16:creationId xmlns:a16="http://schemas.microsoft.com/office/drawing/2014/main" id="{B32004A2-F3EB-4815-B3B9-701956162A12}"/>
               </a:ext>
             </a:extLst>
           </p:cNvPr>
@@ -5568,7 +6923,7 @@
           <a:bodyPr/>
           <a:lstStyle/>
           <a:p>
-            <a:fld id="{71A55007-BF49-4C86-8F7D-090310C8A7F3}" type="datetime1">
+            <a:fld id="{7F253374-1CF5-427D-922B-09BFB2E7CA63}" type="datetime1">
               <a:rPr lang="en-GB" smtClean="0"/>
               <a:t>06/05/2021</a:t>
             </a:fld>
@@ -5578,10 +6933,10 @@
       </p:sp>
       <p:sp>
         <p:nvSpPr>
-          <p:cNvPr id="8" name="Footer Placeholder 7">
+          <p:cNvPr id="5" name="Footer Placeholder 4">
             <a:extLst>
               <a:ext uri="{FF2B5EF4-FFF2-40B4-BE49-F238E27FC236}">
-                <a16:creationId xmlns:a16="http://schemas.microsoft.com/office/drawing/2014/main" id="{189657EC-EC9C-4C75-A24A-09DBF3570A54}"/>
+                <a16:creationId xmlns:a16="http://schemas.microsoft.com/office/drawing/2014/main" id="{8FA9E69C-9F06-416F-8313-D692723FF020}"/>
               </a:ext>
             </a:extLst>
           </p:cNvPr>
@@ -5606,10 +6961,10 @@
       </p:sp>
       <p:sp>
         <p:nvSpPr>
-          <p:cNvPr id="9" name="Slide Number Placeholder 8">
+          <p:cNvPr id="6" name="Slide Number Placeholder 5">
             <a:extLst>
               <a:ext uri="{FF2B5EF4-FFF2-40B4-BE49-F238E27FC236}">
-                <a16:creationId xmlns:a16="http://schemas.microsoft.com/office/drawing/2014/main" id="{8816638D-F0BD-468E-97B8-12C8EF9A6909}"/>
+                <a16:creationId xmlns:a16="http://schemas.microsoft.com/office/drawing/2014/main" id="{A06C618F-D456-4CE5-9040-4B32DEAC4193}"/>
               </a:ext>
             </a:extLst>
           </p:cNvPr>
@@ -5636,7 +6991,7 @@
     </p:spTree>
     <p:extLst>
       <p:ext uri="{BB962C8B-B14F-4D97-AF65-F5344CB8AC3E}">
-        <p14:creationId xmlns:p14="http://schemas.microsoft.com/office/powerpoint/2010/main" val="2301142952"/>
+        <p14:creationId xmlns:p14="http://schemas.microsoft.com/office/powerpoint/2010/main" val="1359185175"/>
       </p:ext>
     </p:extLst>
   </p:cSld>
@@ -5686,7 +7041,7 @@
           <a:p>
             <a:r>
               <a:rPr lang="en-GB" dirty="0"/>
-              <a:t>Introduction</a:t>
+              <a:t>Methods</a:t>
             </a:r>
           </a:p>
         </p:txBody>
@@ -5730,11 +7085,27 @@
             </a:pPr>
             <a:r>
               <a:rPr lang="en-GB" sz="2800" b="1" dirty="0"/>
-              <a:t> </a:t>
-            </a:r>
-            <a:r>
-              <a:rPr lang="en-GB" sz="2800" dirty="0"/>
-              <a:t>Methods</a:t>
+              <a:t> Methods</a:t>
+            </a:r>
+          </a:p>
+          <a:p>
+            <a:pPr lvl="1">
+              <a:buFont typeface="Arial" panose="020B0604020202020204" pitchFamily="34" charset="0"/>
+              <a:buChar char="•"/>
+            </a:pPr>
+            <a:r>
+              <a:rPr lang="en-GB" sz="2400" i="1" dirty="0"/>
+              <a:t>LAMMPS Software</a:t>
+            </a:r>
+          </a:p>
+          <a:p>
+            <a:pPr lvl="1">
+              <a:buFont typeface="Arial" panose="020B0604020202020204" pitchFamily="34" charset="0"/>
+              <a:buChar char="•"/>
+            </a:pPr>
+            <a:r>
+              <a:rPr lang="en-GB" sz="2400" i="1" dirty="0"/>
+              <a:t>Nunchuck Molecules</a:t>
             </a:r>
           </a:p>
           <a:p>
@@ -5764,33 +7135,8 @@
             </a:pPr>
             <a:r>
               <a:rPr lang="en-GB" sz="2800" dirty="0"/>
-              <a:t> </a:t>
-            </a:r>
-            <a:r>
-              <a:rPr lang="en-GB" sz="2800" b="1" dirty="0"/>
-              <a:t>Conclusions</a:t>
-            </a:r>
-          </a:p>
-          <a:p>
-            <a:pPr lvl="1">
-              <a:buFont typeface="Arial" panose="020B0604020202020204" pitchFamily="34" charset="0"/>
-              <a:buChar char="•"/>
-            </a:pPr>
-            <a:r>
-              <a:rPr lang="en-GB" sz="2600" i="1" dirty="0"/>
-              <a:t>Primary Findings</a:t>
-            </a:r>
-          </a:p>
-          <a:p>
-            <a:pPr lvl="1">
-              <a:buFont typeface="Arial" panose="020B0604020202020204" pitchFamily="34" charset="0"/>
-              <a:buChar char="•"/>
-            </a:pPr>
-            <a:r>
-              <a:rPr lang="en-GB" sz="2600" i="1" dirty="0"/>
-              <a:t>Further Work</a:t>
-            </a:r>
-            <a:endParaRPr lang="en-GB" sz="2600" dirty="0"/>
+              <a:t> Conclusions</a:t>
+            </a:r>
           </a:p>
           <a:p>
             <a:endParaRPr lang="en-GB" dirty="0"/>
@@ -5802,7 +7148,7 @@
           <p:cNvPr id="7" name="Date Placeholder 6">
             <a:extLst>
               <a:ext uri="{FF2B5EF4-FFF2-40B4-BE49-F238E27FC236}">
-                <a16:creationId xmlns:a16="http://schemas.microsoft.com/office/drawing/2014/main" id="{A899C2D9-963B-4A7D-B350-213AC1754454}"/>
+                <a16:creationId xmlns:a16="http://schemas.microsoft.com/office/drawing/2014/main" id="{3C9CC48B-1CCE-412F-A1D4-0991F38FC073}"/>
               </a:ext>
             </a:extLst>
           </p:cNvPr>
@@ -5818,7 +7164,7 @@
           <a:bodyPr/>
           <a:lstStyle/>
           <a:p>
-            <a:fld id="{7F35EB2B-3FCE-4F7C-945F-B528C12B6B66}" type="datetime1">
+            <a:fld id="{339720CA-7F93-46E4-BD55-7C05EDF0D99C}" type="datetime1">
               <a:rPr lang="en-GB" smtClean="0"/>
               <a:t>06/05/2021</a:t>
             </a:fld>
@@ -5831,7 +7177,7 @@
           <p:cNvPr id="8" name="Footer Placeholder 7">
             <a:extLst>
               <a:ext uri="{FF2B5EF4-FFF2-40B4-BE49-F238E27FC236}">
-                <a16:creationId xmlns:a16="http://schemas.microsoft.com/office/drawing/2014/main" id="{5B41B150-3135-4FDE-9CE6-C3447A401A81}"/>
+                <a16:creationId xmlns:a16="http://schemas.microsoft.com/office/drawing/2014/main" id="{D4FFF9EB-6A54-4C2A-B9B2-AE903E9D1386}"/>
               </a:ext>
             </a:extLst>
           </p:cNvPr>
@@ -5859,7 +7205,7 @@
           <p:cNvPr id="9" name="Slide Number Placeholder 8">
             <a:extLst>
               <a:ext uri="{FF2B5EF4-FFF2-40B4-BE49-F238E27FC236}">
-                <a16:creationId xmlns:a16="http://schemas.microsoft.com/office/drawing/2014/main" id="{8CDB5539-7981-43FC-A4B3-45CFD7FCFCDE}"/>
+                <a16:creationId xmlns:a16="http://schemas.microsoft.com/office/drawing/2014/main" id="{B6C44EE6-121B-41BE-A574-497B1572AC93}"/>
               </a:ext>
             </a:extLst>
           </p:cNvPr>
@@ -5886,7 +7232,516 @@
     </p:spTree>
     <p:extLst>
       <p:ext uri="{BB962C8B-B14F-4D97-AF65-F5344CB8AC3E}">
-        <p14:creationId xmlns:p14="http://schemas.microsoft.com/office/powerpoint/2010/main" val="4282608364"/>
+        <p14:creationId xmlns:p14="http://schemas.microsoft.com/office/powerpoint/2010/main" val="1634486955"/>
+      </p:ext>
+    </p:extLst>
+  </p:cSld>
+  <p:clrMapOvr>
+    <a:masterClrMapping/>
+  </p:clrMapOvr>
+</p:sld>
+</file>
+
+<file path=ppt/slides/slide8.xml><?xml version="1.0" encoding="utf-8"?>
+<p:sld xmlns:a="http://schemas.openxmlformats.org/drawingml/2006/main" xmlns:r="http://schemas.openxmlformats.org/officeDocument/2006/relationships" xmlns:p="http://schemas.openxmlformats.org/presentationml/2006/main">
+  <p:cSld>
+    <p:spTree>
+      <p:nvGrpSpPr>
+        <p:cNvPr id="1" name=""/>
+        <p:cNvGrpSpPr/>
+        <p:nvPr/>
+      </p:nvGrpSpPr>
+      <p:grpSpPr>
+        <a:xfrm>
+          <a:off x="0" y="0"/>
+          <a:ext cx="0" cy="0"/>
+          <a:chOff x="0" y="0"/>
+          <a:chExt cx="0" cy="0"/>
+        </a:xfrm>
+      </p:grpSpPr>
+      <p:sp>
+        <p:nvSpPr>
+          <p:cNvPr id="2" name="Title 1">
+            <a:extLst>
+              <a:ext uri="{FF2B5EF4-FFF2-40B4-BE49-F238E27FC236}">
+                <a16:creationId xmlns:a16="http://schemas.microsoft.com/office/drawing/2014/main" id="{8942B4A0-F150-405A-9068-8F7612F09AE0}"/>
+              </a:ext>
+            </a:extLst>
+          </p:cNvPr>
+          <p:cNvSpPr>
+            <a:spLocks noGrp="1"/>
+          </p:cNvSpPr>
+          <p:nvPr>
+            <p:ph type="title"/>
+          </p:nvPr>
+        </p:nvSpPr>
+        <p:spPr/>
+        <p:txBody>
+          <a:bodyPr/>
+          <a:lstStyle/>
+          <a:p>
+            <a:r>
+              <a:rPr lang="en-GB" dirty="0"/>
+              <a:t>Rigid Rod Simulations</a:t>
+            </a:r>
+          </a:p>
+        </p:txBody>
+      </p:sp>
+      <p:sp>
+        <p:nvSpPr>
+          <p:cNvPr id="3" name="Content Placeholder 2">
+            <a:extLst>
+              <a:ext uri="{FF2B5EF4-FFF2-40B4-BE49-F238E27FC236}">
+                <a16:creationId xmlns:a16="http://schemas.microsoft.com/office/drawing/2014/main" id="{AC53D448-2676-4126-B047-DB0C6E8D4412}"/>
+              </a:ext>
+            </a:extLst>
+          </p:cNvPr>
+          <p:cNvSpPr>
+            <a:spLocks noGrp="1"/>
+          </p:cNvSpPr>
+          <p:nvPr>
+            <p:ph idx="1"/>
+          </p:nvPr>
+        </p:nvSpPr>
+        <p:spPr/>
+        <p:txBody>
+          <a:bodyPr>
+            <a:normAutofit/>
+          </a:bodyPr>
+          <a:lstStyle/>
+          <a:p>
+            <a:pPr>
+              <a:buFont typeface="Arial" panose="020B0604020202020204" pitchFamily="34" charset="0"/>
+              <a:buChar char="•"/>
+            </a:pPr>
+            <a:r>
+              <a:rPr lang="en-GB" sz="2800" dirty="0"/>
+              <a:t> Introduction</a:t>
+            </a:r>
+          </a:p>
+          <a:p>
+            <a:pPr>
+              <a:buFont typeface="Arial" panose="020B0604020202020204" pitchFamily="34" charset="0"/>
+              <a:buChar char="•"/>
+            </a:pPr>
+            <a:r>
+              <a:rPr lang="en-GB" sz="2800" b="1" dirty="0"/>
+              <a:t> </a:t>
+            </a:r>
+            <a:r>
+              <a:rPr lang="en-GB" sz="2800" dirty="0"/>
+              <a:t>Methods</a:t>
+            </a:r>
+          </a:p>
+          <a:p>
+            <a:pPr>
+              <a:buFont typeface="Arial" panose="020B0604020202020204" pitchFamily="34" charset="0"/>
+              <a:buChar char="•"/>
+            </a:pPr>
+            <a:r>
+              <a:rPr lang="en-GB" sz="2800" dirty="0"/>
+              <a:t> </a:t>
+            </a:r>
+            <a:r>
+              <a:rPr lang="en-GB" sz="2800" b="1" dirty="0"/>
+              <a:t>Rigid Rod Simulations</a:t>
+            </a:r>
+          </a:p>
+          <a:p>
+            <a:pPr lvl="1">
+              <a:buFont typeface="Arial" panose="020B0604020202020204" pitchFamily="34" charset="0"/>
+              <a:buChar char="•"/>
+            </a:pPr>
+            <a:r>
+              <a:rPr lang="en-GB" sz="2400" i="1" dirty="0"/>
+              <a:t>Nematic Transition</a:t>
+            </a:r>
+          </a:p>
+          <a:p>
+            <a:pPr lvl="1">
+              <a:buFont typeface="Arial" panose="020B0604020202020204" pitchFamily="34" charset="0"/>
+              <a:buChar char="•"/>
+            </a:pPr>
+            <a:r>
+              <a:rPr lang="en-GB" sz="2400" i="1" dirty="0"/>
+              <a:t>Smectic Transition</a:t>
+            </a:r>
+          </a:p>
+          <a:p>
+            <a:pPr>
+              <a:buFont typeface="Arial" panose="020B0604020202020204" pitchFamily="34" charset="0"/>
+              <a:buChar char="•"/>
+            </a:pPr>
+            <a:r>
+              <a:rPr lang="en-GB" sz="2800" dirty="0"/>
+              <a:t> Nunchuck Simulations </a:t>
+            </a:r>
+          </a:p>
+          <a:p>
+            <a:pPr>
+              <a:buFont typeface="Arial" panose="020B0604020202020204" pitchFamily="34" charset="0"/>
+              <a:buChar char="•"/>
+            </a:pPr>
+            <a:r>
+              <a:rPr lang="en-GB" sz="2800" dirty="0"/>
+              <a:t> Conclusions</a:t>
+            </a:r>
+          </a:p>
+          <a:p>
+            <a:endParaRPr lang="en-GB" dirty="0"/>
+          </a:p>
+        </p:txBody>
+      </p:sp>
+      <p:sp>
+        <p:nvSpPr>
+          <p:cNvPr id="7" name="Date Placeholder 6">
+            <a:extLst>
+              <a:ext uri="{FF2B5EF4-FFF2-40B4-BE49-F238E27FC236}">
+                <a16:creationId xmlns:a16="http://schemas.microsoft.com/office/drawing/2014/main" id="{C3EC29A1-3F1F-4672-BD61-9D8F6A796CD5}"/>
+              </a:ext>
+            </a:extLst>
+          </p:cNvPr>
+          <p:cNvSpPr>
+            <a:spLocks noGrp="1"/>
+          </p:cNvSpPr>
+          <p:nvPr>
+            <p:ph type="dt" sz="half" idx="10"/>
+          </p:nvPr>
+        </p:nvSpPr>
+        <p:spPr/>
+        <p:txBody>
+          <a:bodyPr/>
+          <a:lstStyle/>
+          <a:p>
+            <a:fld id="{5ED3C242-668A-4C09-B0F2-37AF4FC7BCE8}" type="datetime1">
+              <a:rPr lang="en-GB" smtClean="0"/>
+              <a:t>06/05/2021</a:t>
+            </a:fld>
+            <a:endParaRPr lang="en-GB"/>
+          </a:p>
+        </p:txBody>
+      </p:sp>
+      <p:sp>
+        <p:nvSpPr>
+          <p:cNvPr id="8" name="Footer Placeholder 7">
+            <a:extLst>
+              <a:ext uri="{FF2B5EF4-FFF2-40B4-BE49-F238E27FC236}">
+                <a16:creationId xmlns:a16="http://schemas.microsoft.com/office/drawing/2014/main" id="{53B70617-410A-4AB2-8AD5-DDE0CED9C1F5}"/>
+              </a:ext>
+            </a:extLst>
+          </p:cNvPr>
+          <p:cNvSpPr>
+            <a:spLocks noGrp="1"/>
+          </p:cNvSpPr>
+          <p:nvPr>
+            <p:ph type="ftr" sz="quarter" idx="11"/>
+          </p:nvPr>
+        </p:nvSpPr>
+        <p:spPr/>
+        <p:txBody>
+          <a:bodyPr/>
+          <a:lstStyle/>
+          <a:p>
+            <a:r>
+              <a:rPr lang="en-GB"/>
+              <a:t>Simulating Liqyuid Crystals</a:t>
+            </a:r>
+          </a:p>
+        </p:txBody>
+      </p:sp>
+      <p:sp>
+        <p:nvSpPr>
+          <p:cNvPr id="9" name="Slide Number Placeholder 8">
+            <a:extLst>
+              <a:ext uri="{FF2B5EF4-FFF2-40B4-BE49-F238E27FC236}">
+                <a16:creationId xmlns:a16="http://schemas.microsoft.com/office/drawing/2014/main" id="{837BB13C-55C4-4CAF-96F7-29F3B0A46D5D}"/>
+              </a:ext>
+            </a:extLst>
+          </p:cNvPr>
+          <p:cNvSpPr>
+            <a:spLocks noGrp="1"/>
+          </p:cNvSpPr>
+          <p:nvPr>
+            <p:ph type="sldNum" sz="quarter" idx="12"/>
+          </p:nvPr>
+        </p:nvSpPr>
+        <p:spPr/>
+        <p:txBody>
+          <a:bodyPr/>
+          <a:lstStyle/>
+          <a:p>
+            <a:fld id="{AB645ECC-7A7A-4729-8128-50B722794741}" type="slidenum">
+              <a:rPr lang="en-GB" smtClean="0"/>
+              <a:t>8</a:t>
+            </a:fld>
+            <a:endParaRPr lang="en-GB"/>
+          </a:p>
+        </p:txBody>
+      </p:sp>
+    </p:spTree>
+    <p:extLst>
+      <p:ext uri="{BB962C8B-B14F-4D97-AF65-F5344CB8AC3E}">
+        <p14:creationId xmlns:p14="http://schemas.microsoft.com/office/powerpoint/2010/main" val="2442228963"/>
+      </p:ext>
+    </p:extLst>
+  </p:cSld>
+  <p:clrMapOvr>
+    <a:masterClrMapping/>
+  </p:clrMapOvr>
+</p:sld>
+</file>
+
+<file path=ppt/slides/slide9.xml><?xml version="1.0" encoding="utf-8"?>
+<p:sld xmlns:a="http://schemas.openxmlformats.org/drawingml/2006/main" xmlns:r="http://schemas.openxmlformats.org/officeDocument/2006/relationships" xmlns:p="http://schemas.openxmlformats.org/presentationml/2006/main">
+  <p:cSld>
+    <p:spTree>
+      <p:nvGrpSpPr>
+        <p:cNvPr id="1" name=""/>
+        <p:cNvGrpSpPr/>
+        <p:nvPr/>
+      </p:nvGrpSpPr>
+      <p:grpSpPr>
+        <a:xfrm>
+          <a:off x="0" y="0"/>
+          <a:ext cx="0" cy="0"/>
+          <a:chOff x="0" y="0"/>
+          <a:chExt cx="0" cy="0"/>
+        </a:xfrm>
+      </p:grpSpPr>
+      <p:sp>
+        <p:nvSpPr>
+          <p:cNvPr id="2" name="Title 1">
+            <a:extLst>
+              <a:ext uri="{FF2B5EF4-FFF2-40B4-BE49-F238E27FC236}">
+                <a16:creationId xmlns:a16="http://schemas.microsoft.com/office/drawing/2014/main" id="{8942B4A0-F150-405A-9068-8F7612F09AE0}"/>
+              </a:ext>
+            </a:extLst>
+          </p:cNvPr>
+          <p:cNvSpPr>
+            <a:spLocks noGrp="1"/>
+          </p:cNvSpPr>
+          <p:nvPr>
+            <p:ph type="title"/>
+          </p:nvPr>
+        </p:nvSpPr>
+        <p:spPr/>
+        <p:txBody>
+          <a:bodyPr/>
+          <a:lstStyle/>
+          <a:p>
+            <a:r>
+              <a:rPr lang="en-GB" sz="4800" dirty="0"/>
+              <a:t>Nunchuck Simulations</a:t>
+            </a:r>
+            <a:endParaRPr lang="en-GB" dirty="0"/>
+          </a:p>
+        </p:txBody>
+      </p:sp>
+      <p:sp>
+        <p:nvSpPr>
+          <p:cNvPr id="3" name="Content Placeholder 2">
+            <a:extLst>
+              <a:ext uri="{FF2B5EF4-FFF2-40B4-BE49-F238E27FC236}">
+                <a16:creationId xmlns:a16="http://schemas.microsoft.com/office/drawing/2014/main" id="{AC53D448-2676-4126-B047-DB0C6E8D4412}"/>
+              </a:ext>
+            </a:extLst>
+          </p:cNvPr>
+          <p:cNvSpPr>
+            <a:spLocks noGrp="1"/>
+          </p:cNvSpPr>
+          <p:nvPr>
+            <p:ph idx="1"/>
+          </p:nvPr>
+        </p:nvSpPr>
+        <p:spPr/>
+        <p:txBody>
+          <a:bodyPr>
+            <a:normAutofit/>
+          </a:bodyPr>
+          <a:lstStyle/>
+          <a:p>
+            <a:pPr>
+              <a:buFont typeface="Arial" panose="020B0604020202020204" pitchFamily="34" charset="0"/>
+              <a:buChar char="•"/>
+            </a:pPr>
+            <a:r>
+              <a:rPr lang="en-GB" sz="2800" dirty="0"/>
+              <a:t> Introduction</a:t>
+            </a:r>
+          </a:p>
+          <a:p>
+            <a:pPr>
+              <a:buFont typeface="Arial" panose="020B0604020202020204" pitchFamily="34" charset="0"/>
+              <a:buChar char="•"/>
+            </a:pPr>
+            <a:r>
+              <a:rPr lang="en-GB" sz="2800" b="1" dirty="0"/>
+              <a:t> </a:t>
+            </a:r>
+            <a:r>
+              <a:rPr lang="en-GB" sz="2800" dirty="0"/>
+              <a:t>Methods</a:t>
+            </a:r>
+          </a:p>
+          <a:p>
+            <a:pPr>
+              <a:buFont typeface="Arial" panose="020B0604020202020204" pitchFamily="34" charset="0"/>
+              <a:buChar char="•"/>
+            </a:pPr>
+            <a:r>
+              <a:rPr lang="en-GB" sz="2800" dirty="0"/>
+              <a:t> Rigid Rod Simulations</a:t>
+            </a:r>
+          </a:p>
+          <a:p>
+            <a:pPr>
+              <a:buFont typeface="Arial" panose="020B0604020202020204" pitchFamily="34" charset="0"/>
+              <a:buChar char="•"/>
+            </a:pPr>
+            <a:r>
+              <a:rPr lang="en-GB" sz="2800" dirty="0"/>
+              <a:t> </a:t>
+            </a:r>
+            <a:r>
+              <a:rPr lang="en-GB" sz="2800" b="1" dirty="0"/>
+              <a:t>Nunchuck Simulations </a:t>
+            </a:r>
+          </a:p>
+          <a:p>
+            <a:pPr lvl="1">
+              <a:buFont typeface="Arial" panose="020B0604020202020204" pitchFamily="34" charset="0"/>
+              <a:buChar char="•"/>
+            </a:pPr>
+            <a:r>
+              <a:rPr lang="en-GB" sz="2400" i="1" dirty="0"/>
+              <a:t>Fixed Rigidity</a:t>
+            </a:r>
+          </a:p>
+          <a:p>
+            <a:pPr lvl="1">
+              <a:buFont typeface="Arial" panose="020B0604020202020204" pitchFamily="34" charset="0"/>
+              <a:buChar char="•"/>
+            </a:pPr>
+            <a:r>
+              <a:rPr lang="en-GB" sz="2400" i="1" dirty="0"/>
+              <a:t>Fixed Angle</a:t>
+            </a:r>
+          </a:p>
+          <a:p>
+            <a:pPr lvl="1">
+              <a:buFont typeface="Arial" panose="020B0604020202020204" pitchFamily="34" charset="0"/>
+              <a:buChar char="•"/>
+            </a:pPr>
+            <a:r>
+              <a:rPr lang="en-GB" sz="2400" i="1" dirty="0"/>
+              <a:t>Dynamic Properties</a:t>
+            </a:r>
+          </a:p>
+          <a:p>
+            <a:pPr>
+              <a:buFont typeface="Arial" panose="020B0604020202020204" pitchFamily="34" charset="0"/>
+              <a:buChar char="•"/>
+            </a:pPr>
+            <a:r>
+              <a:rPr lang="en-GB" sz="2800" dirty="0"/>
+              <a:t> Conclusions</a:t>
+            </a:r>
+          </a:p>
+          <a:p>
+            <a:endParaRPr lang="en-GB" dirty="0"/>
+          </a:p>
+        </p:txBody>
+      </p:sp>
+      <p:sp>
+        <p:nvSpPr>
+          <p:cNvPr id="7" name="Date Placeholder 6">
+            <a:extLst>
+              <a:ext uri="{FF2B5EF4-FFF2-40B4-BE49-F238E27FC236}">
+                <a16:creationId xmlns:a16="http://schemas.microsoft.com/office/drawing/2014/main" id="{F8D3FD9E-0468-4D84-B8AB-62CFA79681D8}"/>
+              </a:ext>
+            </a:extLst>
+          </p:cNvPr>
+          <p:cNvSpPr>
+            <a:spLocks noGrp="1"/>
+          </p:cNvSpPr>
+          <p:nvPr>
+            <p:ph type="dt" sz="half" idx="10"/>
+          </p:nvPr>
+        </p:nvSpPr>
+        <p:spPr/>
+        <p:txBody>
+          <a:bodyPr/>
+          <a:lstStyle/>
+          <a:p>
+            <a:fld id="{71A55007-BF49-4C86-8F7D-090310C8A7F3}" type="datetime1">
+              <a:rPr lang="en-GB" smtClean="0"/>
+              <a:t>06/05/2021</a:t>
+            </a:fld>
+            <a:endParaRPr lang="en-GB"/>
+          </a:p>
+        </p:txBody>
+      </p:sp>
+      <p:sp>
+        <p:nvSpPr>
+          <p:cNvPr id="8" name="Footer Placeholder 7">
+            <a:extLst>
+              <a:ext uri="{FF2B5EF4-FFF2-40B4-BE49-F238E27FC236}">
+                <a16:creationId xmlns:a16="http://schemas.microsoft.com/office/drawing/2014/main" id="{189657EC-EC9C-4C75-A24A-09DBF3570A54}"/>
+              </a:ext>
+            </a:extLst>
+          </p:cNvPr>
+          <p:cNvSpPr>
+            <a:spLocks noGrp="1"/>
+          </p:cNvSpPr>
+          <p:nvPr>
+            <p:ph type="ftr" sz="quarter" idx="11"/>
+          </p:nvPr>
+        </p:nvSpPr>
+        <p:spPr/>
+        <p:txBody>
+          <a:bodyPr/>
+          <a:lstStyle/>
+          <a:p>
+            <a:r>
+              <a:rPr lang="en-GB"/>
+              <a:t>Simulating Liqyuid Crystals</a:t>
+            </a:r>
+          </a:p>
+        </p:txBody>
+      </p:sp>
+      <p:sp>
+        <p:nvSpPr>
+          <p:cNvPr id="9" name="Slide Number Placeholder 8">
+            <a:extLst>
+              <a:ext uri="{FF2B5EF4-FFF2-40B4-BE49-F238E27FC236}">
+                <a16:creationId xmlns:a16="http://schemas.microsoft.com/office/drawing/2014/main" id="{8816638D-F0BD-468E-97B8-12C8EF9A6909}"/>
+              </a:ext>
+            </a:extLst>
+          </p:cNvPr>
+          <p:cNvSpPr>
+            <a:spLocks noGrp="1"/>
+          </p:cNvSpPr>
+          <p:nvPr>
+            <p:ph type="sldNum" sz="quarter" idx="12"/>
+          </p:nvPr>
+        </p:nvSpPr>
+        <p:spPr/>
+        <p:txBody>
+          <a:bodyPr/>
+          <a:lstStyle/>
+          <a:p>
+            <a:fld id="{AB645ECC-7A7A-4729-8128-50B722794741}" type="slidenum">
+              <a:rPr lang="en-GB" smtClean="0"/>
+              <a:t>9</a:t>
+            </a:fld>
+            <a:endParaRPr lang="en-GB"/>
+          </a:p>
+        </p:txBody>
+      </p:sp>
+    </p:spTree>
+    <p:extLst>
+      <p:ext uri="{BB962C8B-B14F-4D97-AF65-F5344CB8AC3E}">
+        <p14:creationId xmlns:p14="http://schemas.microsoft.com/office/powerpoint/2010/main" val="2301142952"/>
       </p:ext>
     </p:extLst>
   </p:cSld>

--- a/Report/Presentation/Simulating Liquid Crystals.pptx
+++ b/Report/Presentation/Simulating Liquid Crystals.pptx
@@ -5,7 +5,7 @@
     <p:sldMasterId id="2147483660" r:id="rId1"/>
   </p:sldMasterIdLst>
   <p:notesMasterIdLst>
-    <p:notesMasterId r:id="rId13"/>
+    <p:notesMasterId r:id="rId17"/>
   </p:notesMasterIdLst>
   <p:sldIdLst>
     <p:sldId id="256" r:id="rId2"/>
@@ -15,10 +15,14 @@
     <p:sldId id="265" r:id="rId6"/>
     <p:sldId id="266" r:id="rId7"/>
     <p:sldId id="258" r:id="rId8"/>
-    <p:sldId id="259" r:id="rId9"/>
-    <p:sldId id="260" r:id="rId10"/>
-    <p:sldId id="261" r:id="rId11"/>
-    <p:sldId id="263" r:id="rId12"/>
+    <p:sldId id="268" r:id="rId9"/>
+    <p:sldId id="267" r:id="rId10"/>
+    <p:sldId id="259" r:id="rId11"/>
+    <p:sldId id="269" r:id="rId12"/>
+    <p:sldId id="270" r:id="rId13"/>
+    <p:sldId id="260" r:id="rId14"/>
+    <p:sldId id="261" r:id="rId15"/>
+    <p:sldId id="263" r:id="rId16"/>
   </p:sldIdLst>
   <p:sldSz cx="12192000" cy="6858000"/>
   <p:notesSz cx="6858000" cy="9144000"/>
@@ -123,6 +127,2832 @@
     </p:ext>
   </p:extLst>
 </p:presentation>
+</file>
+
+<file path=ppt/diagrams/colors1.xml><?xml version="1.0" encoding="utf-8"?>
+<dgm:colorsDef xmlns:dgm="http://schemas.openxmlformats.org/drawingml/2006/diagram" xmlns:a="http://schemas.openxmlformats.org/drawingml/2006/main" uniqueId="urn:microsoft.com/office/officeart/2005/8/colors/accent3_2">
+  <dgm:title val=""/>
+  <dgm:desc val=""/>
+  <dgm:catLst>
+    <dgm:cat type="accent3" pri="11200"/>
+  </dgm:catLst>
+  <dgm:styleLbl name="node0">
+    <dgm:fillClrLst meth="repeat">
+      <a:schemeClr val="accent3"/>
+    </dgm:fillClrLst>
+    <dgm:linClrLst meth="repeat">
+      <a:schemeClr val="lt1"/>
+    </dgm:linClrLst>
+    <dgm:effectClrLst/>
+    <dgm:txLinClrLst/>
+    <dgm:txFillClrLst/>
+    <dgm:txEffectClrLst/>
+  </dgm:styleLbl>
+  <dgm:styleLbl name="node1">
+    <dgm:fillClrLst meth="repeat">
+      <a:schemeClr val="accent3"/>
+    </dgm:fillClrLst>
+    <dgm:linClrLst meth="repeat">
+      <a:schemeClr val="lt1"/>
+    </dgm:linClrLst>
+    <dgm:effectClrLst/>
+    <dgm:txLinClrLst/>
+    <dgm:txFillClrLst/>
+    <dgm:txEffectClrLst/>
+  </dgm:styleLbl>
+  <dgm:styleLbl name="alignNode1">
+    <dgm:fillClrLst meth="repeat">
+      <a:schemeClr val="accent3"/>
+    </dgm:fillClrLst>
+    <dgm:linClrLst meth="repeat">
+      <a:schemeClr val="accent3"/>
+    </dgm:linClrLst>
+    <dgm:effectClrLst/>
+    <dgm:txLinClrLst/>
+    <dgm:txFillClrLst/>
+    <dgm:txEffectClrLst/>
+  </dgm:styleLbl>
+  <dgm:styleLbl name="lnNode1">
+    <dgm:fillClrLst meth="repeat">
+      <a:schemeClr val="accent3"/>
+    </dgm:fillClrLst>
+    <dgm:linClrLst meth="repeat">
+      <a:schemeClr val="lt1"/>
+    </dgm:linClrLst>
+    <dgm:effectClrLst/>
+    <dgm:txLinClrLst/>
+    <dgm:txFillClrLst/>
+    <dgm:txEffectClrLst/>
+  </dgm:styleLbl>
+  <dgm:styleLbl name="vennNode1">
+    <dgm:fillClrLst meth="repeat">
+      <a:schemeClr val="accent3">
+        <a:alpha val="50000"/>
+      </a:schemeClr>
+    </dgm:fillClrLst>
+    <dgm:linClrLst meth="repeat">
+      <a:schemeClr val="lt1"/>
+    </dgm:linClrLst>
+    <dgm:effectClrLst/>
+    <dgm:txLinClrLst/>
+    <dgm:txFillClrLst/>
+    <dgm:txEffectClrLst/>
+  </dgm:styleLbl>
+  <dgm:styleLbl name="node2">
+    <dgm:fillClrLst meth="repeat">
+      <a:schemeClr val="accent3"/>
+    </dgm:fillClrLst>
+    <dgm:linClrLst meth="repeat">
+      <a:schemeClr val="lt1"/>
+    </dgm:linClrLst>
+    <dgm:effectClrLst/>
+    <dgm:txLinClrLst/>
+    <dgm:txFillClrLst/>
+    <dgm:txEffectClrLst/>
+  </dgm:styleLbl>
+  <dgm:styleLbl name="node3">
+    <dgm:fillClrLst meth="repeat">
+      <a:schemeClr val="accent3"/>
+    </dgm:fillClrLst>
+    <dgm:linClrLst meth="repeat">
+      <a:schemeClr val="lt1"/>
+    </dgm:linClrLst>
+    <dgm:effectClrLst/>
+    <dgm:txLinClrLst/>
+    <dgm:txFillClrLst/>
+    <dgm:txEffectClrLst/>
+  </dgm:styleLbl>
+  <dgm:styleLbl name="node4">
+    <dgm:fillClrLst meth="repeat">
+      <a:schemeClr val="accent3"/>
+    </dgm:fillClrLst>
+    <dgm:linClrLst meth="repeat">
+      <a:schemeClr val="lt1"/>
+    </dgm:linClrLst>
+    <dgm:effectClrLst/>
+    <dgm:txLinClrLst/>
+    <dgm:txFillClrLst/>
+    <dgm:txEffectClrLst/>
+  </dgm:styleLbl>
+  <dgm:styleLbl name="fgImgPlace1">
+    <dgm:fillClrLst meth="repeat">
+      <a:schemeClr val="accent3">
+        <a:tint val="50000"/>
+      </a:schemeClr>
+    </dgm:fillClrLst>
+    <dgm:linClrLst meth="repeat">
+      <a:schemeClr val="lt1"/>
+    </dgm:linClrLst>
+    <dgm:effectClrLst/>
+    <dgm:txLinClrLst/>
+    <dgm:txFillClrLst meth="repeat">
+      <a:schemeClr val="lt1"/>
+    </dgm:txFillClrLst>
+    <dgm:txEffectClrLst/>
+  </dgm:styleLbl>
+  <dgm:styleLbl name="alignImgPlace1">
+    <dgm:fillClrLst meth="repeat">
+      <a:schemeClr val="accent3">
+        <a:tint val="50000"/>
+      </a:schemeClr>
+    </dgm:fillClrLst>
+    <dgm:linClrLst meth="repeat">
+      <a:schemeClr val="lt1"/>
+    </dgm:linClrLst>
+    <dgm:effectClrLst/>
+    <dgm:txLinClrLst/>
+    <dgm:txFillClrLst meth="repeat">
+      <a:schemeClr val="lt1"/>
+    </dgm:txFillClrLst>
+    <dgm:txEffectClrLst/>
+  </dgm:styleLbl>
+  <dgm:styleLbl name="bgImgPlace1">
+    <dgm:fillClrLst meth="repeat">
+      <a:schemeClr val="accent3">
+        <a:tint val="50000"/>
+      </a:schemeClr>
+    </dgm:fillClrLst>
+    <dgm:linClrLst meth="repeat">
+      <a:schemeClr val="lt1"/>
+    </dgm:linClrLst>
+    <dgm:effectClrLst/>
+    <dgm:txLinClrLst/>
+    <dgm:txFillClrLst meth="repeat">
+      <a:schemeClr val="lt1"/>
+    </dgm:txFillClrLst>
+    <dgm:txEffectClrLst/>
+  </dgm:styleLbl>
+  <dgm:styleLbl name="sibTrans2D1">
+    <dgm:fillClrLst meth="repeat">
+      <a:schemeClr val="accent3">
+        <a:tint val="60000"/>
+      </a:schemeClr>
+    </dgm:fillClrLst>
+    <dgm:linClrLst meth="repeat">
+      <a:schemeClr val="accent3">
+        <a:tint val="60000"/>
+      </a:schemeClr>
+    </dgm:linClrLst>
+    <dgm:effectClrLst/>
+    <dgm:txLinClrLst/>
+    <dgm:txFillClrLst/>
+    <dgm:txEffectClrLst/>
+  </dgm:styleLbl>
+  <dgm:styleLbl name="fgSibTrans2D1">
+    <dgm:fillClrLst meth="repeat">
+      <a:schemeClr val="accent3">
+        <a:tint val="60000"/>
+      </a:schemeClr>
+    </dgm:fillClrLst>
+    <dgm:linClrLst meth="repeat">
+      <a:schemeClr val="accent3">
+        <a:tint val="60000"/>
+      </a:schemeClr>
+    </dgm:linClrLst>
+    <dgm:effectClrLst/>
+    <dgm:txLinClrLst/>
+    <dgm:txFillClrLst/>
+    <dgm:txEffectClrLst/>
+  </dgm:styleLbl>
+  <dgm:styleLbl name="bgSibTrans2D1">
+    <dgm:fillClrLst meth="repeat">
+      <a:schemeClr val="accent3">
+        <a:tint val="60000"/>
+      </a:schemeClr>
+    </dgm:fillClrLst>
+    <dgm:linClrLst meth="repeat">
+      <a:schemeClr val="accent3">
+        <a:tint val="60000"/>
+      </a:schemeClr>
+    </dgm:linClrLst>
+    <dgm:effectClrLst/>
+    <dgm:txLinClrLst/>
+    <dgm:txFillClrLst/>
+    <dgm:txEffectClrLst/>
+  </dgm:styleLbl>
+  <dgm:styleLbl name="sibTrans1D1">
+    <dgm:fillClrLst meth="repeat">
+      <a:schemeClr val="accent3"/>
+    </dgm:fillClrLst>
+    <dgm:linClrLst meth="repeat">
+      <a:schemeClr val="accent3"/>
+    </dgm:linClrLst>
+    <dgm:effectClrLst/>
+    <dgm:txLinClrLst/>
+    <dgm:txFillClrLst meth="repeat">
+      <a:schemeClr val="tx1"/>
+    </dgm:txFillClrLst>
+    <dgm:txEffectClrLst/>
+  </dgm:styleLbl>
+  <dgm:styleLbl name="callout">
+    <dgm:fillClrLst meth="repeat">
+      <a:schemeClr val="accent3"/>
+    </dgm:fillClrLst>
+    <dgm:linClrLst meth="repeat">
+      <a:schemeClr val="accent3">
+        <a:tint val="50000"/>
+      </a:schemeClr>
+    </dgm:linClrLst>
+    <dgm:effectClrLst/>
+    <dgm:txLinClrLst/>
+    <dgm:txFillClrLst meth="repeat">
+      <a:schemeClr val="tx1"/>
+    </dgm:txFillClrLst>
+    <dgm:txEffectClrLst/>
+  </dgm:styleLbl>
+  <dgm:styleLbl name="asst0">
+    <dgm:fillClrLst meth="repeat">
+      <a:schemeClr val="accent3"/>
+    </dgm:fillClrLst>
+    <dgm:linClrLst meth="repeat">
+      <a:schemeClr val="lt1"/>
+    </dgm:linClrLst>
+    <dgm:effectClrLst/>
+    <dgm:txLinClrLst/>
+    <dgm:txFillClrLst/>
+    <dgm:txEffectClrLst/>
+  </dgm:styleLbl>
+  <dgm:styleLbl name="asst1">
+    <dgm:fillClrLst meth="repeat">
+      <a:schemeClr val="accent3"/>
+    </dgm:fillClrLst>
+    <dgm:linClrLst meth="repeat">
+      <a:schemeClr val="lt1"/>
+    </dgm:linClrLst>
+    <dgm:effectClrLst/>
+    <dgm:txLinClrLst/>
+    <dgm:txFillClrLst/>
+    <dgm:txEffectClrLst/>
+  </dgm:styleLbl>
+  <dgm:styleLbl name="asst2">
+    <dgm:fillClrLst meth="repeat">
+      <a:schemeClr val="accent3"/>
+    </dgm:fillClrLst>
+    <dgm:linClrLst meth="repeat">
+      <a:schemeClr val="lt1"/>
+    </dgm:linClrLst>
+    <dgm:effectClrLst/>
+    <dgm:txLinClrLst/>
+    <dgm:txFillClrLst/>
+    <dgm:txEffectClrLst/>
+  </dgm:styleLbl>
+  <dgm:styleLbl name="asst3">
+    <dgm:fillClrLst meth="repeat">
+      <a:schemeClr val="accent3"/>
+    </dgm:fillClrLst>
+    <dgm:linClrLst meth="repeat">
+      <a:schemeClr val="lt1"/>
+    </dgm:linClrLst>
+    <dgm:effectClrLst/>
+    <dgm:txLinClrLst/>
+    <dgm:txFillClrLst/>
+    <dgm:txEffectClrLst/>
+  </dgm:styleLbl>
+  <dgm:styleLbl name="asst4">
+    <dgm:fillClrLst meth="repeat">
+      <a:schemeClr val="accent3"/>
+    </dgm:fillClrLst>
+    <dgm:linClrLst meth="repeat">
+      <a:schemeClr val="lt1"/>
+    </dgm:linClrLst>
+    <dgm:effectClrLst/>
+    <dgm:txLinClrLst/>
+    <dgm:txFillClrLst/>
+    <dgm:txEffectClrLst/>
+  </dgm:styleLbl>
+  <dgm:styleLbl name="parChTrans2D1">
+    <dgm:fillClrLst meth="repeat">
+      <a:schemeClr val="accent3">
+        <a:tint val="60000"/>
+      </a:schemeClr>
+    </dgm:fillClrLst>
+    <dgm:linClrLst meth="repeat">
+      <a:schemeClr val="accent3">
+        <a:tint val="60000"/>
+      </a:schemeClr>
+    </dgm:linClrLst>
+    <dgm:effectClrLst/>
+    <dgm:txLinClrLst/>
+    <dgm:txFillClrLst meth="repeat">
+      <a:schemeClr val="lt1"/>
+    </dgm:txFillClrLst>
+    <dgm:txEffectClrLst/>
+  </dgm:styleLbl>
+  <dgm:styleLbl name="parChTrans2D2">
+    <dgm:fillClrLst meth="repeat">
+      <a:schemeClr val="accent3"/>
+    </dgm:fillClrLst>
+    <dgm:linClrLst meth="repeat">
+      <a:schemeClr val="accent3"/>
+    </dgm:linClrLst>
+    <dgm:effectClrLst/>
+    <dgm:txLinClrLst/>
+    <dgm:txFillClrLst meth="repeat">
+      <a:schemeClr val="lt1"/>
+    </dgm:txFillClrLst>
+    <dgm:txEffectClrLst/>
+  </dgm:styleLbl>
+  <dgm:styleLbl name="parChTrans2D3">
+    <dgm:fillClrLst meth="repeat">
+      <a:schemeClr val="accent3"/>
+    </dgm:fillClrLst>
+    <dgm:linClrLst meth="repeat">
+      <a:schemeClr val="accent3"/>
+    </dgm:linClrLst>
+    <dgm:effectClrLst/>
+    <dgm:txLinClrLst/>
+    <dgm:txFillClrLst meth="repeat">
+      <a:schemeClr val="lt1"/>
+    </dgm:txFillClrLst>
+    <dgm:txEffectClrLst/>
+  </dgm:styleLbl>
+  <dgm:styleLbl name="parChTrans2D4">
+    <dgm:fillClrLst meth="repeat">
+      <a:schemeClr val="accent3"/>
+    </dgm:fillClrLst>
+    <dgm:linClrLst meth="repeat">
+      <a:schemeClr val="accent3"/>
+    </dgm:linClrLst>
+    <dgm:effectClrLst/>
+    <dgm:txLinClrLst/>
+    <dgm:txFillClrLst meth="repeat">
+      <a:schemeClr val="lt1"/>
+    </dgm:txFillClrLst>
+    <dgm:txEffectClrLst/>
+  </dgm:styleLbl>
+  <dgm:styleLbl name="parChTrans1D1">
+    <dgm:fillClrLst meth="repeat">
+      <a:schemeClr val="accent3"/>
+    </dgm:fillClrLst>
+    <dgm:linClrLst meth="repeat">
+      <a:schemeClr val="accent3">
+        <a:shade val="60000"/>
+      </a:schemeClr>
+    </dgm:linClrLst>
+    <dgm:effectClrLst/>
+    <dgm:txLinClrLst/>
+    <dgm:txFillClrLst meth="repeat">
+      <a:schemeClr val="tx1"/>
+    </dgm:txFillClrLst>
+    <dgm:txEffectClrLst/>
+  </dgm:styleLbl>
+  <dgm:styleLbl name="parChTrans1D2">
+    <dgm:fillClrLst meth="repeat">
+      <a:schemeClr val="accent3"/>
+    </dgm:fillClrLst>
+    <dgm:linClrLst meth="repeat">
+      <a:schemeClr val="accent3">
+        <a:shade val="60000"/>
+      </a:schemeClr>
+    </dgm:linClrLst>
+    <dgm:effectClrLst/>
+    <dgm:txLinClrLst/>
+    <dgm:txFillClrLst meth="repeat">
+      <a:schemeClr val="tx1"/>
+    </dgm:txFillClrLst>
+    <dgm:txEffectClrLst/>
+  </dgm:styleLbl>
+  <dgm:styleLbl name="parChTrans1D3">
+    <dgm:fillClrLst meth="repeat">
+      <a:schemeClr val="accent3"/>
+    </dgm:fillClrLst>
+    <dgm:linClrLst meth="repeat">
+      <a:schemeClr val="accent3">
+        <a:shade val="80000"/>
+      </a:schemeClr>
+    </dgm:linClrLst>
+    <dgm:effectClrLst/>
+    <dgm:txLinClrLst/>
+    <dgm:txFillClrLst meth="repeat">
+      <a:schemeClr val="tx1"/>
+    </dgm:txFillClrLst>
+    <dgm:txEffectClrLst/>
+  </dgm:styleLbl>
+  <dgm:styleLbl name="parChTrans1D4">
+    <dgm:fillClrLst meth="repeat">
+      <a:schemeClr val="accent3"/>
+    </dgm:fillClrLst>
+    <dgm:linClrLst meth="repeat">
+      <a:schemeClr val="accent3">
+        <a:shade val="80000"/>
+      </a:schemeClr>
+    </dgm:linClrLst>
+    <dgm:effectClrLst/>
+    <dgm:txLinClrLst/>
+    <dgm:txFillClrLst meth="repeat">
+      <a:schemeClr val="tx1"/>
+    </dgm:txFillClrLst>
+    <dgm:txEffectClrLst/>
+  </dgm:styleLbl>
+  <dgm:styleLbl name="fgAcc1">
+    <dgm:fillClrLst meth="repeat">
+      <a:schemeClr val="lt1">
+        <a:alpha val="90000"/>
+      </a:schemeClr>
+    </dgm:fillClrLst>
+    <dgm:linClrLst meth="repeat">
+      <a:schemeClr val="accent3"/>
+    </dgm:linClrLst>
+    <dgm:effectClrLst/>
+    <dgm:txLinClrLst/>
+    <dgm:txFillClrLst meth="repeat">
+      <a:schemeClr val="dk1"/>
+    </dgm:txFillClrLst>
+    <dgm:txEffectClrLst/>
+  </dgm:styleLbl>
+  <dgm:styleLbl name="conFgAcc1">
+    <dgm:fillClrLst meth="repeat">
+      <a:schemeClr val="lt1">
+        <a:alpha val="90000"/>
+      </a:schemeClr>
+    </dgm:fillClrLst>
+    <dgm:linClrLst meth="repeat">
+      <a:schemeClr val="accent3"/>
+    </dgm:linClrLst>
+    <dgm:effectClrLst/>
+    <dgm:txLinClrLst/>
+    <dgm:txFillClrLst meth="repeat">
+      <a:schemeClr val="dk1"/>
+    </dgm:txFillClrLst>
+    <dgm:txEffectClrLst/>
+  </dgm:styleLbl>
+  <dgm:styleLbl name="alignAcc1">
+    <dgm:fillClrLst meth="repeat">
+      <a:schemeClr val="lt1">
+        <a:alpha val="90000"/>
+      </a:schemeClr>
+    </dgm:fillClrLst>
+    <dgm:linClrLst meth="repeat">
+      <a:schemeClr val="accent3"/>
+    </dgm:linClrLst>
+    <dgm:effectClrLst/>
+    <dgm:txLinClrLst/>
+    <dgm:txFillClrLst meth="repeat">
+      <a:schemeClr val="dk1"/>
+    </dgm:txFillClrLst>
+    <dgm:txEffectClrLst/>
+  </dgm:styleLbl>
+  <dgm:styleLbl name="trAlignAcc1">
+    <dgm:fillClrLst meth="repeat">
+      <a:schemeClr val="lt1">
+        <a:alpha val="40000"/>
+      </a:schemeClr>
+    </dgm:fillClrLst>
+    <dgm:linClrLst meth="repeat">
+      <a:schemeClr val="accent3"/>
+    </dgm:linClrLst>
+    <dgm:effectClrLst/>
+    <dgm:txLinClrLst/>
+    <dgm:txFillClrLst meth="repeat">
+      <a:schemeClr val="dk1"/>
+    </dgm:txFillClrLst>
+    <dgm:txEffectClrLst/>
+  </dgm:styleLbl>
+  <dgm:styleLbl name="bgAcc1">
+    <dgm:fillClrLst meth="repeat">
+      <a:schemeClr val="lt1">
+        <a:alpha val="90000"/>
+      </a:schemeClr>
+    </dgm:fillClrLst>
+    <dgm:linClrLst meth="repeat">
+      <a:schemeClr val="accent3"/>
+    </dgm:linClrLst>
+    <dgm:effectClrLst/>
+    <dgm:txLinClrLst/>
+    <dgm:txFillClrLst meth="repeat">
+      <a:schemeClr val="dk1"/>
+    </dgm:txFillClrLst>
+    <dgm:txEffectClrLst/>
+  </dgm:styleLbl>
+  <dgm:styleLbl name="solidFgAcc1">
+    <dgm:fillClrLst meth="repeat">
+      <a:schemeClr val="lt1"/>
+    </dgm:fillClrLst>
+    <dgm:linClrLst meth="repeat">
+      <a:schemeClr val="accent3"/>
+    </dgm:linClrLst>
+    <dgm:effectClrLst/>
+    <dgm:txLinClrLst/>
+    <dgm:txFillClrLst meth="repeat">
+      <a:schemeClr val="dk1"/>
+    </dgm:txFillClrLst>
+    <dgm:txEffectClrLst/>
+  </dgm:styleLbl>
+  <dgm:styleLbl name="solidAlignAcc1">
+    <dgm:fillClrLst meth="repeat">
+      <a:schemeClr val="lt1"/>
+    </dgm:fillClrLst>
+    <dgm:linClrLst meth="repeat">
+      <a:schemeClr val="accent3"/>
+    </dgm:linClrLst>
+    <dgm:effectClrLst/>
+    <dgm:txLinClrLst/>
+    <dgm:txFillClrLst meth="repeat">
+      <a:schemeClr val="dk1"/>
+    </dgm:txFillClrLst>
+    <dgm:txEffectClrLst/>
+  </dgm:styleLbl>
+  <dgm:styleLbl name="solidBgAcc1">
+    <dgm:fillClrLst meth="repeat">
+      <a:schemeClr val="lt1"/>
+    </dgm:fillClrLst>
+    <dgm:linClrLst meth="repeat">
+      <a:schemeClr val="accent3"/>
+    </dgm:linClrLst>
+    <dgm:effectClrLst/>
+    <dgm:txLinClrLst/>
+    <dgm:txFillClrLst meth="repeat">
+      <a:schemeClr val="dk1"/>
+    </dgm:txFillClrLst>
+    <dgm:txEffectClrLst/>
+  </dgm:styleLbl>
+  <dgm:styleLbl name="fgAccFollowNode1">
+    <dgm:fillClrLst meth="repeat">
+      <a:schemeClr val="accent3">
+        <a:alpha val="90000"/>
+        <a:tint val="40000"/>
+      </a:schemeClr>
+    </dgm:fillClrLst>
+    <dgm:linClrLst meth="repeat">
+      <a:schemeClr val="accent3">
+        <a:alpha val="90000"/>
+        <a:tint val="40000"/>
+      </a:schemeClr>
+    </dgm:linClrLst>
+    <dgm:effectClrLst/>
+    <dgm:txLinClrLst/>
+    <dgm:txFillClrLst meth="repeat">
+      <a:schemeClr val="dk1"/>
+    </dgm:txFillClrLst>
+    <dgm:txEffectClrLst/>
+  </dgm:styleLbl>
+  <dgm:styleLbl name="alignAccFollowNode1">
+    <dgm:fillClrLst meth="repeat">
+      <a:schemeClr val="accent3">
+        <a:alpha val="90000"/>
+        <a:tint val="40000"/>
+      </a:schemeClr>
+    </dgm:fillClrLst>
+    <dgm:linClrLst meth="repeat">
+      <a:schemeClr val="accent3">
+        <a:alpha val="90000"/>
+        <a:tint val="40000"/>
+      </a:schemeClr>
+    </dgm:linClrLst>
+    <dgm:effectClrLst/>
+    <dgm:txLinClrLst/>
+    <dgm:txFillClrLst meth="repeat">
+      <a:schemeClr val="dk1"/>
+    </dgm:txFillClrLst>
+    <dgm:txEffectClrLst/>
+  </dgm:styleLbl>
+  <dgm:styleLbl name="bgAccFollowNode1">
+    <dgm:fillClrLst meth="repeat">
+      <a:schemeClr val="accent3">
+        <a:alpha val="90000"/>
+        <a:tint val="40000"/>
+      </a:schemeClr>
+    </dgm:fillClrLst>
+    <dgm:linClrLst meth="repeat">
+      <a:schemeClr val="accent3">
+        <a:alpha val="90000"/>
+        <a:tint val="40000"/>
+      </a:schemeClr>
+    </dgm:linClrLst>
+    <dgm:effectClrLst/>
+    <dgm:txLinClrLst/>
+    <dgm:txFillClrLst meth="repeat">
+      <a:schemeClr val="dk1"/>
+    </dgm:txFillClrLst>
+    <dgm:txEffectClrLst/>
+  </dgm:styleLbl>
+  <dgm:styleLbl name="fgAcc0">
+    <dgm:fillClrLst meth="repeat">
+      <a:schemeClr val="lt1">
+        <a:alpha val="90000"/>
+      </a:schemeClr>
+    </dgm:fillClrLst>
+    <dgm:linClrLst meth="repeat">
+      <a:schemeClr val="accent3"/>
+    </dgm:linClrLst>
+    <dgm:effectClrLst/>
+    <dgm:txLinClrLst/>
+    <dgm:txFillClrLst meth="repeat">
+      <a:schemeClr val="dk1"/>
+    </dgm:txFillClrLst>
+    <dgm:txEffectClrLst/>
+  </dgm:styleLbl>
+  <dgm:styleLbl name="fgAcc2">
+    <dgm:fillClrLst meth="repeat">
+      <a:schemeClr val="lt1">
+        <a:alpha val="90000"/>
+      </a:schemeClr>
+    </dgm:fillClrLst>
+    <dgm:linClrLst meth="repeat">
+      <a:schemeClr val="accent3"/>
+    </dgm:linClrLst>
+    <dgm:effectClrLst/>
+    <dgm:txLinClrLst/>
+    <dgm:txFillClrLst meth="repeat">
+      <a:schemeClr val="dk1"/>
+    </dgm:txFillClrLst>
+    <dgm:txEffectClrLst/>
+  </dgm:styleLbl>
+  <dgm:styleLbl name="fgAcc3">
+    <dgm:fillClrLst meth="repeat">
+      <a:schemeClr val="lt1">
+        <a:alpha val="90000"/>
+      </a:schemeClr>
+    </dgm:fillClrLst>
+    <dgm:linClrLst meth="repeat">
+      <a:schemeClr val="accent3"/>
+    </dgm:linClrLst>
+    <dgm:effectClrLst/>
+    <dgm:txLinClrLst/>
+    <dgm:txFillClrLst meth="repeat">
+      <a:schemeClr val="dk1"/>
+    </dgm:txFillClrLst>
+    <dgm:txEffectClrLst/>
+  </dgm:styleLbl>
+  <dgm:styleLbl name="fgAcc4">
+    <dgm:fillClrLst meth="repeat">
+      <a:schemeClr val="lt1">
+        <a:alpha val="90000"/>
+      </a:schemeClr>
+    </dgm:fillClrLst>
+    <dgm:linClrLst meth="repeat">
+      <a:schemeClr val="accent3"/>
+    </dgm:linClrLst>
+    <dgm:effectClrLst/>
+    <dgm:txLinClrLst/>
+    <dgm:txFillClrLst meth="repeat">
+      <a:schemeClr val="dk1"/>
+    </dgm:txFillClrLst>
+    <dgm:txEffectClrLst/>
+  </dgm:styleLbl>
+  <dgm:styleLbl name="bgShp">
+    <dgm:fillClrLst meth="repeat">
+      <a:schemeClr val="accent3">
+        <a:tint val="40000"/>
+      </a:schemeClr>
+    </dgm:fillClrLst>
+    <dgm:linClrLst meth="repeat">
+      <a:schemeClr val="accent3"/>
+    </dgm:linClrLst>
+    <dgm:effectClrLst/>
+    <dgm:txLinClrLst/>
+    <dgm:txFillClrLst meth="repeat">
+      <a:schemeClr val="dk1"/>
+    </dgm:txFillClrLst>
+    <dgm:txEffectClrLst/>
+  </dgm:styleLbl>
+  <dgm:styleLbl name="dkBgShp">
+    <dgm:fillClrLst meth="repeat">
+      <a:schemeClr val="accent3">
+        <a:shade val="80000"/>
+      </a:schemeClr>
+    </dgm:fillClrLst>
+    <dgm:linClrLst meth="repeat">
+      <a:schemeClr val="accent3"/>
+    </dgm:linClrLst>
+    <dgm:effectClrLst/>
+    <dgm:txLinClrLst/>
+    <dgm:txFillClrLst meth="repeat">
+      <a:schemeClr val="lt1"/>
+    </dgm:txFillClrLst>
+    <dgm:txEffectClrLst/>
+  </dgm:styleLbl>
+  <dgm:styleLbl name="trBgShp">
+    <dgm:fillClrLst meth="repeat">
+      <a:schemeClr val="accent3">
+        <a:tint val="50000"/>
+        <a:alpha val="40000"/>
+      </a:schemeClr>
+    </dgm:fillClrLst>
+    <dgm:linClrLst meth="repeat">
+      <a:schemeClr val="accent3"/>
+    </dgm:linClrLst>
+    <dgm:effectClrLst/>
+    <dgm:txLinClrLst/>
+    <dgm:txFillClrLst meth="repeat">
+      <a:schemeClr val="lt1"/>
+    </dgm:txFillClrLst>
+    <dgm:txEffectClrLst/>
+  </dgm:styleLbl>
+  <dgm:styleLbl name="fgShp">
+    <dgm:fillClrLst meth="repeat">
+      <a:schemeClr val="accent3">
+        <a:tint val="60000"/>
+      </a:schemeClr>
+    </dgm:fillClrLst>
+    <dgm:linClrLst meth="repeat">
+      <a:schemeClr val="lt1"/>
+    </dgm:linClrLst>
+    <dgm:effectClrLst/>
+    <dgm:txLinClrLst/>
+    <dgm:txFillClrLst meth="repeat">
+      <a:schemeClr val="dk1"/>
+    </dgm:txFillClrLst>
+    <dgm:txEffectClrLst/>
+  </dgm:styleLbl>
+  <dgm:styleLbl name="revTx">
+    <dgm:fillClrLst meth="repeat">
+      <a:schemeClr val="lt1">
+        <a:alpha val="0"/>
+      </a:schemeClr>
+    </dgm:fillClrLst>
+    <dgm:linClrLst meth="repeat">
+      <a:schemeClr val="dk1">
+        <a:alpha val="0"/>
+      </a:schemeClr>
+    </dgm:linClrLst>
+    <dgm:effectClrLst/>
+    <dgm:txLinClrLst/>
+    <dgm:txFillClrLst meth="repeat">
+      <a:schemeClr val="tx1"/>
+    </dgm:txFillClrLst>
+    <dgm:txEffectClrLst/>
+  </dgm:styleLbl>
+</dgm:colorsDef>
+</file>
+
+<file path=ppt/diagrams/data1.xml><?xml version="1.0" encoding="utf-8"?>
+<dgm:dataModel xmlns:dgm="http://schemas.openxmlformats.org/drawingml/2006/diagram" xmlns:a="http://schemas.openxmlformats.org/drawingml/2006/main">
+  <dgm:ptLst>
+    <dgm:pt modelId="{29405C8B-D1E2-47E0-B00E-B044BD0C1154}" type="doc">
+      <dgm:prSet loTypeId="urn:microsoft.com/office/officeart/2005/8/layout/hierarchy1" loCatId="hierarchy" qsTypeId="urn:microsoft.com/office/officeart/2005/8/quickstyle/simple1" qsCatId="simple" csTypeId="urn:microsoft.com/office/officeart/2005/8/colors/accent3_2" csCatId="accent3" phldr="1"/>
+      <dgm:spPr/>
+      <dgm:t>
+        <a:bodyPr/>
+        <a:lstStyle/>
+        <a:p>
+          <a:endParaRPr lang="en-US"/>
+        </a:p>
+      </dgm:t>
+    </dgm:pt>
+    <dgm:pt modelId="{6D30F490-9425-49D4-9684-CD9E521888D1}">
+      <dgm:prSet/>
+      <dgm:spPr/>
+      <dgm:t>
+        <a:bodyPr/>
+        <a:lstStyle/>
+        <a:p>
+          <a:r>
+            <a:rPr lang="en-GB" b="1" dirty="0"/>
+            <a:t>Lyotropic</a:t>
+          </a:r>
+          <a:endParaRPr lang="en-GB" dirty="0"/>
+        </a:p>
+        <a:p>
+          <a:r>
+            <a:rPr lang="en-GB" dirty="0"/>
+            <a:t> Induced by changes in concentration</a:t>
+          </a:r>
+          <a:endParaRPr lang="en-US" dirty="0"/>
+        </a:p>
+      </dgm:t>
+    </dgm:pt>
+    <dgm:pt modelId="{CA70772A-73DA-4DC3-82AD-DD8B8831EB02}" type="parTrans" cxnId="{43B2AD9D-3253-40C3-A27F-03C627EFA65A}">
+      <dgm:prSet/>
+      <dgm:spPr/>
+      <dgm:t>
+        <a:bodyPr/>
+        <a:lstStyle/>
+        <a:p>
+          <a:endParaRPr lang="en-US"/>
+        </a:p>
+      </dgm:t>
+    </dgm:pt>
+    <dgm:pt modelId="{E3318E14-AACF-49FC-A978-2987D5F6A100}" type="sibTrans" cxnId="{43B2AD9D-3253-40C3-A27F-03C627EFA65A}">
+      <dgm:prSet/>
+      <dgm:spPr/>
+      <dgm:t>
+        <a:bodyPr/>
+        <a:lstStyle/>
+        <a:p>
+          <a:endParaRPr lang="en-US"/>
+        </a:p>
+      </dgm:t>
+    </dgm:pt>
+    <dgm:pt modelId="{AE2DE4C3-1CFC-43F3-9873-A7E7C4D07CA1}">
+      <dgm:prSet/>
+      <dgm:spPr/>
+      <dgm:t>
+        <a:bodyPr/>
+        <a:lstStyle/>
+        <a:p>
+          <a:r>
+            <a:rPr lang="en-GB" b="1" dirty="0"/>
+            <a:t>Entropically Driven</a:t>
+          </a:r>
+          <a:r>
+            <a:rPr lang="en-GB" dirty="0"/>
+            <a:t> Occurring in the absence of attractive intermolecular forces</a:t>
+          </a:r>
+          <a:endParaRPr lang="en-US" dirty="0"/>
+        </a:p>
+      </dgm:t>
+    </dgm:pt>
+    <dgm:pt modelId="{1A9597E9-B185-46A1-88FA-BBAD9EB7C572}" type="parTrans" cxnId="{C5E21A87-6F24-4B92-8FC9-01A754B92DAF}">
+      <dgm:prSet/>
+      <dgm:spPr/>
+      <dgm:t>
+        <a:bodyPr/>
+        <a:lstStyle/>
+        <a:p>
+          <a:endParaRPr lang="en-US"/>
+        </a:p>
+      </dgm:t>
+    </dgm:pt>
+    <dgm:pt modelId="{8046692D-B9C9-482E-8505-A03E12AE0A63}" type="sibTrans" cxnId="{C5E21A87-6F24-4B92-8FC9-01A754B92DAF}">
+      <dgm:prSet/>
+      <dgm:spPr/>
+      <dgm:t>
+        <a:bodyPr/>
+        <a:lstStyle/>
+        <a:p>
+          <a:endParaRPr lang="en-US"/>
+        </a:p>
+      </dgm:t>
+    </dgm:pt>
+    <dgm:pt modelId="{BA5851F6-B407-415E-8D6E-8ED2A4F908E0}" type="pres">
+      <dgm:prSet presAssocID="{29405C8B-D1E2-47E0-B00E-B044BD0C1154}" presName="hierChild1" presStyleCnt="0">
+        <dgm:presLayoutVars>
+          <dgm:chPref val="1"/>
+          <dgm:dir/>
+          <dgm:animOne val="branch"/>
+          <dgm:animLvl val="lvl"/>
+          <dgm:resizeHandles/>
+        </dgm:presLayoutVars>
+      </dgm:prSet>
+      <dgm:spPr/>
+    </dgm:pt>
+    <dgm:pt modelId="{0E2247DA-6B17-4E4B-B99B-C08A9E4F0A34}" type="pres">
+      <dgm:prSet presAssocID="{6D30F490-9425-49D4-9684-CD9E521888D1}" presName="hierRoot1" presStyleCnt="0"/>
+      <dgm:spPr/>
+    </dgm:pt>
+    <dgm:pt modelId="{01B7E1FF-BF2E-48EA-977C-5F4E57E31440}" type="pres">
+      <dgm:prSet presAssocID="{6D30F490-9425-49D4-9684-CD9E521888D1}" presName="composite" presStyleCnt="0"/>
+      <dgm:spPr/>
+    </dgm:pt>
+    <dgm:pt modelId="{9D38EF37-F3AF-44EC-AE05-39C238601C5A}" type="pres">
+      <dgm:prSet presAssocID="{6D30F490-9425-49D4-9684-CD9E521888D1}" presName="background" presStyleLbl="node0" presStyleIdx="0" presStyleCnt="2"/>
+      <dgm:spPr/>
+    </dgm:pt>
+    <dgm:pt modelId="{6000F6C5-E6C6-40BF-8B05-7367E95E277E}" type="pres">
+      <dgm:prSet presAssocID="{6D30F490-9425-49D4-9684-CD9E521888D1}" presName="text" presStyleLbl="fgAcc0" presStyleIdx="0" presStyleCnt="2">
+        <dgm:presLayoutVars>
+          <dgm:chPref val="3"/>
+        </dgm:presLayoutVars>
+      </dgm:prSet>
+      <dgm:spPr/>
+    </dgm:pt>
+    <dgm:pt modelId="{3A5800A2-4C38-436C-B7CB-22A10DC3B85C}" type="pres">
+      <dgm:prSet presAssocID="{6D30F490-9425-49D4-9684-CD9E521888D1}" presName="hierChild2" presStyleCnt="0"/>
+      <dgm:spPr/>
+    </dgm:pt>
+    <dgm:pt modelId="{3510473D-179F-4EB4-AD86-9FB6A22E9CBF}" type="pres">
+      <dgm:prSet presAssocID="{AE2DE4C3-1CFC-43F3-9873-A7E7C4D07CA1}" presName="hierRoot1" presStyleCnt="0"/>
+      <dgm:spPr/>
+    </dgm:pt>
+    <dgm:pt modelId="{1E4985AB-BE27-4F47-9B37-618D2655D7F0}" type="pres">
+      <dgm:prSet presAssocID="{AE2DE4C3-1CFC-43F3-9873-A7E7C4D07CA1}" presName="composite" presStyleCnt="0"/>
+      <dgm:spPr/>
+    </dgm:pt>
+    <dgm:pt modelId="{0ED5906A-234A-43C5-8E1D-BD90F7439492}" type="pres">
+      <dgm:prSet presAssocID="{AE2DE4C3-1CFC-43F3-9873-A7E7C4D07CA1}" presName="background" presStyleLbl="node0" presStyleIdx="1" presStyleCnt="2"/>
+      <dgm:spPr/>
+    </dgm:pt>
+    <dgm:pt modelId="{71B872F6-1036-4A3F-AFC4-71A54F4A0512}" type="pres">
+      <dgm:prSet presAssocID="{AE2DE4C3-1CFC-43F3-9873-A7E7C4D07CA1}" presName="text" presStyleLbl="fgAcc0" presStyleIdx="1" presStyleCnt="2">
+        <dgm:presLayoutVars>
+          <dgm:chPref val="3"/>
+        </dgm:presLayoutVars>
+      </dgm:prSet>
+      <dgm:spPr/>
+    </dgm:pt>
+    <dgm:pt modelId="{2933AE6C-1CED-4419-8E4E-C8F170C7E511}" type="pres">
+      <dgm:prSet presAssocID="{AE2DE4C3-1CFC-43F3-9873-A7E7C4D07CA1}" presName="hierChild2" presStyleCnt="0"/>
+      <dgm:spPr/>
+    </dgm:pt>
+  </dgm:ptLst>
+  <dgm:cxnLst>
+    <dgm:cxn modelId="{62D7F81E-200D-47C1-89FF-525A353DD702}" type="presOf" srcId="{6D30F490-9425-49D4-9684-CD9E521888D1}" destId="{6000F6C5-E6C6-40BF-8B05-7367E95E277E}" srcOrd="0" destOrd="0" presId="urn:microsoft.com/office/officeart/2005/8/layout/hierarchy1"/>
+    <dgm:cxn modelId="{BD3F3F30-F6ED-4173-8BE1-AE5B668A93E6}" type="presOf" srcId="{29405C8B-D1E2-47E0-B00E-B044BD0C1154}" destId="{BA5851F6-B407-415E-8D6E-8ED2A4F908E0}" srcOrd="0" destOrd="0" presId="urn:microsoft.com/office/officeart/2005/8/layout/hierarchy1"/>
+    <dgm:cxn modelId="{C5E21A87-6F24-4B92-8FC9-01A754B92DAF}" srcId="{29405C8B-D1E2-47E0-B00E-B044BD0C1154}" destId="{AE2DE4C3-1CFC-43F3-9873-A7E7C4D07CA1}" srcOrd="1" destOrd="0" parTransId="{1A9597E9-B185-46A1-88FA-BBAD9EB7C572}" sibTransId="{8046692D-B9C9-482E-8505-A03E12AE0A63}"/>
+    <dgm:cxn modelId="{43B2AD9D-3253-40C3-A27F-03C627EFA65A}" srcId="{29405C8B-D1E2-47E0-B00E-B044BD0C1154}" destId="{6D30F490-9425-49D4-9684-CD9E521888D1}" srcOrd="0" destOrd="0" parTransId="{CA70772A-73DA-4DC3-82AD-DD8B8831EB02}" sibTransId="{E3318E14-AACF-49FC-A978-2987D5F6A100}"/>
+    <dgm:cxn modelId="{00D344C6-D9E7-422C-AEA0-3F8180A37BB6}" type="presOf" srcId="{AE2DE4C3-1CFC-43F3-9873-A7E7C4D07CA1}" destId="{71B872F6-1036-4A3F-AFC4-71A54F4A0512}" srcOrd="0" destOrd="0" presId="urn:microsoft.com/office/officeart/2005/8/layout/hierarchy1"/>
+    <dgm:cxn modelId="{1FE2F493-727F-4645-9779-6E800A8756BF}" type="presParOf" srcId="{BA5851F6-B407-415E-8D6E-8ED2A4F908E0}" destId="{0E2247DA-6B17-4E4B-B99B-C08A9E4F0A34}" srcOrd="0" destOrd="0" presId="urn:microsoft.com/office/officeart/2005/8/layout/hierarchy1"/>
+    <dgm:cxn modelId="{4CCC5937-0A8A-4840-A328-31242FD55627}" type="presParOf" srcId="{0E2247DA-6B17-4E4B-B99B-C08A9E4F0A34}" destId="{01B7E1FF-BF2E-48EA-977C-5F4E57E31440}" srcOrd="0" destOrd="0" presId="urn:microsoft.com/office/officeart/2005/8/layout/hierarchy1"/>
+    <dgm:cxn modelId="{BA1873B3-BCCD-48FB-8E0C-4BECF2404784}" type="presParOf" srcId="{01B7E1FF-BF2E-48EA-977C-5F4E57E31440}" destId="{9D38EF37-F3AF-44EC-AE05-39C238601C5A}" srcOrd="0" destOrd="0" presId="urn:microsoft.com/office/officeart/2005/8/layout/hierarchy1"/>
+    <dgm:cxn modelId="{C1D80686-B238-494A-9B01-4F46C698AE30}" type="presParOf" srcId="{01B7E1FF-BF2E-48EA-977C-5F4E57E31440}" destId="{6000F6C5-E6C6-40BF-8B05-7367E95E277E}" srcOrd="1" destOrd="0" presId="urn:microsoft.com/office/officeart/2005/8/layout/hierarchy1"/>
+    <dgm:cxn modelId="{456CB616-1F08-4EDE-94C5-A2BF1BD8A6E6}" type="presParOf" srcId="{0E2247DA-6B17-4E4B-B99B-C08A9E4F0A34}" destId="{3A5800A2-4C38-436C-B7CB-22A10DC3B85C}" srcOrd="1" destOrd="0" presId="urn:microsoft.com/office/officeart/2005/8/layout/hierarchy1"/>
+    <dgm:cxn modelId="{B8825936-B067-4BAE-A06F-E9076AC2AEC7}" type="presParOf" srcId="{BA5851F6-B407-415E-8D6E-8ED2A4F908E0}" destId="{3510473D-179F-4EB4-AD86-9FB6A22E9CBF}" srcOrd="1" destOrd="0" presId="urn:microsoft.com/office/officeart/2005/8/layout/hierarchy1"/>
+    <dgm:cxn modelId="{DA46FB6B-9E11-485A-91B5-6570BEFDC99F}" type="presParOf" srcId="{3510473D-179F-4EB4-AD86-9FB6A22E9CBF}" destId="{1E4985AB-BE27-4F47-9B37-618D2655D7F0}" srcOrd="0" destOrd="0" presId="urn:microsoft.com/office/officeart/2005/8/layout/hierarchy1"/>
+    <dgm:cxn modelId="{4441854F-5FDD-43D8-8E8F-AECF7D86EE63}" type="presParOf" srcId="{1E4985AB-BE27-4F47-9B37-618D2655D7F0}" destId="{0ED5906A-234A-43C5-8E1D-BD90F7439492}" srcOrd="0" destOrd="0" presId="urn:microsoft.com/office/officeart/2005/8/layout/hierarchy1"/>
+    <dgm:cxn modelId="{15124CEC-AC50-4199-912D-63E0823D26CB}" type="presParOf" srcId="{1E4985AB-BE27-4F47-9B37-618D2655D7F0}" destId="{71B872F6-1036-4A3F-AFC4-71A54F4A0512}" srcOrd="1" destOrd="0" presId="urn:microsoft.com/office/officeart/2005/8/layout/hierarchy1"/>
+    <dgm:cxn modelId="{C912CB48-47FD-47FF-936F-1830BB48F565}" type="presParOf" srcId="{3510473D-179F-4EB4-AD86-9FB6A22E9CBF}" destId="{2933AE6C-1CED-4419-8E4E-C8F170C7E511}" srcOrd="1" destOrd="0" presId="urn:microsoft.com/office/officeart/2005/8/layout/hierarchy1"/>
+  </dgm:cxnLst>
+  <dgm:bg/>
+  <dgm:whole/>
+  <dgm:extLst>
+    <a:ext uri="http://schemas.microsoft.com/office/drawing/2008/diagram">
+      <dsp:dataModelExt xmlns:dsp="http://schemas.microsoft.com/office/drawing/2008/diagram" relId="rId6" minVer="http://schemas.openxmlformats.org/drawingml/2006/diagram"/>
+    </a:ext>
+  </dgm:extLst>
+</dgm:dataModel>
+</file>
+
+<file path=ppt/diagrams/drawing1.xml><?xml version="1.0" encoding="utf-8"?>
+<dsp:drawing xmlns:dgm="http://schemas.openxmlformats.org/drawingml/2006/diagram" xmlns:dsp="http://schemas.microsoft.com/office/drawing/2008/diagram" xmlns:a="http://schemas.openxmlformats.org/drawingml/2006/main">
+  <dsp:spTree>
+    <dsp:nvGrpSpPr>
+      <dsp:cNvPr id="0" name=""/>
+      <dsp:cNvGrpSpPr/>
+    </dsp:nvGrpSpPr>
+    <dsp:grpSpPr/>
+    <dsp:sp modelId="{9D38EF37-F3AF-44EC-AE05-39C238601C5A}">
+      <dsp:nvSpPr>
+        <dsp:cNvPr id="0" name=""/>
+        <dsp:cNvSpPr/>
+      </dsp:nvSpPr>
+      <dsp:spPr>
+        <a:xfrm>
+          <a:off x="1227" y="297257"/>
+          <a:ext cx="4309690" cy="2736653"/>
+        </a:xfrm>
+        <a:prstGeom prst="roundRect">
+          <a:avLst>
+            <a:gd name="adj" fmla="val 10000"/>
+          </a:avLst>
+        </a:prstGeom>
+        <a:solidFill>
+          <a:schemeClr val="accent3">
+            <a:hueOff val="0"/>
+            <a:satOff val="0"/>
+            <a:lumOff val="0"/>
+            <a:alphaOff val="0"/>
+          </a:schemeClr>
+        </a:solidFill>
+        <a:ln w="15875" cap="flat" cmpd="sng" algn="ctr">
+          <a:solidFill>
+            <a:schemeClr val="lt1">
+              <a:hueOff val="0"/>
+              <a:satOff val="0"/>
+              <a:lumOff val="0"/>
+              <a:alphaOff val="0"/>
+            </a:schemeClr>
+          </a:solidFill>
+          <a:prstDash val="solid"/>
+        </a:ln>
+        <a:effectLst/>
+      </dsp:spPr>
+      <dsp:style>
+        <a:lnRef idx="2">
+          <a:scrgbClr r="0" g="0" b="0"/>
+        </a:lnRef>
+        <a:fillRef idx="1">
+          <a:scrgbClr r="0" g="0" b="0"/>
+        </a:fillRef>
+        <a:effectRef idx="0">
+          <a:scrgbClr r="0" g="0" b="0"/>
+        </a:effectRef>
+        <a:fontRef idx="minor">
+          <a:schemeClr val="lt1"/>
+        </a:fontRef>
+      </dsp:style>
+    </dsp:sp>
+    <dsp:sp modelId="{6000F6C5-E6C6-40BF-8B05-7367E95E277E}">
+      <dsp:nvSpPr>
+        <dsp:cNvPr id="0" name=""/>
+        <dsp:cNvSpPr/>
+      </dsp:nvSpPr>
+      <dsp:spPr>
+        <a:xfrm>
+          <a:off x="480082" y="752169"/>
+          <a:ext cx="4309690" cy="2736653"/>
+        </a:xfrm>
+        <a:prstGeom prst="roundRect">
+          <a:avLst>
+            <a:gd name="adj" fmla="val 10000"/>
+          </a:avLst>
+        </a:prstGeom>
+        <a:solidFill>
+          <a:schemeClr val="lt1">
+            <a:alpha val="90000"/>
+            <a:hueOff val="0"/>
+            <a:satOff val="0"/>
+            <a:lumOff val="0"/>
+            <a:alphaOff val="0"/>
+          </a:schemeClr>
+        </a:solidFill>
+        <a:ln w="15875" cap="flat" cmpd="sng" algn="ctr">
+          <a:solidFill>
+            <a:schemeClr val="accent3">
+              <a:hueOff val="0"/>
+              <a:satOff val="0"/>
+              <a:lumOff val="0"/>
+              <a:alphaOff val="0"/>
+            </a:schemeClr>
+          </a:solidFill>
+          <a:prstDash val="solid"/>
+        </a:ln>
+        <a:effectLst/>
+      </dsp:spPr>
+      <dsp:style>
+        <a:lnRef idx="2">
+          <a:scrgbClr r="0" g="0" b="0"/>
+        </a:lnRef>
+        <a:fillRef idx="1">
+          <a:scrgbClr r="0" g="0" b="0"/>
+        </a:fillRef>
+        <a:effectRef idx="0">
+          <a:scrgbClr r="0" g="0" b="0"/>
+        </a:effectRef>
+        <a:fontRef idx="minor"/>
+      </dsp:style>
+      <dsp:txBody>
+        <a:bodyPr spcFirstLastPara="0" vert="horz" wrap="square" lIns="133350" tIns="133350" rIns="133350" bIns="133350" numCol="1" spcCol="1270" anchor="ctr" anchorCtr="0">
+          <a:noAutofit/>
+        </a:bodyPr>
+        <a:lstStyle/>
+        <a:p>
+          <a:pPr marL="0" lvl="0" indent="0" algn="ctr" defTabSz="1555750">
+            <a:lnSpc>
+              <a:spcPct val="90000"/>
+            </a:lnSpc>
+            <a:spcBef>
+              <a:spcPct val="0"/>
+            </a:spcBef>
+            <a:spcAft>
+              <a:spcPct val="35000"/>
+            </a:spcAft>
+            <a:buNone/>
+          </a:pPr>
+          <a:r>
+            <a:rPr lang="en-GB" sz="3500" b="1" kern="1200" dirty="0"/>
+            <a:t>Lyotropic</a:t>
+          </a:r>
+          <a:endParaRPr lang="en-GB" sz="3500" kern="1200" dirty="0"/>
+        </a:p>
+        <a:p>
+          <a:pPr marL="0" lvl="0" indent="0" algn="ctr" defTabSz="1555750">
+            <a:lnSpc>
+              <a:spcPct val="90000"/>
+            </a:lnSpc>
+            <a:spcBef>
+              <a:spcPct val="0"/>
+            </a:spcBef>
+            <a:spcAft>
+              <a:spcPct val="35000"/>
+            </a:spcAft>
+            <a:buNone/>
+          </a:pPr>
+          <a:r>
+            <a:rPr lang="en-GB" sz="3500" kern="1200" dirty="0"/>
+            <a:t> Induced by changes in concentration</a:t>
+          </a:r>
+          <a:endParaRPr lang="en-US" sz="3500" kern="1200" dirty="0"/>
+        </a:p>
+      </dsp:txBody>
+      <dsp:txXfrm>
+        <a:off x="560236" y="832323"/>
+        <a:ext cx="4149382" cy="2576345"/>
+      </dsp:txXfrm>
+    </dsp:sp>
+    <dsp:sp modelId="{0ED5906A-234A-43C5-8E1D-BD90F7439492}">
+      <dsp:nvSpPr>
+        <dsp:cNvPr id="0" name=""/>
+        <dsp:cNvSpPr/>
+      </dsp:nvSpPr>
+      <dsp:spPr>
+        <a:xfrm>
+          <a:off x="5268627" y="297257"/>
+          <a:ext cx="4309690" cy="2736653"/>
+        </a:xfrm>
+        <a:prstGeom prst="roundRect">
+          <a:avLst>
+            <a:gd name="adj" fmla="val 10000"/>
+          </a:avLst>
+        </a:prstGeom>
+        <a:solidFill>
+          <a:schemeClr val="accent3">
+            <a:hueOff val="0"/>
+            <a:satOff val="0"/>
+            <a:lumOff val="0"/>
+            <a:alphaOff val="0"/>
+          </a:schemeClr>
+        </a:solidFill>
+        <a:ln w="15875" cap="flat" cmpd="sng" algn="ctr">
+          <a:solidFill>
+            <a:schemeClr val="lt1">
+              <a:hueOff val="0"/>
+              <a:satOff val="0"/>
+              <a:lumOff val="0"/>
+              <a:alphaOff val="0"/>
+            </a:schemeClr>
+          </a:solidFill>
+          <a:prstDash val="solid"/>
+        </a:ln>
+        <a:effectLst/>
+      </dsp:spPr>
+      <dsp:style>
+        <a:lnRef idx="2">
+          <a:scrgbClr r="0" g="0" b="0"/>
+        </a:lnRef>
+        <a:fillRef idx="1">
+          <a:scrgbClr r="0" g="0" b="0"/>
+        </a:fillRef>
+        <a:effectRef idx="0">
+          <a:scrgbClr r="0" g="0" b="0"/>
+        </a:effectRef>
+        <a:fontRef idx="minor">
+          <a:schemeClr val="lt1"/>
+        </a:fontRef>
+      </dsp:style>
+    </dsp:sp>
+    <dsp:sp modelId="{71B872F6-1036-4A3F-AFC4-71A54F4A0512}">
+      <dsp:nvSpPr>
+        <dsp:cNvPr id="0" name=""/>
+        <dsp:cNvSpPr/>
+      </dsp:nvSpPr>
+      <dsp:spPr>
+        <a:xfrm>
+          <a:off x="5747481" y="752169"/>
+          <a:ext cx="4309690" cy="2736653"/>
+        </a:xfrm>
+        <a:prstGeom prst="roundRect">
+          <a:avLst>
+            <a:gd name="adj" fmla="val 10000"/>
+          </a:avLst>
+        </a:prstGeom>
+        <a:solidFill>
+          <a:schemeClr val="lt1">
+            <a:alpha val="90000"/>
+            <a:hueOff val="0"/>
+            <a:satOff val="0"/>
+            <a:lumOff val="0"/>
+            <a:alphaOff val="0"/>
+          </a:schemeClr>
+        </a:solidFill>
+        <a:ln w="15875" cap="flat" cmpd="sng" algn="ctr">
+          <a:solidFill>
+            <a:schemeClr val="accent3">
+              <a:hueOff val="0"/>
+              <a:satOff val="0"/>
+              <a:lumOff val="0"/>
+              <a:alphaOff val="0"/>
+            </a:schemeClr>
+          </a:solidFill>
+          <a:prstDash val="solid"/>
+        </a:ln>
+        <a:effectLst/>
+      </dsp:spPr>
+      <dsp:style>
+        <a:lnRef idx="2">
+          <a:scrgbClr r="0" g="0" b="0"/>
+        </a:lnRef>
+        <a:fillRef idx="1">
+          <a:scrgbClr r="0" g="0" b="0"/>
+        </a:fillRef>
+        <a:effectRef idx="0">
+          <a:scrgbClr r="0" g="0" b="0"/>
+        </a:effectRef>
+        <a:fontRef idx="minor"/>
+      </dsp:style>
+      <dsp:txBody>
+        <a:bodyPr spcFirstLastPara="0" vert="horz" wrap="square" lIns="133350" tIns="133350" rIns="133350" bIns="133350" numCol="1" spcCol="1270" anchor="ctr" anchorCtr="0">
+          <a:noAutofit/>
+        </a:bodyPr>
+        <a:lstStyle/>
+        <a:p>
+          <a:pPr marL="0" lvl="0" indent="0" algn="ctr" defTabSz="1555750">
+            <a:lnSpc>
+              <a:spcPct val="90000"/>
+            </a:lnSpc>
+            <a:spcBef>
+              <a:spcPct val="0"/>
+            </a:spcBef>
+            <a:spcAft>
+              <a:spcPct val="35000"/>
+            </a:spcAft>
+            <a:buNone/>
+          </a:pPr>
+          <a:r>
+            <a:rPr lang="en-GB" sz="3500" b="1" kern="1200" dirty="0"/>
+            <a:t>Entropically Driven</a:t>
+          </a:r>
+          <a:r>
+            <a:rPr lang="en-GB" sz="3500" kern="1200" dirty="0"/>
+            <a:t> Occurring in the absence of attractive intermolecular forces</a:t>
+          </a:r>
+          <a:endParaRPr lang="en-US" sz="3500" kern="1200" dirty="0"/>
+        </a:p>
+      </dsp:txBody>
+      <dsp:txXfrm>
+        <a:off x="5827635" y="832323"/>
+        <a:ext cx="4149382" cy="2576345"/>
+      </dsp:txXfrm>
+    </dsp:sp>
+  </dsp:spTree>
+</dsp:drawing>
+</file>
+
+<file path=ppt/diagrams/layout1.xml><?xml version="1.0" encoding="utf-8"?>
+<dgm:layoutDef xmlns:dgm="http://schemas.openxmlformats.org/drawingml/2006/diagram" xmlns:a="http://schemas.openxmlformats.org/drawingml/2006/main" uniqueId="urn:microsoft.com/office/officeart/2005/8/layout/hierarchy1">
+  <dgm:title val=""/>
+  <dgm:desc val=""/>
+  <dgm:catLst>
+    <dgm:cat type="hierarchy" pri="2000"/>
+  </dgm:catLst>
+  <dgm:sampData>
+    <dgm:dataModel>
+      <dgm:ptLst>
+        <dgm:pt modelId="0" type="doc"/>
+        <dgm:pt modelId="1">
+          <dgm:prSet phldr="1"/>
+        </dgm:pt>
+        <dgm:pt modelId="2">
+          <dgm:prSet phldr="1"/>
+        </dgm:pt>
+        <dgm:pt modelId="21">
+          <dgm:prSet phldr="1"/>
+        </dgm:pt>
+        <dgm:pt modelId="22">
+          <dgm:prSet phldr="1"/>
+        </dgm:pt>
+        <dgm:pt modelId="3">
+          <dgm:prSet phldr="1"/>
+        </dgm:pt>
+        <dgm:pt modelId="31">
+          <dgm:prSet phldr="1"/>
+        </dgm:pt>
+      </dgm:ptLst>
+      <dgm:cxnLst>
+        <dgm:cxn modelId="4" srcId="0" destId="1" srcOrd="0" destOrd="0"/>
+        <dgm:cxn modelId="5" srcId="1" destId="2" srcOrd="0" destOrd="0"/>
+        <dgm:cxn modelId="6" srcId="1" destId="3" srcOrd="1" destOrd="0"/>
+        <dgm:cxn modelId="23" srcId="2" destId="21" srcOrd="0" destOrd="0"/>
+        <dgm:cxn modelId="24" srcId="2" destId="22" srcOrd="1" destOrd="0"/>
+        <dgm:cxn modelId="33" srcId="3" destId="31" srcOrd="0" destOrd="0"/>
+      </dgm:cxnLst>
+      <dgm:bg/>
+      <dgm:whole/>
+    </dgm:dataModel>
+  </dgm:sampData>
+  <dgm:styleData>
+    <dgm:dataModel>
+      <dgm:ptLst>
+        <dgm:pt modelId="0" type="doc"/>
+        <dgm:pt modelId="1"/>
+        <dgm:pt modelId="11"/>
+        <dgm:pt modelId="12"/>
+      </dgm:ptLst>
+      <dgm:cxnLst>
+        <dgm:cxn modelId="2" srcId="0" destId="1" srcOrd="0" destOrd="0"/>
+        <dgm:cxn modelId="13" srcId="1" destId="11" srcOrd="0" destOrd="0"/>
+        <dgm:cxn modelId="14" srcId="1" destId="12" srcOrd="1" destOrd="0"/>
+      </dgm:cxnLst>
+      <dgm:bg/>
+      <dgm:whole/>
+    </dgm:dataModel>
+  </dgm:styleData>
+  <dgm:clrData>
+    <dgm:dataModel>
+      <dgm:ptLst>
+        <dgm:pt modelId="0" type="doc"/>
+        <dgm:pt modelId="1"/>
+        <dgm:pt modelId="2"/>
+        <dgm:pt modelId="21"/>
+        <dgm:pt modelId="211"/>
+        <dgm:pt modelId="3"/>
+        <dgm:pt modelId="31"/>
+        <dgm:pt modelId="311"/>
+      </dgm:ptLst>
+      <dgm:cxnLst>
+        <dgm:cxn modelId="4" srcId="0" destId="1" srcOrd="0" destOrd="0"/>
+        <dgm:cxn modelId="5" srcId="1" destId="2" srcOrd="0" destOrd="0"/>
+        <dgm:cxn modelId="6" srcId="1" destId="3" srcOrd="1" destOrd="0"/>
+        <dgm:cxn modelId="23" srcId="2" destId="21" srcOrd="0" destOrd="0"/>
+        <dgm:cxn modelId="24" srcId="21" destId="211" srcOrd="0" destOrd="0"/>
+        <dgm:cxn modelId="33" srcId="3" destId="31" srcOrd="0" destOrd="0"/>
+        <dgm:cxn modelId="34" srcId="31" destId="311" srcOrd="0" destOrd="0"/>
+      </dgm:cxnLst>
+      <dgm:bg/>
+      <dgm:whole/>
+    </dgm:dataModel>
+  </dgm:clrData>
+  <dgm:layoutNode name="hierChild1">
+    <dgm:varLst>
+      <dgm:chPref val="1"/>
+      <dgm:dir/>
+      <dgm:animOne val="branch"/>
+      <dgm:animLvl val="lvl"/>
+      <dgm:resizeHandles/>
+    </dgm:varLst>
+    <dgm:choose name="Name0">
+      <dgm:if name="Name1" func="var" arg="dir" op="equ" val="norm">
+        <dgm:alg type="hierChild">
+          <dgm:param type="linDir" val="fromL"/>
+        </dgm:alg>
+      </dgm:if>
+      <dgm:else name="Name2">
+        <dgm:alg type="hierChild">
+          <dgm:param type="linDir" val="fromR"/>
+        </dgm:alg>
+      </dgm:else>
+    </dgm:choose>
+    <dgm:shape xmlns:r="http://schemas.openxmlformats.org/officeDocument/2006/relationships" r:blip="">
+      <dgm:adjLst/>
+    </dgm:shape>
+    <dgm:presOf/>
+    <dgm:constrLst>
+      <dgm:constr type="primFontSz" for="des" ptType="node" op="equ" val="65"/>
+      <dgm:constr type="w" for="des" forName="composite" refType="w"/>
+      <dgm:constr type="h" for="des" forName="composite" refType="w" refFor="des" refForName="composite" fact="0.667"/>
+      <dgm:constr type="w" for="des" forName="composite2" refType="w" refFor="des" refForName="composite"/>
+      <dgm:constr type="h" for="des" forName="composite2" refType="h" refFor="des" refForName="composite"/>
+      <dgm:constr type="w" for="des" forName="composite3" refType="w" refFor="des" refForName="composite"/>
+      <dgm:constr type="h" for="des" forName="composite3" refType="h" refFor="des" refForName="composite"/>
+      <dgm:constr type="w" for="des" forName="composite4" refType="w" refFor="des" refForName="composite"/>
+      <dgm:constr type="h" for="des" forName="composite4" refType="h" refFor="des" refForName="composite"/>
+      <dgm:constr type="w" for="des" forName="composite5" refType="w" refFor="des" refForName="composite"/>
+      <dgm:constr type="h" for="des" forName="composite5" refType="h" refFor="des" refForName="composite"/>
+      <dgm:constr type="sibSp" refType="w" refFor="des" refForName="composite" fact="0.1"/>
+      <dgm:constr type="sibSp" for="des" forName="hierChild2" refType="sibSp"/>
+      <dgm:constr type="sibSp" for="des" forName="hierChild3" refType="sibSp"/>
+      <dgm:constr type="sibSp" for="des" forName="hierChild4" refType="sibSp"/>
+      <dgm:constr type="sibSp" for="des" forName="hierChild5" refType="sibSp"/>
+      <dgm:constr type="sibSp" for="des" forName="hierChild6" refType="sibSp"/>
+      <dgm:constr type="sp" for="des" forName="hierRoot1" refType="h" refFor="des" refForName="composite" fact="0.25"/>
+      <dgm:constr type="sp" for="des" forName="hierRoot2" refType="sp" refFor="des" refForName="hierRoot1"/>
+      <dgm:constr type="sp" for="des" forName="hierRoot3" refType="sp" refFor="des" refForName="hierRoot1"/>
+      <dgm:constr type="sp" for="des" forName="hierRoot4" refType="sp" refFor="des" refForName="hierRoot1"/>
+      <dgm:constr type="sp" for="des" forName="hierRoot5" refType="sp" refFor="des" refForName="hierRoot1"/>
+    </dgm:constrLst>
+    <dgm:ruleLst/>
+    <dgm:forEach name="Name3" axis="ch">
+      <dgm:forEach name="Name4" axis="self" ptType="node">
+        <dgm:layoutNode name="hierRoot1">
+          <dgm:alg type="hierRoot"/>
+          <dgm:shape xmlns:r="http://schemas.openxmlformats.org/officeDocument/2006/relationships" r:blip="">
+            <dgm:adjLst/>
+          </dgm:shape>
+          <dgm:presOf/>
+          <dgm:constrLst>
+            <dgm:constr type="bendDist" for="des" ptType="parTrans" refType="sp" fact="0.5"/>
+          </dgm:constrLst>
+          <dgm:ruleLst/>
+          <dgm:layoutNode name="composite">
+            <dgm:alg type="composite"/>
+            <dgm:shape xmlns:r="http://schemas.openxmlformats.org/officeDocument/2006/relationships" r:blip="">
+              <dgm:adjLst/>
+            </dgm:shape>
+            <dgm:presOf/>
+            <dgm:constrLst>
+              <dgm:constr type="w" for="ch" forName="background" refType="w" fact="0.9"/>
+              <dgm:constr type="h" for="ch" forName="background" refType="w" refFor="ch" refForName="background" fact="0.635"/>
+              <dgm:constr type="t" for="ch" forName="background"/>
+              <dgm:constr type="l" for="ch" forName="background"/>
+              <dgm:constr type="w" for="ch" forName="text" refType="w" fact="0.9"/>
+              <dgm:constr type="h" for="ch" forName="text" refType="w" refFor="ch" refForName="text" fact="0.635"/>
+              <dgm:constr type="t" for="ch" forName="text" refType="w" fact="0.095"/>
+              <dgm:constr type="l" for="ch" forName="text" refType="w" fact="0.1"/>
+            </dgm:constrLst>
+            <dgm:ruleLst/>
+            <dgm:layoutNode name="background" styleLbl="node0" moveWith="text">
+              <dgm:alg type="sp"/>
+              <dgm:shape xmlns:r="http://schemas.openxmlformats.org/officeDocument/2006/relationships" type="roundRect" r:blip="">
+                <dgm:adjLst>
+                  <dgm:adj idx="1" val="0.1"/>
+                </dgm:adjLst>
+              </dgm:shape>
+              <dgm:presOf/>
+              <dgm:constrLst/>
+              <dgm:ruleLst/>
+            </dgm:layoutNode>
+            <dgm:layoutNode name="text" styleLbl="fgAcc0">
+              <dgm:varLst>
+                <dgm:chPref val="3"/>
+              </dgm:varLst>
+              <dgm:alg type="tx"/>
+              <dgm:shape xmlns:r="http://schemas.openxmlformats.org/officeDocument/2006/relationships" type="roundRect" r:blip="">
+                <dgm:adjLst>
+                  <dgm:adj idx="1" val="0.1"/>
+                </dgm:adjLst>
+              </dgm:shape>
+              <dgm:presOf axis="self"/>
+              <dgm:constrLst>
+                <dgm:constr type="tMarg" refType="primFontSz" fact="0.3"/>
+                <dgm:constr type="bMarg" refType="primFontSz" fact="0.3"/>
+                <dgm:constr type="lMarg" refType="primFontSz" fact="0.3"/>
+                <dgm:constr type="rMarg" refType="primFontSz" fact="0.3"/>
+              </dgm:constrLst>
+              <dgm:ruleLst>
+                <dgm:rule type="primFontSz" val="5" fact="NaN" max="NaN"/>
+              </dgm:ruleLst>
+            </dgm:layoutNode>
+          </dgm:layoutNode>
+          <dgm:layoutNode name="hierChild2">
+            <dgm:choose name="Name5">
+              <dgm:if name="Name6" func="var" arg="dir" op="equ" val="norm">
+                <dgm:alg type="hierChild">
+                  <dgm:param type="linDir" val="fromL"/>
+                </dgm:alg>
+              </dgm:if>
+              <dgm:else name="Name7">
+                <dgm:alg type="hierChild">
+                  <dgm:param type="linDir" val="fromR"/>
+                </dgm:alg>
+              </dgm:else>
+            </dgm:choose>
+            <dgm:shape xmlns:r="http://schemas.openxmlformats.org/officeDocument/2006/relationships" r:blip="">
+              <dgm:adjLst/>
+            </dgm:shape>
+            <dgm:presOf/>
+            <dgm:constrLst/>
+            <dgm:ruleLst/>
+            <dgm:forEach name="Name8" axis="ch">
+              <dgm:forEach name="Name9" axis="self" ptType="parTrans" cnt="1">
+                <dgm:layoutNode name="Name10">
+                  <dgm:alg type="conn">
+                    <dgm:param type="dim" val="1D"/>
+                    <dgm:param type="endSty" val="noArr"/>
+                    <dgm:param type="connRout" val="bend"/>
+                    <dgm:param type="bendPt" val="end"/>
+                    <dgm:param type="begPts" val="bCtr"/>
+                    <dgm:param type="endPts" val="tCtr"/>
+                    <dgm:param type="srcNode" val="background"/>
+                    <dgm:param type="dstNode" val="background2"/>
+                  </dgm:alg>
+                  <dgm:shape xmlns:r="http://schemas.openxmlformats.org/officeDocument/2006/relationships" type="conn" r:blip="" zOrderOff="-999">
+                    <dgm:adjLst/>
+                  </dgm:shape>
+                  <dgm:presOf axis="self"/>
+                  <dgm:constrLst>
+                    <dgm:constr type="begPad"/>
+                    <dgm:constr type="endPad"/>
+                  </dgm:constrLst>
+                  <dgm:ruleLst/>
+                </dgm:layoutNode>
+              </dgm:forEach>
+              <dgm:forEach name="Name11" axis="self" ptType="node">
+                <dgm:layoutNode name="hierRoot2">
+                  <dgm:alg type="hierRoot"/>
+                  <dgm:shape xmlns:r="http://schemas.openxmlformats.org/officeDocument/2006/relationships" r:blip="">
+                    <dgm:adjLst/>
+                  </dgm:shape>
+                  <dgm:presOf/>
+                  <dgm:constrLst>
+                    <dgm:constr type="bendDist" for="des" ptType="parTrans" refType="sp" fact="0.5"/>
+                  </dgm:constrLst>
+                  <dgm:ruleLst/>
+                  <dgm:layoutNode name="composite2">
+                    <dgm:alg type="composite"/>
+                    <dgm:shape xmlns:r="http://schemas.openxmlformats.org/officeDocument/2006/relationships" r:blip="">
+                      <dgm:adjLst/>
+                    </dgm:shape>
+                    <dgm:presOf/>
+                    <dgm:constrLst>
+                      <dgm:constr type="w" for="ch" forName="background2" refType="w" fact="0.9"/>
+                      <dgm:constr type="h" for="ch" forName="background2" refType="w" refFor="ch" refForName="background2" fact="0.635"/>
+                      <dgm:constr type="t" for="ch" forName="background2"/>
+                      <dgm:constr type="l" for="ch" forName="background2"/>
+                      <dgm:constr type="w" for="ch" forName="text2" refType="w" fact="0.9"/>
+                      <dgm:constr type="h" for="ch" forName="text2" refType="w" refFor="ch" refForName="text2" fact="0.635"/>
+                      <dgm:constr type="t" for="ch" forName="text2" refType="w" fact="0.095"/>
+                      <dgm:constr type="l" for="ch" forName="text2" refType="w" fact="0.1"/>
+                    </dgm:constrLst>
+                    <dgm:ruleLst/>
+                    <dgm:layoutNode name="background2" moveWith="text2">
+                      <dgm:alg type="sp"/>
+                      <dgm:shape xmlns:r="http://schemas.openxmlformats.org/officeDocument/2006/relationships" type="roundRect" r:blip="">
+                        <dgm:adjLst>
+                          <dgm:adj idx="1" val="0.1"/>
+                        </dgm:adjLst>
+                      </dgm:shape>
+                      <dgm:presOf/>
+                      <dgm:constrLst/>
+                      <dgm:ruleLst/>
+                    </dgm:layoutNode>
+                    <dgm:layoutNode name="text2" styleLbl="fgAcc2">
+                      <dgm:varLst>
+                        <dgm:chPref val="3"/>
+                      </dgm:varLst>
+                      <dgm:alg type="tx"/>
+                      <dgm:shape xmlns:r="http://schemas.openxmlformats.org/officeDocument/2006/relationships" type="roundRect" r:blip="">
+                        <dgm:adjLst>
+                          <dgm:adj idx="1" val="0.1"/>
+                        </dgm:adjLst>
+                      </dgm:shape>
+                      <dgm:presOf axis="self"/>
+                      <dgm:constrLst>
+                        <dgm:constr type="tMarg" refType="primFontSz" fact="0.3"/>
+                        <dgm:constr type="bMarg" refType="primFontSz" fact="0.3"/>
+                        <dgm:constr type="lMarg" refType="primFontSz" fact="0.3"/>
+                        <dgm:constr type="rMarg" refType="primFontSz" fact="0.3"/>
+                      </dgm:constrLst>
+                      <dgm:ruleLst>
+                        <dgm:rule type="primFontSz" val="5" fact="NaN" max="NaN"/>
+                      </dgm:ruleLst>
+                    </dgm:layoutNode>
+                  </dgm:layoutNode>
+                  <dgm:layoutNode name="hierChild3">
+                    <dgm:choose name="Name12">
+                      <dgm:if name="Name13" func="var" arg="dir" op="equ" val="norm">
+                        <dgm:alg type="hierChild">
+                          <dgm:param type="linDir" val="fromL"/>
+                        </dgm:alg>
+                      </dgm:if>
+                      <dgm:else name="Name14">
+                        <dgm:alg type="hierChild">
+                          <dgm:param type="linDir" val="fromR"/>
+                        </dgm:alg>
+                      </dgm:else>
+                    </dgm:choose>
+                    <dgm:shape xmlns:r="http://schemas.openxmlformats.org/officeDocument/2006/relationships" r:blip="">
+                      <dgm:adjLst/>
+                    </dgm:shape>
+                    <dgm:presOf/>
+                    <dgm:constrLst/>
+                    <dgm:ruleLst/>
+                    <dgm:forEach name="Name15" axis="ch">
+                      <dgm:forEach name="Name16" axis="self" ptType="parTrans" cnt="1">
+                        <dgm:layoutNode name="Name17">
+                          <dgm:alg type="conn">
+                            <dgm:param type="dim" val="1D"/>
+                            <dgm:param type="endSty" val="noArr"/>
+                            <dgm:param type="connRout" val="bend"/>
+                            <dgm:param type="bendPt" val="end"/>
+                            <dgm:param type="begPts" val="bCtr"/>
+                            <dgm:param type="endPts" val="tCtr"/>
+                            <dgm:param type="srcNode" val="background2"/>
+                            <dgm:param type="dstNode" val="background3"/>
+                          </dgm:alg>
+                          <dgm:shape xmlns:r="http://schemas.openxmlformats.org/officeDocument/2006/relationships" type="conn" r:blip="" zOrderOff="-999">
+                            <dgm:adjLst/>
+                          </dgm:shape>
+                          <dgm:presOf axis="self"/>
+                          <dgm:constrLst>
+                            <dgm:constr type="begPad"/>
+                            <dgm:constr type="endPad"/>
+                          </dgm:constrLst>
+                          <dgm:ruleLst/>
+                        </dgm:layoutNode>
+                      </dgm:forEach>
+                      <dgm:forEach name="Name18" axis="self" ptType="node">
+                        <dgm:layoutNode name="hierRoot3">
+                          <dgm:alg type="hierRoot"/>
+                          <dgm:shape xmlns:r="http://schemas.openxmlformats.org/officeDocument/2006/relationships" r:blip="">
+                            <dgm:adjLst/>
+                          </dgm:shape>
+                          <dgm:presOf/>
+                          <dgm:constrLst>
+                            <dgm:constr type="bendDist" for="des" ptType="parTrans" refType="sp" fact="0.5"/>
+                          </dgm:constrLst>
+                          <dgm:ruleLst/>
+                          <dgm:layoutNode name="composite3">
+                            <dgm:alg type="composite"/>
+                            <dgm:shape xmlns:r="http://schemas.openxmlformats.org/officeDocument/2006/relationships" r:blip="">
+                              <dgm:adjLst/>
+                            </dgm:shape>
+                            <dgm:presOf/>
+                            <dgm:constrLst>
+                              <dgm:constr type="w" for="ch" forName="background3" refType="w" fact="0.9"/>
+                              <dgm:constr type="h" for="ch" forName="background3" refType="w" refFor="ch" refForName="background3" fact="0.635"/>
+                              <dgm:constr type="t" for="ch" forName="background3"/>
+                              <dgm:constr type="l" for="ch" forName="background3"/>
+                              <dgm:constr type="w" for="ch" forName="text3" refType="w" fact="0.9"/>
+                              <dgm:constr type="h" for="ch" forName="text3" refType="w" refFor="ch" refForName="text3" fact="0.635"/>
+                              <dgm:constr type="t" for="ch" forName="text3" refType="w" fact="0.095"/>
+                              <dgm:constr type="l" for="ch" forName="text3" refType="w" fact="0.1"/>
+                            </dgm:constrLst>
+                            <dgm:ruleLst/>
+                            <dgm:layoutNode name="background3" moveWith="text3">
+                              <dgm:alg type="sp"/>
+                              <dgm:shape xmlns:r="http://schemas.openxmlformats.org/officeDocument/2006/relationships" type="roundRect" r:blip="">
+                                <dgm:adjLst>
+                                  <dgm:adj idx="1" val="0.1"/>
+                                </dgm:adjLst>
+                              </dgm:shape>
+                              <dgm:presOf/>
+                              <dgm:constrLst/>
+                              <dgm:ruleLst/>
+                            </dgm:layoutNode>
+                            <dgm:layoutNode name="text3" styleLbl="fgAcc3">
+                              <dgm:varLst>
+                                <dgm:chPref val="3"/>
+                              </dgm:varLst>
+                              <dgm:alg type="tx"/>
+                              <dgm:shape xmlns:r="http://schemas.openxmlformats.org/officeDocument/2006/relationships" type="roundRect" r:blip="">
+                                <dgm:adjLst>
+                                  <dgm:adj idx="1" val="0.1"/>
+                                </dgm:adjLst>
+                              </dgm:shape>
+                              <dgm:presOf axis="self"/>
+                              <dgm:constrLst>
+                                <dgm:constr type="tMarg" refType="primFontSz" fact="0.3"/>
+                                <dgm:constr type="bMarg" refType="primFontSz" fact="0.3"/>
+                                <dgm:constr type="lMarg" refType="primFontSz" fact="0.3"/>
+                                <dgm:constr type="rMarg" refType="primFontSz" fact="0.3"/>
+                              </dgm:constrLst>
+                              <dgm:ruleLst>
+                                <dgm:rule type="primFontSz" val="5" fact="NaN" max="NaN"/>
+                              </dgm:ruleLst>
+                            </dgm:layoutNode>
+                          </dgm:layoutNode>
+                          <dgm:layoutNode name="hierChild4">
+                            <dgm:choose name="Name19">
+                              <dgm:if name="Name20" func="var" arg="dir" op="equ" val="norm">
+                                <dgm:alg type="hierChild">
+                                  <dgm:param type="linDir" val="fromL"/>
+                                </dgm:alg>
+                              </dgm:if>
+                              <dgm:else name="Name21">
+                                <dgm:alg type="hierChild">
+                                  <dgm:param type="linDir" val="fromR"/>
+                                </dgm:alg>
+                              </dgm:else>
+                            </dgm:choose>
+                            <dgm:shape xmlns:r="http://schemas.openxmlformats.org/officeDocument/2006/relationships" r:blip="">
+                              <dgm:adjLst/>
+                            </dgm:shape>
+                            <dgm:presOf/>
+                            <dgm:constrLst/>
+                            <dgm:ruleLst/>
+                            <dgm:forEach name="repeat" axis="ch">
+                              <dgm:forEach name="Name22" axis="self" ptType="parTrans" cnt="1">
+                                <dgm:layoutNode name="Name23">
+                                  <dgm:choose name="Name24">
+                                    <dgm:if name="Name25" axis="self" func="depth" op="lte" val="4">
+                                      <dgm:alg type="conn">
+                                        <dgm:param type="dim" val="1D"/>
+                                        <dgm:param type="endSty" val="noArr"/>
+                                        <dgm:param type="connRout" val="bend"/>
+                                        <dgm:param type="bendPt" val="end"/>
+                                        <dgm:param type="begPts" val="bCtr"/>
+                                        <dgm:param type="endPts" val="tCtr"/>
+                                        <dgm:param type="srcNode" val="background3"/>
+                                        <dgm:param type="dstNode" val="background4"/>
+                                      </dgm:alg>
+                                    </dgm:if>
+                                    <dgm:else name="Name26">
+                                      <dgm:alg type="conn">
+                                        <dgm:param type="dim" val="1D"/>
+                                        <dgm:param type="endSty" val="noArr"/>
+                                        <dgm:param type="connRout" val="bend"/>
+                                        <dgm:param type="bendPt" val="end"/>
+                                        <dgm:param type="begPts" val="bCtr"/>
+                                        <dgm:param type="endPts" val="tCtr"/>
+                                        <dgm:param type="srcNode" val="background4"/>
+                                        <dgm:param type="dstNode" val="background4"/>
+                                      </dgm:alg>
+                                    </dgm:else>
+                                  </dgm:choose>
+                                  <dgm:shape xmlns:r="http://schemas.openxmlformats.org/officeDocument/2006/relationships" type="conn" r:blip="" zOrderOff="-999">
+                                    <dgm:adjLst/>
+                                  </dgm:shape>
+                                  <dgm:presOf axis="self"/>
+                                  <dgm:constrLst>
+                                    <dgm:constr type="begPad"/>
+                                    <dgm:constr type="endPad"/>
+                                  </dgm:constrLst>
+                                  <dgm:ruleLst/>
+                                </dgm:layoutNode>
+                              </dgm:forEach>
+                              <dgm:forEach name="Name27" axis="self" ptType="node">
+                                <dgm:layoutNode name="hierRoot4">
+                                  <dgm:alg type="hierRoot"/>
+                                  <dgm:shape xmlns:r="http://schemas.openxmlformats.org/officeDocument/2006/relationships" r:blip="">
+                                    <dgm:adjLst/>
+                                  </dgm:shape>
+                                  <dgm:presOf/>
+                                  <dgm:constrLst>
+                                    <dgm:constr type="bendDist" for="des" ptType="parTrans" refType="sp" fact="0.5"/>
+                                  </dgm:constrLst>
+                                  <dgm:ruleLst/>
+                                  <dgm:layoutNode name="composite4">
+                                    <dgm:alg type="composite"/>
+                                    <dgm:shape xmlns:r="http://schemas.openxmlformats.org/officeDocument/2006/relationships" r:blip="">
+                                      <dgm:adjLst/>
+                                    </dgm:shape>
+                                    <dgm:presOf/>
+                                    <dgm:constrLst>
+                                      <dgm:constr type="w" for="ch" forName="background4" refType="w" fact="0.9"/>
+                                      <dgm:constr type="h" for="ch" forName="background4" refType="w" refFor="ch" refForName="background4" fact="0.635"/>
+                                      <dgm:constr type="t" for="ch" forName="background4"/>
+                                      <dgm:constr type="l" for="ch" forName="background4"/>
+                                      <dgm:constr type="w" for="ch" forName="text4" refType="w" fact="0.9"/>
+                                      <dgm:constr type="h" for="ch" forName="text4" refType="w" refFor="ch" refForName="text4" fact="0.635"/>
+                                      <dgm:constr type="t" for="ch" forName="text4" refType="w" fact="0.095"/>
+                                      <dgm:constr type="l" for="ch" forName="text4" refType="w" fact="0.1"/>
+                                    </dgm:constrLst>
+                                    <dgm:ruleLst/>
+                                    <dgm:layoutNode name="background4" moveWith="text4">
+                                      <dgm:alg type="sp"/>
+                                      <dgm:shape xmlns:r="http://schemas.openxmlformats.org/officeDocument/2006/relationships" type="roundRect" r:blip="">
+                                        <dgm:adjLst>
+                                          <dgm:adj idx="1" val="0.1"/>
+                                        </dgm:adjLst>
+                                      </dgm:shape>
+                                      <dgm:presOf/>
+                                      <dgm:constrLst/>
+                                      <dgm:ruleLst/>
+                                    </dgm:layoutNode>
+                                    <dgm:layoutNode name="text4" styleLbl="fgAcc4">
+                                      <dgm:varLst>
+                                        <dgm:chPref val="3"/>
+                                      </dgm:varLst>
+                                      <dgm:alg type="tx"/>
+                                      <dgm:shape xmlns:r="http://schemas.openxmlformats.org/officeDocument/2006/relationships" type="roundRect" r:blip="">
+                                        <dgm:adjLst>
+                                          <dgm:adj idx="1" val="0.1"/>
+                                        </dgm:adjLst>
+                                      </dgm:shape>
+                                      <dgm:presOf axis="self"/>
+                                      <dgm:constrLst>
+                                        <dgm:constr type="tMarg" refType="primFontSz" fact="0.3"/>
+                                        <dgm:constr type="bMarg" refType="primFontSz" fact="0.3"/>
+                                        <dgm:constr type="lMarg" refType="primFontSz" fact="0.3"/>
+                                        <dgm:constr type="rMarg" refType="primFontSz" fact="0.3"/>
+                                      </dgm:constrLst>
+                                      <dgm:ruleLst>
+                                        <dgm:rule type="primFontSz" val="5" fact="NaN" max="NaN"/>
+                                      </dgm:ruleLst>
+                                    </dgm:layoutNode>
+                                  </dgm:layoutNode>
+                                  <dgm:layoutNode name="hierChild5">
+                                    <dgm:choose name="Name28">
+                                      <dgm:if name="Name29" func="var" arg="dir" op="equ" val="norm">
+                                        <dgm:alg type="hierChild">
+                                          <dgm:param type="linDir" val="fromL"/>
+                                        </dgm:alg>
+                                      </dgm:if>
+                                      <dgm:else name="Name30">
+                                        <dgm:alg type="hierChild">
+                                          <dgm:param type="linDir" val="fromR"/>
+                                        </dgm:alg>
+                                      </dgm:else>
+                                    </dgm:choose>
+                                    <dgm:shape xmlns:r="http://schemas.openxmlformats.org/officeDocument/2006/relationships" r:blip="">
+                                      <dgm:adjLst/>
+                                    </dgm:shape>
+                                    <dgm:presOf/>
+                                    <dgm:constrLst/>
+                                    <dgm:ruleLst/>
+                                    <dgm:forEach name="Name31" ref="repeat"/>
+                                  </dgm:layoutNode>
+                                </dgm:layoutNode>
+                              </dgm:forEach>
+                            </dgm:forEach>
+                          </dgm:layoutNode>
+                        </dgm:layoutNode>
+                      </dgm:forEach>
+                    </dgm:forEach>
+                  </dgm:layoutNode>
+                </dgm:layoutNode>
+              </dgm:forEach>
+            </dgm:forEach>
+          </dgm:layoutNode>
+        </dgm:layoutNode>
+      </dgm:forEach>
+    </dgm:forEach>
+  </dgm:layoutNode>
+</dgm:layoutDef>
+</file>
+
+<file path=ppt/diagrams/quickStyle1.xml><?xml version="1.0" encoding="utf-8"?>
+<dgm:styleDef xmlns:dgm="http://schemas.openxmlformats.org/drawingml/2006/diagram" xmlns:a="http://schemas.openxmlformats.org/drawingml/2006/main" uniqueId="urn:microsoft.com/office/officeart/2005/8/quickstyle/simple1">
+  <dgm:title val=""/>
+  <dgm:desc val=""/>
+  <dgm:catLst>
+    <dgm:cat type="simple" pri="10100"/>
+  </dgm:catLst>
+  <dgm:scene3d>
+    <a:camera prst="orthographicFront"/>
+    <a:lightRig rig="threePt" dir="t"/>
+  </dgm:scene3d>
+  <dgm:styleLbl name="node0">
+    <dgm:scene3d>
+      <a:camera prst="orthographicFront"/>
+      <a:lightRig rig="threePt" dir="t"/>
+    </dgm:scene3d>
+    <dgm:sp3d/>
+    <dgm:txPr/>
+    <dgm:style>
+      <a:lnRef idx="2">
+        <a:scrgbClr r="0" g="0" b="0"/>
+      </a:lnRef>
+      <a:fillRef idx="1">
+        <a:scrgbClr r="0" g="0" b="0"/>
+      </a:fillRef>
+      <a:effectRef idx="0">
+        <a:scrgbClr r="0" g="0" b="0"/>
+      </a:effectRef>
+      <a:fontRef idx="minor">
+        <a:schemeClr val="lt1"/>
+      </a:fontRef>
+    </dgm:style>
+  </dgm:styleLbl>
+  <dgm:styleLbl name="lnNode1">
+    <dgm:scene3d>
+      <a:camera prst="orthographicFront"/>
+      <a:lightRig rig="threePt" dir="t"/>
+    </dgm:scene3d>
+    <dgm:sp3d/>
+    <dgm:txPr/>
+    <dgm:style>
+      <a:lnRef idx="2">
+        <a:scrgbClr r="0" g="0" b="0"/>
+      </a:lnRef>
+      <a:fillRef idx="1">
+        <a:scrgbClr r="0" g="0" b="0"/>
+      </a:fillRef>
+      <a:effectRef idx="0">
+        <a:scrgbClr r="0" g="0" b="0"/>
+      </a:effectRef>
+      <a:fontRef idx="minor">
+        <a:schemeClr val="lt1"/>
+      </a:fontRef>
+    </dgm:style>
+  </dgm:styleLbl>
+  <dgm:styleLbl name="vennNode1">
+    <dgm:scene3d>
+      <a:camera prst="orthographicFront"/>
+      <a:lightRig rig="threePt" dir="t"/>
+    </dgm:scene3d>
+    <dgm:sp3d/>
+    <dgm:txPr/>
+    <dgm:style>
+      <a:lnRef idx="2">
+        <a:scrgbClr r="0" g="0" b="0"/>
+      </a:lnRef>
+      <a:fillRef idx="1">
+        <a:scrgbClr r="0" g="0" b="0"/>
+      </a:fillRef>
+      <a:effectRef idx="0">
+        <a:scrgbClr r="0" g="0" b="0"/>
+      </a:effectRef>
+      <a:fontRef idx="minor">
+        <a:schemeClr val="tx1"/>
+      </a:fontRef>
+    </dgm:style>
+  </dgm:styleLbl>
+  <dgm:styleLbl name="alignNode1">
+    <dgm:scene3d>
+      <a:camera prst="orthographicFront"/>
+      <a:lightRig rig="threePt" dir="t"/>
+    </dgm:scene3d>
+    <dgm:sp3d/>
+    <dgm:txPr/>
+    <dgm:style>
+      <a:lnRef idx="2">
+        <a:scrgbClr r="0" g="0" b="0"/>
+      </a:lnRef>
+      <a:fillRef idx="1">
+        <a:scrgbClr r="0" g="0" b="0"/>
+      </a:fillRef>
+      <a:effectRef idx="0">
+        <a:scrgbClr r="0" g="0" b="0"/>
+      </a:effectRef>
+      <a:fontRef idx="minor">
+        <a:schemeClr val="lt1"/>
+      </a:fontRef>
+    </dgm:style>
+  </dgm:styleLbl>
+  <dgm:styleLbl name="node1">
+    <dgm:scene3d>
+      <a:camera prst="orthographicFront"/>
+      <a:lightRig rig="threePt" dir="t"/>
+    </dgm:scene3d>
+    <dgm:sp3d/>
+    <dgm:txPr/>
+    <dgm:style>
+      <a:lnRef idx="2">
+        <a:scrgbClr r="0" g="0" b="0"/>
+      </a:lnRef>
+      <a:fillRef idx="1">
+        <a:scrgbClr r="0" g="0" b="0"/>
+      </a:fillRef>
+      <a:effectRef idx="0">
+        <a:scrgbClr r="0" g="0" b="0"/>
+      </a:effectRef>
+      <a:fontRef idx="minor">
+        <a:schemeClr val="lt1"/>
+      </a:fontRef>
+    </dgm:style>
+  </dgm:styleLbl>
+  <dgm:styleLbl name="node2">
+    <dgm:scene3d>
+      <a:camera prst="orthographicFront"/>
+      <a:lightRig rig="threePt" dir="t"/>
+    </dgm:scene3d>
+    <dgm:sp3d/>
+    <dgm:txPr/>
+    <dgm:style>
+      <a:lnRef idx="2">
+        <a:scrgbClr r="0" g="0" b="0"/>
+      </a:lnRef>
+      <a:fillRef idx="1">
+        <a:scrgbClr r="0" g="0" b="0"/>
+      </a:fillRef>
+      <a:effectRef idx="0">
+        <a:scrgbClr r="0" g="0" b="0"/>
+      </a:effectRef>
+      <a:fontRef idx="minor">
+        <a:schemeClr val="lt1"/>
+      </a:fontRef>
+    </dgm:style>
+  </dgm:styleLbl>
+  <dgm:styleLbl name="node3">
+    <dgm:scene3d>
+      <a:camera prst="orthographicFront"/>
+      <a:lightRig rig="threePt" dir="t"/>
+    </dgm:scene3d>
+    <dgm:sp3d/>
+    <dgm:txPr/>
+    <dgm:style>
+      <a:lnRef idx="2">
+        <a:scrgbClr r="0" g="0" b="0"/>
+      </a:lnRef>
+      <a:fillRef idx="1">
+        <a:scrgbClr r="0" g="0" b="0"/>
+      </a:fillRef>
+      <a:effectRef idx="0">
+        <a:scrgbClr r="0" g="0" b="0"/>
+      </a:effectRef>
+      <a:fontRef idx="minor">
+        <a:schemeClr val="lt1"/>
+      </a:fontRef>
+    </dgm:style>
+  </dgm:styleLbl>
+  <dgm:styleLbl name="node4">
+    <dgm:scene3d>
+      <a:camera prst="orthographicFront"/>
+      <a:lightRig rig="threePt" dir="t"/>
+    </dgm:scene3d>
+    <dgm:sp3d/>
+    <dgm:txPr/>
+    <dgm:style>
+      <a:lnRef idx="2">
+        <a:scrgbClr r="0" g="0" b="0"/>
+      </a:lnRef>
+      <a:fillRef idx="1">
+        <a:scrgbClr r="0" g="0" b="0"/>
+      </a:fillRef>
+      <a:effectRef idx="0">
+        <a:scrgbClr r="0" g="0" b="0"/>
+      </a:effectRef>
+      <a:fontRef idx="minor">
+        <a:schemeClr val="lt1"/>
+      </a:fontRef>
+    </dgm:style>
+  </dgm:styleLbl>
+  <dgm:styleLbl name="fgImgPlace1">
+    <dgm:scene3d>
+      <a:camera prst="orthographicFront"/>
+      <a:lightRig rig="threePt" dir="t"/>
+    </dgm:scene3d>
+    <dgm:sp3d/>
+    <dgm:txPr/>
+    <dgm:style>
+      <a:lnRef idx="2">
+        <a:scrgbClr r="0" g="0" b="0"/>
+      </a:lnRef>
+      <a:fillRef idx="1">
+        <a:scrgbClr r="0" g="0" b="0"/>
+      </a:fillRef>
+      <a:effectRef idx="0">
+        <a:scrgbClr r="0" g="0" b="0"/>
+      </a:effectRef>
+      <a:fontRef idx="minor"/>
+    </dgm:style>
+  </dgm:styleLbl>
+  <dgm:styleLbl name="alignImgPlace1">
+    <dgm:scene3d>
+      <a:camera prst="orthographicFront"/>
+      <a:lightRig rig="threePt" dir="t"/>
+    </dgm:scene3d>
+    <dgm:sp3d/>
+    <dgm:txPr/>
+    <dgm:style>
+      <a:lnRef idx="2">
+        <a:scrgbClr r="0" g="0" b="0"/>
+      </a:lnRef>
+      <a:fillRef idx="1">
+        <a:scrgbClr r="0" g="0" b="0"/>
+      </a:fillRef>
+      <a:effectRef idx="0">
+        <a:scrgbClr r="0" g="0" b="0"/>
+      </a:effectRef>
+      <a:fontRef idx="minor"/>
+    </dgm:style>
+  </dgm:styleLbl>
+  <dgm:styleLbl name="bgImgPlace1">
+    <dgm:scene3d>
+      <a:camera prst="orthographicFront"/>
+      <a:lightRig rig="threePt" dir="t"/>
+    </dgm:scene3d>
+    <dgm:sp3d/>
+    <dgm:txPr/>
+    <dgm:style>
+      <a:lnRef idx="2">
+        <a:scrgbClr r="0" g="0" b="0"/>
+      </a:lnRef>
+      <a:fillRef idx="1">
+        <a:scrgbClr r="0" g="0" b="0"/>
+      </a:fillRef>
+      <a:effectRef idx="0">
+        <a:scrgbClr r="0" g="0" b="0"/>
+      </a:effectRef>
+      <a:fontRef idx="minor"/>
+    </dgm:style>
+  </dgm:styleLbl>
+  <dgm:styleLbl name="sibTrans2D1">
+    <dgm:scene3d>
+      <a:camera prst="orthographicFront"/>
+      <a:lightRig rig="threePt" dir="t"/>
+    </dgm:scene3d>
+    <dgm:sp3d/>
+    <dgm:txPr/>
+    <dgm:style>
+      <a:lnRef idx="0">
+        <a:scrgbClr r="0" g="0" b="0"/>
+      </a:lnRef>
+      <a:fillRef idx="1">
+        <a:scrgbClr r="0" g="0" b="0"/>
+      </a:fillRef>
+      <a:effectRef idx="0">
+        <a:scrgbClr r="0" g="0" b="0"/>
+      </a:effectRef>
+      <a:fontRef idx="minor">
+        <a:schemeClr val="lt1"/>
+      </a:fontRef>
+    </dgm:style>
+  </dgm:styleLbl>
+  <dgm:styleLbl name="fgSibTrans2D1">
+    <dgm:scene3d>
+      <a:camera prst="orthographicFront"/>
+      <a:lightRig rig="threePt" dir="t"/>
+    </dgm:scene3d>
+    <dgm:sp3d/>
+    <dgm:txPr/>
+    <dgm:style>
+      <a:lnRef idx="0">
+        <a:scrgbClr r="0" g="0" b="0"/>
+      </a:lnRef>
+      <a:fillRef idx="1">
+        <a:scrgbClr r="0" g="0" b="0"/>
+      </a:fillRef>
+      <a:effectRef idx="0">
+        <a:scrgbClr r="0" g="0" b="0"/>
+      </a:effectRef>
+      <a:fontRef idx="minor">
+        <a:schemeClr val="lt1"/>
+      </a:fontRef>
+    </dgm:style>
+  </dgm:styleLbl>
+  <dgm:styleLbl name="bgSibTrans2D1">
+    <dgm:scene3d>
+      <a:camera prst="orthographicFront"/>
+      <a:lightRig rig="threePt" dir="t"/>
+    </dgm:scene3d>
+    <dgm:sp3d/>
+    <dgm:txPr/>
+    <dgm:style>
+      <a:lnRef idx="0">
+        <a:scrgbClr r="0" g="0" b="0"/>
+      </a:lnRef>
+      <a:fillRef idx="1">
+        <a:scrgbClr r="0" g="0" b="0"/>
+      </a:fillRef>
+      <a:effectRef idx="0">
+        <a:scrgbClr r="0" g="0" b="0"/>
+      </a:effectRef>
+      <a:fontRef idx="minor">
+        <a:schemeClr val="lt1"/>
+      </a:fontRef>
+    </dgm:style>
+  </dgm:styleLbl>
+  <dgm:styleLbl name="sibTrans1D1">
+    <dgm:scene3d>
+      <a:camera prst="orthographicFront"/>
+      <a:lightRig rig="threePt" dir="t"/>
+    </dgm:scene3d>
+    <dgm:sp3d/>
+    <dgm:txPr/>
+    <dgm:style>
+      <a:lnRef idx="1">
+        <a:scrgbClr r="0" g="0" b="0"/>
+      </a:lnRef>
+      <a:fillRef idx="0">
+        <a:scrgbClr r="0" g="0" b="0"/>
+      </a:fillRef>
+      <a:effectRef idx="0">
+        <a:scrgbClr r="0" g="0" b="0"/>
+      </a:effectRef>
+      <a:fontRef idx="minor"/>
+    </dgm:style>
+  </dgm:styleLbl>
+  <dgm:styleLbl name="callout">
+    <dgm:scene3d>
+      <a:camera prst="orthographicFront"/>
+      <a:lightRig rig="threePt" dir="t"/>
+    </dgm:scene3d>
+    <dgm:sp3d/>
+    <dgm:txPr/>
+    <dgm:style>
+      <a:lnRef idx="2">
+        <a:scrgbClr r="0" g="0" b="0"/>
+      </a:lnRef>
+      <a:fillRef idx="1">
+        <a:scrgbClr r="0" g="0" b="0"/>
+      </a:fillRef>
+      <a:effectRef idx="0">
+        <a:scrgbClr r="0" g="0" b="0"/>
+      </a:effectRef>
+      <a:fontRef idx="minor"/>
+    </dgm:style>
+  </dgm:styleLbl>
+  <dgm:styleLbl name="asst0">
+    <dgm:scene3d>
+      <a:camera prst="orthographicFront"/>
+      <a:lightRig rig="threePt" dir="t"/>
+    </dgm:scene3d>
+    <dgm:sp3d/>
+    <dgm:txPr/>
+    <dgm:style>
+      <a:lnRef idx="2">
+        <a:scrgbClr r="0" g="0" b="0"/>
+      </a:lnRef>
+      <a:fillRef idx="1">
+        <a:scrgbClr r="0" g="0" b="0"/>
+      </a:fillRef>
+      <a:effectRef idx="0">
+        <a:scrgbClr r="0" g="0" b="0"/>
+      </a:effectRef>
+      <a:fontRef idx="minor">
+        <a:schemeClr val="lt1"/>
+      </a:fontRef>
+    </dgm:style>
+  </dgm:styleLbl>
+  <dgm:styleLbl name="asst1">
+    <dgm:scene3d>
+      <a:camera prst="orthographicFront"/>
+      <a:lightRig rig="threePt" dir="t"/>
+    </dgm:scene3d>
+    <dgm:sp3d/>
+    <dgm:txPr/>
+    <dgm:style>
+      <a:lnRef idx="2">
+        <a:scrgbClr r="0" g="0" b="0"/>
+      </a:lnRef>
+      <a:fillRef idx="1">
+        <a:scrgbClr r="0" g="0" b="0"/>
+      </a:fillRef>
+      <a:effectRef idx="0">
+        <a:scrgbClr r="0" g="0" b="0"/>
+      </a:effectRef>
+      <a:fontRef idx="minor">
+        <a:schemeClr val="lt1"/>
+      </a:fontRef>
+    </dgm:style>
+  </dgm:styleLbl>
+  <dgm:styleLbl name="asst2">
+    <dgm:scene3d>
+      <a:camera prst="orthographicFront"/>
+      <a:lightRig rig="threePt" dir="t"/>
+    </dgm:scene3d>
+    <dgm:sp3d/>
+    <dgm:txPr/>
+    <dgm:style>
+      <a:lnRef idx="2">
+        <a:scrgbClr r="0" g="0" b="0"/>
+      </a:lnRef>
+      <a:fillRef idx="1">
+        <a:scrgbClr r="0" g="0" b="0"/>
+      </a:fillRef>
+      <a:effectRef idx="0">
+        <a:scrgbClr r="0" g="0" b="0"/>
+      </a:effectRef>
+      <a:fontRef idx="minor">
+        <a:schemeClr val="lt1"/>
+      </a:fontRef>
+    </dgm:style>
+  </dgm:styleLbl>
+  <dgm:styleLbl name="asst3">
+    <dgm:scene3d>
+      <a:camera prst="orthographicFront"/>
+      <a:lightRig rig="threePt" dir="t"/>
+    </dgm:scene3d>
+    <dgm:sp3d/>
+    <dgm:txPr/>
+    <dgm:style>
+      <a:lnRef idx="2">
+        <a:scrgbClr r="0" g="0" b="0"/>
+      </a:lnRef>
+      <a:fillRef idx="1">
+        <a:scrgbClr r="0" g="0" b="0"/>
+      </a:fillRef>
+      <a:effectRef idx="0">
+        <a:scrgbClr r="0" g="0" b="0"/>
+      </a:effectRef>
+      <a:fontRef idx="minor">
+        <a:schemeClr val="lt1"/>
+      </a:fontRef>
+    </dgm:style>
+  </dgm:styleLbl>
+  <dgm:styleLbl name="asst4">
+    <dgm:scene3d>
+      <a:camera prst="orthographicFront"/>
+      <a:lightRig rig="threePt" dir="t"/>
+    </dgm:scene3d>
+    <dgm:sp3d/>
+    <dgm:txPr/>
+    <dgm:style>
+      <a:lnRef idx="2">
+        <a:scrgbClr r="0" g="0" b="0"/>
+      </a:lnRef>
+      <a:fillRef idx="1">
+        <a:scrgbClr r="0" g="0" b="0"/>
+      </a:fillRef>
+      <a:effectRef idx="0">
+        <a:scrgbClr r="0" g="0" b="0"/>
+      </a:effectRef>
+      <a:fontRef idx="minor">
+        <a:schemeClr val="lt1"/>
+      </a:fontRef>
+    </dgm:style>
+  </dgm:styleLbl>
+  <dgm:styleLbl name="parChTrans2D1">
+    <dgm:scene3d>
+      <a:camera prst="orthographicFront"/>
+      <a:lightRig rig="threePt" dir="t"/>
+    </dgm:scene3d>
+    <dgm:sp3d/>
+    <dgm:txPr/>
+    <dgm:style>
+      <a:lnRef idx="2">
+        <a:scrgbClr r="0" g="0" b="0"/>
+      </a:lnRef>
+      <a:fillRef idx="1">
+        <a:scrgbClr r="0" g="0" b="0"/>
+      </a:fillRef>
+      <a:effectRef idx="0">
+        <a:scrgbClr r="0" g="0" b="0"/>
+      </a:effectRef>
+      <a:fontRef idx="minor">
+        <a:schemeClr val="lt1"/>
+      </a:fontRef>
+    </dgm:style>
+  </dgm:styleLbl>
+  <dgm:styleLbl name="parChTrans2D2">
+    <dgm:scene3d>
+      <a:camera prst="orthographicFront"/>
+      <a:lightRig rig="threePt" dir="t"/>
+    </dgm:scene3d>
+    <dgm:sp3d/>
+    <dgm:txPr/>
+    <dgm:style>
+      <a:lnRef idx="2">
+        <a:scrgbClr r="0" g="0" b="0"/>
+      </a:lnRef>
+      <a:fillRef idx="1">
+        <a:scrgbClr r="0" g="0" b="0"/>
+      </a:fillRef>
+      <a:effectRef idx="0">
+        <a:scrgbClr r="0" g="0" b="0"/>
+      </a:effectRef>
+      <a:fontRef idx="minor">
+        <a:schemeClr val="lt1"/>
+      </a:fontRef>
+    </dgm:style>
+  </dgm:styleLbl>
+  <dgm:styleLbl name="parChTrans2D3">
+    <dgm:scene3d>
+      <a:camera prst="orthographicFront"/>
+      <a:lightRig rig="threePt" dir="t"/>
+    </dgm:scene3d>
+    <dgm:sp3d/>
+    <dgm:txPr/>
+    <dgm:style>
+      <a:lnRef idx="2">
+        <a:scrgbClr r="0" g="0" b="0"/>
+      </a:lnRef>
+      <a:fillRef idx="1">
+        <a:scrgbClr r="0" g="0" b="0"/>
+      </a:fillRef>
+      <a:effectRef idx="0">
+        <a:scrgbClr r="0" g="0" b="0"/>
+      </a:effectRef>
+      <a:fontRef idx="minor">
+        <a:schemeClr val="lt1"/>
+      </a:fontRef>
+    </dgm:style>
+  </dgm:styleLbl>
+  <dgm:styleLbl name="parChTrans2D4">
+    <dgm:scene3d>
+      <a:camera prst="orthographicFront"/>
+      <a:lightRig rig="threePt" dir="t"/>
+    </dgm:scene3d>
+    <dgm:sp3d/>
+    <dgm:txPr/>
+    <dgm:style>
+      <a:lnRef idx="2">
+        <a:scrgbClr r="0" g="0" b="0"/>
+      </a:lnRef>
+      <a:fillRef idx="1">
+        <a:scrgbClr r="0" g="0" b="0"/>
+      </a:fillRef>
+      <a:effectRef idx="0">
+        <a:scrgbClr r="0" g="0" b="0"/>
+      </a:effectRef>
+      <a:fontRef idx="minor">
+        <a:schemeClr val="lt1"/>
+      </a:fontRef>
+    </dgm:style>
+  </dgm:styleLbl>
+  <dgm:styleLbl name="parChTrans1D1">
+    <dgm:scene3d>
+      <a:camera prst="orthographicFront"/>
+      <a:lightRig rig="threePt" dir="t"/>
+    </dgm:scene3d>
+    <dgm:sp3d/>
+    <dgm:txPr/>
+    <dgm:style>
+      <a:lnRef idx="2">
+        <a:scrgbClr r="0" g="0" b="0"/>
+      </a:lnRef>
+      <a:fillRef idx="0">
+        <a:scrgbClr r="0" g="0" b="0"/>
+      </a:fillRef>
+      <a:effectRef idx="0">
+        <a:scrgbClr r="0" g="0" b="0"/>
+      </a:effectRef>
+      <a:fontRef idx="minor"/>
+    </dgm:style>
+  </dgm:styleLbl>
+  <dgm:styleLbl name="parChTrans1D2">
+    <dgm:scene3d>
+      <a:camera prst="orthographicFront"/>
+      <a:lightRig rig="threePt" dir="t"/>
+    </dgm:scene3d>
+    <dgm:sp3d/>
+    <dgm:txPr/>
+    <dgm:style>
+      <a:lnRef idx="2">
+        <a:scrgbClr r="0" g="0" b="0"/>
+      </a:lnRef>
+      <a:fillRef idx="0">
+        <a:scrgbClr r="0" g="0" b="0"/>
+      </a:fillRef>
+      <a:effectRef idx="0">
+        <a:scrgbClr r="0" g="0" b="0"/>
+      </a:effectRef>
+      <a:fontRef idx="minor"/>
+    </dgm:style>
+  </dgm:styleLbl>
+  <dgm:styleLbl name="parChTrans1D3">
+    <dgm:scene3d>
+      <a:camera prst="orthographicFront"/>
+      <a:lightRig rig="threePt" dir="t"/>
+    </dgm:scene3d>
+    <dgm:sp3d/>
+    <dgm:txPr/>
+    <dgm:style>
+      <a:lnRef idx="2">
+        <a:scrgbClr r="0" g="0" b="0"/>
+      </a:lnRef>
+      <a:fillRef idx="0">
+        <a:scrgbClr r="0" g="0" b="0"/>
+      </a:fillRef>
+      <a:effectRef idx="0">
+        <a:scrgbClr r="0" g="0" b="0"/>
+      </a:effectRef>
+      <a:fontRef idx="minor"/>
+    </dgm:style>
+  </dgm:styleLbl>
+  <dgm:styleLbl name="parChTrans1D4">
+    <dgm:scene3d>
+      <a:camera prst="orthographicFront"/>
+      <a:lightRig rig="threePt" dir="t"/>
+    </dgm:scene3d>
+    <dgm:sp3d/>
+    <dgm:txPr/>
+    <dgm:style>
+      <a:lnRef idx="2">
+        <a:scrgbClr r="0" g="0" b="0"/>
+      </a:lnRef>
+      <a:fillRef idx="0">
+        <a:scrgbClr r="0" g="0" b="0"/>
+      </a:fillRef>
+      <a:effectRef idx="0">
+        <a:scrgbClr r="0" g="0" b="0"/>
+      </a:effectRef>
+      <a:fontRef idx="minor"/>
+    </dgm:style>
+  </dgm:styleLbl>
+  <dgm:styleLbl name="fgAcc1">
+    <dgm:scene3d>
+      <a:camera prst="orthographicFront"/>
+      <a:lightRig rig="threePt" dir="t"/>
+    </dgm:scene3d>
+    <dgm:sp3d/>
+    <dgm:txPr/>
+    <dgm:style>
+      <a:lnRef idx="2">
+        <a:scrgbClr r="0" g="0" b="0"/>
+      </a:lnRef>
+      <a:fillRef idx="1">
+        <a:scrgbClr r="0" g="0" b="0"/>
+      </a:fillRef>
+      <a:effectRef idx="0">
+        <a:scrgbClr r="0" g="0" b="0"/>
+      </a:effectRef>
+      <a:fontRef idx="minor"/>
+    </dgm:style>
+  </dgm:styleLbl>
+  <dgm:styleLbl name="conFgAcc1">
+    <dgm:scene3d>
+      <a:camera prst="orthographicFront"/>
+      <a:lightRig rig="threePt" dir="t"/>
+    </dgm:scene3d>
+    <dgm:sp3d/>
+    <dgm:txPr/>
+    <dgm:style>
+      <a:lnRef idx="2">
+        <a:scrgbClr r="0" g="0" b="0"/>
+      </a:lnRef>
+      <a:fillRef idx="1">
+        <a:scrgbClr r="0" g="0" b="0"/>
+      </a:fillRef>
+      <a:effectRef idx="0">
+        <a:scrgbClr r="0" g="0" b="0"/>
+      </a:effectRef>
+      <a:fontRef idx="minor"/>
+    </dgm:style>
+  </dgm:styleLbl>
+  <dgm:styleLbl name="alignAcc1">
+    <dgm:scene3d>
+      <a:camera prst="orthographicFront"/>
+      <a:lightRig rig="threePt" dir="t"/>
+    </dgm:scene3d>
+    <dgm:sp3d/>
+    <dgm:txPr/>
+    <dgm:style>
+      <a:lnRef idx="2">
+        <a:scrgbClr r="0" g="0" b="0"/>
+      </a:lnRef>
+      <a:fillRef idx="1">
+        <a:scrgbClr r="0" g="0" b="0"/>
+      </a:fillRef>
+      <a:effectRef idx="0">
+        <a:scrgbClr r="0" g="0" b="0"/>
+      </a:effectRef>
+      <a:fontRef idx="minor"/>
+    </dgm:style>
+  </dgm:styleLbl>
+  <dgm:styleLbl name="trAlignAcc1">
+    <dgm:scene3d>
+      <a:camera prst="orthographicFront"/>
+      <a:lightRig rig="threePt" dir="t"/>
+    </dgm:scene3d>
+    <dgm:sp3d/>
+    <dgm:txPr/>
+    <dgm:style>
+      <a:lnRef idx="1">
+        <a:scrgbClr r="0" g="0" b="0"/>
+      </a:lnRef>
+      <a:fillRef idx="1">
+        <a:scrgbClr r="0" g="0" b="0"/>
+      </a:fillRef>
+      <a:effectRef idx="0">
+        <a:scrgbClr r="0" g="0" b="0"/>
+      </a:effectRef>
+      <a:fontRef idx="minor"/>
+    </dgm:style>
+  </dgm:styleLbl>
+  <dgm:styleLbl name="bgAcc1">
+    <dgm:scene3d>
+      <a:camera prst="orthographicFront"/>
+      <a:lightRig rig="threePt" dir="t"/>
+    </dgm:scene3d>
+    <dgm:sp3d/>
+    <dgm:txPr/>
+    <dgm:style>
+      <a:lnRef idx="2">
+        <a:scrgbClr r="0" g="0" b="0"/>
+      </a:lnRef>
+      <a:fillRef idx="1">
+        <a:scrgbClr r="0" g="0" b="0"/>
+      </a:fillRef>
+      <a:effectRef idx="0">
+        <a:scrgbClr r="0" g="0" b="0"/>
+      </a:effectRef>
+      <a:fontRef idx="minor"/>
+    </dgm:style>
+  </dgm:styleLbl>
+  <dgm:styleLbl name="solidFgAcc1">
+    <dgm:scene3d>
+      <a:camera prst="orthographicFront"/>
+      <a:lightRig rig="threePt" dir="t"/>
+    </dgm:scene3d>
+    <dgm:sp3d/>
+    <dgm:txPr/>
+    <dgm:style>
+      <a:lnRef idx="2">
+        <a:scrgbClr r="0" g="0" b="0"/>
+      </a:lnRef>
+      <a:fillRef idx="1">
+        <a:scrgbClr r="0" g="0" b="0"/>
+      </a:fillRef>
+      <a:effectRef idx="0">
+        <a:scrgbClr r="0" g="0" b="0"/>
+      </a:effectRef>
+      <a:fontRef idx="minor"/>
+    </dgm:style>
+  </dgm:styleLbl>
+  <dgm:styleLbl name="solidAlignAcc1">
+    <dgm:scene3d>
+      <a:camera prst="orthographicFront"/>
+      <a:lightRig rig="threePt" dir="t"/>
+    </dgm:scene3d>
+    <dgm:sp3d/>
+    <dgm:txPr/>
+    <dgm:style>
+      <a:lnRef idx="2">
+        <a:scrgbClr r="0" g="0" b="0"/>
+      </a:lnRef>
+      <a:fillRef idx="1">
+        <a:scrgbClr r="0" g="0" b="0"/>
+      </a:fillRef>
+      <a:effectRef idx="0">
+        <a:scrgbClr r="0" g="0" b="0"/>
+      </a:effectRef>
+      <a:fontRef idx="minor"/>
+    </dgm:style>
+  </dgm:styleLbl>
+  <dgm:styleLbl name="solidBgAcc1">
+    <dgm:scene3d>
+      <a:camera prst="orthographicFront"/>
+      <a:lightRig rig="threePt" dir="t"/>
+    </dgm:scene3d>
+    <dgm:sp3d/>
+    <dgm:txPr/>
+    <dgm:style>
+      <a:lnRef idx="2">
+        <a:scrgbClr r="0" g="0" b="0"/>
+      </a:lnRef>
+      <a:fillRef idx="1">
+        <a:scrgbClr r="0" g="0" b="0"/>
+      </a:fillRef>
+      <a:effectRef idx="0">
+        <a:scrgbClr r="0" g="0" b="0"/>
+      </a:effectRef>
+      <a:fontRef idx="minor"/>
+    </dgm:style>
+  </dgm:styleLbl>
+  <dgm:styleLbl name="fgAccFollowNode1">
+    <dgm:scene3d>
+      <a:camera prst="orthographicFront"/>
+      <a:lightRig rig="threePt" dir="t"/>
+    </dgm:scene3d>
+    <dgm:sp3d/>
+    <dgm:txPr/>
+    <dgm:style>
+      <a:lnRef idx="2">
+        <a:scrgbClr r="0" g="0" b="0"/>
+      </a:lnRef>
+      <a:fillRef idx="1">
+        <a:scrgbClr r="0" g="0" b="0"/>
+      </a:fillRef>
+      <a:effectRef idx="0">
+        <a:scrgbClr r="0" g="0" b="0"/>
+      </a:effectRef>
+      <a:fontRef idx="minor"/>
+    </dgm:style>
+  </dgm:styleLbl>
+  <dgm:styleLbl name="alignAccFollowNode1">
+    <dgm:scene3d>
+      <a:camera prst="orthographicFront"/>
+      <a:lightRig rig="threePt" dir="t"/>
+    </dgm:scene3d>
+    <dgm:sp3d/>
+    <dgm:txPr/>
+    <dgm:style>
+      <a:lnRef idx="2">
+        <a:scrgbClr r="0" g="0" b="0"/>
+      </a:lnRef>
+      <a:fillRef idx="1">
+        <a:scrgbClr r="0" g="0" b="0"/>
+      </a:fillRef>
+      <a:effectRef idx="0">
+        <a:scrgbClr r="0" g="0" b="0"/>
+      </a:effectRef>
+      <a:fontRef idx="minor"/>
+    </dgm:style>
+  </dgm:styleLbl>
+  <dgm:styleLbl name="bgAccFollowNode1">
+    <dgm:scene3d>
+      <a:camera prst="orthographicFront"/>
+      <a:lightRig rig="threePt" dir="t"/>
+    </dgm:scene3d>
+    <dgm:sp3d/>
+    <dgm:txPr/>
+    <dgm:style>
+      <a:lnRef idx="2">
+        <a:scrgbClr r="0" g="0" b="0"/>
+      </a:lnRef>
+      <a:fillRef idx="1">
+        <a:scrgbClr r="0" g="0" b="0"/>
+      </a:fillRef>
+      <a:effectRef idx="0">
+        <a:scrgbClr r="0" g="0" b="0"/>
+      </a:effectRef>
+      <a:fontRef idx="minor"/>
+    </dgm:style>
+  </dgm:styleLbl>
+  <dgm:styleLbl name="fgAcc0">
+    <dgm:scene3d>
+      <a:camera prst="orthographicFront"/>
+      <a:lightRig rig="threePt" dir="t"/>
+    </dgm:scene3d>
+    <dgm:sp3d/>
+    <dgm:txPr/>
+    <dgm:style>
+      <a:lnRef idx="2">
+        <a:scrgbClr r="0" g="0" b="0"/>
+      </a:lnRef>
+      <a:fillRef idx="1">
+        <a:scrgbClr r="0" g="0" b="0"/>
+      </a:fillRef>
+      <a:effectRef idx="0">
+        <a:scrgbClr r="0" g="0" b="0"/>
+      </a:effectRef>
+      <a:fontRef idx="minor"/>
+    </dgm:style>
+  </dgm:styleLbl>
+  <dgm:styleLbl name="fgAcc2">
+    <dgm:scene3d>
+      <a:camera prst="orthographicFront"/>
+      <a:lightRig rig="threePt" dir="t"/>
+    </dgm:scene3d>
+    <dgm:sp3d/>
+    <dgm:txPr/>
+    <dgm:style>
+      <a:lnRef idx="2">
+        <a:scrgbClr r="0" g="0" b="0"/>
+      </a:lnRef>
+      <a:fillRef idx="1">
+        <a:scrgbClr r="0" g="0" b="0"/>
+      </a:fillRef>
+      <a:effectRef idx="0">
+        <a:scrgbClr r="0" g="0" b="0"/>
+      </a:effectRef>
+      <a:fontRef idx="minor"/>
+    </dgm:style>
+  </dgm:styleLbl>
+  <dgm:styleLbl name="fgAcc3">
+    <dgm:scene3d>
+      <a:camera prst="orthographicFront"/>
+      <a:lightRig rig="threePt" dir="t"/>
+    </dgm:scene3d>
+    <dgm:sp3d/>
+    <dgm:txPr/>
+    <dgm:style>
+      <a:lnRef idx="2">
+        <a:scrgbClr r="0" g="0" b="0"/>
+      </a:lnRef>
+      <a:fillRef idx="1">
+        <a:scrgbClr r="0" g="0" b="0"/>
+      </a:fillRef>
+      <a:effectRef idx="0">
+        <a:scrgbClr r="0" g="0" b="0"/>
+      </a:effectRef>
+      <a:fontRef idx="minor"/>
+    </dgm:style>
+  </dgm:styleLbl>
+  <dgm:styleLbl name="fgAcc4">
+    <dgm:scene3d>
+      <a:camera prst="orthographicFront"/>
+      <a:lightRig rig="threePt" dir="t"/>
+    </dgm:scene3d>
+    <dgm:sp3d/>
+    <dgm:txPr/>
+    <dgm:style>
+      <a:lnRef idx="2">
+        <a:scrgbClr r="0" g="0" b="0"/>
+      </a:lnRef>
+      <a:fillRef idx="1">
+        <a:scrgbClr r="0" g="0" b="0"/>
+      </a:fillRef>
+      <a:effectRef idx="0">
+        <a:scrgbClr r="0" g="0" b="0"/>
+      </a:effectRef>
+      <a:fontRef idx="minor"/>
+    </dgm:style>
+  </dgm:styleLbl>
+  <dgm:styleLbl name="bgShp">
+    <dgm:scene3d>
+      <a:camera prst="orthographicFront"/>
+      <a:lightRig rig="threePt" dir="t"/>
+    </dgm:scene3d>
+    <dgm:sp3d/>
+    <dgm:txPr/>
+    <dgm:style>
+      <a:lnRef idx="0">
+        <a:scrgbClr r="0" g="0" b="0"/>
+      </a:lnRef>
+      <a:fillRef idx="1">
+        <a:scrgbClr r="0" g="0" b="0"/>
+      </a:fillRef>
+      <a:effectRef idx="0">
+        <a:scrgbClr r="0" g="0" b="0"/>
+      </a:effectRef>
+      <a:fontRef idx="minor"/>
+    </dgm:style>
+  </dgm:styleLbl>
+  <dgm:styleLbl name="dkBgShp">
+    <dgm:scene3d>
+      <a:camera prst="orthographicFront"/>
+      <a:lightRig rig="threePt" dir="t"/>
+    </dgm:scene3d>
+    <dgm:sp3d/>
+    <dgm:txPr/>
+    <dgm:style>
+      <a:lnRef idx="0">
+        <a:scrgbClr r="0" g="0" b="0"/>
+      </a:lnRef>
+      <a:fillRef idx="1">
+        <a:scrgbClr r="0" g="0" b="0"/>
+      </a:fillRef>
+      <a:effectRef idx="0">
+        <a:scrgbClr r="0" g="0" b="0"/>
+      </a:effectRef>
+      <a:fontRef idx="minor"/>
+    </dgm:style>
+  </dgm:styleLbl>
+  <dgm:styleLbl name="trBgShp">
+    <dgm:scene3d>
+      <a:camera prst="orthographicFront"/>
+      <a:lightRig rig="threePt" dir="t"/>
+    </dgm:scene3d>
+    <dgm:sp3d/>
+    <dgm:txPr/>
+    <dgm:style>
+      <a:lnRef idx="0">
+        <a:scrgbClr r="0" g="0" b="0"/>
+      </a:lnRef>
+      <a:fillRef idx="1">
+        <a:scrgbClr r="0" g="0" b="0"/>
+      </a:fillRef>
+      <a:effectRef idx="0">
+        <a:scrgbClr r="0" g="0" b="0"/>
+      </a:effectRef>
+      <a:fontRef idx="minor"/>
+    </dgm:style>
+  </dgm:styleLbl>
+  <dgm:styleLbl name="fgShp">
+    <dgm:scene3d>
+      <a:camera prst="orthographicFront"/>
+      <a:lightRig rig="threePt" dir="t"/>
+    </dgm:scene3d>
+    <dgm:sp3d/>
+    <dgm:txPr/>
+    <dgm:style>
+      <a:lnRef idx="2">
+        <a:scrgbClr r="0" g="0" b="0"/>
+      </a:lnRef>
+      <a:fillRef idx="1">
+        <a:scrgbClr r="0" g="0" b="0"/>
+      </a:fillRef>
+      <a:effectRef idx="0">
+        <a:scrgbClr r="0" g="0" b="0"/>
+      </a:effectRef>
+      <a:fontRef idx="minor"/>
+    </dgm:style>
+  </dgm:styleLbl>
+  <dgm:styleLbl name="revTx">
+    <dgm:scene3d>
+      <a:camera prst="orthographicFront"/>
+      <a:lightRig rig="threePt" dir="t"/>
+    </dgm:scene3d>
+    <dgm:sp3d/>
+    <dgm:txPr/>
+    <dgm:style>
+      <a:lnRef idx="0">
+        <a:scrgbClr r="0" g="0" b="0"/>
+      </a:lnRef>
+      <a:fillRef idx="0">
+        <a:scrgbClr r="0" g="0" b="0"/>
+      </a:fillRef>
+      <a:effectRef idx="0">
+        <a:scrgbClr r="0" g="0" b="0"/>
+      </a:effectRef>
+      <a:fontRef idx="minor"/>
+    </dgm:style>
+  </dgm:styleLbl>
+</dgm:styleDef>
 </file>
 
 <file path=ppt/notesMasters/notesMaster1.xml><?xml version="1.0" encoding="utf-8"?>
@@ -699,7 +3529,7 @@
           <a:bodyPr/>
           <a:lstStyle/>
           <a:p>
-            <a:fld id="{7CF176C0-7D1E-4347-9170-CD78E07EEBDB}" type="datetime1">
+            <a:fld id="{88EF69E6-B111-4472-9A6B-36D21978BDA5}" type="datetime1">
               <a:rPr lang="en-GB" smtClean="0"/>
               <a:t>06/05/2021</a:t>
             </a:fld>
@@ -724,7 +3554,7 @@
           <a:p>
             <a:r>
               <a:rPr lang="en-GB"/>
-              <a:t>Simulating Liqyuid Crystals</a:t>
+              <a:t>Simulating Liquid Crystals</a:t>
             </a:r>
           </a:p>
         </p:txBody>
@@ -985,7 +3815,7 @@
           <a:bodyPr/>
           <a:lstStyle/>
           <a:p>
-            <a:fld id="{935EB200-E00E-4793-99B4-9D533A70A553}" type="datetime1">
+            <a:fld id="{AA948A55-6459-43C1-A261-6202E763F8E9}" type="datetime1">
               <a:rPr lang="en-GB" smtClean="0"/>
               <a:t>06/05/2021</a:t>
             </a:fld>
@@ -1010,7 +3840,7 @@
           <a:p>
             <a:r>
               <a:rPr lang="en-GB"/>
-              <a:t>Simulating Liqyuid Crystals</a:t>
+              <a:t>Simulating Liquid Crystals</a:t>
             </a:r>
           </a:p>
         </p:txBody>
@@ -1244,7 +4074,7 @@
           <a:bodyPr/>
           <a:lstStyle/>
           <a:p>
-            <a:fld id="{6349A480-7008-4E07-BECC-B7676ED4D8CF}" type="datetime1">
+            <a:fld id="{252B624B-41CE-4D9F-A77E-0288CC8A5666}" type="datetime1">
               <a:rPr lang="en-GB" smtClean="0"/>
               <a:t>06/05/2021</a:t>
             </a:fld>
@@ -1269,7 +4099,7 @@
           <a:p>
             <a:r>
               <a:rPr lang="en-GB"/>
-              <a:t>Simulating Liqyuid Crystals</a:t>
+              <a:t>Simulating Liquid Crystals</a:t>
             </a:r>
           </a:p>
         </p:txBody>
@@ -1440,7 +4270,7 @@
           <a:bodyPr/>
           <a:lstStyle/>
           <a:p>
-            <a:fld id="{7F253374-1CF5-427D-922B-09BFB2E7CA63}" type="datetime1">
+            <a:fld id="{4F06D8F6-A7B9-4826-9DEE-ADFB02B7806A}" type="datetime1">
               <a:rPr lang="en-GB" smtClean="0"/>
               <a:t>06/05/2021</a:t>
             </a:fld>
@@ -1464,8 +4294,8 @@
           <a:lstStyle/>
           <a:p>
             <a:r>
-              <a:rPr lang="en-GB"/>
-              <a:t>Simulating Liqyuid Crystals</a:t>
+              <a:rPr lang="en-GB" dirty="0"/>
+              <a:t>Simulating Liquid Crystals</a:t>
             </a:r>
           </a:p>
         </p:txBody>
@@ -1786,7 +4616,7 @@
           <a:bodyPr/>
           <a:lstStyle/>
           <a:p>
-            <a:fld id="{B636BD24-BA00-4332-8753-8756F62D13A0}" type="datetime1">
+            <a:fld id="{7718B61C-B44D-4C40-820E-B44ED564E3C6}" type="datetime1">
               <a:rPr lang="en-GB" smtClean="0"/>
               <a:t>06/05/2021</a:t>
             </a:fld>
@@ -1811,7 +4641,7 @@
           <a:p>
             <a:r>
               <a:rPr lang="en-GB"/>
-              <a:t>Simulating Liqyuid Crystals</a:t>
+              <a:t>Simulating Liquid Crystals</a:t>
             </a:r>
           </a:p>
         </p:txBody>
@@ -2064,7 +4894,7 @@
           <a:bodyPr/>
           <a:lstStyle/>
           <a:p>
-            <a:fld id="{FE46BBC8-7F7D-404C-A54B-E5C681314607}" type="datetime1">
+            <a:fld id="{70C53763-D592-4BD1-AA76-4B97BF81338B}" type="datetime1">
               <a:rPr lang="en-GB" smtClean="0"/>
               <a:t>06/05/2021</a:t>
             </a:fld>
@@ -2089,7 +4919,7 @@
           <a:p>
             <a:r>
               <a:rPr lang="en-GB"/>
-              <a:t>Simulating Liqyuid Crystals</a:t>
+              <a:t>Simulating Liquid Crystals</a:t>
             </a:r>
           </a:p>
         </p:txBody>
@@ -2446,7 +5276,7 @@
           <a:bodyPr/>
           <a:lstStyle/>
           <a:p>
-            <a:fld id="{D37D652A-CD4B-4F4A-972F-CE5C0A8BB2CC}" type="datetime1">
+            <a:fld id="{61E85294-3231-4181-8EC5-F49B0E50130F}" type="datetime1">
               <a:rPr lang="en-GB" smtClean="0"/>
               <a:t>06/05/2021</a:t>
             </a:fld>
@@ -2471,7 +5301,7 @@
           <a:p>
             <a:r>
               <a:rPr lang="en-GB"/>
-              <a:t>Simulating Liqyuid Crystals</a:t>
+              <a:t>Simulating Liquid Crystals</a:t>
             </a:r>
           </a:p>
         </p:txBody>
@@ -2567,7 +5397,7 @@
           <a:bodyPr/>
           <a:lstStyle/>
           <a:p>
-            <a:fld id="{1A3A6786-5323-4212-8BB5-1162DFEAAEC1}" type="datetime1">
+            <a:fld id="{1F77DB63-8B39-4E6F-A3DE-AD16D6E72FE3}" type="datetime1">
               <a:rPr lang="en-GB" smtClean="0"/>
               <a:t>06/05/2021</a:t>
             </a:fld>
@@ -2592,7 +5422,7 @@
           <a:p>
             <a:r>
               <a:rPr lang="en-GB"/>
-              <a:t>Simulating Liqyuid Crystals</a:t>
+              <a:t>Simulating Liquid Crystals</a:t>
             </a:r>
           </a:p>
         </p:txBody>
@@ -2741,7 +5571,7 @@
           <a:bodyPr/>
           <a:lstStyle/>
           <a:p>
-            <a:fld id="{B2EA96F3-9690-4631-A8C2-F552CF39F67F}" type="datetime1">
+            <a:fld id="{5F737D48-7B4F-4AA7-95B6-6D95CBC864C9}" type="datetime1">
               <a:rPr lang="en-GB" smtClean="0"/>
               <a:t>06/05/2021</a:t>
             </a:fld>
@@ -2774,7 +5604,7 @@
           <a:p>
             <a:r>
               <a:rPr lang="en-GB"/>
-              <a:t>Simulating Liqyuid Crystals</a:t>
+              <a:t>Simulating Liquid Crystals</a:t>
             </a:r>
           </a:p>
         </p:txBody>
@@ -3098,7 +5928,7 @@
             </a:lvl1pPr>
           </a:lstStyle>
           <a:p>
-            <a:fld id="{7158BEE1-24AC-45AA-AE5A-25B089A27E97}" type="datetime1">
+            <a:fld id="{3D6CA3C4-FF3E-4D72-A9D2-D63DE6295F96}" type="datetime1">
               <a:rPr lang="en-GB" smtClean="0"/>
               <a:t>06/05/2021</a:t>
             </a:fld>
@@ -3136,7 +5966,7 @@
           <a:p>
             <a:r>
               <a:rPr lang="en-GB"/>
-              <a:t>Simulating Liqyuid Crystals</a:t>
+              <a:t>Simulating Liquid Crystals</a:t>
             </a:r>
           </a:p>
         </p:txBody>
@@ -3164,11 +5994,7 @@
             </a:lvl1pPr>
           </a:lstStyle>
           <a:p>
-            <a:fld id="{AB645ECC-7A7A-4729-8128-50B722794741}" type="slidenum">
-              <a:rPr lang="en-GB" smtClean="0"/>
-              <a:t>‹#›</a:t>
-            </a:fld>
-            <a:endParaRPr lang="en-GB"/>
+            <a:endParaRPr lang="en-GB" dirty="0"/>
           </a:p>
         </p:txBody>
       </p:sp>
@@ -3233,7 +6059,7 @@
         </p:blipFill>
         <p:spPr>
           <a:xfrm>
-            <a:off x="9445012" y="6119566"/>
+            <a:off x="9448800" y="6119566"/>
             <a:ext cx="2746972" cy="738434"/>
           </a:xfrm>
           <a:prstGeom prst="rect">
@@ -3552,7 +6378,7 @@
           <a:bodyPr/>
           <a:lstStyle/>
           <a:p>
-            <a:fld id="{43E65E11-F20C-4FEE-B7DC-6F719DAE8EE0}" type="datetime1">
+            <a:fld id="{2A89E723-FF45-4C00-913F-9B206B194F93}" type="datetime1">
               <a:rPr lang="en-GB" smtClean="0"/>
               <a:t>06/05/2021</a:t>
             </a:fld>
@@ -3577,7 +6403,7 @@
           <a:p>
             <a:r>
               <a:rPr lang="en-GB"/>
-              <a:t>Simulating Liqyuid Crystals</a:t>
+              <a:t>Simulating Liquid Crystals</a:t>
             </a:r>
           </a:p>
         </p:txBody>
@@ -3842,7 +6668,7 @@
             </a:lvl1pPr>
           </a:lstStyle>
           <a:p>
-            <a:fld id="{2CC16CBC-EC57-4A6A-B62E-2D37BA0B7BD3}" type="datetime1">
+            <a:fld id="{A9C5F770-413A-4E53-BF7A-9E1D02882029}" type="datetime1">
               <a:rPr lang="en-GB" smtClean="0"/>
               <a:t>06/05/2021</a:t>
             </a:fld>
@@ -3882,10 +6708,9 @@
           </a:lstStyle>
           <a:p>
             <a:r>
-              <a:rPr lang="en-GB"/>
-              <a:t>Simulating Liqyuid Crystals</a:t>
-            </a:r>
-            <a:endParaRPr lang="en-GB" dirty="0"/>
+              <a:rPr lang="en-GB" dirty="0"/>
+              <a:t>Simulating Liquid Crystals</a:t>
+            </a:r>
           </a:p>
         </p:txBody>
       </p:sp>
@@ -3988,7 +6813,7 @@
         </p:blipFill>
         <p:spPr>
           <a:xfrm>
-            <a:off x="9370770" y="5499877"/>
+            <a:off x="9432916" y="5588655"/>
             <a:ext cx="2746972" cy="738434"/>
           </a:xfrm>
           <a:prstGeom prst="rect">
@@ -4565,7 +7390,7 @@
           <a:p>
             <a:r>
               <a:rPr lang="en-GB" dirty="0"/>
-              <a:t>Conclusions</a:t>
+              <a:t>Rigid Rod Simulations</a:t>
             </a:r>
           </a:p>
         </p:txBody>
@@ -4623,7 +7448,31 @@
             </a:pPr>
             <a:r>
               <a:rPr lang="en-GB" sz="2800" dirty="0"/>
-              <a:t> Rigid Rod Simulations</a:t>
+              <a:t> </a:t>
+            </a:r>
+            <a:r>
+              <a:rPr lang="en-GB" sz="2800" b="1" dirty="0"/>
+              <a:t>Rigid Rod Simulations</a:t>
+            </a:r>
+          </a:p>
+          <a:p>
+            <a:pPr lvl="1">
+              <a:buFont typeface="Arial" panose="020B0604020202020204" pitchFamily="34" charset="0"/>
+              <a:buChar char="•"/>
+            </a:pPr>
+            <a:r>
+              <a:rPr lang="en-GB" sz="2400" i="1" dirty="0"/>
+              <a:t>Nematic Transition</a:t>
+            </a:r>
+          </a:p>
+          <a:p>
+            <a:pPr lvl="1">
+              <a:buFont typeface="Arial" panose="020B0604020202020204" pitchFamily="34" charset="0"/>
+              <a:buChar char="•"/>
+            </a:pPr>
+            <a:r>
+              <a:rPr lang="en-GB" sz="2400" i="1" dirty="0"/>
+              <a:t>Smectic Transition</a:t>
             </a:r>
           </a:p>
           <a:p>
@@ -4643,33 +7492,8 @@
             </a:pPr>
             <a:r>
               <a:rPr lang="en-GB" sz="2800" dirty="0"/>
-              <a:t> </a:t>
-            </a:r>
-            <a:r>
-              <a:rPr lang="en-GB" sz="2800" b="1" dirty="0"/>
-              <a:t>Conclusions</a:t>
-            </a:r>
-          </a:p>
-          <a:p>
-            <a:pPr lvl="1">
-              <a:buFont typeface="Arial" panose="020B0604020202020204" pitchFamily="34" charset="0"/>
-              <a:buChar char="•"/>
-            </a:pPr>
-            <a:r>
-              <a:rPr lang="en-GB" sz="2600" i="1" dirty="0"/>
-              <a:t>Primary Findings</a:t>
-            </a:r>
-          </a:p>
-          <a:p>
-            <a:pPr lvl="1">
-              <a:buFont typeface="Arial" panose="020B0604020202020204" pitchFamily="34" charset="0"/>
-              <a:buChar char="•"/>
-            </a:pPr>
-            <a:r>
-              <a:rPr lang="en-GB" sz="2600" i="1" dirty="0"/>
-              <a:t>Further Work</a:t>
-            </a:r>
-            <a:endParaRPr lang="en-GB" sz="2600" dirty="0"/>
+              <a:t> Conclusions</a:t>
+            </a:r>
           </a:p>
           <a:p>
             <a:endParaRPr lang="en-GB" dirty="0"/>
@@ -4681,7 +7505,7 @@
           <p:cNvPr id="7" name="Date Placeholder 6">
             <a:extLst>
               <a:ext uri="{FF2B5EF4-FFF2-40B4-BE49-F238E27FC236}">
-                <a16:creationId xmlns:a16="http://schemas.microsoft.com/office/drawing/2014/main" id="{A899C2D9-963B-4A7D-B350-213AC1754454}"/>
+                <a16:creationId xmlns:a16="http://schemas.microsoft.com/office/drawing/2014/main" id="{C3EC29A1-3F1F-4672-BD61-9D8F6A796CD5}"/>
               </a:ext>
             </a:extLst>
           </p:cNvPr>
@@ -4697,7 +7521,7 @@
           <a:bodyPr/>
           <a:lstStyle/>
           <a:p>
-            <a:fld id="{7F35EB2B-3FCE-4F7C-945F-B528C12B6B66}" type="datetime1">
+            <a:fld id="{CCA4A25A-5E12-4E3E-8244-D02E2ADDB1B5}" type="datetime1">
               <a:rPr lang="en-GB" smtClean="0"/>
               <a:t>06/05/2021</a:t>
             </a:fld>
@@ -4710,7 +7534,7 @@
           <p:cNvPr id="8" name="Footer Placeholder 7">
             <a:extLst>
               <a:ext uri="{FF2B5EF4-FFF2-40B4-BE49-F238E27FC236}">
-                <a16:creationId xmlns:a16="http://schemas.microsoft.com/office/drawing/2014/main" id="{5B41B150-3135-4FDE-9CE6-C3447A401A81}"/>
+                <a16:creationId xmlns:a16="http://schemas.microsoft.com/office/drawing/2014/main" id="{53B70617-410A-4AB2-8AD5-DDE0CED9C1F5}"/>
               </a:ext>
             </a:extLst>
           </p:cNvPr>
@@ -4728,7 +7552,7 @@
           <a:p>
             <a:r>
               <a:rPr lang="en-GB"/>
-              <a:t>Simulating Liqyuid Crystals</a:t>
+              <a:t>Simulating Liquid Crystals</a:t>
             </a:r>
           </a:p>
         </p:txBody>
@@ -4738,7 +7562,7 @@
           <p:cNvPr id="9" name="Slide Number Placeholder 8">
             <a:extLst>
               <a:ext uri="{FF2B5EF4-FFF2-40B4-BE49-F238E27FC236}">
-                <a16:creationId xmlns:a16="http://schemas.microsoft.com/office/drawing/2014/main" id="{8CDB5539-7981-43FC-A4B3-45CFD7FCFCDE}"/>
+                <a16:creationId xmlns:a16="http://schemas.microsoft.com/office/drawing/2014/main" id="{837BB13C-55C4-4CAF-96F7-29F3B0A46D5D}"/>
               </a:ext>
             </a:extLst>
           </p:cNvPr>
@@ -4765,7 +7589,7 @@
     </p:spTree>
     <p:extLst>
       <p:ext uri="{BB962C8B-B14F-4D97-AF65-F5344CB8AC3E}">
-        <p14:creationId xmlns:p14="http://schemas.microsoft.com/office/powerpoint/2010/main" val="4282608364"/>
+        <p14:creationId xmlns:p14="http://schemas.microsoft.com/office/powerpoint/2010/main" val="2442228963"/>
       </p:ext>
     </p:extLst>
   </p:cSld>
@@ -4797,6 +7621,946 @@
           <p:cNvPr id="2" name="Title 1">
             <a:extLst>
               <a:ext uri="{FF2B5EF4-FFF2-40B4-BE49-F238E27FC236}">
+                <a16:creationId xmlns:a16="http://schemas.microsoft.com/office/drawing/2014/main" id="{B90D3049-564C-410B-9F1B-3111078663B6}"/>
+              </a:ext>
+            </a:extLst>
+          </p:cNvPr>
+          <p:cNvSpPr>
+            <a:spLocks noGrp="1"/>
+          </p:cNvSpPr>
+          <p:nvPr>
+            <p:ph type="title"/>
+          </p:nvPr>
+        </p:nvSpPr>
+        <p:spPr/>
+        <p:txBody>
+          <a:bodyPr/>
+          <a:lstStyle/>
+          <a:p>
+            <a:r>
+              <a:rPr lang="en-GB" dirty="0"/>
+              <a:t>Nematic Phase Transition</a:t>
+            </a:r>
+          </a:p>
+        </p:txBody>
+      </p:sp>
+      <p:sp>
+        <p:nvSpPr>
+          <p:cNvPr id="3" name="Content Placeholder 2">
+            <a:extLst>
+              <a:ext uri="{FF2B5EF4-FFF2-40B4-BE49-F238E27FC236}">
+                <a16:creationId xmlns:a16="http://schemas.microsoft.com/office/drawing/2014/main" id="{41276C7F-8C58-40D2-B297-6516DCE9AE08}"/>
+              </a:ext>
+            </a:extLst>
+          </p:cNvPr>
+          <p:cNvSpPr>
+            <a:spLocks noGrp="1"/>
+          </p:cNvSpPr>
+          <p:nvPr>
+            <p:ph idx="1"/>
+          </p:nvPr>
+        </p:nvSpPr>
+        <p:spPr/>
+        <p:txBody>
+          <a:bodyPr/>
+          <a:lstStyle/>
+          <a:p>
+            <a:endParaRPr lang="en-GB"/>
+          </a:p>
+        </p:txBody>
+      </p:sp>
+      <p:sp>
+        <p:nvSpPr>
+          <p:cNvPr id="4" name="Text Placeholder 3">
+            <a:extLst>
+              <a:ext uri="{FF2B5EF4-FFF2-40B4-BE49-F238E27FC236}">
+                <a16:creationId xmlns:a16="http://schemas.microsoft.com/office/drawing/2014/main" id="{DF7D2B77-D5E2-4BE7-9976-86C58D5B2FBF}"/>
+              </a:ext>
+            </a:extLst>
+          </p:cNvPr>
+          <p:cNvSpPr>
+            <a:spLocks noGrp="1"/>
+          </p:cNvSpPr>
+          <p:nvPr>
+            <p:ph type="body" sz="half" idx="2"/>
+          </p:nvPr>
+        </p:nvSpPr>
+        <p:spPr/>
+        <p:txBody>
+          <a:bodyPr/>
+          <a:lstStyle/>
+          <a:p>
+            <a:endParaRPr lang="en-GB"/>
+          </a:p>
+        </p:txBody>
+      </p:sp>
+      <p:sp>
+        <p:nvSpPr>
+          <p:cNvPr id="5" name="Date Placeholder 4">
+            <a:extLst>
+              <a:ext uri="{FF2B5EF4-FFF2-40B4-BE49-F238E27FC236}">
+                <a16:creationId xmlns:a16="http://schemas.microsoft.com/office/drawing/2014/main" id="{764B1FAC-18D3-4322-911E-8BAABBC9A586}"/>
+              </a:ext>
+            </a:extLst>
+          </p:cNvPr>
+          <p:cNvSpPr>
+            <a:spLocks noGrp="1"/>
+          </p:cNvSpPr>
+          <p:nvPr>
+            <p:ph type="dt" sz="half" idx="10"/>
+          </p:nvPr>
+        </p:nvSpPr>
+        <p:spPr/>
+        <p:txBody>
+          <a:bodyPr/>
+          <a:lstStyle/>
+          <a:p>
+            <a:fld id="{3D6CA3C4-FF3E-4D72-A9D2-D63DE6295F96}" type="datetime1">
+              <a:rPr lang="en-GB" smtClean="0"/>
+              <a:t>06/05/2021</a:t>
+            </a:fld>
+            <a:endParaRPr lang="en-GB"/>
+          </a:p>
+        </p:txBody>
+      </p:sp>
+      <p:sp>
+        <p:nvSpPr>
+          <p:cNvPr id="6" name="Footer Placeholder 5">
+            <a:extLst>
+              <a:ext uri="{FF2B5EF4-FFF2-40B4-BE49-F238E27FC236}">
+                <a16:creationId xmlns:a16="http://schemas.microsoft.com/office/drawing/2014/main" id="{ADC6145F-29F6-4E97-852D-9570050DE00C}"/>
+              </a:ext>
+            </a:extLst>
+          </p:cNvPr>
+          <p:cNvSpPr>
+            <a:spLocks noGrp="1"/>
+          </p:cNvSpPr>
+          <p:nvPr>
+            <p:ph type="ftr" sz="quarter" idx="11"/>
+          </p:nvPr>
+        </p:nvSpPr>
+        <p:spPr/>
+        <p:txBody>
+          <a:bodyPr/>
+          <a:lstStyle/>
+          <a:p>
+            <a:r>
+              <a:rPr lang="en-GB"/>
+              <a:t>Simulating Liquid Crystals</a:t>
+            </a:r>
+          </a:p>
+        </p:txBody>
+      </p:sp>
+      <p:sp>
+        <p:nvSpPr>
+          <p:cNvPr id="7" name="Slide Number Placeholder 6">
+            <a:extLst>
+              <a:ext uri="{FF2B5EF4-FFF2-40B4-BE49-F238E27FC236}">
+                <a16:creationId xmlns:a16="http://schemas.microsoft.com/office/drawing/2014/main" id="{8EE14F0B-38EB-4840-AB41-E096A44C8570}"/>
+              </a:ext>
+            </a:extLst>
+          </p:cNvPr>
+          <p:cNvSpPr>
+            <a:spLocks noGrp="1"/>
+          </p:cNvSpPr>
+          <p:nvPr>
+            <p:ph type="sldNum" sz="quarter" idx="12"/>
+          </p:nvPr>
+        </p:nvSpPr>
+        <p:spPr/>
+        <p:txBody>
+          <a:bodyPr/>
+          <a:lstStyle/>
+          <a:p>
+            <a:endParaRPr lang="en-GB" dirty="0"/>
+          </a:p>
+        </p:txBody>
+      </p:sp>
+      <p:sp>
+        <p:nvSpPr>
+          <p:cNvPr id="8" name="Text Placeholder 7">
+            <a:extLst>
+              <a:ext uri="{FF2B5EF4-FFF2-40B4-BE49-F238E27FC236}">
+                <a16:creationId xmlns:a16="http://schemas.microsoft.com/office/drawing/2014/main" id="{FB72C4BA-1938-4363-834E-2F1E60D91414}"/>
+              </a:ext>
+            </a:extLst>
+          </p:cNvPr>
+          <p:cNvSpPr>
+            <a:spLocks noGrp="1"/>
+          </p:cNvSpPr>
+          <p:nvPr>
+            <p:ph type="body" sz="quarter" idx="13"/>
+          </p:nvPr>
+        </p:nvSpPr>
+        <p:spPr/>
+        <p:txBody>
+          <a:bodyPr/>
+          <a:lstStyle/>
+          <a:p>
+            <a:endParaRPr lang="en-GB"/>
+          </a:p>
+        </p:txBody>
+      </p:sp>
+    </p:spTree>
+    <p:extLst>
+      <p:ext uri="{BB962C8B-B14F-4D97-AF65-F5344CB8AC3E}">
+        <p14:creationId xmlns:p14="http://schemas.microsoft.com/office/powerpoint/2010/main" val="3306679613"/>
+      </p:ext>
+    </p:extLst>
+  </p:cSld>
+  <p:clrMapOvr>
+    <a:masterClrMapping/>
+  </p:clrMapOvr>
+</p:sld>
+</file>
+
+<file path=ppt/slides/slide12.xml><?xml version="1.0" encoding="utf-8"?>
+<p:sld xmlns:a="http://schemas.openxmlformats.org/drawingml/2006/main" xmlns:r="http://schemas.openxmlformats.org/officeDocument/2006/relationships" xmlns:p="http://schemas.openxmlformats.org/presentationml/2006/main">
+  <p:cSld>
+    <p:spTree>
+      <p:nvGrpSpPr>
+        <p:cNvPr id="1" name=""/>
+        <p:cNvGrpSpPr/>
+        <p:nvPr/>
+      </p:nvGrpSpPr>
+      <p:grpSpPr>
+        <a:xfrm>
+          <a:off x="0" y="0"/>
+          <a:ext cx="0" cy="0"/>
+          <a:chOff x="0" y="0"/>
+          <a:chExt cx="0" cy="0"/>
+        </a:xfrm>
+      </p:grpSpPr>
+      <p:sp>
+        <p:nvSpPr>
+          <p:cNvPr id="2" name="Title 1">
+            <a:extLst>
+              <a:ext uri="{FF2B5EF4-FFF2-40B4-BE49-F238E27FC236}">
+                <a16:creationId xmlns:a16="http://schemas.microsoft.com/office/drawing/2014/main" id="{8209E98A-6C2B-47AA-9867-4D3DC7B57B2A}"/>
+              </a:ext>
+            </a:extLst>
+          </p:cNvPr>
+          <p:cNvSpPr>
+            <a:spLocks noGrp="1"/>
+          </p:cNvSpPr>
+          <p:nvPr>
+            <p:ph type="title"/>
+          </p:nvPr>
+        </p:nvSpPr>
+        <p:spPr/>
+        <p:txBody>
+          <a:bodyPr/>
+          <a:lstStyle/>
+          <a:p>
+            <a:r>
+              <a:rPr lang="en-GB" dirty="0"/>
+              <a:t>Smectic Phase Transition</a:t>
+            </a:r>
+          </a:p>
+        </p:txBody>
+      </p:sp>
+      <p:sp>
+        <p:nvSpPr>
+          <p:cNvPr id="3" name="Content Placeholder 2">
+            <a:extLst>
+              <a:ext uri="{FF2B5EF4-FFF2-40B4-BE49-F238E27FC236}">
+                <a16:creationId xmlns:a16="http://schemas.microsoft.com/office/drawing/2014/main" id="{52ACB386-8AA8-4CE6-88F2-84DA8C7A1925}"/>
+              </a:ext>
+            </a:extLst>
+          </p:cNvPr>
+          <p:cNvSpPr>
+            <a:spLocks noGrp="1"/>
+          </p:cNvSpPr>
+          <p:nvPr>
+            <p:ph idx="1"/>
+          </p:nvPr>
+        </p:nvSpPr>
+        <p:spPr/>
+        <p:txBody>
+          <a:bodyPr/>
+          <a:lstStyle/>
+          <a:p>
+            <a:endParaRPr lang="en-GB"/>
+          </a:p>
+        </p:txBody>
+      </p:sp>
+      <p:sp>
+        <p:nvSpPr>
+          <p:cNvPr id="4" name="Text Placeholder 3">
+            <a:extLst>
+              <a:ext uri="{FF2B5EF4-FFF2-40B4-BE49-F238E27FC236}">
+                <a16:creationId xmlns:a16="http://schemas.microsoft.com/office/drawing/2014/main" id="{6E17A522-E991-4924-AB4F-0C0568FC793E}"/>
+              </a:ext>
+            </a:extLst>
+          </p:cNvPr>
+          <p:cNvSpPr>
+            <a:spLocks noGrp="1"/>
+          </p:cNvSpPr>
+          <p:nvPr>
+            <p:ph type="body" sz="half" idx="2"/>
+          </p:nvPr>
+        </p:nvSpPr>
+        <p:spPr/>
+        <p:txBody>
+          <a:bodyPr/>
+          <a:lstStyle/>
+          <a:p>
+            <a:endParaRPr lang="en-GB"/>
+          </a:p>
+        </p:txBody>
+      </p:sp>
+      <p:sp>
+        <p:nvSpPr>
+          <p:cNvPr id="5" name="Date Placeholder 4">
+            <a:extLst>
+              <a:ext uri="{FF2B5EF4-FFF2-40B4-BE49-F238E27FC236}">
+                <a16:creationId xmlns:a16="http://schemas.microsoft.com/office/drawing/2014/main" id="{FAE272F6-D9B4-4E7A-8F68-D63E366BC28D}"/>
+              </a:ext>
+            </a:extLst>
+          </p:cNvPr>
+          <p:cNvSpPr>
+            <a:spLocks noGrp="1"/>
+          </p:cNvSpPr>
+          <p:nvPr>
+            <p:ph type="dt" sz="half" idx="10"/>
+          </p:nvPr>
+        </p:nvSpPr>
+        <p:spPr/>
+        <p:txBody>
+          <a:bodyPr/>
+          <a:lstStyle/>
+          <a:p>
+            <a:fld id="{3D6CA3C4-FF3E-4D72-A9D2-D63DE6295F96}" type="datetime1">
+              <a:rPr lang="en-GB" smtClean="0"/>
+              <a:t>06/05/2021</a:t>
+            </a:fld>
+            <a:endParaRPr lang="en-GB"/>
+          </a:p>
+        </p:txBody>
+      </p:sp>
+      <p:sp>
+        <p:nvSpPr>
+          <p:cNvPr id="6" name="Footer Placeholder 5">
+            <a:extLst>
+              <a:ext uri="{FF2B5EF4-FFF2-40B4-BE49-F238E27FC236}">
+                <a16:creationId xmlns:a16="http://schemas.microsoft.com/office/drawing/2014/main" id="{93A23D47-ADC0-41CB-B671-D208F3D8B6CB}"/>
+              </a:ext>
+            </a:extLst>
+          </p:cNvPr>
+          <p:cNvSpPr>
+            <a:spLocks noGrp="1"/>
+          </p:cNvSpPr>
+          <p:nvPr>
+            <p:ph type="ftr" sz="quarter" idx="11"/>
+          </p:nvPr>
+        </p:nvSpPr>
+        <p:spPr/>
+        <p:txBody>
+          <a:bodyPr/>
+          <a:lstStyle/>
+          <a:p>
+            <a:r>
+              <a:rPr lang="en-GB"/>
+              <a:t>Simulating Liquid Crystals</a:t>
+            </a:r>
+          </a:p>
+        </p:txBody>
+      </p:sp>
+      <p:sp>
+        <p:nvSpPr>
+          <p:cNvPr id="7" name="Slide Number Placeholder 6">
+            <a:extLst>
+              <a:ext uri="{FF2B5EF4-FFF2-40B4-BE49-F238E27FC236}">
+                <a16:creationId xmlns:a16="http://schemas.microsoft.com/office/drawing/2014/main" id="{0A43CA6C-9757-4DBE-B4B8-B4FC84F1E9EA}"/>
+              </a:ext>
+            </a:extLst>
+          </p:cNvPr>
+          <p:cNvSpPr>
+            <a:spLocks noGrp="1"/>
+          </p:cNvSpPr>
+          <p:nvPr>
+            <p:ph type="sldNum" sz="quarter" idx="12"/>
+          </p:nvPr>
+        </p:nvSpPr>
+        <p:spPr/>
+        <p:txBody>
+          <a:bodyPr/>
+          <a:lstStyle/>
+          <a:p>
+            <a:endParaRPr lang="en-GB" dirty="0"/>
+          </a:p>
+        </p:txBody>
+      </p:sp>
+      <p:sp>
+        <p:nvSpPr>
+          <p:cNvPr id="8" name="Text Placeholder 7">
+            <a:extLst>
+              <a:ext uri="{FF2B5EF4-FFF2-40B4-BE49-F238E27FC236}">
+                <a16:creationId xmlns:a16="http://schemas.microsoft.com/office/drawing/2014/main" id="{AF5A2B8D-BE25-4D48-BCCA-0459EE06A190}"/>
+              </a:ext>
+            </a:extLst>
+          </p:cNvPr>
+          <p:cNvSpPr>
+            <a:spLocks noGrp="1"/>
+          </p:cNvSpPr>
+          <p:nvPr>
+            <p:ph type="body" sz="quarter" idx="13"/>
+          </p:nvPr>
+        </p:nvSpPr>
+        <p:spPr/>
+        <p:txBody>
+          <a:bodyPr/>
+          <a:lstStyle/>
+          <a:p>
+            <a:endParaRPr lang="en-GB"/>
+          </a:p>
+        </p:txBody>
+      </p:sp>
+    </p:spTree>
+    <p:extLst>
+      <p:ext uri="{BB962C8B-B14F-4D97-AF65-F5344CB8AC3E}">
+        <p14:creationId xmlns:p14="http://schemas.microsoft.com/office/powerpoint/2010/main" val="2951701334"/>
+      </p:ext>
+    </p:extLst>
+  </p:cSld>
+  <p:clrMapOvr>
+    <a:masterClrMapping/>
+  </p:clrMapOvr>
+</p:sld>
+</file>
+
+<file path=ppt/slides/slide13.xml><?xml version="1.0" encoding="utf-8"?>
+<p:sld xmlns:a="http://schemas.openxmlformats.org/drawingml/2006/main" xmlns:r="http://schemas.openxmlformats.org/officeDocument/2006/relationships" xmlns:p="http://schemas.openxmlformats.org/presentationml/2006/main">
+  <p:cSld>
+    <p:spTree>
+      <p:nvGrpSpPr>
+        <p:cNvPr id="1" name=""/>
+        <p:cNvGrpSpPr/>
+        <p:nvPr/>
+      </p:nvGrpSpPr>
+      <p:grpSpPr>
+        <a:xfrm>
+          <a:off x="0" y="0"/>
+          <a:ext cx="0" cy="0"/>
+          <a:chOff x="0" y="0"/>
+          <a:chExt cx="0" cy="0"/>
+        </a:xfrm>
+      </p:grpSpPr>
+      <p:sp>
+        <p:nvSpPr>
+          <p:cNvPr id="2" name="Title 1">
+            <a:extLst>
+              <a:ext uri="{FF2B5EF4-FFF2-40B4-BE49-F238E27FC236}">
+                <a16:creationId xmlns:a16="http://schemas.microsoft.com/office/drawing/2014/main" id="{8942B4A0-F150-405A-9068-8F7612F09AE0}"/>
+              </a:ext>
+            </a:extLst>
+          </p:cNvPr>
+          <p:cNvSpPr>
+            <a:spLocks noGrp="1"/>
+          </p:cNvSpPr>
+          <p:nvPr>
+            <p:ph type="title"/>
+          </p:nvPr>
+        </p:nvSpPr>
+        <p:spPr/>
+        <p:txBody>
+          <a:bodyPr/>
+          <a:lstStyle/>
+          <a:p>
+            <a:r>
+              <a:rPr lang="en-GB" sz="4800" dirty="0"/>
+              <a:t>Nunchuck Simulations</a:t>
+            </a:r>
+            <a:endParaRPr lang="en-GB" dirty="0"/>
+          </a:p>
+        </p:txBody>
+      </p:sp>
+      <p:sp>
+        <p:nvSpPr>
+          <p:cNvPr id="3" name="Content Placeholder 2">
+            <a:extLst>
+              <a:ext uri="{FF2B5EF4-FFF2-40B4-BE49-F238E27FC236}">
+                <a16:creationId xmlns:a16="http://schemas.microsoft.com/office/drawing/2014/main" id="{AC53D448-2676-4126-B047-DB0C6E8D4412}"/>
+              </a:ext>
+            </a:extLst>
+          </p:cNvPr>
+          <p:cNvSpPr>
+            <a:spLocks noGrp="1"/>
+          </p:cNvSpPr>
+          <p:nvPr>
+            <p:ph idx="1"/>
+          </p:nvPr>
+        </p:nvSpPr>
+        <p:spPr/>
+        <p:txBody>
+          <a:bodyPr>
+            <a:normAutofit/>
+          </a:bodyPr>
+          <a:lstStyle/>
+          <a:p>
+            <a:pPr>
+              <a:buFont typeface="Arial" panose="020B0604020202020204" pitchFamily="34" charset="0"/>
+              <a:buChar char="•"/>
+            </a:pPr>
+            <a:r>
+              <a:rPr lang="en-GB" sz="2800" dirty="0"/>
+              <a:t> Introduction</a:t>
+            </a:r>
+          </a:p>
+          <a:p>
+            <a:pPr>
+              <a:buFont typeface="Arial" panose="020B0604020202020204" pitchFamily="34" charset="0"/>
+              <a:buChar char="•"/>
+            </a:pPr>
+            <a:r>
+              <a:rPr lang="en-GB" sz="2800" b="1" dirty="0"/>
+              <a:t> </a:t>
+            </a:r>
+            <a:r>
+              <a:rPr lang="en-GB" sz="2800" dirty="0"/>
+              <a:t>Methods</a:t>
+            </a:r>
+          </a:p>
+          <a:p>
+            <a:pPr>
+              <a:buFont typeface="Arial" panose="020B0604020202020204" pitchFamily="34" charset="0"/>
+              <a:buChar char="•"/>
+            </a:pPr>
+            <a:r>
+              <a:rPr lang="en-GB" sz="2800" dirty="0"/>
+              <a:t> Rigid Rod Simulations</a:t>
+            </a:r>
+          </a:p>
+          <a:p>
+            <a:pPr>
+              <a:buFont typeface="Arial" panose="020B0604020202020204" pitchFamily="34" charset="0"/>
+              <a:buChar char="•"/>
+            </a:pPr>
+            <a:r>
+              <a:rPr lang="en-GB" sz="2800" dirty="0"/>
+              <a:t> </a:t>
+            </a:r>
+            <a:r>
+              <a:rPr lang="en-GB" sz="2800" b="1" dirty="0"/>
+              <a:t>Nunchuck Simulations </a:t>
+            </a:r>
+          </a:p>
+          <a:p>
+            <a:pPr lvl="1">
+              <a:buFont typeface="Arial" panose="020B0604020202020204" pitchFamily="34" charset="0"/>
+              <a:buChar char="•"/>
+            </a:pPr>
+            <a:r>
+              <a:rPr lang="en-GB" sz="2400" i="1" dirty="0"/>
+              <a:t>Fixed Rigidity</a:t>
+            </a:r>
+          </a:p>
+          <a:p>
+            <a:pPr lvl="1">
+              <a:buFont typeface="Arial" panose="020B0604020202020204" pitchFamily="34" charset="0"/>
+              <a:buChar char="•"/>
+            </a:pPr>
+            <a:r>
+              <a:rPr lang="en-GB" sz="2400" i="1" dirty="0"/>
+              <a:t>Fixed Angle</a:t>
+            </a:r>
+          </a:p>
+          <a:p>
+            <a:pPr lvl="1">
+              <a:buFont typeface="Arial" panose="020B0604020202020204" pitchFamily="34" charset="0"/>
+              <a:buChar char="•"/>
+            </a:pPr>
+            <a:r>
+              <a:rPr lang="en-GB" sz="2400" i="1" dirty="0"/>
+              <a:t>Dynamic Properties</a:t>
+            </a:r>
+          </a:p>
+          <a:p>
+            <a:pPr>
+              <a:buFont typeface="Arial" panose="020B0604020202020204" pitchFamily="34" charset="0"/>
+              <a:buChar char="•"/>
+            </a:pPr>
+            <a:r>
+              <a:rPr lang="en-GB" sz="2800" dirty="0"/>
+              <a:t> Conclusions</a:t>
+            </a:r>
+          </a:p>
+          <a:p>
+            <a:endParaRPr lang="en-GB" dirty="0"/>
+          </a:p>
+        </p:txBody>
+      </p:sp>
+      <p:sp>
+        <p:nvSpPr>
+          <p:cNvPr id="7" name="Date Placeholder 6">
+            <a:extLst>
+              <a:ext uri="{FF2B5EF4-FFF2-40B4-BE49-F238E27FC236}">
+                <a16:creationId xmlns:a16="http://schemas.microsoft.com/office/drawing/2014/main" id="{F8D3FD9E-0468-4D84-B8AB-62CFA79681D8}"/>
+              </a:ext>
+            </a:extLst>
+          </p:cNvPr>
+          <p:cNvSpPr>
+            <a:spLocks noGrp="1"/>
+          </p:cNvSpPr>
+          <p:nvPr>
+            <p:ph type="dt" sz="half" idx="10"/>
+          </p:nvPr>
+        </p:nvSpPr>
+        <p:spPr/>
+        <p:txBody>
+          <a:bodyPr/>
+          <a:lstStyle/>
+          <a:p>
+            <a:fld id="{8F6670FA-D65C-4A60-91F1-AC7275D9A811}" type="datetime1">
+              <a:rPr lang="en-GB" smtClean="0"/>
+              <a:t>06/05/2021</a:t>
+            </a:fld>
+            <a:endParaRPr lang="en-GB"/>
+          </a:p>
+        </p:txBody>
+      </p:sp>
+      <p:sp>
+        <p:nvSpPr>
+          <p:cNvPr id="8" name="Footer Placeholder 7">
+            <a:extLst>
+              <a:ext uri="{FF2B5EF4-FFF2-40B4-BE49-F238E27FC236}">
+                <a16:creationId xmlns:a16="http://schemas.microsoft.com/office/drawing/2014/main" id="{189657EC-EC9C-4C75-A24A-09DBF3570A54}"/>
+              </a:ext>
+            </a:extLst>
+          </p:cNvPr>
+          <p:cNvSpPr>
+            <a:spLocks noGrp="1"/>
+          </p:cNvSpPr>
+          <p:nvPr>
+            <p:ph type="ftr" sz="quarter" idx="11"/>
+          </p:nvPr>
+        </p:nvSpPr>
+        <p:spPr/>
+        <p:txBody>
+          <a:bodyPr/>
+          <a:lstStyle/>
+          <a:p>
+            <a:r>
+              <a:rPr lang="en-GB"/>
+              <a:t>Simulating Liquid Crystals</a:t>
+            </a:r>
+          </a:p>
+        </p:txBody>
+      </p:sp>
+      <p:sp>
+        <p:nvSpPr>
+          <p:cNvPr id="9" name="Slide Number Placeholder 8">
+            <a:extLst>
+              <a:ext uri="{FF2B5EF4-FFF2-40B4-BE49-F238E27FC236}">
+                <a16:creationId xmlns:a16="http://schemas.microsoft.com/office/drawing/2014/main" id="{8816638D-F0BD-468E-97B8-12C8EF9A6909}"/>
+              </a:ext>
+            </a:extLst>
+          </p:cNvPr>
+          <p:cNvSpPr>
+            <a:spLocks noGrp="1"/>
+          </p:cNvSpPr>
+          <p:nvPr>
+            <p:ph type="sldNum" sz="quarter" idx="12"/>
+          </p:nvPr>
+        </p:nvSpPr>
+        <p:spPr/>
+        <p:txBody>
+          <a:bodyPr/>
+          <a:lstStyle/>
+          <a:p>
+            <a:fld id="{AB645ECC-7A7A-4729-8128-50B722794741}" type="slidenum">
+              <a:rPr lang="en-GB" smtClean="0"/>
+              <a:t>13</a:t>
+            </a:fld>
+            <a:endParaRPr lang="en-GB"/>
+          </a:p>
+        </p:txBody>
+      </p:sp>
+    </p:spTree>
+    <p:extLst>
+      <p:ext uri="{BB962C8B-B14F-4D97-AF65-F5344CB8AC3E}">
+        <p14:creationId xmlns:p14="http://schemas.microsoft.com/office/powerpoint/2010/main" val="2301142952"/>
+      </p:ext>
+    </p:extLst>
+  </p:cSld>
+  <p:clrMapOvr>
+    <a:masterClrMapping/>
+  </p:clrMapOvr>
+</p:sld>
+</file>
+
+<file path=ppt/slides/slide14.xml><?xml version="1.0" encoding="utf-8"?>
+<p:sld xmlns:a="http://schemas.openxmlformats.org/drawingml/2006/main" xmlns:r="http://schemas.openxmlformats.org/officeDocument/2006/relationships" xmlns:p="http://schemas.openxmlformats.org/presentationml/2006/main">
+  <p:cSld>
+    <p:spTree>
+      <p:nvGrpSpPr>
+        <p:cNvPr id="1" name=""/>
+        <p:cNvGrpSpPr/>
+        <p:nvPr/>
+      </p:nvGrpSpPr>
+      <p:grpSpPr>
+        <a:xfrm>
+          <a:off x="0" y="0"/>
+          <a:ext cx="0" cy="0"/>
+          <a:chOff x="0" y="0"/>
+          <a:chExt cx="0" cy="0"/>
+        </a:xfrm>
+      </p:grpSpPr>
+      <p:sp>
+        <p:nvSpPr>
+          <p:cNvPr id="2" name="Title 1">
+            <a:extLst>
+              <a:ext uri="{FF2B5EF4-FFF2-40B4-BE49-F238E27FC236}">
+                <a16:creationId xmlns:a16="http://schemas.microsoft.com/office/drawing/2014/main" id="{8942B4A0-F150-405A-9068-8F7612F09AE0}"/>
+              </a:ext>
+            </a:extLst>
+          </p:cNvPr>
+          <p:cNvSpPr>
+            <a:spLocks noGrp="1"/>
+          </p:cNvSpPr>
+          <p:nvPr>
+            <p:ph type="title"/>
+          </p:nvPr>
+        </p:nvSpPr>
+        <p:spPr/>
+        <p:txBody>
+          <a:bodyPr/>
+          <a:lstStyle/>
+          <a:p>
+            <a:r>
+              <a:rPr lang="en-GB" dirty="0"/>
+              <a:t>Conclusions</a:t>
+            </a:r>
+          </a:p>
+        </p:txBody>
+      </p:sp>
+      <p:sp>
+        <p:nvSpPr>
+          <p:cNvPr id="3" name="Content Placeholder 2">
+            <a:extLst>
+              <a:ext uri="{FF2B5EF4-FFF2-40B4-BE49-F238E27FC236}">
+                <a16:creationId xmlns:a16="http://schemas.microsoft.com/office/drawing/2014/main" id="{AC53D448-2676-4126-B047-DB0C6E8D4412}"/>
+              </a:ext>
+            </a:extLst>
+          </p:cNvPr>
+          <p:cNvSpPr>
+            <a:spLocks noGrp="1"/>
+          </p:cNvSpPr>
+          <p:nvPr>
+            <p:ph idx="1"/>
+          </p:nvPr>
+        </p:nvSpPr>
+        <p:spPr/>
+        <p:txBody>
+          <a:bodyPr>
+            <a:normAutofit/>
+          </a:bodyPr>
+          <a:lstStyle/>
+          <a:p>
+            <a:pPr>
+              <a:buFont typeface="Arial" panose="020B0604020202020204" pitchFamily="34" charset="0"/>
+              <a:buChar char="•"/>
+            </a:pPr>
+            <a:r>
+              <a:rPr lang="en-GB" sz="2800" dirty="0"/>
+              <a:t> Introduction</a:t>
+            </a:r>
+          </a:p>
+          <a:p>
+            <a:pPr>
+              <a:buFont typeface="Arial" panose="020B0604020202020204" pitchFamily="34" charset="0"/>
+              <a:buChar char="•"/>
+            </a:pPr>
+            <a:r>
+              <a:rPr lang="en-GB" sz="2800" b="1" dirty="0"/>
+              <a:t> </a:t>
+            </a:r>
+            <a:r>
+              <a:rPr lang="en-GB" sz="2800" dirty="0"/>
+              <a:t>Methods</a:t>
+            </a:r>
+          </a:p>
+          <a:p>
+            <a:pPr>
+              <a:buFont typeface="Arial" panose="020B0604020202020204" pitchFamily="34" charset="0"/>
+              <a:buChar char="•"/>
+            </a:pPr>
+            <a:r>
+              <a:rPr lang="en-GB" sz="2800" dirty="0"/>
+              <a:t> Rigid Rod Simulations</a:t>
+            </a:r>
+          </a:p>
+          <a:p>
+            <a:pPr>
+              <a:buFont typeface="Arial" panose="020B0604020202020204" pitchFamily="34" charset="0"/>
+              <a:buChar char="•"/>
+            </a:pPr>
+            <a:r>
+              <a:rPr lang="en-GB" sz="2800" dirty="0"/>
+              <a:t> Nunchuck Simulations </a:t>
+            </a:r>
+          </a:p>
+          <a:p>
+            <a:pPr>
+              <a:buFont typeface="Arial" panose="020B0604020202020204" pitchFamily="34" charset="0"/>
+              <a:buChar char="•"/>
+            </a:pPr>
+            <a:r>
+              <a:rPr lang="en-GB" sz="2800" dirty="0"/>
+              <a:t> </a:t>
+            </a:r>
+            <a:r>
+              <a:rPr lang="en-GB" sz="2800" b="1" dirty="0"/>
+              <a:t>Conclusions</a:t>
+            </a:r>
+          </a:p>
+          <a:p>
+            <a:pPr lvl="1">
+              <a:buFont typeface="Arial" panose="020B0604020202020204" pitchFamily="34" charset="0"/>
+              <a:buChar char="•"/>
+            </a:pPr>
+            <a:r>
+              <a:rPr lang="en-GB" sz="2600" i="1" dirty="0"/>
+              <a:t>Primary Findings</a:t>
+            </a:r>
+          </a:p>
+          <a:p>
+            <a:pPr lvl="1">
+              <a:buFont typeface="Arial" panose="020B0604020202020204" pitchFamily="34" charset="0"/>
+              <a:buChar char="•"/>
+            </a:pPr>
+            <a:r>
+              <a:rPr lang="en-GB" sz="2600" i="1" dirty="0"/>
+              <a:t>Further Work</a:t>
+            </a:r>
+            <a:endParaRPr lang="en-GB" sz="2600" dirty="0"/>
+          </a:p>
+          <a:p>
+            <a:endParaRPr lang="en-GB" dirty="0"/>
+          </a:p>
+        </p:txBody>
+      </p:sp>
+      <p:sp>
+        <p:nvSpPr>
+          <p:cNvPr id="7" name="Date Placeholder 6">
+            <a:extLst>
+              <a:ext uri="{FF2B5EF4-FFF2-40B4-BE49-F238E27FC236}">
+                <a16:creationId xmlns:a16="http://schemas.microsoft.com/office/drawing/2014/main" id="{A899C2D9-963B-4A7D-B350-213AC1754454}"/>
+              </a:ext>
+            </a:extLst>
+          </p:cNvPr>
+          <p:cNvSpPr>
+            <a:spLocks noGrp="1"/>
+          </p:cNvSpPr>
+          <p:nvPr>
+            <p:ph type="dt" sz="half" idx="10"/>
+          </p:nvPr>
+        </p:nvSpPr>
+        <p:spPr/>
+        <p:txBody>
+          <a:bodyPr/>
+          <a:lstStyle/>
+          <a:p>
+            <a:fld id="{6FF9E546-BF22-4E63-B4C9-3E8B5ADD2B3A}" type="datetime1">
+              <a:rPr lang="en-GB" smtClean="0"/>
+              <a:t>06/05/2021</a:t>
+            </a:fld>
+            <a:endParaRPr lang="en-GB"/>
+          </a:p>
+        </p:txBody>
+      </p:sp>
+      <p:sp>
+        <p:nvSpPr>
+          <p:cNvPr id="8" name="Footer Placeholder 7">
+            <a:extLst>
+              <a:ext uri="{FF2B5EF4-FFF2-40B4-BE49-F238E27FC236}">
+                <a16:creationId xmlns:a16="http://schemas.microsoft.com/office/drawing/2014/main" id="{5B41B150-3135-4FDE-9CE6-C3447A401A81}"/>
+              </a:ext>
+            </a:extLst>
+          </p:cNvPr>
+          <p:cNvSpPr>
+            <a:spLocks noGrp="1"/>
+          </p:cNvSpPr>
+          <p:nvPr>
+            <p:ph type="ftr" sz="quarter" idx="11"/>
+          </p:nvPr>
+        </p:nvSpPr>
+        <p:spPr/>
+        <p:txBody>
+          <a:bodyPr/>
+          <a:lstStyle/>
+          <a:p>
+            <a:r>
+              <a:rPr lang="en-GB"/>
+              <a:t>Simulating Liquid Crystals</a:t>
+            </a:r>
+          </a:p>
+        </p:txBody>
+      </p:sp>
+      <p:sp>
+        <p:nvSpPr>
+          <p:cNvPr id="9" name="Slide Number Placeholder 8">
+            <a:extLst>
+              <a:ext uri="{FF2B5EF4-FFF2-40B4-BE49-F238E27FC236}">
+                <a16:creationId xmlns:a16="http://schemas.microsoft.com/office/drawing/2014/main" id="{8CDB5539-7981-43FC-A4B3-45CFD7FCFCDE}"/>
+              </a:ext>
+            </a:extLst>
+          </p:cNvPr>
+          <p:cNvSpPr>
+            <a:spLocks noGrp="1"/>
+          </p:cNvSpPr>
+          <p:nvPr>
+            <p:ph type="sldNum" sz="quarter" idx="12"/>
+          </p:nvPr>
+        </p:nvSpPr>
+        <p:spPr/>
+        <p:txBody>
+          <a:bodyPr/>
+          <a:lstStyle/>
+          <a:p>
+            <a:fld id="{AB645ECC-7A7A-4729-8128-50B722794741}" type="slidenum">
+              <a:rPr lang="en-GB" smtClean="0"/>
+              <a:t>14</a:t>
+            </a:fld>
+            <a:endParaRPr lang="en-GB"/>
+          </a:p>
+        </p:txBody>
+      </p:sp>
+    </p:spTree>
+    <p:extLst>
+      <p:ext uri="{BB962C8B-B14F-4D97-AF65-F5344CB8AC3E}">
+        <p14:creationId xmlns:p14="http://schemas.microsoft.com/office/powerpoint/2010/main" val="4282608364"/>
+      </p:ext>
+    </p:extLst>
+  </p:cSld>
+  <p:clrMapOvr>
+    <a:masterClrMapping/>
+  </p:clrMapOvr>
+</p:sld>
+</file>
+
+<file path=ppt/slides/slide15.xml><?xml version="1.0" encoding="utf-8"?>
+<p:sld xmlns:a="http://schemas.openxmlformats.org/drawingml/2006/main" xmlns:r="http://schemas.openxmlformats.org/officeDocument/2006/relationships" xmlns:p="http://schemas.openxmlformats.org/presentationml/2006/main">
+  <p:cSld>
+    <p:spTree>
+      <p:nvGrpSpPr>
+        <p:cNvPr id="1" name=""/>
+        <p:cNvGrpSpPr/>
+        <p:nvPr/>
+      </p:nvGrpSpPr>
+      <p:grpSpPr>
+        <a:xfrm>
+          <a:off x="0" y="0"/>
+          <a:ext cx="0" cy="0"/>
+          <a:chOff x="0" y="0"/>
+          <a:chExt cx="0" cy="0"/>
+        </a:xfrm>
+      </p:grpSpPr>
+      <p:sp>
+        <p:nvSpPr>
+          <p:cNvPr id="2" name="Title 1">
+            <a:extLst>
+              <a:ext uri="{FF2B5EF4-FFF2-40B4-BE49-F238E27FC236}">
                 <a16:creationId xmlns:a16="http://schemas.microsoft.com/office/drawing/2014/main" id="{0A31ED90-FB80-42B2-B1B3-6B1B614B65EF}"/>
               </a:ext>
             </a:extLst>
@@ -4909,7 +8673,7 @@
           <a:bodyPr/>
           <a:lstStyle/>
           <a:p>
-            <a:fld id="{7F253374-1CF5-427D-922B-09BFB2E7CA63}" type="datetime1">
+            <a:fld id="{6570E246-3AA0-49AE-AA61-EF2910016B7A}" type="datetime1">
               <a:rPr lang="en-GB" smtClean="0"/>
               <a:t>06/05/2021</a:t>
             </a:fld>
@@ -4940,7 +8704,7 @@
           <a:p>
             <a:r>
               <a:rPr lang="en-GB"/>
-              <a:t>Simulating Liqyuid Crystals</a:t>
+              <a:t>Simulating Liquid Crystals</a:t>
             </a:r>
           </a:p>
         </p:txBody>
@@ -4968,7 +8732,7 @@
           <a:p>
             <a:fld id="{AB645ECC-7A7A-4729-8128-50B722794741}" type="slidenum">
               <a:rPr lang="en-GB" smtClean="0"/>
-              <a:t>11</a:t>
+              <a:t>15</a:t>
             </a:fld>
             <a:endParaRPr lang="en-GB"/>
           </a:p>
@@ -5051,7 +8815,7 @@
         <p:spPr/>
         <p:txBody>
           <a:bodyPr>
-            <a:normAutofit lnSpcReduction="10000"/>
+            <a:normAutofit fontScale="92500" lnSpcReduction="10000"/>
           </a:bodyPr>
           <a:lstStyle/>
           <a:p>
@@ -5085,17 +8849,17 @@
             </a:pPr>
             <a:r>
               <a:rPr lang="en-GB" sz="2400" i="1" dirty="0"/>
-              <a:t>Entropically Driven Phase Transitions</a:t>
-            </a:r>
-          </a:p>
-          <a:p>
-            <a:pPr lvl="2">
+              <a:t>Phase Transitions</a:t>
+            </a:r>
+          </a:p>
+          <a:p>
+            <a:pPr lvl="1">
               <a:buFont typeface="Arial" panose="020B0604020202020204" pitchFamily="34" charset="0"/>
               <a:buChar char="•"/>
             </a:pPr>
             <a:r>
-              <a:rPr lang="en-GB" sz="2000" i="1" dirty="0"/>
-              <a:t>Order Parameter &amp; Onsager Theory</a:t>
+              <a:rPr lang="en-GB" i="1" dirty="0"/>
+              <a:t>Order Parameters </a:t>
             </a:r>
           </a:p>
           <a:p>
@@ -5178,7 +8942,7 @@
           <a:bodyPr/>
           <a:lstStyle/>
           <a:p>
-            <a:fld id="{2E1090DC-47B9-41A9-96F2-2DBE8A288DF7}" type="datetime1">
+            <a:fld id="{BAC64DD5-28A9-481B-B01B-AB7B52519854}" type="datetime1">
               <a:rPr lang="en-GB" smtClean="0"/>
               <a:t>06/05/2021</a:t>
             </a:fld>
@@ -5209,7 +8973,7 @@
           <a:p>
             <a:r>
               <a:rPr lang="en-GB"/>
-              <a:t>Simulating Liqyuid Crystals</a:t>
+              <a:t>Simulating Liquid Crystals</a:t>
             </a:r>
           </a:p>
         </p:txBody>
@@ -5243,36 +9007,6 @@
           </a:p>
         </p:txBody>
       </p:sp>
-      <p:pic>
-        <p:nvPicPr>
-          <p:cNvPr id="10" name="Picture 9">
-            <a:extLst>
-              <a:ext uri="{FF2B5EF4-FFF2-40B4-BE49-F238E27FC236}">
-                <a16:creationId xmlns:a16="http://schemas.microsoft.com/office/drawing/2014/main" id="{23280DBA-BB19-40F8-B1BC-2136981A1391}"/>
-              </a:ext>
-            </a:extLst>
-          </p:cNvPr>
-          <p:cNvPicPr>
-            <a:picLocks noChangeAspect="1"/>
-          </p:cNvPicPr>
-          <p:nvPr/>
-        </p:nvPicPr>
-        <p:blipFill>
-          <a:blip r:embed="rId2"/>
-          <a:stretch>
-            <a:fillRect/>
-          </a:stretch>
-        </p:blipFill>
-        <p:spPr>
-          <a:xfrm>
-            <a:off x="9370770" y="5499877"/>
-            <a:ext cx="2746972" cy="738434"/>
-          </a:xfrm>
-          <a:prstGeom prst="rect">
-            <a:avLst/>
-          </a:prstGeom>
-        </p:spPr>
-      </p:pic>
     </p:spTree>
     <p:extLst>
       <p:ext uri="{BB962C8B-B14F-4D97-AF65-F5344CB8AC3E}">
@@ -5439,13 +9173,8 @@
                 <a:spcPts val="600"/>
               </a:spcAft>
             </a:pPr>
-            <a:fld id="{7F253374-1CF5-427D-922B-09BFB2E7CA63}" type="datetime1">
+            <a:fld id="{55FDD6D8-B502-4280-AE8F-D80E5A6AE5EC}" type="datetime1">
               <a:rPr lang="en-GB" smtClean="0"/>
-              <a:pPr algn="r">
-                <a:spcAft>
-                  <a:spcPts val="600"/>
-                </a:spcAft>
-              </a:pPr>
               <a:t>06/05/2021</a:t>
             </a:fld>
             <a:endParaRPr lang="en-GB"/>
@@ -5482,57 +9211,8 @@
             </a:pPr>
             <a:r>
               <a:rPr lang="en-GB"/>
-              <a:t>Simulating Liqyuid Crystals</a:t>
-            </a:r>
-          </a:p>
-        </p:txBody>
-      </p:sp>
-      <p:sp>
-        <p:nvSpPr>
-          <p:cNvPr id="6" name="Slide Number Placeholder 5">
-            <a:extLst>
-              <a:ext uri="{FF2B5EF4-FFF2-40B4-BE49-F238E27FC236}">
-                <a16:creationId xmlns:a16="http://schemas.microsoft.com/office/drawing/2014/main" id="{4144B2D3-7D8F-43E8-A8C0-BED53AB369A3}"/>
-              </a:ext>
-            </a:extLst>
-          </p:cNvPr>
-          <p:cNvSpPr>
-            <a:spLocks noGrp="1"/>
-          </p:cNvSpPr>
-          <p:nvPr>
-            <p:ph type="sldNum" sz="quarter" idx="12"/>
-          </p:nvPr>
-        </p:nvSpPr>
-        <p:spPr/>
-        <p:txBody>
-          <a:bodyPr>
-            <a:normAutofit/>
-          </a:bodyPr>
-          <a:lstStyle/>
-          <a:p>
-            <a:pPr>
-              <a:spcAft>
-                <a:spcPts val="600"/>
-              </a:spcAft>
-            </a:pPr>
-            <a:fld id="{AB645ECC-7A7A-4729-8128-50B722794741}" type="slidenum">
-              <a:rPr lang="en-GB">
-                <a:solidFill>
-                  <a:schemeClr val="tx2"/>
-                </a:solidFill>
-              </a:rPr>
-              <a:pPr>
-                <a:spcAft>
-                  <a:spcPts val="600"/>
-                </a:spcAft>
-              </a:pPr>
-              <a:t>3</a:t>
-            </a:fld>
-            <a:endParaRPr lang="en-GB">
-              <a:solidFill>
-                <a:schemeClr val="tx2"/>
-              </a:solidFill>
-            </a:endParaRPr>
+              <a:t>Simulating Liquid Crystals</a:t>
+            </a:r>
           </a:p>
         </p:txBody>
       </p:sp>
@@ -5852,6 +9532,14 @@
 <file path=ppt/slides/slide4.xml><?xml version="1.0" encoding="utf-8"?>
 <p:sld xmlns:a="http://schemas.openxmlformats.org/drawingml/2006/main" xmlns:r="http://schemas.openxmlformats.org/officeDocument/2006/relationships" xmlns:p="http://schemas.openxmlformats.org/presentationml/2006/main">
   <p:cSld>
+    <p:bg>
+      <p:bgPr>
+        <a:solidFill>
+          <a:schemeClr val="bg1"/>
+        </a:solidFill>
+        <a:effectLst/>
+      </p:bgPr>
+    </p:bg>
     <p:spTree>
       <p:nvGrpSpPr>
         <p:cNvPr id="1" name=""/>
@@ -5882,82 +9570,21 @@
             <p:ph type="title"/>
           </p:nvPr>
         </p:nvSpPr>
-        <p:spPr/>
-        <p:txBody>
-          <a:bodyPr/>
-          <a:lstStyle/>
-          <a:p>
-            <a:r>
-              <a:rPr lang="en-GB" dirty="0"/>
-              <a:t>Phase Transitions</a:t>
-            </a:r>
-          </a:p>
-        </p:txBody>
-      </p:sp>
-      <p:sp>
-        <p:nvSpPr>
-          <p:cNvPr id="9" name="Content Placeholder 8">
-            <a:extLst>
-              <a:ext uri="{FF2B5EF4-FFF2-40B4-BE49-F238E27FC236}">
-                <a16:creationId xmlns:a16="http://schemas.microsoft.com/office/drawing/2014/main" id="{8C079F86-81B7-4A0F-99FD-881B4449FB89}"/>
-              </a:ext>
-            </a:extLst>
-          </p:cNvPr>
-          <p:cNvSpPr>
-            <a:spLocks noGrp="1"/>
-          </p:cNvSpPr>
-          <p:nvPr>
-            <p:ph idx="1"/>
-          </p:nvPr>
-        </p:nvSpPr>
-        <p:spPr/>
+        <p:spPr>
+          <a:xfrm>
+            <a:off x="1097280" y="286603"/>
+            <a:ext cx="10058400" cy="1450757"/>
+          </a:xfrm>
+        </p:spPr>
         <p:txBody>
           <a:bodyPr>
             <a:normAutofit/>
           </a:bodyPr>
           <a:lstStyle/>
           <a:p>
-            <a:pPr marL="0" indent="0">
-              <a:buNone/>
-            </a:pPr>
-            <a:r>
-              <a:rPr lang="en-GB" sz="2800" b="1" dirty="0"/>
-              <a:t> </a:t>
-            </a:r>
-          </a:p>
-          <a:p>
-            <a:pPr>
-              <a:buFont typeface="Arial" panose="020B0604020202020204" pitchFamily="34" charset="0"/>
-              <a:buChar char="•"/>
-            </a:pPr>
-            <a:r>
-              <a:rPr lang="en-GB" sz="3200" b="1" dirty="0"/>
-              <a:t> Lyotropic</a:t>
-            </a:r>
-            <a:r>
-              <a:rPr lang="en-GB" sz="3200" dirty="0"/>
-              <a:t> – Induced by changes in concentration</a:t>
-            </a:r>
-          </a:p>
-          <a:p>
-            <a:endParaRPr lang="en-GB" sz="3200" dirty="0"/>
-          </a:p>
-          <a:p>
-            <a:pPr>
-              <a:buFont typeface="Arial" panose="020B0604020202020204" pitchFamily="34" charset="0"/>
-              <a:buChar char="•"/>
-            </a:pPr>
-            <a:r>
-              <a:rPr lang="en-GB" sz="3200" dirty="0"/>
-              <a:t> </a:t>
-            </a:r>
-            <a:r>
-              <a:rPr lang="en-GB" sz="3200" b="1" dirty="0"/>
-              <a:t>Entropically Driven </a:t>
-            </a:r>
-            <a:r>
-              <a:rPr lang="en-GB" sz="3200" dirty="0"/>
-              <a:t>– Occurring in the absence of attractive intermolecular forces</a:t>
+            <a:r>
+              <a:rPr lang="en-GB" dirty="0"/>
+              <a:t>Phase Transitions</a:t>
             </a:r>
           </a:p>
         </p:txBody>
@@ -5978,13 +9605,30 @@
             <p:ph type="dt" sz="half" idx="10"/>
           </p:nvPr>
         </p:nvSpPr>
-        <p:spPr/>
-        <p:txBody>
-          <a:bodyPr/>
+        <p:spPr>
+          <a:xfrm>
+            <a:off x="1097280" y="6459785"/>
+            <a:ext cx="2472271" cy="365125"/>
+          </a:xfrm>
+        </p:spPr>
+        <p:txBody>
+          <a:bodyPr>
+            <a:normAutofit/>
+          </a:bodyPr>
           <a:lstStyle/>
           <a:p>
-            <a:fld id="{7158BEE1-24AC-45AA-AE5A-25B089A27E97}" type="datetime1">
+            <a:pPr>
+              <a:spcAft>
+                <a:spcPts val="600"/>
+              </a:spcAft>
+            </a:pPr>
+            <a:fld id="{44B81318-E621-4F4E-B976-73310EBEF802}" type="datetime1">
               <a:rPr lang="en-GB" smtClean="0"/>
+              <a:pPr>
+                <a:spcAft>
+                  <a:spcPts val="600"/>
+                </a:spcAft>
+              </a:pPr>
               <a:t>06/05/2021</a:t>
             </a:fld>
             <a:endParaRPr lang="en-GB"/>
@@ -6007,14 +9651,26 @@
             <p:ph type="ftr" sz="quarter" idx="11"/>
           </p:nvPr>
         </p:nvSpPr>
-        <p:spPr/>
-        <p:txBody>
-          <a:bodyPr/>
+        <p:spPr>
+          <a:xfrm>
+            <a:off x="3686185" y="6459785"/>
+            <a:ext cx="4822804" cy="365125"/>
+          </a:xfrm>
+        </p:spPr>
+        <p:txBody>
+          <a:bodyPr>
+            <a:normAutofit/>
+          </a:bodyPr>
           <a:lstStyle/>
           <a:p>
+            <a:pPr>
+              <a:spcAft>
+                <a:spcPts val="600"/>
+              </a:spcAft>
+            </a:pPr>
             <a:r>
               <a:rPr lang="en-GB"/>
-              <a:t>Simulating Liqyuid Crystals</a:t>
+              <a:t>Simulating Liquid Crystals</a:t>
             </a:r>
           </a:p>
         </p:txBody>
@@ -6035,19 +9691,67 @@
             <p:ph type="sldNum" sz="quarter" idx="12"/>
           </p:nvPr>
         </p:nvSpPr>
-        <p:spPr/>
-        <p:txBody>
-          <a:bodyPr/>
+        <p:spPr>
+          <a:xfrm>
+            <a:off x="9900458" y="6459785"/>
+            <a:ext cx="1312025" cy="365125"/>
+          </a:xfrm>
+        </p:spPr>
+        <p:txBody>
+          <a:bodyPr>
+            <a:normAutofit/>
+          </a:bodyPr>
           <a:lstStyle/>
           <a:p>
+            <a:pPr>
+              <a:spcAft>
+                <a:spcPts val="600"/>
+              </a:spcAft>
+            </a:pPr>
             <a:fld id="{AB645ECC-7A7A-4729-8128-50B722794741}" type="slidenum">
               <a:rPr lang="en-GB" smtClean="0"/>
+              <a:pPr>
+                <a:spcAft>
+                  <a:spcPts val="600"/>
+                </a:spcAft>
+              </a:pPr>
               <a:t>4</a:t>
             </a:fld>
             <a:endParaRPr lang="en-GB"/>
           </a:p>
         </p:txBody>
       </p:sp>
+      <p:graphicFrame>
+        <p:nvGraphicFramePr>
+          <p:cNvPr id="11" name="Content Placeholder 8">
+            <a:extLst>
+              <a:ext uri="{FF2B5EF4-FFF2-40B4-BE49-F238E27FC236}">
+                <a16:creationId xmlns:a16="http://schemas.microsoft.com/office/drawing/2014/main" id="{AAB6A6A3-9225-4537-8272-3C7CFC94BB69}"/>
+              </a:ext>
+            </a:extLst>
+          </p:cNvPr>
+          <p:cNvGraphicFramePr>
+            <a:graphicFrameLocks noGrp="1"/>
+          </p:cNvGraphicFramePr>
+          <p:nvPr>
+            <p:ph idx="1"/>
+            <p:extLst>
+              <p:ext uri="{D42A27DB-BD31-4B8C-83A1-F6EECF244321}">
+                <p14:modId xmlns:p14="http://schemas.microsoft.com/office/powerpoint/2010/main" val="3813911963"/>
+              </p:ext>
+            </p:extLst>
+          </p:nvPr>
+        </p:nvGraphicFramePr>
+        <p:xfrm>
+          <a:off x="1096963" y="2098515"/>
+          <a:ext cx="10058400" cy="3786080"/>
+        </p:xfrm>
+        <a:graphic>
+          <a:graphicData uri="http://schemas.openxmlformats.org/drawingml/2006/diagram">
+            <dgm:relIds xmlns:dgm="http://schemas.openxmlformats.org/drawingml/2006/diagram" xmlns:r="http://schemas.openxmlformats.org/officeDocument/2006/relationships" r:dm="rId2" r:lo="rId3" r:qs="rId4" r:cs="rId5"/>
+          </a:graphicData>
+        </a:graphic>
+      </p:graphicFrame>
     </p:spTree>
     <p:extLst>
       <p:ext uri="{BB962C8B-B14F-4D97-AF65-F5344CB8AC3E}">
@@ -6101,13 +9805,13 @@
           <a:p>
             <a:r>
               <a:rPr lang="en-GB" dirty="0"/>
-              <a:t>Order Parameter</a:t>
-            </a:r>
-          </a:p>
-        </p:txBody>
-      </p:sp>
-      <mc:AlternateContent xmlns:mc="http://schemas.openxmlformats.org/markup-compatibility/2006">
-        <mc:Choice xmlns:a14="http://schemas.microsoft.com/office/drawing/2010/main" Requires="a14">
+              <a:t>Order Parameters</a:t>
+            </a:r>
+          </a:p>
+        </p:txBody>
+      </p:sp>
+      <mc:AlternateContent xmlns:mc="http://schemas.openxmlformats.org/markup-compatibility/2006" xmlns:a14="http://schemas.microsoft.com/office/drawing/2010/main">
+        <mc:Choice Requires="a14">
           <p:sp>
             <p:nvSpPr>
               <p:cNvPr id="3" name="Content Placeholder 2">
@@ -6689,7 +10393,7 @@
             </p:txBody>
           </p:sp>
         </mc:Choice>
-        <mc:Fallback>
+        <mc:Fallback xmlns="">
           <p:sp>
             <p:nvSpPr>
               <p:cNvPr id="3" name="Content Placeholder 2">
@@ -6754,7 +10458,7 @@
           <a:bodyPr/>
           <a:lstStyle/>
           <a:p>
-            <a:fld id="{7F253374-1CF5-427D-922B-09BFB2E7CA63}" type="datetime1">
+            <a:fld id="{E608809F-CA2B-483D-9917-2252A6034B9D}" type="datetime1">
               <a:rPr lang="en-GB" smtClean="0"/>
               <a:t>06/05/2021</a:t>
             </a:fld>
@@ -6785,7 +10489,7 @@
           <a:p>
             <a:r>
               <a:rPr lang="en-GB"/>
-              <a:t>Simulating Liqyuid Crystals</a:t>
+              <a:t>Simulating Liquid Crystals</a:t>
             </a:r>
           </a:p>
         </p:txBody>
@@ -6898,7 +10602,23 @@
           <a:bodyPr/>
           <a:lstStyle/>
           <a:p>
-            <a:endParaRPr lang="en-GB"/>
+            <a:r>
+              <a:rPr lang="en-GB" dirty="0"/>
+              <a:t> </a:t>
+            </a:r>
+            <a:r>
+              <a:rPr lang="en-GB" i="1" dirty="0"/>
+              <a:t>insert cool picture </a:t>
+            </a:r>
+            <a:r>
+              <a:rPr lang="en-GB" b="1" i="1" dirty="0"/>
+              <a:t>(Figure 2)</a:t>
+            </a:r>
+            <a:r>
+              <a:rPr lang="en-GB" i="1" dirty="0"/>
+              <a:t> of applications following chat with Erika</a:t>
+            </a:r>
+            <a:endParaRPr lang="en-GB" dirty="0"/>
           </a:p>
         </p:txBody>
       </p:sp>
@@ -6923,7 +10643,7 @@
           <a:bodyPr/>
           <a:lstStyle/>
           <a:p>
-            <a:fld id="{7F253374-1CF5-427D-922B-09BFB2E7CA63}" type="datetime1">
+            <a:fld id="{3101D558-26F0-426F-A3F3-5153859A1A57}" type="datetime1">
               <a:rPr lang="en-GB" smtClean="0"/>
               <a:t>06/05/2021</a:t>
             </a:fld>
@@ -6954,7 +10674,7 @@
           <a:p>
             <a:r>
               <a:rPr lang="en-GB"/>
-              <a:t>Simulating Liqyuid Crystals</a:t>
+              <a:t>Simulating Liquid Crystals</a:t>
             </a:r>
           </a:p>
         </p:txBody>
@@ -7095,7 +10815,7 @@
             </a:pPr>
             <a:r>
               <a:rPr lang="en-GB" sz="2400" i="1" dirty="0"/>
-              <a:t>LAMMPS Software</a:t>
+              <a:t>Nunchuck Molecules</a:t>
             </a:r>
           </a:p>
           <a:p>
@@ -7104,9 +10824,10 @@
               <a:buChar char="•"/>
             </a:pPr>
             <a:r>
-              <a:rPr lang="en-GB" sz="2400" i="1" dirty="0"/>
-              <a:t>Nunchuck Molecules</a:t>
-            </a:r>
+              <a:rPr lang="en-GB" i="1" dirty="0"/>
+              <a:t>Simulation Structure</a:t>
+            </a:r>
+            <a:endParaRPr lang="en-GB" sz="2400" i="1" dirty="0"/>
           </a:p>
           <a:p>
             <a:pPr>
@@ -7164,7 +10885,7 @@
           <a:bodyPr/>
           <a:lstStyle/>
           <a:p>
-            <a:fld id="{339720CA-7F93-46E4-BD55-7C05EDF0D99C}" type="datetime1">
+            <a:fld id="{7D1F2578-8249-489E-B0F0-869A1471332D}" type="datetime1">
               <a:rPr lang="en-GB" smtClean="0"/>
               <a:t>06/05/2021</a:t>
             </a:fld>
@@ -7195,7 +10916,7 @@
           <a:p>
             <a:r>
               <a:rPr lang="en-GB"/>
-              <a:t>Simulating Liqyuid Crystals</a:t>
+              <a:t>Simulating Liquid Crystals</a:t>
             </a:r>
           </a:p>
         </p:txBody>
@@ -7264,7 +10985,7 @@
           <p:cNvPr id="2" name="Title 1">
             <a:extLst>
               <a:ext uri="{FF2B5EF4-FFF2-40B4-BE49-F238E27FC236}">
-                <a16:creationId xmlns:a16="http://schemas.microsoft.com/office/drawing/2014/main" id="{8942B4A0-F150-405A-9068-8F7612F09AE0}"/>
+                <a16:creationId xmlns:a16="http://schemas.microsoft.com/office/drawing/2014/main" id="{B13746A6-189B-41A7-A63B-1815757C5ABD}"/>
               </a:ext>
             </a:extLst>
           </p:cNvPr>
@@ -7282,17 +11003,17 @@
           <a:p>
             <a:r>
               <a:rPr lang="en-GB" dirty="0"/>
-              <a:t>Rigid Rod Simulations</a:t>
-            </a:r>
-          </a:p>
-        </p:txBody>
-      </p:sp>
-      <p:sp>
-        <p:nvSpPr>
-          <p:cNvPr id="3" name="Content Placeholder 2">
+              <a:t>Nunchuck Molecules</a:t>
+            </a:r>
+          </a:p>
+        </p:txBody>
+      </p:sp>
+      <p:sp>
+        <p:nvSpPr>
+          <p:cNvPr id="4" name="Date Placeholder 3">
             <a:extLst>
               <a:ext uri="{FF2B5EF4-FFF2-40B4-BE49-F238E27FC236}">
-                <a16:creationId xmlns:a16="http://schemas.microsoft.com/office/drawing/2014/main" id="{AC53D448-2676-4126-B047-DB0C6E8D4412}"/>
+                <a16:creationId xmlns:a16="http://schemas.microsoft.com/office/drawing/2014/main" id="{52519C44-678C-400D-A9E8-B81624A460EA}"/>
               </a:ext>
             </a:extLst>
           </p:cNvPr>
@@ -7300,111 +11021,6 @@
             <a:spLocks noGrp="1"/>
           </p:cNvSpPr>
           <p:nvPr>
-            <p:ph idx="1"/>
-          </p:nvPr>
-        </p:nvSpPr>
-        <p:spPr/>
-        <p:txBody>
-          <a:bodyPr>
-            <a:normAutofit/>
-          </a:bodyPr>
-          <a:lstStyle/>
-          <a:p>
-            <a:pPr>
-              <a:buFont typeface="Arial" panose="020B0604020202020204" pitchFamily="34" charset="0"/>
-              <a:buChar char="•"/>
-            </a:pPr>
-            <a:r>
-              <a:rPr lang="en-GB" sz="2800" dirty="0"/>
-              <a:t> Introduction</a:t>
-            </a:r>
-          </a:p>
-          <a:p>
-            <a:pPr>
-              <a:buFont typeface="Arial" panose="020B0604020202020204" pitchFamily="34" charset="0"/>
-              <a:buChar char="•"/>
-            </a:pPr>
-            <a:r>
-              <a:rPr lang="en-GB" sz="2800" b="1" dirty="0"/>
-              <a:t> </a:t>
-            </a:r>
-            <a:r>
-              <a:rPr lang="en-GB" sz="2800" dirty="0"/>
-              <a:t>Methods</a:t>
-            </a:r>
-          </a:p>
-          <a:p>
-            <a:pPr>
-              <a:buFont typeface="Arial" panose="020B0604020202020204" pitchFamily="34" charset="0"/>
-              <a:buChar char="•"/>
-            </a:pPr>
-            <a:r>
-              <a:rPr lang="en-GB" sz="2800" dirty="0"/>
-              <a:t> </a:t>
-            </a:r>
-            <a:r>
-              <a:rPr lang="en-GB" sz="2800" b="1" dirty="0"/>
-              <a:t>Rigid Rod Simulations</a:t>
-            </a:r>
-          </a:p>
-          <a:p>
-            <a:pPr lvl="1">
-              <a:buFont typeface="Arial" panose="020B0604020202020204" pitchFamily="34" charset="0"/>
-              <a:buChar char="•"/>
-            </a:pPr>
-            <a:r>
-              <a:rPr lang="en-GB" sz="2400" i="1" dirty="0"/>
-              <a:t>Nematic Transition</a:t>
-            </a:r>
-          </a:p>
-          <a:p>
-            <a:pPr lvl="1">
-              <a:buFont typeface="Arial" panose="020B0604020202020204" pitchFamily="34" charset="0"/>
-              <a:buChar char="•"/>
-            </a:pPr>
-            <a:r>
-              <a:rPr lang="en-GB" sz="2400" i="1" dirty="0"/>
-              <a:t>Smectic Transition</a:t>
-            </a:r>
-          </a:p>
-          <a:p>
-            <a:pPr>
-              <a:buFont typeface="Arial" panose="020B0604020202020204" pitchFamily="34" charset="0"/>
-              <a:buChar char="•"/>
-            </a:pPr>
-            <a:r>
-              <a:rPr lang="en-GB" sz="2800" dirty="0"/>
-              <a:t> Nunchuck Simulations </a:t>
-            </a:r>
-          </a:p>
-          <a:p>
-            <a:pPr>
-              <a:buFont typeface="Arial" panose="020B0604020202020204" pitchFamily="34" charset="0"/>
-              <a:buChar char="•"/>
-            </a:pPr>
-            <a:r>
-              <a:rPr lang="en-GB" sz="2800" dirty="0"/>
-              <a:t> Conclusions</a:t>
-            </a:r>
-          </a:p>
-          <a:p>
-            <a:endParaRPr lang="en-GB" dirty="0"/>
-          </a:p>
-        </p:txBody>
-      </p:sp>
-      <p:sp>
-        <p:nvSpPr>
-          <p:cNvPr id="7" name="Date Placeholder 6">
-            <a:extLst>
-              <a:ext uri="{FF2B5EF4-FFF2-40B4-BE49-F238E27FC236}">
-                <a16:creationId xmlns:a16="http://schemas.microsoft.com/office/drawing/2014/main" id="{C3EC29A1-3F1F-4672-BD61-9D8F6A796CD5}"/>
-              </a:ext>
-            </a:extLst>
-          </p:cNvPr>
-          <p:cNvSpPr>
-            <a:spLocks noGrp="1"/>
-          </p:cNvSpPr>
-          <p:nvPr>
             <p:ph type="dt" sz="half" idx="10"/>
           </p:nvPr>
         </p:nvSpPr>
@@ -7413,7 +11029,7 @@
           <a:bodyPr/>
           <a:lstStyle/>
           <a:p>
-            <a:fld id="{5ED3C242-668A-4C09-B0F2-37AF4FC7BCE8}" type="datetime1">
+            <a:fld id="{C412EB05-928E-46F4-97FC-807AB687ECA7}" type="datetime1">
               <a:rPr lang="en-GB" smtClean="0"/>
               <a:t>06/05/2021</a:t>
             </a:fld>
@@ -7423,10 +11039,10 @@
       </p:sp>
       <p:sp>
         <p:nvSpPr>
-          <p:cNvPr id="8" name="Footer Placeholder 7">
+          <p:cNvPr id="5" name="Footer Placeholder 4">
             <a:extLst>
               <a:ext uri="{FF2B5EF4-FFF2-40B4-BE49-F238E27FC236}">
-                <a16:creationId xmlns:a16="http://schemas.microsoft.com/office/drawing/2014/main" id="{53B70617-410A-4AB2-8AD5-DDE0CED9C1F5}"/>
+                <a16:creationId xmlns:a16="http://schemas.microsoft.com/office/drawing/2014/main" id="{6B0AE2BD-57F7-4C81-8BEF-918CF4E5DBC2}"/>
               </a:ext>
             </a:extLst>
           </p:cNvPr>
@@ -7444,17 +11060,17 @@
           <a:p>
             <a:r>
               <a:rPr lang="en-GB"/>
-              <a:t>Simulating Liqyuid Crystals</a:t>
-            </a:r>
-          </a:p>
-        </p:txBody>
-      </p:sp>
-      <p:sp>
-        <p:nvSpPr>
-          <p:cNvPr id="9" name="Slide Number Placeholder 8">
+              <a:t>Simulating Liquid Crystals</a:t>
+            </a:r>
+          </a:p>
+        </p:txBody>
+      </p:sp>
+      <p:sp>
+        <p:nvSpPr>
+          <p:cNvPr id="6" name="Slide Number Placeholder 5">
             <a:extLst>
               <a:ext uri="{FF2B5EF4-FFF2-40B4-BE49-F238E27FC236}">
-                <a16:creationId xmlns:a16="http://schemas.microsoft.com/office/drawing/2014/main" id="{837BB13C-55C4-4CAF-96F7-29F3B0A46D5D}"/>
+                <a16:creationId xmlns:a16="http://schemas.microsoft.com/office/drawing/2014/main" id="{8420581B-483A-4963-9EFE-B5815E5863B6}"/>
               </a:ext>
             </a:extLst>
           </p:cNvPr>
@@ -7478,10 +11094,271 @@
           </a:p>
         </p:txBody>
       </p:sp>
+      <p:pic>
+        <p:nvPicPr>
+          <p:cNvPr id="10" name="Picture 9" descr="Diagram&#10;&#10;Description automatically generated">
+            <a:extLst>
+              <a:ext uri="{FF2B5EF4-FFF2-40B4-BE49-F238E27FC236}">
+                <a16:creationId xmlns:a16="http://schemas.microsoft.com/office/drawing/2014/main" id="{2A42547D-57F4-4B0D-8237-0CD33DE2D159}"/>
+              </a:ext>
+            </a:extLst>
+          </p:cNvPr>
+          <p:cNvPicPr>
+            <a:picLocks noChangeAspect="1"/>
+          </p:cNvPicPr>
+          <p:nvPr/>
+        </p:nvPicPr>
+        <p:blipFill>
+          <a:blip r:embed="rId2">
+            <a:extLst>
+              <a:ext uri="{28A0092B-C50C-407E-A947-70E740481C1C}">
+                <a14:useLocalDpi xmlns:a14="http://schemas.microsoft.com/office/drawing/2010/main" val="0"/>
+              </a:ext>
+            </a:extLst>
+          </a:blip>
+          <a:stretch>
+            <a:fillRect/>
+          </a:stretch>
+        </p:blipFill>
+        <p:spPr>
+          <a:xfrm>
+            <a:off x="365180" y="1820740"/>
+            <a:ext cx="4590788" cy="4193583"/>
+          </a:xfrm>
+          <a:prstGeom prst="rect">
+            <a:avLst/>
+          </a:prstGeom>
+        </p:spPr>
+      </p:pic>
+      <p:grpSp>
+        <p:nvGrpSpPr>
+          <p:cNvPr id="19" name="Group 18">
+            <a:extLst>
+              <a:ext uri="{FF2B5EF4-FFF2-40B4-BE49-F238E27FC236}">
+                <a16:creationId xmlns:a16="http://schemas.microsoft.com/office/drawing/2014/main" id="{98ACD55F-9207-48DA-A5D9-9661ABEDF04B}"/>
+              </a:ext>
+            </a:extLst>
+          </p:cNvPr>
+          <p:cNvGrpSpPr/>
+          <p:nvPr/>
+        </p:nvGrpSpPr>
+        <p:grpSpPr>
+          <a:xfrm>
+            <a:off x="7683427" y="1737360"/>
+            <a:ext cx="4434062" cy="3390153"/>
+            <a:chOff x="6172724" y="1011981"/>
+            <a:chExt cx="5647559" cy="4606467"/>
+          </a:xfrm>
+        </p:grpSpPr>
+        <p:pic>
+          <p:nvPicPr>
+            <p:cNvPr id="8" name="Picture 7">
+              <a:extLst>
+                <a:ext uri="{FF2B5EF4-FFF2-40B4-BE49-F238E27FC236}">
+                  <a16:creationId xmlns:a16="http://schemas.microsoft.com/office/drawing/2014/main" id="{CB4641EC-9671-40AC-B8BF-F8CB4AB0531B}"/>
+                </a:ext>
+              </a:extLst>
+            </p:cNvPr>
+            <p:cNvPicPr>
+              <a:picLocks noChangeAspect="1"/>
+            </p:cNvPicPr>
+            <p:nvPr/>
+          </p:nvPicPr>
+          <p:blipFill>
+            <a:blip r:embed="rId3">
+              <a:extLst>
+                <a:ext uri="{28A0092B-C50C-407E-A947-70E740481C1C}">
+                  <a14:useLocalDpi xmlns:a14="http://schemas.microsoft.com/office/drawing/2010/main" val="0"/>
+                </a:ext>
+              </a:extLst>
+            </a:blip>
+            <a:stretch>
+              <a:fillRect/>
+            </a:stretch>
+          </p:blipFill>
+          <p:spPr>
+            <a:xfrm>
+              <a:off x="6172724" y="1011981"/>
+              <a:ext cx="5647559" cy="4606467"/>
+            </a:xfrm>
+            <a:prstGeom prst="rect">
+              <a:avLst/>
+            </a:prstGeom>
+          </p:spPr>
+        </p:pic>
+        <p:sp>
+          <p:nvSpPr>
+            <p:cNvPr id="17" name="Arc 16">
+              <a:extLst>
+                <a:ext uri="{FF2B5EF4-FFF2-40B4-BE49-F238E27FC236}">
+                  <a16:creationId xmlns:a16="http://schemas.microsoft.com/office/drawing/2014/main" id="{369F1CF5-DD10-40ED-AE4F-9449BE606A81}"/>
+                </a:ext>
+              </a:extLst>
+            </p:cNvPr>
+            <p:cNvSpPr/>
+            <p:nvPr/>
+          </p:nvSpPr>
+          <p:spPr>
+            <a:xfrm>
+              <a:off x="9060396" y="1364498"/>
+              <a:ext cx="1512909" cy="1450756"/>
+            </a:xfrm>
+            <a:prstGeom prst="arc">
+              <a:avLst>
+                <a:gd name="adj1" fmla="val 5159558"/>
+                <a:gd name="adj2" fmla="val 10290965"/>
+              </a:avLst>
+            </a:prstGeom>
+            <a:ln w="38100">
+              <a:solidFill>
+                <a:srgbClr val="1129DB"/>
+              </a:solidFill>
+            </a:ln>
+          </p:spPr>
+          <p:style>
+            <a:lnRef idx="1">
+              <a:schemeClr val="accent2"/>
+            </a:lnRef>
+            <a:fillRef idx="0">
+              <a:schemeClr val="accent2"/>
+            </a:fillRef>
+            <a:effectRef idx="0">
+              <a:schemeClr val="accent2"/>
+            </a:effectRef>
+            <a:fontRef idx="minor">
+              <a:schemeClr val="tx1"/>
+            </a:fontRef>
+          </p:style>
+          <p:txBody>
+            <a:bodyPr rtlCol="0" anchor="ctr"/>
+            <a:lstStyle/>
+            <a:p>
+              <a:pPr algn="ctr"/>
+              <a:endParaRPr lang="en-GB"/>
+            </a:p>
+          </p:txBody>
+        </p:sp>
+        <p:sp>
+          <p:nvSpPr>
+            <p:cNvPr id="18" name="TextBox 17">
+              <a:extLst>
+                <a:ext uri="{FF2B5EF4-FFF2-40B4-BE49-F238E27FC236}">
+                  <a16:creationId xmlns:a16="http://schemas.microsoft.com/office/drawing/2014/main" id="{D3F107AD-9694-498A-A8E3-0518386FFED9}"/>
+                </a:ext>
+              </a:extLst>
+            </p:cNvPr>
+            <p:cNvSpPr txBox="1"/>
+            <p:nvPr/>
+          </p:nvSpPr>
+          <p:spPr>
+            <a:xfrm>
+              <a:off x="8966446" y="2559725"/>
+              <a:ext cx="443883" cy="646331"/>
+            </a:xfrm>
+            <a:prstGeom prst="rect">
+              <a:avLst/>
+            </a:prstGeom>
+            <a:noFill/>
+          </p:spPr>
+          <p:txBody>
+            <a:bodyPr wrap="square" rtlCol="0">
+              <a:spAutoFit/>
+            </a:bodyPr>
+            <a:lstStyle/>
+            <a:p>
+              <a:r>
+                <a:rPr lang="el-GR" sz="3600" dirty="0">
+                  <a:solidFill>
+                    <a:srgbClr val="1129DB"/>
+                  </a:solidFill>
+                  <a:latin typeface="Calibri" panose="020F0502020204030204" pitchFamily="34" charset="0"/>
+                  <a:cs typeface="Calibri" panose="020F0502020204030204" pitchFamily="34" charset="0"/>
+                </a:rPr>
+                <a:t>θ</a:t>
+              </a:r>
+              <a:endParaRPr lang="en-GB" sz="3600" dirty="0">
+                <a:solidFill>
+                  <a:srgbClr val="1129DB"/>
+                </a:solidFill>
+              </a:endParaRPr>
+            </a:p>
+          </p:txBody>
+        </p:sp>
+      </p:grpSp>
+      <p:sp>
+        <p:nvSpPr>
+          <p:cNvPr id="20" name="TextBox 19">
+            <a:extLst>
+              <a:ext uri="{FF2B5EF4-FFF2-40B4-BE49-F238E27FC236}">
+                <a16:creationId xmlns:a16="http://schemas.microsoft.com/office/drawing/2014/main" id="{890639FD-7404-4149-94A9-7B24BCD3D00B}"/>
+              </a:ext>
+            </a:extLst>
+          </p:cNvPr>
+          <p:cNvSpPr txBox="1"/>
+          <p:nvPr/>
+        </p:nvSpPr>
+        <p:spPr>
+          <a:xfrm>
+            <a:off x="4735681" y="5209392"/>
+            <a:ext cx="4705165" cy="923330"/>
+          </a:xfrm>
+          <a:prstGeom prst="rect">
+            <a:avLst/>
+          </a:prstGeom>
+          <a:noFill/>
+        </p:spPr>
+        <p:txBody>
+          <a:bodyPr wrap="square" rtlCol="0">
+            <a:spAutoFit/>
+          </a:bodyPr>
+          <a:lstStyle/>
+          <a:p>
+            <a:r>
+              <a:rPr lang="en-GB" i="1" dirty="0"/>
+              <a:t>Figure 3 (left): Depiction of the analogy between the DNA mesogen and the nunchucks. Figure created by Jiaming Yu (Eiser Group, Cambridge). </a:t>
+            </a:r>
+          </a:p>
+        </p:txBody>
+      </p:sp>
+      <p:sp>
+        <p:nvSpPr>
+          <p:cNvPr id="22" name="TextBox 21">
+            <a:extLst>
+              <a:ext uri="{FF2B5EF4-FFF2-40B4-BE49-F238E27FC236}">
+                <a16:creationId xmlns:a16="http://schemas.microsoft.com/office/drawing/2014/main" id="{FF3337E0-99C4-4EEA-9A9D-94ED360FEEB6}"/>
+              </a:ext>
+            </a:extLst>
+          </p:cNvPr>
+          <p:cNvSpPr txBox="1"/>
+          <p:nvPr/>
+        </p:nvSpPr>
+        <p:spPr>
+          <a:xfrm>
+            <a:off x="7201379" y="2829869"/>
+            <a:ext cx="2849732" cy="1477328"/>
+          </a:xfrm>
+          <a:prstGeom prst="rect">
+            <a:avLst/>
+          </a:prstGeom>
+          <a:noFill/>
+        </p:spPr>
+        <p:txBody>
+          <a:bodyPr wrap="square" rtlCol="0">
+            <a:spAutoFit/>
+          </a:bodyPr>
+          <a:lstStyle/>
+          <a:p>
+            <a:r>
+              <a:rPr lang="en-GB" i="1" dirty="0"/>
+              <a:t>Figure 4 (right): The implementation within LAMMPS, with the central red sphere representing the ss-DNA</a:t>
+            </a:r>
+          </a:p>
+        </p:txBody>
+      </p:sp>
     </p:spTree>
     <p:extLst>
       <p:ext uri="{BB962C8B-B14F-4D97-AF65-F5344CB8AC3E}">
-        <p14:creationId xmlns:p14="http://schemas.microsoft.com/office/powerpoint/2010/main" val="2442228963"/>
+        <p14:creationId xmlns:p14="http://schemas.microsoft.com/office/powerpoint/2010/main" val="81472882"/>
       </p:ext>
     </p:extLst>
   </p:cSld>
@@ -7513,7 +11390,7 @@
           <p:cNvPr id="2" name="Title 1">
             <a:extLst>
               <a:ext uri="{FF2B5EF4-FFF2-40B4-BE49-F238E27FC236}">
-                <a16:creationId xmlns:a16="http://schemas.microsoft.com/office/drawing/2014/main" id="{8942B4A0-F150-405A-9068-8F7612F09AE0}"/>
+                <a16:creationId xmlns:a16="http://schemas.microsoft.com/office/drawing/2014/main" id="{25E66D3C-D225-4298-A02B-2E14B3740701}"/>
               </a:ext>
             </a:extLst>
           </p:cNvPr>
@@ -7530,19 +11407,472 @@
           <a:lstStyle/>
           <a:p>
             <a:r>
-              <a:rPr lang="en-GB" sz="4800" dirty="0"/>
-              <a:t>Nunchuck Simulations</a:t>
-            </a:r>
-            <a:endParaRPr lang="en-GB" dirty="0"/>
-          </a:p>
-        </p:txBody>
-      </p:sp>
-      <p:sp>
-        <p:nvSpPr>
-          <p:cNvPr id="3" name="Content Placeholder 2">
+              <a:rPr lang="en-GB" dirty="0"/>
+              <a:t>Simulation Structure</a:t>
+            </a:r>
+          </a:p>
+        </p:txBody>
+      </p:sp>
+      <mc:AlternateContent xmlns:mc="http://schemas.openxmlformats.org/markup-compatibility/2006">
+        <mc:Choice xmlns:a14="http://schemas.microsoft.com/office/drawing/2010/main" Requires="a14">
+          <p:sp>
+            <p:nvSpPr>
+              <p:cNvPr id="3" name="Content Placeholder 2">
+                <a:extLst>
+                  <a:ext uri="{FF2B5EF4-FFF2-40B4-BE49-F238E27FC236}">
+                    <a16:creationId xmlns:a16="http://schemas.microsoft.com/office/drawing/2014/main" id="{019A334D-9F8B-499D-A32C-2E951DCF66C3}"/>
+                  </a:ext>
+                </a:extLst>
+              </p:cNvPr>
+              <p:cNvSpPr>
+                <a:spLocks noGrp="1"/>
+              </p:cNvSpPr>
+              <p:nvPr>
+                <p:ph idx="1"/>
+              </p:nvPr>
+            </p:nvSpPr>
+            <p:spPr/>
+            <p:txBody>
+              <a:bodyPr>
+                <a:normAutofit fontScale="92500" lnSpcReduction="20000"/>
+              </a:bodyPr>
+              <a:lstStyle/>
+              <a:p>
+                <a:endParaRPr lang="en-GB" sz="3200" dirty="0"/>
+              </a:p>
+              <a:p>
+                <a:r>
+                  <a:rPr lang="en-GB" sz="3200" dirty="0"/>
+                  <a:t>LAMMPS Software </a:t>
+                </a:r>
+              </a:p>
+              <a:p>
+                <a:endParaRPr lang="en-GB" sz="3200" dirty="0"/>
+              </a:p>
+              <a:p>
+                <a:r>
+                  <a:rPr lang="en-GB" sz="3200" dirty="0"/>
+                  <a:t> Shifted, cut-off Lennard Jones intermolecular potential:</a:t>
+                </a:r>
+              </a:p>
+              <a:p>
+                <a:pPr lvl="1"/>
+                <a14:m>
+                  <m:oMath xmlns:m="http://schemas.openxmlformats.org/officeDocument/2006/math">
+                    <m:sSub>
+                      <m:sSubPr>
+                        <m:ctrlPr>
+                          <a:rPr lang="en-GB" sz="2800" i="1" smtClean="0">
+                            <a:latin typeface="Cambria Math" panose="02040503050406030204" pitchFamily="18" charset="0"/>
+                          </a:rPr>
+                        </m:ctrlPr>
+                      </m:sSubPr>
+                      <m:e>
+                        <m:r>
+                          <a:rPr lang="en-GB" sz="2800" b="0" i="1" smtClean="0">
+                            <a:latin typeface="Cambria Math" panose="02040503050406030204" pitchFamily="18" charset="0"/>
+                          </a:rPr>
+                          <m:t>𝑈</m:t>
+                        </m:r>
+                      </m:e>
+                      <m:sub>
+                        <m:r>
+                          <a:rPr lang="en-GB" sz="2800" b="0" i="1" smtClean="0">
+                            <a:latin typeface="Cambria Math" panose="02040503050406030204" pitchFamily="18" charset="0"/>
+                          </a:rPr>
+                          <m:t>𝑖𝑗</m:t>
+                        </m:r>
+                      </m:sub>
+                    </m:sSub>
+                    <m:r>
+                      <a:rPr lang="en-GB" sz="2800" b="0" i="1" smtClean="0">
+                        <a:latin typeface="Cambria Math" panose="02040503050406030204" pitchFamily="18" charset="0"/>
+                      </a:rPr>
+                      <m:t>=4</m:t>
+                    </m:r>
+                    <m:r>
+                      <a:rPr lang="en-GB" sz="2800" b="0" i="1" smtClean="0">
+                        <a:latin typeface="Cambria Math" panose="02040503050406030204" pitchFamily="18" charset="0"/>
+                        <a:ea typeface="Cambria Math" panose="02040503050406030204" pitchFamily="18" charset="0"/>
+                      </a:rPr>
+                      <m:t>𝜖</m:t>
+                    </m:r>
+                    <m:d>
+                      <m:dPr>
+                        <m:begChr m:val="["/>
+                        <m:endChr m:val="]"/>
+                        <m:ctrlPr>
+                          <a:rPr lang="en-GB" sz="2800" b="0" i="1" smtClean="0">
+                            <a:latin typeface="Cambria Math" panose="02040503050406030204" pitchFamily="18" charset="0"/>
+                            <a:ea typeface="Cambria Math" panose="02040503050406030204" pitchFamily="18" charset="0"/>
+                          </a:rPr>
+                        </m:ctrlPr>
+                      </m:dPr>
+                      <m:e>
+                        <m:sSup>
+                          <m:sSupPr>
+                            <m:ctrlPr>
+                              <a:rPr lang="en-GB" sz="2800" b="0" i="1" smtClean="0">
+                                <a:latin typeface="Cambria Math" panose="02040503050406030204" pitchFamily="18" charset="0"/>
+                                <a:ea typeface="Cambria Math" panose="02040503050406030204" pitchFamily="18" charset="0"/>
+                              </a:rPr>
+                            </m:ctrlPr>
+                          </m:sSupPr>
+                          <m:e>
+                            <m:d>
+                              <m:dPr>
+                                <m:ctrlPr>
+                                  <a:rPr lang="en-GB" sz="2800" b="0" i="1" smtClean="0">
+                                    <a:latin typeface="Cambria Math" panose="02040503050406030204" pitchFamily="18" charset="0"/>
+                                    <a:ea typeface="Cambria Math" panose="02040503050406030204" pitchFamily="18" charset="0"/>
+                                  </a:rPr>
+                                </m:ctrlPr>
+                              </m:dPr>
+                              <m:e>
+                                <m:f>
+                                  <m:fPr>
+                                    <m:ctrlPr>
+                                      <a:rPr lang="en-GB" sz="2800" b="0" i="1" smtClean="0">
+                                        <a:latin typeface="Cambria Math" panose="02040503050406030204" pitchFamily="18" charset="0"/>
+                                        <a:ea typeface="Cambria Math" panose="02040503050406030204" pitchFamily="18" charset="0"/>
+                                      </a:rPr>
+                                    </m:ctrlPr>
+                                  </m:fPr>
+                                  <m:num>
+                                    <m:r>
+                                      <a:rPr lang="en-GB" sz="2800" b="0" i="1" smtClean="0">
+                                        <a:latin typeface="Cambria Math" panose="02040503050406030204" pitchFamily="18" charset="0"/>
+                                        <a:ea typeface="Cambria Math" panose="02040503050406030204" pitchFamily="18" charset="0"/>
+                                      </a:rPr>
+                                      <m:t>𝜎</m:t>
+                                    </m:r>
+                                  </m:num>
+                                  <m:den>
+                                    <m:sSub>
+                                      <m:sSubPr>
+                                        <m:ctrlPr>
+                                          <a:rPr lang="en-GB" sz="2800" b="0" i="1" smtClean="0">
+                                            <a:latin typeface="Cambria Math" panose="02040503050406030204" pitchFamily="18" charset="0"/>
+                                            <a:ea typeface="Cambria Math" panose="02040503050406030204" pitchFamily="18" charset="0"/>
+                                          </a:rPr>
+                                        </m:ctrlPr>
+                                      </m:sSubPr>
+                                      <m:e>
+                                        <m:r>
+                                          <a:rPr lang="en-GB" sz="2800" b="0" i="1" smtClean="0">
+                                            <a:latin typeface="Cambria Math" panose="02040503050406030204" pitchFamily="18" charset="0"/>
+                                            <a:ea typeface="Cambria Math" panose="02040503050406030204" pitchFamily="18" charset="0"/>
+                                          </a:rPr>
+                                          <m:t>𝑟</m:t>
+                                        </m:r>
+                                      </m:e>
+                                      <m:sub>
+                                        <m:r>
+                                          <a:rPr lang="en-GB" sz="2800" b="0" i="1" smtClean="0">
+                                            <a:latin typeface="Cambria Math" panose="02040503050406030204" pitchFamily="18" charset="0"/>
+                                            <a:ea typeface="Cambria Math" panose="02040503050406030204" pitchFamily="18" charset="0"/>
+                                          </a:rPr>
+                                          <m:t>𝑖𝑗</m:t>
+                                        </m:r>
+                                      </m:sub>
+                                    </m:sSub>
+                                  </m:den>
+                                </m:f>
+                              </m:e>
+                            </m:d>
+                          </m:e>
+                          <m:sup>
+                            <m:r>
+                              <a:rPr lang="en-GB" sz="2800" b="0" i="1" smtClean="0">
+                                <a:latin typeface="Cambria Math" panose="02040503050406030204" pitchFamily="18" charset="0"/>
+                                <a:ea typeface="Cambria Math" panose="02040503050406030204" pitchFamily="18" charset="0"/>
+                              </a:rPr>
+                              <m:t>12</m:t>
+                            </m:r>
+                          </m:sup>
+                        </m:sSup>
+                        <m:r>
+                          <a:rPr lang="en-GB" sz="2800" b="0" i="1" smtClean="0">
+                            <a:latin typeface="Cambria Math" panose="02040503050406030204" pitchFamily="18" charset="0"/>
+                            <a:ea typeface="Cambria Math" panose="02040503050406030204" pitchFamily="18" charset="0"/>
+                          </a:rPr>
+                          <m:t>−</m:t>
+                        </m:r>
+                        <m:sSup>
+                          <m:sSupPr>
+                            <m:ctrlPr>
+                              <a:rPr lang="en-GB" sz="2800" i="1">
+                                <a:latin typeface="Cambria Math" panose="02040503050406030204" pitchFamily="18" charset="0"/>
+                                <a:ea typeface="Cambria Math" panose="02040503050406030204" pitchFamily="18" charset="0"/>
+                              </a:rPr>
+                            </m:ctrlPr>
+                          </m:sSupPr>
+                          <m:e>
+                            <m:d>
+                              <m:dPr>
+                                <m:ctrlPr>
+                                  <a:rPr lang="en-GB" sz="2800" i="1">
+                                    <a:latin typeface="Cambria Math" panose="02040503050406030204" pitchFamily="18" charset="0"/>
+                                    <a:ea typeface="Cambria Math" panose="02040503050406030204" pitchFamily="18" charset="0"/>
+                                  </a:rPr>
+                                </m:ctrlPr>
+                              </m:dPr>
+                              <m:e>
+                                <m:f>
+                                  <m:fPr>
+                                    <m:ctrlPr>
+                                      <a:rPr lang="en-GB" sz="2800" i="1">
+                                        <a:latin typeface="Cambria Math" panose="02040503050406030204" pitchFamily="18" charset="0"/>
+                                        <a:ea typeface="Cambria Math" panose="02040503050406030204" pitchFamily="18" charset="0"/>
+                                      </a:rPr>
+                                    </m:ctrlPr>
+                                  </m:fPr>
+                                  <m:num>
+                                    <m:r>
+                                      <a:rPr lang="en-GB" sz="2800" i="1">
+                                        <a:latin typeface="Cambria Math" panose="02040503050406030204" pitchFamily="18" charset="0"/>
+                                        <a:ea typeface="Cambria Math" panose="02040503050406030204" pitchFamily="18" charset="0"/>
+                                      </a:rPr>
+                                      <m:t>𝜎</m:t>
+                                    </m:r>
+                                  </m:num>
+                                  <m:den>
+                                    <m:sSub>
+                                      <m:sSubPr>
+                                        <m:ctrlPr>
+                                          <a:rPr lang="en-GB" sz="2800" i="1">
+                                            <a:latin typeface="Cambria Math" panose="02040503050406030204" pitchFamily="18" charset="0"/>
+                                            <a:ea typeface="Cambria Math" panose="02040503050406030204" pitchFamily="18" charset="0"/>
+                                          </a:rPr>
+                                        </m:ctrlPr>
+                                      </m:sSubPr>
+                                      <m:e>
+                                        <m:r>
+                                          <a:rPr lang="en-GB" sz="2800" i="1">
+                                            <a:latin typeface="Cambria Math" panose="02040503050406030204" pitchFamily="18" charset="0"/>
+                                            <a:ea typeface="Cambria Math" panose="02040503050406030204" pitchFamily="18" charset="0"/>
+                                          </a:rPr>
+                                          <m:t>𝑟</m:t>
+                                        </m:r>
+                                      </m:e>
+                                      <m:sub>
+                                        <m:r>
+                                          <a:rPr lang="en-GB" sz="2800" i="1">
+                                            <a:latin typeface="Cambria Math" panose="02040503050406030204" pitchFamily="18" charset="0"/>
+                                            <a:ea typeface="Cambria Math" panose="02040503050406030204" pitchFamily="18" charset="0"/>
+                                          </a:rPr>
+                                          <m:t>𝑖𝑗</m:t>
+                                        </m:r>
+                                      </m:sub>
+                                    </m:sSub>
+                                  </m:den>
+                                </m:f>
+                              </m:e>
+                            </m:d>
+                          </m:e>
+                          <m:sup>
+                            <m:r>
+                              <a:rPr lang="en-GB" sz="2800" b="0" i="1" smtClean="0">
+                                <a:latin typeface="Cambria Math" panose="02040503050406030204" pitchFamily="18" charset="0"/>
+                                <a:ea typeface="Cambria Math" panose="02040503050406030204" pitchFamily="18" charset="0"/>
+                              </a:rPr>
+                              <m:t>6</m:t>
+                            </m:r>
+                          </m:sup>
+                        </m:sSup>
+                      </m:e>
+                    </m:d>
+                    <m:r>
+                      <a:rPr lang="en-GB" sz="2800" b="0" i="1" smtClean="0">
+                        <a:latin typeface="Cambria Math" panose="02040503050406030204" pitchFamily="18" charset="0"/>
+                        <a:ea typeface="Cambria Math" panose="02040503050406030204" pitchFamily="18" charset="0"/>
+                      </a:rPr>
+                      <m:t>+ </m:t>
+                    </m:r>
+                    <m:r>
+                      <a:rPr lang="en-GB" sz="2800" b="0" i="1" smtClean="0">
+                        <a:latin typeface="Cambria Math" panose="02040503050406030204" pitchFamily="18" charset="0"/>
+                        <a:ea typeface="Cambria Math" panose="02040503050406030204" pitchFamily="18" charset="0"/>
+                      </a:rPr>
+                      <m:t>𝜖</m:t>
+                    </m:r>
+                    <m:r>
+                      <a:rPr lang="en-GB" sz="2800" b="0" i="1" smtClean="0">
+                        <a:latin typeface="Cambria Math" panose="02040503050406030204" pitchFamily="18" charset="0"/>
+                        <a:ea typeface="Cambria Math" panose="02040503050406030204" pitchFamily="18" charset="0"/>
+                      </a:rPr>
+                      <m:t>,       </m:t>
+                    </m:r>
+                    <m:sSub>
+                      <m:sSubPr>
+                        <m:ctrlPr>
+                          <a:rPr lang="en-GB" sz="2800" b="0" i="1" smtClean="0">
+                            <a:latin typeface="Cambria Math" panose="02040503050406030204" pitchFamily="18" charset="0"/>
+                            <a:ea typeface="Cambria Math" panose="02040503050406030204" pitchFamily="18" charset="0"/>
+                          </a:rPr>
+                        </m:ctrlPr>
+                      </m:sSubPr>
+                      <m:e>
+                        <m:r>
+                          <a:rPr lang="en-GB" sz="2800" b="0" i="1" smtClean="0">
+                            <a:latin typeface="Cambria Math" panose="02040503050406030204" pitchFamily="18" charset="0"/>
+                            <a:ea typeface="Cambria Math" panose="02040503050406030204" pitchFamily="18" charset="0"/>
+                          </a:rPr>
+                          <m:t>𝑟</m:t>
+                        </m:r>
+                      </m:e>
+                      <m:sub>
+                        <m:r>
+                          <a:rPr lang="en-GB" sz="2800" b="0" i="1" smtClean="0">
+                            <a:latin typeface="Cambria Math" panose="02040503050406030204" pitchFamily="18" charset="0"/>
+                            <a:ea typeface="Cambria Math" panose="02040503050406030204" pitchFamily="18" charset="0"/>
+                          </a:rPr>
+                          <m:t>𝑖𝑗</m:t>
+                        </m:r>
+                      </m:sub>
+                    </m:sSub>
+                    <m:r>
+                      <a:rPr lang="en-GB" sz="2800" b="0" i="1" smtClean="0">
+                        <a:latin typeface="Cambria Math" panose="02040503050406030204" pitchFamily="18" charset="0"/>
+                        <a:ea typeface="Cambria Math" panose="02040503050406030204" pitchFamily="18" charset="0"/>
+                      </a:rPr>
+                      <m:t> &lt;</m:t>
+                    </m:r>
+                    <m:sSub>
+                      <m:sSubPr>
+                        <m:ctrlPr>
+                          <a:rPr lang="en-GB" sz="2800" b="0" i="1" smtClean="0">
+                            <a:latin typeface="Cambria Math" panose="02040503050406030204" pitchFamily="18" charset="0"/>
+                            <a:ea typeface="Cambria Math" panose="02040503050406030204" pitchFamily="18" charset="0"/>
+                          </a:rPr>
+                        </m:ctrlPr>
+                      </m:sSubPr>
+                      <m:e>
+                        <m:r>
+                          <a:rPr lang="en-GB" sz="2800" b="0" i="1" smtClean="0">
+                            <a:latin typeface="Cambria Math" panose="02040503050406030204" pitchFamily="18" charset="0"/>
+                            <a:ea typeface="Cambria Math" panose="02040503050406030204" pitchFamily="18" charset="0"/>
+                          </a:rPr>
+                          <m:t>𝑟</m:t>
+                        </m:r>
+                      </m:e>
+                      <m:sub>
+                        <m:r>
+                          <a:rPr lang="en-GB" sz="2800" b="0" i="1" smtClean="0">
+                            <a:latin typeface="Cambria Math" panose="02040503050406030204" pitchFamily="18" charset="0"/>
+                            <a:ea typeface="Cambria Math" panose="02040503050406030204" pitchFamily="18" charset="0"/>
+                          </a:rPr>
+                          <m:t>𝑐</m:t>
+                        </m:r>
+                      </m:sub>
+                    </m:sSub>
+                    <m:r>
+                      <a:rPr lang="en-GB" sz="2800" b="0" i="1" smtClean="0">
+                        <a:latin typeface="Cambria Math" panose="02040503050406030204" pitchFamily="18" charset="0"/>
+                        <a:ea typeface="Cambria Math" panose="02040503050406030204" pitchFamily="18" charset="0"/>
+                      </a:rPr>
+                      <m:t>= </m:t>
+                    </m:r>
+                    <m:rad>
+                      <m:radPr>
+                        <m:ctrlPr>
+                          <a:rPr lang="en-GB" sz="2800" b="0" i="1" smtClean="0">
+                            <a:latin typeface="Cambria Math" panose="02040503050406030204" pitchFamily="18" charset="0"/>
+                            <a:ea typeface="Cambria Math" panose="02040503050406030204" pitchFamily="18" charset="0"/>
+                          </a:rPr>
+                        </m:ctrlPr>
+                      </m:radPr>
+                      <m:deg>
+                        <m:r>
+                          <m:rPr>
+                            <m:brk m:alnAt="7"/>
+                          </m:rPr>
+                          <a:rPr lang="en-GB" sz="2800" b="0" i="1" smtClean="0">
+                            <a:latin typeface="Cambria Math" panose="02040503050406030204" pitchFamily="18" charset="0"/>
+                            <a:ea typeface="Cambria Math" panose="02040503050406030204" pitchFamily="18" charset="0"/>
+                          </a:rPr>
+                          <m:t>6</m:t>
+                        </m:r>
+                      </m:deg>
+                      <m:e>
+                        <m:r>
+                          <a:rPr lang="en-GB" sz="2800" b="0" i="1" smtClean="0">
+                            <a:latin typeface="Cambria Math" panose="02040503050406030204" pitchFamily="18" charset="0"/>
+                            <a:ea typeface="Cambria Math" panose="02040503050406030204" pitchFamily="18" charset="0"/>
+                          </a:rPr>
+                          <m:t>2 </m:t>
+                        </m:r>
+                      </m:e>
+                    </m:rad>
+                    <m:r>
+                      <a:rPr lang="en-GB" sz="2800" b="0" i="1" smtClean="0">
+                        <a:latin typeface="Cambria Math" panose="02040503050406030204" pitchFamily="18" charset="0"/>
+                        <a:ea typeface="Cambria Math" panose="02040503050406030204" pitchFamily="18" charset="0"/>
+                      </a:rPr>
+                      <m:t>𝜎</m:t>
+                    </m:r>
+                  </m:oMath>
+                </a14:m>
+                <a:endParaRPr lang="en-GB" sz="3200" dirty="0"/>
+              </a:p>
+              <a:p>
+                <a:endParaRPr lang="en-GB" sz="3200" dirty="0"/>
+              </a:p>
+              <a:p>
+                <a:r>
+                  <a:rPr lang="en-GB" sz="3200" dirty="0"/>
+                  <a:t> Alternating stages of contraction and equilibration</a:t>
+                </a:r>
+              </a:p>
+            </p:txBody>
+          </p:sp>
+        </mc:Choice>
+        <mc:Fallback>
+          <p:sp>
+            <p:nvSpPr>
+              <p:cNvPr id="3" name="Content Placeholder 2">
+                <a:extLst>
+                  <a:ext uri="{FF2B5EF4-FFF2-40B4-BE49-F238E27FC236}">
+                    <a16:creationId xmlns:a16="http://schemas.microsoft.com/office/drawing/2014/main" id="{019A334D-9F8B-499D-A32C-2E951DCF66C3}"/>
+                  </a:ext>
+                </a:extLst>
+              </p:cNvPr>
+              <p:cNvSpPr>
+                <a:spLocks noGrp="1" noRot="1" noChangeAspect="1" noMove="1" noResize="1" noEditPoints="1" noAdjustHandles="1" noChangeArrowheads="1" noChangeShapeType="1" noTextEdit="1"/>
+              </p:cNvSpPr>
+              <p:nvPr>
+                <p:ph idx="1"/>
+              </p:nvPr>
+            </p:nvSpPr>
+            <p:spPr>
+              <a:blipFill>
+                <a:blip r:embed="rId2"/>
+                <a:stretch>
+                  <a:fillRect l="-2121"/>
+                </a:stretch>
+              </a:blipFill>
+            </p:spPr>
+            <p:txBody>
+              <a:bodyPr/>
+              <a:lstStyle/>
+              <a:p>
+                <a:r>
+                  <a:rPr lang="en-GB">
+                    <a:noFill/>
+                  </a:rPr>
+                  <a:t> </a:t>
+                </a:r>
+              </a:p>
+            </p:txBody>
+          </p:sp>
+        </mc:Fallback>
+      </mc:AlternateContent>
+      <p:sp>
+        <p:nvSpPr>
+          <p:cNvPr id="4" name="Date Placeholder 3">
             <a:extLst>
               <a:ext uri="{FF2B5EF4-FFF2-40B4-BE49-F238E27FC236}">
-                <a16:creationId xmlns:a16="http://schemas.microsoft.com/office/drawing/2014/main" id="{AC53D448-2676-4126-B047-DB0C6E8D4412}"/>
+                <a16:creationId xmlns:a16="http://schemas.microsoft.com/office/drawing/2014/main" id="{4EC8D591-070F-49D2-AD23-ACFA54912B2F}"/>
               </a:ext>
             </a:extLst>
           </p:cNvPr>
@@ -7550,121 +11880,6 @@
             <a:spLocks noGrp="1"/>
           </p:cNvSpPr>
           <p:nvPr>
-            <p:ph idx="1"/>
-          </p:nvPr>
-        </p:nvSpPr>
-        <p:spPr/>
-        <p:txBody>
-          <a:bodyPr>
-            <a:normAutofit/>
-          </a:bodyPr>
-          <a:lstStyle/>
-          <a:p>
-            <a:pPr>
-              <a:buFont typeface="Arial" panose="020B0604020202020204" pitchFamily="34" charset="0"/>
-              <a:buChar char="•"/>
-            </a:pPr>
-            <a:r>
-              <a:rPr lang="en-GB" sz="2800" dirty="0"/>
-              <a:t> Introduction</a:t>
-            </a:r>
-          </a:p>
-          <a:p>
-            <a:pPr>
-              <a:buFont typeface="Arial" panose="020B0604020202020204" pitchFamily="34" charset="0"/>
-              <a:buChar char="•"/>
-            </a:pPr>
-            <a:r>
-              <a:rPr lang="en-GB" sz="2800" b="1" dirty="0"/>
-              <a:t> </a:t>
-            </a:r>
-            <a:r>
-              <a:rPr lang="en-GB" sz="2800" dirty="0"/>
-              <a:t>Methods</a:t>
-            </a:r>
-          </a:p>
-          <a:p>
-            <a:pPr>
-              <a:buFont typeface="Arial" panose="020B0604020202020204" pitchFamily="34" charset="0"/>
-              <a:buChar char="•"/>
-            </a:pPr>
-            <a:r>
-              <a:rPr lang="en-GB" sz="2800" dirty="0"/>
-              <a:t> Rigid Rod Simulations</a:t>
-            </a:r>
-          </a:p>
-          <a:p>
-            <a:pPr>
-              <a:buFont typeface="Arial" panose="020B0604020202020204" pitchFamily="34" charset="0"/>
-              <a:buChar char="•"/>
-            </a:pPr>
-            <a:r>
-              <a:rPr lang="en-GB" sz="2800" dirty="0"/>
-              <a:t> </a:t>
-            </a:r>
-            <a:r>
-              <a:rPr lang="en-GB" sz="2800" b="1" dirty="0"/>
-              <a:t>Nunchuck Simulations </a:t>
-            </a:r>
-          </a:p>
-          <a:p>
-            <a:pPr lvl="1">
-              <a:buFont typeface="Arial" panose="020B0604020202020204" pitchFamily="34" charset="0"/>
-              <a:buChar char="•"/>
-            </a:pPr>
-            <a:r>
-              <a:rPr lang="en-GB" sz="2400" i="1" dirty="0"/>
-              <a:t>Fixed Rigidity</a:t>
-            </a:r>
-          </a:p>
-          <a:p>
-            <a:pPr lvl="1">
-              <a:buFont typeface="Arial" panose="020B0604020202020204" pitchFamily="34" charset="0"/>
-              <a:buChar char="•"/>
-            </a:pPr>
-            <a:r>
-              <a:rPr lang="en-GB" sz="2400" i="1" dirty="0"/>
-              <a:t>Fixed Angle</a:t>
-            </a:r>
-          </a:p>
-          <a:p>
-            <a:pPr lvl="1">
-              <a:buFont typeface="Arial" panose="020B0604020202020204" pitchFamily="34" charset="0"/>
-              <a:buChar char="•"/>
-            </a:pPr>
-            <a:r>
-              <a:rPr lang="en-GB" sz="2400" i="1" dirty="0"/>
-              <a:t>Dynamic Properties</a:t>
-            </a:r>
-          </a:p>
-          <a:p>
-            <a:pPr>
-              <a:buFont typeface="Arial" panose="020B0604020202020204" pitchFamily="34" charset="0"/>
-              <a:buChar char="•"/>
-            </a:pPr>
-            <a:r>
-              <a:rPr lang="en-GB" sz="2800" dirty="0"/>
-              <a:t> Conclusions</a:t>
-            </a:r>
-          </a:p>
-          <a:p>
-            <a:endParaRPr lang="en-GB" dirty="0"/>
-          </a:p>
-        </p:txBody>
-      </p:sp>
-      <p:sp>
-        <p:nvSpPr>
-          <p:cNvPr id="7" name="Date Placeholder 6">
-            <a:extLst>
-              <a:ext uri="{FF2B5EF4-FFF2-40B4-BE49-F238E27FC236}">
-                <a16:creationId xmlns:a16="http://schemas.microsoft.com/office/drawing/2014/main" id="{F8D3FD9E-0468-4D84-B8AB-62CFA79681D8}"/>
-              </a:ext>
-            </a:extLst>
-          </p:cNvPr>
-          <p:cNvSpPr>
-            <a:spLocks noGrp="1"/>
-          </p:cNvSpPr>
-          <p:nvPr>
             <p:ph type="dt" sz="half" idx="10"/>
           </p:nvPr>
         </p:nvSpPr>
@@ -7673,7 +11888,7 @@
           <a:bodyPr/>
           <a:lstStyle/>
           <a:p>
-            <a:fld id="{71A55007-BF49-4C86-8F7D-090310C8A7F3}" type="datetime1">
+            <a:fld id="{9BAC4BBA-1B9A-4C08-869D-09DC3EECB5B6}" type="datetime1">
               <a:rPr lang="en-GB" smtClean="0"/>
               <a:t>06/05/2021</a:t>
             </a:fld>
@@ -7683,10 +11898,10 @@
       </p:sp>
       <p:sp>
         <p:nvSpPr>
-          <p:cNvPr id="8" name="Footer Placeholder 7">
+          <p:cNvPr id="5" name="Footer Placeholder 4">
             <a:extLst>
               <a:ext uri="{FF2B5EF4-FFF2-40B4-BE49-F238E27FC236}">
-                <a16:creationId xmlns:a16="http://schemas.microsoft.com/office/drawing/2014/main" id="{189657EC-EC9C-4C75-A24A-09DBF3570A54}"/>
+                <a16:creationId xmlns:a16="http://schemas.microsoft.com/office/drawing/2014/main" id="{B4F52CE7-951B-46C1-A024-DDB63D3C5323}"/>
               </a:ext>
             </a:extLst>
           </p:cNvPr>
@@ -7704,17 +11919,17 @@
           <a:p>
             <a:r>
               <a:rPr lang="en-GB"/>
-              <a:t>Simulating Liqyuid Crystals</a:t>
-            </a:r>
-          </a:p>
-        </p:txBody>
-      </p:sp>
-      <p:sp>
-        <p:nvSpPr>
-          <p:cNvPr id="9" name="Slide Number Placeholder 8">
+              <a:t>Simulating Liquid Crystals</a:t>
+            </a:r>
+          </a:p>
+        </p:txBody>
+      </p:sp>
+      <p:sp>
+        <p:nvSpPr>
+          <p:cNvPr id="6" name="Slide Number Placeholder 5">
             <a:extLst>
               <a:ext uri="{FF2B5EF4-FFF2-40B4-BE49-F238E27FC236}">
-                <a16:creationId xmlns:a16="http://schemas.microsoft.com/office/drawing/2014/main" id="{8816638D-F0BD-468E-97B8-12C8EF9A6909}"/>
+                <a16:creationId xmlns:a16="http://schemas.microsoft.com/office/drawing/2014/main" id="{186FE879-2D0E-425B-9062-E5430FD67FD3}"/>
               </a:ext>
             </a:extLst>
           </p:cNvPr>
@@ -7738,10 +11953,46 @@
           </a:p>
         </p:txBody>
       </p:sp>
+      <p:pic>
+        <p:nvPicPr>
+          <p:cNvPr id="8" name="Picture 7">
+            <a:extLst>
+              <a:ext uri="{FF2B5EF4-FFF2-40B4-BE49-F238E27FC236}">
+                <a16:creationId xmlns:a16="http://schemas.microsoft.com/office/drawing/2014/main" id="{ADDFC859-897A-468D-9B85-44C8520C08EA}"/>
+              </a:ext>
+            </a:extLst>
+          </p:cNvPr>
+          <p:cNvPicPr>
+            <a:picLocks noChangeAspect="1"/>
+          </p:cNvPicPr>
+          <p:nvPr/>
+        </p:nvPicPr>
+        <p:blipFill>
+          <a:blip r:embed="rId3">
+            <a:extLst>
+              <a:ext uri="{28A0092B-C50C-407E-A947-70E740481C1C}">
+                <a14:useLocalDpi xmlns:a14="http://schemas.microsoft.com/office/drawing/2010/main" val="0"/>
+              </a:ext>
+            </a:extLst>
+          </a:blip>
+          <a:stretch>
+            <a:fillRect/>
+          </a:stretch>
+        </p:blipFill>
+        <p:spPr>
+          <a:xfrm>
+            <a:off x="7339465" y="1993315"/>
+            <a:ext cx="3657600" cy="1066800"/>
+          </a:xfrm>
+          <a:prstGeom prst="rect">
+            <a:avLst/>
+          </a:prstGeom>
+        </p:spPr>
+      </p:pic>
     </p:spTree>
     <p:extLst>
       <p:ext uri="{BB962C8B-B14F-4D97-AF65-F5344CB8AC3E}">
-        <p14:creationId xmlns:p14="http://schemas.microsoft.com/office/powerpoint/2010/main" val="2301142952"/>
+        <p14:creationId xmlns:p14="http://schemas.microsoft.com/office/powerpoint/2010/main" val="1176914991"/>
       </p:ext>
     </p:extLst>
   </p:cSld>

--- a/Report/Presentation/Simulating Liquid Crystals.pptx
+++ b/Report/Presentation/Simulating Liquid Crystals.pptx
@@ -7646,31 +7646,6 @@
       </p:sp>
       <p:sp>
         <p:nvSpPr>
-          <p:cNvPr id="3" name="Content Placeholder 2">
-            <a:extLst>
-              <a:ext uri="{FF2B5EF4-FFF2-40B4-BE49-F238E27FC236}">
-                <a16:creationId xmlns:a16="http://schemas.microsoft.com/office/drawing/2014/main" id="{41276C7F-8C58-40D2-B297-6516DCE9AE08}"/>
-              </a:ext>
-            </a:extLst>
-          </p:cNvPr>
-          <p:cNvSpPr>
-            <a:spLocks noGrp="1"/>
-          </p:cNvSpPr>
-          <p:nvPr>
-            <p:ph idx="1"/>
-          </p:nvPr>
-        </p:nvSpPr>
-        <p:spPr/>
-        <p:txBody>
-          <a:bodyPr/>
-          <a:lstStyle/>
-          <a:p>
-            <a:endParaRPr lang="en-GB"/>
-          </a:p>
-        </p:txBody>
-      </p:sp>
-      <p:sp>
-        <p:nvSpPr>
           <p:cNvPr id="4" name="Text Placeholder 3">
             <a:extLst>
               <a:ext uri="{FF2B5EF4-FFF2-40B4-BE49-F238E27FC236}">
@@ -7792,15 +7767,69 @@
             <p:ph type="body" sz="quarter" idx="13"/>
           </p:nvPr>
         </p:nvSpPr>
-        <p:spPr/>
-        <p:txBody>
-          <a:bodyPr/>
+        <p:spPr>
+          <a:xfrm>
+            <a:off x="4643021" y="5521325"/>
+            <a:ext cx="6968971" cy="693738"/>
+          </a:xfrm>
+        </p:spPr>
+        <p:txBody>
+          <a:bodyPr>
+            <a:noAutofit/>
+          </a:bodyPr>
           <a:lstStyle/>
           <a:p>
-            <a:endParaRPr lang="en-GB"/>
-          </a:p>
-        </p:txBody>
-      </p:sp>
+            <a:r>
+              <a:rPr lang="en-GB" i="1" dirty="0"/>
+              <a:t>Figure 5: The evolution of the volume fraction (φ) and the nematic order parameter (S</a:t>
+            </a:r>
+            <a:r>
+              <a:rPr lang="en-GB" i="1" baseline="-25000" dirty="0"/>
+              <a:t>n</a:t>
+            </a:r>
+            <a:r>
+              <a:rPr lang="en-GB" i="1" dirty="0"/>
+              <a:t>) over the timescale of the simulation.</a:t>
+            </a:r>
+          </a:p>
+        </p:txBody>
+      </p:sp>
+      <p:pic>
+        <p:nvPicPr>
+          <p:cNvPr id="16" name="Picture 15" descr="Chart, line chart, histogram&#10;&#10;Description automatically generated">
+            <a:extLst>
+              <a:ext uri="{FF2B5EF4-FFF2-40B4-BE49-F238E27FC236}">
+                <a16:creationId xmlns:a16="http://schemas.microsoft.com/office/drawing/2014/main" id="{F6D052F3-5C53-423F-8364-51523014E68D}"/>
+              </a:ext>
+            </a:extLst>
+          </p:cNvPr>
+          <p:cNvPicPr>
+            <a:picLocks noChangeAspect="1"/>
+          </p:cNvPicPr>
+          <p:nvPr/>
+        </p:nvPicPr>
+        <p:blipFill>
+          <a:blip r:embed="rId2">
+            <a:extLst>
+              <a:ext uri="{28A0092B-C50C-407E-A947-70E740481C1C}">
+                <a14:useLocalDpi xmlns:a14="http://schemas.microsoft.com/office/drawing/2010/main" val="0"/>
+              </a:ext>
+            </a:extLst>
+          </a:blip>
+          <a:stretch>
+            <a:fillRect/>
+          </a:stretch>
+        </p:blipFill>
+        <p:spPr>
+          <a:xfrm>
+            <a:off x="4711085" y="379254"/>
+            <a:ext cx="6662379" cy="5002210"/>
+          </a:xfrm>
+          <a:prstGeom prst="rect">
+            <a:avLst/>
+          </a:prstGeom>
+        </p:spPr>
+      </p:pic>
     </p:spTree>
     <p:extLst>
       <p:ext uri="{BB962C8B-B14F-4D97-AF65-F5344CB8AC3E}">
@@ -7861,31 +7890,6 @@
       </p:sp>
       <p:sp>
         <p:nvSpPr>
-          <p:cNvPr id="3" name="Content Placeholder 2">
-            <a:extLst>
-              <a:ext uri="{FF2B5EF4-FFF2-40B4-BE49-F238E27FC236}">
-                <a16:creationId xmlns:a16="http://schemas.microsoft.com/office/drawing/2014/main" id="{52ACB386-8AA8-4CE6-88F2-84DA8C7A1925}"/>
-              </a:ext>
-            </a:extLst>
-          </p:cNvPr>
-          <p:cNvSpPr>
-            <a:spLocks noGrp="1"/>
-          </p:cNvSpPr>
-          <p:nvPr>
-            <p:ph idx="1"/>
-          </p:nvPr>
-        </p:nvSpPr>
-        <p:spPr/>
-        <p:txBody>
-          <a:bodyPr/>
-          <a:lstStyle/>
-          <a:p>
-            <a:endParaRPr lang="en-GB"/>
-          </a:p>
-        </p:txBody>
-      </p:sp>
-      <p:sp>
-        <p:nvSpPr>
           <p:cNvPr id="4" name="Text Placeholder 3">
             <a:extLst>
               <a:ext uri="{FF2B5EF4-FFF2-40B4-BE49-F238E27FC236}">
@@ -8007,15 +8011,77 @@
             <p:ph type="body" sz="quarter" idx="13"/>
           </p:nvPr>
         </p:nvSpPr>
-        <p:spPr/>
-        <p:txBody>
-          <a:bodyPr/>
+        <p:spPr>
+          <a:xfrm>
+            <a:off x="4889377" y="5304797"/>
+            <a:ext cx="6483350" cy="693738"/>
+          </a:xfrm>
+        </p:spPr>
+        <p:txBody>
+          <a:bodyPr>
+            <a:noAutofit/>
+          </a:bodyPr>
           <a:lstStyle/>
           <a:p>
-            <a:endParaRPr lang="en-GB"/>
-          </a:p>
-        </p:txBody>
-      </p:sp>
+            <a:r>
+              <a:rPr lang="en-GB" i="1" dirty="0"/>
+              <a:t>Figure 6: The evolution of the volume fraction (φ) against both the nematic (S</a:t>
+            </a:r>
+            <a:r>
+              <a:rPr lang="en-GB" i="1" baseline="-25000" dirty="0"/>
+              <a:t>n</a:t>
+            </a:r>
+            <a:r>
+              <a:rPr lang="en-GB" i="1" dirty="0"/>
+              <a:t>) and smectic (S</a:t>
+            </a:r>
+            <a:r>
+              <a:rPr lang="en-GB" i="1" baseline="-25000" dirty="0"/>
+              <a:t>s</a:t>
+            </a:r>
+            <a:r>
+              <a:rPr lang="en-GB" i="1" dirty="0"/>
+              <a:t>) order parameters over the timescale of the simulation</a:t>
+            </a:r>
+          </a:p>
+        </p:txBody>
+      </p:sp>
+      <p:pic>
+        <p:nvPicPr>
+          <p:cNvPr id="10" name="Picture 9" descr="Chart&#10;&#10;Description automatically generated">
+            <a:extLst>
+              <a:ext uri="{FF2B5EF4-FFF2-40B4-BE49-F238E27FC236}">
+                <a16:creationId xmlns:a16="http://schemas.microsoft.com/office/drawing/2014/main" id="{98B3C535-2534-4A7B-A970-28A0467BCD15}"/>
+              </a:ext>
+            </a:extLst>
+          </p:cNvPr>
+          <p:cNvPicPr>
+            <a:picLocks noChangeAspect="1"/>
+          </p:cNvPicPr>
+          <p:nvPr/>
+        </p:nvPicPr>
+        <p:blipFill>
+          <a:blip r:embed="rId2">
+            <a:extLst>
+              <a:ext uri="{28A0092B-C50C-407E-A947-70E740481C1C}">
+                <a14:useLocalDpi xmlns:a14="http://schemas.microsoft.com/office/drawing/2010/main" val="0"/>
+              </a:ext>
+            </a:extLst>
+          </a:blip>
+          <a:stretch>
+            <a:fillRect/>
+          </a:stretch>
+        </p:blipFill>
+        <p:spPr>
+          <a:xfrm>
+            <a:off x="4800600" y="345415"/>
+            <a:ext cx="6483350" cy="4867792"/>
+          </a:xfrm>
+          <a:prstGeom prst="rect">
+            <a:avLst/>
+          </a:prstGeom>
+        </p:spPr>
+      </p:pic>
     </p:spTree>
     <p:extLst>
       <p:ext uri="{BB962C8B-B14F-4D97-AF65-F5344CB8AC3E}">
@@ -11413,8 +11479,8 @@
           </a:p>
         </p:txBody>
       </p:sp>
-      <mc:AlternateContent xmlns:mc="http://schemas.openxmlformats.org/markup-compatibility/2006">
-        <mc:Choice xmlns:a14="http://schemas.microsoft.com/office/drawing/2010/main" Requires="a14">
+      <mc:AlternateContent xmlns:mc="http://schemas.openxmlformats.org/markup-compatibility/2006" xmlns:a14="http://schemas.microsoft.com/office/drawing/2010/main">
+        <mc:Choice Requires="a14">
           <p:sp>
             <p:nvSpPr>
               <p:cNvPr id="3" name="Content Placeholder 2">
@@ -11827,7 +11893,7 @@
             </p:txBody>
           </p:sp>
         </mc:Choice>
-        <mc:Fallback>
+        <mc:Fallback xmlns="">
           <p:sp>
             <p:nvSpPr>
               <p:cNvPr id="3" name="Content Placeholder 2">

--- a/Report/Presentation/Simulating Liquid Crystals.pptx
+++ b/Report/Presentation/Simulating Liquid Crystals.pptx
@@ -5,7 +5,7 @@
     <p:sldMasterId id="2147483660" r:id="rId1"/>
   </p:sldMasterIdLst>
   <p:notesMasterIdLst>
-    <p:notesMasterId r:id="rId17"/>
+    <p:notesMasterId r:id="rId20"/>
   </p:notesMasterIdLst>
   <p:sldIdLst>
     <p:sldId id="256" r:id="rId2"/>
@@ -21,8 +21,11 @@
     <p:sldId id="269" r:id="rId12"/>
     <p:sldId id="270" r:id="rId13"/>
     <p:sldId id="260" r:id="rId14"/>
-    <p:sldId id="261" r:id="rId15"/>
-    <p:sldId id="263" r:id="rId16"/>
+    <p:sldId id="271" r:id="rId15"/>
+    <p:sldId id="272" r:id="rId16"/>
+    <p:sldId id="273" r:id="rId17"/>
+    <p:sldId id="261" r:id="rId18"/>
+    <p:sldId id="263" r:id="rId19"/>
   </p:sldIdLst>
   <p:sldSz cx="12192000" cy="6858000"/>
   <p:notesSz cx="6858000" cy="9144000"/>
@@ -3037,7 +3040,7 @@
           <a:p>
             <a:fld id="{6E253971-FC70-48FB-8ADF-0A5012DE9F9F}" type="datetimeFigureOut">
               <a:rPr lang="en-GB" smtClean="0"/>
-              <a:t>06/05/2021</a:t>
+              <a:t>07/05/2021</a:t>
             </a:fld>
             <a:endParaRPr lang="en-GB"/>
           </a:p>
@@ -3330,7 +3333,7 @@
         </p:nvSpPr>
         <p:spPr>
           <a:xfrm>
-            <a:off x="3175" y="6438900"/>
+            <a:off x="3175" y="6398260"/>
             <a:ext cx="12188825" cy="457200"/>
           </a:xfrm>
           <a:prstGeom prst="rect">
@@ -3531,7 +3534,7 @@
           <a:p>
             <a:fld id="{88EF69E6-B111-4472-9A6B-36D21978BDA5}" type="datetime1">
               <a:rPr lang="en-GB" smtClean="0"/>
-              <a:t>06/05/2021</a:t>
+              <a:t>07/05/2021</a:t>
             </a:fld>
             <a:endParaRPr lang="en-GB"/>
           </a:p>
@@ -3817,7 +3820,7 @@
           <a:p>
             <a:fld id="{AA948A55-6459-43C1-A261-6202E763F8E9}" type="datetime1">
               <a:rPr lang="en-GB" smtClean="0"/>
-              <a:t>06/05/2021</a:t>
+              <a:t>07/05/2021</a:t>
             </a:fld>
             <a:endParaRPr lang="en-GB"/>
           </a:p>
@@ -4076,7 +4079,7 @@
           <a:p>
             <a:fld id="{252B624B-41CE-4D9F-A77E-0288CC8A5666}" type="datetime1">
               <a:rPr lang="en-GB" smtClean="0"/>
-              <a:t>06/05/2021</a:t>
+              <a:t>07/05/2021</a:t>
             </a:fld>
             <a:endParaRPr lang="en-GB"/>
           </a:p>
@@ -4272,7 +4275,7 @@
           <a:p>
             <a:fld id="{4F06D8F6-A7B9-4826-9DEE-ADFB02B7806A}" type="datetime1">
               <a:rPr lang="en-GB" smtClean="0"/>
-              <a:t>06/05/2021</a:t>
+              <a:t>07/05/2021</a:t>
             </a:fld>
             <a:endParaRPr lang="en-GB"/>
           </a:p>
@@ -4618,7 +4621,7 @@
           <a:p>
             <a:fld id="{7718B61C-B44D-4C40-820E-B44ED564E3C6}" type="datetime1">
               <a:rPr lang="en-GB" smtClean="0"/>
-              <a:t>06/05/2021</a:t>
+              <a:t>07/05/2021</a:t>
             </a:fld>
             <a:endParaRPr lang="en-GB"/>
           </a:p>
@@ -4707,6 +4710,81 @@
           </a:fontRef>
         </p:style>
       </p:cxnSp>
+      <p:pic>
+        <p:nvPicPr>
+          <p:cNvPr id="10" name="Picture 2" descr="Physics at Work 2020 - Overview — Department of Physics">
+            <a:extLst>
+              <a:ext uri="{FF2B5EF4-FFF2-40B4-BE49-F238E27FC236}">
+                <a16:creationId xmlns:a16="http://schemas.microsoft.com/office/drawing/2014/main" id="{4E5466B7-889B-4BAD-B4BC-124D17ADF86C}"/>
+              </a:ext>
+            </a:extLst>
+          </p:cNvPr>
+          <p:cNvPicPr>
+            <a:picLocks noChangeAspect="1" noChangeArrowheads="1"/>
+          </p:cNvPicPr>
+          <p:nvPr userDrawn="1"/>
+        </p:nvPicPr>
+        <p:blipFill rotWithShape="1">
+          <a:blip r:embed="rId2">
+            <a:extLst>
+              <a:ext uri="{28A0092B-C50C-407E-A947-70E740481C1C}">
+                <a14:useLocalDpi xmlns:a14="http://schemas.microsoft.com/office/drawing/2010/main" val="0"/>
+              </a:ext>
+            </a:extLst>
+          </a:blip>
+          <a:srcRect t="8973" b="53454"/>
+          <a:stretch/>
+        </p:blipFill>
+        <p:spPr bwMode="auto">
+          <a:xfrm>
+            <a:off x="9626446" y="52906"/>
+            <a:ext cx="2491296" cy="936000"/>
+          </a:xfrm>
+          <a:prstGeom prst="rect">
+            <a:avLst/>
+          </a:prstGeom>
+          <a:noFill/>
+          <a:extLst>
+            <a:ext uri="{909E8E84-426E-40DD-AFC4-6F175D3DCCD1}">
+              <a14:hiddenFill xmlns:a14="http://schemas.microsoft.com/office/drawing/2010/main">
+                <a:solidFill>
+                  <a:srgbClr val="FFFFFF"/>
+                </a:solidFill>
+              </a14:hiddenFill>
+            </a:ext>
+          </a:extLst>
+        </p:spPr>
+      </p:pic>
+      <p:pic>
+        <p:nvPicPr>
+          <p:cNvPr id="11" name="Picture 10">
+            <a:extLst>
+              <a:ext uri="{FF2B5EF4-FFF2-40B4-BE49-F238E27FC236}">
+                <a16:creationId xmlns:a16="http://schemas.microsoft.com/office/drawing/2014/main" id="{F84B3A27-0A02-491A-A2D0-FD33AE735046}"/>
+              </a:ext>
+            </a:extLst>
+          </p:cNvPr>
+          <p:cNvPicPr>
+            <a:picLocks noChangeAspect="1"/>
+          </p:cNvPicPr>
+          <p:nvPr userDrawn="1"/>
+        </p:nvPicPr>
+        <p:blipFill>
+          <a:blip r:embed="rId3"/>
+          <a:stretch>
+            <a:fillRect/>
+          </a:stretch>
+        </p:blipFill>
+        <p:spPr>
+          <a:xfrm>
+            <a:off x="9370770" y="5499877"/>
+            <a:ext cx="2746972" cy="738434"/>
+          </a:xfrm>
+          <a:prstGeom prst="rect">
+            <a:avLst/>
+          </a:prstGeom>
+        </p:spPr>
+      </p:pic>
     </p:spTree>
     <p:extLst>
       <p:ext uri="{BB962C8B-B14F-4D97-AF65-F5344CB8AC3E}">
@@ -4896,7 +4974,7 @@
           <a:p>
             <a:fld id="{70C53763-D592-4BD1-AA76-4B97BF81338B}" type="datetime1">
               <a:rPr lang="en-GB" smtClean="0"/>
-              <a:t>06/05/2021</a:t>
+              <a:t>07/05/2021</a:t>
             </a:fld>
             <a:endParaRPr lang="en-GB"/>
           </a:p>
@@ -5278,7 +5356,7 @@
           <a:p>
             <a:fld id="{61E85294-3231-4181-8EC5-F49B0E50130F}" type="datetime1">
               <a:rPr lang="en-GB" smtClean="0"/>
-              <a:t>06/05/2021</a:t>
+              <a:t>07/05/2021</a:t>
             </a:fld>
             <a:endParaRPr lang="en-GB"/>
           </a:p>
@@ -5399,7 +5477,7 @@
           <a:p>
             <a:fld id="{1F77DB63-8B39-4E6F-A3DE-AD16D6E72FE3}" type="datetime1">
               <a:rPr lang="en-GB" smtClean="0"/>
-              <a:t>06/05/2021</a:t>
+              <a:t>07/05/2021</a:t>
             </a:fld>
             <a:endParaRPr lang="en-GB"/>
           </a:p>
@@ -5573,7 +5651,7 @@
           <a:p>
             <a:fld id="{5F737D48-7B4F-4AA7-95B6-6D95CBC864C9}" type="datetime1">
               <a:rPr lang="en-GB" smtClean="0"/>
-              <a:t>06/05/2021</a:t>
+              <a:t>07/05/2021</a:t>
             </a:fld>
             <a:endParaRPr lang="en-GB"/>
           </a:p>
@@ -5632,6 +5710,81 @@
           </a:p>
         </p:txBody>
       </p:sp>
+      <p:pic>
+        <p:nvPicPr>
+          <p:cNvPr id="10" name="Picture 2" descr="Physics at Work 2020 - Overview — Department of Physics">
+            <a:extLst>
+              <a:ext uri="{FF2B5EF4-FFF2-40B4-BE49-F238E27FC236}">
+                <a16:creationId xmlns:a16="http://schemas.microsoft.com/office/drawing/2014/main" id="{D82FD849-88CB-43C6-AFBE-1A54481AB69B}"/>
+              </a:ext>
+            </a:extLst>
+          </p:cNvPr>
+          <p:cNvPicPr>
+            <a:picLocks noChangeAspect="1" noChangeArrowheads="1"/>
+          </p:cNvPicPr>
+          <p:nvPr userDrawn="1"/>
+        </p:nvPicPr>
+        <p:blipFill rotWithShape="1">
+          <a:blip r:embed="rId2">
+            <a:extLst>
+              <a:ext uri="{28A0092B-C50C-407E-A947-70E740481C1C}">
+                <a14:useLocalDpi xmlns:a14="http://schemas.microsoft.com/office/drawing/2010/main" val="0"/>
+              </a:ext>
+            </a:extLst>
+          </a:blip>
+          <a:srcRect t="8973" b="53454"/>
+          <a:stretch/>
+        </p:blipFill>
+        <p:spPr bwMode="auto">
+          <a:xfrm>
+            <a:off x="9626446" y="52906"/>
+            <a:ext cx="2491296" cy="936000"/>
+          </a:xfrm>
+          <a:prstGeom prst="rect">
+            <a:avLst/>
+          </a:prstGeom>
+          <a:noFill/>
+          <a:extLst>
+            <a:ext uri="{909E8E84-426E-40DD-AFC4-6F175D3DCCD1}">
+              <a14:hiddenFill xmlns:a14="http://schemas.microsoft.com/office/drawing/2010/main">
+                <a:solidFill>
+                  <a:srgbClr val="FFFFFF"/>
+                </a:solidFill>
+              </a14:hiddenFill>
+            </a:ext>
+          </a:extLst>
+        </p:spPr>
+      </p:pic>
+      <p:pic>
+        <p:nvPicPr>
+          <p:cNvPr id="11" name="Picture 10">
+            <a:extLst>
+              <a:ext uri="{FF2B5EF4-FFF2-40B4-BE49-F238E27FC236}">
+                <a16:creationId xmlns:a16="http://schemas.microsoft.com/office/drawing/2014/main" id="{EA2421C1-3E2F-4E9A-A9B2-7D4E710E43AA}"/>
+              </a:ext>
+            </a:extLst>
+          </p:cNvPr>
+          <p:cNvPicPr>
+            <a:picLocks noChangeAspect="1"/>
+          </p:cNvPicPr>
+          <p:nvPr userDrawn="1"/>
+        </p:nvPicPr>
+        <p:blipFill>
+          <a:blip r:embed="rId3"/>
+          <a:stretch>
+            <a:fillRect/>
+          </a:stretch>
+        </p:blipFill>
+        <p:spPr>
+          <a:xfrm>
+            <a:off x="9370770" y="5499877"/>
+            <a:ext cx="2746972" cy="738434"/>
+          </a:xfrm>
+          <a:prstGeom prst="rect">
+            <a:avLst/>
+          </a:prstGeom>
+        </p:spPr>
+      </p:pic>
     </p:spTree>
     <p:extLst>
       <p:ext uri="{BB962C8B-B14F-4D97-AF65-F5344CB8AC3E}">
@@ -5930,7 +6083,7 @@
           <a:p>
             <a:fld id="{3D6CA3C4-FF3E-4D72-A9D2-D63DE6295F96}" type="datetime1">
               <a:rPr lang="en-GB" smtClean="0"/>
-              <a:t>06/05/2021</a:t>
+              <a:t>07/05/2021</a:t>
             </a:fld>
             <a:endParaRPr lang="en-GB"/>
           </a:p>
@@ -6380,7 +6533,7 @@
           <a:p>
             <a:fld id="{2A89E723-FF45-4C00-913F-9B206B194F93}" type="datetime1">
               <a:rPr lang="en-GB" smtClean="0"/>
-              <a:t>06/05/2021</a:t>
+              <a:t>07/05/2021</a:t>
             </a:fld>
             <a:endParaRPr lang="en-GB"/>
           </a:p>
@@ -6474,7 +6627,7 @@
         </p:nvSpPr>
         <p:spPr>
           <a:xfrm>
-            <a:off x="1" y="6436310"/>
+            <a:off x="1" y="6405830"/>
             <a:ext cx="12192000" cy="457200"/>
           </a:xfrm>
           <a:prstGeom prst="rect">
@@ -6670,7 +6823,7 @@
           <a:p>
             <a:fld id="{A9C5F770-413A-4E53-BF7A-9E1D02882029}" type="datetime1">
               <a:rPr lang="en-GB" smtClean="0"/>
-              <a:t>06/05/2021</a:t>
+              <a:t>07/05/2021</a:t>
             </a:fld>
             <a:endParaRPr lang="en-GB" dirty="0"/>
           </a:p>
@@ -7259,6 +7412,14 @@
 <file path=ppt/slides/slide1.xml><?xml version="1.0" encoding="utf-8"?>
 <p:sld xmlns:a="http://schemas.openxmlformats.org/drawingml/2006/main" xmlns:r="http://schemas.openxmlformats.org/officeDocument/2006/relationships" xmlns:p="http://schemas.openxmlformats.org/presentationml/2006/main">
   <p:cSld>
+    <p:bg>
+      <p:bgPr>
+        <a:solidFill>
+          <a:schemeClr val="bg1"/>
+        </a:solidFill>
+        <a:effectLst/>
+      </p:bgPr>
+    </p:bg>
     <p:spTree>
       <p:nvGrpSpPr>
         <p:cNvPr id="1" name=""/>
@@ -7273,6 +7434,66 @@
           <a:chExt cx="0" cy="0"/>
         </a:xfrm>
       </p:grpSpPr>
+      <p:sp useBgFill="1">
+        <p:nvSpPr>
+          <p:cNvPr id="10" name="Rectangle 9">
+            <a:extLst>
+              <a:ext uri="{FF2B5EF4-FFF2-40B4-BE49-F238E27FC236}">
+                <a16:creationId xmlns:a16="http://schemas.microsoft.com/office/drawing/2014/main" id="{A9286AD2-18A9-4868-A4E3-7A2097A20810}"/>
+              </a:ext>
+              <a:ext uri="{C183D7F6-B498-43B3-948B-1728B52AA6E4}">
+                <adec:decorative xmlns:adec="http://schemas.microsoft.com/office/drawing/2017/decorative" val="1"/>
+              </a:ext>
+            </a:extLst>
+          </p:cNvPr>
+          <p:cNvSpPr>
+            <a:spLocks noGrp="1" noRot="1" noChangeAspect="1" noMove="1" noResize="1" noEditPoints="1" noAdjustHandles="1" noChangeArrowheads="1" noChangeShapeType="1" noTextEdit="1"/>
+          </p:cNvSpPr>
+          <p:nvPr>
+            <p:extLst>
+              <p:ext uri="{386F3935-93C4-4BCD-93E2-E3B085C9AB24}">
+                <p16:designElem xmlns:p16="http://schemas.microsoft.com/office/powerpoint/2015/main" val="1"/>
+              </p:ext>
+            </p:extLst>
+          </p:nvPr>
+        </p:nvSpPr>
+        <p:spPr>
+          <a:xfrm>
+            <a:off x="0" y="0"/>
+            <a:ext cx="12192001" cy="6334316"/>
+          </a:xfrm>
+          <a:prstGeom prst="rect">
+            <a:avLst/>
+          </a:prstGeom>
+          <a:ln>
+            <a:noFill/>
+          </a:ln>
+        </p:spPr>
+        <p:style>
+          <a:lnRef idx="2">
+            <a:schemeClr val="accent1">
+              <a:shade val="50000"/>
+            </a:schemeClr>
+          </a:lnRef>
+          <a:fillRef idx="1">
+            <a:schemeClr val="accent1"/>
+          </a:fillRef>
+          <a:effectRef idx="0">
+            <a:schemeClr val="accent1"/>
+          </a:effectRef>
+          <a:fontRef idx="minor">
+            <a:schemeClr val="lt1"/>
+          </a:fontRef>
+        </p:style>
+        <p:txBody>
+          <a:bodyPr rtlCol="0" anchor="ctr"/>
+          <a:lstStyle/>
+          <a:p>
+            <a:pPr algn="ctr"/>
+            <a:endParaRPr lang="en-US"/>
+          </a:p>
+        </p:txBody>
+      </p:sp>
       <p:sp>
         <p:nvSpPr>
           <p:cNvPr id="2" name="Title 1">
@@ -7289,15 +7510,23 @@
             <p:ph type="ctrTitle"/>
           </p:nvPr>
         </p:nvSpPr>
-        <p:spPr/>
-        <p:txBody>
-          <a:bodyPr/>
+        <p:spPr>
+          <a:xfrm>
+            <a:off x="5289754" y="639097"/>
+            <a:ext cx="6253317" cy="3686015"/>
+          </a:xfrm>
+        </p:spPr>
+        <p:txBody>
+          <a:bodyPr>
+            <a:normAutofit/>
+          </a:bodyPr>
           <a:lstStyle/>
           <a:p>
             <a:r>
-              <a:rPr lang="en-GB" dirty="0"/>
+              <a:rPr lang="en-GB"/>
               <a:t>Simulating Liquid Crystals</a:t>
             </a:r>
+            <a:endParaRPr lang="en-GB" dirty="0"/>
           </a:p>
         </p:txBody>
       </p:sp>
@@ -7317,13 +7546,26 @@
             <p:ph type="subTitle" idx="1"/>
           </p:nvPr>
         </p:nvSpPr>
-        <p:spPr/>
-        <p:txBody>
-          <a:bodyPr/>
+        <p:spPr>
+          <a:xfrm>
+            <a:off x="5289753" y="4455621"/>
+            <a:ext cx="6269347" cy="1238616"/>
+          </a:xfrm>
+        </p:spPr>
+        <p:txBody>
+          <a:bodyPr>
+            <a:normAutofit/>
+          </a:bodyPr>
           <a:lstStyle/>
           <a:p>
             <a:r>
-              <a:rPr lang="en-GB" b="1" dirty="0">
+              <a:rPr lang="en-GB" sz="2200" b="1">
+                <a:solidFill>
+                  <a:schemeClr val="tx1">
+                    <a:lumMod val="85000"/>
+                    <a:lumOff val="15000"/>
+                  </a:schemeClr>
+                </a:solidFill>
                 <a:latin typeface="+mn-lt"/>
               </a:rPr>
               <a:t>Kit Gallagher </a:t>
@@ -7331,12 +7573,293 @@
           </a:p>
           <a:p>
             <a:r>
-              <a:rPr lang="en-GB" sz="2000" i="1" dirty="0"/>
+              <a:rPr lang="en-GB" sz="2200" i="1">
+                <a:solidFill>
+                  <a:schemeClr val="tx1">
+                    <a:lumMod val="85000"/>
+                    <a:lumOff val="15000"/>
+                  </a:schemeClr>
+                </a:solidFill>
+              </a:rPr>
               <a:t>Supervisors: Prof Erika Eiser, Mr Jiaming Yu</a:t>
             </a:r>
           </a:p>
         </p:txBody>
       </p:sp>
+      <p:pic>
+        <p:nvPicPr>
+          <p:cNvPr id="5" name="Picture 4">
+            <a:extLst>
+              <a:ext uri="{FF2B5EF4-FFF2-40B4-BE49-F238E27FC236}">
+                <a16:creationId xmlns:a16="http://schemas.microsoft.com/office/drawing/2014/main" id="{24ED6C95-A7EF-4678-992E-9F836ABD2B7C}"/>
+              </a:ext>
+            </a:extLst>
+          </p:cNvPr>
+          <p:cNvPicPr>
+            <a:picLocks noChangeAspect="1"/>
+          </p:cNvPicPr>
+          <p:nvPr/>
+        </p:nvPicPr>
+        <p:blipFill rotWithShape="1">
+          <a:blip r:embed="rId2">
+            <a:extLst>
+              <a:ext uri="{28A0092B-C50C-407E-A947-70E740481C1C}">
+                <a14:useLocalDpi xmlns:a14="http://schemas.microsoft.com/office/drawing/2010/main" val="0"/>
+              </a:ext>
+            </a:extLst>
+          </a:blip>
+          <a:srcRect l="21385" r="19620" b="-3"/>
+          <a:stretch/>
+        </p:blipFill>
+        <p:spPr>
+          <a:xfrm>
+            <a:off x="633999" y="620720"/>
+            <a:ext cx="4001315" cy="5086933"/>
+          </a:xfrm>
+          <a:prstGeom prst="rect">
+            <a:avLst/>
+          </a:prstGeom>
+        </p:spPr>
+      </p:pic>
+      <p:cxnSp>
+        <p:nvCxnSpPr>
+          <p:cNvPr id="12" name="Straight Connector 11">
+            <a:extLst>
+              <a:ext uri="{FF2B5EF4-FFF2-40B4-BE49-F238E27FC236}">
+                <a16:creationId xmlns:a16="http://schemas.microsoft.com/office/drawing/2014/main" id="{E7A7CD63-7EC3-44F3-95D0-595C4019FF24}"/>
+              </a:ext>
+              <a:ext uri="{C183D7F6-B498-43B3-948B-1728B52AA6E4}">
+                <adec:decorative xmlns:adec="http://schemas.microsoft.com/office/drawing/2017/decorative" val="1"/>
+              </a:ext>
+            </a:extLst>
+          </p:cNvPr>
+          <p:cNvCxnSpPr>
+            <a:cxnSpLocks noGrp="1" noRot="1" noChangeAspect="1" noMove="1" noResize="1" noEditPoints="1" noAdjustHandles="1" noChangeArrowheads="1" noChangeShapeType="1"/>
+          </p:cNvCxnSpPr>
+          <p:nvPr>
+            <p:extLst>
+              <p:ext uri="{386F3935-93C4-4BCD-93E2-E3B085C9AB24}">
+                <p16:designElem xmlns:p16="http://schemas.microsoft.com/office/powerpoint/2015/main" val="1"/>
+              </p:ext>
+            </p:extLst>
+          </p:nvPr>
+        </p:nvCxnSpPr>
+        <p:spPr>
+          <a:xfrm>
+            <a:off x="5447071" y="4343400"/>
+            <a:ext cx="5636107" cy="0"/>
+          </a:xfrm>
+          <a:prstGeom prst="line">
+            <a:avLst/>
+          </a:prstGeom>
+          <a:ln w="6350">
+            <a:solidFill>
+              <a:schemeClr val="tx2">
+                <a:alpha val="90000"/>
+              </a:schemeClr>
+            </a:solidFill>
+          </a:ln>
+        </p:spPr>
+        <p:style>
+          <a:lnRef idx="1">
+            <a:schemeClr val="accent1"/>
+          </a:lnRef>
+          <a:fillRef idx="0">
+            <a:schemeClr val="accent1"/>
+          </a:fillRef>
+          <a:effectRef idx="0">
+            <a:schemeClr val="accent1"/>
+          </a:effectRef>
+          <a:fontRef idx="minor">
+            <a:schemeClr val="tx1"/>
+          </a:fontRef>
+        </p:style>
+      </p:cxnSp>
+      <p:sp>
+        <p:nvSpPr>
+          <p:cNvPr id="14" name="Rectangle 13">
+            <a:extLst>
+              <a:ext uri="{FF2B5EF4-FFF2-40B4-BE49-F238E27FC236}">
+                <a16:creationId xmlns:a16="http://schemas.microsoft.com/office/drawing/2014/main" id="{1AB8ECB2-FB64-476F-A62F-36D68C8C7C60}"/>
+              </a:ext>
+              <a:ext uri="{C183D7F6-B498-43B3-948B-1728B52AA6E4}">
+                <adec:decorative xmlns:adec="http://schemas.microsoft.com/office/drawing/2017/decorative" val="1"/>
+              </a:ext>
+            </a:extLst>
+          </p:cNvPr>
+          <p:cNvSpPr>
+            <a:spLocks noGrp="1" noRot="1" noChangeAspect="1" noMove="1" noResize="1" noEditPoints="1" noAdjustHandles="1" noChangeArrowheads="1" noChangeShapeType="1" noTextEdit="1"/>
+          </p:cNvSpPr>
+          <p:nvPr>
+            <p:extLst>
+              <p:ext uri="{386F3935-93C4-4BCD-93E2-E3B085C9AB24}">
+                <p16:designElem xmlns:p16="http://schemas.microsoft.com/office/powerpoint/2015/main" val="1"/>
+              </p:ext>
+            </p:extLst>
+          </p:nvPr>
+        </p:nvSpPr>
+        <p:spPr>
+          <a:xfrm>
+            <a:off x="15" y="6334316"/>
+            <a:ext cx="12191985" cy="66484"/>
+          </a:xfrm>
+          <a:prstGeom prst="rect">
+            <a:avLst/>
+          </a:prstGeom>
+          <a:solidFill>
+            <a:schemeClr val="accent1"/>
+          </a:solidFill>
+          <a:ln>
+            <a:noFill/>
+          </a:ln>
+        </p:spPr>
+        <p:style>
+          <a:lnRef idx="2">
+            <a:schemeClr val="accent1">
+              <a:shade val="50000"/>
+            </a:schemeClr>
+          </a:lnRef>
+          <a:fillRef idx="1">
+            <a:schemeClr val="accent1"/>
+          </a:fillRef>
+          <a:effectRef idx="0">
+            <a:schemeClr val="accent1"/>
+          </a:effectRef>
+          <a:fontRef idx="minor">
+            <a:schemeClr val="lt1"/>
+          </a:fontRef>
+        </p:style>
+      </p:sp>
+      <p:sp>
+        <p:nvSpPr>
+          <p:cNvPr id="16" name="Rectangle 15">
+            <a:extLst>
+              <a:ext uri="{FF2B5EF4-FFF2-40B4-BE49-F238E27FC236}">
+                <a16:creationId xmlns:a16="http://schemas.microsoft.com/office/drawing/2014/main" id="{289CEAD5-ED2F-4675-9E4C-80B8A0E8A0A1}"/>
+              </a:ext>
+              <a:ext uri="{C183D7F6-B498-43B3-948B-1728B52AA6E4}">
+                <adec:decorative xmlns:adec="http://schemas.microsoft.com/office/drawing/2017/decorative" val="1"/>
+              </a:ext>
+            </a:extLst>
+          </p:cNvPr>
+          <p:cNvSpPr>
+            <a:spLocks noGrp="1" noRot="1" noChangeAspect="1" noMove="1" noResize="1" noEditPoints="1" noAdjustHandles="1" noChangeArrowheads="1" noChangeShapeType="1" noTextEdit="1"/>
+          </p:cNvSpPr>
+          <p:nvPr>
+            <p:extLst>
+              <p:ext uri="{386F3935-93C4-4BCD-93E2-E3B085C9AB24}">
+                <p16:designElem xmlns:p16="http://schemas.microsoft.com/office/powerpoint/2015/main" val="1"/>
+              </p:ext>
+            </p:extLst>
+          </p:nvPr>
+        </p:nvSpPr>
+        <p:spPr>
+          <a:xfrm>
+            <a:off x="1" y="6400800"/>
+            <a:ext cx="12192000" cy="457200"/>
+          </a:xfrm>
+          <a:prstGeom prst="rect">
+            <a:avLst/>
+          </a:prstGeom>
+          <a:solidFill>
+            <a:schemeClr val="accent2"/>
+          </a:solidFill>
+          <a:ln>
+            <a:noFill/>
+          </a:ln>
+        </p:spPr>
+        <p:style>
+          <a:lnRef idx="2">
+            <a:schemeClr val="accent1">
+              <a:shade val="50000"/>
+            </a:schemeClr>
+          </a:lnRef>
+          <a:fillRef idx="1">
+            <a:schemeClr val="accent1"/>
+          </a:fillRef>
+          <a:effectRef idx="0">
+            <a:schemeClr val="accent1"/>
+          </a:effectRef>
+          <a:fontRef idx="minor">
+            <a:schemeClr val="lt1"/>
+          </a:fontRef>
+        </p:style>
+      </p:sp>
+      <p:pic>
+        <p:nvPicPr>
+          <p:cNvPr id="11" name="Picture 2" descr="Physics at Work 2020 - Overview — Department of Physics">
+            <a:extLst>
+              <a:ext uri="{FF2B5EF4-FFF2-40B4-BE49-F238E27FC236}">
+                <a16:creationId xmlns:a16="http://schemas.microsoft.com/office/drawing/2014/main" id="{4DE03883-398C-4178-9E0A-CA0BCC69A4B2}"/>
+              </a:ext>
+            </a:extLst>
+          </p:cNvPr>
+          <p:cNvPicPr>
+            <a:picLocks noChangeAspect="1" noChangeArrowheads="1"/>
+          </p:cNvPicPr>
+          <p:nvPr/>
+        </p:nvPicPr>
+        <p:blipFill rotWithShape="1">
+          <a:blip r:embed="rId3">
+            <a:extLst>
+              <a:ext uri="{28A0092B-C50C-407E-A947-70E740481C1C}">
+                <a14:useLocalDpi xmlns:a14="http://schemas.microsoft.com/office/drawing/2010/main" val="0"/>
+              </a:ext>
+            </a:extLst>
+          </a:blip>
+          <a:srcRect t="8973" b="53454"/>
+          <a:stretch/>
+        </p:blipFill>
+        <p:spPr bwMode="auto">
+          <a:xfrm>
+            <a:off x="9626446" y="52906"/>
+            <a:ext cx="2491296" cy="936000"/>
+          </a:xfrm>
+          <a:prstGeom prst="rect">
+            <a:avLst/>
+          </a:prstGeom>
+          <a:noFill/>
+          <a:extLst>
+            <a:ext uri="{909E8E84-426E-40DD-AFC4-6F175D3DCCD1}">
+              <a14:hiddenFill xmlns:a14="http://schemas.microsoft.com/office/drawing/2010/main">
+                <a:solidFill>
+                  <a:srgbClr val="FFFFFF"/>
+                </a:solidFill>
+              </a14:hiddenFill>
+            </a:ext>
+          </a:extLst>
+        </p:spPr>
+      </p:pic>
+      <p:pic>
+        <p:nvPicPr>
+          <p:cNvPr id="13" name="Picture 12">
+            <a:extLst>
+              <a:ext uri="{FF2B5EF4-FFF2-40B4-BE49-F238E27FC236}">
+                <a16:creationId xmlns:a16="http://schemas.microsoft.com/office/drawing/2014/main" id="{8B5B1D31-B63B-43BA-9AA5-DC725E32DBC6}"/>
+              </a:ext>
+            </a:extLst>
+          </p:cNvPr>
+          <p:cNvPicPr>
+            <a:picLocks noChangeAspect="1"/>
+          </p:cNvPicPr>
+          <p:nvPr/>
+        </p:nvPicPr>
+        <p:blipFill>
+          <a:blip r:embed="rId4"/>
+          <a:stretch>
+            <a:fillRect/>
+          </a:stretch>
+        </p:blipFill>
+        <p:spPr>
+          <a:xfrm>
+            <a:off x="9434853" y="5595882"/>
+            <a:ext cx="2746972" cy="738434"/>
+          </a:xfrm>
+          <a:prstGeom prst="rect">
+            <a:avLst/>
+          </a:prstGeom>
+        </p:spPr>
+      </p:pic>
     </p:spTree>
     <p:extLst>
       <p:ext uri="{BB962C8B-B14F-4D97-AF65-F5344CB8AC3E}">
@@ -7523,7 +8046,7 @@
           <a:p>
             <a:fld id="{CCA4A25A-5E12-4E3E-8244-D02E2ADDB1B5}" type="datetime1">
               <a:rPr lang="en-GB" smtClean="0"/>
-              <a:t>06/05/2021</a:t>
+              <a:t>07/05/2021</a:t>
             </a:fld>
             <a:endParaRPr lang="en-GB"/>
           </a:p>
@@ -7586,6 +8109,42 @@
           </a:p>
         </p:txBody>
       </p:sp>
+      <p:pic>
+        <p:nvPicPr>
+          <p:cNvPr id="5" name="Picture 4" descr="A picture containing colorful, decorated&#10;&#10;Description automatically generated">
+            <a:extLst>
+              <a:ext uri="{FF2B5EF4-FFF2-40B4-BE49-F238E27FC236}">
+                <a16:creationId xmlns:a16="http://schemas.microsoft.com/office/drawing/2014/main" id="{C14A4645-6344-4D67-9187-B700AABAAE93}"/>
+              </a:ext>
+            </a:extLst>
+          </p:cNvPr>
+          <p:cNvPicPr>
+            <a:picLocks noChangeAspect="1"/>
+          </p:cNvPicPr>
+          <p:nvPr/>
+        </p:nvPicPr>
+        <p:blipFill>
+          <a:blip r:embed="rId2">
+            <a:extLst>
+              <a:ext uri="{28A0092B-C50C-407E-A947-70E740481C1C}">
+                <a14:useLocalDpi xmlns:a14="http://schemas.microsoft.com/office/drawing/2010/main" val="0"/>
+              </a:ext>
+            </a:extLst>
+          </a:blip>
+          <a:stretch>
+            <a:fillRect/>
+          </a:stretch>
+        </p:blipFill>
+        <p:spPr>
+          <a:xfrm>
+            <a:off x="5643605" y="1889132"/>
+            <a:ext cx="5451115" cy="4088336"/>
+          </a:xfrm>
+          <a:prstGeom prst="rect">
+            <a:avLst/>
+          </a:prstGeom>
+        </p:spPr>
+      </p:pic>
     </p:spTree>
     <p:extLst>
       <p:ext uri="{BB962C8B-B14F-4D97-AF65-F5344CB8AC3E}">
@@ -7646,31 +8205,6 @@
       </p:sp>
       <p:sp>
         <p:nvSpPr>
-          <p:cNvPr id="4" name="Text Placeholder 3">
-            <a:extLst>
-              <a:ext uri="{FF2B5EF4-FFF2-40B4-BE49-F238E27FC236}">
-                <a16:creationId xmlns:a16="http://schemas.microsoft.com/office/drawing/2014/main" id="{DF7D2B77-D5E2-4BE7-9976-86C58D5B2FBF}"/>
-              </a:ext>
-            </a:extLst>
-          </p:cNvPr>
-          <p:cNvSpPr>
-            <a:spLocks noGrp="1"/>
-          </p:cNvSpPr>
-          <p:nvPr>
-            <p:ph type="body" sz="half" idx="2"/>
-          </p:nvPr>
-        </p:nvSpPr>
-        <p:spPr/>
-        <p:txBody>
-          <a:bodyPr/>
-          <a:lstStyle/>
-          <a:p>
-            <a:endParaRPr lang="en-GB"/>
-          </a:p>
-        </p:txBody>
-      </p:sp>
-      <p:sp>
-        <p:nvSpPr>
           <p:cNvPr id="5" name="Date Placeholder 4">
             <a:extLst>
               <a:ext uri="{FF2B5EF4-FFF2-40B4-BE49-F238E27FC236}">
@@ -7692,7 +8226,7 @@
           <a:p>
             <a:fld id="{3D6CA3C4-FF3E-4D72-A9D2-D63DE6295F96}" type="datetime1">
               <a:rPr lang="en-GB" smtClean="0"/>
-              <a:t>06/05/2021</a:t>
+              <a:t>07/05/2021</a:t>
             </a:fld>
             <a:endParaRPr lang="en-GB"/>
           </a:p>
@@ -7748,49 +8282,6 @@
           <a:lstStyle/>
           <a:p>
             <a:endParaRPr lang="en-GB" dirty="0"/>
-          </a:p>
-        </p:txBody>
-      </p:sp>
-      <p:sp>
-        <p:nvSpPr>
-          <p:cNvPr id="8" name="Text Placeholder 7">
-            <a:extLst>
-              <a:ext uri="{FF2B5EF4-FFF2-40B4-BE49-F238E27FC236}">
-                <a16:creationId xmlns:a16="http://schemas.microsoft.com/office/drawing/2014/main" id="{FB72C4BA-1938-4363-834E-2F1E60D91414}"/>
-              </a:ext>
-            </a:extLst>
-          </p:cNvPr>
-          <p:cNvSpPr>
-            <a:spLocks noGrp="1"/>
-          </p:cNvSpPr>
-          <p:nvPr>
-            <p:ph type="body" sz="quarter" idx="13"/>
-          </p:nvPr>
-        </p:nvSpPr>
-        <p:spPr>
-          <a:xfrm>
-            <a:off x="4643021" y="5521325"/>
-            <a:ext cx="6968971" cy="693738"/>
-          </a:xfrm>
-        </p:spPr>
-        <p:txBody>
-          <a:bodyPr>
-            <a:noAutofit/>
-          </a:bodyPr>
-          <a:lstStyle/>
-          <a:p>
-            <a:r>
-              <a:rPr lang="en-GB" i="1" dirty="0"/>
-              <a:t>Figure 5: The evolution of the volume fraction (φ) and the nematic order parameter (S</a:t>
-            </a:r>
-            <a:r>
-              <a:rPr lang="en-GB" i="1" baseline="-25000" dirty="0"/>
-              <a:t>n</a:t>
-            </a:r>
-            <a:r>
-              <a:rPr lang="en-GB" i="1" dirty="0"/>
-              <a:t>) over the timescale of the simulation.</a:t>
-            </a:r>
           </a:p>
         </p:txBody>
       </p:sp>
@@ -7822,12 +8313,279 @@
         </p:blipFill>
         <p:spPr>
           <a:xfrm>
-            <a:off x="4711085" y="379254"/>
-            <a:ext cx="6662379" cy="5002210"/>
+            <a:off x="4521562" y="497316"/>
+            <a:ext cx="7213238" cy="5415803"/>
           </a:xfrm>
           <a:prstGeom prst="rect">
             <a:avLst/>
           </a:prstGeom>
+        </p:spPr>
+      </p:pic>
+      <p:pic>
+        <p:nvPicPr>
+          <p:cNvPr id="15" name="Picture 14">
+            <a:extLst>
+              <a:ext uri="{FF2B5EF4-FFF2-40B4-BE49-F238E27FC236}">
+                <a16:creationId xmlns:a16="http://schemas.microsoft.com/office/drawing/2014/main" id="{E44A18A1-164B-4BEF-90D3-FCBC8D5FFF11}"/>
+              </a:ext>
+            </a:extLst>
+          </p:cNvPr>
+          <p:cNvPicPr>
+            <a:picLocks noChangeAspect="1"/>
+          </p:cNvPicPr>
+          <p:nvPr/>
+        </p:nvPicPr>
+        <p:blipFill rotWithShape="1">
+          <a:blip r:embed="rId3">
+            <a:extLst>
+              <a:ext uri="{28A0092B-C50C-407E-A947-70E740481C1C}">
+                <a14:useLocalDpi xmlns:a14="http://schemas.microsoft.com/office/drawing/2010/main" val="0"/>
+              </a:ext>
+            </a:extLst>
+          </a:blip>
+          <a:srcRect l="7199" t="56674" r="72989" b="2259"/>
+          <a:stretch/>
+        </p:blipFill>
+        <p:spPr>
+          <a:xfrm>
+            <a:off x="9646967" y="3356975"/>
+            <a:ext cx="883641" cy="1355013"/>
+          </a:xfrm>
+          <a:prstGeom prst="rect">
+            <a:avLst/>
+          </a:prstGeom>
+          <a:ln w="12700">
+            <a:solidFill>
+              <a:schemeClr val="tx1"/>
+            </a:solidFill>
+          </a:ln>
+        </p:spPr>
+      </p:pic>
+      <p:pic>
+        <p:nvPicPr>
+          <p:cNvPr id="29" name="Picture 28">
+            <a:extLst>
+              <a:ext uri="{FF2B5EF4-FFF2-40B4-BE49-F238E27FC236}">
+                <a16:creationId xmlns:a16="http://schemas.microsoft.com/office/drawing/2014/main" id="{541D7C27-5BBD-4721-AC41-08E2DD1B7051}"/>
+              </a:ext>
+            </a:extLst>
+          </p:cNvPr>
+          <p:cNvPicPr>
+            <a:picLocks noChangeAspect="1"/>
+          </p:cNvPicPr>
+          <p:nvPr/>
+        </p:nvPicPr>
+        <p:blipFill rotWithShape="1">
+          <a:blip r:embed="rId3">
+            <a:extLst>
+              <a:ext uri="{28A0092B-C50C-407E-A947-70E740481C1C}">
+                <a14:useLocalDpi xmlns:a14="http://schemas.microsoft.com/office/drawing/2010/main" val="0"/>
+              </a:ext>
+            </a:extLst>
+          </a:blip>
+          <a:srcRect l="80188" b="58933"/>
+          <a:stretch/>
+        </p:blipFill>
+        <p:spPr>
+          <a:xfrm>
+            <a:off x="6096000" y="1693167"/>
+            <a:ext cx="883640" cy="1355012"/>
+          </a:xfrm>
+          <a:prstGeom prst="rect">
+            <a:avLst/>
+          </a:prstGeom>
+          <a:ln w="12700">
+            <a:solidFill>
+              <a:schemeClr val="tx1"/>
+            </a:solidFill>
+            <a:extLst>
+              <a:ext uri="{C807C97D-BFC1-408E-A445-0C87EB9F89A2}">
+                <ask:lineSketchStyleProps xmlns:ask="http://schemas.microsoft.com/office/drawing/2018/sketchyshapes" sd="981765707">
+                  <a:custGeom>
+                    <a:avLst/>
+                    <a:gdLst>
+                      <a:gd name="connsiteX0" fmla="*/ 0 w 999589"/>
+                      <a:gd name="connsiteY0" fmla="*/ 0 h 1532813"/>
+                      <a:gd name="connsiteX1" fmla="*/ 479803 w 999589"/>
+                      <a:gd name="connsiteY1" fmla="*/ 0 h 1532813"/>
+                      <a:gd name="connsiteX2" fmla="*/ 999589 w 999589"/>
+                      <a:gd name="connsiteY2" fmla="*/ 0 h 1532813"/>
+                      <a:gd name="connsiteX3" fmla="*/ 999589 w 999589"/>
+                      <a:gd name="connsiteY3" fmla="*/ 480281 h 1532813"/>
+                      <a:gd name="connsiteX4" fmla="*/ 999589 w 999589"/>
+                      <a:gd name="connsiteY4" fmla="*/ 1021875 h 1532813"/>
+                      <a:gd name="connsiteX5" fmla="*/ 999589 w 999589"/>
+                      <a:gd name="connsiteY5" fmla="*/ 1532813 h 1532813"/>
+                      <a:gd name="connsiteX6" fmla="*/ 499795 w 999589"/>
+                      <a:gd name="connsiteY6" fmla="*/ 1532813 h 1532813"/>
+                      <a:gd name="connsiteX7" fmla="*/ 0 w 999589"/>
+                      <a:gd name="connsiteY7" fmla="*/ 1532813 h 1532813"/>
+                      <a:gd name="connsiteX8" fmla="*/ 0 w 999589"/>
+                      <a:gd name="connsiteY8" fmla="*/ 1067860 h 1532813"/>
+                      <a:gd name="connsiteX9" fmla="*/ 0 w 999589"/>
+                      <a:gd name="connsiteY9" fmla="*/ 541594 h 1532813"/>
+                      <a:gd name="connsiteX10" fmla="*/ 0 w 999589"/>
+                      <a:gd name="connsiteY10" fmla="*/ 0 h 1532813"/>
+                    </a:gdLst>
+                    <a:ahLst/>
+                    <a:cxnLst>
+                      <a:cxn ang="0">
+                        <a:pos x="connsiteX0" y="connsiteY0"/>
+                      </a:cxn>
+                      <a:cxn ang="0">
+                        <a:pos x="connsiteX1" y="connsiteY1"/>
+                      </a:cxn>
+                      <a:cxn ang="0">
+                        <a:pos x="connsiteX2" y="connsiteY2"/>
+                      </a:cxn>
+                      <a:cxn ang="0">
+                        <a:pos x="connsiteX3" y="connsiteY3"/>
+                      </a:cxn>
+                      <a:cxn ang="0">
+                        <a:pos x="connsiteX4" y="connsiteY4"/>
+                      </a:cxn>
+                      <a:cxn ang="0">
+                        <a:pos x="connsiteX5" y="connsiteY5"/>
+                      </a:cxn>
+                      <a:cxn ang="0">
+                        <a:pos x="connsiteX6" y="connsiteY6"/>
+                      </a:cxn>
+                      <a:cxn ang="0">
+                        <a:pos x="connsiteX7" y="connsiteY7"/>
+                      </a:cxn>
+                      <a:cxn ang="0">
+                        <a:pos x="connsiteX8" y="connsiteY8"/>
+                      </a:cxn>
+                      <a:cxn ang="0">
+                        <a:pos x="connsiteX9" y="connsiteY9"/>
+                      </a:cxn>
+                      <a:cxn ang="0">
+                        <a:pos x="connsiteX10" y="connsiteY10"/>
+                      </a:cxn>
+                    </a:cxnLst>
+                    <a:rect l="l" t="t" r="r" b="b"/>
+                    <a:pathLst>
+                      <a:path w="999589" h="1532813" fill="none" extrusionOk="0">
+                        <a:moveTo>
+                          <a:pt x="0" y="0"/>
+                        </a:moveTo>
+                        <a:cubicBezTo>
+                          <a:pt x="200926" y="-23262"/>
+                          <a:pt x="259281" y="33257"/>
+                          <a:pt x="479803" y="0"/>
+                        </a:cubicBezTo>
+                        <a:cubicBezTo>
+                          <a:pt x="700325" y="-33257"/>
+                          <a:pt x="843583" y="55424"/>
+                          <a:pt x="999589" y="0"/>
+                        </a:cubicBezTo>
+                        <a:cubicBezTo>
+                          <a:pt x="1013226" y="231092"/>
+                          <a:pt x="952347" y="327461"/>
+                          <a:pt x="999589" y="480281"/>
+                        </a:cubicBezTo>
+                        <a:cubicBezTo>
+                          <a:pt x="1046831" y="633101"/>
+                          <a:pt x="955419" y="862616"/>
+                          <a:pt x="999589" y="1021875"/>
+                        </a:cubicBezTo>
+                        <a:cubicBezTo>
+                          <a:pt x="1043759" y="1181134"/>
+                          <a:pt x="985585" y="1285180"/>
+                          <a:pt x="999589" y="1532813"/>
+                        </a:cubicBezTo>
+                        <a:cubicBezTo>
+                          <a:pt x="850554" y="1549002"/>
+                          <a:pt x="623025" y="1487332"/>
+                          <a:pt x="499795" y="1532813"/>
+                        </a:cubicBezTo>
+                        <a:cubicBezTo>
+                          <a:pt x="376565" y="1578294"/>
+                          <a:pt x="145153" y="1524353"/>
+                          <a:pt x="0" y="1532813"/>
+                        </a:cubicBezTo>
+                        <a:cubicBezTo>
+                          <a:pt x="-20633" y="1342608"/>
+                          <a:pt x="45179" y="1237965"/>
+                          <a:pt x="0" y="1067860"/>
+                        </a:cubicBezTo>
+                        <a:cubicBezTo>
+                          <a:pt x="-45179" y="897755"/>
+                          <a:pt x="13013" y="682335"/>
+                          <a:pt x="0" y="541594"/>
+                        </a:cubicBezTo>
+                        <a:cubicBezTo>
+                          <a:pt x="-13013" y="400853"/>
+                          <a:pt x="7563" y="225770"/>
+                          <a:pt x="0" y="0"/>
+                        </a:cubicBezTo>
+                        <a:close/>
+                      </a:path>
+                      <a:path w="999589" h="1532813" stroke="0" extrusionOk="0">
+                        <a:moveTo>
+                          <a:pt x="0" y="0"/>
+                        </a:moveTo>
+                        <a:cubicBezTo>
+                          <a:pt x="172289" y="-3177"/>
+                          <a:pt x="328197" y="27595"/>
+                          <a:pt x="519786" y="0"/>
+                        </a:cubicBezTo>
+                        <a:cubicBezTo>
+                          <a:pt x="711375" y="-27595"/>
+                          <a:pt x="809895" y="50808"/>
+                          <a:pt x="999589" y="0"/>
+                        </a:cubicBezTo>
+                        <a:cubicBezTo>
+                          <a:pt x="1029648" y="160230"/>
+                          <a:pt x="987995" y="302071"/>
+                          <a:pt x="999589" y="480281"/>
+                        </a:cubicBezTo>
+                        <a:cubicBezTo>
+                          <a:pt x="1011183" y="658491"/>
+                          <a:pt x="968653" y="810146"/>
+                          <a:pt x="999589" y="1006547"/>
+                        </a:cubicBezTo>
+                        <a:cubicBezTo>
+                          <a:pt x="1030525" y="1202948"/>
+                          <a:pt x="988660" y="1296609"/>
+                          <a:pt x="999589" y="1532813"/>
+                        </a:cubicBezTo>
+                        <a:cubicBezTo>
+                          <a:pt x="849349" y="1584600"/>
+                          <a:pt x="610472" y="1496408"/>
+                          <a:pt x="499795" y="1532813"/>
+                        </a:cubicBezTo>
+                        <a:cubicBezTo>
+                          <a:pt x="389118" y="1569218"/>
+                          <a:pt x="237314" y="1479376"/>
+                          <a:pt x="0" y="1532813"/>
+                        </a:cubicBezTo>
+                        <a:cubicBezTo>
+                          <a:pt x="-60482" y="1404675"/>
+                          <a:pt x="59406" y="1117341"/>
+                          <a:pt x="0" y="1006547"/>
+                        </a:cubicBezTo>
+                        <a:cubicBezTo>
+                          <a:pt x="-59406" y="895753"/>
+                          <a:pt x="15896" y="630816"/>
+                          <a:pt x="0" y="510938"/>
+                        </a:cubicBezTo>
+                        <a:cubicBezTo>
+                          <a:pt x="-15896" y="391060"/>
+                          <a:pt x="2454" y="213595"/>
+                          <a:pt x="0" y="0"/>
+                        </a:cubicBezTo>
+                        <a:close/>
+                      </a:path>
+                    </a:pathLst>
+                  </a:custGeom>
+                  <ask:type>
+                    <ask:lineSketchNone/>
+                  </ask:type>
+                </ask:lineSketchStyleProps>
+              </a:ext>
+            </a:extLst>
+          </a:ln>
         </p:spPr>
       </p:pic>
     </p:spTree>
@@ -7890,31 +8648,6 @@
       </p:sp>
       <p:sp>
         <p:nvSpPr>
-          <p:cNvPr id="4" name="Text Placeholder 3">
-            <a:extLst>
-              <a:ext uri="{FF2B5EF4-FFF2-40B4-BE49-F238E27FC236}">
-                <a16:creationId xmlns:a16="http://schemas.microsoft.com/office/drawing/2014/main" id="{6E17A522-E991-4924-AB4F-0C0568FC793E}"/>
-              </a:ext>
-            </a:extLst>
-          </p:cNvPr>
-          <p:cNvSpPr>
-            <a:spLocks noGrp="1"/>
-          </p:cNvSpPr>
-          <p:nvPr>
-            <p:ph type="body" sz="half" idx="2"/>
-          </p:nvPr>
-        </p:nvSpPr>
-        <p:spPr/>
-        <p:txBody>
-          <a:bodyPr/>
-          <a:lstStyle/>
-          <a:p>
-            <a:endParaRPr lang="en-GB"/>
-          </a:p>
-        </p:txBody>
-      </p:sp>
-      <p:sp>
-        <p:nvSpPr>
           <p:cNvPr id="5" name="Date Placeholder 4">
             <a:extLst>
               <a:ext uri="{FF2B5EF4-FFF2-40B4-BE49-F238E27FC236}">
@@ -7936,7 +8669,7 @@
           <a:p>
             <a:fld id="{3D6CA3C4-FF3E-4D72-A9D2-D63DE6295F96}" type="datetime1">
               <a:rPr lang="en-GB" smtClean="0"/>
-              <a:t>06/05/2021</a:t>
+              <a:t>07/05/2021</a:t>
             </a:fld>
             <a:endParaRPr lang="en-GB"/>
           </a:p>
@@ -7992,57 +8725,6 @@
           <a:lstStyle/>
           <a:p>
             <a:endParaRPr lang="en-GB" dirty="0"/>
-          </a:p>
-        </p:txBody>
-      </p:sp>
-      <p:sp>
-        <p:nvSpPr>
-          <p:cNvPr id="8" name="Text Placeholder 7">
-            <a:extLst>
-              <a:ext uri="{FF2B5EF4-FFF2-40B4-BE49-F238E27FC236}">
-                <a16:creationId xmlns:a16="http://schemas.microsoft.com/office/drawing/2014/main" id="{AF5A2B8D-BE25-4D48-BCCA-0459EE06A190}"/>
-              </a:ext>
-            </a:extLst>
-          </p:cNvPr>
-          <p:cNvSpPr>
-            <a:spLocks noGrp="1"/>
-          </p:cNvSpPr>
-          <p:nvPr>
-            <p:ph type="body" sz="quarter" idx="13"/>
-          </p:nvPr>
-        </p:nvSpPr>
-        <p:spPr>
-          <a:xfrm>
-            <a:off x="4889377" y="5304797"/>
-            <a:ext cx="6483350" cy="693738"/>
-          </a:xfrm>
-        </p:spPr>
-        <p:txBody>
-          <a:bodyPr>
-            <a:noAutofit/>
-          </a:bodyPr>
-          <a:lstStyle/>
-          <a:p>
-            <a:r>
-              <a:rPr lang="en-GB" i="1" dirty="0"/>
-              <a:t>Figure 6: The evolution of the volume fraction (φ) against both the nematic (S</a:t>
-            </a:r>
-            <a:r>
-              <a:rPr lang="en-GB" i="1" baseline="-25000" dirty="0"/>
-              <a:t>n</a:t>
-            </a:r>
-            <a:r>
-              <a:rPr lang="en-GB" i="1" dirty="0"/>
-              <a:t>) and smectic (S</a:t>
-            </a:r>
-            <a:r>
-              <a:rPr lang="en-GB" i="1" baseline="-25000" dirty="0"/>
-              <a:t>s</a:t>
-            </a:r>
-            <a:r>
-              <a:rPr lang="en-GB" i="1" dirty="0"/>
-              <a:t>) order parameters over the timescale of the simulation</a:t>
-            </a:r>
           </a:p>
         </p:txBody>
       </p:sp>
@@ -8074,8 +8756,8 @@
         </p:blipFill>
         <p:spPr>
           <a:xfrm>
-            <a:off x="4800600" y="345415"/>
-            <a:ext cx="6483350" cy="4867792"/>
+            <a:off x="4589884" y="477494"/>
+            <a:ext cx="7144916" cy="5364505"/>
           </a:xfrm>
           <a:prstGeom prst="rect">
             <a:avLst/>
@@ -8279,7 +8961,7 @@
           <a:p>
             <a:fld id="{8F6670FA-D65C-4A60-91F1-AC7275D9A811}" type="datetime1">
               <a:rPr lang="en-GB" smtClean="0"/>
-              <a:t>06/05/2021</a:t>
+              <a:t>07/05/2021</a:t>
             </a:fld>
             <a:endParaRPr lang="en-GB"/>
           </a:p>
@@ -8342,6 +9024,41 @@
           </a:p>
         </p:txBody>
       </p:sp>
+      <p:pic>
+        <p:nvPicPr>
+          <p:cNvPr id="10" name="Picture 9">
+            <a:extLst>
+              <a:ext uri="{FF2B5EF4-FFF2-40B4-BE49-F238E27FC236}">
+                <a16:creationId xmlns:a16="http://schemas.microsoft.com/office/drawing/2014/main" id="{DAE07ADC-EF94-4D40-8BF7-05B623628E65}"/>
+              </a:ext>
+            </a:extLst>
+          </p:cNvPr>
+          <p:cNvPicPr>
+            <a:picLocks noChangeAspect="1"/>
+          </p:cNvPicPr>
+          <p:nvPr/>
+        </p:nvPicPr>
+        <p:blipFill rotWithShape="1">
+          <a:blip r:embed="rId2">
+            <a:extLst>
+              <a:ext uri="{28A0092B-C50C-407E-A947-70E740481C1C}">
+                <a14:useLocalDpi xmlns:a14="http://schemas.microsoft.com/office/drawing/2010/main" val="0"/>
+              </a:ext>
+            </a:extLst>
+          </a:blip>
+          <a:srcRect l="21385" r="19620" b="-3"/>
+          <a:stretch/>
+        </p:blipFill>
+        <p:spPr>
+          <a:xfrm>
+            <a:off x="6487607" y="1564640"/>
+            <a:ext cx="3402691" cy="4325893"/>
+          </a:xfrm>
+          <a:prstGeom prst="rect">
+            <a:avLst/>
+          </a:prstGeom>
+        </p:spPr>
+      </p:pic>
     </p:spTree>
     <p:extLst>
       <p:ext uri="{BB962C8B-B14F-4D97-AF65-F5344CB8AC3E}">
@@ -8377,7 +9094,7 @@
           <p:cNvPr id="2" name="Title 1">
             <a:extLst>
               <a:ext uri="{FF2B5EF4-FFF2-40B4-BE49-F238E27FC236}">
-                <a16:creationId xmlns:a16="http://schemas.microsoft.com/office/drawing/2014/main" id="{8942B4A0-F150-405A-9068-8F7612F09AE0}"/>
+                <a16:creationId xmlns:a16="http://schemas.microsoft.com/office/drawing/2014/main" id="{1246789B-11CA-439F-9305-3E99A70F7841}"/>
               </a:ext>
             </a:extLst>
           </p:cNvPr>
@@ -8395,17 +9112,17 @@
           <a:p>
             <a:r>
               <a:rPr lang="en-GB" dirty="0"/>
-              <a:t>Conclusions</a:t>
-            </a:r>
-          </a:p>
-        </p:txBody>
-      </p:sp>
-      <p:sp>
-        <p:nvSpPr>
-          <p:cNvPr id="3" name="Content Placeholder 2">
+              <a:t>Fixed Rigidity</a:t>
+            </a:r>
+          </a:p>
+        </p:txBody>
+      </p:sp>
+      <p:sp>
+        <p:nvSpPr>
+          <p:cNvPr id="5" name="Date Placeholder 4">
             <a:extLst>
               <a:ext uri="{FF2B5EF4-FFF2-40B4-BE49-F238E27FC236}">
-                <a16:creationId xmlns:a16="http://schemas.microsoft.com/office/drawing/2014/main" id="{AC53D448-2676-4126-B047-DB0C6E8D4412}"/>
+                <a16:creationId xmlns:a16="http://schemas.microsoft.com/office/drawing/2014/main" id="{DB2BA0B5-9B2F-4DB9-871F-6F0F7BBB622B}"/>
               </a:ext>
             </a:extLst>
           </p:cNvPr>
@@ -8413,105 +9130,28 @@
             <a:spLocks noGrp="1"/>
           </p:cNvSpPr>
           <p:nvPr>
-            <p:ph idx="1"/>
+            <p:ph type="dt" sz="half" idx="10"/>
           </p:nvPr>
         </p:nvSpPr>
         <p:spPr/>
         <p:txBody>
-          <a:bodyPr>
-            <a:normAutofit/>
-          </a:bodyPr>
+          <a:bodyPr/>
           <a:lstStyle/>
           <a:p>
-            <a:pPr>
-              <a:buFont typeface="Arial" panose="020B0604020202020204" pitchFamily="34" charset="0"/>
-              <a:buChar char="•"/>
-            </a:pPr>
-            <a:r>
-              <a:rPr lang="en-GB" sz="2800" dirty="0"/>
-              <a:t> Introduction</a:t>
-            </a:r>
-          </a:p>
-          <a:p>
-            <a:pPr>
-              <a:buFont typeface="Arial" panose="020B0604020202020204" pitchFamily="34" charset="0"/>
-              <a:buChar char="•"/>
-            </a:pPr>
-            <a:r>
-              <a:rPr lang="en-GB" sz="2800" b="1" dirty="0"/>
-              <a:t> </a:t>
-            </a:r>
-            <a:r>
-              <a:rPr lang="en-GB" sz="2800" dirty="0"/>
-              <a:t>Methods</a:t>
-            </a:r>
-          </a:p>
-          <a:p>
-            <a:pPr>
-              <a:buFont typeface="Arial" panose="020B0604020202020204" pitchFamily="34" charset="0"/>
-              <a:buChar char="•"/>
-            </a:pPr>
-            <a:r>
-              <a:rPr lang="en-GB" sz="2800" dirty="0"/>
-              <a:t> Rigid Rod Simulations</a:t>
-            </a:r>
-          </a:p>
-          <a:p>
-            <a:pPr>
-              <a:buFont typeface="Arial" panose="020B0604020202020204" pitchFamily="34" charset="0"/>
-              <a:buChar char="•"/>
-            </a:pPr>
-            <a:r>
-              <a:rPr lang="en-GB" sz="2800" dirty="0"/>
-              <a:t> Nunchuck Simulations </a:t>
-            </a:r>
-          </a:p>
-          <a:p>
-            <a:pPr>
-              <a:buFont typeface="Arial" panose="020B0604020202020204" pitchFamily="34" charset="0"/>
-              <a:buChar char="•"/>
-            </a:pPr>
-            <a:r>
-              <a:rPr lang="en-GB" sz="2800" dirty="0"/>
-              <a:t> </a:t>
-            </a:r>
-            <a:r>
-              <a:rPr lang="en-GB" sz="2800" b="1" dirty="0"/>
-              <a:t>Conclusions</a:t>
-            </a:r>
-          </a:p>
-          <a:p>
-            <a:pPr lvl="1">
-              <a:buFont typeface="Arial" panose="020B0604020202020204" pitchFamily="34" charset="0"/>
-              <a:buChar char="•"/>
-            </a:pPr>
-            <a:r>
-              <a:rPr lang="en-GB" sz="2600" i="1" dirty="0"/>
-              <a:t>Primary Findings</a:t>
-            </a:r>
-          </a:p>
-          <a:p>
-            <a:pPr lvl="1">
-              <a:buFont typeface="Arial" panose="020B0604020202020204" pitchFamily="34" charset="0"/>
-              <a:buChar char="•"/>
-            </a:pPr>
-            <a:r>
-              <a:rPr lang="en-GB" sz="2600" i="1" dirty="0"/>
-              <a:t>Further Work</a:t>
-            </a:r>
-            <a:endParaRPr lang="en-GB" sz="2600" dirty="0"/>
-          </a:p>
-          <a:p>
-            <a:endParaRPr lang="en-GB" dirty="0"/>
-          </a:p>
-        </p:txBody>
-      </p:sp>
-      <p:sp>
-        <p:nvSpPr>
-          <p:cNvPr id="7" name="Date Placeholder 6">
+            <a:fld id="{3D6CA3C4-FF3E-4D72-A9D2-D63DE6295F96}" type="datetime1">
+              <a:rPr lang="en-GB" smtClean="0"/>
+              <a:t>07/05/2021</a:t>
+            </a:fld>
+            <a:endParaRPr lang="en-GB"/>
+          </a:p>
+        </p:txBody>
+      </p:sp>
+      <p:sp>
+        <p:nvSpPr>
+          <p:cNvPr id="6" name="Footer Placeholder 5">
             <a:extLst>
               <a:ext uri="{FF2B5EF4-FFF2-40B4-BE49-F238E27FC236}">
-                <a16:creationId xmlns:a16="http://schemas.microsoft.com/office/drawing/2014/main" id="{A899C2D9-963B-4A7D-B350-213AC1754454}"/>
+                <a16:creationId xmlns:a16="http://schemas.microsoft.com/office/drawing/2014/main" id="{6CA485D1-C167-4CF1-94DD-B3719C211915}"/>
               </a:ext>
             </a:extLst>
           </p:cNvPr>
@@ -8519,7 +9159,7 @@
             <a:spLocks noGrp="1"/>
           </p:cNvSpPr>
           <p:nvPr>
-            <p:ph type="dt" sz="half" idx="10"/>
+            <p:ph type="ftr" sz="quarter" idx="11"/>
           </p:nvPr>
         </p:nvSpPr>
         <p:spPr/>
@@ -8527,75 +9167,109 @@
           <a:bodyPr/>
           <a:lstStyle/>
           <a:p>
-            <a:fld id="{6FF9E546-BF22-4E63-B4C9-3E8B5ADD2B3A}" type="datetime1">
-              <a:rPr lang="en-GB" smtClean="0"/>
-              <a:t>06/05/2021</a:t>
-            </a:fld>
-            <a:endParaRPr lang="en-GB"/>
-          </a:p>
-        </p:txBody>
-      </p:sp>
-      <p:sp>
-        <p:nvSpPr>
-          <p:cNvPr id="8" name="Footer Placeholder 7">
+            <a:r>
+              <a:rPr lang="en-GB"/>
+              <a:t>Simulating Liquid Crystals</a:t>
+            </a:r>
+          </a:p>
+        </p:txBody>
+      </p:sp>
+      <p:grpSp>
+        <p:nvGrpSpPr>
+          <p:cNvPr id="12" name="Group 11">
             <a:extLst>
               <a:ext uri="{FF2B5EF4-FFF2-40B4-BE49-F238E27FC236}">
-                <a16:creationId xmlns:a16="http://schemas.microsoft.com/office/drawing/2014/main" id="{5B41B150-3135-4FDE-9CE6-C3447A401A81}"/>
+                <a16:creationId xmlns:a16="http://schemas.microsoft.com/office/drawing/2014/main" id="{5739FFBD-82F8-4429-9606-59675B408631}"/>
               </a:ext>
             </a:extLst>
           </p:cNvPr>
-          <p:cNvSpPr>
-            <a:spLocks noGrp="1"/>
-          </p:cNvSpPr>
-          <p:nvPr>
-            <p:ph type="ftr" sz="quarter" idx="11"/>
-          </p:nvPr>
-        </p:nvSpPr>
-        <p:spPr/>
-        <p:txBody>
-          <a:bodyPr/>
-          <a:lstStyle/>
-          <a:p>
-            <a:r>
-              <a:rPr lang="en-GB"/>
-              <a:t>Simulating Liquid Crystals</a:t>
-            </a:r>
-          </a:p>
-        </p:txBody>
-      </p:sp>
-      <p:sp>
-        <p:nvSpPr>
-          <p:cNvPr id="9" name="Slide Number Placeholder 8">
-            <a:extLst>
-              <a:ext uri="{FF2B5EF4-FFF2-40B4-BE49-F238E27FC236}">
-                <a16:creationId xmlns:a16="http://schemas.microsoft.com/office/drawing/2014/main" id="{8CDB5539-7981-43FC-A4B3-45CFD7FCFCDE}"/>
-              </a:ext>
-            </a:extLst>
-          </p:cNvPr>
-          <p:cNvSpPr>
-            <a:spLocks noGrp="1"/>
-          </p:cNvSpPr>
-          <p:nvPr>
-            <p:ph type="sldNum" sz="quarter" idx="12"/>
-          </p:nvPr>
-        </p:nvSpPr>
-        <p:spPr/>
-        <p:txBody>
-          <a:bodyPr/>
-          <a:lstStyle/>
-          <a:p>
-            <a:fld id="{AB645ECC-7A7A-4729-8128-50B722794741}" type="slidenum">
-              <a:rPr lang="en-GB" smtClean="0"/>
-              <a:t>14</a:t>
-            </a:fld>
-            <a:endParaRPr lang="en-GB"/>
-          </a:p>
-        </p:txBody>
-      </p:sp>
+          <p:cNvGrpSpPr/>
+          <p:nvPr/>
+        </p:nvGrpSpPr>
+        <p:grpSpPr>
+          <a:xfrm>
+            <a:off x="4380456" y="222467"/>
+            <a:ext cx="7354344" cy="5619533"/>
+            <a:chOff x="4543016" y="339100"/>
+            <a:chExt cx="7080023" cy="5315783"/>
+          </a:xfrm>
+        </p:grpSpPr>
+        <p:pic>
+          <p:nvPicPr>
+            <p:cNvPr id="10" name="Picture 9" descr="Chart, histogram&#10;&#10;Description automatically generated">
+              <a:extLst>
+                <a:ext uri="{FF2B5EF4-FFF2-40B4-BE49-F238E27FC236}">
+                  <a16:creationId xmlns:a16="http://schemas.microsoft.com/office/drawing/2014/main" id="{162BB074-B9AB-4D8E-84A9-97099E8FEDAF}"/>
+                </a:ext>
+              </a:extLst>
+            </p:cNvPr>
+            <p:cNvPicPr>
+              <a:picLocks noChangeAspect="1"/>
+            </p:cNvPicPr>
+            <p:nvPr/>
+          </p:nvPicPr>
+          <p:blipFill>
+            <a:blip r:embed="rId2">
+              <a:extLst>
+                <a:ext uri="{28A0092B-C50C-407E-A947-70E740481C1C}">
+                  <a14:useLocalDpi xmlns:a14="http://schemas.microsoft.com/office/drawing/2010/main" val="0"/>
+                </a:ext>
+              </a:extLst>
+            </a:blip>
+            <a:stretch>
+              <a:fillRect/>
+            </a:stretch>
+          </p:blipFill>
+          <p:spPr>
+            <a:xfrm>
+              <a:off x="4543016" y="339100"/>
+              <a:ext cx="7080023" cy="5315783"/>
+            </a:xfrm>
+            <a:prstGeom prst="rect">
+              <a:avLst/>
+            </a:prstGeom>
+          </p:spPr>
+        </p:pic>
+        <p:pic>
+          <p:nvPicPr>
+            <p:cNvPr id="11" name="Picture 10" descr="Chart, histogram&#10;&#10;Description automatically generated">
+              <a:extLst>
+                <a:ext uri="{FF2B5EF4-FFF2-40B4-BE49-F238E27FC236}">
+                  <a16:creationId xmlns:a16="http://schemas.microsoft.com/office/drawing/2014/main" id="{45D1247D-29E9-43CB-9E4E-83845D5F2DD1}"/>
+                </a:ext>
+              </a:extLst>
+            </p:cNvPr>
+            <p:cNvPicPr>
+              <a:picLocks noChangeAspect="1"/>
+            </p:cNvPicPr>
+            <p:nvPr/>
+          </p:nvPicPr>
+          <p:blipFill rotWithShape="1">
+            <a:blip r:embed="rId3">
+              <a:extLst>
+                <a:ext uri="{28A0092B-C50C-407E-A947-70E740481C1C}">
+                  <a14:useLocalDpi xmlns:a14="http://schemas.microsoft.com/office/drawing/2010/main" val="0"/>
+                </a:ext>
+              </a:extLst>
+            </a:blip>
+            <a:srcRect l="84645" t="28739" r="10328" b="26565"/>
+            <a:stretch/>
+          </p:blipFill>
+          <p:spPr>
+            <a:xfrm>
+              <a:off x="10718800" y="1849121"/>
+              <a:ext cx="375920" cy="2509520"/>
+            </a:xfrm>
+            <a:prstGeom prst="rect">
+              <a:avLst/>
+            </a:prstGeom>
+          </p:spPr>
+        </p:pic>
+      </p:grpSp>
     </p:spTree>
     <p:extLst>
       <p:ext uri="{BB962C8B-B14F-4D97-AF65-F5344CB8AC3E}">
-        <p14:creationId xmlns:p14="http://schemas.microsoft.com/office/powerpoint/2010/main" val="4282608364"/>
+        <p14:creationId xmlns:p14="http://schemas.microsoft.com/office/powerpoint/2010/main" val="2707591325"/>
       </p:ext>
     </p:extLst>
   </p:cSld>
@@ -8627,6 +9301,563 @@
           <p:cNvPr id="2" name="Title 1">
             <a:extLst>
               <a:ext uri="{FF2B5EF4-FFF2-40B4-BE49-F238E27FC236}">
+                <a16:creationId xmlns:a16="http://schemas.microsoft.com/office/drawing/2014/main" id="{837ACC06-1A7F-4C27-A48C-5338F82F6465}"/>
+              </a:ext>
+            </a:extLst>
+          </p:cNvPr>
+          <p:cNvSpPr>
+            <a:spLocks noGrp="1"/>
+          </p:cNvSpPr>
+          <p:nvPr>
+            <p:ph type="title"/>
+          </p:nvPr>
+        </p:nvSpPr>
+        <p:spPr/>
+        <p:txBody>
+          <a:bodyPr/>
+          <a:lstStyle/>
+          <a:p>
+            <a:r>
+              <a:rPr lang="en-GB" dirty="0"/>
+              <a:t>Fixed Angle</a:t>
+            </a:r>
+          </a:p>
+        </p:txBody>
+      </p:sp>
+      <p:sp>
+        <p:nvSpPr>
+          <p:cNvPr id="5" name="Date Placeholder 4">
+            <a:extLst>
+              <a:ext uri="{FF2B5EF4-FFF2-40B4-BE49-F238E27FC236}">
+                <a16:creationId xmlns:a16="http://schemas.microsoft.com/office/drawing/2014/main" id="{D651C8D5-DDCE-434E-BA3F-FFE2FA5B721A}"/>
+              </a:ext>
+            </a:extLst>
+          </p:cNvPr>
+          <p:cNvSpPr>
+            <a:spLocks noGrp="1"/>
+          </p:cNvSpPr>
+          <p:nvPr>
+            <p:ph type="dt" sz="half" idx="10"/>
+          </p:nvPr>
+        </p:nvSpPr>
+        <p:spPr/>
+        <p:txBody>
+          <a:bodyPr/>
+          <a:lstStyle/>
+          <a:p>
+            <a:fld id="{3D6CA3C4-FF3E-4D72-A9D2-D63DE6295F96}" type="datetime1">
+              <a:rPr lang="en-GB" smtClean="0"/>
+              <a:t>07/05/2021</a:t>
+            </a:fld>
+            <a:endParaRPr lang="en-GB"/>
+          </a:p>
+        </p:txBody>
+      </p:sp>
+      <p:sp>
+        <p:nvSpPr>
+          <p:cNvPr id="6" name="Footer Placeholder 5">
+            <a:extLst>
+              <a:ext uri="{FF2B5EF4-FFF2-40B4-BE49-F238E27FC236}">
+                <a16:creationId xmlns:a16="http://schemas.microsoft.com/office/drawing/2014/main" id="{028E4883-D25C-4C0D-920D-7E614996AE53}"/>
+              </a:ext>
+            </a:extLst>
+          </p:cNvPr>
+          <p:cNvSpPr>
+            <a:spLocks noGrp="1"/>
+          </p:cNvSpPr>
+          <p:nvPr>
+            <p:ph type="ftr" sz="quarter" idx="11"/>
+          </p:nvPr>
+        </p:nvSpPr>
+        <p:spPr/>
+        <p:txBody>
+          <a:bodyPr/>
+          <a:lstStyle/>
+          <a:p>
+            <a:r>
+              <a:rPr lang="en-GB"/>
+              <a:t>Simulating Liquid Crystals</a:t>
+            </a:r>
+          </a:p>
+        </p:txBody>
+      </p:sp>
+      <p:pic>
+        <p:nvPicPr>
+          <p:cNvPr id="10" name="Picture 9" descr="Chart, histogram&#10;&#10;Description automatically generated">
+            <a:extLst>
+              <a:ext uri="{FF2B5EF4-FFF2-40B4-BE49-F238E27FC236}">
+                <a16:creationId xmlns:a16="http://schemas.microsoft.com/office/drawing/2014/main" id="{6B79FC3E-7EDF-42EE-8753-C7504A0D2D4F}"/>
+              </a:ext>
+            </a:extLst>
+          </p:cNvPr>
+          <p:cNvPicPr>
+            <a:picLocks noChangeAspect="1"/>
+          </p:cNvPicPr>
+          <p:nvPr/>
+        </p:nvPicPr>
+        <p:blipFill>
+          <a:blip r:embed="rId2">
+            <a:extLst>
+              <a:ext uri="{28A0092B-C50C-407E-A947-70E740481C1C}">
+                <a14:useLocalDpi xmlns:a14="http://schemas.microsoft.com/office/drawing/2010/main" val="0"/>
+              </a:ext>
+            </a:extLst>
+          </a:blip>
+          <a:stretch>
+            <a:fillRect/>
+          </a:stretch>
+        </p:blipFill>
+        <p:spPr>
+          <a:xfrm>
+            <a:off x="4583657" y="359420"/>
+            <a:ext cx="7478092" cy="5614659"/>
+          </a:xfrm>
+          <a:prstGeom prst="rect">
+            <a:avLst/>
+          </a:prstGeom>
+        </p:spPr>
+      </p:pic>
+    </p:spTree>
+    <p:extLst>
+      <p:ext uri="{BB962C8B-B14F-4D97-AF65-F5344CB8AC3E}">
+        <p14:creationId xmlns:p14="http://schemas.microsoft.com/office/powerpoint/2010/main" val="1367881792"/>
+      </p:ext>
+    </p:extLst>
+  </p:cSld>
+  <p:clrMapOvr>
+    <a:masterClrMapping/>
+  </p:clrMapOvr>
+</p:sld>
+</file>
+
+<file path=ppt/slides/slide16.xml><?xml version="1.0" encoding="utf-8"?>
+<p:sld xmlns:a="http://schemas.openxmlformats.org/drawingml/2006/main" xmlns:r="http://schemas.openxmlformats.org/officeDocument/2006/relationships" xmlns:p="http://schemas.openxmlformats.org/presentationml/2006/main">
+  <p:cSld>
+    <p:spTree>
+      <p:nvGrpSpPr>
+        <p:cNvPr id="1" name=""/>
+        <p:cNvGrpSpPr/>
+        <p:nvPr/>
+      </p:nvGrpSpPr>
+      <p:grpSpPr>
+        <a:xfrm>
+          <a:off x="0" y="0"/>
+          <a:ext cx="0" cy="0"/>
+          <a:chOff x="0" y="0"/>
+          <a:chExt cx="0" cy="0"/>
+        </a:xfrm>
+      </p:grpSpPr>
+      <p:sp>
+        <p:nvSpPr>
+          <p:cNvPr id="2" name="Title 1">
+            <a:extLst>
+              <a:ext uri="{FF2B5EF4-FFF2-40B4-BE49-F238E27FC236}">
+                <a16:creationId xmlns:a16="http://schemas.microsoft.com/office/drawing/2014/main" id="{E7C6CE03-7E53-4CE4-AC36-767C7FE6BD0F}"/>
+              </a:ext>
+            </a:extLst>
+          </p:cNvPr>
+          <p:cNvSpPr>
+            <a:spLocks noGrp="1"/>
+          </p:cNvSpPr>
+          <p:nvPr>
+            <p:ph type="title"/>
+          </p:nvPr>
+        </p:nvSpPr>
+        <p:spPr/>
+        <p:txBody>
+          <a:bodyPr/>
+          <a:lstStyle/>
+          <a:p>
+            <a:r>
+              <a:rPr lang="en-GB" dirty="0"/>
+              <a:t>Dynamic Properties</a:t>
+            </a:r>
+          </a:p>
+        </p:txBody>
+      </p:sp>
+      <p:sp>
+        <p:nvSpPr>
+          <p:cNvPr id="5" name="Date Placeholder 4">
+            <a:extLst>
+              <a:ext uri="{FF2B5EF4-FFF2-40B4-BE49-F238E27FC236}">
+                <a16:creationId xmlns:a16="http://schemas.microsoft.com/office/drawing/2014/main" id="{FB746BFD-7D45-496D-A19E-73E57AAF4708}"/>
+              </a:ext>
+            </a:extLst>
+          </p:cNvPr>
+          <p:cNvSpPr>
+            <a:spLocks noGrp="1"/>
+          </p:cNvSpPr>
+          <p:nvPr>
+            <p:ph type="dt" sz="half" idx="10"/>
+          </p:nvPr>
+        </p:nvSpPr>
+        <p:spPr/>
+        <p:txBody>
+          <a:bodyPr/>
+          <a:lstStyle/>
+          <a:p>
+            <a:fld id="{3D6CA3C4-FF3E-4D72-A9D2-D63DE6295F96}" type="datetime1">
+              <a:rPr lang="en-GB" smtClean="0"/>
+              <a:t>07/05/2021</a:t>
+            </a:fld>
+            <a:endParaRPr lang="en-GB"/>
+          </a:p>
+        </p:txBody>
+      </p:sp>
+      <p:sp>
+        <p:nvSpPr>
+          <p:cNvPr id="6" name="Footer Placeholder 5">
+            <a:extLst>
+              <a:ext uri="{FF2B5EF4-FFF2-40B4-BE49-F238E27FC236}">
+                <a16:creationId xmlns:a16="http://schemas.microsoft.com/office/drawing/2014/main" id="{9C39C343-C852-4CB2-9CF5-C152AA78CCDE}"/>
+              </a:ext>
+            </a:extLst>
+          </p:cNvPr>
+          <p:cNvSpPr>
+            <a:spLocks noGrp="1"/>
+          </p:cNvSpPr>
+          <p:nvPr>
+            <p:ph type="ftr" sz="quarter" idx="11"/>
+          </p:nvPr>
+        </p:nvSpPr>
+        <p:spPr/>
+        <p:txBody>
+          <a:bodyPr/>
+          <a:lstStyle/>
+          <a:p>
+            <a:r>
+              <a:rPr lang="en-GB"/>
+              <a:t>Simulating Liquid Crystals</a:t>
+            </a:r>
+          </a:p>
+        </p:txBody>
+      </p:sp>
+      <p:pic>
+        <p:nvPicPr>
+          <p:cNvPr id="13" name="Picture 12">
+            <a:extLst>
+              <a:ext uri="{FF2B5EF4-FFF2-40B4-BE49-F238E27FC236}">
+                <a16:creationId xmlns:a16="http://schemas.microsoft.com/office/drawing/2014/main" id="{3775E68E-EB29-4F3A-8E12-23ADEE6DA8EC}"/>
+              </a:ext>
+            </a:extLst>
+          </p:cNvPr>
+          <p:cNvPicPr>
+            <a:picLocks noChangeAspect="1"/>
+          </p:cNvPicPr>
+          <p:nvPr/>
+        </p:nvPicPr>
+        <p:blipFill>
+          <a:blip r:embed="rId2">
+            <a:clrChange>
+              <a:clrFrom>
+                <a:srgbClr val="FFFFFF"/>
+              </a:clrFrom>
+              <a:clrTo>
+                <a:srgbClr val="FFFFFF">
+                  <a:alpha val="0"/>
+                </a:srgbClr>
+              </a:clrTo>
+            </a:clrChange>
+          </a:blip>
+          <a:stretch>
+            <a:fillRect/>
+          </a:stretch>
+        </p:blipFill>
+        <p:spPr>
+          <a:xfrm>
+            <a:off x="1770615" y="1656080"/>
+            <a:ext cx="8650770" cy="4497825"/>
+          </a:xfrm>
+          <a:prstGeom prst="rect">
+            <a:avLst/>
+          </a:prstGeom>
+        </p:spPr>
+      </p:pic>
+    </p:spTree>
+    <p:extLst>
+      <p:ext uri="{BB962C8B-B14F-4D97-AF65-F5344CB8AC3E}">
+        <p14:creationId xmlns:p14="http://schemas.microsoft.com/office/powerpoint/2010/main" val="1649574542"/>
+      </p:ext>
+    </p:extLst>
+  </p:cSld>
+  <p:clrMapOvr>
+    <a:masterClrMapping/>
+  </p:clrMapOvr>
+</p:sld>
+</file>
+
+<file path=ppt/slides/slide17.xml><?xml version="1.0" encoding="utf-8"?>
+<p:sld xmlns:a="http://schemas.openxmlformats.org/drawingml/2006/main" xmlns:r="http://schemas.openxmlformats.org/officeDocument/2006/relationships" xmlns:p="http://schemas.openxmlformats.org/presentationml/2006/main">
+  <p:cSld>
+    <p:spTree>
+      <p:nvGrpSpPr>
+        <p:cNvPr id="1" name=""/>
+        <p:cNvGrpSpPr/>
+        <p:nvPr/>
+      </p:nvGrpSpPr>
+      <p:grpSpPr>
+        <a:xfrm>
+          <a:off x="0" y="0"/>
+          <a:ext cx="0" cy="0"/>
+          <a:chOff x="0" y="0"/>
+          <a:chExt cx="0" cy="0"/>
+        </a:xfrm>
+      </p:grpSpPr>
+      <p:sp>
+        <p:nvSpPr>
+          <p:cNvPr id="2" name="Title 1">
+            <a:extLst>
+              <a:ext uri="{FF2B5EF4-FFF2-40B4-BE49-F238E27FC236}">
+                <a16:creationId xmlns:a16="http://schemas.microsoft.com/office/drawing/2014/main" id="{8942B4A0-F150-405A-9068-8F7612F09AE0}"/>
+              </a:ext>
+            </a:extLst>
+          </p:cNvPr>
+          <p:cNvSpPr>
+            <a:spLocks noGrp="1"/>
+          </p:cNvSpPr>
+          <p:nvPr>
+            <p:ph type="title"/>
+          </p:nvPr>
+        </p:nvSpPr>
+        <p:spPr/>
+        <p:txBody>
+          <a:bodyPr/>
+          <a:lstStyle/>
+          <a:p>
+            <a:r>
+              <a:rPr lang="en-GB" dirty="0"/>
+              <a:t>Conclusions</a:t>
+            </a:r>
+          </a:p>
+        </p:txBody>
+      </p:sp>
+      <p:sp>
+        <p:nvSpPr>
+          <p:cNvPr id="3" name="Content Placeholder 2">
+            <a:extLst>
+              <a:ext uri="{FF2B5EF4-FFF2-40B4-BE49-F238E27FC236}">
+                <a16:creationId xmlns:a16="http://schemas.microsoft.com/office/drawing/2014/main" id="{AC53D448-2676-4126-B047-DB0C6E8D4412}"/>
+              </a:ext>
+            </a:extLst>
+          </p:cNvPr>
+          <p:cNvSpPr>
+            <a:spLocks noGrp="1"/>
+          </p:cNvSpPr>
+          <p:nvPr>
+            <p:ph idx="1"/>
+          </p:nvPr>
+        </p:nvSpPr>
+        <p:spPr/>
+        <p:txBody>
+          <a:bodyPr>
+            <a:normAutofit/>
+          </a:bodyPr>
+          <a:lstStyle/>
+          <a:p>
+            <a:pPr>
+              <a:buFont typeface="Arial" panose="020B0604020202020204" pitchFamily="34" charset="0"/>
+              <a:buChar char="•"/>
+            </a:pPr>
+            <a:r>
+              <a:rPr lang="en-GB" sz="2800" dirty="0"/>
+              <a:t> Introduction</a:t>
+            </a:r>
+          </a:p>
+          <a:p>
+            <a:pPr>
+              <a:buFont typeface="Arial" panose="020B0604020202020204" pitchFamily="34" charset="0"/>
+              <a:buChar char="•"/>
+            </a:pPr>
+            <a:r>
+              <a:rPr lang="en-GB" sz="2800" b="1" dirty="0"/>
+              <a:t> </a:t>
+            </a:r>
+            <a:r>
+              <a:rPr lang="en-GB" sz="2800" dirty="0"/>
+              <a:t>Methods</a:t>
+            </a:r>
+          </a:p>
+          <a:p>
+            <a:pPr>
+              <a:buFont typeface="Arial" panose="020B0604020202020204" pitchFamily="34" charset="0"/>
+              <a:buChar char="•"/>
+            </a:pPr>
+            <a:r>
+              <a:rPr lang="en-GB" sz="2800" dirty="0"/>
+              <a:t> Rigid Rod Simulations</a:t>
+            </a:r>
+          </a:p>
+          <a:p>
+            <a:pPr>
+              <a:buFont typeface="Arial" panose="020B0604020202020204" pitchFamily="34" charset="0"/>
+              <a:buChar char="•"/>
+            </a:pPr>
+            <a:r>
+              <a:rPr lang="en-GB" sz="2800" dirty="0"/>
+              <a:t> Nunchuck Simulations </a:t>
+            </a:r>
+          </a:p>
+          <a:p>
+            <a:pPr>
+              <a:buFont typeface="Arial" panose="020B0604020202020204" pitchFamily="34" charset="0"/>
+              <a:buChar char="•"/>
+            </a:pPr>
+            <a:r>
+              <a:rPr lang="en-GB" sz="2800" dirty="0"/>
+              <a:t> </a:t>
+            </a:r>
+            <a:r>
+              <a:rPr lang="en-GB" sz="2800" b="1" dirty="0"/>
+              <a:t>Conclusions</a:t>
+            </a:r>
+          </a:p>
+          <a:p>
+            <a:pPr lvl="1">
+              <a:buFont typeface="Arial" panose="020B0604020202020204" pitchFamily="34" charset="0"/>
+              <a:buChar char="•"/>
+            </a:pPr>
+            <a:r>
+              <a:rPr lang="en-GB" sz="2600" i="1" dirty="0"/>
+              <a:t>Primary Findings</a:t>
+            </a:r>
+          </a:p>
+          <a:p>
+            <a:pPr lvl="1">
+              <a:buFont typeface="Arial" panose="020B0604020202020204" pitchFamily="34" charset="0"/>
+              <a:buChar char="•"/>
+            </a:pPr>
+            <a:r>
+              <a:rPr lang="en-GB" sz="2600" i="1" dirty="0"/>
+              <a:t>Further Work</a:t>
+            </a:r>
+            <a:endParaRPr lang="en-GB" sz="2600" dirty="0"/>
+          </a:p>
+          <a:p>
+            <a:endParaRPr lang="en-GB" dirty="0"/>
+          </a:p>
+        </p:txBody>
+      </p:sp>
+      <p:sp>
+        <p:nvSpPr>
+          <p:cNvPr id="7" name="Date Placeholder 6">
+            <a:extLst>
+              <a:ext uri="{FF2B5EF4-FFF2-40B4-BE49-F238E27FC236}">
+                <a16:creationId xmlns:a16="http://schemas.microsoft.com/office/drawing/2014/main" id="{A899C2D9-963B-4A7D-B350-213AC1754454}"/>
+              </a:ext>
+            </a:extLst>
+          </p:cNvPr>
+          <p:cNvSpPr>
+            <a:spLocks noGrp="1"/>
+          </p:cNvSpPr>
+          <p:nvPr>
+            <p:ph type="dt" sz="half" idx="10"/>
+          </p:nvPr>
+        </p:nvSpPr>
+        <p:spPr/>
+        <p:txBody>
+          <a:bodyPr/>
+          <a:lstStyle/>
+          <a:p>
+            <a:fld id="{6FF9E546-BF22-4E63-B4C9-3E8B5ADD2B3A}" type="datetime1">
+              <a:rPr lang="en-GB" smtClean="0"/>
+              <a:t>07/05/2021</a:t>
+            </a:fld>
+            <a:endParaRPr lang="en-GB"/>
+          </a:p>
+        </p:txBody>
+      </p:sp>
+      <p:sp>
+        <p:nvSpPr>
+          <p:cNvPr id="8" name="Footer Placeholder 7">
+            <a:extLst>
+              <a:ext uri="{FF2B5EF4-FFF2-40B4-BE49-F238E27FC236}">
+                <a16:creationId xmlns:a16="http://schemas.microsoft.com/office/drawing/2014/main" id="{5B41B150-3135-4FDE-9CE6-C3447A401A81}"/>
+              </a:ext>
+            </a:extLst>
+          </p:cNvPr>
+          <p:cNvSpPr>
+            <a:spLocks noGrp="1"/>
+          </p:cNvSpPr>
+          <p:nvPr>
+            <p:ph type="ftr" sz="quarter" idx="11"/>
+          </p:nvPr>
+        </p:nvSpPr>
+        <p:spPr/>
+        <p:txBody>
+          <a:bodyPr/>
+          <a:lstStyle/>
+          <a:p>
+            <a:r>
+              <a:rPr lang="en-GB"/>
+              <a:t>Simulating Liquid Crystals</a:t>
+            </a:r>
+          </a:p>
+        </p:txBody>
+      </p:sp>
+      <p:sp>
+        <p:nvSpPr>
+          <p:cNvPr id="9" name="Slide Number Placeholder 8">
+            <a:extLst>
+              <a:ext uri="{FF2B5EF4-FFF2-40B4-BE49-F238E27FC236}">
+                <a16:creationId xmlns:a16="http://schemas.microsoft.com/office/drawing/2014/main" id="{8CDB5539-7981-43FC-A4B3-45CFD7FCFCDE}"/>
+              </a:ext>
+            </a:extLst>
+          </p:cNvPr>
+          <p:cNvSpPr>
+            <a:spLocks noGrp="1"/>
+          </p:cNvSpPr>
+          <p:nvPr>
+            <p:ph type="sldNum" sz="quarter" idx="12"/>
+          </p:nvPr>
+        </p:nvSpPr>
+        <p:spPr/>
+        <p:txBody>
+          <a:bodyPr/>
+          <a:lstStyle/>
+          <a:p>
+            <a:fld id="{AB645ECC-7A7A-4729-8128-50B722794741}" type="slidenum">
+              <a:rPr lang="en-GB" smtClean="0"/>
+              <a:t>17</a:t>
+            </a:fld>
+            <a:endParaRPr lang="en-GB"/>
+          </a:p>
+        </p:txBody>
+      </p:sp>
+    </p:spTree>
+    <p:extLst>
+      <p:ext uri="{BB962C8B-B14F-4D97-AF65-F5344CB8AC3E}">
+        <p14:creationId xmlns:p14="http://schemas.microsoft.com/office/powerpoint/2010/main" val="4282608364"/>
+      </p:ext>
+    </p:extLst>
+  </p:cSld>
+  <p:clrMapOvr>
+    <a:masterClrMapping/>
+  </p:clrMapOvr>
+</p:sld>
+</file>
+
+<file path=ppt/slides/slide18.xml><?xml version="1.0" encoding="utf-8"?>
+<p:sld xmlns:a="http://schemas.openxmlformats.org/drawingml/2006/main" xmlns:r="http://schemas.openxmlformats.org/officeDocument/2006/relationships" xmlns:p="http://schemas.openxmlformats.org/presentationml/2006/main">
+  <p:cSld>
+    <p:spTree>
+      <p:nvGrpSpPr>
+        <p:cNvPr id="1" name=""/>
+        <p:cNvGrpSpPr/>
+        <p:nvPr/>
+      </p:nvGrpSpPr>
+      <p:grpSpPr>
+        <a:xfrm>
+          <a:off x="0" y="0"/>
+          <a:ext cx="0" cy="0"/>
+          <a:chOff x="0" y="0"/>
+          <a:chExt cx="0" cy="0"/>
+        </a:xfrm>
+      </p:grpSpPr>
+      <p:sp>
+        <p:nvSpPr>
+          <p:cNvPr id="2" name="Title 1">
+            <a:extLst>
+              <a:ext uri="{FF2B5EF4-FFF2-40B4-BE49-F238E27FC236}">
                 <a16:creationId xmlns:a16="http://schemas.microsoft.com/office/drawing/2014/main" id="{0A31ED90-FB80-42B2-B1B3-6B1B614B65EF}"/>
               </a:ext>
             </a:extLst>
@@ -8668,53 +9899,255 @@
         </p:nvSpPr>
         <p:spPr/>
         <p:txBody>
-          <a:bodyPr/>
+          <a:bodyPr>
+            <a:normAutofit/>
+          </a:bodyPr>
           <a:lstStyle/>
           <a:p>
-            <a:r>
-              <a:rPr lang="en-GB" b="0" i="0" baseline="30000" dirty="0">
+            <a:pPr marL="0" indent="0">
+              <a:buNone/>
+            </a:pPr>
+            <a:r>
+              <a:rPr lang="en-GB" sz="2000" b="0" i="0" baseline="30000" dirty="0">
                 <a:solidFill>
                   <a:srgbClr val="666666"/>
                 </a:solidFill>
                 <a:effectLst/>
-                <a:latin typeface="Arial" panose="020B0604020202020204" pitchFamily="34" charset="0"/>
               </a:rPr>
               <a:t>1 </a:t>
             </a:r>
             <a:r>
-              <a:rPr lang="en-GB" b="0" i="0" dirty="0">
+              <a:rPr lang="en-GB" sz="2000" b="0" i="0" dirty="0">
                 <a:solidFill>
                   <a:srgbClr val="666666"/>
                 </a:solidFill>
                 <a:effectLst/>
-                <a:latin typeface="Arial" panose="020B0604020202020204" pitchFamily="34" charset="0"/>
               </a:rPr>
               <a:t>T. Kato, Y. Hirai, S. </a:t>
             </a:r>
             <a:r>
-              <a:rPr lang="en-GB" b="0" i="0" dirty="0" err="1">
+              <a:rPr lang="en-GB" sz="2000" b="0" i="0" dirty="0" err="1">
                 <a:solidFill>
                   <a:srgbClr val="666666"/>
                 </a:solidFill>
                 <a:effectLst/>
-                <a:latin typeface="Arial" panose="020B0604020202020204" pitchFamily="34" charset="0"/>
               </a:rPr>
               <a:t>Nakaso</a:t>
             </a:r>
             <a:r>
-              <a:rPr lang="en-GB" b="0" i="0" dirty="0">
+              <a:rPr lang="en-GB" sz="2000" b="0" i="0" dirty="0">
                 <a:solidFill>
                   <a:srgbClr val="666666"/>
                 </a:solidFill>
                 <a:effectLst/>
-                <a:latin typeface="Arial" panose="020B0604020202020204" pitchFamily="34" charset="0"/>
               </a:rPr>
               <a:t>, and M. Moriyama, Liquid-Crystalline Physical Gels, Chem. Soc. Rev. 36, 1857 (2007).</a:t>
             </a:r>
-            <a:endParaRPr lang="en-GB" dirty="0"/>
-          </a:p>
-          <a:p>
-            <a:endParaRPr lang="en-GB" dirty="0"/>
+          </a:p>
+          <a:p>
+            <a:pPr marL="0" indent="0">
+              <a:buNone/>
+            </a:pPr>
+            <a:r>
+              <a:rPr lang="en-GB" sz="2000" baseline="30000" dirty="0">
+                <a:solidFill>
+                  <a:srgbClr val="666666"/>
+                </a:solidFill>
+              </a:rPr>
+              <a:t>2</a:t>
+            </a:r>
+            <a:r>
+              <a:rPr lang="en-GB" sz="2000" b="0" i="0" dirty="0">
+                <a:solidFill>
+                  <a:srgbClr val="666666"/>
+                </a:solidFill>
+                <a:effectLst/>
+              </a:rPr>
+              <a:t> M. Nakata, G. </a:t>
+            </a:r>
+            <a:r>
+              <a:rPr lang="en-GB" sz="2000" b="0" i="0" dirty="0" err="1">
+                <a:solidFill>
+                  <a:srgbClr val="666666"/>
+                </a:solidFill>
+                <a:effectLst/>
+              </a:rPr>
+              <a:t>Zanchetta</a:t>
+            </a:r>
+            <a:r>
+              <a:rPr lang="en-GB" sz="2000" b="0" i="0" dirty="0">
+                <a:solidFill>
+                  <a:srgbClr val="666666"/>
+                </a:solidFill>
+                <a:effectLst/>
+              </a:rPr>
+              <a:t>, B. D. Chapman, C. D. Jones, J. O. Cross, R. Pindak, T. Bellini, and N. A. Clark, End-to-End Stacking and Liquid Crystal Condensation of 6- to 20-Base Pair DNA Duplexes, Science 318, 1276 (2007).</a:t>
+            </a:r>
+          </a:p>
+          <a:p>
+            <a:pPr marL="0" indent="0">
+              <a:buNone/>
+            </a:pPr>
+            <a:r>
+              <a:rPr lang="en-GB" sz="2000" baseline="30000" dirty="0">
+                <a:solidFill>
+                  <a:srgbClr val="666666"/>
+                </a:solidFill>
+              </a:rPr>
+              <a:t>3  </a:t>
+            </a:r>
+            <a:r>
+              <a:rPr lang="en-GB" sz="2000" b="0" i="0" dirty="0">
+                <a:solidFill>
+                  <a:srgbClr val="666666"/>
+                </a:solidFill>
+                <a:effectLst/>
+              </a:rPr>
+              <a:t>A. Shaw, I. T. </a:t>
+            </a:r>
+            <a:r>
+              <a:rPr lang="en-GB" sz="2000" b="0" i="0" dirty="0" err="1">
+                <a:solidFill>
+                  <a:srgbClr val="666666"/>
+                </a:solidFill>
+                <a:effectLst/>
+              </a:rPr>
+              <a:t>Hoffecker</a:t>
+            </a:r>
+            <a:r>
+              <a:rPr lang="en-GB" sz="2000" b="0" i="0" dirty="0">
+                <a:solidFill>
+                  <a:srgbClr val="666666"/>
+                </a:solidFill>
+                <a:effectLst/>
+              </a:rPr>
+              <a:t>, I. </a:t>
+            </a:r>
+            <a:r>
+              <a:rPr lang="en-GB" sz="2000" b="0" i="0" dirty="0" err="1">
+                <a:solidFill>
+                  <a:srgbClr val="666666"/>
+                </a:solidFill>
+                <a:effectLst/>
+              </a:rPr>
+              <a:t>Smyrlaki</a:t>
+            </a:r>
+            <a:r>
+              <a:rPr lang="en-GB" sz="2000" b="0" i="0" dirty="0">
+                <a:solidFill>
+                  <a:srgbClr val="666666"/>
+                </a:solidFill>
+                <a:effectLst/>
+              </a:rPr>
+              <a:t>, J. Rosa, A. </a:t>
+            </a:r>
+            <a:r>
+              <a:rPr lang="en-GB" sz="2000" b="0" i="0" dirty="0" err="1">
+                <a:solidFill>
+                  <a:srgbClr val="666666"/>
+                </a:solidFill>
+                <a:effectLst/>
+              </a:rPr>
+              <a:t>Grevys</a:t>
+            </a:r>
+            <a:r>
+              <a:rPr lang="en-GB" sz="2000" b="0" i="0" dirty="0">
+                <a:solidFill>
+                  <a:srgbClr val="666666"/>
+                </a:solidFill>
+                <a:effectLst/>
+              </a:rPr>
+              <a:t>, D. </a:t>
+            </a:r>
+            <a:r>
+              <a:rPr lang="en-GB" sz="2000" b="0" i="0" dirty="0" err="1">
+                <a:solidFill>
+                  <a:srgbClr val="666666"/>
+                </a:solidFill>
+                <a:effectLst/>
+              </a:rPr>
+              <a:t>Bratlie</a:t>
+            </a:r>
+            <a:r>
+              <a:rPr lang="en-GB" sz="2000" b="0" i="0" dirty="0">
+                <a:solidFill>
+                  <a:srgbClr val="666666"/>
+                </a:solidFill>
+                <a:effectLst/>
+              </a:rPr>
+              <a:t>, I. </a:t>
+            </a:r>
+            <a:r>
+              <a:rPr lang="en-GB" sz="2000" b="0" i="0" dirty="0" err="1">
+                <a:solidFill>
+                  <a:srgbClr val="666666"/>
+                </a:solidFill>
+                <a:effectLst/>
+              </a:rPr>
+              <a:t>Sandlie</a:t>
+            </a:r>
+            <a:r>
+              <a:rPr lang="en-GB" sz="2000" b="0" i="0" dirty="0">
+                <a:solidFill>
+                  <a:srgbClr val="666666"/>
+                </a:solidFill>
+                <a:effectLst/>
+              </a:rPr>
+              <a:t>, T. E. </a:t>
+            </a:r>
+            <a:r>
+              <a:rPr lang="en-GB" sz="2000" b="0" i="0" dirty="0" err="1">
+                <a:solidFill>
+                  <a:srgbClr val="666666"/>
+                </a:solidFill>
+                <a:effectLst/>
+              </a:rPr>
+              <a:t>Michaelsen</a:t>
+            </a:r>
+            <a:r>
+              <a:rPr lang="en-GB" sz="2000" b="0" i="0" dirty="0">
+                <a:solidFill>
+                  <a:srgbClr val="666666"/>
+                </a:solidFill>
+                <a:effectLst/>
+              </a:rPr>
+              <a:t>, J. T. Andersen, and B. </a:t>
+            </a:r>
+            <a:r>
+              <a:rPr lang="en-GB" sz="2000" b="0" i="0" dirty="0" err="1">
+                <a:solidFill>
+                  <a:srgbClr val="666666"/>
+                </a:solidFill>
+                <a:effectLst/>
+              </a:rPr>
+              <a:t>Högberg</a:t>
+            </a:r>
+            <a:r>
+              <a:rPr lang="en-GB" sz="2000" b="0" i="0" dirty="0">
+                <a:solidFill>
+                  <a:srgbClr val="666666"/>
+                </a:solidFill>
+                <a:effectLst/>
+              </a:rPr>
+              <a:t>, Binding to Nanopatterned Antigens Is Dominated by the Spatial Tolerance of Antibodies, Nature Nanotech 14, 184 (2019).</a:t>
+            </a:r>
+            <a:endParaRPr lang="en-GB" sz="2000" dirty="0">
+              <a:solidFill>
+                <a:schemeClr val="tx1"/>
+              </a:solidFill>
+            </a:endParaRPr>
+          </a:p>
+          <a:p>
+            <a:pPr marL="0" indent="0">
+              <a:buNone/>
+            </a:pPr>
+            <a:endParaRPr lang="en-GB" sz="2000" dirty="0"/>
+          </a:p>
+          <a:p>
+            <a:pPr marL="0" indent="0">
+              <a:buNone/>
+            </a:pPr>
+            <a:endParaRPr lang="en-GB" sz="2000" dirty="0"/>
           </a:p>
         </p:txBody>
       </p:sp>
@@ -8741,7 +10174,7 @@
           <a:p>
             <a:fld id="{6570E246-3AA0-49AE-AA61-EF2910016B7A}" type="datetime1">
               <a:rPr lang="en-GB" smtClean="0"/>
-              <a:t>06/05/2021</a:t>
+              <a:t>07/05/2021</a:t>
             </a:fld>
             <a:endParaRPr lang="en-GB"/>
           </a:p>
@@ -8798,7 +10231,7 @@
           <a:p>
             <a:fld id="{AB645ECC-7A7A-4729-8128-50B722794741}" type="slidenum">
               <a:rPr lang="en-GB" smtClean="0"/>
-              <a:t>15</a:t>
+              <a:t>18</a:t>
             </a:fld>
             <a:endParaRPr lang="en-GB"/>
           </a:p>
@@ -9010,7 +10443,7 @@
           <a:p>
             <a:fld id="{BAC64DD5-28A9-481B-B01B-AB7B52519854}" type="datetime1">
               <a:rPr lang="en-GB" smtClean="0"/>
-              <a:t>06/05/2021</a:t>
+              <a:t>07/05/2021</a:t>
             </a:fld>
             <a:endParaRPr lang="en-GB"/>
           </a:p>
@@ -9073,6 +10506,41 @@
           </a:p>
         </p:txBody>
       </p:sp>
+      <p:pic>
+        <p:nvPicPr>
+          <p:cNvPr id="10" name="Picture 9">
+            <a:extLst>
+              <a:ext uri="{FF2B5EF4-FFF2-40B4-BE49-F238E27FC236}">
+                <a16:creationId xmlns:a16="http://schemas.microsoft.com/office/drawing/2014/main" id="{6CFCB1E8-A9E4-4CF1-B8AB-1936112E9FCA}"/>
+              </a:ext>
+            </a:extLst>
+          </p:cNvPr>
+          <p:cNvPicPr>
+            <a:picLocks noChangeAspect="1"/>
+          </p:cNvPicPr>
+          <p:nvPr/>
+        </p:nvPicPr>
+        <p:blipFill rotWithShape="1">
+          <a:blip r:embed="rId2">
+            <a:extLst>
+              <a:ext uri="{28A0092B-C50C-407E-A947-70E740481C1C}">
+                <a14:useLocalDpi xmlns:a14="http://schemas.microsoft.com/office/drawing/2010/main" val="0"/>
+              </a:ext>
+            </a:extLst>
+          </a:blip>
+          <a:srcRect l="21385" r="19620" b="-3"/>
+          <a:stretch/>
+        </p:blipFill>
+        <p:spPr>
+          <a:xfrm>
+            <a:off x="6487607" y="1564640"/>
+            <a:ext cx="3402691" cy="4325893"/>
+          </a:xfrm>
+          <a:prstGeom prst="rect">
+            <a:avLst/>
+          </a:prstGeom>
+        </p:spPr>
+      </p:pic>
     </p:spTree>
     <p:extLst>
       <p:ext uri="{BB962C8B-B14F-4D97-AF65-F5344CB8AC3E}">
@@ -9241,7 +10709,7 @@
             </a:pPr>
             <a:fld id="{55FDD6D8-B502-4280-AE8F-D80E5A6AE5EC}" type="datetime1">
               <a:rPr lang="en-GB" smtClean="0"/>
-              <a:t>06/05/2021</a:t>
+              <a:t>07/05/2021</a:t>
             </a:fld>
             <a:endParaRPr lang="en-GB"/>
           </a:p>
@@ -9306,13 +10774,13 @@
         </p:spPr>
         <p:txBody>
           <a:bodyPr>
-            <a:normAutofit fontScale="92500" lnSpcReduction="10000"/>
+            <a:normAutofit/>
           </a:bodyPr>
           <a:lstStyle/>
           <a:p>
             <a:r>
               <a:rPr lang="en-GB" i="1" dirty="0"/>
-              <a:t>Figure 1: Representation of the three liquid crystal phase classes, reproduced from Kato et al. [1] with permission. Note the distinct layers in the smectic and columnar phases, and the different class of molecule in the columnar phase. </a:t>
+              <a:t>Representation of the three liquid crystal phase classes, reproduced from Kato et al. [1] with permission. </a:t>
             </a:r>
           </a:p>
         </p:txBody>
@@ -9331,7 +10799,7 @@
         </p:nvGrpSpPr>
         <p:grpSpPr>
           <a:xfrm>
-            <a:off x="5157386" y="576603"/>
+            <a:off x="5157386" y="594359"/>
             <a:ext cx="6055097" cy="4479536"/>
             <a:chOff x="5157386" y="576603"/>
             <a:chExt cx="6055097" cy="4479536"/>
@@ -9695,7 +11163,7 @@
                   <a:spcPts val="600"/>
                 </a:spcAft>
               </a:pPr>
-              <a:t>06/05/2021</a:t>
+              <a:t>07/05/2021</a:t>
             </a:fld>
             <a:endParaRPr lang="en-GB"/>
           </a:p>
@@ -10526,7 +11994,7 @@
           <a:p>
             <a:fld id="{E608809F-CA2B-483D-9917-2252A6034B9D}" type="datetime1">
               <a:rPr lang="en-GB" smtClean="0"/>
-              <a:t>06/05/2021</a:t>
+              <a:t>07/05/2021</a:t>
             </a:fld>
             <a:endParaRPr lang="en-GB"/>
           </a:p>
@@ -10649,47 +12117,6 @@
       </p:sp>
       <p:sp>
         <p:nvSpPr>
-          <p:cNvPr id="3" name="Content Placeholder 2">
-            <a:extLst>
-              <a:ext uri="{FF2B5EF4-FFF2-40B4-BE49-F238E27FC236}">
-                <a16:creationId xmlns:a16="http://schemas.microsoft.com/office/drawing/2014/main" id="{D2CED2D2-B4AD-44C1-933A-E3F1DC2807B4}"/>
-              </a:ext>
-            </a:extLst>
-          </p:cNvPr>
-          <p:cNvSpPr>
-            <a:spLocks noGrp="1"/>
-          </p:cNvSpPr>
-          <p:nvPr>
-            <p:ph idx="1"/>
-          </p:nvPr>
-        </p:nvSpPr>
-        <p:spPr/>
-        <p:txBody>
-          <a:bodyPr/>
-          <a:lstStyle/>
-          <a:p>
-            <a:r>
-              <a:rPr lang="en-GB" dirty="0"/>
-              <a:t> </a:t>
-            </a:r>
-            <a:r>
-              <a:rPr lang="en-GB" i="1" dirty="0"/>
-              <a:t>insert cool picture </a:t>
-            </a:r>
-            <a:r>
-              <a:rPr lang="en-GB" b="1" i="1" dirty="0"/>
-              <a:t>(Figure 2)</a:t>
-            </a:r>
-            <a:r>
-              <a:rPr lang="en-GB" i="1" dirty="0"/>
-              <a:t> of applications following chat with Erika</a:t>
-            </a:r>
-            <a:endParaRPr lang="en-GB" dirty="0"/>
-          </a:p>
-        </p:txBody>
-      </p:sp>
-      <p:sp>
-        <p:nvSpPr>
           <p:cNvPr id="4" name="Date Placeholder 3">
             <a:extLst>
               <a:ext uri="{FF2B5EF4-FFF2-40B4-BE49-F238E27FC236}">
@@ -10711,7 +12138,7 @@
           <a:p>
             <a:fld id="{3101D558-26F0-426F-A3F3-5153859A1A57}" type="datetime1">
               <a:rPr lang="en-GB" smtClean="0"/>
-              <a:t>06/05/2021</a:t>
+              <a:t>07/05/2021</a:t>
             </a:fld>
             <a:endParaRPr lang="en-GB"/>
           </a:p>
@@ -10771,6 +12198,507 @@
               <a:t>6</a:t>
             </a:fld>
             <a:endParaRPr lang="en-GB"/>
+          </a:p>
+        </p:txBody>
+      </p:sp>
+      <p:pic>
+        <p:nvPicPr>
+          <p:cNvPr id="1026" name="Picture 2">
+            <a:extLst>
+              <a:ext uri="{FF2B5EF4-FFF2-40B4-BE49-F238E27FC236}">
+                <a16:creationId xmlns:a16="http://schemas.microsoft.com/office/drawing/2014/main" id="{8C1C56B6-4C79-42C1-8625-5539F85C705A}"/>
+              </a:ext>
+            </a:extLst>
+          </p:cNvPr>
+          <p:cNvPicPr>
+            <a:picLocks noChangeAspect="1" noChangeArrowheads="1"/>
+          </p:cNvPicPr>
+          <p:nvPr/>
+        </p:nvPicPr>
+        <p:blipFill rotWithShape="1">
+          <a:blip r:embed="rId2">
+            <a:extLst>
+              <a:ext uri="{28A0092B-C50C-407E-A947-70E740481C1C}">
+                <a14:useLocalDpi xmlns:a14="http://schemas.microsoft.com/office/drawing/2010/main" val="0"/>
+              </a:ext>
+            </a:extLst>
+          </a:blip>
+          <a:srcRect t="12256"/>
+          <a:stretch/>
+        </p:blipFill>
+        <p:spPr bwMode="auto">
+          <a:xfrm rot="16200000">
+            <a:off x="1912279" y="866736"/>
+            <a:ext cx="2375535" cy="5085943"/>
+          </a:xfrm>
+          <a:prstGeom prst="rect">
+            <a:avLst/>
+          </a:prstGeom>
+          <a:noFill/>
+          <a:extLst>
+            <a:ext uri="{909E8E84-426E-40DD-AFC4-6F175D3DCCD1}">
+              <a14:hiddenFill xmlns:a14="http://schemas.microsoft.com/office/drawing/2010/main">
+                <a:solidFill>
+                  <a:srgbClr val="FFFFFF"/>
+                </a:solidFill>
+              </a14:hiddenFill>
+            </a:ext>
+          </a:extLst>
+        </p:spPr>
+      </p:pic>
+      <p:sp>
+        <p:nvSpPr>
+          <p:cNvPr id="8" name="Text Placeholder 8">
+            <a:extLst>
+              <a:ext uri="{FF2B5EF4-FFF2-40B4-BE49-F238E27FC236}">
+                <a16:creationId xmlns:a16="http://schemas.microsoft.com/office/drawing/2014/main" id="{7978963B-7232-460A-959D-F54118F6DA7C}"/>
+              </a:ext>
+            </a:extLst>
+          </p:cNvPr>
+          <p:cNvSpPr txBox="1">
+            <a:spLocks/>
+          </p:cNvSpPr>
+          <p:nvPr/>
+        </p:nvSpPr>
+        <p:spPr>
+          <a:xfrm>
+            <a:off x="0" y="5722261"/>
+            <a:ext cx="9428480" cy="737524"/>
+          </a:xfrm>
+          <a:prstGeom prst="rect">
+            <a:avLst/>
+          </a:prstGeom>
+        </p:spPr>
+        <p:txBody>
+          <a:bodyPr>
+            <a:normAutofit/>
+          </a:bodyPr>
+          <a:lstStyle>
+            <a:lvl1pPr marL="91440" indent="-91440" algn="l" defTabSz="914400" rtl="0" eaLnBrk="1" latinLnBrk="0" hangingPunct="1">
+              <a:lnSpc>
+                <a:spcPct val="90000"/>
+              </a:lnSpc>
+              <a:spcBef>
+                <a:spcPts val="1200"/>
+              </a:spcBef>
+              <a:spcAft>
+                <a:spcPts val="200"/>
+              </a:spcAft>
+              <a:buClr>
+                <a:schemeClr val="accent1"/>
+              </a:buClr>
+              <a:buSzPct val="100000"/>
+              <a:buFont typeface="Calibri" panose="020F0502020204030204" pitchFamily="34" charset="0"/>
+              <a:buChar char=" "/>
+              <a:defRPr sz="2000" kern="1200">
+                <a:solidFill>
+                  <a:schemeClr val="tx1">
+                    <a:lumMod val="75000"/>
+                    <a:lumOff val="25000"/>
+                  </a:schemeClr>
+                </a:solidFill>
+                <a:latin typeface="+mn-lt"/>
+                <a:ea typeface="+mn-ea"/>
+                <a:cs typeface="+mn-cs"/>
+              </a:defRPr>
+            </a:lvl1pPr>
+            <a:lvl2pPr marL="384048" indent="-182880" algn="l" defTabSz="914400" rtl="0" eaLnBrk="1" latinLnBrk="0" hangingPunct="1">
+              <a:lnSpc>
+                <a:spcPct val="90000"/>
+              </a:lnSpc>
+              <a:spcBef>
+                <a:spcPts val="200"/>
+              </a:spcBef>
+              <a:spcAft>
+                <a:spcPts val="400"/>
+              </a:spcAft>
+              <a:buClr>
+                <a:schemeClr val="accent1"/>
+              </a:buClr>
+              <a:buFont typeface="Calibri" pitchFamily="34" charset="0"/>
+              <a:buChar char="◦"/>
+              <a:defRPr sz="1800" kern="1200">
+                <a:solidFill>
+                  <a:schemeClr val="tx1">
+                    <a:lumMod val="75000"/>
+                    <a:lumOff val="25000"/>
+                  </a:schemeClr>
+                </a:solidFill>
+                <a:latin typeface="+mn-lt"/>
+                <a:ea typeface="+mn-ea"/>
+                <a:cs typeface="+mn-cs"/>
+              </a:defRPr>
+            </a:lvl2pPr>
+            <a:lvl3pPr marL="566928" indent="-182880" algn="l" defTabSz="914400" rtl="0" eaLnBrk="1" latinLnBrk="0" hangingPunct="1">
+              <a:lnSpc>
+                <a:spcPct val="90000"/>
+              </a:lnSpc>
+              <a:spcBef>
+                <a:spcPts val="200"/>
+              </a:spcBef>
+              <a:spcAft>
+                <a:spcPts val="400"/>
+              </a:spcAft>
+              <a:buClr>
+                <a:schemeClr val="accent1"/>
+              </a:buClr>
+              <a:buFont typeface="Calibri" pitchFamily="34" charset="0"/>
+              <a:buChar char="◦"/>
+              <a:defRPr sz="1400" kern="1200">
+                <a:solidFill>
+                  <a:schemeClr val="tx1">
+                    <a:lumMod val="75000"/>
+                    <a:lumOff val="25000"/>
+                  </a:schemeClr>
+                </a:solidFill>
+                <a:latin typeface="+mn-lt"/>
+                <a:ea typeface="+mn-ea"/>
+                <a:cs typeface="+mn-cs"/>
+              </a:defRPr>
+            </a:lvl3pPr>
+            <a:lvl4pPr marL="749808" indent="-182880" algn="l" defTabSz="914400" rtl="0" eaLnBrk="1" latinLnBrk="0" hangingPunct="1">
+              <a:lnSpc>
+                <a:spcPct val="90000"/>
+              </a:lnSpc>
+              <a:spcBef>
+                <a:spcPts val="200"/>
+              </a:spcBef>
+              <a:spcAft>
+                <a:spcPts val="400"/>
+              </a:spcAft>
+              <a:buClr>
+                <a:schemeClr val="accent1"/>
+              </a:buClr>
+              <a:buFont typeface="Calibri" pitchFamily="34" charset="0"/>
+              <a:buChar char="◦"/>
+              <a:defRPr sz="1400" kern="1200">
+                <a:solidFill>
+                  <a:schemeClr val="tx1">
+                    <a:lumMod val="75000"/>
+                    <a:lumOff val="25000"/>
+                  </a:schemeClr>
+                </a:solidFill>
+                <a:latin typeface="+mn-lt"/>
+                <a:ea typeface="+mn-ea"/>
+                <a:cs typeface="+mn-cs"/>
+              </a:defRPr>
+            </a:lvl4pPr>
+            <a:lvl5pPr marL="932688" indent="-182880" algn="l" defTabSz="914400" rtl="0" eaLnBrk="1" latinLnBrk="0" hangingPunct="1">
+              <a:lnSpc>
+                <a:spcPct val="90000"/>
+              </a:lnSpc>
+              <a:spcBef>
+                <a:spcPts val="200"/>
+              </a:spcBef>
+              <a:spcAft>
+                <a:spcPts val="400"/>
+              </a:spcAft>
+              <a:buClr>
+                <a:schemeClr val="accent1"/>
+              </a:buClr>
+              <a:buFont typeface="Calibri" pitchFamily="34" charset="0"/>
+              <a:buChar char="◦"/>
+              <a:defRPr sz="1400" kern="1200">
+                <a:solidFill>
+                  <a:schemeClr val="tx1">
+                    <a:lumMod val="75000"/>
+                    <a:lumOff val="25000"/>
+                  </a:schemeClr>
+                </a:solidFill>
+                <a:latin typeface="+mn-lt"/>
+                <a:ea typeface="+mn-ea"/>
+                <a:cs typeface="+mn-cs"/>
+              </a:defRPr>
+            </a:lvl5pPr>
+            <a:lvl6pPr marL="1100000" indent="-228600" algn="l" defTabSz="914400" rtl="0" eaLnBrk="1" latinLnBrk="0" hangingPunct="1">
+              <a:lnSpc>
+                <a:spcPct val="90000"/>
+              </a:lnSpc>
+              <a:spcBef>
+                <a:spcPts val="200"/>
+              </a:spcBef>
+              <a:spcAft>
+                <a:spcPts val="400"/>
+              </a:spcAft>
+              <a:buClr>
+                <a:schemeClr val="accent1"/>
+              </a:buClr>
+              <a:buFont typeface="Calibri" pitchFamily="34" charset="0"/>
+              <a:buChar char="◦"/>
+              <a:defRPr sz="1400" kern="1200">
+                <a:solidFill>
+                  <a:schemeClr val="tx1">
+                    <a:lumMod val="75000"/>
+                    <a:lumOff val="25000"/>
+                  </a:schemeClr>
+                </a:solidFill>
+                <a:latin typeface="+mn-lt"/>
+                <a:ea typeface="+mn-ea"/>
+                <a:cs typeface="+mn-cs"/>
+              </a:defRPr>
+            </a:lvl6pPr>
+            <a:lvl7pPr marL="1300000" indent="-228600" algn="l" defTabSz="914400" rtl="0" eaLnBrk="1" latinLnBrk="0" hangingPunct="1">
+              <a:lnSpc>
+                <a:spcPct val="90000"/>
+              </a:lnSpc>
+              <a:spcBef>
+                <a:spcPts val="200"/>
+              </a:spcBef>
+              <a:spcAft>
+                <a:spcPts val="400"/>
+              </a:spcAft>
+              <a:buClr>
+                <a:schemeClr val="accent1"/>
+              </a:buClr>
+              <a:buFont typeface="Calibri" pitchFamily="34" charset="0"/>
+              <a:buChar char="◦"/>
+              <a:defRPr sz="1400" kern="1200">
+                <a:solidFill>
+                  <a:schemeClr val="tx1">
+                    <a:lumMod val="75000"/>
+                    <a:lumOff val="25000"/>
+                  </a:schemeClr>
+                </a:solidFill>
+                <a:latin typeface="+mn-lt"/>
+                <a:ea typeface="+mn-ea"/>
+                <a:cs typeface="+mn-cs"/>
+              </a:defRPr>
+            </a:lvl7pPr>
+            <a:lvl8pPr marL="1500000" indent="-228600" algn="l" defTabSz="914400" rtl="0" eaLnBrk="1" latinLnBrk="0" hangingPunct="1">
+              <a:lnSpc>
+                <a:spcPct val="90000"/>
+              </a:lnSpc>
+              <a:spcBef>
+                <a:spcPts val="200"/>
+              </a:spcBef>
+              <a:spcAft>
+                <a:spcPts val="400"/>
+              </a:spcAft>
+              <a:buClr>
+                <a:schemeClr val="accent1"/>
+              </a:buClr>
+              <a:buFont typeface="Calibri" pitchFamily="34" charset="0"/>
+              <a:buChar char="◦"/>
+              <a:defRPr sz="1400" kern="1200">
+                <a:solidFill>
+                  <a:schemeClr val="tx1">
+                    <a:lumMod val="75000"/>
+                    <a:lumOff val="25000"/>
+                  </a:schemeClr>
+                </a:solidFill>
+                <a:latin typeface="+mn-lt"/>
+                <a:ea typeface="+mn-ea"/>
+                <a:cs typeface="+mn-cs"/>
+              </a:defRPr>
+            </a:lvl8pPr>
+            <a:lvl9pPr marL="1700000" indent="-228600" algn="l" defTabSz="914400" rtl="0" eaLnBrk="1" latinLnBrk="0" hangingPunct="1">
+              <a:lnSpc>
+                <a:spcPct val="90000"/>
+              </a:lnSpc>
+              <a:spcBef>
+                <a:spcPts val="200"/>
+              </a:spcBef>
+              <a:spcAft>
+                <a:spcPts val="400"/>
+              </a:spcAft>
+              <a:buClr>
+                <a:schemeClr val="accent1"/>
+              </a:buClr>
+              <a:buFont typeface="Calibri" pitchFamily="34" charset="0"/>
+              <a:buChar char="◦"/>
+              <a:defRPr sz="1400" kern="1200">
+                <a:solidFill>
+                  <a:schemeClr val="tx1">
+                    <a:lumMod val="75000"/>
+                    <a:lumOff val="25000"/>
+                  </a:schemeClr>
+                </a:solidFill>
+                <a:latin typeface="+mn-lt"/>
+                <a:ea typeface="+mn-ea"/>
+                <a:cs typeface="+mn-cs"/>
+              </a:defRPr>
+            </a:lvl9pPr>
+          </a:lstStyle>
+          <a:p>
+            <a:pPr marL="0" indent="0">
+              <a:lnSpc>
+                <a:spcPct val="120000"/>
+              </a:lnSpc>
+              <a:buNone/>
+            </a:pPr>
+            <a:r>
+              <a:rPr lang="en-GB" sz="1200" baseline="30000" dirty="0">
+                <a:solidFill>
+                  <a:srgbClr val="666666"/>
+                </a:solidFill>
+                <a:latin typeface="Arial" panose="020B0604020202020204" pitchFamily="34" charset="0"/>
+              </a:rPr>
+              <a:t>2</a:t>
+            </a:r>
+            <a:r>
+              <a:rPr lang="en-GB" sz="1200" b="0" i="0" dirty="0">
+                <a:solidFill>
+                  <a:srgbClr val="666666"/>
+                </a:solidFill>
+                <a:effectLst/>
+                <a:latin typeface="Arial" panose="020B0604020202020204" pitchFamily="34" charset="0"/>
+              </a:rPr>
+              <a:t> M. Nakata et al. End-to-End Stacking and Liquid Crystal Condensation of 6- to 20-Base Pair DNA Duplexes, Science 318, 1276 (2007). </a:t>
+            </a:r>
+            <a:r>
+              <a:rPr lang="en-GB" sz="1200" b="0" i="0" baseline="30000" dirty="0">
+                <a:solidFill>
+                  <a:srgbClr val="666666"/>
+                </a:solidFill>
+                <a:effectLst/>
+                <a:latin typeface="Arial" panose="020B0604020202020204" pitchFamily="34" charset="0"/>
+              </a:rPr>
+              <a:t>3 </a:t>
+            </a:r>
+            <a:r>
+              <a:rPr lang="en-GB" sz="1200" b="0" i="0" dirty="0">
+                <a:solidFill>
+                  <a:srgbClr val="666666"/>
+                </a:solidFill>
+                <a:effectLst/>
+                <a:latin typeface="Arial" panose="020B0604020202020204" pitchFamily="34" charset="0"/>
+              </a:rPr>
+              <a:t>A. Shaw et al. Binding to Nanopatterned Antigens Is Dominated by the Spatial Tolerance of Antibodies, Nature Nanotech 14, 184 (2019).</a:t>
+            </a:r>
+            <a:endParaRPr lang="en-GB" sz="1200" dirty="0">
+              <a:solidFill>
+                <a:schemeClr val="tx1"/>
+              </a:solidFill>
+            </a:endParaRPr>
+          </a:p>
+        </p:txBody>
+      </p:sp>
+      <p:sp>
+        <p:nvSpPr>
+          <p:cNvPr id="7" name="TextBox 6">
+            <a:extLst>
+              <a:ext uri="{FF2B5EF4-FFF2-40B4-BE49-F238E27FC236}">
+                <a16:creationId xmlns:a16="http://schemas.microsoft.com/office/drawing/2014/main" id="{BC2E4241-FC85-43E1-B351-FE2ABC77FE32}"/>
+              </a:ext>
+            </a:extLst>
+          </p:cNvPr>
+          <p:cNvSpPr txBox="1"/>
+          <p:nvPr/>
+        </p:nvSpPr>
+        <p:spPr>
+          <a:xfrm>
+            <a:off x="1268809" y="4751306"/>
+            <a:ext cx="3825034" cy="369332"/>
+          </a:xfrm>
+          <a:prstGeom prst="rect">
+            <a:avLst/>
+          </a:prstGeom>
+          <a:noFill/>
+        </p:spPr>
+        <p:txBody>
+          <a:bodyPr wrap="square" rtlCol="0">
+            <a:spAutoFit/>
+          </a:bodyPr>
+          <a:lstStyle/>
+          <a:p>
+            <a:r>
+              <a:rPr lang="en-GB" dirty="0"/>
+              <a:t>DNA Liquid Crystal, from Nakata et al. </a:t>
+            </a:r>
+            <a:r>
+              <a:rPr lang="en-GB" baseline="30000" dirty="0">
+                <a:latin typeface="Arial" panose="020B0604020202020204" pitchFamily="34" charset="0"/>
+              </a:rPr>
+              <a:t>2</a:t>
+            </a:r>
+            <a:endParaRPr lang="en-GB" dirty="0"/>
+          </a:p>
+        </p:txBody>
+      </p:sp>
+      <p:pic>
+        <p:nvPicPr>
+          <p:cNvPr id="1028" name="Picture 4" descr="DNA origam">
+            <a:extLst>
+              <a:ext uri="{FF2B5EF4-FFF2-40B4-BE49-F238E27FC236}">
+                <a16:creationId xmlns:a16="http://schemas.microsoft.com/office/drawing/2014/main" id="{E50B243B-BD9F-4536-83EA-6F5E2F08FF6D}"/>
+              </a:ext>
+            </a:extLst>
+          </p:cNvPr>
+          <p:cNvPicPr>
+            <a:picLocks noChangeAspect="1" noChangeArrowheads="1"/>
+          </p:cNvPicPr>
+          <p:nvPr/>
+        </p:nvPicPr>
+        <p:blipFill rotWithShape="1">
+          <a:blip r:embed="rId3">
+            <a:extLst>
+              <a:ext uri="{28A0092B-C50C-407E-A947-70E740481C1C}">
+                <a14:useLocalDpi xmlns:a14="http://schemas.microsoft.com/office/drawing/2010/main" val="0"/>
+              </a:ext>
+            </a:extLst>
+          </a:blip>
+          <a:srcRect t="14282" b="-6525"/>
+          <a:stretch/>
+        </p:blipFill>
+        <p:spPr bwMode="auto">
+          <a:xfrm>
+            <a:off x="6467704" y="2255598"/>
+            <a:ext cx="4855013" cy="2520151"/>
+          </a:xfrm>
+          <a:prstGeom prst="rect">
+            <a:avLst/>
+          </a:prstGeom>
+          <a:noFill/>
+          <a:extLst>
+            <a:ext uri="{909E8E84-426E-40DD-AFC4-6F175D3DCCD1}">
+              <a14:hiddenFill xmlns:a14="http://schemas.microsoft.com/office/drawing/2010/main">
+                <a:solidFill>
+                  <a:srgbClr val="FFFFFF"/>
+                </a:solidFill>
+              </a14:hiddenFill>
+            </a:ext>
+          </a:extLst>
+        </p:spPr>
+      </p:pic>
+      <p:sp>
+        <p:nvSpPr>
+          <p:cNvPr id="11" name="TextBox 10">
+            <a:extLst>
+              <a:ext uri="{FF2B5EF4-FFF2-40B4-BE49-F238E27FC236}">
+                <a16:creationId xmlns:a16="http://schemas.microsoft.com/office/drawing/2014/main" id="{43E3D8C7-1D76-4232-AB3B-0E2E5E7D4437}"/>
+              </a:ext>
+            </a:extLst>
+          </p:cNvPr>
+          <p:cNvSpPr txBox="1"/>
+          <p:nvPr/>
+        </p:nvSpPr>
+        <p:spPr>
+          <a:xfrm>
+            <a:off x="7315395" y="4834691"/>
+            <a:ext cx="3159630" cy="369332"/>
+          </a:xfrm>
+          <a:prstGeom prst="rect">
+            <a:avLst/>
+          </a:prstGeom>
+          <a:noFill/>
+        </p:spPr>
+        <p:txBody>
+          <a:bodyPr wrap="square" rtlCol="0">
+            <a:spAutoFit/>
+          </a:bodyPr>
+          <a:lstStyle/>
+          <a:p>
+            <a:r>
+              <a:rPr lang="en-GB" dirty="0"/>
+              <a:t>DNA Origami, from Shaw et al. </a:t>
+            </a:r>
+            <a:r>
+              <a:rPr lang="en-GB" baseline="30000" dirty="0">
+                <a:latin typeface="Arial" panose="020B0604020202020204" pitchFamily="34" charset="0"/>
+              </a:rPr>
+              <a:t>3</a:t>
+            </a:r>
+            <a:endParaRPr lang="en-GB" dirty="0"/>
           </a:p>
         </p:txBody>
       </p:sp>
@@ -10953,7 +12881,7 @@
           <a:p>
             <a:fld id="{7D1F2578-8249-489E-B0F0-869A1471332D}" type="datetime1">
               <a:rPr lang="en-GB" smtClean="0"/>
-              <a:t>06/05/2021</a:t>
+              <a:t>07/05/2021</a:t>
             </a:fld>
             <a:endParaRPr lang="en-GB"/>
           </a:p>
@@ -11016,6 +12944,161 @@
           </a:p>
         </p:txBody>
       </p:sp>
+      <p:grpSp>
+        <p:nvGrpSpPr>
+          <p:cNvPr id="10" name="Group 9">
+            <a:extLst>
+              <a:ext uri="{FF2B5EF4-FFF2-40B4-BE49-F238E27FC236}">
+                <a16:creationId xmlns:a16="http://schemas.microsoft.com/office/drawing/2014/main" id="{9ED7BBE8-5002-497D-BC1C-577B62F1C753}"/>
+              </a:ext>
+            </a:extLst>
+          </p:cNvPr>
+          <p:cNvGrpSpPr/>
+          <p:nvPr/>
+        </p:nvGrpSpPr>
+        <p:grpSpPr>
+          <a:xfrm>
+            <a:off x="6096000" y="2162337"/>
+            <a:ext cx="4434062" cy="3390153"/>
+            <a:chOff x="6172724" y="1011981"/>
+            <a:chExt cx="5647559" cy="4606467"/>
+          </a:xfrm>
+        </p:grpSpPr>
+        <p:pic>
+          <p:nvPicPr>
+            <p:cNvPr id="11" name="Picture 10">
+              <a:extLst>
+                <a:ext uri="{FF2B5EF4-FFF2-40B4-BE49-F238E27FC236}">
+                  <a16:creationId xmlns:a16="http://schemas.microsoft.com/office/drawing/2014/main" id="{92DA1642-1291-4D64-ADE8-3C83C20448F9}"/>
+                </a:ext>
+              </a:extLst>
+            </p:cNvPr>
+            <p:cNvPicPr>
+              <a:picLocks noChangeAspect="1"/>
+            </p:cNvPicPr>
+            <p:nvPr/>
+          </p:nvPicPr>
+          <p:blipFill>
+            <a:blip r:embed="rId2">
+              <a:extLst>
+                <a:ext uri="{28A0092B-C50C-407E-A947-70E740481C1C}">
+                  <a14:useLocalDpi xmlns:a14="http://schemas.microsoft.com/office/drawing/2010/main" val="0"/>
+                </a:ext>
+              </a:extLst>
+            </a:blip>
+            <a:stretch>
+              <a:fillRect/>
+            </a:stretch>
+          </p:blipFill>
+          <p:spPr>
+            <a:xfrm>
+              <a:off x="6172724" y="1011981"/>
+              <a:ext cx="5647559" cy="4606467"/>
+            </a:xfrm>
+            <a:prstGeom prst="rect">
+              <a:avLst/>
+            </a:prstGeom>
+          </p:spPr>
+        </p:pic>
+        <p:sp>
+          <p:nvSpPr>
+            <p:cNvPr id="12" name="Arc 11">
+              <a:extLst>
+                <a:ext uri="{FF2B5EF4-FFF2-40B4-BE49-F238E27FC236}">
+                  <a16:creationId xmlns:a16="http://schemas.microsoft.com/office/drawing/2014/main" id="{3D306396-1A94-46FC-A208-0F6348F70AAD}"/>
+                </a:ext>
+              </a:extLst>
+            </p:cNvPr>
+            <p:cNvSpPr/>
+            <p:nvPr/>
+          </p:nvSpPr>
+          <p:spPr>
+            <a:xfrm>
+              <a:off x="9060396" y="1364498"/>
+              <a:ext cx="1512909" cy="1450756"/>
+            </a:xfrm>
+            <a:prstGeom prst="arc">
+              <a:avLst>
+                <a:gd name="adj1" fmla="val 5159558"/>
+                <a:gd name="adj2" fmla="val 10290965"/>
+              </a:avLst>
+            </a:prstGeom>
+            <a:ln w="38100">
+              <a:solidFill>
+                <a:srgbClr val="1129DB"/>
+              </a:solidFill>
+            </a:ln>
+          </p:spPr>
+          <p:style>
+            <a:lnRef idx="1">
+              <a:schemeClr val="accent2"/>
+            </a:lnRef>
+            <a:fillRef idx="0">
+              <a:schemeClr val="accent2"/>
+            </a:fillRef>
+            <a:effectRef idx="0">
+              <a:schemeClr val="accent2"/>
+            </a:effectRef>
+            <a:fontRef idx="minor">
+              <a:schemeClr val="tx1"/>
+            </a:fontRef>
+          </p:style>
+          <p:txBody>
+            <a:bodyPr rtlCol="0" anchor="ctr"/>
+            <a:lstStyle/>
+            <a:p>
+              <a:pPr algn="ctr"/>
+              <a:endParaRPr lang="en-GB"/>
+            </a:p>
+          </p:txBody>
+        </p:sp>
+        <p:sp>
+          <p:nvSpPr>
+            <p:cNvPr id="13" name="TextBox 12">
+              <a:extLst>
+                <a:ext uri="{FF2B5EF4-FFF2-40B4-BE49-F238E27FC236}">
+                  <a16:creationId xmlns:a16="http://schemas.microsoft.com/office/drawing/2014/main" id="{25B71B92-1B59-45D4-88BE-D34DF5334EB1}"/>
+                </a:ext>
+              </a:extLst>
+            </p:cNvPr>
+            <p:cNvSpPr txBox="1"/>
+            <p:nvPr/>
+          </p:nvSpPr>
+          <p:spPr>
+            <a:xfrm>
+              <a:off x="8966446" y="2559725"/>
+              <a:ext cx="443883" cy="646331"/>
+            </a:xfrm>
+            <a:prstGeom prst="rect">
+              <a:avLst/>
+            </a:prstGeom>
+            <a:noFill/>
+          </p:spPr>
+          <p:txBody>
+            <a:bodyPr wrap="square" rtlCol="0">
+              <a:spAutoFit/>
+            </a:bodyPr>
+            <a:lstStyle/>
+            <a:p>
+              <a:r>
+                <a:rPr lang="el-GR" sz="3600" dirty="0">
+                  <a:solidFill>
+                    <a:srgbClr val="1129DB"/>
+                  </a:solidFill>
+                  <a:latin typeface="Calibri" panose="020F0502020204030204" pitchFamily="34" charset="0"/>
+                  <a:cs typeface="Calibri" panose="020F0502020204030204" pitchFamily="34" charset="0"/>
+                </a:rPr>
+                <a:t>θ</a:t>
+              </a:r>
+              <a:endParaRPr lang="en-GB" sz="3600" dirty="0">
+                <a:solidFill>
+                  <a:srgbClr val="1129DB"/>
+                </a:solidFill>
+              </a:endParaRPr>
+            </a:p>
+          </p:txBody>
+        </p:sp>
+      </p:grpSp>
     </p:spTree>
     <p:extLst>
       <p:ext uri="{BB962C8B-B14F-4D97-AF65-F5344CB8AC3E}">
@@ -11097,7 +13180,7 @@
           <a:p>
             <a:fld id="{C412EB05-928E-46F4-97FC-807AB687ECA7}" type="datetime1">
               <a:rPr lang="en-GB" smtClean="0"/>
-              <a:t>06/05/2021</a:t>
+              <a:t>07/05/2021</a:t>
             </a:fld>
             <a:endParaRPr lang="en-GB"/>
           </a:p>
@@ -11956,7 +14039,7 @@
           <a:p>
             <a:fld id="{9BAC4BBA-1B9A-4C08-869D-09DC3EECB5B6}" type="datetime1">
               <a:rPr lang="en-GB" smtClean="0"/>
-              <a:t>06/05/2021</a:t>
+              <a:t>07/05/2021</a:t>
             </a:fld>
             <a:endParaRPr lang="en-GB"/>
           </a:p>

--- a/Report/Presentation/Simulating Liquid Crystals.pptx
+++ b/Report/Presentation/Simulating Liquid Crystals.pptx
@@ -5,7 +5,7 @@
     <p:sldMasterId id="2147483660" r:id="rId1"/>
   </p:sldMasterIdLst>
   <p:notesMasterIdLst>
-    <p:notesMasterId r:id="rId20"/>
+    <p:notesMasterId r:id="rId23"/>
   </p:notesMasterIdLst>
   <p:sldIdLst>
     <p:sldId id="256" r:id="rId2"/>
@@ -25,7 +25,10 @@
     <p:sldId id="272" r:id="rId16"/>
     <p:sldId id="273" r:id="rId17"/>
     <p:sldId id="261" r:id="rId18"/>
-    <p:sldId id="263" r:id="rId19"/>
+    <p:sldId id="274" r:id="rId19"/>
+    <p:sldId id="275" r:id="rId20"/>
+    <p:sldId id="276" r:id="rId21"/>
+    <p:sldId id="263" r:id="rId22"/>
   </p:sldIdLst>
   <p:sldSz cx="12192000" cy="6858000"/>
   <p:notesSz cx="6858000" cy="9144000"/>
@@ -846,6 +849,1535 @@
     <dgm:fillClrLst meth="repeat">
       <a:schemeClr val="accent3">
         <a:tint val="60000"/>
+      </a:schemeClr>
+    </dgm:fillClrLst>
+    <dgm:linClrLst meth="repeat">
+      <a:schemeClr val="lt1"/>
+    </dgm:linClrLst>
+    <dgm:effectClrLst/>
+    <dgm:txLinClrLst/>
+    <dgm:txFillClrLst meth="repeat">
+      <a:schemeClr val="dk1"/>
+    </dgm:txFillClrLst>
+    <dgm:txEffectClrLst/>
+  </dgm:styleLbl>
+  <dgm:styleLbl name="revTx">
+    <dgm:fillClrLst meth="repeat">
+      <a:schemeClr val="lt1">
+        <a:alpha val="0"/>
+      </a:schemeClr>
+    </dgm:fillClrLst>
+    <dgm:linClrLst meth="repeat">
+      <a:schemeClr val="dk1">
+        <a:alpha val="0"/>
+      </a:schemeClr>
+    </dgm:linClrLst>
+    <dgm:effectClrLst/>
+    <dgm:txLinClrLst/>
+    <dgm:txFillClrLst meth="repeat">
+      <a:schemeClr val="tx1"/>
+    </dgm:txFillClrLst>
+    <dgm:txEffectClrLst/>
+  </dgm:styleLbl>
+</dgm:colorsDef>
+</file>
+
+<file path=ppt/diagrams/colors2.xml><?xml version="1.0" encoding="utf-8"?>
+<dgm:colorsDef xmlns:dgm="http://schemas.openxmlformats.org/drawingml/2006/diagram" xmlns:a="http://schemas.openxmlformats.org/drawingml/2006/main" uniqueId="urn:microsoft.com/office/officeart/2005/8/colors/accent1_2">
+  <dgm:title val=""/>
+  <dgm:desc val=""/>
+  <dgm:catLst>
+    <dgm:cat type="accent1" pri="11200"/>
+  </dgm:catLst>
+  <dgm:styleLbl name="node0">
+    <dgm:fillClrLst meth="repeat">
+      <a:schemeClr val="accent1"/>
+    </dgm:fillClrLst>
+    <dgm:linClrLst meth="repeat">
+      <a:schemeClr val="lt1"/>
+    </dgm:linClrLst>
+    <dgm:effectClrLst/>
+    <dgm:txLinClrLst/>
+    <dgm:txFillClrLst/>
+    <dgm:txEffectClrLst/>
+  </dgm:styleLbl>
+  <dgm:styleLbl name="alignNode1">
+    <dgm:fillClrLst meth="repeat">
+      <a:schemeClr val="accent1"/>
+    </dgm:fillClrLst>
+    <dgm:linClrLst meth="repeat">
+      <a:schemeClr val="accent1"/>
+    </dgm:linClrLst>
+    <dgm:effectClrLst/>
+    <dgm:txLinClrLst/>
+    <dgm:txFillClrLst/>
+    <dgm:txEffectClrLst/>
+  </dgm:styleLbl>
+  <dgm:styleLbl name="node1">
+    <dgm:fillClrLst meth="repeat">
+      <a:schemeClr val="accent1"/>
+    </dgm:fillClrLst>
+    <dgm:linClrLst meth="repeat">
+      <a:schemeClr val="lt1"/>
+    </dgm:linClrLst>
+    <dgm:effectClrLst/>
+    <dgm:txLinClrLst/>
+    <dgm:txFillClrLst/>
+    <dgm:txEffectClrLst/>
+  </dgm:styleLbl>
+  <dgm:styleLbl name="lnNode1">
+    <dgm:fillClrLst meth="repeat">
+      <a:schemeClr val="accent1"/>
+    </dgm:fillClrLst>
+    <dgm:linClrLst meth="repeat">
+      <a:schemeClr val="lt1"/>
+    </dgm:linClrLst>
+    <dgm:effectClrLst/>
+    <dgm:txLinClrLst/>
+    <dgm:txFillClrLst/>
+    <dgm:txEffectClrLst/>
+  </dgm:styleLbl>
+  <dgm:styleLbl name="vennNode1">
+    <dgm:fillClrLst meth="repeat">
+      <a:schemeClr val="accent1">
+        <a:alpha val="50000"/>
+      </a:schemeClr>
+    </dgm:fillClrLst>
+    <dgm:linClrLst meth="repeat">
+      <a:schemeClr val="lt1"/>
+    </dgm:linClrLst>
+    <dgm:effectClrLst/>
+    <dgm:txLinClrLst/>
+    <dgm:txFillClrLst/>
+    <dgm:txEffectClrLst/>
+  </dgm:styleLbl>
+  <dgm:styleLbl name="node2">
+    <dgm:fillClrLst meth="repeat">
+      <a:schemeClr val="accent1"/>
+    </dgm:fillClrLst>
+    <dgm:linClrLst meth="repeat">
+      <a:schemeClr val="lt1"/>
+    </dgm:linClrLst>
+    <dgm:effectClrLst/>
+    <dgm:txLinClrLst/>
+    <dgm:txFillClrLst/>
+    <dgm:txEffectClrLst/>
+  </dgm:styleLbl>
+  <dgm:styleLbl name="node3">
+    <dgm:fillClrLst meth="repeat">
+      <a:schemeClr val="accent1"/>
+    </dgm:fillClrLst>
+    <dgm:linClrLst meth="repeat">
+      <a:schemeClr val="lt1"/>
+    </dgm:linClrLst>
+    <dgm:effectClrLst/>
+    <dgm:txLinClrLst/>
+    <dgm:txFillClrLst/>
+    <dgm:txEffectClrLst/>
+  </dgm:styleLbl>
+  <dgm:styleLbl name="node4">
+    <dgm:fillClrLst meth="repeat">
+      <a:schemeClr val="accent1"/>
+    </dgm:fillClrLst>
+    <dgm:linClrLst meth="repeat">
+      <a:schemeClr val="lt1"/>
+    </dgm:linClrLst>
+    <dgm:effectClrLst/>
+    <dgm:txLinClrLst/>
+    <dgm:txFillClrLst/>
+    <dgm:txEffectClrLst/>
+  </dgm:styleLbl>
+  <dgm:styleLbl name="fgImgPlace1">
+    <dgm:fillClrLst meth="repeat">
+      <a:schemeClr val="accent1">
+        <a:tint val="50000"/>
+      </a:schemeClr>
+    </dgm:fillClrLst>
+    <dgm:linClrLst meth="repeat">
+      <a:schemeClr val="lt1"/>
+    </dgm:linClrLst>
+    <dgm:effectClrLst/>
+    <dgm:txLinClrLst/>
+    <dgm:txFillClrLst meth="repeat">
+      <a:schemeClr val="lt1"/>
+    </dgm:txFillClrLst>
+    <dgm:txEffectClrLst/>
+  </dgm:styleLbl>
+  <dgm:styleLbl name="alignImgPlace1">
+    <dgm:fillClrLst meth="repeat">
+      <a:schemeClr val="accent1">
+        <a:tint val="50000"/>
+      </a:schemeClr>
+    </dgm:fillClrLst>
+    <dgm:linClrLst meth="repeat">
+      <a:schemeClr val="lt1"/>
+    </dgm:linClrLst>
+    <dgm:effectClrLst/>
+    <dgm:txLinClrLst/>
+    <dgm:txFillClrLst meth="repeat">
+      <a:schemeClr val="lt1"/>
+    </dgm:txFillClrLst>
+    <dgm:txEffectClrLst/>
+  </dgm:styleLbl>
+  <dgm:styleLbl name="bgImgPlace1">
+    <dgm:fillClrLst meth="repeat">
+      <a:schemeClr val="accent1">
+        <a:tint val="50000"/>
+      </a:schemeClr>
+    </dgm:fillClrLst>
+    <dgm:linClrLst meth="repeat">
+      <a:schemeClr val="lt1"/>
+    </dgm:linClrLst>
+    <dgm:effectClrLst/>
+    <dgm:txLinClrLst/>
+    <dgm:txFillClrLst meth="repeat">
+      <a:schemeClr val="lt1"/>
+    </dgm:txFillClrLst>
+    <dgm:txEffectClrLst/>
+  </dgm:styleLbl>
+  <dgm:styleLbl name="sibTrans2D1">
+    <dgm:fillClrLst meth="repeat">
+      <a:schemeClr val="accent1">
+        <a:tint val="60000"/>
+      </a:schemeClr>
+    </dgm:fillClrLst>
+    <dgm:linClrLst meth="repeat">
+      <a:schemeClr val="accent1">
+        <a:tint val="60000"/>
+      </a:schemeClr>
+    </dgm:linClrLst>
+    <dgm:effectClrLst/>
+    <dgm:txLinClrLst/>
+    <dgm:txFillClrLst/>
+    <dgm:txEffectClrLst/>
+  </dgm:styleLbl>
+  <dgm:styleLbl name="fgSibTrans2D1">
+    <dgm:fillClrLst meth="repeat">
+      <a:schemeClr val="accent1">
+        <a:tint val="60000"/>
+      </a:schemeClr>
+    </dgm:fillClrLst>
+    <dgm:linClrLst meth="repeat">
+      <a:schemeClr val="accent1">
+        <a:tint val="60000"/>
+      </a:schemeClr>
+    </dgm:linClrLst>
+    <dgm:effectClrLst/>
+    <dgm:txLinClrLst/>
+    <dgm:txFillClrLst/>
+    <dgm:txEffectClrLst/>
+  </dgm:styleLbl>
+  <dgm:styleLbl name="bgSibTrans2D1">
+    <dgm:fillClrLst meth="repeat">
+      <a:schemeClr val="accent1">
+        <a:tint val="60000"/>
+      </a:schemeClr>
+    </dgm:fillClrLst>
+    <dgm:linClrLst meth="repeat">
+      <a:schemeClr val="accent1">
+        <a:tint val="60000"/>
+      </a:schemeClr>
+    </dgm:linClrLst>
+    <dgm:effectClrLst/>
+    <dgm:txLinClrLst/>
+    <dgm:txFillClrLst/>
+    <dgm:txEffectClrLst/>
+  </dgm:styleLbl>
+  <dgm:styleLbl name="sibTrans1D1">
+    <dgm:fillClrLst meth="repeat">
+      <a:schemeClr val="accent1"/>
+    </dgm:fillClrLst>
+    <dgm:linClrLst meth="repeat">
+      <a:schemeClr val="accent1"/>
+    </dgm:linClrLst>
+    <dgm:effectClrLst/>
+    <dgm:txLinClrLst/>
+    <dgm:txFillClrLst meth="repeat">
+      <a:schemeClr val="tx1"/>
+    </dgm:txFillClrLst>
+    <dgm:txEffectClrLst/>
+  </dgm:styleLbl>
+  <dgm:styleLbl name="callout">
+    <dgm:fillClrLst meth="repeat">
+      <a:schemeClr val="accent1"/>
+    </dgm:fillClrLst>
+    <dgm:linClrLst meth="repeat">
+      <a:schemeClr val="accent1">
+        <a:tint val="50000"/>
+      </a:schemeClr>
+    </dgm:linClrLst>
+    <dgm:effectClrLst/>
+    <dgm:txLinClrLst/>
+    <dgm:txFillClrLst meth="repeat">
+      <a:schemeClr val="tx1"/>
+    </dgm:txFillClrLst>
+    <dgm:txEffectClrLst/>
+  </dgm:styleLbl>
+  <dgm:styleLbl name="asst0">
+    <dgm:fillClrLst meth="repeat">
+      <a:schemeClr val="accent1"/>
+    </dgm:fillClrLst>
+    <dgm:linClrLst meth="repeat">
+      <a:schemeClr val="lt1"/>
+    </dgm:linClrLst>
+    <dgm:effectClrLst/>
+    <dgm:txLinClrLst/>
+    <dgm:txFillClrLst/>
+    <dgm:txEffectClrLst/>
+  </dgm:styleLbl>
+  <dgm:styleLbl name="asst1">
+    <dgm:fillClrLst meth="repeat">
+      <a:schemeClr val="accent1"/>
+    </dgm:fillClrLst>
+    <dgm:linClrLst meth="repeat">
+      <a:schemeClr val="lt1"/>
+    </dgm:linClrLst>
+    <dgm:effectClrLst/>
+    <dgm:txLinClrLst/>
+    <dgm:txFillClrLst/>
+    <dgm:txEffectClrLst/>
+  </dgm:styleLbl>
+  <dgm:styleLbl name="asst2">
+    <dgm:fillClrLst meth="repeat">
+      <a:schemeClr val="accent1"/>
+    </dgm:fillClrLst>
+    <dgm:linClrLst meth="repeat">
+      <a:schemeClr val="lt1"/>
+    </dgm:linClrLst>
+    <dgm:effectClrLst/>
+    <dgm:txLinClrLst/>
+    <dgm:txFillClrLst/>
+    <dgm:txEffectClrLst/>
+  </dgm:styleLbl>
+  <dgm:styleLbl name="asst3">
+    <dgm:fillClrLst meth="repeat">
+      <a:schemeClr val="accent1"/>
+    </dgm:fillClrLst>
+    <dgm:linClrLst meth="repeat">
+      <a:schemeClr val="lt1"/>
+    </dgm:linClrLst>
+    <dgm:effectClrLst/>
+    <dgm:txLinClrLst/>
+    <dgm:txFillClrLst/>
+    <dgm:txEffectClrLst/>
+  </dgm:styleLbl>
+  <dgm:styleLbl name="asst4">
+    <dgm:fillClrLst meth="repeat">
+      <a:schemeClr val="accent1"/>
+    </dgm:fillClrLst>
+    <dgm:linClrLst meth="repeat">
+      <a:schemeClr val="lt1"/>
+    </dgm:linClrLst>
+    <dgm:effectClrLst/>
+    <dgm:txLinClrLst/>
+    <dgm:txFillClrLst/>
+    <dgm:txEffectClrLst/>
+  </dgm:styleLbl>
+  <dgm:styleLbl name="parChTrans2D1">
+    <dgm:fillClrLst meth="repeat">
+      <a:schemeClr val="accent1">
+        <a:tint val="60000"/>
+      </a:schemeClr>
+    </dgm:fillClrLst>
+    <dgm:linClrLst meth="repeat">
+      <a:schemeClr val="accent1">
+        <a:tint val="60000"/>
+      </a:schemeClr>
+    </dgm:linClrLst>
+    <dgm:effectClrLst/>
+    <dgm:txLinClrLst/>
+    <dgm:txFillClrLst meth="repeat">
+      <a:schemeClr val="lt1"/>
+    </dgm:txFillClrLst>
+    <dgm:txEffectClrLst/>
+  </dgm:styleLbl>
+  <dgm:styleLbl name="parChTrans2D2">
+    <dgm:fillClrLst meth="repeat">
+      <a:schemeClr val="accent1"/>
+    </dgm:fillClrLst>
+    <dgm:linClrLst meth="repeat">
+      <a:schemeClr val="accent1"/>
+    </dgm:linClrLst>
+    <dgm:effectClrLst/>
+    <dgm:txLinClrLst/>
+    <dgm:txFillClrLst meth="repeat">
+      <a:schemeClr val="lt1"/>
+    </dgm:txFillClrLst>
+    <dgm:txEffectClrLst/>
+  </dgm:styleLbl>
+  <dgm:styleLbl name="parChTrans2D3">
+    <dgm:fillClrLst meth="repeat">
+      <a:schemeClr val="accent1"/>
+    </dgm:fillClrLst>
+    <dgm:linClrLst meth="repeat">
+      <a:schemeClr val="accent1"/>
+    </dgm:linClrLst>
+    <dgm:effectClrLst/>
+    <dgm:txLinClrLst/>
+    <dgm:txFillClrLst meth="repeat">
+      <a:schemeClr val="lt1"/>
+    </dgm:txFillClrLst>
+    <dgm:txEffectClrLst/>
+  </dgm:styleLbl>
+  <dgm:styleLbl name="parChTrans2D4">
+    <dgm:fillClrLst meth="repeat">
+      <a:schemeClr val="accent1"/>
+    </dgm:fillClrLst>
+    <dgm:linClrLst meth="repeat">
+      <a:schemeClr val="accent1"/>
+    </dgm:linClrLst>
+    <dgm:effectClrLst/>
+    <dgm:txLinClrLst/>
+    <dgm:txFillClrLst meth="repeat">
+      <a:schemeClr val="lt1"/>
+    </dgm:txFillClrLst>
+    <dgm:txEffectClrLst/>
+  </dgm:styleLbl>
+  <dgm:styleLbl name="parChTrans1D1">
+    <dgm:fillClrLst meth="repeat">
+      <a:schemeClr val="accent1"/>
+    </dgm:fillClrLst>
+    <dgm:linClrLst meth="repeat">
+      <a:schemeClr val="accent1">
+        <a:shade val="60000"/>
+      </a:schemeClr>
+    </dgm:linClrLst>
+    <dgm:effectClrLst/>
+    <dgm:txLinClrLst/>
+    <dgm:txFillClrLst meth="repeat">
+      <a:schemeClr val="tx1"/>
+    </dgm:txFillClrLst>
+    <dgm:txEffectClrLst/>
+  </dgm:styleLbl>
+  <dgm:styleLbl name="parChTrans1D2">
+    <dgm:fillClrLst meth="repeat">
+      <a:schemeClr val="accent1"/>
+    </dgm:fillClrLst>
+    <dgm:linClrLst meth="repeat">
+      <a:schemeClr val="accent1">
+        <a:shade val="60000"/>
+      </a:schemeClr>
+    </dgm:linClrLst>
+    <dgm:effectClrLst/>
+    <dgm:txLinClrLst/>
+    <dgm:txFillClrLst meth="repeat">
+      <a:schemeClr val="tx1"/>
+    </dgm:txFillClrLst>
+    <dgm:txEffectClrLst/>
+  </dgm:styleLbl>
+  <dgm:styleLbl name="parChTrans1D3">
+    <dgm:fillClrLst meth="repeat">
+      <a:schemeClr val="accent1"/>
+    </dgm:fillClrLst>
+    <dgm:linClrLst meth="repeat">
+      <a:schemeClr val="accent1">
+        <a:shade val="80000"/>
+      </a:schemeClr>
+    </dgm:linClrLst>
+    <dgm:effectClrLst/>
+    <dgm:txLinClrLst/>
+    <dgm:txFillClrLst meth="repeat">
+      <a:schemeClr val="tx1"/>
+    </dgm:txFillClrLst>
+    <dgm:txEffectClrLst/>
+  </dgm:styleLbl>
+  <dgm:styleLbl name="parChTrans1D4">
+    <dgm:fillClrLst meth="repeat">
+      <a:schemeClr val="accent1"/>
+    </dgm:fillClrLst>
+    <dgm:linClrLst meth="repeat">
+      <a:schemeClr val="accent1">
+        <a:shade val="80000"/>
+      </a:schemeClr>
+    </dgm:linClrLst>
+    <dgm:effectClrLst/>
+    <dgm:txLinClrLst/>
+    <dgm:txFillClrLst meth="repeat">
+      <a:schemeClr val="tx1"/>
+    </dgm:txFillClrLst>
+    <dgm:txEffectClrLst/>
+  </dgm:styleLbl>
+  <dgm:styleLbl name="fgAcc1">
+    <dgm:fillClrLst meth="repeat">
+      <a:schemeClr val="lt1">
+        <a:alpha val="90000"/>
+      </a:schemeClr>
+    </dgm:fillClrLst>
+    <dgm:linClrLst meth="repeat">
+      <a:schemeClr val="accent1"/>
+    </dgm:linClrLst>
+    <dgm:effectClrLst/>
+    <dgm:txLinClrLst/>
+    <dgm:txFillClrLst meth="repeat">
+      <a:schemeClr val="dk1"/>
+    </dgm:txFillClrLst>
+    <dgm:txEffectClrLst/>
+  </dgm:styleLbl>
+  <dgm:styleLbl name="conFgAcc1">
+    <dgm:fillClrLst meth="repeat">
+      <a:schemeClr val="lt1">
+        <a:alpha val="90000"/>
+      </a:schemeClr>
+    </dgm:fillClrLst>
+    <dgm:linClrLst meth="repeat">
+      <a:schemeClr val="accent1"/>
+    </dgm:linClrLst>
+    <dgm:effectClrLst/>
+    <dgm:txLinClrLst/>
+    <dgm:txFillClrLst meth="repeat">
+      <a:schemeClr val="dk1"/>
+    </dgm:txFillClrLst>
+    <dgm:txEffectClrLst/>
+  </dgm:styleLbl>
+  <dgm:styleLbl name="alignAcc1">
+    <dgm:fillClrLst meth="repeat">
+      <a:schemeClr val="lt1">
+        <a:alpha val="90000"/>
+      </a:schemeClr>
+    </dgm:fillClrLst>
+    <dgm:linClrLst meth="repeat">
+      <a:schemeClr val="accent1"/>
+    </dgm:linClrLst>
+    <dgm:effectClrLst/>
+    <dgm:txLinClrLst/>
+    <dgm:txFillClrLst meth="repeat">
+      <a:schemeClr val="dk1"/>
+    </dgm:txFillClrLst>
+    <dgm:txEffectClrLst/>
+  </dgm:styleLbl>
+  <dgm:styleLbl name="trAlignAcc1">
+    <dgm:fillClrLst meth="repeat">
+      <a:schemeClr val="lt1">
+        <a:alpha val="40000"/>
+      </a:schemeClr>
+    </dgm:fillClrLst>
+    <dgm:linClrLst meth="repeat">
+      <a:schemeClr val="accent1"/>
+    </dgm:linClrLst>
+    <dgm:effectClrLst/>
+    <dgm:txLinClrLst/>
+    <dgm:txFillClrLst meth="repeat">
+      <a:schemeClr val="dk1"/>
+    </dgm:txFillClrLst>
+    <dgm:txEffectClrLst/>
+  </dgm:styleLbl>
+  <dgm:styleLbl name="bgAcc1">
+    <dgm:fillClrLst meth="repeat">
+      <a:schemeClr val="lt1">
+        <a:alpha val="90000"/>
+      </a:schemeClr>
+    </dgm:fillClrLst>
+    <dgm:linClrLst meth="repeat">
+      <a:schemeClr val="accent1"/>
+    </dgm:linClrLst>
+    <dgm:effectClrLst/>
+    <dgm:txLinClrLst/>
+    <dgm:txFillClrLst meth="repeat">
+      <a:schemeClr val="dk1"/>
+    </dgm:txFillClrLst>
+    <dgm:txEffectClrLst/>
+  </dgm:styleLbl>
+  <dgm:styleLbl name="solidFgAcc1">
+    <dgm:fillClrLst meth="repeat">
+      <a:schemeClr val="lt1"/>
+    </dgm:fillClrLst>
+    <dgm:linClrLst meth="repeat">
+      <a:schemeClr val="accent1"/>
+    </dgm:linClrLst>
+    <dgm:effectClrLst/>
+    <dgm:txLinClrLst/>
+    <dgm:txFillClrLst meth="repeat">
+      <a:schemeClr val="dk1"/>
+    </dgm:txFillClrLst>
+    <dgm:txEffectClrLst/>
+  </dgm:styleLbl>
+  <dgm:styleLbl name="solidAlignAcc1">
+    <dgm:fillClrLst meth="repeat">
+      <a:schemeClr val="lt1"/>
+    </dgm:fillClrLst>
+    <dgm:linClrLst meth="repeat">
+      <a:schemeClr val="accent1"/>
+    </dgm:linClrLst>
+    <dgm:effectClrLst/>
+    <dgm:txLinClrLst/>
+    <dgm:txFillClrLst meth="repeat">
+      <a:schemeClr val="dk1"/>
+    </dgm:txFillClrLst>
+    <dgm:txEffectClrLst/>
+  </dgm:styleLbl>
+  <dgm:styleLbl name="solidBgAcc1">
+    <dgm:fillClrLst meth="repeat">
+      <a:schemeClr val="lt1"/>
+    </dgm:fillClrLst>
+    <dgm:linClrLst meth="repeat">
+      <a:schemeClr val="accent1"/>
+    </dgm:linClrLst>
+    <dgm:effectClrLst/>
+    <dgm:txLinClrLst/>
+    <dgm:txFillClrLst meth="repeat">
+      <a:schemeClr val="dk1"/>
+    </dgm:txFillClrLst>
+    <dgm:txEffectClrLst/>
+  </dgm:styleLbl>
+  <dgm:styleLbl name="fgAccFollowNode1">
+    <dgm:fillClrLst meth="repeat">
+      <a:schemeClr val="accent1">
+        <a:alpha val="90000"/>
+        <a:tint val="40000"/>
+      </a:schemeClr>
+    </dgm:fillClrLst>
+    <dgm:linClrLst meth="repeat">
+      <a:schemeClr val="accent1">
+        <a:alpha val="90000"/>
+        <a:tint val="40000"/>
+      </a:schemeClr>
+    </dgm:linClrLst>
+    <dgm:effectClrLst/>
+    <dgm:txLinClrLst/>
+    <dgm:txFillClrLst meth="repeat">
+      <a:schemeClr val="dk1"/>
+    </dgm:txFillClrLst>
+    <dgm:txEffectClrLst/>
+  </dgm:styleLbl>
+  <dgm:styleLbl name="alignAccFollowNode1">
+    <dgm:fillClrLst meth="repeat">
+      <a:schemeClr val="accent1">
+        <a:alpha val="90000"/>
+        <a:tint val="40000"/>
+      </a:schemeClr>
+    </dgm:fillClrLst>
+    <dgm:linClrLst meth="repeat">
+      <a:schemeClr val="accent1">
+        <a:alpha val="90000"/>
+        <a:tint val="40000"/>
+      </a:schemeClr>
+    </dgm:linClrLst>
+    <dgm:effectClrLst/>
+    <dgm:txLinClrLst/>
+    <dgm:txFillClrLst meth="repeat">
+      <a:schemeClr val="dk1"/>
+    </dgm:txFillClrLst>
+    <dgm:txEffectClrLst/>
+  </dgm:styleLbl>
+  <dgm:styleLbl name="bgAccFollowNode1">
+    <dgm:fillClrLst meth="repeat">
+      <a:schemeClr val="accent1">
+        <a:alpha val="90000"/>
+        <a:tint val="40000"/>
+      </a:schemeClr>
+    </dgm:fillClrLst>
+    <dgm:linClrLst meth="repeat">
+      <a:schemeClr val="accent1">
+        <a:alpha val="90000"/>
+        <a:tint val="40000"/>
+      </a:schemeClr>
+    </dgm:linClrLst>
+    <dgm:effectClrLst/>
+    <dgm:txLinClrLst/>
+    <dgm:txFillClrLst meth="repeat">
+      <a:schemeClr val="dk1"/>
+    </dgm:txFillClrLst>
+    <dgm:txEffectClrLst/>
+  </dgm:styleLbl>
+  <dgm:styleLbl name="fgAcc0">
+    <dgm:fillClrLst meth="repeat">
+      <a:schemeClr val="lt1">
+        <a:alpha val="90000"/>
+      </a:schemeClr>
+    </dgm:fillClrLst>
+    <dgm:linClrLst meth="repeat">
+      <a:schemeClr val="accent1"/>
+    </dgm:linClrLst>
+    <dgm:effectClrLst/>
+    <dgm:txLinClrLst/>
+    <dgm:txFillClrLst meth="repeat">
+      <a:schemeClr val="dk1"/>
+    </dgm:txFillClrLst>
+    <dgm:txEffectClrLst/>
+  </dgm:styleLbl>
+  <dgm:styleLbl name="fgAcc2">
+    <dgm:fillClrLst meth="repeat">
+      <a:schemeClr val="lt1">
+        <a:alpha val="90000"/>
+      </a:schemeClr>
+    </dgm:fillClrLst>
+    <dgm:linClrLst meth="repeat">
+      <a:schemeClr val="accent1"/>
+    </dgm:linClrLst>
+    <dgm:effectClrLst/>
+    <dgm:txLinClrLst/>
+    <dgm:txFillClrLst meth="repeat">
+      <a:schemeClr val="dk1"/>
+    </dgm:txFillClrLst>
+    <dgm:txEffectClrLst/>
+  </dgm:styleLbl>
+  <dgm:styleLbl name="fgAcc3">
+    <dgm:fillClrLst meth="repeat">
+      <a:schemeClr val="lt1">
+        <a:alpha val="90000"/>
+      </a:schemeClr>
+    </dgm:fillClrLst>
+    <dgm:linClrLst meth="repeat">
+      <a:schemeClr val="accent1"/>
+    </dgm:linClrLst>
+    <dgm:effectClrLst/>
+    <dgm:txLinClrLst/>
+    <dgm:txFillClrLst meth="repeat">
+      <a:schemeClr val="dk1"/>
+    </dgm:txFillClrLst>
+    <dgm:txEffectClrLst/>
+  </dgm:styleLbl>
+  <dgm:styleLbl name="fgAcc4">
+    <dgm:fillClrLst meth="repeat">
+      <a:schemeClr val="lt1">
+        <a:alpha val="90000"/>
+      </a:schemeClr>
+    </dgm:fillClrLst>
+    <dgm:linClrLst meth="repeat">
+      <a:schemeClr val="accent1"/>
+    </dgm:linClrLst>
+    <dgm:effectClrLst/>
+    <dgm:txLinClrLst/>
+    <dgm:txFillClrLst meth="repeat">
+      <a:schemeClr val="dk1"/>
+    </dgm:txFillClrLst>
+    <dgm:txEffectClrLst/>
+  </dgm:styleLbl>
+  <dgm:styleLbl name="bgShp">
+    <dgm:fillClrLst meth="repeat">
+      <a:schemeClr val="accent1">
+        <a:tint val="40000"/>
+      </a:schemeClr>
+    </dgm:fillClrLst>
+    <dgm:linClrLst meth="repeat">
+      <a:schemeClr val="accent1"/>
+    </dgm:linClrLst>
+    <dgm:effectClrLst/>
+    <dgm:txLinClrLst/>
+    <dgm:txFillClrLst meth="repeat">
+      <a:schemeClr val="dk1"/>
+    </dgm:txFillClrLst>
+    <dgm:txEffectClrLst/>
+  </dgm:styleLbl>
+  <dgm:styleLbl name="dkBgShp">
+    <dgm:fillClrLst meth="repeat">
+      <a:schemeClr val="accent1">
+        <a:shade val="80000"/>
+      </a:schemeClr>
+    </dgm:fillClrLst>
+    <dgm:linClrLst meth="repeat">
+      <a:schemeClr val="accent1"/>
+    </dgm:linClrLst>
+    <dgm:effectClrLst/>
+    <dgm:txLinClrLst/>
+    <dgm:txFillClrLst meth="repeat">
+      <a:schemeClr val="lt1"/>
+    </dgm:txFillClrLst>
+    <dgm:txEffectClrLst/>
+  </dgm:styleLbl>
+  <dgm:styleLbl name="trBgShp">
+    <dgm:fillClrLst meth="repeat">
+      <a:schemeClr val="accent1">
+        <a:tint val="50000"/>
+        <a:alpha val="40000"/>
+      </a:schemeClr>
+    </dgm:fillClrLst>
+    <dgm:linClrLst meth="repeat">
+      <a:schemeClr val="accent1"/>
+    </dgm:linClrLst>
+    <dgm:effectClrLst/>
+    <dgm:txLinClrLst/>
+    <dgm:txFillClrLst meth="repeat">
+      <a:schemeClr val="lt1"/>
+    </dgm:txFillClrLst>
+    <dgm:txEffectClrLst/>
+  </dgm:styleLbl>
+  <dgm:styleLbl name="fgShp">
+    <dgm:fillClrLst meth="repeat">
+      <a:schemeClr val="accent1">
+        <a:tint val="60000"/>
+      </a:schemeClr>
+    </dgm:fillClrLst>
+    <dgm:linClrLst meth="repeat">
+      <a:schemeClr val="lt1"/>
+    </dgm:linClrLst>
+    <dgm:effectClrLst/>
+    <dgm:txLinClrLst/>
+    <dgm:txFillClrLst meth="repeat">
+      <a:schemeClr val="dk1"/>
+    </dgm:txFillClrLst>
+    <dgm:txEffectClrLst/>
+  </dgm:styleLbl>
+  <dgm:styleLbl name="revTx">
+    <dgm:fillClrLst meth="repeat">
+      <a:schemeClr val="lt1">
+        <a:alpha val="0"/>
+      </a:schemeClr>
+    </dgm:fillClrLst>
+    <dgm:linClrLst meth="repeat">
+      <a:schemeClr val="dk1">
+        <a:alpha val="0"/>
+      </a:schemeClr>
+    </dgm:linClrLst>
+    <dgm:effectClrLst/>
+    <dgm:txLinClrLst/>
+    <dgm:txFillClrLst meth="repeat">
+      <a:schemeClr val="tx1"/>
+    </dgm:txFillClrLst>
+    <dgm:txEffectClrLst/>
+  </dgm:styleLbl>
+</dgm:colorsDef>
+</file>
+
+<file path=ppt/diagrams/colors3.xml><?xml version="1.0" encoding="utf-8"?>
+<dgm:colorsDef xmlns:dgm="http://schemas.openxmlformats.org/drawingml/2006/diagram" xmlns:a="http://schemas.openxmlformats.org/drawingml/2006/main" uniqueId="urn:microsoft.com/office/officeart/2005/8/colors/colorful5">
+  <dgm:title val=""/>
+  <dgm:desc val=""/>
+  <dgm:catLst>
+    <dgm:cat type="colorful" pri="10500"/>
+  </dgm:catLst>
+  <dgm:styleLbl name="node0">
+    <dgm:fillClrLst meth="repeat">
+      <a:schemeClr val="accent4"/>
+    </dgm:fillClrLst>
+    <dgm:linClrLst meth="repeat">
+      <a:schemeClr val="lt1"/>
+    </dgm:linClrLst>
+    <dgm:effectClrLst/>
+    <dgm:txLinClrLst/>
+    <dgm:txFillClrLst/>
+    <dgm:txEffectClrLst/>
+  </dgm:styleLbl>
+  <dgm:styleLbl name="node1">
+    <dgm:fillClrLst>
+      <a:schemeClr val="accent5"/>
+      <a:schemeClr val="accent6"/>
+    </dgm:fillClrLst>
+    <dgm:linClrLst meth="repeat">
+      <a:schemeClr val="lt1"/>
+    </dgm:linClrLst>
+    <dgm:effectClrLst/>
+    <dgm:txLinClrLst/>
+    <dgm:txFillClrLst/>
+    <dgm:txEffectClrLst/>
+  </dgm:styleLbl>
+  <dgm:styleLbl name="alignNode1">
+    <dgm:fillClrLst>
+      <a:schemeClr val="accent5"/>
+      <a:schemeClr val="accent6"/>
+    </dgm:fillClrLst>
+    <dgm:linClrLst>
+      <a:schemeClr val="accent5"/>
+      <a:schemeClr val="accent6"/>
+    </dgm:linClrLst>
+    <dgm:effectClrLst/>
+    <dgm:txLinClrLst/>
+    <dgm:txFillClrLst/>
+    <dgm:txEffectClrLst/>
+  </dgm:styleLbl>
+  <dgm:styleLbl name="lnNode1">
+    <dgm:fillClrLst>
+      <a:schemeClr val="accent5"/>
+      <a:schemeClr val="accent6"/>
+    </dgm:fillClrLst>
+    <dgm:linClrLst meth="repeat">
+      <a:schemeClr val="lt1"/>
+    </dgm:linClrLst>
+    <dgm:effectClrLst/>
+    <dgm:txLinClrLst/>
+    <dgm:txFillClrLst/>
+    <dgm:txEffectClrLst/>
+  </dgm:styleLbl>
+  <dgm:styleLbl name="vennNode1">
+    <dgm:fillClrLst>
+      <a:schemeClr val="accent5">
+        <a:alpha val="50000"/>
+      </a:schemeClr>
+      <a:schemeClr val="accent6">
+        <a:alpha val="50000"/>
+      </a:schemeClr>
+    </dgm:fillClrLst>
+    <dgm:linClrLst meth="repeat">
+      <a:schemeClr val="lt1"/>
+    </dgm:linClrLst>
+    <dgm:effectClrLst/>
+    <dgm:txLinClrLst/>
+    <dgm:txFillClrLst/>
+    <dgm:txEffectClrLst/>
+  </dgm:styleLbl>
+  <dgm:styleLbl name="node2">
+    <dgm:fillClrLst>
+      <a:schemeClr val="accent6"/>
+    </dgm:fillClrLst>
+    <dgm:linClrLst meth="repeat">
+      <a:schemeClr val="lt1"/>
+    </dgm:linClrLst>
+    <dgm:effectClrLst/>
+    <dgm:txLinClrLst/>
+    <dgm:txFillClrLst/>
+    <dgm:txEffectClrLst/>
+  </dgm:styleLbl>
+  <dgm:styleLbl name="node3">
+    <dgm:fillClrLst>
+      <a:schemeClr val="accent1"/>
+    </dgm:fillClrLst>
+    <dgm:linClrLst meth="repeat">
+      <a:schemeClr val="lt1"/>
+    </dgm:linClrLst>
+    <dgm:effectClrLst/>
+    <dgm:txLinClrLst/>
+    <dgm:txFillClrLst/>
+    <dgm:txEffectClrLst/>
+  </dgm:styleLbl>
+  <dgm:styleLbl name="node4">
+    <dgm:fillClrLst>
+      <a:schemeClr val="accent2"/>
+    </dgm:fillClrLst>
+    <dgm:linClrLst meth="repeat">
+      <a:schemeClr val="lt1"/>
+    </dgm:linClrLst>
+    <dgm:effectClrLst/>
+    <dgm:txLinClrLst/>
+    <dgm:txFillClrLst/>
+    <dgm:txEffectClrLst/>
+  </dgm:styleLbl>
+  <dgm:styleLbl name="fgImgPlace1">
+    <dgm:fillClrLst>
+      <a:schemeClr val="accent5">
+        <a:tint val="50000"/>
+      </a:schemeClr>
+      <a:schemeClr val="accent6">
+        <a:tint val="50000"/>
+      </a:schemeClr>
+    </dgm:fillClrLst>
+    <dgm:linClrLst meth="repeat">
+      <a:schemeClr val="lt1"/>
+    </dgm:linClrLst>
+    <dgm:effectClrLst/>
+    <dgm:txLinClrLst/>
+    <dgm:txFillClrLst meth="repeat">
+      <a:schemeClr val="lt1"/>
+    </dgm:txFillClrLst>
+    <dgm:txEffectClrLst/>
+  </dgm:styleLbl>
+  <dgm:styleLbl name="alignImgPlace1">
+    <dgm:fillClrLst>
+      <a:schemeClr val="accent5">
+        <a:tint val="50000"/>
+      </a:schemeClr>
+      <a:schemeClr val="accent6">
+        <a:tint val="20000"/>
+      </a:schemeClr>
+    </dgm:fillClrLst>
+    <dgm:linClrLst meth="repeat">
+      <a:schemeClr val="lt1"/>
+    </dgm:linClrLst>
+    <dgm:effectClrLst/>
+    <dgm:txLinClrLst/>
+    <dgm:txFillClrLst meth="repeat">
+      <a:schemeClr val="lt1"/>
+    </dgm:txFillClrLst>
+    <dgm:txEffectClrLst/>
+  </dgm:styleLbl>
+  <dgm:styleLbl name="bgImgPlace1">
+    <dgm:fillClrLst>
+      <a:schemeClr val="accent5">
+        <a:tint val="50000"/>
+      </a:schemeClr>
+      <a:schemeClr val="accent6">
+        <a:tint val="20000"/>
+      </a:schemeClr>
+    </dgm:fillClrLst>
+    <dgm:linClrLst meth="repeat">
+      <a:schemeClr val="lt1"/>
+    </dgm:linClrLst>
+    <dgm:effectClrLst/>
+    <dgm:txLinClrLst/>
+    <dgm:txFillClrLst meth="repeat">
+      <a:schemeClr val="lt1"/>
+    </dgm:txFillClrLst>
+    <dgm:txEffectClrLst/>
+  </dgm:styleLbl>
+  <dgm:styleLbl name="sibTrans2D1">
+    <dgm:fillClrLst>
+      <a:schemeClr val="accent5"/>
+      <a:schemeClr val="accent6"/>
+    </dgm:fillClrLst>
+    <dgm:linClrLst meth="repeat">
+      <a:schemeClr val="lt1"/>
+    </dgm:linClrLst>
+    <dgm:effectClrLst/>
+    <dgm:txLinClrLst/>
+    <dgm:txFillClrLst/>
+    <dgm:txEffectClrLst/>
+  </dgm:styleLbl>
+  <dgm:styleLbl name="fgSibTrans2D1">
+    <dgm:fillClrLst>
+      <a:schemeClr val="accent5"/>
+      <a:schemeClr val="accent6"/>
+    </dgm:fillClrLst>
+    <dgm:linClrLst meth="repeat">
+      <a:schemeClr val="lt1"/>
+    </dgm:linClrLst>
+    <dgm:effectClrLst/>
+    <dgm:txLinClrLst/>
+    <dgm:txFillClrLst meth="repeat">
+      <a:schemeClr val="lt1"/>
+    </dgm:txFillClrLst>
+    <dgm:txEffectClrLst/>
+  </dgm:styleLbl>
+  <dgm:styleLbl name="bgSibTrans2D1">
+    <dgm:fillClrLst>
+      <a:schemeClr val="accent5"/>
+      <a:schemeClr val="accent6"/>
+    </dgm:fillClrLst>
+    <dgm:linClrLst meth="repeat">
+      <a:schemeClr val="lt1"/>
+    </dgm:linClrLst>
+    <dgm:effectClrLst/>
+    <dgm:txLinClrLst/>
+    <dgm:txFillClrLst meth="repeat">
+      <a:schemeClr val="lt1"/>
+    </dgm:txFillClrLst>
+    <dgm:txEffectClrLst/>
+  </dgm:styleLbl>
+  <dgm:styleLbl name="sibTrans1D1">
+    <dgm:fillClrLst/>
+    <dgm:linClrLst>
+      <a:schemeClr val="accent5"/>
+      <a:schemeClr val="accent6"/>
+    </dgm:linClrLst>
+    <dgm:effectClrLst/>
+    <dgm:txLinClrLst/>
+    <dgm:txFillClrLst meth="repeat">
+      <a:schemeClr val="tx1"/>
+    </dgm:txFillClrLst>
+    <dgm:txEffectClrLst/>
+  </dgm:styleLbl>
+  <dgm:styleLbl name="callout">
+    <dgm:fillClrLst meth="repeat">
+      <a:schemeClr val="accent5"/>
+    </dgm:fillClrLst>
+    <dgm:linClrLst meth="repeat">
+      <a:schemeClr val="accent5">
+        <a:tint val="50000"/>
+      </a:schemeClr>
+    </dgm:linClrLst>
+    <dgm:effectClrLst/>
+    <dgm:txLinClrLst/>
+    <dgm:txFillClrLst meth="repeat">
+      <a:schemeClr val="tx1"/>
+    </dgm:txFillClrLst>
+    <dgm:txEffectClrLst/>
+  </dgm:styleLbl>
+  <dgm:styleLbl name="asst0">
+    <dgm:fillClrLst meth="repeat">
+      <a:schemeClr val="accent5"/>
+    </dgm:fillClrLst>
+    <dgm:linClrLst meth="repeat">
+      <a:schemeClr val="lt1">
+        <a:shade val="80000"/>
+      </a:schemeClr>
+    </dgm:linClrLst>
+    <dgm:effectClrLst/>
+    <dgm:txLinClrLst/>
+    <dgm:txFillClrLst/>
+    <dgm:txEffectClrLst/>
+  </dgm:styleLbl>
+  <dgm:styleLbl name="asst1">
+    <dgm:fillClrLst meth="repeat">
+      <a:schemeClr val="accent6"/>
+    </dgm:fillClrLst>
+    <dgm:linClrLst meth="repeat">
+      <a:schemeClr val="lt1">
+        <a:shade val="80000"/>
+      </a:schemeClr>
+    </dgm:linClrLst>
+    <dgm:effectClrLst/>
+    <dgm:txLinClrLst/>
+    <dgm:txFillClrLst/>
+    <dgm:txEffectClrLst/>
+  </dgm:styleLbl>
+  <dgm:styleLbl name="asst2">
+    <dgm:fillClrLst>
+      <a:schemeClr val="accent1"/>
+    </dgm:fillClrLst>
+    <dgm:linClrLst meth="repeat">
+      <a:schemeClr val="lt1"/>
+    </dgm:linClrLst>
+    <dgm:effectClrLst/>
+    <dgm:txLinClrLst/>
+    <dgm:txFillClrLst/>
+    <dgm:txEffectClrLst/>
+  </dgm:styleLbl>
+  <dgm:styleLbl name="asst3">
+    <dgm:fillClrLst>
+      <a:schemeClr val="accent2"/>
+    </dgm:fillClrLst>
+    <dgm:linClrLst meth="repeat">
+      <a:schemeClr val="lt1"/>
+    </dgm:linClrLst>
+    <dgm:effectClrLst/>
+    <dgm:txLinClrLst/>
+    <dgm:txFillClrLst/>
+    <dgm:txEffectClrLst/>
+  </dgm:styleLbl>
+  <dgm:styleLbl name="asst4">
+    <dgm:fillClrLst>
+      <a:schemeClr val="accent3"/>
+    </dgm:fillClrLst>
+    <dgm:linClrLst meth="repeat">
+      <a:schemeClr val="lt1"/>
+    </dgm:linClrLst>
+    <dgm:effectClrLst/>
+    <dgm:txLinClrLst/>
+    <dgm:txFillClrLst/>
+    <dgm:txEffectClrLst/>
+  </dgm:styleLbl>
+  <dgm:styleLbl name="parChTrans2D1">
+    <dgm:fillClrLst meth="repeat">
+      <a:schemeClr val="accent5"/>
+    </dgm:fillClrLst>
+    <dgm:linClrLst meth="repeat">
+      <a:schemeClr val="lt1"/>
+    </dgm:linClrLst>
+    <dgm:effectClrLst/>
+    <dgm:txLinClrLst/>
+    <dgm:txFillClrLst meth="repeat">
+      <a:schemeClr val="lt1"/>
+    </dgm:txFillClrLst>
+    <dgm:txEffectClrLst/>
+  </dgm:styleLbl>
+  <dgm:styleLbl name="parChTrans2D2">
+    <dgm:fillClrLst meth="repeat">
+      <a:schemeClr val="accent6"/>
+    </dgm:fillClrLst>
+    <dgm:linClrLst meth="repeat">
+      <a:schemeClr val="lt1"/>
+    </dgm:linClrLst>
+    <dgm:effectClrLst/>
+    <dgm:txLinClrLst/>
+    <dgm:txFillClrLst/>
+    <dgm:txEffectClrLst/>
+  </dgm:styleLbl>
+  <dgm:styleLbl name="parChTrans2D3">
+    <dgm:fillClrLst meth="repeat">
+      <a:schemeClr val="accent6"/>
+    </dgm:fillClrLst>
+    <dgm:linClrLst meth="repeat">
+      <a:schemeClr val="lt1"/>
+    </dgm:linClrLst>
+    <dgm:effectClrLst/>
+    <dgm:txLinClrLst/>
+    <dgm:txFillClrLst/>
+    <dgm:txEffectClrLst/>
+  </dgm:styleLbl>
+  <dgm:styleLbl name="parChTrans2D4">
+    <dgm:fillClrLst meth="repeat">
+      <a:schemeClr val="accent1"/>
+    </dgm:fillClrLst>
+    <dgm:linClrLst meth="repeat">
+      <a:schemeClr val="lt1"/>
+    </dgm:linClrLst>
+    <dgm:effectClrLst/>
+    <dgm:txLinClrLst/>
+    <dgm:txFillClrLst meth="repeat">
+      <a:schemeClr val="lt1"/>
+    </dgm:txFillClrLst>
+    <dgm:txEffectClrLst/>
+  </dgm:styleLbl>
+  <dgm:styleLbl name="parChTrans1D1">
+    <dgm:fillClrLst meth="repeat">
+      <a:schemeClr val="accent5"/>
+    </dgm:fillClrLst>
+    <dgm:linClrLst meth="repeat">
+      <a:schemeClr val="accent5"/>
+    </dgm:linClrLst>
+    <dgm:effectClrLst/>
+    <dgm:txLinClrLst/>
+    <dgm:txFillClrLst meth="repeat">
+      <a:schemeClr val="tx1"/>
+    </dgm:txFillClrLst>
+    <dgm:txEffectClrLst/>
+  </dgm:styleLbl>
+  <dgm:styleLbl name="parChTrans1D2">
+    <dgm:fillClrLst meth="repeat">
+      <a:schemeClr val="accent6">
+        <a:tint val="90000"/>
+      </a:schemeClr>
+    </dgm:fillClrLst>
+    <dgm:linClrLst meth="repeat">
+      <a:schemeClr val="accent6"/>
+    </dgm:linClrLst>
+    <dgm:effectClrLst/>
+    <dgm:txLinClrLst/>
+    <dgm:txFillClrLst meth="repeat">
+      <a:schemeClr val="tx1"/>
+    </dgm:txFillClrLst>
+    <dgm:txEffectClrLst/>
+  </dgm:styleLbl>
+  <dgm:styleLbl name="parChTrans1D3">
+    <dgm:fillClrLst meth="repeat">
+      <a:schemeClr val="accent6">
+        <a:tint val="70000"/>
+      </a:schemeClr>
+    </dgm:fillClrLst>
+    <dgm:linClrLst meth="repeat">
+      <a:schemeClr val="accent1"/>
+    </dgm:linClrLst>
+    <dgm:effectClrLst/>
+    <dgm:txLinClrLst/>
+    <dgm:txFillClrLst meth="repeat">
+      <a:schemeClr val="tx1"/>
+    </dgm:txFillClrLst>
+    <dgm:txEffectClrLst/>
+  </dgm:styleLbl>
+  <dgm:styleLbl name="parChTrans1D4">
+    <dgm:fillClrLst meth="repeat">
+      <a:schemeClr val="accent6">
+        <a:tint val="50000"/>
+      </a:schemeClr>
+    </dgm:fillClrLst>
+    <dgm:linClrLst meth="repeat">
+      <a:schemeClr val="accent2"/>
+    </dgm:linClrLst>
+    <dgm:effectClrLst/>
+    <dgm:txLinClrLst/>
+    <dgm:txFillClrLst meth="repeat">
+      <a:schemeClr val="tx1"/>
+    </dgm:txFillClrLst>
+    <dgm:txEffectClrLst/>
+  </dgm:styleLbl>
+  <dgm:styleLbl name="fgAcc1">
+    <dgm:fillClrLst meth="repeat">
+      <a:schemeClr val="lt1">
+        <a:alpha val="90000"/>
+      </a:schemeClr>
+    </dgm:fillClrLst>
+    <dgm:linClrLst>
+      <a:schemeClr val="accent5"/>
+      <a:schemeClr val="accent6"/>
+    </dgm:linClrLst>
+    <dgm:effectClrLst/>
+    <dgm:txLinClrLst/>
+    <dgm:txFillClrLst meth="repeat">
+      <a:schemeClr val="dk1"/>
+    </dgm:txFillClrLst>
+    <dgm:txEffectClrLst/>
+  </dgm:styleLbl>
+  <dgm:styleLbl name="conFgAcc1">
+    <dgm:fillClrLst meth="repeat">
+      <a:schemeClr val="lt1">
+        <a:alpha val="90000"/>
+      </a:schemeClr>
+    </dgm:fillClrLst>
+    <dgm:linClrLst>
+      <a:schemeClr val="accent5"/>
+      <a:schemeClr val="accent6"/>
+    </dgm:linClrLst>
+    <dgm:effectClrLst/>
+    <dgm:txLinClrLst/>
+    <dgm:txFillClrLst meth="repeat">
+      <a:schemeClr val="dk1"/>
+    </dgm:txFillClrLst>
+    <dgm:txEffectClrLst/>
+  </dgm:styleLbl>
+  <dgm:styleLbl name="alignAcc1">
+    <dgm:fillClrLst meth="repeat">
+      <a:schemeClr val="lt1">
+        <a:alpha val="90000"/>
+      </a:schemeClr>
+    </dgm:fillClrLst>
+    <dgm:linClrLst>
+      <a:schemeClr val="accent5"/>
+      <a:schemeClr val="accent6"/>
+    </dgm:linClrLst>
+    <dgm:effectClrLst/>
+    <dgm:txLinClrLst/>
+    <dgm:txFillClrLst meth="repeat">
+      <a:schemeClr val="dk1"/>
+    </dgm:txFillClrLst>
+    <dgm:txEffectClrLst/>
+  </dgm:styleLbl>
+  <dgm:styleLbl name="trAlignAcc1">
+    <dgm:fillClrLst meth="repeat">
+      <a:schemeClr val="lt1">
+        <a:alpha val="40000"/>
+      </a:schemeClr>
+    </dgm:fillClrLst>
+    <dgm:linClrLst meth="repeat">
+      <a:schemeClr val="accent5"/>
+    </dgm:linClrLst>
+    <dgm:effectClrLst/>
+    <dgm:txLinClrLst/>
+    <dgm:txFillClrLst meth="repeat">
+      <a:schemeClr val="dk1"/>
+    </dgm:txFillClrLst>
+    <dgm:txEffectClrLst/>
+  </dgm:styleLbl>
+  <dgm:styleLbl name="bgAcc1">
+    <dgm:fillClrLst meth="repeat">
+      <a:schemeClr val="lt1">
+        <a:alpha val="90000"/>
+      </a:schemeClr>
+    </dgm:fillClrLst>
+    <dgm:linClrLst>
+      <a:schemeClr val="accent5"/>
+      <a:schemeClr val="accent6"/>
+    </dgm:linClrLst>
+    <dgm:effectClrLst/>
+    <dgm:txLinClrLst/>
+    <dgm:txFillClrLst meth="repeat">
+      <a:schemeClr val="dk1"/>
+    </dgm:txFillClrLst>
+    <dgm:txEffectClrLst/>
+  </dgm:styleLbl>
+  <dgm:styleLbl name="solidFgAcc1">
+    <dgm:fillClrLst meth="repeat">
+      <a:schemeClr val="lt1"/>
+    </dgm:fillClrLst>
+    <dgm:linClrLst>
+      <a:schemeClr val="accent5"/>
+      <a:schemeClr val="accent6"/>
+    </dgm:linClrLst>
+    <dgm:effectClrLst/>
+    <dgm:txLinClrLst/>
+    <dgm:txFillClrLst meth="repeat">
+      <a:schemeClr val="dk1"/>
+    </dgm:txFillClrLst>
+    <dgm:txEffectClrLst/>
+  </dgm:styleLbl>
+  <dgm:styleLbl name="solidAlignAcc1">
+    <dgm:fillClrLst meth="repeat">
+      <a:schemeClr val="lt1"/>
+    </dgm:fillClrLst>
+    <dgm:linClrLst>
+      <a:schemeClr val="accent5"/>
+      <a:schemeClr val="accent6"/>
+    </dgm:linClrLst>
+    <dgm:effectClrLst/>
+    <dgm:txLinClrLst/>
+    <dgm:txFillClrLst meth="repeat">
+      <a:schemeClr val="dk1"/>
+    </dgm:txFillClrLst>
+    <dgm:txEffectClrLst/>
+  </dgm:styleLbl>
+  <dgm:styleLbl name="solidBgAcc1">
+    <dgm:fillClrLst meth="repeat">
+      <a:schemeClr val="lt1"/>
+    </dgm:fillClrLst>
+    <dgm:linClrLst>
+      <a:schemeClr val="accent5"/>
+      <a:schemeClr val="accent6"/>
+    </dgm:linClrLst>
+    <dgm:effectClrLst/>
+    <dgm:txLinClrLst/>
+    <dgm:txFillClrLst meth="repeat">
+      <a:schemeClr val="dk1"/>
+    </dgm:txFillClrLst>
+    <dgm:txEffectClrLst/>
+  </dgm:styleLbl>
+  <dgm:styleLbl name="fgAccFollowNode1">
+    <dgm:fillClrLst>
+      <a:schemeClr val="accent5">
+        <a:tint val="40000"/>
+        <a:alpha val="90000"/>
+      </a:schemeClr>
+      <a:schemeClr val="accent6">
+        <a:tint val="40000"/>
+        <a:alpha val="90000"/>
+      </a:schemeClr>
+    </dgm:fillClrLst>
+    <dgm:linClrLst>
+      <a:schemeClr val="accent5">
+        <a:tint val="40000"/>
+        <a:alpha val="90000"/>
+      </a:schemeClr>
+      <a:schemeClr val="accent5">
+        <a:tint val="40000"/>
+        <a:alpha val="90000"/>
+      </a:schemeClr>
+    </dgm:linClrLst>
+    <dgm:effectClrLst/>
+    <dgm:txLinClrLst/>
+    <dgm:txFillClrLst meth="repeat">
+      <a:schemeClr val="dk1"/>
+    </dgm:txFillClrLst>
+    <dgm:txEffectClrLst/>
+  </dgm:styleLbl>
+  <dgm:styleLbl name="alignAccFollowNode1">
+    <dgm:fillClrLst>
+      <a:schemeClr val="accent5">
+        <a:tint val="40000"/>
+        <a:alpha val="90000"/>
+      </a:schemeClr>
+      <a:schemeClr val="accent6">
+        <a:tint val="40000"/>
+        <a:alpha val="90000"/>
+      </a:schemeClr>
+    </dgm:fillClrLst>
+    <dgm:linClrLst>
+      <a:schemeClr val="accent5">
+        <a:tint val="40000"/>
+        <a:alpha val="90000"/>
+      </a:schemeClr>
+      <a:schemeClr val="accent6">
+        <a:tint val="40000"/>
+        <a:alpha val="90000"/>
+      </a:schemeClr>
+    </dgm:linClrLst>
+    <dgm:effectClrLst/>
+    <dgm:txLinClrLst/>
+    <dgm:txFillClrLst meth="repeat">
+      <a:schemeClr val="dk1"/>
+    </dgm:txFillClrLst>
+    <dgm:txEffectClrLst/>
+  </dgm:styleLbl>
+  <dgm:styleLbl name="bgAccFollowNode1">
+    <dgm:fillClrLst>
+      <a:schemeClr val="accent5">
+        <a:tint val="40000"/>
+        <a:alpha val="90000"/>
+      </a:schemeClr>
+      <a:schemeClr val="accent6">
+        <a:tint val="40000"/>
+        <a:alpha val="90000"/>
+      </a:schemeClr>
+    </dgm:fillClrLst>
+    <dgm:linClrLst>
+      <a:schemeClr val="accent5">
+        <a:tint val="40000"/>
+        <a:alpha val="90000"/>
+      </a:schemeClr>
+      <a:schemeClr val="accent6">
+        <a:tint val="40000"/>
+        <a:alpha val="90000"/>
+      </a:schemeClr>
+    </dgm:linClrLst>
+    <dgm:effectClrLst/>
+    <dgm:txLinClrLst/>
+    <dgm:txFillClrLst meth="repeat">
+      <a:schemeClr val="dk1"/>
+    </dgm:txFillClrLst>
+    <dgm:txEffectClrLst/>
+  </dgm:styleLbl>
+  <dgm:styleLbl name="fgAcc0">
+    <dgm:fillClrLst meth="repeat">
+      <a:schemeClr val="lt1">
+        <a:alpha val="90000"/>
+      </a:schemeClr>
+    </dgm:fillClrLst>
+    <dgm:linClrLst>
+      <a:schemeClr val="accent4"/>
+    </dgm:linClrLst>
+    <dgm:effectClrLst/>
+    <dgm:txLinClrLst/>
+    <dgm:txFillClrLst meth="repeat">
+      <a:schemeClr val="dk1"/>
+    </dgm:txFillClrLst>
+    <dgm:txEffectClrLst/>
+  </dgm:styleLbl>
+  <dgm:styleLbl name="fgAcc2">
+    <dgm:fillClrLst meth="repeat">
+      <a:schemeClr val="lt1">
+        <a:alpha val="90000"/>
+      </a:schemeClr>
+    </dgm:fillClrLst>
+    <dgm:linClrLst>
+      <a:schemeClr val="accent6"/>
+    </dgm:linClrLst>
+    <dgm:effectClrLst/>
+    <dgm:txLinClrLst/>
+    <dgm:txFillClrLst meth="repeat">
+      <a:schemeClr val="dk1"/>
+    </dgm:txFillClrLst>
+    <dgm:txEffectClrLst/>
+  </dgm:styleLbl>
+  <dgm:styleLbl name="fgAcc3">
+    <dgm:fillClrLst meth="repeat">
+      <a:schemeClr val="lt1">
+        <a:alpha val="90000"/>
+      </a:schemeClr>
+    </dgm:fillClrLst>
+    <dgm:linClrLst>
+      <a:schemeClr val="accent1"/>
+    </dgm:linClrLst>
+    <dgm:effectClrLst/>
+    <dgm:txLinClrLst/>
+    <dgm:txFillClrLst meth="repeat">
+      <a:schemeClr val="dk1"/>
+    </dgm:txFillClrLst>
+    <dgm:txEffectClrLst/>
+  </dgm:styleLbl>
+  <dgm:styleLbl name="fgAcc4">
+    <dgm:fillClrLst meth="repeat">
+      <a:schemeClr val="lt1">
+        <a:alpha val="90000"/>
+      </a:schemeClr>
+    </dgm:fillClrLst>
+    <dgm:linClrLst>
+      <a:schemeClr val="accent2"/>
+    </dgm:linClrLst>
+    <dgm:effectClrLst/>
+    <dgm:txLinClrLst/>
+    <dgm:txFillClrLst meth="repeat">
+      <a:schemeClr val="dk1"/>
+    </dgm:txFillClrLst>
+    <dgm:txEffectClrLst/>
+  </dgm:styleLbl>
+  <dgm:styleLbl name="bgShp">
+    <dgm:fillClrLst meth="repeat">
+      <a:schemeClr val="accent5">
+        <a:tint val="40000"/>
+      </a:schemeClr>
+    </dgm:fillClrLst>
+    <dgm:linClrLst meth="repeat">
+      <a:schemeClr val="dk1"/>
+    </dgm:linClrLst>
+    <dgm:effectClrLst/>
+    <dgm:txLinClrLst/>
+    <dgm:txFillClrLst meth="repeat">
+      <a:schemeClr val="dk1"/>
+    </dgm:txFillClrLst>
+    <dgm:txEffectClrLst/>
+  </dgm:styleLbl>
+  <dgm:styleLbl name="dkBgShp">
+    <dgm:fillClrLst meth="repeat">
+      <a:schemeClr val="accent5">
+        <a:shade val="90000"/>
+      </a:schemeClr>
+    </dgm:fillClrLst>
+    <dgm:linClrLst meth="repeat">
+      <a:schemeClr val="dk1"/>
+    </dgm:linClrLst>
+    <dgm:effectClrLst/>
+    <dgm:txLinClrLst/>
+    <dgm:txFillClrLst meth="repeat">
+      <a:schemeClr val="lt1"/>
+    </dgm:txFillClrLst>
+    <dgm:txEffectClrLst/>
+  </dgm:styleLbl>
+  <dgm:styleLbl name="trBgShp">
+    <dgm:fillClrLst meth="repeat">
+      <a:schemeClr val="accent5">
+        <a:tint val="50000"/>
+        <a:alpha val="40000"/>
+      </a:schemeClr>
+    </dgm:fillClrLst>
+    <dgm:linClrLst meth="repeat">
+      <a:schemeClr val="accent5"/>
+    </dgm:linClrLst>
+    <dgm:effectClrLst/>
+    <dgm:txLinClrLst/>
+    <dgm:txFillClrLst meth="repeat">
+      <a:schemeClr val="lt1"/>
+    </dgm:txFillClrLst>
+    <dgm:txEffectClrLst/>
+  </dgm:styleLbl>
+  <dgm:styleLbl name="fgShp">
+    <dgm:fillClrLst meth="repeat">
+      <a:schemeClr val="accent5">
+        <a:tint val="40000"/>
       </a:schemeClr>
     </dgm:fillClrLst>
     <dgm:linClrLst meth="repeat">
@@ -1055,6 +2587,586 @@
     <dgm:cxn modelId="{4441854F-5FDD-43D8-8E8F-AECF7D86EE63}" type="presParOf" srcId="{1E4985AB-BE27-4F47-9B37-618D2655D7F0}" destId="{0ED5906A-234A-43C5-8E1D-BD90F7439492}" srcOrd="0" destOrd="0" presId="urn:microsoft.com/office/officeart/2005/8/layout/hierarchy1"/>
     <dgm:cxn modelId="{15124CEC-AC50-4199-912D-63E0823D26CB}" type="presParOf" srcId="{1E4985AB-BE27-4F47-9B37-618D2655D7F0}" destId="{71B872F6-1036-4A3F-AFC4-71A54F4A0512}" srcOrd="1" destOrd="0" presId="urn:microsoft.com/office/officeart/2005/8/layout/hierarchy1"/>
     <dgm:cxn modelId="{C912CB48-47FD-47FF-936F-1830BB48F565}" type="presParOf" srcId="{3510473D-179F-4EB4-AD86-9FB6A22E9CBF}" destId="{2933AE6C-1CED-4419-8E4E-C8F170C7E511}" srcOrd="1" destOrd="0" presId="urn:microsoft.com/office/officeart/2005/8/layout/hierarchy1"/>
+  </dgm:cxnLst>
+  <dgm:bg/>
+  <dgm:whole/>
+  <dgm:extLst>
+    <a:ext uri="http://schemas.microsoft.com/office/drawing/2008/diagram">
+      <dsp:dataModelExt xmlns:dsp="http://schemas.microsoft.com/office/drawing/2008/diagram" relId="rId6" minVer="http://schemas.openxmlformats.org/drawingml/2006/diagram"/>
+    </a:ext>
+  </dgm:extLst>
+</dgm:dataModel>
+</file>
+
+<file path=ppt/diagrams/data2.xml><?xml version="1.0" encoding="utf-8"?>
+<dgm:dataModel xmlns:dgm="http://schemas.openxmlformats.org/drawingml/2006/diagram" xmlns:a="http://schemas.openxmlformats.org/drawingml/2006/main">
+  <dgm:ptLst>
+    <dgm:pt modelId="{655B1571-C9DE-4287-B200-BE2B4EE5397E}" type="doc">
+      <dgm:prSet loTypeId="urn:microsoft.com/office/officeart/2005/8/layout/list1" loCatId="list" qsTypeId="urn:microsoft.com/office/officeart/2005/8/quickstyle/simple1" qsCatId="simple" csTypeId="urn:microsoft.com/office/officeart/2005/8/colors/accent1_2" csCatId="accent1"/>
+      <dgm:spPr/>
+      <dgm:t>
+        <a:bodyPr/>
+        <a:lstStyle/>
+        <a:p>
+          <a:endParaRPr lang="en-US"/>
+        </a:p>
+      </dgm:t>
+    </dgm:pt>
+    <dgm:pt modelId="{713B53CC-2E11-403E-B8DC-8E3EE9300C37}">
+      <dgm:prSet/>
+      <dgm:spPr/>
+      <dgm:t>
+        <a:bodyPr/>
+        <a:lstStyle/>
+        <a:p>
+          <a:r>
+            <a:rPr lang="en-GB"/>
+            <a:t>Rigid Rod Simulations</a:t>
+          </a:r>
+          <a:endParaRPr lang="en-US"/>
+        </a:p>
+      </dgm:t>
+    </dgm:pt>
+    <dgm:pt modelId="{D9DF3ACD-1B42-42BE-A15F-5AB5D29E7588}" type="parTrans" cxnId="{2D158F38-C9B8-4031-AD4E-825D41B627E7}">
+      <dgm:prSet/>
+      <dgm:spPr/>
+      <dgm:t>
+        <a:bodyPr/>
+        <a:lstStyle/>
+        <a:p>
+          <a:endParaRPr lang="en-US"/>
+        </a:p>
+      </dgm:t>
+    </dgm:pt>
+    <dgm:pt modelId="{3B6B1312-FA90-4816-ABD8-32A55311C358}" type="sibTrans" cxnId="{2D158F38-C9B8-4031-AD4E-825D41B627E7}">
+      <dgm:prSet/>
+      <dgm:spPr/>
+      <dgm:t>
+        <a:bodyPr/>
+        <a:lstStyle/>
+        <a:p>
+          <a:endParaRPr lang="en-US"/>
+        </a:p>
+      </dgm:t>
+    </dgm:pt>
+    <dgm:pt modelId="{769554E6-1345-43A2-A69E-240076312122}">
+      <dgm:prSet/>
+      <dgm:spPr/>
+      <dgm:t>
+        <a:bodyPr/>
+        <a:lstStyle/>
+        <a:p>
+          <a:r>
+            <a:rPr lang="en-GB"/>
+            <a:t>Nematic Phase in agreement with Onsager</a:t>
+          </a:r>
+          <a:endParaRPr lang="en-US"/>
+        </a:p>
+      </dgm:t>
+    </dgm:pt>
+    <dgm:pt modelId="{D9C54E08-A6ED-41FB-AF86-4E8829121B00}" type="parTrans" cxnId="{4EA54DF2-D202-4941-A8DE-BFC9974E5D39}">
+      <dgm:prSet/>
+      <dgm:spPr/>
+      <dgm:t>
+        <a:bodyPr/>
+        <a:lstStyle/>
+        <a:p>
+          <a:endParaRPr lang="en-US"/>
+        </a:p>
+      </dgm:t>
+    </dgm:pt>
+    <dgm:pt modelId="{EA1DC952-1C62-4CF2-B9F2-D0C368DA7F5A}" type="sibTrans" cxnId="{4EA54DF2-D202-4941-A8DE-BFC9974E5D39}">
+      <dgm:prSet/>
+      <dgm:spPr/>
+      <dgm:t>
+        <a:bodyPr/>
+        <a:lstStyle/>
+        <a:p>
+          <a:endParaRPr lang="en-US"/>
+        </a:p>
+      </dgm:t>
+    </dgm:pt>
+    <dgm:pt modelId="{4F25DF1D-D831-486F-AD25-83CAE240242A}">
+      <dgm:prSet/>
+      <dgm:spPr/>
+      <dgm:t>
+        <a:bodyPr/>
+        <a:lstStyle/>
+        <a:p>
+          <a:r>
+            <a:rPr lang="en-GB"/>
+            <a:t>Verification of Smectic Phase existence</a:t>
+          </a:r>
+          <a:endParaRPr lang="en-US"/>
+        </a:p>
+      </dgm:t>
+    </dgm:pt>
+    <dgm:pt modelId="{669691F1-E7CD-4206-8C45-58F98873A943}" type="parTrans" cxnId="{AB97A451-0636-48E6-900E-D124371C9087}">
+      <dgm:prSet/>
+      <dgm:spPr/>
+      <dgm:t>
+        <a:bodyPr/>
+        <a:lstStyle/>
+        <a:p>
+          <a:endParaRPr lang="en-US"/>
+        </a:p>
+      </dgm:t>
+    </dgm:pt>
+    <dgm:pt modelId="{29B6601C-7C56-4965-9F78-09E0C6C14D37}" type="sibTrans" cxnId="{AB97A451-0636-48E6-900E-D124371C9087}">
+      <dgm:prSet/>
+      <dgm:spPr/>
+      <dgm:t>
+        <a:bodyPr/>
+        <a:lstStyle/>
+        <a:p>
+          <a:endParaRPr lang="en-US"/>
+        </a:p>
+      </dgm:t>
+    </dgm:pt>
+    <dgm:pt modelId="{319EE5C6-CF61-45E7-8BFF-A73A0ADE52CB}">
+      <dgm:prSet/>
+      <dgm:spPr/>
+      <dgm:t>
+        <a:bodyPr/>
+        <a:lstStyle/>
+        <a:p>
+          <a:r>
+            <a:rPr lang="en-GB"/>
+            <a:t>Nunchuck Simulations</a:t>
+          </a:r>
+          <a:endParaRPr lang="en-US"/>
+        </a:p>
+      </dgm:t>
+    </dgm:pt>
+    <dgm:pt modelId="{BC3BB0BC-635E-48BC-B5D0-2BA150C53613}" type="parTrans" cxnId="{DB056659-AEDB-4283-A673-C6F402431ADC}">
+      <dgm:prSet/>
+      <dgm:spPr/>
+      <dgm:t>
+        <a:bodyPr/>
+        <a:lstStyle/>
+        <a:p>
+          <a:endParaRPr lang="en-US"/>
+        </a:p>
+      </dgm:t>
+    </dgm:pt>
+    <dgm:pt modelId="{01B12EFC-ACCA-453D-9F66-18AEFDA38A2C}" type="sibTrans" cxnId="{DB056659-AEDB-4283-A673-C6F402431ADC}">
+      <dgm:prSet/>
+      <dgm:spPr/>
+      <dgm:t>
+        <a:bodyPr/>
+        <a:lstStyle/>
+        <a:p>
+          <a:endParaRPr lang="en-US"/>
+        </a:p>
+      </dgm:t>
+    </dgm:pt>
+    <dgm:pt modelId="{2122D117-ED3D-4278-8383-C99C171EA20E}">
+      <dgm:prSet/>
+      <dgm:spPr/>
+      <dgm:t>
+        <a:bodyPr/>
+        <a:lstStyle/>
+        <a:p>
+          <a:r>
+            <a:rPr lang="en-GB"/>
+            <a:t>Formation of order through preferred angle (fixed rigidity)</a:t>
+          </a:r>
+          <a:endParaRPr lang="en-US"/>
+        </a:p>
+      </dgm:t>
+    </dgm:pt>
+    <dgm:pt modelId="{D670F592-4C77-4466-8A18-84EA6FB9888D}" type="parTrans" cxnId="{92130D24-CAA5-40DC-81C5-B2A7AADE1793}">
+      <dgm:prSet/>
+      <dgm:spPr/>
+      <dgm:t>
+        <a:bodyPr/>
+        <a:lstStyle/>
+        <a:p>
+          <a:endParaRPr lang="en-US"/>
+        </a:p>
+      </dgm:t>
+    </dgm:pt>
+    <dgm:pt modelId="{F607EF1A-E620-49A4-BF4A-0F8B5807D85B}" type="sibTrans" cxnId="{92130D24-CAA5-40DC-81C5-B2A7AADE1793}">
+      <dgm:prSet/>
+      <dgm:spPr/>
+      <dgm:t>
+        <a:bodyPr/>
+        <a:lstStyle/>
+        <a:p>
+          <a:endParaRPr lang="en-US"/>
+        </a:p>
+      </dgm:t>
+    </dgm:pt>
+    <dgm:pt modelId="{9399E628-380F-4497-8DC7-ADAD6D6025BD}">
+      <dgm:prSet/>
+      <dgm:spPr/>
+      <dgm:t>
+        <a:bodyPr/>
+        <a:lstStyle/>
+        <a:p>
+          <a:r>
+            <a:rPr lang="en-GB"/>
+            <a:t>Quasi-nematic phase formation in fixed angle case</a:t>
+          </a:r>
+          <a:endParaRPr lang="en-US"/>
+        </a:p>
+      </dgm:t>
+    </dgm:pt>
+    <dgm:pt modelId="{509D220C-63DC-423E-A4B3-BFA48954C7F1}" type="parTrans" cxnId="{E8FF66AF-D2B1-42AD-9F01-4E07BE342AD2}">
+      <dgm:prSet/>
+      <dgm:spPr/>
+      <dgm:t>
+        <a:bodyPr/>
+        <a:lstStyle/>
+        <a:p>
+          <a:endParaRPr lang="en-US"/>
+        </a:p>
+      </dgm:t>
+    </dgm:pt>
+    <dgm:pt modelId="{D718AD9D-0621-44E2-9B9F-0E62823D1214}" type="sibTrans" cxnId="{E8FF66AF-D2B1-42AD-9F01-4E07BE342AD2}">
+      <dgm:prSet/>
+      <dgm:spPr/>
+      <dgm:t>
+        <a:bodyPr/>
+        <a:lstStyle/>
+        <a:p>
+          <a:endParaRPr lang="en-US"/>
+        </a:p>
+      </dgm:t>
+    </dgm:pt>
+    <dgm:pt modelId="{93BE678C-8EDD-44D0-8EAA-E60CF3013FF1}">
+      <dgm:prSet/>
+      <dgm:spPr/>
+      <dgm:t>
+        <a:bodyPr/>
+        <a:lstStyle/>
+        <a:p>
+          <a:r>
+            <a:rPr lang="en-GB"/>
+            <a:t>Novel phase identification method through dynamic properties</a:t>
+          </a:r>
+          <a:endParaRPr lang="en-US"/>
+        </a:p>
+      </dgm:t>
+    </dgm:pt>
+    <dgm:pt modelId="{793DE3DF-739C-4341-BD49-DC56D242EEC4}" type="parTrans" cxnId="{F252E844-CB54-4587-8E41-67F9127C60D6}">
+      <dgm:prSet/>
+      <dgm:spPr/>
+      <dgm:t>
+        <a:bodyPr/>
+        <a:lstStyle/>
+        <a:p>
+          <a:endParaRPr lang="en-US"/>
+        </a:p>
+      </dgm:t>
+    </dgm:pt>
+    <dgm:pt modelId="{84722E19-4212-437B-93F1-798AF73AC478}" type="sibTrans" cxnId="{F252E844-CB54-4587-8E41-67F9127C60D6}">
+      <dgm:prSet/>
+      <dgm:spPr/>
+      <dgm:t>
+        <a:bodyPr/>
+        <a:lstStyle/>
+        <a:p>
+          <a:endParaRPr lang="en-US"/>
+        </a:p>
+      </dgm:t>
+    </dgm:pt>
+    <dgm:pt modelId="{05B871FA-59D4-474B-992B-DB931A6BED21}" type="pres">
+      <dgm:prSet presAssocID="{655B1571-C9DE-4287-B200-BE2B4EE5397E}" presName="linear" presStyleCnt="0">
+        <dgm:presLayoutVars>
+          <dgm:dir/>
+          <dgm:animLvl val="lvl"/>
+          <dgm:resizeHandles val="exact"/>
+        </dgm:presLayoutVars>
+      </dgm:prSet>
+      <dgm:spPr/>
+    </dgm:pt>
+    <dgm:pt modelId="{45C3BAA8-4C22-443F-A348-9550C48542EB}" type="pres">
+      <dgm:prSet presAssocID="{713B53CC-2E11-403E-B8DC-8E3EE9300C37}" presName="parentLin" presStyleCnt="0"/>
+      <dgm:spPr/>
+    </dgm:pt>
+    <dgm:pt modelId="{77905916-59EA-4E64-9D60-E5B79D365B32}" type="pres">
+      <dgm:prSet presAssocID="{713B53CC-2E11-403E-B8DC-8E3EE9300C37}" presName="parentLeftMargin" presStyleLbl="node1" presStyleIdx="0" presStyleCnt="2"/>
+      <dgm:spPr/>
+    </dgm:pt>
+    <dgm:pt modelId="{0359B552-BBE1-4F68-B774-4F7D50524234}" type="pres">
+      <dgm:prSet presAssocID="{713B53CC-2E11-403E-B8DC-8E3EE9300C37}" presName="parentText" presStyleLbl="node1" presStyleIdx="0" presStyleCnt="2">
+        <dgm:presLayoutVars>
+          <dgm:chMax val="0"/>
+          <dgm:bulletEnabled val="1"/>
+        </dgm:presLayoutVars>
+      </dgm:prSet>
+      <dgm:spPr/>
+    </dgm:pt>
+    <dgm:pt modelId="{EC4635F6-F5D3-4380-BCFB-611C5A10C8BA}" type="pres">
+      <dgm:prSet presAssocID="{713B53CC-2E11-403E-B8DC-8E3EE9300C37}" presName="negativeSpace" presStyleCnt="0"/>
+      <dgm:spPr/>
+    </dgm:pt>
+    <dgm:pt modelId="{BC3374F8-8D30-4F47-BDD1-DC19BECA11A4}" type="pres">
+      <dgm:prSet presAssocID="{713B53CC-2E11-403E-B8DC-8E3EE9300C37}" presName="childText" presStyleLbl="conFgAcc1" presStyleIdx="0" presStyleCnt="2">
+        <dgm:presLayoutVars>
+          <dgm:bulletEnabled val="1"/>
+        </dgm:presLayoutVars>
+      </dgm:prSet>
+      <dgm:spPr/>
+    </dgm:pt>
+    <dgm:pt modelId="{0B73F559-C001-4904-861C-E224E765B1AD}" type="pres">
+      <dgm:prSet presAssocID="{3B6B1312-FA90-4816-ABD8-32A55311C358}" presName="spaceBetweenRectangles" presStyleCnt="0"/>
+      <dgm:spPr/>
+    </dgm:pt>
+    <dgm:pt modelId="{E3046659-F310-498E-8E4B-C70F9A0DB445}" type="pres">
+      <dgm:prSet presAssocID="{319EE5C6-CF61-45E7-8BFF-A73A0ADE52CB}" presName="parentLin" presStyleCnt="0"/>
+      <dgm:spPr/>
+    </dgm:pt>
+    <dgm:pt modelId="{2EB3BF3E-40FC-4E5B-8BFB-844347461B1D}" type="pres">
+      <dgm:prSet presAssocID="{319EE5C6-CF61-45E7-8BFF-A73A0ADE52CB}" presName="parentLeftMargin" presStyleLbl="node1" presStyleIdx="0" presStyleCnt="2"/>
+      <dgm:spPr/>
+    </dgm:pt>
+    <dgm:pt modelId="{EB33E95C-156A-4E60-9EA6-7A64DBE0EA3D}" type="pres">
+      <dgm:prSet presAssocID="{319EE5C6-CF61-45E7-8BFF-A73A0ADE52CB}" presName="parentText" presStyleLbl="node1" presStyleIdx="1" presStyleCnt="2">
+        <dgm:presLayoutVars>
+          <dgm:chMax val="0"/>
+          <dgm:bulletEnabled val="1"/>
+        </dgm:presLayoutVars>
+      </dgm:prSet>
+      <dgm:spPr/>
+    </dgm:pt>
+    <dgm:pt modelId="{0410B8C4-3579-433E-92E6-AC3BE44C501A}" type="pres">
+      <dgm:prSet presAssocID="{319EE5C6-CF61-45E7-8BFF-A73A0ADE52CB}" presName="negativeSpace" presStyleCnt="0"/>
+      <dgm:spPr/>
+    </dgm:pt>
+    <dgm:pt modelId="{E4A30891-DD58-4A84-93E8-58BF6D0C8BDD}" type="pres">
+      <dgm:prSet presAssocID="{319EE5C6-CF61-45E7-8BFF-A73A0ADE52CB}" presName="childText" presStyleLbl="conFgAcc1" presStyleIdx="1" presStyleCnt="2">
+        <dgm:presLayoutVars>
+          <dgm:bulletEnabled val="1"/>
+        </dgm:presLayoutVars>
+      </dgm:prSet>
+      <dgm:spPr/>
+    </dgm:pt>
+  </dgm:ptLst>
+  <dgm:cxnLst>
+    <dgm:cxn modelId="{9525AB13-3CF5-4103-84DD-39185156E0E1}" type="presOf" srcId="{9399E628-380F-4497-8DC7-ADAD6D6025BD}" destId="{E4A30891-DD58-4A84-93E8-58BF6D0C8BDD}" srcOrd="0" destOrd="1" presId="urn:microsoft.com/office/officeart/2005/8/layout/list1"/>
+    <dgm:cxn modelId="{92130D24-CAA5-40DC-81C5-B2A7AADE1793}" srcId="{319EE5C6-CF61-45E7-8BFF-A73A0ADE52CB}" destId="{2122D117-ED3D-4278-8383-C99C171EA20E}" srcOrd="0" destOrd="0" parTransId="{D670F592-4C77-4466-8A18-84EA6FB9888D}" sibTransId="{F607EF1A-E620-49A4-BF4A-0F8B5807D85B}"/>
+    <dgm:cxn modelId="{14238A26-0C3B-4DF5-9CE5-D3FAAE48B7C9}" type="presOf" srcId="{655B1571-C9DE-4287-B200-BE2B4EE5397E}" destId="{05B871FA-59D4-474B-992B-DB931A6BED21}" srcOrd="0" destOrd="0" presId="urn:microsoft.com/office/officeart/2005/8/layout/list1"/>
+    <dgm:cxn modelId="{0BAD0F31-517A-4462-B1C6-84E563B08D66}" type="presOf" srcId="{319EE5C6-CF61-45E7-8BFF-A73A0ADE52CB}" destId="{2EB3BF3E-40FC-4E5B-8BFB-844347461B1D}" srcOrd="0" destOrd="0" presId="urn:microsoft.com/office/officeart/2005/8/layout/list1"/>
+    <dgm:cxn modelId="{3B1FA034-D461-4E18-8D70-F6A48FD6AD76}" type="presOf" srcId="{769554E6-1345-43A2-A69E-240076312122}" destId="{BC3374F8-8D30-4F47-BDD1-DC19BECA11A4}" srcOrd="0" destOrd="0" presId="urn:microsoft.com/office/officeart/2005/8/layout/list1"/>
+    <dgm:cxn modelId="{2D158F38-C9B8-4031-AD4E-825D41B627E7}" srcId="{655B1571-C9DE-4287-B200-BE2B4EE5397E}" destId="{713B53CC-2E11-403E-B8DC-8E3EE9300C37}" srcOrd="0" destOrd="0" parTransId="{D9DF3ACD-1B42-42BE-A15F-5AB5D29E7588}" sibTransId="{3B6B1312-FA90-4816-ABD8-32A55311C358}"/>
+    <dgm:cxn modelId="{3957D55F-A8D2-47BB-A929-4C626934A0EB}" type="presOf" srcId="{319EE5C6-CF61-45E7-8BFF-A73A0ADE52CB}" destId="{EB33E95C-156A-4E60-9EA6-7A64DBE0EA3D}" srcOrd="1" destOrd="0" presId="urn:microsoft.com/office/officeart/2005/8/layout/list1"/>
+    <dgm:cxn modelId="{F252E844-CB54-4587-8E41-67F9127C60D6}" srcId="{319EE5C6-CF61-45E7-8BFF-A73A0ADE52CB}" destId="{93BE678C-8EDD-44D0-8EAA-E60CF3013FF1}" srcOrd="2" destOrd="0" parTransId="{793DE3DF-739C-4341-BD49-DC56D242EEC4}" sibTransId="{84722E19-4212-437B-93F1-798AF73AC478}"/>
+    <dgm:cxn modelId="{3ED90548-4C33-4C97-BFD4-EA01FF9D5D18}" type="presOf" srcId="{713B53CC-2E11-403E-B8DC-8E3EE9300C37}" destId="{77905916-59EA-4E64-9D60-E5B79D365B32}" srcOrd="0" destOrd="0" presId="urn:microsoft.com/office/officeart/2005/8/layout/list1"/>
+    <dgm:cxn modelId="{63EBC64F-75AE-410B-8DD8-946D89E7B7E3}" type="presOf" srcId="{93BE678C-8EDD-44D0-8EAA-E60CF3013FF1}" destId="{E4A30891-DD58-4A84-93E8-58BF6D0C8BDD}" srcOrd="0" destOrd="2" presId="urn:microsoft.com/office/officeart/2005/8/layout/list1"/>
+    <dgm:cxn modelId="{AB97A451-0636-48E6-900E-D124371C9087}" srcId="{713B53CC-2E11-403E-B8DC-8E3EE9300C37}" destId="{4F25DF1D-D831-486F-AD25-83CAE240242A}" srcOrd="1" destOrd="0" parTransId="{669691F1-E7CD-4206-8C45-58F98873A943}" sibTransId="{29B6601C-7C56-4965-9F78-09E0C6C14D37}"/>
+    <dgm:cxn modelId="{8DE73856-4CF1-404A-8BEE-B6ABF85C51AC}" type="presOf" srcId="{2122D117-ED3D-4278-8383-C99C171EA20E}" destId="{E4A30891-DD58-4A84-93E8-58BF6D0C8BDD}" srcOrd="0" destOrd="0" presId="urn:microsoft.com/office/officeart/2005/8/layout/list1"/>
+    <dgm:cxn modelId="{DB056659-AEDB-4283-A673-C6F402431ADC}" srcId="{655B1571-C9DE-4287-B200-BE2B4EE5397E}" destId="{319EE5C6-CF61-45E7-8BFF-A73A0ADE52CB}" srcOrd="1" destOrd="0" parTransId="{BC3BB0BC-635E-48BC-B5D0-2BA150C53613}" sibTransId="{01B12EFC-ACCA-453D-9F66-18AEFDA38A2C}"/>
+    <dgm:cxn modelId="{E8FF66AF-D2B1-42AD-9F01-4E07BE342AD2}" srcId="{319EE5C6-CF61-45E7-8BFF-A73A0ADE52CB}" destId="{9399E628-380F-4497-8DC7-ADAD6D6025BD}" srcOrd="1" destOrd="0" parTransId="{509D220C-63DC-423E-A4B3-BFA48954C7F1}" sibTransId="{D718AD9D-0621-44E2-9B9F-0E62823D1214}"/>
+    <dgm:cxn modelId="{4EA54DF2-D202-4941-A8DE-BFC9974E5D39}" srcId="{713B53CC-2E11-403E-B8DC-8E3EE9300C37}" destId="{769554E6-1345-43A2-A69E-240076312122}" srcOrd="0" destOrd="0" parTransId="{D9C54E08-A6ED-41FB-AF86-4E8829121B00}" sibTransId="{EA1DC952-1C62-4CF2-B9F2-D0C368DA7F5A}"/>
+    <dgm:cxn modelId="{97378BF2-8770-4C31-93B1-794A58990304}" type="presOf" srcId="{713B53CC-2E11-403E-B8DC-8E3EE9300C37}" destId="{0359B552-BBE1-4F68-B774-4F7D50524234}" srcOrd="1" destOrd="0" presId="urn:microsoft.com/office/officeart/2005/8/layout/list1"/>
+    <dgm:cxn modelId="{0009D6F9-73DD-489A-A259-8C4C760E8C85}" type="presOf" srcId="{4F25DF1D-D831-486F-AD25-83CAE240242A}" destId="{BC3374F8-8D30-4F47-BDD1-DC19BECA11A4}" srcOrd="0" destOrd="1" presId="urn:microsoft.com/office/officeart/2005/8/layout/list1"/>
+    <dgm:cxn modelId="{6FC1DC8D-0E6D-42D0-ACED-1DC04631CD27}" type="presParOf" srcId="{05B871FA-59D4-474B-992B-DB931A6BED21}" destId="{45C3BAA8-4C22-443F-A348-9550C48542EB}" srcOrd="0" destOrd="0" presId="urn:microsoft.com/office/officeart/2005/8/layout/list1"/>
+    <dgm:cxn modelId="{46BDCB72-8475-436E-9881-1653D2661A88}" type="presParOf" srcId="{45C3BAA8-4C22-443F-A348-9550C48542EB}" destId="{77905916-59EA-4E64-9D60-E5B79D365B32}" srcOrd="0" destOrd="0" presId="urn:microsoft.com/office/officeart/2005/8/layout/list1"/>
+    <dgm:cxn modelId="{C2239279-F6BC-4F88-A799-8AB5F24E6A0B}" type="presParOf" srcId="{45C3BAA8-4C22-443F-A348-9550C48542EB}" destId="{0359B552-BBE1-4F68-B774-4F7D50524234}" srcOrd="1" destOrd="0" presId="urn:microsoft.com/office/officeart/2005/8/layout/list1"/>
+    <dgm:cxn modelId="{B0ACF1A6-3803-426B-B69C-66912212978D}" type="presParOf" srcId="{05B871FA-59D4-474B-992B-DB931A6BED21}" destId="{EC4635F6-F5D3-4380-BCFB-611C5A10C8BA}" srcOrd="1" destOrd="0" presId="urn:microsoft.com/office/officeart/2005/8/layout/list1"/>
+    <dgm:cxn modelId="{DEAB0230-D410-46A1-A8C1-F87DCDCFDB9C}" type="presParOf" srcId="{05B871FA-59D4-474B-992B-DB931A6BED21}" destId="{BC3374F8-8D30-4F47-BDD1-DC19BECA11A4}" srcOrd="2" destOrd="0" presId="urn:microsoft.com/office/officeart/2005/8/layout/list1"/>
+    <dgm:cxn modelId="{07BB0C46-105E-4500-A9B5-54B248001AE4}" type="presParOf" srcId="{05B871FA-59D4-474B-992B-DB931A6BED21}" destId="{0B73F559-C001-4904-861C-E224E765B1AD}" srcOrd="3" destOrd="0" presId="urn:microsoft.com/office/officeart/2005/8/layout/list1"/>
+    <dgm:cxn modelId="{79924DA9-3C1E-44BB-8337-F885BB99F361}" type="presParOf" srcId="{05B871FA-59D4-474B-992B-DB931A6BED21}" destId="{E3046659-F310-498E-8E4B-C70F9A0DB445}" srcOrd="4" destOrd="0" presId="urn:microsoft.com/office/officeart/2005/8/layout/list1"/>
+    <dgm:cxn modelId="{A3407576-7ED0-4F8F-8F8D-00B76D1C7FD5}" type="presParOf" srcId="{E3046659-F310-498E-8E4B-C70F9A0DB445}" destId="{2EB3BF3E-40FC-4E5B-8BFB-844347461B1D}" srcOrd="0" destOrd="0" presId="urn:microsoft.com/office/officeart/2005/8/layout/list1"/>
+    <dgm:cxn modelId="{BC65C0D2-BE02-4FA1-9252-2B3D1557380B}" type="presParOf" srcId="{E3046659-F310-498E-8E4B-C70F9A0DB445}" destId="{EB33E95C-156A-4E60-9EA6-7A64DBE0EA3D}" srcOrd="1" destOrd="0" presId="urn:microsoft.com/office/officeart/2005/8/layout/list1"/>
+    <dgm:cxn modelId="{3B63005A-2240-4191-87BD-A6C354A44AC0}" type="presParOf" srcId="{05B871FA-59D4-474B-992B-DB931A6BED21}" destId="{0410B8C4-3579-433E-92E6-AC3BE44C501A}" srcOrd="5" destOrd="0" presId="urn:microsoft.com/office/officeart/2005/8/layout/list1"/>
+    <dgm:cxn modelId="{491E5242-A046-4F9B-A8EB-F2EAAA49E88F}" type="presParOf" srcId="{05B871FA-59D4-474B-992B-DB931A6BED21}" destId="{E4A30891-DD58-4A84-93E8-58BF6D0C8BDD}" srcOrd="6" destOrd="0" presId="urn:microsoft.com/office/officeart/2005/8/layout/list1"/>
+  </dgm:cxnLst>
+  <dgm:bg/>
+  <dgm:whole/>
+  <dgm:extLst>
+    <a:ext uri="http://schemas.microsoft.com/office/drawing/2008/diagram">
+      <dsp:dataModelExt xmlns:dsp="http://schemas.microsoft.com/office/drawing/2008/diagram" relId="rId6" minVer="http://schemas.openxmlformats.org/drawingml/2006/diagram"/>
+    </a:ext>
+  </dgm:extLst>
+</dgm:dataModel>
+</file>
+
+<file path=ppt/diagrams/data3.xml><?xml version="1.0" encoding="utf-8"?>
+<dgm:dataModel xmlns:dgm="http://schemas.openxmlformats.org/drawingml/2006/diagram" xmlns:a="http://schemas.openxmlformats.org/drawingml/2006/main">
+  <dgm:ptLst>
+    <dgm:pt modelId="{09919B73-AFEA-41CA-8396-B143598D3470}" type="doc">
+      <dgm:prSet loTypeId="urn:microsoft.com/office/officeart/2005/8/layout/vList2" loCatId="list" qsTypeId="urn:microsoft.com/office/officeart/2005/8/quickstyle/simple1" qsCatId="simple" csTypeId="urn:microsoft.com/office/officeart/2005/8/colors/colorful5" csCatId="colorful" phldr="1"/>
+      <dgm:spPr/>
+      <dgm:t>
+        <a:bodyPr/>
+        <a:lstStyle/>
+        <a:p>
+          <a:endParaRPr lang="en-US"/>
+        </a:p>
+      </dgm:t>
+    </dgm:pt>
+    <dgm:pt modelId="{C7AD51A1-A964-451C-9C28-5F6B63F8BEC4}">
+      <dgm:prSet/>
+      <dgm:spPr/>
+      <dgm:t>
+        <a:bodyPr/>
+        <a:lstStyle/>
+        <a:p>
+          <a:r>
+            <a:rPr lang="en-GB"/>
+            <a:t>Extend simulation region to detect periodicity over greater length scales</a:t>
+          </a:r>
+          <a:endParaRPr lang="en-US"/>
+        </a:p>
+      </dgm:t>
+    </dgm:pt>
+    <dgm:pt modelId="{9613678D-04A4-448D-8201-EAEC09F9ABE6}" type="parTrans" cxnId="{C331B3F0-7900-4E7C-98AC-A9D233F4F362}">
+      <dgm:prSet/>
+      <dgm:spPr/>
+      <dgm:t>
+        <a:bodyPr/>
+        <a:lstStyle/>
+        <a:p>
+          <a:endParaRPr lang="en-US"/>
+        </a:p>
+      </dgm:t>
+    </dgm:pt>
+    <dgm:pt modelId="{66F94207-5A81-49C0-AAAD-D98B1A66BD5E}" type="sibTrans" cxnId="{C331B3F0-7900-4E7C-98AC-A9D233F4F362}">
+      <dgm:prSet/>
+      <dgm:spPr/>
+      <dgm:t>
+        <a:bodyPr/>
+        <a:lstStyle/>
+        <a:p>
+          <a:endParaRPr lang="en-US"/>
+        </a:p>
+      </dgm:t>
+    </dgm:pt>
+    <dgm:pt modelId="{C8955865-D549-40DB-A96A-5F27D6F5E746}">
+      <dgm:prSet/>
+      <dgm:spPr/>
+      <dgm:t>
+        <a:bodyPr/>
+        <a:lstStyle/>
+        <a:p>
+          <a:r>
+            <a:rPr lang="en-GB"/>
+            <a:t>Implementation of bending potential from OxDNA</a:t>
+          </a:r>
+          <a:endParaRPr lang="en-US"/>
+        </a:p>
+      </dgm:t>
+    </dgm:pt>
+    <dgm:pt modelId="{022C3224-548A-4E5A-93F8-4BD64B6BF9CE}" type="parTrans" cxnId="{3C66B771-67E6-48B0-A3FE-6D52D6D90358}">
+      <dgm:prSet/>
+      <dgm:spPr/>
+      <dgm:t>
+        <a:bodyPr/>
+        <a:lstStyle/>
+        <a:p>
+          <a:endParaRPr lang="en-US"/>
+        </a:p>
+      </dgm:t>
+    </dgm:pt>
+    <dgm:pt modelId="{8B4BD343-545D-451B-A7D9-3AF062AE0CF6}" type="sibTrans" cxnId="{3C66B771-67E6-48B0-A3FE-6D52D6D90358}">
+      <dgm:prSet/>
+      <dgm:spPr/>
+      <dgm:t>
+        <a:bodyPr/>
+        <a:lstStyle/>
+        <a:p>
+          <a:endParaRPr lang="en-US"/>
+        </a:p>
+      </dgm:t>
+    </dgm:pt>
+    <dgm:pt modelId="{171C71B9-C971-496E-8767-93030D3637CB}">
+      <dgm:prSet/>
+      <dgm:spPr/>
+      <dgm:t>
+        <a:bodyPr/>
+        <a:lstStyle/>
+        <a:p>
+          <a:r>
+            <a:rPr lang="en-GB" dirty="0"/>
+            <a:t>Further application of dynamic property-based phase detection </a:t>
+          </a:r>
+          <a:endParaRPr lang="en-US" dirty="0"/>
+        </a:p>
+      </dgm:t>
+    </dgm:pt>
+    <dgm:pt modelId="{98D11945-3688-48BC-B4CD-046A2DFC96BB}" type="parTrans" cxnId="{D786CCAA-7E65-4065-9B89-003462FDAB3A}">
+      <dgm:prSet/>
+      <dgm:spPr/>
+      <dgm:t>
+        <a:bodyPr/>
+        <a:lstStyle/>
+        <a:p>
+          <a:endParaRPr lang="en-US"/>
+        </a:p>
+      </dgm:t>
+    </dgm:pt>
+    <dgm:pt modelId="{E832F783-4265-4552-AA47-D975DCA74EC0}" type="sibTrans" cxnId="{D786CCAA-7E65-4065-9B89-003462FDAB3A}">
+      <dgm:prSet/>
+      <dgm:spPr/>
+      <dgm:t>
+        <a:bodyPr/>
+        <a:lstStyle/>
+        <a:p>
+          <a:endParaRPr lang="en-US"/>
+        </a:p>
+      </dgm:t>
+    </dgm:pt>
+    <dgm:pt modelId="{32EA9301-3BC5-4488-A9A5-82330D72C00D}" type="pres">
+      <dgm:prSet presAssocID="{09919B73-AFEA-41CA-8396-B143598D3470}" presName="linear" presStyleCnt="0">
+        <dgm:presLayoutVars>
+          <dgm:animLvl val="lvl"/>
+          <dgm:resizeHandles val="exact"/>
+        </dgm:presLayoutVars>
+      </dgm:prSet>
+      <dgm:spPr/>
+    </dgm:pt>
+    <dgm:pt modelId="{31E44E55-EE1A-433B-8967-A5ECF79DF4C9}" type="pres">
+      <dgm:prSet presAssocID="{C7AD51A1-A964-451C-9C28-5F6B63F8BEC4}" presName="parentText" presStyleLbl="node1" presStyleIdx="0" presStyleCnt="3">
+        <dgm:presLayoutVars>
+          <dgm:chMax val="0"/>
+          <dgm:bulletEnabled val="1"/>
+        </dgm:presLayoutVars>
+      </dgm:prSet>
+      <dgm:spPr/>
+    </dgm:pt>
+    <dgm:pt modelId="{17D5A784-CD7C-484D-8771-3E7E8DAA7F0E}" type="pres">
+      <dgm:prSet presAssocID="{66F94207-5A81-49C0-AAAD-D98B1A66BD5E}" presName="spacer" presStyleCnt="0"/>
+      <dgm:spPr/>
+    </dgm:pt>
+    <dgm:pt modelId="{26B22FCC-1990-4386-A2CB-8F80CD7DA774}" type="pres">
+      <dgm:prSet presAssocID="{C8955865-D549-40DB-A96A-5F27D6F5E746}" presName="parentText" presStyleLbl="node1" presStyleIdx="1" presStyleCnt="3">
+        <dgm:presLayoutVars>
+          <dgm:chMax val="0"/>
+          <dgm:bulletEnabled val="1"/>
+        </dgm:presLayoutVars>
+      </dgm:prSet>
+      <dgm:spPr/>
+    </dgm:pt>
+    <dgm:pt modelId="{26B41597-C2F3-400C-AA3B-0238C20CD1FE}" type="pres">
+      <dgm:prSet presAssocID="{8B4BD343-545D-451B-A7D9-3AF062AE0CF6}" presName="spacer" presStyleCnt="0"/>
+      <dgm:spPr/>
+    </dgm:pt>
+    <dgm:pt modelId="{90DCA848-3C5F-4C47-AB5C-482B94C10BC2}" type="pres">
+      <dgm:prSet presAssocID="{171C71B9-C971-496E-8767-93030D3637CB}" presName="parentText" presStyleLbl="node1" presStyleIdx="2" presStyleCnt="3">
+        <dgm:presLayoutVars>
+          <dgm:chMax val="0"/>
+          <dgm:bulletEnabled val="1"/>
+        </dgm:presLayoutVars>
+      </dgm:prSet>
+      <dgm:spPr/>
+    </dgm:pt>
+  </dgm:ptLst>
+  <dgm:cxnLst>
+    <dgm:cxn modelId="{D18CF42B-46B0-4230-BC3B-29A70CCB339A}" type="presOf" srcId="{C7AD51A1-A964-451C-9C28-5F6B63F8BEC4}" destId="{31E44E55-EE1A-433B-8967-A5ECF79DF4C9}" srcOrd="0" destOrd="0" presId="urn:microsoft.com/office/officeart/2005/8/layout/vList2"/>
+    <dgm:cxn modelId="{42387830-421B-4125-8D7F-5C4EC0684E90}" type="presOf" srcId="{C8955865-D549-40DB-A96A-5F27D6F5E746}" destId="{26B22FCC-1990-4386-A2CB-8F80CD7DA774}" srcOrd="0" destOrd="0" presId="urn:microsoft.com/office/officeart/2005/8/layout/vList2"/>
+    <dgm:cxn modelId="{3C66B771-67E6-48B0-A3FE-6D52D6D90358}" srcId="{09919B73-AFEA-41CA-8396-B143598D3470}" destId="{C8955865-D549-40DB-A96A-5F27D6F5E746}" srcOrd="1" destOrd="0" parTransId="{022C3224-548A-4E5A-93F8-4BD64B6BF9CE}" sibTransId="{8B4BD343-545D-451B-A7D9-3AF062AE0CF6}"/>
+    <dgm:cxn modelId="{F8EB5298-6734-4A45-9965-1FD3BE27B499}" type="presOf" srcId="{171C71B9-C971-496E-8767-93030D3637CB}" destId="{90DCA848-3C5F-4C47-AB5C-482B94C10BC2}" srcOrd="0" destOrd="0" presId="urn:microsoft.com/office/officeart/2005/8/layout/vList2"/>
+    <dgm:cxn modelId="{D786CCAA-7E65-4065-9B89-003462FDAB3A}" srcId="{09919B73-AFEA-41CA-8396-B143598D3470}" destId="{171C71B9-C971-496E-8767-93030D3637CB}" srcOrd="2" destOrd="0" parTransId="{98D11945-3688-48BC-B4CD-046A2DFC96BB}" sibTransId="{E832F783-4265-4552-AA47-D975DCA74EC0}"/>
+    <dgm:cxn modelId="{C235EBD7-1228-458D-8F18-7B69E7955AAA}" type="presOf" srcId="{09919B73-AFEA-41CA-8396-B143598D3470}" destId="{32EA9301-3BC5-4488-A9A5-82330D72C00D}" srcOrd="0" destOrd="0" presId="urn:microsoft.com/office/officeart/2005/8/layout/vList2"/>
+    <dgm:cxn modelId="{C331B3F0-7900-4E7C-98AC-A9D233F4F362}" srcId="{09919B73-AFEA-41CA-8396-B143598D3470}" destId="{C7AD51A1-A964-451C-9C28-5F6B63F8BEC4}" srcOrd="0" destOrd="0" parTransId="{9613678D-04A4-448D-8201-EAEC09F9ABE6}" sibTransId="{66F94207-5A81-49C0-AAAD-D98B1A66BD5E}"/>
+    <dgm:cxn modelId="{B6DB7253-9A16-4048-8E83-E3AF630CE935}" type="presParOf" srcId="{32EA9301-3BC5-4488-A9A5-82330D72C00D}" destId="{31E44E55-EE1A-433B-8967-A5ECF79DF4C9}" srcOrd="0" destOrd="0" presId="urn:microsoft.com/office/officeart/2005/8/layout/vList2"/>
+    <dgm:cxn modelId="{2653AD34-7F1A-4418-9AE9-404B7E9DF690}" type="presParOf" srcId="{32EA9301-3BC5-4488-A9A5-82330D72C00D}" destId="{17D5A784-CD7C-484D-8771-3E7E8DAA7F0E}" srcOrd="1" destOrd="0" presId="urn:microsoft.com/office/officeart/2005/8/layout/vList2"/>
+    <dgm:cxn modelId="{D0B3DB2C-09DC-4EAB-BC69-CC2EBEBB9CB1}" type="presParOf" srcId="{32EA9301-3BC5-4488-A9A5-82330D72C00D}" destId="{26B22FCC-1990-4386-A2CB-8F80CD7DA774}" srcOrd="2" destOrd="0" presId="urn:microsoft.com/office/officeart/2005/8/layout/vList2"/>
+    <dgm:cxn modelId="{C3EEDFB6-6ACB-43DC-A1DB-92A09954FE0B}" type="presParOf" srcId="{32EA9301-3BC5-4488-A9A5-82330D72C00D}" destId="{26B41597-C2F3-400C-AA3B-0238C20CD1FE}" srcOrd="3" destOrd="0" presId="urn:microsoft.com/office/officeart/2005/8/layout/vList2"/>
+    <dgm:cxn modelId="{D4800860-9EC6-4D26-BB12-6AC3DC36F434}" type="presParOf" srcId="{32EA9301-3BC5-4488-A9A5-82330D72C00D}" destId="{90DCA848-3C5F-4C47-AB5C-482B94C10BC2}" srcOrd="4" destOrd="0" presId="urn:microsoft.com/office/officeart/2005/8/layout/vList2"/>
   </dgm:cxnLst>
   <dgm:bg/>
   <dgm:whole/>
@@ -1355,6 +3467,631 @@
       <dsp:txXfrm>
         <a:off x="5827635" y="832323"/>
         <a:ext cx="4149382" cy="2576345"/>
+      </dsp:txXfrm>
+    </dsp:sp>
+  </dsp:spTree>
+</dsp:drawing>
+</file>
+
+<file path=ppt/diagrams/drawing2.xml><?xml version="1.0" encoding="utf-8"?>
+<dsp:drawing xmlns:dgm="http://schemas.openxmlformats.org/drawingml/2006/diagram" xmlns:dsp="http://schemas.microsoft.com/office/drawing/2008/diagram" xmlns:a="http://schemas.openxmlformats.org/drawingml/2006/main">
+  <dsp:spTree>
+    <dsp:nvGrpSpPr>
+      <dsp:cNvPr id="0" name=""/>
+      <dsp:cNvGrpSpPr/>
+    </dsp:nvGrpSpPr>
+    <dsp:grpSpPr/>
+    <dsp:sp modelId="{BC3374F8-8D30-4F47-BDD1-DC19BECA11A4}">
+      <dsp:nvSpPr>
+        <dsp:cNvPr id="0" name=""/>
+        <dsp:cNvSpPr/>
+      </dsp:nvSpPr>
+      <dsp:spPr>
+        <a:xfrm>
+          <a:off x="0" y="361014"/>
+          <a:ext cx="10058399" cy="1282049"/>
+        </a:xfrm>
+        <a:prstGeom prst="rect">
+          <a:avLst/>
+        </a:prstGeom>
+        <a:solidFill>
+          <a:schemeClr val="lt1">
+            <a:alpha val="90000"/>
+            <a:hueOff val="0"/>
+            <a:satOff val="0"/>
+            <a:lumOff val="0"/>
+            <a:alphaOff val="0"/>
+          </a:schemeClr>
+        </a:solidFill>
+        <a:ln w="15875" cap="flat" cmpd="sng" algn="ctr">
+          <a:solidFill>
+            <a:schemeClr val="accent1">
+              <a:hueOff val="0"/>
+              <a:satOff val="0"/>
+              <a:lumOff val="0"/>
+              <a:alphaOff val="0"/>
+            </a:schemeClr>
+          </a:solidFill>
+          <a:prstDash val="solid"/>
+        </a:ln>
+        <a:effectLst/>
+      </dsp:spPr>
+      <dsp:style>
+        <a:lnRef idx="2">
+          <a:scrgbClr r="0" g="0" b="0"/>
+        </a:lnRef>
+        <a:fillRef idx="1">
+          <a:scrgbClr r="0" g="0" b="0"/>
+        </a:fillRef>
+        <a:effectRef idx="0">
+          <a:scrgbClr r="0" g="0" b="0"/>
+        </a:effectRef>
+        <a:fontRef idx="minor"/>
+      </dsp:style>
+      <dsp:txBody>
+        <a:bodyPr spcFirstLastPara="0" vert="horz" wrap="square" lIns="780644" tIns="458216" rIns="780644" bIns="156464" numCol="1" spcCol="1270" anchor="t" anchorCtr="0">
+          <a:noAutofit/>
+        </a:bodyPr>
+        <a:lstStyle/>
+        <a:p>
+          <a:pPr marL="228600" lvl="1" indent="-228600" algn="l" defTabSz="977900">
+            <a:lnSpc>
+              <a:spcPct val="90000"/>
+            </a:lnSpc>
+            <a:spcBef>
+              <a:spcPct val="0"/>
+            </a:spcBef>
+            <a:spcAft>
+              <a:spcPct val="15000"/>
+            </a:spcAft>
+            <a:buChar char="•"/>
+          </a:pPr>
+          <a:r>
+            <a:rPr lang="en-GB" sz="2200" kern="1200"/>
+            <a:t>Nematic Phase in agreement with Onsager</a:t>
+          </a:r>
+          <a:endParaRPr lang="en-US" sz="2200" kern="1200"/>
+        </a:p>
+        <a:p>
+          <a:pPr marL="228600" lvl="1" indent="-228600" algn="l" defTabSz="977900">
+            <a:lnSpc>
+              <a:spcPct val="90000"/>
+            </a:lnSpc>
+            <a:spcBef>
+              <a:spcPct val="0"/>
+            </a:spcBef>
+            <a:spcAft>
+              <a:spcPct val="15000"/>
+            </a:spcAft>
+            <a:buChar char="•"/>
+          </a:pPr>
+          <a:r>
+            <a:rPr lang="en-GB" sz="2200" kern="1200"/>
+            <a:t>Verification of Smectic Phase existence</a:t>
+          </a:r>
+          <a:endParaRPr lang="en-US" sz="2200" kern="1200"/>
+        </a:p>
+      </dsp:txBody>
+      <dsp:txXfrm>
+        <a:off x="0" y="361014"/>
+        <a:ext cx="10058399" cy="1282049"/>
+      </dsp:txXfrm>
+    </dsp:sp>
+    <dsp:sp modelId="{0359B552-BBE1-4F68-B774-4F7D50524234}">
+      <dsp:nvSpPr>
+        <dsp:cNvPr id="0" name=""/>
+        <dsp:cNvSpPr/>
+      </dsp:nvSpPr>
+      <dsp:spPr>
+        <a:xfrm>
+          <a:off x="502920" y="36294"/>
+          <a:ext cx="7040880" cy="649440"/>
+        </a:xfrm>
+        <a:prstGeom prst="roundRect">
+          <a:avLst/>
+        </a:prstGeom>
+        <a:solidFill>
+          <a:schemeClr val="accent1">
+            <a:hueOff val="0"/>
+            <a:satOff val="0"/>
+            <a:lumOff val="0"/>
+            <a:alphaOff val="0"/>
+          </a:schemeClr>
+        </a:solidFill>
+        <a:ln w="15875" cap="flat" cmpd="sng" algn="ctr">
+          <a:solidFill>
+            <a:schemeClr val="lt1">
+              <a:hueOff val="0"/>
+              <a:satOff val="0"/>
+              <a:lumOff val="0"/>
+              <a:alphaOff val="0"/>
+            </a:schemeClr>
+          </a:solidFill>
+          <a:prstDash val="solid"/>
+        </a:ln>
+        <a:effectLst/>
+      </dsp:spPr>
+      <dsp:style>
+        <a:lnRef idx="2">
+          <a:scrgbClr r="0" g="0" b="0"/>
+        </a:lnRef>
+        <a:fillRef idx="1">
+          <a:scrgbClr r="0" g="0" b="0"/>
+        </a:fillRef>
+        <a:effectRef idx="0">
+          <a:scrgbClr r="0" g="0" b="0"/>
+        </a:effectRef>
+        <a:fontRef idx="minor">
+          <a:schemeClr val="lt1"/>
+        </a:fontRef>
+      </dsp:style>
+      <dsp:txBody>
+        <a:bodyPr spcFirstLastPara="0" vert="horz" wrap="square" lIns="266129" tIns="0" rIns="266129" bIns="0" numCol="1" spcCol="1270" anchor="ctr" anchorCtr="0">
+          <a:noAutofit/>
+        </a:bodyPr>
+        <a:lstStyle/>
+        <a:p>
+          <a:pPr marL="0" lvl="0" indent="0" algn="l" defTabSz="977900">
+            <a:lnSpc>
+              <a:spcPct val="90000"/>
+            </a:lnSpc>
+            <a:spcBef>
+              <a:spcPct val="0"/>
+            </a:spcBef>
+            <a:spcAft>
+              <a:spcPct val="35000"/>
+            </a:spcAft>
+            <a:buNone/>
+          </a:pPr>
+          <a:r>
+            <a:rPr lang="en-GB" sz="2200" kern="1200"/>
+            <a:t>Rigid Rod Simulations</a:t>
+          </a:r>
+          <a:endParaRPr lang="en-US" sz="2200" kern="1200"/>
+        </a:p>
+      </dsp:txBody>
+      <dsp:txXfrm>
+        <a:off x="534623" y="67997"/>
+        <a:ext cx="6977474" cy="586034"/>
+      </dsp:txXfrm>
+    </dsp:sp>
+    <dsp:sp modelId="{E4A30891-DD58-4A84-93E8-58BF6D0C8BDD}">
+      <dsp:nvSpPr>
+        <dsp:cNvPr id="0" name=""/>
+        <dsp:cNvSpPr/>
+      </dsp:nvSpPr>
+      <dsp:spPr>
+        <a:xfrm>
+          <a:off x="0" y="2086585"/>
+          <a:ext cx="10058399" cy="1663200"/>
+        </a:xfrm>
+        <a:prstGeom prst="rect">
+          <a:avLst/>
+        </a:prstGeom>
+        <a:solidFill>
+          <a:schemeClr val="lt1">
+            <a:alpha val="90000"/>
+            <a:hueOff val="0"/>
+            <a:satOff val="0"/>
+            <a:lumOff val="0"/>
+            <a:alphaOff val="0"/>
+          </a:schemeClr>
+        </a:solidFill>
+        <a:ln w="15875" cap="flat" cmpd="sng" algn="ctr">
+          <a:solidFill>
+            <a:schemeClr val="accent1">
+              <a:hueOff val="0"/>
+              <a:satOff val="0"/>
+              <a:lumOff val="0"/>
+              <a:alphaOff val="0"/>
+            </a:schemeClr>
+          </a:solidFill>
+          <a:prstDash val="solid"/>
+        </a:ln>
+        <a:effectLst/>
+      </dsp:spPr>
+      <dsp:style>
+        <a:lnRef idx="2">
+          <a:scrgbClr r="0" g="0" b="0"/>
+        </a:lnRef>
+        <a:fillRef idx="1">
+          <a:scrgbClr r="0" g="0" b="0"/>
+        </a:fillRef>
+        <a:effectRef idx="0">
+          <a:scrgbClr r="0" g="0" b="0"/>
+        </a:effectRef>
+        <a:fontRef idx="minor"/>
+      </dsp:style>
+      <dsp:txBody>
+        <a:bodyPr spcFirstLastPara="0" vert="horz" wrap="square" lIns="780644" tIns="458216" rIns="780644" bIns="156464" numCol="1" spcCol="1270" anchor="t" anchorCtr="0">
+          <a:noAutofit/>
+        </a:bodyPr>
+        <a:lstStyle/>
+        <a:p>
+          <a:pPr marL="228600" lvl="1" indent="-228600" algn="l" defTabSz="977900">
+            <a:lnSpc>
+              <a:spcPct val="90000"/>
+            </a:lnSpc>
+            <a:spcBef>
+              <a:spcPct val="0"/>
+            </a:spcBef>
+            <a:spcAft>
+              <a:spcPct val="15000"/>
+            </a:spcAft>
+            <a:buChar char="•"/>
+          </a:pPr>
+          <a:r>
+            <a:rPr lang="en-GB" sz="2200" kern="1200"/>
+            <a:t>Formation of order through preferred angle (fixed rigidity)</a:t>
+          </a:r>
+          <a:endParaRPr lang="en-US" sz="2200" kern="1200"/>
+        </a:p>
+        <a:p>
+          <a:pPr marL="228600" lvl="1" indent="-228600" algn="l" defTabSz="977900">
+            <a:lnSpc>
+              <a:spcPct val="90000"/>
+            </a:lnSpc>
+            <a:spcBef>
+              <a:spcPct val="0"/>
+            </a:spcBef>
+            <a:spcAft>
+              <a:spcPct val="15000"/>
+            </a:spcAft>
+            <a:buChar char="•"/>
+          </a:pPr>
+          <a:r>
+            <a:rPr lang="en-GB" sz="2200" kern="1200"/>
+            <a:t>Quasi-nematic phase formation in fixed angle case</a:t>
+          </a:r>
+          <a:endParaRPr lang="en-US" sz="2200" kern="1200"/>
+        </a:p>
+        <a:p>
+          <a:pPr marL="228600" lvl="1" indent="-228600" algn="l" defTabSz="977900">
+            <a:lnSpc>
+              <a:spcPct val="90000"/>
+            </a:lnSpc>
+            <a:spcBef>
+              <a:spcPct val="0"/>
+            </a:spcBef>
+            <a:spcAft>
+              <a:spcPct val="15000"/>
+            </a:spcAft>
+            <a:buChar char="•"/>
+          </a:pPr>
+          <a:r>
+            <a:rPr lang="en-GB" sz="2200" kern="1200"/>
+            <a:t>Novel phase identification method through dynamic properties</a:t>
+          </a:r>
+          <a:endParaRPr lang="en-US" sz="2200" kern="1200"/>
+        </a:p>
+      </dsp:txBody>
+      <dsp:txXfrm>
+        <a:off x="0" y="2086585"/>
+        <a:ext cx="10058399" cy="1663200"/>
+      </dsp:txXfrm>
+    </dsp:sp>
+    <dsp:sp modelId="{EB33E95C-156A-4E60-9EA6-7A64DBE0EA3D}">
+      <dsp:nvSpPr>
+        <dsp:cNvPr id="0" name=""/>
+        <dsp:cNvSpPr/>
+      </dsp:nvSpPr>
+      <dsp:spPr>
+        <a:xfrm>
+          <a:off x="502920" y="1761865"/>
+          <a:ext cx="7040880" cy="649440"/>
+        </a:xfrm>
+        <a:prstGeom prst="roundRect">
+          <a:avLst/>
+        </a:prstGeom>
+        <a:solidFill>
+          <a:schemeClr val="accent1">
+            <a:hueOff val="0"/>
+            <a:satOff val="0"/>
+            <a:lumOff val="0"/>
+            <a:alphaOff val="0"/>
+          </a:schemeClr>
+        </a:solidFill>
+        <a:ln w="15875" cap="flat" cmpd="sng" algn="ctr">
+          <a:solidFill>
+            <a:schemeClr val="lt1">
+              <a:hueOff val="0"/>
+              <a:satOff val="0"/>
+              <a:lumOff val="0"/>
+              <a:alphaOff val="0"/>
+            </a:schemeClr>
+          </a:solidFill>
+          <a:prstDash val="solid"/>
+        </a:ln>
+        <a:effectLst/>
+      </dsp:spPr>
+      <dsp:style>
+        <a:lnRef idx="2">
+          <a:scrgbClr r="0" g="0" b="0"/>
+        </a:lnRef>
+        <a:fillRef idx="1">
+          <a:scrgbClr r="0" g="0" b="0"/>
+        </a:fillRef>
+        <a:effectRef idx="0">
+          <a:scrgbClr r="0" g="0" b="0"/>
+        </a:effectRef>
+        <a:fontRef idx="minor">
+          <a:schemeClr val="lt1"/>
+        </a:fontRef>
+      </dsp:style>
+      <dsp:txBody>
+        <a:bodyPr spcFirstLastPara="0" vert="horz" wrap="square" lIns="266129" tIns="0" rIns="266129" bIns="0" numCol="1" spcCol="1270" anchor="ctr" anchorCtr="0">
+          <a:noAutofit/>
+        </a:bodyPr>
+        <a:lstStyle/>
+        <a:p>
+          <a:pPr marL="0" lvl="0" indent="0" algn="l" defTabSz="977900">
+            <a:lnSpc>
+              <a:spcPct val="90000"/>
+            </a:lnSpc>
+            <a:spcBef>
+              <a:spcPct val="0"/>
+            </a:spcBef>
+            <a:spcAft>
+              <a:spcPct val="35000"/>
+            </a:spcAft>
+            <a:buNone/>
+          </a:pPr>
+          <a:r>
+            <a:rPr lang="en-GB" sz="2200" kern="1200"/>
+            <a:t>Nunchuck Simulations</a:t>
+          </a:r>
+          <a:endParaRPr lang="en-US" sz="2200" kern="1200"/>
+        </a:p>
+      </dsp:txBody>
+      <dsp:txXfrm>
+        <a:off x="534623" y="1793568"/>
+        <a:ext cx="6977474" cy="586034"/>
+      </dsp:txXfrm>
+    </dsp:sp>
+  </dsp:spTree>
+</dsp:drawing>
+</file>
+
+<file path=ppt/diagrams/drawing3.xml><?xml version="1.0" encoding="utf-8"?>
+<dsp:drawing xmlns:dgm="http://schemas.openxmlformats.org/drawingml/2006/diagram" xmlns:dsp="http://schemas.microsoft.com/office/drawing/2008/diagram" xmlns:a="http://schemas.openxmlformats.org/drawingml/2006/main">
+  <dsp:spTree>
+    <dsp:nvGrpSpPr>
+      <dsp:cNvPr id="0" name=""/>
+      <dsp:cNvGrpSpPr/>
+    </dsp:nvGrpSpPr>
+    <dsp:grpSpPr/>
+    <dsp:sp modelId="{31E44E55-EE1A-433B-8967-A5ECF79DF4C9}">
+      <dsp:nvSpPr>
+        <dsp:cNvPr id="0" name=""/>
+        <dsp:cNvSpPr/>
+      </dsp:nvSpPr>
+      <dsp:spPr>
+        <a:xfrm>
+          <a:off x="0" y="760805"/>
+          <a:ext cx="6797675" cy="1312740"/>
+        </a:xfrm>
+        <a:prstGeom prst="roundRect">
+          <a:avLst/>
+        </a:prstGeom>
+        <a:solidFill>
+          <a:schemeClr val="accent5">
+            <a:hueOff val="0"/>
+            <a:satOff val="0"/>
+            <a:lumOff val="0"/>
+            <a:alphaOff val="0"/>
+          </a:schemeClr>
+        </a:solidFill>
+        <a:ln w="15875" cap="flat" cmpd="sng" algn="ctr">
+          <a:solidFill>
+            <a:schemeClr val="lt1">
+              <a:hueOff val="0"/>
+              <a:satOff val="0"/>
+              <a:lumOff val="0"/>
+              <a:alphaOff val="0"/>
+            </a:schemeClr>
+          </a:solidFill>
+          <a:prstDash val="solid"/>
+        </a:ln>
+        <a:effectLst/>
+      </dsp:spPr>
+      <dsp:style>
+        <a:lnRef idx="2">
+          <a:scrgbClr r="0" g="0" b="0"/>
+        </a:lnRef>
+        <a:fillRef idx="1">
+          <a:scrgbClr r="0" g="0" b="0"/>
+        </a:fillRef>
+        <a:effectRef idx="0">
+          <a:scrgbClr r="0" g="0" b="0"/>
+        </a:effectRef>
+        <a:fontRef idx="minor">
+          <a:schemeClr val="lt1"/>
+        </a:fontRef>
+      </dsp:style>
+      <dsp:txBody>
+        <a:bodyPr spcFirstLastPara="0" vert="horz" wrap="square" lIns="125730" tIns="125730" rIns="125730" bIns="125730" numCol="1" spcCol="1270" anchor="ctr" anchorCtr="0">
+          <a:noAutofit/>
+        </a:bodyPr>
+        <a:lstStyle/>
+        <a:p>
+          <a:pPr marL="0" lvl="0" indent="0" algn="l" defTabSz="1466850">
+            <a:lnSpc>
+              <a:spcPct val="90000"/>
+            </a:lnSpc>
+            <a:spcBef>
+              <a:spcPct val="0"/>
+            </a:spcBef>
+            <a:spcAft>
+              <a:spcPct val="35000"/>
+            </a:spcAft>
+            <a:buNone/>
+          </a:pPr>
+          <a:r>
+            <a:rPr lang="en-GB" sz="3300" kern="1200"/>
+            <a:t>Extend simulation region to detect periodicity over greater length scales</a:t>
+          </a:r>
+          <a:endParaRPr lang="en-US" sz="3300" kern="1200"/>
+        </a:p>
+      </dsp:txBody>
+      <dsp:txXfrm>
+        <a:off x="64083" y="824888"/>
+        <a:ext cx="6669509" cy="1184574"/>
+      </dsp:txXfrm>
+    </dsp:sp>
+    <dsp:sp modelId="{26B22FCC-1990-4386-A2CB-8F80CD7DA774}">
+      <dsp:nvSpPr>
+        <dsp:cNvPr id="0" name=""/>
+        <dsp:cNvSpPr/>
+      </dsp:nvSpPr>
+      <dsp:spPr>
+        <a:xfrm>
+          <a:off x="0" y="2168586"/>
+          <a:ext cx="6797675" cy="1312740"/>
+        </a:xfrm>
+        <a:prstGeom prst="roundRect">
+          <a:avLst/>
+        </a:prstGeom>
+        <a:solidFill>
+          <a:schemeClr val="accent5">
+            <a:hueOff val="1178392"/>
+            <a:satOff val="-5635"/>
+            <a:lumOff val="6177"/>
+            <a:alphaOff val="0"/>
+          </a:schemeClr>
+        </a:solidFill>
+        <a:ln w="15875" cap="flat" cmpd="sng" algn="ctr">
+          <a:solidFill>
+            <a:schemeClr val="lt1">
+              <a:hueOff val="0"/>
+              <a:satOff val="0"/>
+              <a:lumOff val="0"/>
+              <a:alphaOff val="0"/>
+            </a:schemeClr>
+          </a:solidFill>
+          <a:prstDash val="solid"/>
+        </a:ln>
+        <a:effectLst/>
+      </dsp:spPr>
+      <dsp:style>
+        <a:lnRef idx="2">
+          <a:scrgbClr r="0" g="0" b="0"/>
+        </a:lnRef>
+        <a:fillRef idx="1">
+          <a:scrgbClr r="0" g="0" b="0"/>
+        </a:fillRef>
+        <a:effectRef idx="0">
+          <a:scrgbClr r="0" g="0" b="0"/>
+        </a:effectRef>
+        <a:fontRef idx="minor">
+          <a:schemeClr val="lt1"/>
+        </a:fontRef>
+      </dsp:style>
+      <dsp:txBody>
+        <a:bodyPr spcFirstLastPara="0" vert="horz" wrap="square" lIns="125730" tIns="125730" rIns="125730" bIns="125730" numCol="1" spcCol="1270" anchor="ctr" anchorCtr="0">
+          <a:noAutofit/>
+        </a:bodyPr>
+        <a:lstStyle/>
+        <a:p>
+          <a:pPr marL="0" lvl="0" indent="0" algn="l" defTabSz="1466850">
+            <a:lnSpc>
+              <a:spcPct val="90000"/>
+            </a:lnSpc>
+            <a:spcBef>
+              <a:spcPct val="0"/>
+            </a:spcBef>
+            <a:spcAft>
+              <a:spcPct val="35000"/>
+            </a:spcAft>
+            <a:buNone/>
+          </a:pPr>
+          <a:r>
+            <a:rPr lang="en-GB" sz="3300" kern="1200"/>
+            <a:t>Implementation of bending potential from OxDNA</a:t>
+          </a:r>
+          <a:endParaRPr lang="en-US" sz="3300" kern="1200"/>
+        </a:p>
+      </dsp:txBody>
+      <dsp:txXfrm>
+        <a:off x="64083" y="2232669"/>
+        <a:ext cx="6669509" cy="1184574"/>
+      </dsp:txXfrm>
+    </dsp:sp>
+    <dsp:sp modelId="{90DCA848-3C5F-4C47-AB5C-482B94C10BC2}">
+      <dsp:nvSpPr>
+        <dsp:cNvPr id="0" name=""/>
+        <dsp:cNvSpPr/>
+      </dsp:nvSpPr>
+      <dsp:spPr>
+        <a:xfrm>
+          <a:off x="0" y="3576366"/>
+          <a:ext cx="6797675" cy="1312740"/>
+        </a:xfrm>
+        <a:prstGeom prst="roundRect">
+          <a:avLst/>
+        </a:prstGeom>
+        <a:solidFill>
+          <a:schemeClr val="accent5">
+            <a:hueOff val="2356783"/>
+            <a:satOff val="-11270"/>
+            <a:lumOff val="12353"/>
+            <a:alphaOff val="0"/>
+          </a:schemeClr>
+        </a:solidFill>
+        <a:ln w="15875" cap="flat" cmpd="sng" algn="ctr">
+          <a:solidFill>
+            <a:schemeClr val="lt1">
+              <a:hueOff val="0"/>
+              <a:satOff val="0"/>
+              <a:lumOff val="0"/>
+              <a:alphaOff val="0"/>
+            </a:schemeClr>
+          </a:solidFill>
+          <a:prstDash val="solid"/>
+        </a:ln>
+        <a:effectLst/>
+      </dsp:spPr>
+      <dsp:style>
+        <a:lnRef idx="2">
+          <a:scrgbClr r="0" g="0" b="0"/>
+        </a:lnRef>
+        <a:fillRef idx="1">
+          <a:scrgbClr r="0" g="0" b="0"/>
+        </a:fillRef>
+        <a:effectRef idx="0">
+          <a:scrgbClr r="0" g="0" b="0"/>
+        </a:effectRef>
+        <a:fontRef idx="minor">
+          <a:schemeClr val="lt1"/>
+        </a:fontRef>
+      </dsp:style>
+      <dsp:txBody>
+        <a:bodyPr spcFirstLastPara="0" vert="horz" wrap="square" lIns="125730" tIns="125730" rIns="125730" bIns="125730" numCol="1" spcCol="1270" anchor="ctr" anchorCtr="0">
+          <a:noAutofit/>
+        </a:bodyPr>
+        <a:lstStyle/>
+        <a:p>
+          <a:pPr marL="0" lvl="0" indent="0" algn="l" defTabSz="1466850">
+            <a:lnSpc>
+              <a:spcPct val="90000"/>
+            </a:lnSpc>
+            <a:spcBef>
+              <a:spcPct val="0"/>
+            </a:spcBef>
+            <a:spcAft>
+              <a:spcPct val="35000"/>
+            </a:spcAft>
+            <a:buNone/>
+          </a:pPr>
+          <a:r>
+            <a:rPr lang="en-GB" sz="3300" kern="1200" dirty="0"/>
+            <a:t>Further application of dynamic property-based phase detection </a:t>
+          </a:r>
+          <a:endParaRPr lang="en-US" sz="3300" kern="1200" dirty="0"/>
+        </a:p>
+      </dsp:txBody>
+      <dsp:txXfrm>
+        <a:off x="64083" y="3640449"/>
+        <a:ext cx="6669509" cy="1184574"/>
       </dsp:txXfrm>
     </dsp:sp>
   </dsp:spTree>
@@ -1924,7 +4661,2467 @@
 </dgm:layoutDef>
 </file>
 
+<file path=ppt/diagrams/layout2.xml><?xml version="1.0" encoding="utf-8"?>
+<dgm:layoutDef xmlns:dgm="http://schemas.openxmlformats.org/drawingml/2006/diagram" xmlns:a="http://schemas.openxmlformats.org/drawingml/2006/main" uniqueId="urn:microsoft.com/office/officeart/2005/8/layout/list1">
+  <dgm:title val=""/>
+  <dgm:desc val=""/>
+  <dgm:catLst>
+    <dgm:cat type="list" pri="4000"/>
+  </dgm:catLst>
+  <dgm:sampData>
+    <dgm:dataModel>
+      <dgm:ptLst>
+        <dgm:pt modelId="0" type="doc"/>
+        <dgm:pt modelId="1">
+          <dgm:prSet phldr="1"/>
+        </dgm:pt>
+        <dgm:pt modelId="2">
+          <dgm:prSet phldr="1"/>
+        </dgm:pt>
+        <dgm:pt modelId="3">
+          <dgm:prSet phldr="1"/>
+        </dgm:pt>
+      </dgm:ptLst>
+      <dgm:cxnLst>
+        <dgm:cxn modelId="4" srcId="0" destId="1" srcOrd="0" destOrd="0"/>
+        <dgm:cxn modelId="5" srcId="0" destId="2" srcOrd="1" destOrd="0"/>
+        <dgm:cxn modelId="6" srcId="0" destId="3" srcOrd="2" destOrd="0"/>
+      </dgm:cxnLst>
+      <dgm:bg/>
+      <dgm:whole/>
+    </dgm:dataModel>
+  </dgm:sampData>
+  <dgm:styleData>
+    <dgm:dataModel>
+      <dgm:ptLst>
+        <dgm:pt modelId="0" type="doc"/>
+        <dgm:pt modelId="1"/>
+        <dgm:pt modelId="2"/>
+      </dgm:ptLst>
+      <dgm:cxnLst>
+        <dgm:cxn modelId="4" srcId="0" destId="1" srcOrd="0" destOrd="0"/>
+        <dgm:cxn modelId="5" srcId="0" destId="2" srcOrd="1" destOrd="0"/>
+      </dgm:cxnLst>
+      <dgm:bg/>
+      <dgm:whole/>
+    </dgm:dataModel>
+  </dgm:styleData>
+  <dgm:clrData>
+    <dgm:dataModel>
+      <dgm:ptLst>
+        <dgm:pt modelId="0" type="doc"/>
+        <dgm:pt modelId="1"/>
+        <dgm:pt modelId="2"/>
+        <dgm:pt modelId="3"/>
+        <dgm:pt modelId="4"/>
+      </dgm:ptLst>
+      <dgm:cxnLst>
+        <dgm:cxn modelId="5" srcId="0" destId="1" srcOrd="0" destOrd="0"/>
+        <dgm:cxn modelId="6" srcId="0" destId="2" srcOrd="1" destOrd="0"/>
+        <dgm:cxn modelId="7" srcId="0" destId="3" srcOrd="2" destOrd="0"/>
+        <dgm:cxn modelId="8" srcId="0" destId="4" srcOrd="3" destOrd="0"/>
+      </dgm:cxnLst>
+      <dgm:bg/>
+      <dgm:whole/>
+    </dgm:dataModel>
+  </dgm:clrData>
+  <dgm:layoutNode name="linear">
+    <dgm:varLst>
+      <dgm:dir/>
+      <dgm:animLvl val="lvl"/>
+      <dgm:resizeHandles val="exact"/>
+    </dgm:varLst>
+    <dgm:choose name="Name0">
+      <dgm:if name="Name1" func="var" arg="dir" op="equ" val="norm">
+        <dgm:alg type="lin">
+          <dgm:param type="linDir" val="fromT"/>
+          <dgm:param type="vertAlign" val="mid"/>
+          <dgm:param type="horzAlign" val="l"/>
+          <dgm:param type="nodeHorzAlign" val="l"/>
+        </dgm:alg>
+      </dgm:if>
+      <dgm:else name="Name2">
+        <dgm:alg type="lin">
+          <dgm:param type="linDir" val="fromT"/>
+          <dgm:param type="vertAlign" val="mid"/>
+          <dgm:param type="horzAlign" val="r"/>
+          <dgm:param type="nodeHorzAlign" val="r"/>
+        </dgm:alg>
+      </dgm:else>
+    </dgm:choose>
+    <dgm:shape xmlns:r="http://schemas.openxmlformats.org/officeDocument/2006/relationships" r:blip="">
+      <dgm:adjLst/>
+    </dgm:shape>
+    <dgm:presOf/>
+    <dgm:constrLst>
+      <dgm:constr type="w" for="ch" forName="parentLin" refType="w"/>
+      <dgm:constr type="h" for="ch" forName="parentLin" val="INF"/>
+      <dgm:constr type="w" for="des" forName="parentLeftMargin" refType="w" fact="0.05"/>
+      <dgm:constr type="w" for="des" forName="parentText" refType="w" fact="0.7"/>
+      <dgm:constr type="h" for="des" forName="parentText" refType="primFontSz" refFor="des" refForName="parentText" fact="0.82"/>
+      <dgm:constr type="h" for="ch" forName="negativeSpace" refType="primFontSz" refFor="des" refForName="parentText" fact="-0.41"/>
+      <dgm:constr type="h" for="ch" forName="negativeSpace" refType="h" refFor="des" refForName="parentText" op="lte" fact="-0.82"/>
+      <dgm:constr type="h" for="ch" forName="negativeSpace" refType="h" refFor="des" refForName="parentText" op="gte" fact="-0.82"/>
+      <dgm:constr type="w" for="ch" forName="childText" refType="w"/>
+      <dgm:constr type="h" for="ch" forName="childText" refType="primFontSz" refFor="des" refForName="parentText" fact="0.7"/>
+      <dgm:constr type="primFontSz" for="des" forName="parentText" val="65"/>
+      <dgm:constr type="primFontSz" for="ch" forName="childText" refType="primFontSz" refFor="des" refForName="parentText"/>
+      <dgm:constr type="tMarg" for="ch" forName="childText" refType="primFontSz" refFor="des" refForName="parentText" fact="1.64"/>
+      <dgm:constr type="tMarg" for="ch" forName="childText" refType="h" refFor="des" refForName="parentText" op="lte" fact="3.28"/>
+      <dgm:constr type="tMarg" for="ch" forName="childText" refType="h" refFor="des" refForName="parentText" op="gte" fact="3.28"/>
+      <dgm:constr type="lMarg" for="ch" forName="childText" refType="w" fact="0.22"/>
+      <dgm:constr type="rMarg" for="ch" forName="childText" refType="lMarg" refFor="ch" refForName="childText"/>
+      <dgm:constr type="lMarg" for="des" forName="parentText" refType="w" fact="0.075"/>
+      <dgm:constr type="rMarg" for="des" forName="parentText" refType="lMarg" refFor="des" refForName="parentText"/>
+      <dgm:constr type="h" for="ch" forName="spaceBetweenRectangles" refType="primFontSz" refFor="des" refForName="parentText" fact="0.15"/>
+    </dgm:constrLst>
+    <dgm:ruleLst>
+      <dgm:rule type="primFontSz" for="des" forName="parentText" val="5" fact="NaN" max="NaN"/>
+    </dgm:ruleLst>
+    <dgm:forEach name="Name3" axis="ch" ptType="node">
+      <dgm:layoutNode name="parentLin">
+        <dgm:choose name="Name4">
+          <dgm:if name="Name5" func="var" arg="dir" op="equ" val="norm">
+            <dgm:alg type="lin">
+              <dgm:param type="linDir" val="fromL"/>
+              <dgm:param type="horzAlign" val="l"/>
+              <dgm:param type="nodeHorzAlign" val="l"/>
+            </dgm:alg>
+          </dgm:if>
+          <dgm:else name="Name6">
+            <dgm:alg type="lin">
+              <dgm:param type="linDir" val="fromR"/>
+              <dgm:param type="horzAlign" val="r"/>
+              <dgm:param type="nodeHorzAlign" val="r"/>
+            </dgm:alg>
+          </dgm:else>
+        </dgm:choose>
+        <dgm:shape xmlns:r="http://schemas.openxmlformats.org/officeDocument/2006/relationships" r:blip="">
+          <dgm:adjLst/>
+        </dgm:shape>
+        <dgm:presOf/>
+        <dgm:constrLst/>
+        <dgm:ruleLst/>
+        <dgm:layoutNode name="parentLeftMargin">
+          <dgm:alg type="sp"/>
+          <dgm:shape xmlns:r="http://schemas.openxmlformats.org/officeDocument/2006/relationships" type="rect" r:blip="" hideGeom="1">
+            <dgm:adjLst/>
+          </dgm:shape>
+          <dgm:presOf axis="self"/>
+          <dgm:constrLst>
+            <dgm:constr type="h"/>
+          </dgm:constrLst>
+          <dgm:ruleLst/>
+        </dgm:layoutNode>
+        <dgm:layoutNode name="parentText" styleLbl="node1">
+          <dgm:varLst>
+            <dgm:chMax val="0"/>
+            <dgm:bulletEnabled val="1"/>
+          </dgm:varLst>
+          <dgm:choose name="Name7">
+            <dgm:if name="Name8" func="var" arg="dir" op="equ" val="norm">
+              <dgm:alg type="tx">
+                <dgm:param type="parTxLTRAlign" val="l"/>
+                <dgm:param type="parTxRTLAlign" val="l"/>
+              </dgm:alg>
+            </dgm:if>
+            <dgm:else name="Name9">
+              <dgm:alg type="tx">
+                <dgm:param type="parTxLTRAlign" val="r"/>
+                <dgm:param type="parTxRTLAlign" val="r"/>
+              </dgm:alg>
+            </dgm:else>
+          </dgm:choose>
+          <dgm:shape xmlns:r="http://schemas.openxmlformats.org/officeDocument/2006/relationships" type="roundRect" r:blip="">
+            <dgm:adjLst/>
+          </dgm:shape>
+          <dgm:presOf axis="self" ptType="node"/>
+          <dgm:constrLst>
+            <dgm:constr type="tMarg"/>
+            <dgm:constr type="bMarg"/>
+          </dgm:constrLst>
+          <dgm:ruleLst/>
+        </dgm:layoutNode>
+      </dgm:layoutNode>
+      <dgm:layoutNode name="negativeSpace">
+        <dgm:alg type="sp"/>
+        <dgm:shape xmlns:r="http://schemas.openxmlformats.org/officeDocument/2006/relationships" r:blip="">
+          <dgm:adjLst/>
+        </dgm:shape>
+        <dgm:presOf/>
+        <dgm:constrLst/>
+        <dgm:ruleLst/>
+      </dgm:layoutNode>
+      <dgm:layoutNode name="childText" styleLbl="conFgAcc1">
+        <dgm:varLst>
+          <dgm:bulletEnabled val="1"/>
+        </dgm:varLst>
+        <dgm:alg type="tx">
+          <dgm:param type="stBulletLvl" val="1"/>
+        </dgm:alg>
+        <dgm:shape xmlns:r="http://schemas.openxmlformats.org/officeDocument/2006/relationships" type="rect" r:blip="" zOrderOff="-2">
+          <dgm:adjLst/>
+        </dgm:shape>
+        <dgm:presOf axis="des" ptType="node"/>
+        <dgm:constrLst>
+          <dgm:constr type="secFontSz" refType="primFontSz"/>
+        </dgm:constrLst>
+        <dgm:ruleLst>
+          <dgm:rule type="h" val="INF" fact="NaN" max="NaN"/>
+        </dgm:ruleLst>
+      </dgm:layoutNode>
+      <dgm:forEach name="Name10" axis="followSib" ptType="sibTrans" cnt="1">
+        <dgm:layoutNode name="spaceBetweenRectangles">
+          <dgm:alg type="sp"/>
+          <dgm:shape xmlns:r="http://schemas.openxmlformats.org/officeDocument/2006/relationships" r:blip="">
+            <dgm:adjLst/>
+          </dgm:shape>
+          <dgm:presOf/>
+          <dgm:constrLst/>
+          <dgm:ruleLst/>
+        </dgm:layoutNode>
+      </dgm:forEach>
+    </dgm:forEach>
+  </dgm:layoutNode>
+</dgm:layoutDef>
+</file>
+
+<file path=ppt/diagrams/layout3.xml><?xml version="1.0" encoding="utf-8"?>
+<dgm:layoutDef xmlns:dgm="http://schemas.openxmlformats.org/drawingml/2006/diagram" xmlns:a="http://schemas.openxmlformats.org/drawingml/2006/main" uniqueId="urn:microsoft.com/office/officeart/2005/8/layout/vList2">
+  <dgm:title val=""/>
+  <dgm:desc val=""/>
+  <dgm:catLst>
+    <dgm:cat type="list" pri="3000"/>
+    <dgm:cat type="convert" pri="1000"/>
+  </dgm:catLst>
+  <dgm:sampData>
+    <dgm:dataModel>
+      <dgm:ptLst>
+        <dgm:pt modelId="0" type="doc"/>
+        <dgm:pt modelId="1">
+          <dgm:prSet phldr="1"/>
+        </dgm:pt>
+        <dgm:pt modelId="11">
+          <dgm:prSet phldr="1"/>
+        </dgm:pt>
+        <dgm:pt modelId="2">
+          <dgm:prSet phldr="1"/>
+        </dgm:pt>
+        <dgm:pt modelId="21">
+          <dgm:prSet phldr="1"/>
+        </dgm:pt>
+      </dgm:ptLst>
+      <dgm:cxnLst>
+        <dgm:cxn modelId="4" srcId="0" destId="1" srcOrd="0" destOrd="0"/>
+        <dgm:cxn modelId="5" srcId="0" destId="2" srcOrd="1" destOrd="0"/>
+        <dgm:cxn modelId="12" srcId="1" destId="11" srcOrd="0" destOrd="0"/>
+        <dgm:cxn modelId="23" srcId="2" destId="21" srcOrd="0" destOrd="0"/>
+      </dgm:cxnLst>
+      <dgm:bg/>
+      <dgm:whole/>
+    </dgm:dataModel>
+  </dgm:sampData>
+  <dgm:styleData>
+    <dgm:dataModel>
+      <dgm:ptLst>
+        <dgm:pt modelId="0" type="doc"/>
+        <dgm:pt modelId="1"/>
+        <dgm:pt modelId="2"/>
+      </dgm:ptLst>
+      <dgm:cxnLst>
+        <dgm:cxn modelId="3" srcId="0" destId="1" srcOrd="0" destOrd="0"/>
+        <dgm:cxn modelId="4" srcId="0" destId="2" srcOrd="1" destOrd="0"/>
+      </dgm:cxnLst>
+      <dgm:bg/>
+      <dgm:whole/>
+    </dgm:dataModel>
+  </dgm:styleData>
+  <dgm:clrData>
+    <dgm:dataModel>
+      <dgm:ptLst>
+        <dgm:pt modelId="0" type="doc"/>
+        <dgm:pt modelId="1"/>
+        <dgm:pt modelId="2"/>
+        <dgm:pt modelId="3"/>
+        <dgm:pt modelId="4"/>
+      </dgm:ptLst>
+      <dgm:cxnLst>
+        <dgm:cxn modelId="5" srcId="0" destId="1" srcOrd="0" destOrd="0"/>
+        <dgm:cxn modelId="6" srcId="0" destId="2" srcOrd="1" destOrd="0"/>
+        <dgm:cxn modelId="7" srcId="0" destId="3" srcOrd="2" destOrd="0"/>
+        <dgm:cxn modelId="8" srcId="0" destId="4" srcOrd="3" destOrd="0"/>
+      </dgm:cxnLst>
+      <dgm:bg/>
+      <dgm:whole/>
+    </dgm:dataModel>
+  </dgm:clrData>
+  <dgm:layoutNode name="linear">
+    <dgm:varLst>
+      <dgm:animLvl val="lvl"/>
+      <dgm:resizeHandles val="exact"/>
+    </dgm:varLst>
+    <dgm:alg type="lin">
+      <dgm:param type="linDir" val="fromT"/>
+      <dgm:param type="vertAlign" val="mid"/>
+    </dgm:alg>
+    <dgm:shape xmlns:r="http://schemas.openxmlformats.org/officeDocument/2006/relationships" r:blip="">
+      <dgm:adjLst/>
+    </dgm:shape>
+    <dgm:presOf/>
+    <dgm:constrLst>
+      <dgm:constr type="w" for="ch" forName="parentText" refType="w"/>
+      <dgm:constr type="h" for="ch" forName="parentText" refType="primFontSz" refFor="ch" refForName="parentText" fact="0.52"/>
+      <dgm:constr type="w" for="ch" forName="childText" refType="w"/>
+      <dgm:constr type="h" for="ch" forName="childText" refType="primFontSz" refFor="ch" refForName="parentText" fact="0.46"/>
+      <dgm:constr type="h" for="ch" forName="parentText" op="equ"/>
+      <dgm:constr type="primFontSz" for="ch" forName="parentText" op="equ" val="65"/>
+      <dgm:constr type="primFontSz" for="ch" forName="childText" refType="primFontSz" refFor="ch" refForName="parentText" op="equ"/>
+      <dgm:constr type="h" for="ch" forName="spacer" refType="primFontSz" refFor="ch" refForName="parentText" fact="0.08"/>
+    </dgm:constrLst>
+    <dgm:ruleLst>
+      <dgm:rule type="primFontSz" for="ch" forName="parentText" val="5" fact="NaN" max="NaN"/>
+    </dgm:ruleLst>
+    <dgm:forEach name="Name0" axis="ch" ptType="node">
+      <dgm:layoutNode name="parentText" styleLbl="node1">
+        <dgm:varLst>
+          <dgm:chMax val="0"/>
+          <dgm:bulletEnabled val="1"/>
+        </dgm:varLst>
+        <dgm:alg type="tx">
+          <dgm:param type="parTxLTRAlign" val="l"/>
+          <dgm:param type="parTxRTLAlign" val="r"/>
+        </dgm:alg>
+        <dgm:shape xmlns:r="http://schemas.openxmlformats.org/officeDocument/2006/relationships" type="roundRect" r:blip="">
+          <dgm:adjLst/>
+        </dgm:shape>
+        <dgm:presOf axis="self"/>
+        <dgm:constrLst>
+          <dgm:constr type="tMarg" refType="primFontSz" fact="0.3"/>
+          <dgm:constr type="bMarg" refType="primFontSz" fact="0.3"/>
+          <dgm:constr type="lMarg" refType="primFontSz" fact="0.3"/>
+          <dgm:constr type="rMarg" refType="primFontSz" fact="0.3"/>
+        </dgm:constrLst>
+        <dgm:ruleLst>
+          <dgm:rule type="h" val="INF" fact="NaN" max="NaN"/>
+        </dgm:ruleLst>
+      </dgm:layoutNode>
+      <dgm:choose name="Name1">
+        <dgm:if name="Name2" axis="ch" ptType="node" func="cnt" op="gte" val="1">
+          <dgm:layoutNode name="childText" styleLbl="revTx">
+            <dgm:varLst>
+              <dgm:bulletEnabled val="1"/>
+            </dgm:varLst>
+            <dgm:alg type="tx">
+              <dgm:param type="stBulletLvl" val="1"/>
+              <dgm:param type="lnSpAfChP" val="20"/>
+            </dgm:alg>
+            <dgm:shape xmlns:r="http://schemas.openxmlformats.org/officeDocument/2006/relationships" type="rect" r:blip="">
+              <dgm:adjLst/>
+            </dgm:shape>
+            <dgm:presOf axis="des" ptType="node"/>
+            <dgm:constrLst>
+              <dgm:constr type="tMarg" refType="primFontSz" fact="0.1"/>
+              <dgm:constr type="bMarg" refType="primFontSz" fact="0.1"/>
+              <dgm:constr type="lMarg" refType="w" fact="0.09"/>
+            </dgm:constrLst>
+            <dgm:ruleLst>
+              <dgm:rule type="h" val="INF" fact="NaN" max="NaN"/>
+            </dgm:ruleLst>
+          </dgm:layoutNode>
+        </dgm:if>
+        <dgm:else name="Name3">
+          <dgm:choose name="Name4">
+            <dgm:if name="Name5" axis="par ch" ptType="doc node" func="cnt" op="gte" val="2">
+              <dgm:forEach name="Name6" axis="followSib" ptType="sibTrans" cnt="1">
+                <dgm:layoutNode name="spacer">
+                  <dgm:alg type="sp"/>
+                  <dgm:shape xmlns:r="http://schemas.openxmlformats.org/officeDocument/2006/relationships" r:blip="">
+                    <dgm:adjLst/>
+                  </dgm:shape>
+                  <dgm:presOf/>
+                  <dgm:constrLst/>
+                  <dgm:ruleLst/>
+                </dgm:layoutNode>
+              </dgm:forEach>
+            </dgm:if>
+            <dgm:else name="Name7"/>
+          </dgm:choose>
+        </dgm:else>
+      </dgm:choose>
+    </dgm:forEach>
+  </dgm:layoutNode>
+</dgm:layoutDef>
+</file>
+
 <file path=ppt/diagrams/quickStyle1.xml><?xml version="1.0" encoding="utf-8"?>
+<dgm:styleDef xmlns:dgm="http://schemas.openxmlformats.org/drawingml/2006/diagram" xmlns:a="http://schemas.openxmlformats.org/drawingml/2006/main" uniqueId="urn:microsoft.com/office/officeart/2005/8/quickstyle/simple1">
+  <dgm:title val=""/>
+  <dgm:desc val=""/>
+  <dgm:catLst>
+    <dgm:cat type="simple" pri="10100"/>
+  </dgm:catLst>
+  <dgm:scene3d>
+    <a:camera prst="orthographicFront"/>
+    <a:lightRig rig="threePt" dir="t"/>
+  </dgm:scene3d>
+  <dgm:styleLbl name="node0">
+    <dgm:scene3d>
+      <a:camera prst="orthographicFront"/>
+      <a:lightRig rig="threePt" dir="t"/>
+    </dgm:scene3d>
+    <dgm:sp3d/>
+    <dgm:txPr/>
+    <dgm:style>
+      <a:lnRef idx="2">
+        <a:scrgbClr r="0" g="0" b="0"/>
+      </a:lnRef>
+      <a:fillRef idx="1">
+        <a:scrgbClr r="0" g="0" b="0"/>
+      </a:fillRef>
+      <a:effectRef idx="0">
+        <a:scrgbClr r="0" g="0" b="0"/>
+      </a:effectRef>
+      <a:fontRef idx="minor">
+        <a:schemeClr val="lt1"/>
+      </a:fontRef>
+    </dgm:style>
+  </dgm:styleLbl>
+  <dgm:styleLbl name="lnNode1">
+    <dgm:scene3d>
+      <a:camera prst="orthographicFront"/>
+      <a:lightRig rig="threePt" dir="t"/>
+    </dgm:scene3d>
+    <dgm:sp3d/>
+    <dgm:txPr/>
+    <dgm:style>
+      <a:lnRef idx="2">
+        <a:scrgbClr r="0" g="0" b="0"/>
+      </a:lnRef>
+      <a:fillRef idx="1">
+        <a:scrgbClr r="0" g="0" b="0"/>
+      </a:fillRef>
+      <a:effectRef idx="0">
+        <a:scrgbClr r="0" g="0" b="0"/>
+      </a:effectRef>
+      <a:fontRef idx="minor">
+        <a:schemeClr val="lt1"/>
+      </a:fontRef>
+    </dgm:style>
+  </dgm:styleLbl>
+  <dgm:styleLbl name="vennNode1">
+    <dgm:scene3d>
+      <a:camera prst="orthographicFront"/>
+      <a:lightRig rig="threePt" dir="t"/>
+    </dgm:scene3d>
+    <dgm:sp3d/>
+    <dgm:txPr/>
+    <dgm:style>
+      <a:lnRef idx="2">
+        <a:scrgbClr r="0" g="0" b="0"/>
+      </a:lnRef>
+      <a:fillRef idx="1">
+        <a:scrgbClr r="0" g="0" b="0"/>
+      </a:fillRef>
+      <a:effectRef idx="0">
+        <a:scrgbClr r="0" g="0" b="0"/>
+      </a:effectRef>
+      <a:fontRef idx="minor">
+        <a:schemeClr val="tx1"/>
+      </a:fontRef>
+    </dgm:style>
+  </dgm:styleLbl>
+  <dgm:styleLbl name="alignNode1">
+    <dgm:scene3d>
+      <a:camera prst="orthographicFront"/>
+      <a:lightRig rig="threePt" dir="t"/>
+    </dgm:scene3d>
+    <dgm:sp3d/>
+    <dgm:txPr/>
+    <dgm:style>
+      <a:lnRef idx="2">
+        <a:scrgbClr r="0" g="0" b="0"/>
+      </a:lnRef>
+      <a:fillRef idx="1">
+        <a:scrgbClr r="0" g="0" b="0"/>
+      </a:fillRef>
+      <a:effectRef idx="0">
+        <a:scrgbClr r="0" g="0" b="0"/>
+      </a:effectRef>
+      <a:fontRef idx="minor">
+        <a:schemeClr val="lt1"/>
+      </a:fontRef>
+    </dgm:style>
+  </dgm:styleLbl>
+  <dgm:styleLbl name="node1">
+    <dgm:scene3d>
+      <a:camera prst="orthographicFront"/>
+      <a:lightRig rig="threePt" dir="t"/>
+    </dgm:scene3d>
+    <dgm:sp3d/>
+    <dgm:txPr/>
+    <dgm:style>
+      <a:lnRef idx="2">
+        <a:scrgbClr r="0" g="0" b="0"/>
+      </a:lnRef>
+      <a:fillRef idx="1">
+        <a:scrgbClr r="0" g="0" b="0"/>
+      </a:fillRef>
+      <a:effectRef idx="0">
+        <a:scrgbClr r="0" g="0" b="0"/>
+      </a:effectRef>
+      <a:fontRef idx="minor">
+        <a:schemeClr val="lt1"/>
+      </a:fontRef>
+    </dgm:style>
+  </dgm:styleLbl>
+  <dgm:styleLbl name="node2">
+    <dgm:scene3d>
+      <a:camera prst="orthographicFront"/>
+      <a:lightRig rig="threePt" dir="t"/>
+    </dgm:scene3d>
+    <dgm:sp3d/>
+    <dgm:txPr/>
+    <dgm:style>
+      <a:lnRef idx="2">
+        <a:scrgbClr r="0" g="0" b="0"/>
+      </a:lnRef>
+      <a:fillRef idx="1">
+        <a:scrgbClr r="0" g="0" b="0"/>
+      </a:fillRef>
+      <a:effectRef idx="0">
+        <a:scrgbClr r="0" g="0" b="0"/>
+      </a:effectRef>
+      <a:fontRef idx="minor">
+        <a:schemeClr val="lt1"/>
+      </a:fontRef>
+    </dgm:style>
+  </dgm:styleLbl>
+  <dgm:styleLbl name="node3">
+    <dgm:scene3d>
+      <a:camera prst="orthographicFront"/>
+      <a:lightRig rig="threePt" dir="t"/>
+    </dgm:scene3d>
+    <dgm:sp3d/>
+    <dgm:txPr/>
+    <dgm:style>
+      <a:lnRef idx="2">
+        <a:scrgbClr r="0" g="0" b="0"/>
+      </a:lnRef>
+      <a:fillRef idx="1">
+        <a:scrgbClr r="0" g="0" b="0"/>
+      </a:fillRef>
+      <a:effectRef idx="0">
+        <a:scrgbClr r="0" g="0" b="0"/>
+      </a:effectRef>
+      <a:fontRef idx="minor">
+        <a:schemeClr val="lt1"/>
+      </a:fontRef>
+    </dgm:style>
+  </dgm:styleLbl>
+  <dgm:styleLbl name="node4">
+    <dgm:scene3d>
+      <a:camera prst="orthographicFront"/>
+      <a:lightRig rig="threePt" dir="t"/>
+    </dgm:scene3d>
+    <dgm:sp3d/>
+    <dgm:txPr/>
+    <dgm:style>
+      <a:lnRef idx="2">
+        <a:scrgbClr r="0" g="0" b="0"/>
+      </a:lnRef>
+      <a:fillRef idx="1">
+        <a:scrgbClr r="0" g="0" b="0"/>
+      </a:fillRef>
+      <a:effectRef idx="0">
+        <a:scrgbClr r="0" g="0" b="0"/>
+      </a:effectRef>
+      <a:fontRef idx="minor">
+        <a:schemeClr val="lt1"/>
+      </a:fontRef>
+    </dgm:style>
+  </dgm:styleLbl>
+  <dgm:styleLbl name="fgImgPlace1">
+    <dgm:scene3d>
+      <a:camera prst="orthographicFront"/>
+      <a:lightRig rig="threePt" dir="t"/>
+    </dgm:scene3d>
+    <dgm:sp3d/>
+    <dgm:txPr/>
+    <dgm:style>
+      <a:lnRef idx="2">
+        <a:scrgbClr r="0" g="0" b="0"/>
+      </a:lnRef>
+      <a:fillRef idx="1">
+        <a:scrgbClr r="0" g="0" b="0"/>
+      </a:fillRef>
+      <a:effectRef idx="0">
+        <a:scrgbClr r="0" g="0" b="0"/>
+      </a:effectRef>
+      <a:fontRef idx="minor"/>
+    </dgm:style>
+  </dgm:styleLbl>
+  <dgm:styleLbl name="alignImgPlace1">
+    <dgm:scene3d>
+      <a:camera prst="orthographicFront"/>
+      <a:lightRig rig="threePt" dir="t"/>
+    </dgm:scene3d>
+    <dgm:sp3d/>
+    <dgm:txPr/>
+    <dgm:style>
+      <a:lnRef idx="2">
+        <a:scrgbClr r="0" g="0" b="0"/>
+      </a:lnRef>
+      <a:fillRef idx="1">
+        <a:scrgbClr r="0" g="0" b="0"/>
+      </a:fillRef>
+      <a:effectRef idx="0">
+        <a:scrgbClr r="0" g="0" b="0"/>
+      </a:effectRef>
+      <a:fontRef idx="minor"/>
+    </dgm:style>
+  </dgm:styleLbl>
+  <dgm:styleLbl name="bgImgPlace1">
+    <dgm:scene3d>
+      <a:camera prst="orthographicFront"/>
+      <a:lightRig rig="threePt" dir="t"/>
+    </dgm:scene3d>
+    <dgm:sp3d/>
+    <dgm:txPr/>
+    <dgm:style>
+      <a:lnRef idx="2">
+        <a:scrgbClr r="0" g="0" b="0"/>
+      </a:lnRef>
+      <a:fillRef idx="1">
+        <a:scrgbClr r="0" g="0" b="0"/>
+      </a:fillRef>
+      <a:effectRef idx="0">
+        <a:scrgbClr r="0" g="0" b="0"/>
+      </a:effectRef>
+      <a:fontRef idx="minor"/>
+    </dgm:style>
+  </dgm:styleLbl>
+  <dgm:styleLbl name="sibTrans2D1">
+    <dgm:scene3d>
+      <a:camera prst="orthographicFront"/>
+      <a:lightRig rig="threePt" dir="t"/>
+    </dgm:scene3d>
+    <dgm:sp3d/>
+    <dgm:txPr/>
+    <dgm:style>
+      <a:lnRef idx="0">
+        <a:scrgbClr r="0" g="0" b="0"/>
+      </a:lnRef>
+      <a:fillRef idx="1">
+        <a:scrgbClr r="0" g="0" b="0"/>
+      </a:fillRef>
+      <a:effectRef idx="0">
+        <a:scrgbClr r="0" g="0" b="0"/>
+      </a:effectRef>
+      <a:fontRef idx="minor">
+        <a:schemeClr val="lt1"/>
+      </a:fontRef>
+    </dgm:style>
+  </dgm:styleLbl>
+  <dgm:styleLbl name="fgSibTrans2D1">
+    <dgm:scene3d>
+      <a:camera prst="orthographicFront"/>
+      <a:lightRig rig="threePt" dir="t"/>
+    </dgm:scene3d>
+    <dgm:sp3d/>
+    <dgm:txPr/>
+    <dgm:style>
+      <a:lnRef idx="0">
+        <a:scrgbClr r="0" g="0" b="0"/>
+      </a:lnRef>
+      <a:fillRef idx="1">
+        <a:scrgbClr r="0" g="0" b="0"/>
+      </a:fillRef>
+      <a:effectRef idx="0">
+        <a:scrgbClr r="0" g="0" b="0"/>
+      </a:effectRef>
+      <a:fontRef idx="minor">
+        <a:schemeClr val="lt1"/>
+      </a:fontRef>
+    </dgm:style>
+  </dgm:styleLbl>
+  <dgm:styleLbl name="bgSibTrans2D1">
+    <dgm:scene3d>
+      <a:camera prst="orthographicFront"/>
+      <a:lightRig rig="threePt" dir="t"/>
+    </dgm:scene3d>
+    <dgm:sp3d/>
+    <dgm:txPr/>
+    <dgm:style>
+      <a:lnRef idx="0">
+        <a:scrgbClr r="0" g="0" b="0"/>
+      </a:lnRef>
+      <a:fillRef idx="1">
+        <a:scrgbClr r="0" g="0" b="0"/>
+      </a:fillRef>
+      <a:effectRef idx="0">
+        <a:scrgbClr r="0" g="0" b="0"/>
+      </a:effectRef>
+      <a:fontRef idx="minor">
+        <a:schemeClr val="lt1"/>
+      </a:fontRef>
+    </dgm:style>
+  </dgm:styleLbl>
+  <dgm:styleLbl name="sibTrans1D1">
+    <dgm:scene3d>
+      <a:camera prst="orthographicFront"/>
+      <a:lightRig rig="threePt" dir="t"/>
+    </dgm:scene3d>
+    <dgm:sp3d/>
+    <dgm:txPr/>
+    <dgm:style>
+      <a:lnRef idx="1">
+        <a:scrgbClr r="0" g="0" b="0"/>
+      </a:lnRef>
+      <a:fillRef idx="0">
+        <a:scrgbClr r="0" g="0" b="0"/>
+      </a:fillRef>
+      <a:effectRef idx="0">
+        <a:scrgbClr r="0" g="0" b="0"/>
+      </a:effectRef>
+      <a:fontRef idx="minor"/>
+    </dgm:style>
+  </dgm:styleLbl>
+  <dgm:styleLbl name="callout">
+    <dgm:scene3d>
+      <a:camera prst="orthographicFront"/>
+      <a:lightRig rig="threePt" dir="t"/>
+    </dgm:scene3d>
+    <dgm:sp3d/>
+    <dgm:txPr/>
+    <dgm:style>
+      <a:lnRef idx="2">
+        <a:scrgbClr r="0" g="0" b="0"/>
+      </a:lnRef>
+      <a:fillRef idx="1">
+        <a:scrgbClr r="0" g="0" b="0"/>
+      </a:fillRef>
+      <a:effectRef idx="0">
+        <a:scrgbClr r="0" g="0" b="0"/>
+      </a:effectRef>
+      <a:fontRef idx="minor"/>
+    </dgm:style>
+  </dgm:styleLbl>
+  <dgm:styleLbl name="asst0">
+    <dgm:scene3d>
+      <a:camera prst="orthographicFront"/>
+      <a:lightRig rig="threePt" dir="t"/>
+    </dgm:scene3d>
+    <dgm:sp3d/>
+    <dgm:txPr/>
+    <dgm:style>
+      <a:lnRef idx="2">
+        <a:scrgbClr r="0" g="0" b="0"/>
+      </a:lnRef>
+      <a:fillRef idx="1">
+        <a:scrgbClr r="0" g="0" b="0"/>
+      </a:fillRef>
+      <a:effectRef idx="0">
+        <a:scrgbClr r="0" g="0" b="0"/>
+      </a:effectRef>
+      <a:fontRef idx="minor">
+        <a:schemeClr val="lt1"/>
+      </a:fontRef>
+    </dgm:style>
+  </dgm:styleLbl>
+  <dgm:styleLbl name="asst1">
+    <dgm:scene3d>
+      <a:camera prst="orthographicFront"/>
+      <a:lightRig rig="threePt" dir="t"/>
+    </dgm:scene3d>
+    <dgm:sp3d/>
+    <dgm:txPr/>
+    <dgm:style>
+      <a:lnRef idx="2">
+        <a:scrgbClr r="0" g="0" b="0"/>
+      </a:lnRef>
+      <a:fillRef idx="1">
+        <a:scrgbClr r="0" g="0" b="0"/>
+      </a:fillRef>
+      <a:effectRef idx="0">
+        <a:scrgbClr r="0" g="0" b="0"/>
+      </a:effectRef>
+      <a:fontRef idx="minor">
+        <a:schemeClr val="lt1"/>
+      </a:fontRef>
+    </dgm:style>
+  </dgm:styleLbl>
+  <dgm:styleLbl name="asst2">
+    <dgm:scene3d>
+      <a:camera prst="orthographicFront"/>
+      <a:lightRig rig="threePt" dir="t"/>
+    </dgm:scene3d>
+    <dgm:sp3d/>
+    <dgm:txPr/>
+    <dgm:style>
+      <a:lnRef idx="2">
+        <a:scrgbClr r="0" g="0" b="0"/>
+      </a:lnRef>
+      <a:fillRef idx="1">
+        <a:scrgbClr r="0" g="0" b="0"/>
+      </a:fillRef>
+      <a:effectRef idx="0">
+        <a:scrgbClr r="0" g="0" b="0"/>
+      </a:effectRef>
+      <a:fontRef idx="minor">
+        <a:schemeClr val="lt1"/>
+      </a:fontRef>
+    </dgm:style>
+  </dgm:styleLbl>
+  <dgm:styleLbl name="asst3">
+    <dgm:scene3d>
+      <a:camera prst="orthographicFront"/>
+      <a:lightRig rig="threePt" dir="t"/>
+    </dgm:scene3d>
+    <dgm:sp3d/>
+    <dgm:txPr/>
+    <dgm:style>
+      <a:lnRef idx="2">
+        <a:scrgbClr r="0" g="0" b="0"/>
+      </a:lnRef>
+      <a:fillRef idx="1">
+        <a:scrgbClr r="0" g="0" b="0"/>
+      </a:fillRef>
+      <a:effectRef idx="0">
+        <a:scrgbClr r="0" g="0" b="0"/>
+      </a:effectRef>
+      <a:fontRef idx="minor">
+        <a:schemeClr val="lt1"/>
+      </a:fontRef>
+    </dgm:style>
+  </dgm:styleLbl>
+  <dgm:styleLbl name="asst4">
+    <dgm:scene3d>
+      <a:camera prst="orthographicFront"/>
+      <a:lightRig rig="threePt" dir="t"/>
+    </dgm:scene3d>
+    <dgm:sp3d/>
+    <dgm:txPr/>
+    <dgm:style>
+      <a:lnRef idx="2">
+        <a:scrgbClr r="0" g="0" b="0"/>
+      </a:lnRef>
+      <a:fillRef idx="1">
+        <a:scrgbClr r="0" g="0" b="0"/>
+      </a:fillRef>
+      <a:effectRef idx="0">
+        <a:scrgbClr r="0" g="0" b="0"/>
+      </a:effectRef>
+      <a:fontRef idx="minor">
+        <a:schemeClr val="lt1"/>
+      </a:fontRef>
+    </dgm:style>
+  </dgm:styleLbl>
+  <dgm:styleLbl name="parChTrans2D1">
+    <dgm:scene3d>
+      <a:camera prst="orthographicFront"/>
+      <a:lightRig rig="threePt" dir="t"/>
+    </dgm:scene3d>
+    <dgm:sp3d/>
+    <dgm:txPr/>
+    <dgm:style>
+      <a:lnRef idx="2">
+        <a:scrgbClr r="0" g="0" b="0"/>
+      </a:lnRef>
+      <a:fillRef idx="1">
+        <a:scrgbClr r="0" g="0" b="0"/>
+      </a:fillRef>
+      <a:effectRef idx="0">
+        <a:scrgbClr r="0" g="0" b="0"/>
+      </a:effectRef>
+      <a:fontRef idx="minor">
+        <a:schemeClr val="lt1"/>
+      </a:fontRef>
+    </dgm:style>
+  </dgm:styleLbl>
+  <dgm:styleLbl name="parChTrans2D2">
+    <dgm:scene3d>
+      <a:camera prst="orthographicFront"/>
+      <a:lightRig rig="threePt" dir="t"/>
+    </dgm:scene3d>
+    <dgm:sp3d/>
+    <dgm:txPr/>
+    <dgm:style>
+      <a:lnRef idx="2">
+        <a:scrgbClr r="0" g="0" b="0"/>
+      </a:lnRef>
+      <a:fillRef idx="1">
+        <a:scrgbClr r="0" g="0" b="0"/>
+      </a:fillRef>
+      <a:effectRef idx="0">
+        <a:scrgbClr r="0" g="0" b="0"/>
+      </a:effectRef>
+      <a:fontRef idx="minor">
+        <a:schemeClr val="lt1"/>
+      </a:fontRef>
+    </dgm:style>
+  </dgm:styleLbl>
+  <dgm:styleLbl name="parChTrans2D3">
+    <dgm:scene3d>
+      <a:camera prst="orthographicFront"/>
+      <a:lightRig rig="threePt" dir="t"/>
+    </dgm:scene3d>
+    <dgm:sp3d/>
+    <dgm:txPr/>
+    <dgm:style>
+      <a:lnRef idx="2">
+        <a:scrgbClr r="0" g="0" b="0"/>
+      </a:lnRef>
+      <a:fillRef idx="1">
+        <a:scrgbClr r="0" g="0" b="0"/>
+      </a:fillRef>
+      <a:effectRef idx="0">
+        <a:scrgbClr r="0" g="0" b="0"/>
+      </a:effectRef>
+      <a:fontRef idx="minor">
+        <a:schemeClr val="lt1"/>
+      </a:fontRef>
+    </dgm:style>
+  </dgm:styleLbl>
+  <dgm:styleLbl name="parChTrans2D4">
+    <dgm:scene3d>
+      <a:camera prst="orthographicFront"/>
+      <a:lightRig rig="threePt" dir="t"/>
+    </dgm:scene3d>
+    <dgm:sp3d/>
+    <dgm:txPr/>
+    <dgm:style>
+      <a:lnRef idx="2">
+        <a:scrgbClr r="0" g="0" b="0"/>
+      </a:lnRef>
+      <a:fillRef idx="1">
+        <a:scrgbClr r="0" g="0" b="0"/>
+      </a:fillRef>
+      <a:effectRef idx="0">
+        <a:scrgbClr r="0" g="0" b="0"/>
+      </a:effectRef>
+      <a:fontRef idx="minor">
+        <a:schemeClr val="lt1"/>
+      </a:fontRef>
+    </dgm:style>
+  </dgm:styleLbl>
+  <dgm:styleLbl name="parChTrans1D1">
+    <dgm:scene3d>
+      <a:camera prst="orthographicFront"/>
+      <a:lightRig rig="threePt" dir="t"/>
+    </dgm:scene3d>
+    <dgm:sp3d/>
+    <dgm:txPr/>
+    <dgm:style>
+      <a:lnRef idx="2">
+        <a:scrgbClr r="0" g="0" b="0"/>
+      </a:lnRef>
+      <a:fillRef idx="0">
+        <a:scrgbClr r="0" g="0" b="0"/>
+      </a:fillRef>
+      <a:effectRef idx="0">
+        <a:scrgbClr r="0" g="0" b="0"/>
+      </a:effectRef>
+      <a:fontRef idx="minor"/>
+    </dgm:style>
+  </dgm:styleLbl>
+  <dgm:styleLbl name="parChTrans1D2">
+    <dgm:scene3d>
+      <a:camera prst="orthographicFront"/>
+      <a:lightRig rig="threePt" dir="t"/>
+    </dgm:scene3d>
+    <dgm:sp3d/>
+    <dgm:txPr/>
+    <dgm:style>
+      <a:lnRef idx="2">
+        <a:scrgbClr r="0" g="0" b="0"/>
+      </a:lnRef>
+      <a:fillRef idx="0">
+        <a:scrgbClr r="0" g="0" b="0"/>
+      </a:fillRef>
+      <a:effectRef idx="0">
+        <a:scrgbClr r="0" g="0" b="0"/>
+      </a:effectRef>
+      <a:fontRef idx="minor"/>
+    </dgm:style>
+  </dgm:styleLbl>
+  <dgm:styleLbl name="parChTrans1D3">
+    <dgm:scene3d>
+      <a:camera prst="orthographicFront"/>
+      <a:lightRig rig="threePt" dir="t"/>
+    </dgm:scene3d>
+    <dgm:sp3d/>
+    <dgm:txPr/>
+    <dgm:style>
+      <a:lnRef idx="2">
+        <a:scrgbClr r="0" g="0" b="0"/>
+      </a:lnRef>
+      <a:fillRef idx="0">
+        <a:scrgbClr r="0" g="0" b="0"/>
+      </a:fillRef>
+      <a:effectRef idx="0">
+        <a:scrgbClr r="0" g="0" b="0"/>
+      </a:effectRef>
+      <a:fontRef idx="minor"/>
+    </dgm:style>
+  </dgm:styleLbl>
+  <dgm:styleLbl name="parChTrans1D4">
+    <dgm:scene3d>
+      <a:camera prst="orthographicFront"/>
+      <a:lightRig rig="threePt" dir="t"/>
+    </dgm:scene3d>
+    <dgm:sp3d/>
+    <dgm:txPr/>
+    <dgm:style>
+      <a:lnRef idx="2">
+        <a:scrgbClr r="0" g="0" b="0"/>
+      </a:lnRef>
+      <a:fillRef idx="0">
+        <a:scrgbClr r="0" g="0" b="0"/>
+      </a:fillRef>
+      <a:effectRef idx="0">
+        <a:scrgbClr r="0" g="0" b="0"/>
+      </a:effectRef>
+      <a:fontRef idx="minor"/>
+    </dgm:style>
+  </dgm:styleLbl>
+  <dgm:styleLbl name="fgAcc1">
+    <dgm:scene3d>
+      <a:camera prst="orthographicFront"/>
+      <a:lightRig rig="threePt" dir="t"/>
+    </dgm:scene3d>
+    <dgm:sp3d/>
+    <dgm:txPr/>
+    <dgm:style>
+      <a:lnRef idx="2">
+        <a:scrgbClr r="0" g="0" b="0"/>
+      </a:lnRef>
+      <a:fillRef idx="1">
+        <a:scrgbClr r="0" g="0" b="0"/>
+      </a:fillRef>
+      <a:effectRef idx="0">
+        <a:scrgbClr r="0" g="0" b="0"/>
+      </a:effectRef>
+      <a:fontRef idx="minor"/>
+    </dgm:style>
+  </dgm:styleLbl>
+  <dgm:styleLbl name="conFgAcc1">
+    <dgm:scene3d>
+      <a:camera prst="orthographicFront"/>
+      <a:lightRig rig="threePt" dir="t"/>
+    </dgm:scene3d>
+    <dgm:sp3d/>
+    <dgm:txPr/>
+    <dgm:style>
+      <a:lnRef idx="2">
+        <a:scrgbClr r="0" g="0" b="0"/>
+      </a:lnRef>
+      <a:fillRef idx="1">
+        <a:scrgbClr r="0" g="0" b="0"/>
+      </a:fillRef>
+      <a:effectRef idx="0">
+        <a:scrgbClr r="0" g="0" b="0"/>
+      </a:effectRef>
+      <a:fontRef idx="minor"/>
+    </dgm:style>
+  </dgm:styleLbl>
+  <dgm:styleLbl name="alignAcc1">
+    <dgm:scene3d>
+      <a:camera prst="orthographicFront"/>
+      <a:lightRig rig="threePt" dir="t"/>
+    </dgm:scene3d>
+    <dgm:sp3d/>
+    <dgm:txPr/>
+    <dgm:style>
+      <a:lnRef idx="2">
+        <a:scrgbClr r="0" g="0" b="0"/>
+      </a:lnRef>
+      <a:fillRef idx="1">
+        <a:scrgbClr r="0" g="0" b="0"/>
+      </a:fillRef>
+      <a:effectRef idx="0">
+        <a:scrgbClr r="0" g="0" b="0"/>
+      </a:effectRef>
+      <a:fontRef idx="minor"/>
+    </dgm:style>
+  </dgm:styleLbl>
+  <dgm:styleLbl name="trAlignAcc1">
+    <dgm:scene3d>
+      <a:camera prst="orthographicFront"/>
+      <a:lightRig rig="threePt" dir="t"/>
+    </dgm:scene3d>
+    <dgm:sp3d/>
+    <dgm:txPr/>
+    <dgm:style>
+      <a:lnRef idx="1">
+        <a:scrgbClr r="0" g="0" b="0"/>
+      </a:lnRef>
+      <a:fillRef idx="1">
+        <a:scrgbClr r="0" g="0" b="0"/>
+      </a:fillRef>
+      <a:effectRef idx="0">
+        <a:scrgbClr r="0" g="0" b="0"/>
+      </a:effectRef>
+      <a:fontRef idx="minor"/>
+    </dgm:style>
+  </dgm:styleLbl>
+  <dgm:styleLbl name="bgAcc1">
+    <dgm:scene3d>
+      <a:camera prst="orthographicFront"/>
+      <a:lightRig rig="threePt" dir="t"/>
+    </dgm:scene3d>
+    <dgm:sp3d/>
+    <dgm:txPr/>
+    <dgm:style>
+      <a:lnRef idx="2">
+        <a:scrgbClr r="0" g="0" b="0"/>
+      </a:lnRef>
+      <a:fillRef idx="1">
+        <a:scrgbClr r="0" g="0" b="0"/>
+      </a:fillRef>
+      <a:effectRef idx="0">
+        <a:scrgbClr r="0" g="0" b="0"/>
+      </a:effectRef>
+      <a:fontRef idx="minor"/>
+    </dgm:style>
+  </dgm:styleLbl>
+  <dgm:styleLbl name="solidFgAcc1">
+    <dgm:scene3d>
+      <a:camera prst="orthographicFront"/>
+      <a:lightRig rig="threePt" dir="t"/>
+    </dgm:scene3d>
+    <dgm:sp3d/>
+    <dgm:txPr/>
+    <dgm:style>
+      <a:lnRef idx="2">
+        <a:scrgbClr r="0" g="0" b="0"/>
+      </a:lnRef>
+      <a:fillRef idx="1">
+        <a:scrgbClr r="0" g="0" b="0"/>
+      </a:fillRef>
+      <a:effectRef idx="0">
+        <a:scrgbClr r="0" g="0" b="0"/>
+      </a:effectRef>
+      <a:fontRef idx="minor"/>
+    </dgm:style>
+  </dgm:styleLbl>
+  <dgm:styleLbl name="solidAlignAcc1">
+    <dgm:scene3d>
+      <a:camera prst="orthographicFront"/>
+      <a:lightRig rig="threePt" dir="t"/>
+    </dgm:scene3d>
+    <dgm:sp3d/>
+    <dgm:txPr/>
+    <dgm:style>
+      <a:lnRef idx="2">
+        <a:scrgbClr r="0" g="0" b="0"/>
+      </a:lnRef>
+      <a:fillRef idx="1">
+        <a:scrgbClr r="0" g="0" b="0"/>
+      </a:fillRef>
+      <a:effectRef idx="0">
+        <a:scrgbClr r="0" g="0" b="0"/>
+      </a:effectRef>
+      <a:fontRef idx="minor"/>
+    </dgm:style>
+  </dgm:styleLbl>
+  <dgm:styleLbl name="solidBgAcc1">
+    <dgm:scene3d>
+      <a:camera prst="orthographicFront"/>
+      <a:lightRig rig="threePt" dir="t"/>
+    </dgm:scene3d>
+    <dgm:sp3d/>
+    <dgm:txPr/>
+    <dgm:style>
+      <a:lnRef idx="2">
+        <a:scrgbClr r="0" g="0" b="0"/>
+      </a:lnRef>
+      <a:fillRef idx="1">
+        <a:scrgbClr r="0" g="0" b="0"/>
+      </a:fillRef>
+      <a:effectRef idx="0">
+        <a:scrgbClr r="0" g="0" b="0"/>
+      </a:effectRef>
+      <a:fontRef idx="minor"/>
+    </dgm:style>
+  </dgm:styleLbl>
+  <dgm:styleLbl name="fgAccFollowNode1">
+    <dgm:scene3d>
+      <a:camera prst="orthographicFront"/>
+      <a:lightRig rig="threePt" dir="t"/>
+    </dgm:scene3d>
+    <dgm:sp3d/>
+    <dgm:txPr/>
+    <dgm:style>
+      <a:lnRef idx="2">
+        <a:scrgbClr r="0" g="0" b="0"/>
+      </a:lnRef>
+      <a:fillRef idx="1">
+        <a:scrgbClr r="0" g="0" b="0"/>
+      </a:fillRef>
+      <a:effectRef idx="0">
+        <a:scrgbClr r="0" g="0" b="0"/>
+      </a:effectRef>
+      <a:fontRef idx="minor"/>
+    </dgm:style>
+  </dgm:styleLbl>
+  <dgm:styleLbl name="alignAccFollowNode1">
+    <dgm:scene3d>
+      <a:camera prst="orthographicFront"/>
+      <a:lightRig rig="threePt" dir="t"/>
+    </dgm:scene3d>
+    <dgm:sp3d/>
+    <dgm:txPr/>
+    <dgm:style>
+      <a:lnRef idx="2">
+        <a:scrgbClr r="0" g="0" b="0"/>
+      </a:lnRef>
+      <a:fillRef idx="1">
+        <a:scrgbClr r="0" g="0" b="0"/>
+      </a:fillRef>
+      <a:effectRef idx="0">
+        <a:scrgbClr r="0" g="0" b="0"/>
+      </a:effectRef>
+      <a:fontRef idx="minor"/>
+    </dgm:style>
+  </dgm:styleLbl>
+  <dgm:styleLbl name="bgAccFollowNode1">
+    <dgm:scene3d>
+      <a:camera prst="orthographicFront"/>
+      <a:lightRig rig="threePt" dir="t"/>
+    </dgm:scene3d>
+    <dgm:sp3d/>
+    <dgm:txPr/>
+    <dgm:style>
+      <a:lnRef idx="2">
+        <a:scrgbClr r="0" g="0" b="0"/>
+      </a:lnRef>
+      <a:fillRef idx="1">
+        <a:scrgbClr r="0" g="0" b="0"/>
+      </a:fillRef>
+      <a:effectRef idx="0">
+        <a:scrgbClr r="0" g="0" b="0"/>
+      </a:effectRef>
+      <a:fontRef idx="minor"/>
+    </dgm:style>
+  </dgm:styleLbl>
+  <dgm:styleLbl name="fgAcc0">
+    <dgm:scene3d>
+      <a:camera prst="orthographicFront"/>
+      <a:lightRig rig="threePt" dir="t"/>
+    </dgm:scene3d>
+    <dgm:sp3d/>
+    <dgm:txPr/>
+    <dgm:style>
+      <a:lnRef idx="2">
+        <a:scrgbClr r="0" g="0" b="0"/>
+      </a:lnRef>
+      <a:fillRef idx="1">
+        <a:scrgbClr r="0" g="0" b="0"/>
+      </a:fillRef>
+      <a:effectRef idx="0">
+        <a:scrgbClr r="0" g="0" b="0"/>
+      </a:effectRef>
+      <a:fontRef idx="minor"/>
+    </dgm:style>
+  </dgm:styleLbl>
+  <dgm:styleLbl name="fgAcc2">
+    <dgm:scene3d>
+      <a:camera prst="orthographicFront"/>
+      <a:lightRig rig="threePt" dir="t"/>
+    </dgm:scene3d>
+    <dgm:sp3d/>
+    <dgm:txPr/>
+    <dgm:style>
+      <a:lnRef idx="2">
+        <a:scrgbClr r="0" g="0" b="0"/>
+      </a:lnRef>
+      <a:fillRef idx="1">
+        <a:scrgbClr r="0" g="0" b="0"/>
+      </a:fillRef>
+      <a:effectRef idx="0">
+        <a:scrgbClr r="0" g="0" b="0"/>
+      </a:effectRef>
+      <a:fontRef idx="minor"/>
+    </dgm:style>
+  </dgm:styleLbl>
+  <dgm:styleLbl name="fgAcc3">
+    <dgm:scene3d>
+      <a:camera prst="orthographicFront"/>
+      <a:lightRig rig="threePt" dir="t"/>
+    </dgm:scene3d>
+    <dgm:sp3d/>
+    <dgm:txPr/>
+    <dgm:style>
+      <a:lnRef idx="2">
+        <a:scrgbClr r="0" g="0" b="0"/>
+      </a:lnRef>
+      <a:fillRef idx="1">
+        <a:scrgbClr r="0" g="0" b="0"/>
+      </a:fillRef>
+      <a:effectRef idx="0">
+        <a:scrgbClr r="0" g="0" b="0"/>
+      </a:effectRef>
+      <a:fontRef idx="minor"/>
+    </dgm:style>
+  </dgm:styleLbl>
+  <dgm:styleLbl name="fgAcc4">
+    <dgm:scene3d>
+      <a:camera prst="orthographicFront"/>
+      <a:lightRig rig="threePt" dir="t"/>
+    </dgm:scene3d>
+    <dgm:sp3d/>
+    <dgm:txPr/>
+    <dgm:style>
+      <a:lnRef idx="2">
+        <a:scrgbClr r="0" g="0" b="0"/>
+      </a:lnRef>
+      <a:fillRef idx="1">
+        <a:scrgbClr r="0" g="0" b="0"/>
+      </a:fillRef>
+      <a:effectRef idx="0">
+        <a:scrgbClr r="0" g="0" b="0"/>
+      </a:effectRef>
+      <a:fontRef idx="minor"/>
+    </dgm:style>
+  </dgm:styleLbl>
+  <dgm:styleLbl name="bgShp">
+    <dgm:scene3d>
+      <a:camera prst="orthographicFront"/>
+      <a:lightRig rig="threePt" dir="t"/>
+    </dgm:scene3d>
+    <dgm:sp3d/>
+    <dgm:txPr/>
+    <dgm:style>
+      <a:lnRef idx="0">
+        <a:scrgbClr r="0" g="0" b="0"/>
+      </a:lnRef>
+      <a:fillRef idx="1">
+        <a:scrgbClr r="0" g="0" b="0"/>
+      </a:fillRef>
+      <a:effectRef idx="0">
+        <a:scrgbClr r="0" g="0" b="0"/>
+      </a:effectRef>
+      <a:fontRef idx="minor"/>
+    </dgm:style>
+  </dgm:styleLbl>
+  <dgm:styleLbl name="dkBgShp">
+    <dgm:scene3d>
+      <a:camera prst="orthographicFront"/>
+      <a:lightRig rig="threePt" dir="t"/>
+    </dgm:scene3d>
+    <dgm:sp3d/>
+    <dgm:txPr/>
+    <dgm:style>
+      <a:lnRef idx="0">
+        <a:scrgbClr r="0" g="0" b="0"/>
+      </a:lnRef>
+      <a:fillRef idx="1">
+        <a:scrgbClr r="0" g="0" b="0"/>
+      </a:fillRef>
+      <a:effectRef idx="0">
+        <a:scrgbClr r="0" g="0" b="0"/>
+      </a:effectRef>
+      <a:fontRef idx="minor"/>
+    </dgm:style>
+  </dgm:styleLbl>
+  <dgm:styleLbl name="trBgShp">
+    <dgm:scene3d>
+      <a:camera prst="orthographicFront"/>
+      <a:lightRig rig="threePt" dir="t"/>
+    </dgm:scene3d>
+    <dgm:sp3d/>
+    <dgm:txPr/>
+    <dgm:style>
+      <a:lnRef idx="0">
+        <a:scrgbClr r="0" g="0" b="0"/>
+      </a:lnRef>
+      <a:fillRef idx="1">
+        <a:scrgbClr r="0" g="0" b="0"/>
+      </a:fillRef>
+      <a:effectRef idx="0">
+        <a:scrgbClr r="0" g="0" b="0"/>
+      </a:effectRef>
+      <a:fontRef idx="minor"/>
+    </dgm:style>
+  </dgm:styleLbl>
+  <dgm:styleLbl name="fgShp">
+    <dgm:scene3d>
+      <a:camera prst="orthographicFront"/>
+      <a:lightRig rig="threePt" dir="t"/>
+    </dgm:scene3d>
+    <dgm:sp3d/>
+    <dgm:txPr/>
+    <dgm:style>
+      <a:lnRef idx="2">
+        <a:scrgbClr r="0" g="0" b="0"/>
+      </a:lnRef>
+      <a:fillRef idx="1">
+        <a:scrgbClr r="0" g="0" b="0"/>
+      </a:fillRef>
+      <a:effectRef idx="0">
+        <a:scrgbClr r="0" g="0" b="0"/>
+      </a:effectRef>
+      <a:fontRef idx="minor"/>
+    </dgm:style>
+  </dgm:styleLbl>
+  <dgm:styleLbl name="revTx">
+    <dgm:scene3d>
+      <a:camera prst="orthographicFront"/>
+      <a:lightRig rig="threePt" dir="t"/>
+    </dgm:scene3d>
+    <dgm:sp3d/>
+    <dgm:txPr/>
+    <dgm:style>
+      <a:lnRef idx="0">
+        <a:scrgbClr r="0" g="0" b="0"/>
+      </a:lnRef>
+      <a:fillRef idx="0">
+        <a:scrgbClr r="0" g="0" b="0"/>
+      </a:fillRef>
+      <a:effectRef idx="0">
+        <a:scrgbClr r="0" g="0" b="0"/>
+      </a:effectRef>
+      <a:fontRef idx="minor"/>
+    </dgm:style>
+  </dgm:styleLbl>
+</dgm:styleDef>
+</file>
+
+<file path=ppt/diagrams/quickStyle2.xml><?xml version="1.0" encoding="utf-8"?>
+<dgm:styleDef xmlns:dgm="http://schemas.openxmlformats.org/drawingml/2006/diagram" xmlns:a="http://schemas.openxmlformats.org/drawingml/2006/main" uniqueId="urn:microsoft.com/office/officeart/2005/8/quickstyle/simple1">
+  <dgm:title val=""/>
+  <dgm:desc val=""/>
+  <dgm:catLst>
+    <dgm:cat type="simple" pri="10100"/>
+  </dgm:catLst>
+  <dgm:scene3d>
+    <a:camera prst="orthographicFront"/>
+    <a:lightRig rig="threePt" dir="t"/>
+  </dgm:scene3d>
+  <dgm:styleLbl name="node0">
+    <dgm:scene3d>
+      <a:camera prst="orthographicFront"/>
+      <a:lightRig rig="threePt" dir="t"/>
+    </dgm:scene3d>
+    <dgm:sp3d/>
+    <dgm:txPr/>
+    <dgm:style>
+      <a:lnRef idx="2">
+        <a:scrgbClr r="0" g="0" b="0"/>
+      </a:lnRef>
+      <a:fillRef idx="1">
+        <a:scrgbClr r="0" g="0" b="0"/>
+      </a:fillRef>
+      <a:effectRef idx="0">
+        <a:scrgbClr r="0" g="0" b="0"/>
+      </a:effectRef>
+      <a:fontRef idx="minor">
+        <a:schemeClr val="lt1"/>
+      </a:fontRef>
+    </dgm:style>
+  </dgm:styleLbl>
+  <dgm:styleLbl name="lnNode1">
+    <dgm:scene3d>
+      <a:camera prst="orthographicFront"/>
+      <a:lightRig rig="threePt" dir="t"/>
+    </dgm:scene3d>
+    <dgm:sp3d/>
+    <dgm:txPr/>
+    <dgm:style>
+      <a:lnRef idx="2">
+        <a:scrgbClr r="0" g="0" b="0"/>
+      </a:lnRef>
+      <a:fillRef idx="1">
+        <a:scrgbClr r="0" g="0" b="0"/>
+      </a:fillRef>
+      <a:effectRef idx="0">
+        <a:scrgbClr r="0" g="0" b="0"/>
+      </a:effectRef>
+      <a:fontRef idx="minor">
+        <a:schemeClr val="lt1"/>
+      </a:fontRef>
+    </dgm:style>
+  </dgm:styleLbl>
+  <dgm:styleLbl name="vennNode1">
+    <dgm:scene3d>
+      <a:camera prst="orthographicFront"/>
+      <a:lightRig rig="threePt" dir="t"/>
+    </dgm:scene3d>
+    <dgm:sp3d/>
+    <dgm:txPr/>
+    <dgm:style>
+      <a:lnRef idx="2">
+        <a:scrgbClr r="0" g="0" b="0"/>
+      </a:lnRef>
+      <a:fillRef idx="1">
+        <a:scrgbClr r="0" g="0" b="0"/>
+      </a:fillRef>
+      <a:effectRef idx="0">
+        <a:scrgbClr r="0" g="0" b="0"/>
+      </a:effectRef>
+      <a:fontRef idx="minor">
+        <a:schemeClr val="tx1"/>
+      </a:fontRef>
+    </dgm:style>
+  </dgm:styleLbl>
+  <dgm:styleLbl name="alignNode1">
+    <dgm:scene3d>
+      <a:camera prst="orthographicFront"/>
+      <a:lightRig rig="threePt" dir="t"/>
+    </dgm:scene3d>
+    <dgm:sp3d/>
+    <dgm:txPr/>
+    <dgm:style>
+      <a:lnRef idx="2">
+        <a:scrgbClr r="0" g="0" b="0"/>
+      </a:lnRef>
+      <a:fillRef idx="1">
+        <a:scrgbClr r="0" g="0" b="0"/>
+      </a:fillRef>
+      <a:effectRef idx="0">
+        <a:scrgbClr r="0" g="0" b="0"/>
+      </a:effectRef>
+      <a:fontRef idx="minor">
+        <a:schemeClr val="lt1"/>
+      </a:fontRef>
+    </dgm:style>
+  </dgm:styleLbl>
+  <dgm:styleLbl name="node1">
+    <dgm:scene3d>
+      <a:camera prst="orthographicFront"/>
+      <a:lightRig rig="threePt" dir="t"/>
+    </dgm:scene3d>
+    <dgm:sp3d/>
+    <dgm:txPr/>
+    <dgm:style>
+      <a:lnRef idx="2">
+        <a:scrgbClr r="0" g="0" b="0"/>
+      </a:lnRef>
+      <a:fillRef idx="1">
+        <a:scrgbClr r="0" g="0" b="0"/>
+      </a:fillRef>
+      <a:effectRef idx="0">
+        <a:scrgbClr r="0" g="0" b="0"/>
+      </a:effectRef>
+      <a:fontRef idx="minor">
+        <a:schemeClr val="lt1"/>
+      </a:fontRef>
+    </dgm:style>
+  </dgm:styleLbl>
+  <dgm:styleLbl name="node2">
+    <dgm:scene3d>
+      <a:camera prst="orthographicFront"/>
+      <a:lightRig rig="threePt" dir="t"/>
+    </dgm:scene3d>
+    <dgm:sp3d/>
+    <dgm:txPr/>
+    <dgm:style>
+      <a:lnRef idx="2">
+        <a:scrgbClr r="0" g="0" b="0"/>
+      </a:lnRef>
+      <a:fillRef idx="1">
+        <a:scrgbClr r="0" g="0" b="0"/>
+      </a:fillRef>
+      <a:effectRef idx="0">
+        <a:scrgbClr r="0" g="0" b="0"/>
+      </a:effectRef>
+      <a:fontRef idx="minor">
+        <a:schemeClr val="lt1"/>
+      </a:fontRef>
+    </dgm:style>
+  </dgm:styleLbl>
+  <dgm:styleLbl name="node3">
+    <dgm:scene3d>
+      <a:camera prst="orthographicFront"/>
+      <a:lightRig rig="threePt" dir="t"/>
+    </dgm:scene3d>
+    <dgm:sp3d/>
+    <dgm:txPr/>
+    <dgm:style>
+      <a:lnRef idx="2">
+        <a:scrgbClr r="0" g="0" b="0"/>
+      </a:lnRef>
+      <a:fillRef idx="1">
+        <a:scrgbClr r="0" g="0" b="0"/>
+      </a:fillRef>
+      <a:effectRef idx="0">
+        <a:scrgbClr r="0" g="0" b="0"/>
+      </a:effectRef>
+      <a:fontRef idx="minor">
+        <a:schemeClr val="lt1"/>
+      </a:fontRef>
+    </dgm:style>
+  </dgm:styleLbl>
+  <dgm:styleLbl name="node4">
+    <dgm:scene3d>
+      <a:camera prst="orthographicFront"/>
+      <a:lightRig rig="threePt" dir="t"/>
+    </dgm:scene3d>
+    <dgm:sp3d/>
+    <dgm:txPr/>
+    <dgm:style>
+      <a:lnRef idx="2">
+        <a:scrgbClr r="0" g="0" b="0"/>
+      </a:lnRef>
+      <a:fillRef idx="1">
+        <a:scrgbClr r="0" g="0" b="0"/>
+      </a:fillRef>
+      <a:effectRef idx="0">
+        <a:scrgbClr r="0" g="0" b="0"/>
+      </a:effectRef>
+      <a:fontRef idx="minor">
+        <a:schemeClr val="lt1"/>
+      </a:fontRef>
+    </dgm:style>
+  </dgm:styleLbl>
+  <dgm:styleLbl name="fgImgPlace1">
+    <dgm:scene3d>
+      <a:camera prst="orthographicFront"/>
+      <a:lightRig rig="threePt" dir="t"/>
+    </dgm:scene3d>
+    <dgm:sp3d/>
+    <dgm:txPr/>
+    <dgm:style>
+      <a:lnRef idx="2">
+        <a:scrgbClr r="0" g="0" b="0"/>
+      </a:lnRef>
+      <a:fillRef idx="1">
+        <a:scrgbClr r="0" g="0" b="0"/>
+      </a:fillRef>
+      <a:effectRef idx="0">
+        <a:scrgbClr r="0" g="0" b="0"/>
+      </a:effectRef>
+      <a:fontRef idx="minor"/>
+    </dgm:style>
+  </dgm:styleLbl>
+  <dgm:styleLbl name="alignImgPlace1">
+    <dgm:scene3d>
+      <a:camera prst="orthographicFront"/>
+      <a:lightRig rig="threePt" dir="t"/>
+    </dgm:scene3d>
+    <dgm:sp3d/>
+    <dgm:txPr/>
+    <dgm:style>
+      <a:lnRef idx="2">
+        <a:scrgbClr r="0" g="0" b="0"/>
+      </a:lnRef>
+      <a:fillRef idx="1">
+        <a:scrgbClr r="0" g="0" b="0"/>
+      </a:fillRef>
+      <a:effectRef idx="0">
+        <a:scrgbClr r="0" g="0" b="0"/>
+      </a:effectRef>
+      <a:fontRef idx="minor"/>
+    </dgm:style>
+  </dgm:styleLbl>
+  <dgm:styleLbl name="bgImgPlace1">
+    <dgm:scene3d>
+      <a:camera prst="orthographicFront"/>
+      <a:lightRig rig="threePt" dir="t"/>
+    </dgm:scene3d>
+    <dgm:sp3d/>
+    <dgm:txPr/>
+    <dgm:style>
+      <a:lnRef idx="2">
+        <a:scrgbClr r="0" g="0" b="0"/>
+      </a:lnRef>
+      <a:fillRef idx="1">
+        <a:scrgbClr r="0" g="0" b="0"/>
+      </a:fillRef>
+      <a:effectRef idx="0">
+        <a:scrgbClr r="0" g="0" b="0"/>
+      </a:effectRef>
+      <a:fontRef idx="minor"/>
+    </dgm:style>
+  </dgm:styleLbl>
+  <dgm:styleLbl name="sibTrans2D1">
+    <dgm:scene3d>
+      <a:camera prst="orthographicFront"/>
+      <a:lightRig rig="threePt" dir="t"/>
+    </dgm:scene3d>
+    <dgm:sp3d/>
+    <dgm:txPr/>
+    <dgm:style>
+      <a:lnRef idx="0">
+        <a:scrgbClr r="0" g="0" b="0"/>
+      </a:lnRef>
+      <a:fillRef idx="1">
+        <a:scrgbClr r="0" g="0" b="0"/>
+      </a:fillRef>
+      <a:effectRef idx="0">
+        <a:scrgbClr r="0" g="0" b="0"/>
+      </a:effectRef>
+      <a:fontRef idx="minor">
+        <a:schemeClr val="lt1"/>
+      </a:fontRef>
+    </dgm:style>
+  </dgm:styleLbl>
+  <dgm:styleLbl name="fgSibTrans2D1">
+    <dgm:scene3d>
+      <a:camera prst="orthographicFront"/>
+      <a:lightRig rig="threePt" dir="t"/>
+    </dgm:scene3d>
+    <dgm:sp3d/>
+    <dgm:txPr/>
+    <dgm:style>
+      <a:lnRef idx="0">
+        <a:scrgbClr r="0" g="0" b="0"/>
+      </a:lnRef>
+      <a:fillRef idx="1">
+        <a:scrgbClr r="0" g="0" b="0"/>
+      </a:fillRef>
+      <a:effectRef idx="0">
+        <a:scrgbClr r="0" g="0" b="0"/>
+      </a:effectRef>
+      <a:fontRef idx="minor">
+        <a:schemeClr val="lt1"/>
+      </a:fontRef>
+    </dgm:style>
+  </dgm:styleLbl>
+  <dgm:styleLbl name="bgSibTrans2D1">
+    <dgm:scene3d>
+      <a:camera prst="orthographicFront"/>
+      <a:lightRig rig="threePt" dir="t"/>
+    </dgm:scene3d>
+    <dgm:sp3d/>
+    <dgm:txPr/>
+    <dgm:style>
+      <a:lnRef idx="0">
+        <a:scrgbClr r="0" g="0" b="0"/>
+      </a:lnRef>
+      <a:fillRef idx="1">
+        <a:scrgbClr r="0" g="0" b="0"/>
+      </a:fillRef>
+      <a:effectRef idx="0">
+        <a:scrgbClr r="0" g="0" b="0"/>
+      </a:effectRef>
+      <a:fontRef idx="minor">
+        <a:schemeClr val="lt1"/>
+      </a:fontRef>
+    </dgm:style>
+  </dgm:styleLbl>
+  <dgm:styleLbl name="sibTrans1D1">
+    <dgm:scene3d>
+      <a:camera prst="orthographicFront"/>
+      <a:lightRig rig="threePt" dir="t"/>
+    </dgm:scene3d>
+    <dgm:sp3d/>
+    <dgm:txPr/>
+    <dgm:style>
+      <a:lnRef idx="1">
+        <a:scrgbClr r="0" g="0" b="0"/>
+      </a:lnRef>
+      <a:fillRef idx="0">
+        <a:scrgbClr r="0" g="0" b="0"/>
+      </a:fillRef>
+      <a:effectRef idx="0">
+        <a:scrgbClr r="0" g="0" b="0"/>
+      </a:effectRef>
+      <a:fontRef idx="minor"/>
+    </dgm:style>
+  </dgm:styleLbl>
+  <dgm:styleLbl name="callout">
+    <dgm:scene3d>
+      <a:camera prst="orthographicFront"/>
+      <a:lightRig rig="threePt" dir="t"/>
+    </dgm:scene3d>
+    <dgm:sp3d/>
+    <dgm:txPr/>
+    <dgm:style>
+      <a:lnRef idx="2">
+        <a:scrgbClr r="0" g="0" b="0"/>
+      </a:lnRef>
+      <a:fillRef idx="1">
+        <a:scrgbClr r="0" g="0" b="0"/>
+      </a:fillRef>
+      <a:effectRef idx="0">
+        <a:scrgbClr r="0" g="0" b="0"/>
+      </a:effectRef>
+      <a:fontRef idx="minor"/>
+    </dgm:style>
+  </dgm:styleLbl>
+  <dgm:styleLbl name="asst0">
+    <dgm:scene3d>
+      <a:camera prst="orthographicFront"/>
+      <a:lightRig rig="threePt" dir="t"/>
+    </dgm:scene3d>
+    <dgm:sp3d/>
+    <dgm:txPr/>
+    <dgm:style>
+      <a:lnRef idx="2">
+        <a:scrgbClr r="0" g="0" b="0"/>
+      </a:lnRef>
+      <a:fillRef idx="1">
+        <a:scrgbClr r="0" g="0" b="0"/>
+      </a:fillRef>
+      <a:effectRef idx="0">
+        <a:scrgbClr r="0" g="0" b="0"/>
+      </a:effectRef>
+      <a:fontRef idx="minor">
+        <a:schemeClr val="lt1"/>
+      </a:fontRef>
+    </dgm:style>
+  </dgm:styleLbl>
+  <dgm:styleLbl name="asst1">
+    <dgm:scene3d>
+      <a:camera prst="orthographicFront"/>
+      <a:lightRig rig="threePt" dir="t"/>
+    </dgm:scene3d>
+    <dgm:sp3d/>
+    <dgm:txPr/>
+    <dgm:style>
+      <a:lnRef idx="2">
+        <a:scrgbClr r="0" g="0" b="0"/>
+      </a:lnRef>
+      <a:fillRef idx="1">
+        <a:scrgbClr r="0" g="0" b="0"/>
+      </a:fillRef>
+      <a:effectRef idx="0">
+        <a:scrgbClr r="0" g="0" b="0"/>
+      </a:effectRef>
+      <a:fontRef idx="minor">
+        <a:schemeClr val="lt1"/>
+      </a:fontRef>
+    </dgm:style>
+  </dgm:styleLbl>
+  <dgm:styleLbl name="asst2">
+    <dgm:scene3d>
+      <a:camera prst="orthographicFront"/>
+      <a:lightRig rig="threePt" dir="t"/>
+    </dgm:scene3d>
+    <dgm:sp3d/>
+    <dgm:txPr/>
+    <dgm:style>
+      <a:lnRef idx="2">
+        <a:scrgbClr r="0" g="0" b="0"/>
+      </a:lnRef>
+      <a:fillRef idx="1">
+        <a:scrgbClr r="0" g="0" b="0"/>
+      </a:fillRef>
+      <a:effectRef idx="0">
+        <a:scrgbClr r="0" g="0" b="0"/>
+      </a:effectRef>
+      <a:fontRef idx="minor">
+        <a:schemeClr val="lt1"/>
+      </a:fontRef>
+    </dgm:style>
+  </dgm:styleLbl>
+  <dgm:styleLbl name="asst3">
+    <dgm:scene3d>
+      <a:camera prst="orthographicFront"/>
+      <a:lightRig rig="threePt" dir="t"/>
+    </dgm:scene3d>
+    <dgm:sp3d/>
+    <dgm:txPr/>
+    <dgm:style>
+      <a:lnRef idx="2">
+        <a:scrgbClr r="0" g="0" b="0"/>
+      </a:lnRef>
+      <a:fillRef idx="1">
+        <a:scrgbClr r="0" g="0" b="0"/>
+      </a:fillRef>
+      <a:effectRef idx="0">
+        <a:scrgbClr r="0" g="0" b="0"/>
+      </a:effectRef>
+      <a:fontRef idx="minor">
+        <a:schemeClr val="lt1"/>
+      </a:fontRef>
+    </dgm:style>
+  </dgm:styleLbl>
+  <dgm:styleLbl name="asst4">
+    <dgm:scene3d>
+      <a:camera prst="orthographicFront"/>
+      <a:lightRig rig="threePt" dir="t"/>
+    </dgm:scene3d>
+    <dgm:sp3d/>
+    <dgm:txPr/>
+    <dgm:style>
+      <a:lnRef idx="2">
+        <a:scrgbClr r="0" g="0" b="0"/>
+      </a:lnRef>
+      <a:fillRef idx="1">
+        <a:scrgbClr r="0" g="0" b="0"/>
+      </a:fillRef>
+      <a:effectRef idx="0">
+        <a:scrgbClr r="0" g="0" b="0"/>
+      </a:effectRef>
+      <a:fontRef idx="minor">
+        <a:schemeClr val="lt1"/>
+      </a:fontRef>
+    </dgm:style>
+  </dgm:styleLbl>
+  <dgm:styleLbl name="parChTrans2D1">
+    <dgm:scene3d>
+      <a:camera prst="orthographicFront"/>
+      <a:lightRig rig="threePt" dir="t"/>
+    </dgm:scene3d>
+    <dgm:sp3d/>
+    <dgm:txPr/>
+    <dgm:style>
+      <a:lnRef idx="2">
+        <a:scrgbClr r="0" g="0" b="0"/>
+      </a:lnRef>
+      <a:fillRef idx="1">
+        <a:scrgbClr r="0" g="0" b="0"/>
+      </a:fillRef>
+      <a:effectRef idx="0">
+        <a:scrgbClr r="0" g="0" b="0"/>
+      </a:effectRef>
+      <a:fontRef idx="minor">
+        <a:schemeClr val="lt1"/>
+      </a:fontRef>
+    </dgm:style>
+  </dgm:styleLbl>
+  <dgm:styleLbl name="parChTrans2D2">
+    <dgm:scene3d>
+      <a:camera prst="orthographicFront"/>
+      <a:lightRig rig="threePt" dir="t"/>
+    </dgm:scene3d>
+    <dgm:sp3d/>
+    <dgm:txPr/>
+    <dgm:style>
+      <a:lnRef idx="2">
+        <a:scrgbClr r="0" g="0" b="0"/>
+      </a:lnRef>
+      <a:fillRef idx="1">
+        <a:scrgbClr r="0" g="0" b="0"/>
+      </a:fillRef>
+      <a:effectRef idx="0">
+        <a:scrgbClr r="0" g="0" b="0"/>
+      </a:effectRef>
+      <a:fontRef idx="minor">
+        <a:schemeClr val="lt1"/>
+      </a:fontRef>
+    </dgm:style>
+  </dgm:styleLbl>
+  <dgm:styleLbl name="parChTrans2D3">
+    <dgm:scene3d>
+      <a:camera prst="orthographicFront"/>
+      <a:lightRig rig="threePt" dir="t"/>
+    </dgm:scene3d>
+    <dgm:sp3d/>
+    <dgm:txPr/>
+    <dgm:style>
+      <a:lnRef idx="2">
+        <a:scrgbClr r="0" g="0" b="0"/>
+      </a:lnRef>
+      <a:fillRef idx="1">
+        <a:scrgbClr r="0" g="0" b="0"/>
+      </a:fillRef>
+      <a:effectRef idx="0">
+        <a:scrgbClr r="0" g="0" b="0"/>
+      </a:effectRef>
+      <a:fontRef idx="minor">
+        <a:schemeClr val="lt1"/>
+      </a:fontRef>
+    </dgm:style>
+  </dgm:styleLbl>
+  <dgm:styleLbl name="parChTrans2D4">
+    <dgm:scene3d>
+      <a:camera prst="orthographicFront"/>
+      <a:lightRig rig="threePt" dir="t"/>
+    </dgm:scene3d>
+    <dgm:sp3d/>
+    <dgm:txPr/>
+    <dgm:style>
+      <a:lnRef idx="2">
+        <a:scrgbClr r="0" g="0" b="0"/>
+      </a:lnRef>
+      <a:fillRef idx="1">
+        <a:scrgbClr r="0" g="0" b="0"/>
+      </a:fillRef>
+      <a:effectRef idx="0">
+        <a:scrgbClr r="0" g="0" b="0"/>
+      </a:effectRef>
+      <a:fontRef idx="minor">
+        <a:schemeClr val="lt1"/>
+      </a:fontRef>
+    </dgm:style>
+  </dgm:styleLbl>
+  <dgm:styleLbl name="parChTrans1D1">
+    <dgm:scene3d>
+      <a:camera prst="orthographicFront"/>
+      <a:lightRig rig="threePt" dir="t"/>
+    </dgm:scene3d>
+    <dgm:sp3d/>
+    <dgm:txPr/>
+    <dgm:style>
+      <a:lnRef idx="2">
+        <a:scrgbClr r="0" g="0" b="0"/>
+      </a:lnRef>
+      <a:fillRef idx="0">
+        <a:scrgbClr r="0" g="0" b="0"/>
+      </a:fillRef>
+      <a:effectRef idx="0">
+        <a:scrgbClr r="0" g="0" b="0"/>
+      </a:effectRef>
+      <a:fontRef idx="minor"/>
+    </dgm:style>
+  </dgm:styleLbl>
+  <dgm:styleLbl name="parChTrans1D2">
+    <dgm:scene3d>
+      <a:camera prst="orthographicFront"/>
+      <a:lightRig rig="threePt" dir="t"/>
+    </dgm:scene3d>
+    <dgm:sp3d/>
+    <dgm:txPr/>
+    <dgm:style>
+      <a:lnRef idx="2">
+        <a:scrgbClr r="0" g="0" b="0"/>
+      </a:lnRef>
+      <a:fillRef idx="0">
+        <a:scrgbClr r="0" g="0" b="0"/>
+      </a:fillRef>
+      <a:effectRef idx="0">
+        <a:scrgbClr r="0" g="0" b="0"/>
+      </a:effectRef>
+      <a:fontRef idx="minor"/>
+    </dgm:style>
+  </dgm:styleLbl>
+  <dgm:styleLbl name="parChTrans1D3">
+    <dgm:scene3d>
+      <a:camera prst="orthographicFront"/>
+      <a:lightRig rig="threePt" dir="t"/>
+    </dgm:scene3d>
+    <dgm:sp3d/>
+    <dgm:txPr/>
+    <dgm:style>
+      <a:lnRef idx="2">
+        <a:scrgbClr r="0" g="0" b="0"/>
+      </a:lnRef>
+      <a:fillRef idx="0">
+        <a:scrgbClr r="0" g="0" b="0"/>
+      </a:fillRef>
+      <a:effectRef idx="0">
+        <a:scrgbClr r="0" g="0" b="0"/>
+      </a:effectRef>
+      <a:fontRef idx="minor"/>
+    </dgm:style>
+  </dgm:styleLbl>
+  <dgm:styleLbl name="parChTrans1D4">
+    <dgm:scene3d>
+      <a:camera prst="orthographicFront"/>
+      <a:lightRig rig="threePt" dir="t"/>
+    </dgm:scene3d>
+    <dgm:sp3d/>
+    <dgm:txPr/>
+    <dgm:style>
+      <a:lnRef idx="2">
+        <a:scrgbClr r="0" g="0" b="0"/>
+      </a:lnRef>
+      <a:fillRef idx="0">
+        <a:scrgbClr r="0" g="0" b="0"/>
+      </a:fillRef>
+      <a:effectRef idx="0">
+        <a:scrgbClr r="0" g="0" b="0"/>
+      </a:effectRef>
+      <a:fontRef idx="minor"/>
+    </dgm:style>
+  </dgm:styleLbl>
+  <dgm:styleLbl name="fgAcc1">
+    <dgm:scene3d>
+      <a:camera prst="orthographicFront"/>
+      <a:lightRig rig="threePt" dir="t"/>
+    </dgm:scene3d>
+    <dgm:sp3d/>
+    <dgm:txPr/>
+    <dgm:style>
+      <a:lnRef idx="2">
+        <a:scrgbClr r="0" g="0" b="0"/>
+      </a:lnRef>
+      <a:fillRef idx="1">
+        <a:scrgbClr r="0" g="0" b="0"/>
+      </a:fillRef>
+      <a:effectRef idx="0">
+        <a:scrgbClr r="0" g="0" b="0"/>
+      </a:effectRef>
+      <a:fontRef idx="minor"/>
+    </dgm:style>
+  </dgm:styleLbl>
+  <dgm:styleLbl name="conFgAcc1">
+    <dgm:scene3d>
+      <a:camera prst="orthographicFront"/>
+      <a:lightRig rig="threePt" dir="t"/>
+    </dgm:scene3d>
+    <dgm:sp3d/>
+    <dgm:txPr/>
+    <dgm:style>
+      <a:lnRef idx="2">
+        <a:scrgbClr r="0" g="0" b="0"/>
+      </a:lnRef>
+      <a:fillRef idx="1">
+        <a:scrgbClr r="0" g="0" b="0"/>
+      </a:fillRef>
+      <a:effectRef idx="0">
+        <a:scrgbClr r="0" g="0" b="0"/>
+      </a:effectRef>
+      <a:fontRef idx="minor"/>
+    </dgm:style>
+  </dgm:styleLbl>
+  <dgm:styleLbl name="alignAcc1">
+    <dgm:scene3d>
+      <a:camera prst="orthographicFront"/>
+      <a:lightRig rig="threePt" dir="t"/>
+    </dgm:scene3d>
+    <dgm:sp3d/>
+    <dgm:txPr/>
+    <dgm:style>
+      <a:lnRef idx="2">
+        <a:scrgbClr r="0" g="0" b="0"/>
+      </a:lnRef>
+      <a:fillRef idx="1">
+        <a:scrgbClr r="0" g="0" b="0"/>
+      </a:fillRef>
+      <a:effectRef idx="0">
+        <a:scrgbClr r="0" g="0" b="0"/>
+      </a:effectRef>
+      <a:fontRef idx="minor"/>
+    </dgm:style>
+  </dgm:styleLbl>
+  <dgm:styleLbl name="trAlignAcc1">
+    <dgm:scene3d>
+      <a:camera prst="orthographicFront"/>
+      <a:lightRig rig="threePt" dir="t"/>
+    </dgm:scene3d>
+    <dgm:sp3d/>
+    <dgm:txPr/>
+    <dgm:style>
+      <a:lnRef idx="1">
+        <a:scrgbClr r="0" g="0" b="0"/>
+      </a:lnRef>
+      <a:fillRef idx="1">
+        <a:scrgbClr r="0" g="0" b="0"/>
+      </a:fillRef>
+      <a:effectRef idx="0">
+        <a:scrgbClr r="0" g="0" b="0"/>
+      </a:effectRef>
+      <a:fontRef idx="minor"/>
+    </dgm:style>
+  </dgm:styleLbl>
+  <dgm:styleLbl name="bgAcc1">
+    <dgm:scene3d>
+      <a:camera prst="orthographicFront"/>
+      <a:lightRig rig="threePt" dir="t"/>
+    </dgm:scene3d>
+    <dgm:sp3d/>
+    <dgm:txPr/>
+    <dgm:style>
+      <a:lnRef idx="2">
+        <a:scrgbClr r="0" g="0" b="0"/>
+      </a:lnRef>
+      <a:fillRef idx="1">
+        <a:scrgbClr r="0" g="0" b="0"/>
+      </a:fillRef>
+      <a:effectRef idx="0">
+        <a:scrgbClr r="0" g="0" b="0"/>
+      </a:effectRef>
+      <a:fontRef idx="minor"/>
+    </dgm:style>
+  </dgm:styleLbl>
+  <dgm:styleLbl name="solidFgAcc1">
+    <dgm:scene3d>
+      <a:camera prst="orthographicFront"/>
+      <a:lightRig rig="threePt" dir="t"/>
+    </dgm:scene3d>
+    <dgm:sp3d/>
+    <dgm:txPr/>
+    <dgm:style>
+      <a:lnRef idx="2">
+        <a:scrgbClr r="0" g="0" b="0"/>
+      </a:lnRef>
+      <a:fillRef idx="1">
+        <a:scrgbClr r="0" g="0" b="0"/>
+      </a:fillRef>
+      <a:effectRef idx="0">
+        <a:scrgbClr r="0" g="0" b="0"/>
+      </a:effectRef>
+      <a:fontRef idx="minor"/>
+    </dgm:style>
+  </dgm:styleLbl>
+  <dgm:styleLbl name="solidAlignAcc1">
+    <dgm:scene3d>
+      <a:camera prst="orthographicFront"/>
+      <a:lightRig rig="threePt" dir="t"/>
+    </dgm:scene3d>
+    <dgm:sp3d/>
+    <dgm:txPr/>
+    <dgm:style>
+      <a:lnRef idx="2">
+        <a:scrgbClr r="0" g="0" b="0"/>
+      </a:lnRef>
+      <a:fillRef idx="1">
+        <a:scrgbClr r="0" g="0" b="0"/>
+      </a:fillRef>
+      <a:effectRef idx="0">
+        <a:scrgbClr r="0" g="0" b="0"/>
+      </a:effectRef>
+      <a:fontRef idx="minor"/>
+    </dgm:style>
+  </dgm:styleLbl>
+  <dgm:styleLbl name="solidBgAcc1">
+    <dgm:scene3d>
+      <a:camera prst="orthographicFront"/>
+      <a:lightRig rig="threePt" dir="t"/>
+    </dgm:scene3d>
+    <dgm:sp3d/>
+    <dgm:txPr/>
+    <dgm:style>
+      <a:lnRef idx="2">
+        <a:scrgbClr r="0" g="0" b="0"/>
+      </a:lnRef>
+      <a:fillRef idx="1">
+        <a:scrgbClr r="0" g="0" b="0"/>
+      </a:fillRef>
+      <a:effectRef idx="0">
+        <a:scrgbClr r="0" g="0" b="0"/>
+      </a:effectRef>
+      <a:fontRef idx="minor"/>
+    </dgm:style>
+  </dgm:styleLbl>
+  <dgm:styleLbl name="fgAccFollowNode1">
+    <dgm:scene3d>
+      <a:camera prst="orthographicFront"/>
+      <a:lightRig rig="threePt" dir="t"/>
+    </dgm:scene3d>
+    <dgm:sp3d/>
+    <dgm:txPr/>
+    <dgm:style>
+      <a:lnRef idx="2">
+        <a:scrgbClr r="0" g="0" b="0"/>
+      </a:lnRef>
+      <a:fillRef idx="1">
+        <a:scrgbClr r="0" g="0" b="0"/>
+      </a:fillRef>
+      <a:effectRef idx="0">
+        <a:scrgbClr r="0" g="0" b="0"/>
+      </a:effectRef>
+      <a:fontRef idx="minor"/>
+    </dgm:style>
+  </dgm:styleLbl>
+  <dgm:styleLbl name="alignAccFollowNode1">
+    <dgm:scene3d>
+      <a:camera prst="orthographicFront"/>
+      <a:lightRig rig="threePt" dir="t"/>
+    </dgm:scene3d>
+    <dgm:sp3d/>
+    <dgm:txPr/>
+    <dgm:style>
+      <a:lnRef idx="2">
+        <a:scrgbClr r="0" g="0" b="0"/>
+      </a:lnRef>
+      <a:fillRef idx="1">
+        <a:scrgbClr r="0" g="0" b="0"/>
+      </a:fillRef>
+      <a:effectRef idx="0">
+        <a:scrgbClr r="0" g="0" b="0"/>
+      </a:effectRef>
+      <a:fontRef idx="minor"/>
+    </dgm:style>
+  </dgm:styleLbl>
+  <dgm:styleLbl name="bgAccFollowNode1">
+    <dgm:scene3d>
+      <a:camera prst="orthographicFront"/>
+      <a:lightRig rig="threePt" dir="t"/>
+    </dgm:scene3d>
+    <dgm:sp3d/>
+    <dgm:txPr/>
+    <dgm:style>
+      <a:lnRef idx="2">
+        <a:scrgbClr r="0" g="0" b="0"/>
+      </a:lnRef>
+      <a:fillRef idx="1">
+        <a:scrgbClr r="0" g="0" b="0"/>
+      </a:fillRef>
+      <a:effectRef idx="0">
+        <a:scrgbClr r="0" g="0" b="0"/>
+      </a:effectRef>
+      <a:fontRef idx="minor"/>
+    </dgm:style>
+  </dgm:styleLbl>
+  <dgm:styleLbl name="fgAcc0">
+    <dgm:scene3d>
+      <a:camera prst="orthographicFront"/>
+      <a:lightRig rig="threePt" dir="t"/>
+    </dgm:scene3d>
+    <dgm:sp3d/>
+    <dgm:txPr/>
+    <dgm:style>
+      <a:lnRef idx="2">
+        <a:scrgbClr r="0" g="0" b="0"/>
+      </a:lnRef>
+      <a:fillRef idx="1">
+        <a:scrgbClr r="0" g="0" b="0"/>
+      </a:fillRef>
+      <a:effectRef idx="0">
+        <a:scrgbClr r="0" g="0" b="0"/>
+      </a:effectRef>
+      <a:fontRef idx="minor"/>
+    </dgm:style>
+  </dgm:styleLbl>
+  <dgm:styleLbl name="fgAcc2">
+    <dgm:scene3d>
+      <a:camera prst="orthographicFront"/>
+      <a:lightRig rig="threePt" dir="t"/>
+    </dgm:scene3d>
+    <dgm:sp3d/>
+    <dgm:txPr/>
+    <dgm:style>
+      <a:lnRef idx="2">
+        <a:scrgbClr r="0" g="0" b="0"/>
+      </a:lnRef>
+      <a:fillRef idx="1">
+        <a:scrgbClr r="0" g="0" b="0"/>
+      </a:fillRef>
+      <a:effectRef idx="0">
+        <a:scrgbClr r="0" g="0" b="0"/>
+      </a:effectRef>
+      <a:fontRef idx="minor"/>
+    </dgm:style>
+  </dgm:styleLbl>
+  <dgm:styleLbl name="fgAcc3">
+    <dgm:scene3d>
+      <a:camera prst="orthographicFront"/>
+      <a:lightRig rig="threePt" dir="t"/>
+    </dgm:scene3d>
+    <dgm:sp3d/>
+    <dgm:txPr/>
+    <dgm:style>
+      <a:lnRef idx="2">
+        <a:scrgbClr r="0" g="0" b="0"/>
+      </a:lnRef>
+      <a:fillRef idx="1">
+        <a:scrgbClr r="0" g="0" b="0"/>
+      </a:fillRef>
+      <a:effectRef idx="0">
+        <a:scrgbClr r="0" g="0" b="0"/>
+      </a:effectRef>
+      <a:fontRef idx="minor"/>
+    </dgm:style>
+  </dgm:styleLbl>
+  <dgm:styleLbl name="fgAcc4">
+    <dgm:scene3d>
+      <a:camera prst="orthographicFront"/>
+      <a:lightRig rig="threePt" dir="t"/>
+    </dgm:scene3d>
+    <dgm:sp3d/>
+    <dgm:txPr/>
+    <dgm:style>
+      <a:lnRef idx="2">
+        <a:scrgbClr r="0" g="0" b="0"/>
+      </a:lnRef>
+      <a:fillRef idx="1">
+        <a:scrgbClr r="0" g="0" b="0"/>
+      </a:fillRef>
+      <a:effectRef idx="0">
+        <a:scrgbClr r="0" g="0" b="0"/>
+      </a:effectRef>
+      <a:fontRef idx="minor"/>
+    </dgm:style>
+  </dgm:styleLbl>
+  <dgm:styleLbl name="bgShp">
+    <dgm:scene3d>
+      <a:camera prst="orthographicFront"/>
+      <a:lightRig rig="threePt" dir="t"/>
+    </dgm:scene3d>
+    <dgm:sp3d/>
+    <dgm:txPr/>
+    <dgm:style>
+      <a:lnRef idx="0">
+        <a:scrgbClr r="0" g="0" b="0"/>
+      </a:lnRef>
+      <a:fillRef idx="1">
+        <a:scrgbClr r="0" g="0" b="0"/>
+      </a:fillRef>
+      <a:effectRef idx="0">
+        <a:scrgbClr r="0" g="0" b="0"/>
+      </a:effectRef>
+      <a:fontRef idx="minor"/>
+    </dgm:style>
+  </dgm:styleLbl>
+  <dgm:styleLbl name="dkBgShp">
+    <dgm:scene3d>
+      <a:camera prst="orthographicFront"/>
+      <a:lightRig rig="threePt" dir="t"/>
+    </dgm:scene3d>
+    <dgm:sp3d/>
+    <dgm:txPr/>
+    <dgm:style>
+      <a:lnRef idx="0">
+        <a:scrgbClr r="0" g="0" b="0"/>
+      </a:lnRef>
+      <a:fillRef idx="1">
+        <a:scrgbClr r="0" g="0" b="0"/>
+      </a:fillRef>
+      <a:effectRef idx="0">
+        <a:scrgbClr r="0" g="0" b="0"/>
+      </a:effectRef>
+      <a:fontRef idx="minor"/>
+    </dgm:style>
+  </dgm:styleLbl>
+  <dgm:styleLbl name="trBgShp">
+    <dgm:scene3d>
+      <a:camera prst="orthographicFront"/>
+      <a:lightRig rig="threePt" dir="t"/>
+    </dgm:scene3d>
+    <dgm:sp3d/>
+    <dgm:txPr/>
+    <dgm:style>
+      <a:lnRef idx="0">
+        <a:scrgbClr r="0" g="0" b="0"/>
+      </a:lnRef>
+      <a:fillRef idx="1">
+        <a:scrgbClr r="0" g="0" b="0"/>
+      </a:fillRef>
+      <a:effectRef idx="0">
+        <a:scrgbClr r="0" g="0" b="0"/>
+      </a:effectRef>
+      <a:fontRef idx="minor"/>
+    </dgm:style>
+  </dgm:styleLbl>
+  <dgm:styleLbl name="fgShp">
+    <dgm:scene3d>
+      <a:camera prst="orthographicFront"/>
+      <a:lightRig rig="threePt" dir="t"/>
+    </dgm:scene3d>
+    <dgm:sp3d/>
+    <dgm:txPr/>
+    <dgm:style>
+      <a:lnRef idx="2">
+        <a:scrgbClr r="0" g="0" b="0"/>
+      </a:lnRef>
+      <a:fillRef idx="1">
+        <a:scrgbClr r="0" g="0" b="0"/>
+      </a:fillRef>
+      <a:effectRef idx="0">
+        <a:scrgbClr r="0" g="0" b="0"/>
+      </a:effectRef>
+      <a:fontRef idx="minor"/>
+    </dgm:style>
+  </dgm:styleLbl>
+  <dgm:styleLbl name="revTx">
+    <dgm:scene3d>
+      <a:camera prst="orthographicFront"/>
+      <a:lightRig rig="threePt" dir="t"/>
+    </dgm:scene3d>
+    <dgm:sp3d/>
+    <dgm:txPr/>
+    <dgm:style>
+      <a:lnRef idx="0">
+        <a:scrgbClr r="0" g="0" b="0"/>
+      </a:lnRef>
+      <a:fillRef idx="0">
+        <a:scrgbClr r="0" g="0" b="0"/>
+      </a:fillRef>
+      <a:effectRef idx="0">
+        <a:scrgbClr r="0" g="0" b="0"/>
+      </a:effectRef>
+      <a:fontRef idx="minor"/>
+    </dgm:style>
+  </dgm:styleLbl>
+</dgm:styleDef>
+</file>
+
+<file path=ppt/diagrams/quickStyle3.xml><?xml version="1.0" encoding="utf-8"?>
 <dgm:styleDef xmlns:dgm="http://schemas.openxmlformats.org/drawingml/2006/diagram" xmlns:a="http://schemas.openxmlformats.org/drawingml/2006/main" uniqueId="urn:microsoft.com/office/officeart/2005/8/quickstyle/simple1">
   <dgm:title val=""/>
   <dgm:desc val=""/>
@@ -3040,7 +8237,7 @@
           <a:p>
             <a:fld id="{6E253971-FC70-48FB-8ADF-0A5012DE9F9F}" type="datetimeFigureOut">
               <a:rPr lang="en-GB" smtClean="0"/>
-              <a:t>07/05/2021</a:t>
+              <a:t>08/05/2021</a:t>
             </a:fld>
             <a:endParaRPr lang="en-GB"/>
           </a:p>
@@ -3534,7 +8731,7 @@
           <a:p>
             <a:fld id="{88EF69E6-B111-4472-9A6B-36D21978BDA5}" type="datetime1">
               <a:rPr lang="en-GB" smtClean="0"/>
-              <a:t>07/05/2021</a:t>
+              <a:t>08/05/2021</a:t>
             </a:fld>
             <a:endParaRPr lang="en-GB"/>
           </a:p>
@@ -3820,7 +9017,7 @@
           <a:p>
             <a:fld id="{AA948A55-6459-43C1-A261-6202E763F8E9}" type="datetime1">
               <a:rPr lang="en-GB" smtClean="0"/>
-              <a:t>07/05/2021</a:t>
+              <a:t>08/05/2021</a:t>
             </a:fld>
             <a:endParaRPr lang="en-GB"/>
           </a:p>
@@ -4079,7 +9276,7 @@
           <a:p>
             <a:fld id="{252B624B-41CE-4D9F-A77E-0288CC8A5666}" type="datetime1">
               <a:rPr lang="en-GB" smtClean="0"/>
-              <a:t>07/05/2021</a:t>
+              <a:t>08/05/2021</a:t>
             </a:fld>
             <a:endParaRPr lang="en-GB"/>
           </a:p>
@@ -4275,7 +9472,7 @@
           <a:p>
             <a:fld id="{4F06D8F6-A7B9-4826-9DEE-ADFB02B7806A}" type="datetime1">
               <a:rPr lang="en-GB" smtClean="0"/>
-              <a:t>07/05/2021</a:t>
+              <a:t>08/05/2021</a:t>
             </a:fld>
             <a:endParaRPr lang="en-GB"/>
           </a:p>
@@ -4621,7 +9818,7 @@
           <a:p>
             <a:fld id="{7718B61C-B44D-4C40-820E-B44ED564E3C6}" type="datetime1">
               <a:rPr lang="en-GB" smtClean="0"/>
-              <a:t>07/05/2021</a:t>
+              <a:t>08/05/2021</a:t>
             </a:fld>
             <a:endParaRPr lang="en-GB"/>
           </a:p>
@@ -4974,7 +10171,7 @@
           <a:p>
             <a:fld id="{70C53763-D592-4BD1-AA76-4B97BF81338B}" type="datetime1">
               <a:rPr lang="en-GB" smtClean="0"/>
-              <a:t>07/05/2021</a:t>
+              <a:t>08/05/2021</a:t>
             </a:fld>
             <a:endParaRPr lang="en-GB"/>
           </a:p>
@@ -5356,7 +10553,7 @@
           <a:p>
             <a:fld id="{61E85294-3231-4181-8EC5-F49B0E50130F}" type="datetime1">
               <a:rPr lang="en-GB" smtClean="0"/>
-              <a:t>07/05/2021</a:t>
+              <a:t>08/05/2021</a:t>
             </a:fld>
             <a:endParaRPr lang="en-GB"/>
           </a:p>
@@ -5477,7 +10674,7 @@
           <a:p>
             <a:fld id="{1F77DB63-8B39-4E6F-A3DE-AD16D6E72FE3}" type="datetime1">
               <a:rPr lang="en-GB" smtClean="0"/>
-              <a:t>07/05/2021</a:t>
+              <a:t>08/05/2021</a:t>
             </a:fld>
             <a:endParaRPr lang="en-GB"/>
           </a:p>
@@ -5651,7 +10848,7 @@
           <a:p>
             <a:fld id="{5F737D48-7B4F-4AA7-95B6-6D95CBC864C9}" type="datetime1">
               <a:rPr lang="en-GB" smtClean="0"/>
-              <a:t>07/05/2021</a:t>
+              <a:t>08/05/2021</a:t>
             </a:fld>
             <a:endParaRPr lang="en-GB"/>
           </a:p>
@@ -5913,7 +11110,7 @@
           </a:bodyPr>
           <a:lstStyle>
             <a:lvl1pPr>
-              <a:defRPr sz="3600" b="0">
+              <a:defRPr sz="4400" b="0">
                 <a:solidFill>
                   <a:srgbClr val="FFFFFF"/>
                 </a:solidFill>
@@ -5922,10 +11119,9 @@
           </a:lstStyle>
           <a:p>
             <a:r>
-              <a:rPr lang="en-US"/>
+              <a:rPr lang="en-US" dirty="0"/>
               <a:t>Click to edit Master title style</a:t>
             </a:r>
-            <a:endParaRPr lang="en-US" dirty="0"/>
           </a:p>
         </p:txBody>
       </p:sp>
@@ -6083,7 +11279,7 @@
           <a:p>
             <a:fld id="{3D6CA3C4-FF3E-4D72-A9D2-D63DE6295F96}" type="datetime1">
               <a:rPr lang="en-GB" smtClean="0"/>
-              <a:t>07/05/2021</a:t>
+              <a:t>08/05/2021</a:t>
             </a:fld>
             <a:endParaRPr lang="en-GB"/>
           </a:p>
@@ -6533,7 +11729,7 @@
           <a:p>
             <a:fld id="{2A89E723-FF45-4C00-913F-9B206B194F93}" type="datetime1">
               <a:rPr lang="en-GB" smtClean="0"/>
-              <a:t>07/05/2021</a:t>
+              <a:t>08/05/2021</a:t>
             </a:fld>
             <a:endParaRPr lang="en-GB"/>
           </a:p>
@@ -6823,7 +12019,7 @@
           <a:p>
             <a:fld id="{A9C5F770-413A-4E53-BF7A-9E1D02882029}" type="datetime1">
               <a:rPr lang="en-GB" smtClean="0"/>
-              <a:t>07/05/2021</a:t>
+              <a:t>08/05/2021</a:t>
             </a:fld>
             <a:endParaRPr lang="en-GB" dirty="0"/>
           </a:p>
@@ -8046,7 +13242,7 @@
           <a:p>
             <a:fld id="{CCA4A25A-5E12-4E3E-8244-D02E2ADDB1B5}" type="datetime1">
               <a:rPr lang="en-GB" smtClean="0"/>
-              <a:t>07/05/2021</a:t>
+              <a:t>08/05/2021</a:t>
             </a:fld>
             <a:endParaRPr lang="en-GB"/>
           </a:p>
@@ -8226,7 +13422,7 @@
           <a:p>
             <a:fld id="{3D6CA3C4-FF3E-4D72-A9D2-D63DE6295F96}" type="datetime1">
               <a:rPr lang="en-GB" smtClean="0"/>
-              <a:t>07/05/2021</a:t>
+              <a:t>08/05/2021</a:t>
             </a:fld>
             <a:endParaRPr lang="en-GB"/>
           </a:p>
@@ -8669,7 +13865,7 @@
           <a:p>
             <a:fld id="{3D6CA3C4-FF3E-4D72-A9D2-D63DE6295F96}" type="datetime1">
               <a:rPr lang="en-GB" smtClean="0"/>
-              <a:t>07/05/2021</a:t>
+              <a:t>08/05/2021</a:t>
             </a:fld>
             <a:endParaRPr lang="en-GB"/>
           </a:p>
@@ -8961,7 +14157,7 @@
           <a:p>
             <a:fld id="{8F6670FA-D65C-4A60-91F1-AC7275D9A811}" type="datetime1">
               <a:rPr lang="en-GB" smtClean="0"/>
-              <a:t>07/05/2021</a:t>
+              <a:t>08/05/2021</a:t>
             </a:fld>
             <a:endParaRPr lang="en-GB"/>
           </a:p>
@@ -9140,7 +14336,7 @@
           <a:p>
             <a:fld id="{3D6CA3C4-FF3E-4D72-A9D2-D63DE6295F96}" type="datetime1">
               <a:rPr lang="en-GB" smtClean="0"/>
-              <a:t>07/05/2021</a:t>
+              <a:t>08/05/2021</a:t>
             </a:fld>
             <a:endParaRPr lang="en-GB"/>
           </a:p>
@@ -9347,7 +14543,7 @@
           <a:p>
             <a:fld id="{3D6CA3C4-FF3E-4D72-A9D2-D63DE6295F96}" type="datetime1">
               <a:rPr lang="en-GB" smtClean="0"/>
-              <a:t>07/05/2021</a:t>
+              <a:t>08/05/2021</a:t>
             </a:fld>
             <a:endParaRPr lang="en-GB"/>
           </a:p>
@@ -9498,7 +14694,7 @@
           <a:p>
             <a:fld id="{3D6CA3C4-FF3E-4D72-A9D2-D63DE6295F96}" type="datetime1">
               <a:rPr lang="en-GB" smtClean="0"/>
-              <a:t>07/05/2021</a:t>
+              <a:t>08/05/2021</a:t>
             </a:fld>
             <a:endParaRPr lang="en-GB"/>
           </a:p>
@@ -9760,7 +14956,7 @@
           <a:p>
             <a:fld id="{6FF9E546-BF22-4E63-B4C9-3E8B5ADD2B3A}" type="datetime1">
               <a:rPr lang="en-GB" smtClean="0"/>
-              <a:t>07/05/2021</a:t>
+              <a:t>08/05/2021</a:t>
             </a:fld>
             <a:endParaRPr lang="en-GB"/>
           </a:p>
@@ -9837,6 +15033,1662 @@
 </file>
 
 <file path=ppt/slides/slide18.xml><?xml version="1.0" encoding="utf-8"?>
+<p:sld xmlns:a="http://schemas.openxmlformats.org/drawingml/2006/main" xmlns:r="http://schemas.openxmlformats.org/officeDocument/2006/relationships" xmlns:p="http://schemas.openxmlformats.org/presentationml/2006/main">
+  <p:cSld>
+    <p:bg>
+      <p:bgPr>
+        <a:solidFill>
+          <a:schemeClr val="bg1"/>
+        </a:solidFill>
+        <a:effectLst/>
+      </p:bgPr>
+    </p:bg>
+    <p:spTree>
+      <p:nvGrpSpPr>
+        <p:cNvPr id="1" name=""/>
+        <p:cNvGrpSpPr/>
+        <p:nvPr/>
+      </p:nvGrpSpPr>
+      <p:grpSpPr>
+        <a:xfrm>
+          <a:off x="0" y="0"/>
+          <a:ext cx="0" cy="0"/>
+          <a:chOff x="0" y="0"/>
+          <a:chExt cx="0" cy="0"/>
+        </a:xfrm>
+      </p:grpSpPr>
+      <p:sp>
+        <p:nvSpPr>
+          <p:cNvPr id="2" name="Title 1">
+            <a:extLst>
+              <a:ext uri="{FF2B5EF4-FFF2-40B4-BE49-F238E27FC236}">
+                <a16:creationId xmlns:a16="http://schemas.microsoft.com/office/drawing/2014/main" id="{5EC91E1B-96C2-4DB8-B89A-6F6CD8556CE9}"/>
+              </a:ext>
+            </a:extLst>
+          </p:cNvPr>
+          <p:cNvSpPr>
+            <a:spLocks noGrp="1"/>
+          </p:cNvSpPr>
+          <p:nvPr>
+            <p:ph type="title"/>
+          </p:nvPr>
+        </p:nvSpPr>
+        <p:spPr>
+          <a:xfrm>
+            <a:off x="1097280" y="286603"/>
+            <a:ext cx="10058400" cy="1450757"/>
+          </a:xfrm>
+        </p:spPr>
+        <p:txBody>
+          <a:bodyPr>
+            <a:normAutofit/>
+          </a:bodyPr>
+          <a:lstStyle/>
+          <a:p>
+            <a:r>
+              <a:rPr lang="en-GB" dirty="0"/>
+              <a:t>Primary Findings</a:t>
+            </a:r>
+          </a:p>
+        </p:txBody>
+      </p:sp>
+      <p:sp>
+        <p:nvSpPr>
+          <p:cNvPr id="4" name="Date Placeholder 3">
+            <a:extLst>
+              <a:ext uri="{FF2B5EF4-FFF2-40B4-BE49-F238E27FC236}">
+                <a16:creationId xmlns:a16="http://schemas.microsoft.com/office/drawing/2014/main" id="{B08312A4-3692-468F-A497-6CB1F0F43EA2}"/>
+              </a:ext>
+            </a:extLst>
+          </p:cNvPr>
+          <p:cNvSpPr>
+            <a:spLocks noGrp="1"/>
+          </p:cNvSpPr>
+          <p:nvPr>
+            <p:ph type="dt" sz="half" idx="10"/>
+          </p:nvPr>
+        </p:nvSpPr>
+        <p:spPr>
+          <a:xfrm>
+            <a:off x="1097280" y="6459785"/>
+            <a:ext cx="2472271" cy="365125"/>
+          </a:xfrm>
+        </p:spPr>
+        <p:txBody>
+          <a:bodyPr>
+            <a:normAutofit/>
+          </a:bodyPr>
+          <a:lstStyle/>
+          <a:p>
+            <a:pPr>
+              <a:spcAft>
+                <a:spcPts val="600"/>
+              </a:spcAft>
+            </a:pPr>
+            <a:fld id="{4F06D8F6-A7B9-4826-9DEE-ADFB02B7806A}" type="datetime1">
+              <a:rPr lang="en-GB" smtClean="0"/>
+              <a:pPr>
+                <a:spcAft>
+                  <a:spcPts val="600"/>
+                </a:spcAft>
+              </a:pPr>
+              <a:t>08/05/2021</a:t>
+            </a:fld>
+            <a:endParaRPr lang="en-GB"/>
+          </a:p>
+        </p:txBody>
+      </p:sp>
+      <p:sp>
+        <p:nvSpPr>
+          <p:cNvPr id="5" name="Footer Placeholder 4">
+            <a:extLst>
+              <a:ext uri="{FF2B5EF4-FFF2-40B4-BE49-F238E27FC236}">
+                <a16:creationId xmlns:a16="http://schemas.microsoft.com/office/drawing/2014/main" id="{6BA99F95-1B0C-4744-986B-A405B4166DB6}"/>
+              </a:ext>
+            </a:extLst>
+          </p:cNvPr>
+          <p:cNvSpPr>
+            <a:spLocks noGrp="1"/>
+          </p:cNvSpPr>
+          <p:nvPr>
+            <p:ph type="ftr" sz="quarter" idx="11"/>
+          </p:nvPr>
+        </p:nvSpPr>
+        <p:spPr>
+          <a:xfrm>
+            <a:off x="3686185" y="6459785"/>
+            <a:ext cx="4822804" cy="365125"/>
+          </a:xfrm>
+        </p:spPr>
+        <p:txBody>
+          <a:bodyPr>
+            <a:normAutofit/>
+          </a:bodyPr>
+          <a:lstStyle/>
+          <a:p>
+            <a:pPr>
+              <a:spcAft>
+                <a:spcPts val="600"/>
+              </a:spcAft>
+            </a:pPr>
+            <a:r>
+              <a:rPr lang="en-GB"/>
+              <a:t>Simulating Liquid Crystals</a:t>
+            </a:r>
+          </a:p>
+        </p:txBody>
+      </p:sp>
+      <p:sp>
+        <p:nvSpPr>
+          <p:cNvPr id="6" name="Slide Number Placeholder 5">
+            <a:extLst>
+              <a:ext uri="{FF2B5EF4-FFF2-40B4-BE49-F238E27FC236}">
+                <a16:creationId xmlns:a16="http://schemas.microsoft.com/office/drawing/2014/main" id="{31913F9B-48E8-4577-8428-2AC030C0DCAA}"/>
+              </a:ext>
+            </a:extLst>
+          </p:cNvPr>
+          <p:cNvSpPr>
+            <a:spLocks noGrp="1"/>
+          </p:cNvSpPr>
+          <p:nvPr>
+            <p:ph type="sldNum" sz="quarter" idx="12"/>
+          </p:nvPr>
+        </p:nvSpPr>
+        <p:spPr>
+          <a:xfrm>
+            <a:off x="9900458" y="6459785"/>
+            <a:ext cx="1312025" cy="365125"/>
+          </a:xfrm>
+        </p:spPr>
+        <p:txBody>
+          <a:bodyPr>
+            <a:normAutofit/>
+          </a:bodyPr>
+          <a:lstStyle/>
+          <a:p>
+            <a:pPr>
+              <a:spcAft>
+                <a:spcPts val="600"/>
+              </a:spcAft>
+            </a:pPr>
+            <a:fld id="{AB645ECC-7A7A-4729-8128-50B722794741}" type="slidenum">
+              <a:rPr lang="en-GB" smtClean="0"/>
+              <a:pPr>
+                <a:spcAft>
+                  <a:spcPts val="600"/>
+                </a:spcAft>
+              </a:pPr>
+              <a:t>18</a:t>
+            </a:fld>
+            <a:endParaRPr lang="en-GB"/>
+          </a:p>
+        </p:txBody>
+      </p:sp>
+      <p:graphicFrame>
+        <p:nvGraphicFramePr>
+          <p:cNvPr id="8" name="Content Placeholder 2">
+            <a:extLst>
+              <a:ext uri="{FF2B5EF4-FFF2-40B4-BE49-F238E27FC236}">
+                <a16:creationId xmlns:a16="http://schemas.microsoft.com/office/drawing/2014/main" id="{77D5546C-8C2D-466B-861D-F99CB163F92A}"/>
+              </a:ext>
+            </a:extLst>
+          </p:cNvPr>
+          <p:cNvGraphicFramePr>
+            <a:graphicFrameLocks noGrp="1"/>
+          </p:cNvGraphicFramePr>
+          <p:nvPr>
+            <p:ph idx="1"/>
+            <p:extLst>
+              <p:ext uri="{D42A27DB-BD31-4B8C-83A1-F6EECF244321}">
+                <p14:modId xmlns:p14="http://schemas.microsoft.com/office/powerpoint/2010/main" val="3489519752"/>
+              </p:ext>
+            </p:extLst>
+          </p:nvPr>
+        </p:nvGraphicFramePr>
+        <p:xfrm>
+          <a:off x="1096963" y="2098515"/>
+          <a:ext cx="10058400" cy="3786080"/>
+        </p:xfrm>
+        <a:graphic>
+          <a:graphicData uri="http://schemas.openxmlformats.org/drawingml/2006/diagram">
+            <dgm:relIds xmlns:dgm="http://schemas.openxmlformats.org/drawingml/2006/diagram" xmlns:r="http://schemas.openxmlformats.org/officeDocument/2006/relationships" r:dm="rId2" r:lo="rId3" r:qs="rId4" r:cs="rId5"/>
+          </a:graphicData>
+        </a:graphic>
+      </p:graphicFrame>
+    </p:spTree>
+    <p:extLst>
+      <p:ext uri="{BB962C8B-B14F-4D97-AF65-F5344CB8AC3E}">
+        <p14:creationId xmlns:p14="http://schemas.microsoft.com/office/powerpoint/2010/main" val="3588848922"/>
+      </p:ext>
+    </p:extLst>
+  </p:cSld>
+  <p:clrMapOvr>
+    <a:masterClrMapping/>
+  </p:clrMapOvr>
+</p:sld>
+</file>
+
+<file path=ppt/slides/slide19.xml><?xml version="1.0" encoding="utf-8"?>
+<p:sld xmlns:a="http://schemas.openxmlformats.org/drawingml/2006/main" xmlns:r="http://schemas.openxmlformats.org/officeDocument/2006/relationships" xmlns:p="http://schemas.openxmlformats.org/presentationml/2006/main">
+  <p:cSld>
+    <p:spTree>
+      <p:nvGrpSpPr>
+        <p:cNvPr id="1" name=""/>
+        <p:cNvGrpSpPr/>
+        <p:nvPr/>
+      </p:nvGrpSpPr>
+      <p:grpSpPr>
+        <a:xfrm>
+          <a:off x="0" y="0"/>
+          <a:ext cx="0" cy="0"/>
+          <a:chOff x="0" y="0"/>
+          <a:chExt cx="0" cy="0"/>
+        </a:xfrm>
+      </p:grpSpPr>
+      <p:sp useBgFill="1">
+        <p:nvSpPr>
+          <p:cNvPr id="23" name="Rectangle 22">
+            <a:extLst>
+              <a:ext uri="{FF2B5EF4-FFF2-40B4-BE49-F238E27FC236}">
+                <a16:creationId xmlns:a16="http://schemas.microsoft.com/office/drawing/2014/main" id="{FB5993E2-C02B-4335-ABA5-D8EC465551E3}"/>
+              </a:ext>
+              <a:ext uri="{C183D7F6-B498-43B3-948B-1728B52AA6E4}">
+                <adec:decorative xmlns:adec="http://schemas.microsoft.com/office/drawing/2017/decorative" val="1"/>
+              </a:ext>
+            </a:extLst>
+          </p:cNvPr>
+          <p:cNvSpPr>
+            <a:spLocks noGrp="1" noRot="1" noChangeAspect="1" noMove="1" noResize="1" noEditPoints="1" noAdjustHandles="1" noChangeArrowheads="1" noChangeShapeType="1" noTextEdit="1"/>
+          </p:cNvSpPr>
+          <p:nvPr>
+            <p:extLst>
+              <p:ext uri="{386F3935-93C4-4BCD-93E2-E3B085C9AB24}">
+                <p16:designElem xmlns:p16="http://schemas.microsoft.com/office/powerpoint/2015/main" val="1"/>
+              </p:ext>
+            </p:extLst>
+          </p:nvPr>
+        </p:nvSpPr>
+        <p:spPr>
+          <a:xfrm>
+            <a:off x="0" y="0"/>
+            <a:ext cx="12186315" cy="6858000"/>
+          </a:xfrm>
+          <a:prstGeom prst="rect">
+            <a:avLst/>
+          </a:prstGeom>
+          <a:ln>
+            <a:noFill/>
+          </a:ln>
+        </p:spPr>
+        <p:style>
+          <a:lnRef idx="2">
+            <a:schemeClr val="accent6">
+              <a:shade val="50000"/>
+            </a:schemeClr>
+          </a:lnRef>
+          <a:fillRef idx="1001">
+            <a:schemeClr val="lt1"/>
+          </a:fillRef>
+          <a:effectRef idx="0">
+            <a:schemeClr val="accent6"/>
+          </a:effectRef>
+          <a:fontRef idx="minor">
+            <a:schemeClr val="lt1"/>
+          </a:fontRef>
+        </p:style>
+        <p:txBody>
+          <a:bodyPr rtlCol="0" anchor="ctr"/>
+          <a:lstStyle/>
+          <a:p>
+            <a:pPr algn="ctr"/>
+            <a:endParaRPr lang="en-US"/>
+          </a:p>
+        </p:txBody>
+      </p:sp>
+      <p:sp>
+        <p:nvSpPr>
+          <p:cNvPr id="25" name="Rectangle 24">
+            <a:extLst>
+              <a:ext uri="{FF2B5EF4-FFF2-40B4-BE49-F238E27FC236}">
+                <a16:creationId xmlns:a16="http://schemas.microsoft.com/office/drawing/2014/main" id="{C0B801A2-5622-4BE8-9AD2-C337A2CD0022}"/>
+              </a:ext>
+              <a:ext uri="{C183D7F6-B498-43B3-948B-1728B52AA6E4}">
+                <adec:decorative xmlns:adec="http://schemas.microsoft.com/office/drawing/2017/decorative" val="1"/>
+              </a:ext>
+            </a:extLst>
+          </p:cNvPr>
+          <p:cNvSpPr>
+            <a:spLocks noGrp="1" noRot="1" noChangeAspect="1" noMove="1" noResize="1" noEditPoints="1" noAdjustHandles="1" noChangeArrowheads="1" noChangeShapeType="1" noTextEdit="1"/>
+          </p:cNvSpPr>
+          <p:nvPr>
+            <p:extLst>
+              <p:ext uri="{386F3935-93C4-4BCD-93E2-E3B085C9AB24}">
+                <p16:designElem xmlns:p16="http://schemas.microsoft.com/office/powerpoint/2015/main" val="1"/>
+              </p:ext>
+            </p:extLst>
+          </p:nvPr>
+        </p:nvSpPr>
+        <p:spPr>
+          <a:xfrm>
+            <a:off x="16" y="0"/>
+            <a:ext cx="4050791" cy="6858000"/>
+          </a:xfrm>
+          <a:prstGeom prst="rect">
+            <a:avLst/>
+          </a:prstGeom>
+          <a:solidFill>
+            <a:schemeClr val="accent2"/>
+          </a:solidFill>
+          <a:ln>
+            <a:noFill/>
+          </a:ln>
+        </p:spPr>
+        <p:style>
+          <a:lnRef idx="2">
+            <a:schemeClr val="accent1">
+              <a:shade val="50000"/>
+            </a:schemeClr>
+          </a:lnRef>
+          <a:fillRef idx="1">
+            <a:schemeClr val="accent1"/>
+          </a:fillRef>
+          <a:effectRef idx="0">
+            <a:schemeClr val="accent1"/>
+          </a:effectRef>
+          <a:fontRef idx="minor">
+            <a:schemeClr val="lt1"/>
+          </a:fontRef>
+        </p:style>
+      </p:sp>
+      <p:sp>
+        <p:nvSpPr>
+          <p:cNvPr id="4" name="Date Placeholder 3">
+            <a:extLst>
+              <a:ext uri="{FF2B5EF4-FFF2-40B4-BE49-F238E27FC236}">
+                <a16:creationId xmlns:a16="http://schemas.microsoft.com/office/drawing/2014/main" id="{AB99A072-6978-4691-A12E-0E6ED2667CE5}"/>
+              </a:ext>
+            </a:extLst>
+          </p:cNvPr>
+          <p:cNvSpPr>
+            <a:spLocks noGrp="1"/>
+          </p:cNvSpPr>
+          <p:nvPr>
+            <p:ph type="dt" sz="half" idx="10"/>
+          </p:nvPr>
+        </p:nvSpPr>
+        <p:spPr>
+          <a:xfrm>
+            <a:off x="492370" y="6459785"/>
+            <a:ext cx="1735371" cy="365125"/>
+          </a:xfrm>
+        </p:spPr>
+        <p:txBody>
+          <a:bodyPr/>
+          <a:lstStyle/>
+          <a:p>
+            <a:fld id="{4F06D8F6-A7B9-4826-9DEE-ADFB02B7806A}" type="datetime1">
+              <a:rPr lang="en-GB" smtClean="0"/>
+              <a:t>08/05/2021</a:t>
+            </a:fld>
+            <a:endParaRPr lang="en-GB"/>
+          </a:p>
+        </p:txBody>
+      </p:sp>
+      <p:sp>
+        <p:nvSpPr>
+          <p:cNvPr id="27" name="Rectangle 26">
+            <a:extLst>
+              <a:ext uri="{FF2B5EF4-FFF2-40B4-BE49-F238E27FC236}">
+                <a16:creationId xmlns:a16="http://schemas.microsoft.com/office/drawing/2014/main" id="{B7AF614F-5BC3-4086-99F5-B87C5847A071}"/>
+              </a:ext>
+              <a:ext uri="{C183D7F6-B498-43B3-948B-1728B52AA6E4}">
+                <adec:decorative xmlns:adec="http://schemas.microsoft.com/office/drawing/2017/decorative" val="1"/>
+              </a:ext>
+            </a:extLst>
+          </p:cNvPr>
+          <p:cNvSpPr>
+            <a:spLocks noGrp="1" noRot="1" noChangeAspect="1" noMove="1" noResize="1" noEditPoints="1" noAdjustHandles="1" noChangeArrowheads="1" noChangeShapeType="1" noTextEdit="1"/>
+          </p:cNvSpPr>
+          <p:nvPr>
+            <p:extLst>
+              <p:ext uri="{386F3935-93C4-4BCD-93E2-E3B085C9AB24}">
+                <p16:designElem xmlns:p16="http://schemas.microsoft.com/office/powerpoint/2015/main" val="1"/>
+              </p:ext>
+            </p:extLst>
+          </p:nvPr>
+        </p:nvSpPr>
+        <p:spPr>
+          <a:xfrm>
+            <a:off x="4040071" y="0"/>
+            <a:ext cx="64008" cy="6858000"/>
+          </a:xfrm>
+          <a:prstGeom prst="rect">
+            <a:avLst/>
+          </a:prstGeom>
+          <a:solidFill>
+            <a:schemeClr val="accent1"/>
+          </a:solidFill>
+          <a:ln>
+            <a:noFill/>
+          </a:ln>
+        </p:spPr>
+        <p:style>
+          <a:lnRef idx="2">
+            <a:schemeClr val="accent1">
+              <a:shade val="50000"/>
+            </a:schemeClr>
+          </a:lnRef>
+          <a:fillRef idx="1">
+            <a:schemeClr val="accent1"/>
+          </a:fillRef>
+          <a:effectRef idx="0">
+            <a:schemeClr val="accent1"/>
+          </a:effectRef>
+          <a:fontRef idx="minor">
+            <a:schemeClr val="lt1"/>
+          </a:fontRef>
+        </p:style>
+      </p:sp>
+      <p:sp>
+        <p:nvSpPr>
+          <p:cNvPr id="5" name="Footer Placeholder 4">
+            <a:extLst>
+              <a:ext uri="{FF2B5EF4-FFF2-40B4-BE49-F238E27FC236}">
+                <a16:creationId xmlns:a16="http://schemas.microsoft.com/office/drawing/2014/main" id="{D9D53785-D107-4E0D-87FB-D1C3AED85B7A}"/>
+              </a:ext>
+            </a:extLst>
+          </p:cNvPr>
+          <p:cNvSpPr>
+            <a:spLocks noGrp="1"/>
+          </p:cNvSpPr>
+          <p:nvPr>
+            <p:ph type="ftr" sz="quarter" idx="11"/>
+          </p:nvPr>
+        </p:nvSpPr>
+        <p:spPr>
+          <a:xfrm>
+            <a:off x="4742017" y="6459785"/>
+            <a:ext cx="5105169" cy="365125"/>
+          </a:xfrm>
+        </p:spPr>
+        <p:txBody>
+          <a:bodyPr/>
+          <a:lstStyle/>
+          <a:p>
+            <a:pPr algn="l">
+              <a:spcAft>
+                <a:spcPts val="600"/>
+              </a:spcAft>
+            </a:pPr>
+            <a:r>
+              <a:rPr lang="en-GB">
+                <a:solidFill>
+                  <a:schemeClr val="tx2"/>
+                </a:solidFill>
+              </a:rPr>
+              <a:t>Simulating Liquid Crystals</a:t>
+            </a:r>
+          </a:p>
+        </p:txBody>
+      </p:sp>
+      <p:sp>
+        <p:nvSpPr>
+          <p:cNvPr id="6" name="Slide Number Placeholder 5">
+            <a:extLst>
+              <a:ext uri="{FF2B5EF4-FFF2-40B4-BE49-F238E27FC236}">
+                <a16:creationId xmlns:a16="http://schemas.microsoft.com/office/drawing/2014/main" id="{F6E98F53-537C-40DA-A21F-CFD58023F9AE}"/>
+              </a:ext>
+            </a:extLst>
+          </p:cNvPr>
+          <p:cNvSpPr>
+            <a:spLocks noGrp="1"/>
+          </p:cNvSpPr>
+          <p:nvPr>
+            <p:ph type="sldNum" sz="quarter" idx="12"/>
+          </p:nvPr>
+        </p:nvSpPr>
+        <p:spPr>
+          <a:xfrm>
+            <a:off x="10123055" y="6459785"/>
+            <a:ext cx="1089428" cy="365125"/>
+          </a:xfrm>
+        </p:spPr>
+        <p:txBody>
+          <a:bodyPr/>
+          <a:lstStyle/>
+          <a:p>
+            <a:pPr>
+              <a:spcAft>
+                <a:spcPts val="600"/>
+              </a:spcAft>
+            </a:pPr>
+            <a:fld id="{AB645ECC-7A7A-4729-8128-50B722794741}" type="slidenum">
+              <a:rPr lang="en-GB">
+                <a:solidFill>
+                  <a:schemeClr val="tx2"/>
+                </a:solidFill>
+              </a:rPr>
+              <a:pPr>
+                <a:spcAft>
+                  <a:spcPts val="600"/>
+                </a:spcAft>
+              </a:pPr>
+              <a:t>19</a:t>
+            </a:fld>
+            <a:endParaRPr lang="en-GB">
+              <a:solidFill>
+                <a:schemeClr val="tx2"/>
+              </a:solidFill>
+            </a:endParaRPr>
+          </a:p>
+        </p:txBody>
+      </p:sp>
+      <p:graphicFrame>
+        <p:nvGraphicFramePr>
+          <p:cNvPr id="20" name="Content Placeholder 2">
+            <a:extLst>
+              <a:ext uri="{FF2B5EF4-FFF2-40B4-BE49-F238E27FC236}">
+                <a16:creationId xmlns:a16="http://schemas.microsoft.com/office/drawing/2014/main" id="{4D5ACF53-DD08-4A91-96C3-79BCE23EAB93}"/>
+              </a:ext>
+            </a:extLst>
+          </p:cNvPr>
+          <p:cNvGraphicFramePr>
+            <a:graphicFrameLocks noGrp="1"/>
+          </p:cNvGraphicFramePr>
+          <p:nvPr>
+            <p:ph idx="1"/>
+            <p:extLst>
+              <p:ext uri="{D42A27DB-BD31-4B8C-83A1-F6EECF244321}">
+                <p14:modId xmlns:p14="http://schemas.microsoft.com/office/powerpoint/2010/main" val="1432756141"/>
+              </p:ext>
+            </p:extLst>
+          </p:nvPr>
+        </p:nvGraphicFramePr>
+        <p:xfrm>
+          <a:off x="4741863" y="639763"/>
+          <a:ext cx="6797675" cy="5649912"/>
+        </p:xfrm>
+        <a:graphic>
+          <a:graphicData uri="http://schemas.openxmlformats.org/drawingml/2006/diagram">
+            <dgm:relIds xmlns:dgm="http://schemas.openxmlformats.org/drawingml/2006/diagram" xmlns:r="http://schemas.openxmlformats.org/officeDocument/2006/relationships" r:dm="rId2" r:lo="rId3" r:qs="rId4" r:cs="rId5"/>
+          </a:graphicData>
+        </a:graphic>
+      </p:graphicFrame>
+      <p:sp>
+        <p:nvSpPr>
+          <p:cNvPr id="28" name="Title 1">
+            <a:extLst>
+              <a:ext uri="{FF2B5EF4-FFF2-40B4-BE49-F238E27FC236}">
+                <a16:creationId xmlns:a16="http://schemas.microsoft.com/office/drawing/2014/main" id="{072DA990-B36F-427B-9885-5DF9A7B9697E}"/>
+              </a:ext>
+            </a:extLst>
+          </p:cNvPr>
+          <p:cNvSpPr>
+            <a:spLocks noGrp="1"/>
+          </p:cNvSpPr>
+          <p:nvPr>
+            <p:ph type="title"/>
+          </p:nvPr>
+        </p:nvSpPr>
+        <p:spPr>
+          <a:xfrm>
+            <a:off x="457200" y="594359"/>
+            <a:ext cx="3200400" cy="2286000"/>
+          </a:xfrm>
+        </p:spPr>
+        <p:txBody>
+          <a:bodyPr>
+            <a:normAutofit/>
+          </a:bodyPr>
+          <a:lstStyle/>
+          <a:p>
+            <a:r>
+              <a:rPr lang="en-GB" sz="4400" dirty="0">
+                <a:solidFill>
+                  <a:schemeClr val="bg1"/>
+                </a:solidFill>
+              </a:rPr>
+              <a:t>Future Research</a:t>
+            </a:r>
+          </a:p>
+        </p:txBody>
+      </p:sp>
+    </p:spTree>
+    <p:extLst>
+      <p:ext uri="{BB962C8B-B14F-4D97-AF65-F5344CB8AC3E}">
+        <p14:creationId xmlns:p14="http://schemas.microsoft.com/office/powerpoint/2010/main" val="3888750060"/>
+      </p:ext>
+    </p:extLst>
+  </p:cSld>
+  <p:clrMapOvr>
+    <a:masterClrMapping/>
+  </p:clrMapOvr>
+</p:sld>
+</file>
+
+<file path=ppt/slides/slide2.xml><?xml version="1.0" encoding="utf-8"?>
+<p:sld xmlns:a="http://schemas.openxmlformats.org/drawingml/2006/main" xmlns:r="http://schemas.openxmlformats.org/officeDocument/2006/relationships" xmlns:p="http://schemas.openxmlformats.org/presentationml/2006/main">
+  <p:cSld>
+    <p:spTree>
+      <p:nvGrpSpPr>
+        <p:cNvPr id="1" name=""/>
+        <p:cNvGrpSpPr/>
+        <p:nvPr/>
+      </p:nvGrpSpPr>
+      <p:grpSpPr>
+        <a:xfrm>
+          <a:off x="0" y="0"/>
+          <a:ext cx="0" cy="0"/>
+          <a:chOff x="0" y="0"/>
+          <a:chExt cx="0" cy="0"/>
+        </a:xfrm>
+      </p:grpSpPr>
+      <p:sp>
+        <p:nvSpPr>
+          <p:cNvPr id="2" name="Title 1">
+            <a:extLst>
+              <a:ext uri="{FF2B5EF4-FFF2-40B4-BE49-F238E27FC236}">
+                <a16:creationId xmlns:a16="http://schemas.microsoft.com/office/drawing/2014/main" id="{8942B4A0-F150-405A-9068-8F7612F09AE0}"/>
+              </a:ext>
+            </a:extLst>
+          </p:cNvPr>
+          <p:cNvSpPr>
+            <a:spLocks noGrp="1"/>
+          </p:cNvSpPr>
+          <p:nvPr>
+            <p:ph type="title"/>
+          </p:nvPr>
+        </p:nvSpPr>
+        <p:spPr/>
+        <p:txBody>
+          <a:bodyPr/>
+          <a:lstStyle/>
+          <a:p>
+            <a:r>
+              <a:rPr lang="en-GB" dirty="0"/>
+              <a:t>Introduction</a:t>
+            </a:r>
+          </a:p>
+        </p:txBody>
+      </p:sp>
+      <p:sp>
+        <p:nvSpPr>
+          <p:cNvPr id="3" name="Content Placeholder 2">
+            <a:extLst>
+              <a:ext uri="{FF2B5EF4-FFF2-40B4-BE49-F238E27FC236}">
+                <a16:creationId xmlns:a16="http://schemas.microsoft.com/office/drawing/2014/main" id="{AC53D448-2676-4126-B047-DB0C6E8D4412}"/>
+              </a:ext>
+            </a:extLst>
+          </p:cNvPr>
+          <p:cNvSpPr>
+            <a:spLocks noGrp="1"/>
+          </p:cNvSpPr>
+          <p:nvPr>
+            <p:ph idx="1"/>
+          </p:nvPr>
+        </p:nvSpPr>
+        <p:spPr/>
+        <p:txBody>
+          <a:bodyPr>
+            <a:normAutofit fontScale="92500" lnSpcReduction="10000"/>
+          </a:bodyPr>
+          <a:lstStyle/>
+          <a:p>
+            <a:pPr>
+              <a:buFont typeface="Arial" panose="020B0604020202020204" pitchFamily="34" charset="0"/>
+              <a:buChar char="•"/>
+            </a:pPr>
+            <a:r>
+              <a:rPr lang="en-GB" sz="2800" dirty="0"/>
+              <a:t> </a:t>
+            </a:r>
+            <a:r>
+              <a:rPr lang="en-GB" sz="2800" b="1" dirty="0"/>
+              <a:t>Introduction</a:t>
+            </a:r>
+          </a:p>
+          <a:p>
+            <a:pPr lvl="1">
+              <a:buFont typeface="Arial" panose="020B0604020202020204" pitchFamily="34" charset="0"/>
+              <a:buChar char="•"/>
+            </a:pPr>
+            <a:r>
+              <a:rPr lang="en-GB" sz="2400" i="1" dirty="0"/>
+              <a:t>Liquid Crystals </a:t>
+            </a:r>
+          </a:p>
+          <a:p>
+            <a:pPr lvl="1">
+              <a:buFont typeface="Arial" panose="020B0604020202020204" pitchFamily="34" charset="0"/>
+              <a:buChar char="•"/>
+            </a:pPr>
+            <a:r>
+              <a:rPr lang="en-GB" sz="2400" i="1" dirty="0"/>
+              <a:t>Phase Transitions</a:t>
+            </a:r>
+          </a:p>
+          <a:p>
+            <a:pPr lvl="1">
+              <a:buFont typeface="Arial" panose="020B0604020202020204" pitchFamily="34" charset="0"/>
+              <a:buChar char="•"/>
+            </a:pPr>
+            <a:r>
+              <a:rPr lang="en-GB" i="1" dirty="0"/>
+              <a:t>Order Parameters </a:t>
+            </a:r>
+          </a:p>
+          <a:p>
+            <a:pPr lvl="1">
+              <a:buFont typeface="Arial" panose="020B0604020202020204" pitchFamily="34" charset="0"/>
+              <a:buChar char="•"/>
+            </a:pPr>
+            <a:r>
+              <a:rPr lang="en-GB" sz="2400" i="1" dirty="0"/>
+              <a:t>DNA as a Liquid Crystal</a:t>
+            </a:r>
+          </a:p>
+          <a:p>
+            <a:pPr>
+              <a:buFont typeface="Arial" panose="020B0604020202020204" pitchFamily="34" charset="0"/>
+              <a:buChar char="•"/>
+            </a:pPr>
+            <a:r>
+              <a:rPr lang="en-GB" sz="3000" dirty="0"/>
+              <a:t> </a:t>
+            </a:r>
+            <a:r>
+              <a:rPr lang="en-GB" sz="2800" dirty="0"/>
+              <a:t>Methods</a:t>
+            </a:r>
+          </a:p>
+          <a:p>
+            <a:pPr>
+              <a:buFont typeface="Arial" panose="020B0604020202020204" pitchFamily="34" charset="0"/>
+              <a:buChar char="•"/>
+            </a:pPr>
+            <a:r>
+              <a:rPr lang="en-GB" sz="2800" dirty="0"/>
+              <a:t> Rigid Rod Simulations</a:t>
+            </a:r>
+          </a:p>
+          <a:p>
+            <a:pPr>
+              <a:buFont typeface="Arial" panose="020B0604020202020204" pitchFamily="34" charset="0"/>
+              <a:buChar char="•"/>
+            </a:pPr>
+            <a:r>
+              <a:rPr lang="en-GB" sz="2800" dirty="0"/>
+              <a:t> Nunchuck Simulations </a:t>
+            </a:r>
+          </a:p>
+          <a:p>
+            <a:pPr>
+              <a:buFont typeface="Arial" panose="020B0604020202020204" pitchFamily="34" charset="0"/>
+              <a:buChar char="•"/>
+            </a:pPr>
+            <a:r>
+              <a:rPr lang="en-GB" sz="2800" dirty="0"/>
+              <a:t> Conclusions</a:t>
+            </a:r>
+          </a:p>
+          <a:p>
+            <a:endParaRPr lang="en-GB" dirty="0"/>
+          </a:p>
+        </p:txBody>
+      </p:sp>
+      <p:sp>
+        <p:nvSpPr>
+          <p:cNvPr id="7" name="Date Placeholder 6">
+            <a:extLst>
+              <a:ext uri="{FF2B5EF4-FFF2-40B4-BE49-F238E27FC236}">
+                <a16:creationId xmlns:a16="http://schemas.microsoft.com/office/drawing/2014/main" id="{7886F747-82E0-48E9-AE5F-22388FEE92E5}"/>
+              </a:ext>
+            </a:extLst>
+          </p:cNvPr>
+          <p:cNvSpPr>
+            <a:spLocks noGrp="1"/>
+          </p:cNvSpPr>
+          <p:nvPr>
+            <p:ph type="dt" sz="half" idx="10"/>
+          </p:nvPr>
+        </p:nvSpPr>
+        <p:spPr/>
+        <p:txBody>
+          <a:bodyPr/>
+          <a:lstStyle/>
+          <a:p>
+            <a:fld id="{BAC64DD5-28A9-481B-B01B-AB7B52519854}" type="datetime1">
+              <a:rPr lang="en-GB" smtClean="0"/>
+              <a:t>08/05/2021</a:t>
+            </a:fld>
+            <a:endParaRPr lang="en-GB"/>
+          </a:p>
+        </p:txBody>
+      </p:sp>
+      <p:sp>
+        <p:nvSpPr>
+          <p:cNvPr id="8" name="Footer Placeholder 7">
+            <a:extLst>
+              <a:ext uri="{FF2B5EF4-FFF2-40B4-BE49-F238E27FC236}">
+                <a16:creationId xmlns:a16="http://schemas.microsoft.com/office/drawing/2014/main" id="{6CB7CA7E-E2B9-48B7-B002-73ECBB3ED20B}"/>
+              </a:ext>
+            </a:extLst>
+          </p:cNvPr>
+          <p:cNvSpPr>
+            <a:spLocks noGrp="1"/>
+          </p:cNvSpPr>
+          <p:nvPr>
+            <p:ph type="ftr" sz="quarter" idx="11"/>
+          </p:nvPr>
+        </p:nvSpPr>
+        <p:spPr/>
+        <p:txBody>
+          <a:bodyPr/>
+          <a:lstStyle/>
+          <a:p>
+            <a:r>
+              <a:rPr lang="en-GB"/>
+              <a:t>Simulating Liquid Crystals</a:t>
+            </a:r>
+          </a:p>
+        </p:txBody>
+      </p:sp>
+      <p:sp>
+        <p:nvSpPr>
+          <p:cNvPr id="9" name="Slide Number Placeholder 8">
+            <a:extLst>
+              <a:ext uri="{FF2B5EF4-FFF2-40B4-BE49-F238E27FC236}">
+                <a16:creationId xmlns:a16="http://schemas.microsoft.com/office/drawing/2014/main" id="{67D1AF3D-6814-45FB-B96B-6CF4D0AF1174}"/>
+              </a:ext>
+            </a:extLst>
+          </p:cNvPr>
+          <p:cNvSpPr>
+            <a:spLocks noGrp="1"/>
+          </p:cNvSpPr>
+          <p:nvPr>
+            <p:ph type="sldNum" sz="quarter" idx="12"/>
+          </p:nvPr>
+        </p:nvSpPr>
+        <p:spPr/>
+        <p:txBody>
+          <a:bodyPr/>
+          <a:lstStyle/>
+          <a:p>
+            <a:fld id="{AB645ECC-7A7A-4729-8128-50B722794741}" type="slidenum">
+              <a:rPr lang="en-GB" smtClean="0"/>
+              <a:t>2</a:t>
+            </a:fld>
+            <a:endParaRPr lang="en-GB"/>
+          </a:p>
+        </p:txBody>
+      </p:sp>
+      <p:pic>
+        <p:nvPicPr>
+          <p:cNvPr id="10" name="Picture 9">
+            <a:extLst>
+              <a:ext uri="{FF2B5EF4-FFF2-40B4-BE49-F238E27FC236}">
+                <a16:creationId xmlns:a16="http://schemas.microsoft.com/office/drawing/2014/main" id="{6CFCB1E8-A9E4-4CF1-B8AB-1936112E9FCA}"/>
+              </a:ext>
+            </a:extLst>
+          </p:cNvPr>
+          <p:cNvPicPr>
+            <a:picLocks noChangeAspect="1"/>
+          </p:cNvPicPr>
+          <p:nvPr/>
+        </p:nvPicPr>
+        <p:blipFill rotWithShape="1">
+          <a:blip r:embed="rId2">
+            <a:extLst>
+              <a:ext uri="{28A0092B-C50C-407E-A947-70E740481C1C}">
+                <a14:useLocalDpi xmlns:a14="http://schemas.microsoft.com/office/drawing/2010/main" val="0"/>
+              </a:ext>
+            </a:extLst>
+          </a:blip>
+          <a:srcRect l="21385" r="19620" b="-3"/>
+          <a:stretch/>
+        </p:blipFill>
+        <p:spPr>
+          <a:xfrm>
+            <a:off x="6487607" y="1564640"/>
+            <a:ext cx="3402691" cy="4325893"/>
+          </a:xfrm>
+          <a:prstGeom prst="rect">
+            <a:avLst/>
+          </a:prstGeom>
+        </p:spPr>
+      </p:pic>
+    </p:spTree>
+    <p:extLst>
+      <p:ext uri="{BB962C8B-B14F-4D97-AF65-F5344CB8AC3E}">
+        <p14:creationId xmlns:p14="http://schemas.microsoft.com/office/powerpoint/2010/main" val="2914512620"/>
+      </p:ext>
+    </p:extLst>
+  </p:cSld>
+  <p:clrMapOvr>
+    <a:masterClrMapping/>
+  </p:clrMapOvr>
+</p:sld>
+</file>
+
+<file path=ppt/slides/slide20.xml><?xml version="1.0" encoding="utf-8"?>
+<p:sld xmlns:a="http://schemas.openxmlformats.org/drawingml/2006/main" xmlns:r="http://schemas.openxmlformats.org/officeDocument/2006/relationships" xmlns:p="http://schemas.openxmlformats.org/presentationml/2006/main">
+  <p:cSld>
+    <p:bg>
+      <p:bgPr>
+        <a:solidFill>
+          <a:schemeClr val="bg1"/>
+        </a:solidFill>
+        <a:effectLst/>
+      </p:bgPr>
+    </p:bg>
+    <p:spTree>
+      <p:nvGrpSpPr>
+        <p:cNvPr id="1" name=""/>
+        <p:cNvGrpSpPr/>
+        <p:nvPr/>
+      </p:nvGrpSpPr>
+      <p:grpSpPr>
+        <a:xfrm>
+          <a:off x="0" y="0"/>
+          <a:ext cx="0" cy="0"/>
+          <a:chOff x="0" y="0"/>
+          <a:chExt cx="0" cy="0"/>
+        </a:xfrm>
+      </p:grpSpPr>
+      <p:sp>
+        <p:nvSpPr>
+          <p:cNvPr id="13" name="Rectangle 12">
+            <a:extLst>
+              <a:ext uri="{FF2B5EF4-FFF2-40B4-BE49-F238E27FC236}">
+                <a16:creationId xmlns:a16="http://schemas.microsoft.com/office/drawing/2014/main" id="{25C8D2C1-DA83-420D-9635-D52CE066B5DA}"/>
+              </a:ext>
+              <a:ext uri="{C183D7F6-B498-43B3-948B-1728B52AA6E4}">
+                <adec:decorative xmlns:adec="http://schemas.microsoft.com/office/drawing/2017/decorative" val="1"/>
+              </a:ext>
+            </a:extLst>
+          </p:cNvPr>
+          <p:cNvSpPr>
+            <a:spLocks noGrp="1" noRot="1" noChangeAspect="1" noMove="1" noResize="1" noEditPoints="1" noAdjustHandles="1" noChangeArrowheads="1" noChangeShapeType="1" noTextEdit="1"/>
+          </p:cNvSpPr>
+          <p:nvPr>
+            <p:extLst>
+              <p:ext uri="{386F3935-93C4-4BCD-93E2-E3B085C9AB24}">
+                <p16:designElem xmlns:p16="http://schemas.microsoft.com/office/powerpoint/2015/main" val="1"/>
+              </p:ext>
+            </p:extLst>
+          </p:nvPr>
+        </p:nvSpPr>
+        <p:spPr>
+          <a:xfrm>
+            <a:off x="3175" y="6400800"/>
+            <a:ext cx="12188825" cy="457200"/>
+          </a:xfrm>
+          <a:prstGeom prst="rect">
+            <a:avLst/>
+          </a:prstGeom>
+          <a:solidFill>
+            <a:schemeClr val="accent2"/>
+          </a:solidFill>
+          <a:ln>
+            <a:noFill/>
+          </a:ln>
+        </p:spPr>
+        <p:style>
+          <a:lnRef idx="2">
+            <a:schemeClr val="accent1">
+              <a:shade val="50000"/>
+            </a:schemeClr>
+          </a:lnRef>
+          <a:fillRef idx="1">
+            <a:schemeClr val="accent1"/>
+          </a:fillRef>
+          <a:effectRef idx="0">
+            <a:schemeClr val="accent1"/>
+          </a:effectRef>
+          <a:fontRef idx="minor">
+            <a:schemeClr val="lt1"/>
+          </a:fontRef>
+        </p:style>
+      </p:sp>
+      <p:sp>
+        <p:nvSpPr>
+          <p:cNvPr id="15" name="Rectangle 14">
+            <a:extLst>
+              <a:ext uri="{FF2B5EF4-FFF2-40B4-BE49-F238E27FC236}">
+                <a16:creationId xmlns:a16="http://schemas.microsoft.com/office/drawing/2014/main" id="{434F74C9-6A0B-409E-AD1C-45B58BE91BB8}"/>
+              </a:ext>
+              <a:ext uri="{C183D7F6-B498-43B3-948B-1728B52AA6E4}">
+                <adec:decorative xmlns:adec="http://schemas.microsoft.com/office/drawing/2017/decorative" val="1"/>
+              </a:ext>
+            </a:extLst>
+          </p:cNvPr>
+          <p:cNvSpPr>
+            <a:spLocks noGrp="1" noRot="1" noChangeAspect="1" noMove="1" noResize="1" noEditPoints="1" noAdjustHandles="1" noChangeArrowheads="1" noChangeShapeType="1" noTextEdit="1"/>
+          </p:cNvSpPr>
+          <p:nvPr>
+            <p:extLst>
+              <p:ext uri="{386F3935-93C4-4BCD-93E2-E3B085C9AB24}">
+                <p16:designElem xmlns:p16="http://schemas.microsoft.com/office/powerpoint/2015/main" val="1"/>
+              </p:ext>
+            </p:extLst>
+          </p:nvPr>
+        </p:nvSpPr>
+        <p:spPr>
+          <a:xfrm>
+            <a:off x="15" y="6334316"/>
+            <a:ext cx="12188825" cy="64008"/>
+          </a:xfrm>
+          <a:prstGeom prst="rect">
+            <a:avLst/>
+          </a:prstGeom>
+          <a:solidFill>
+            <a:schemeClr val="accent1"/>
+          </a:solidFill>
+          <a:ln>
+            <a:noFill/>
+          </a:ln>
+        </p:spPr>
+        <p:style>
+          <a:lnRef idx="2">
+            <a:schemeClr val="accent1">
+              <a:shade val="50000"/>
+            </a:schemeClr>
+          </a:lnRef>
+          <a:fillRef idx="1">
+            <a:schemeClr val="accent1"/>
+          </a:fillRef>
+          <a:effectRef idx="0">
+            <a:schemeClr val="accent1"/>
+          </a:effectRef>
+          <a:fontRef idx="minor">
+            <a:schemeClr val="lt1"/>
+          </a:fontRef>
+        </p:style>
+      </p:sp>
+      <p:cxnSp>
+        <p:nvCxnSpPr>
+          <p:cNvPr id="17" name="Straight Connector 16">
+            <a:extLst>
+              <a:ext uri="{FF2B5EF4-FFF2-40B4-BE49-F238E27FC236}">
+                <a16:creationId xmlns:a16="http://schemas.microsoft.com/office/drawing/2014/main" id="{F5486A9D-1265-4B57-91E6-68E666B978BC}"/>
+              </a:ext>
+              <a:ext uri="{C183D7F6-B498-43B3-948B-1728B52AA6E4}">
+                <adec:decorative xmlns:adec="http://schemas.microsoft.com/office/drawing/2017/decorative" val="1"/>
+              </a:ext>
+            </a:extLst>
+          </p:cNvPr>
+          <p:cNvCxnSpPr>
+            <a:cxnSpLocks noGrp="1" noRot="1" noChangeAspect="1" noMove="1" noResize="1" noEditPoints="1" noAdjustHandles="1" noChangeArrowheads="1" noChangeShapeType="1"/>
+          </p:cNvCxnSpPr>
+          <p:nvPr>
+            <p:extLst>
+              <p:ext uri="{386F3935-93C4-4BCD-93E2-E3B085C9AB24}">
+                <p16:designElem xmlns:p16="http://schemas.microsoft.com/office/powerpoint/2015/main" val="1"/>
+              </p:ext>
+            </p:extLst>
+          </p:nvPr>
+        </p:nvCxnSpPr>
+        <p:spPr>
+          <a:xfrm>
+            <a:off x="1207658" y="4343400"/>
+            <a:ext cx="9875520" cy="0"/>
+          </a:xfrm>
+          <a:prstGeom prst="line">
+            <a:avLst/>
+          </a:prstGeom>
+          <a:ln w="6350">
+            <a:solidFill>
+              <a:schemeClr val="tx1">
+                <a:lumMod val="50000"/>
+                <a:lumOff val="50000"/>
+              </a:schemeClr>
+            </a:solidFill>
+          </a:ln>
+        </p:spPr>
+        <p:style>
+          <a:lnRef idx="1">
+            <a:schemeClr val="accent1"/>
+          </a:lnRef>
+          <a:fillRef idx="0">
+            <a:schemeClr val="accent1"/>
+          </a:fillRef>
+          <a:effectRef idx="0">
+            <a:schemeClr val="accent1"/>
+          </a:effectRef>
+          <a:fontRef idx="minor">
+            <a:schemeClr val="tx1"/>
+          </a:fontRef>
+        </p:style>
+      </p:cxnSp>
+      <p:sp useBgFill="1">
+        <p:nvSpPr>
+          <p:cNvPr id="19" name="Rectangle 18">
+            <a:extLst>
+              <a:ext uri="{FF2B5EF4-FFF2-40B4-BE49-F238E27FC236}">
+                <a16:creationId xmlns:a16="http://schemas.microsoft.com/office/drawing/2014/main" id="{F452A527-3631-41ED-858D-3777A7D1496A}"/>
+              </a:ext>
+              <a:ext uri="{C183D7F6-B498-43B3-948B-1728B52AA6E4}">
+                <adec:decorative xmlns:adec="http://schemas.microsoft.com/office/drawing/2017/decorative" val="1"/>
+              </a:ext>
+            </a:extLst>
+          </p:cNvPr>
+          <p:cNvSpPr>
+            <a:spLocks noGrp="1" noRot="1" noChangeAspect="1" noMove="1" noResize="1" noEditPoints="1" noAdjustHandles="1" noChangeArrowheads="1" noChangeShapeType="1" noTextEdit="1"/>
+          </p:cNvSpPr>
+          <p:nvPr>
+            <p:extLst>
+              <p:ext uri="{386F3935-93C4-4BCD-93E2-E3B085C9AB24}">
+                <p16:designElem xmlns:p16="http://schemas.microsoft.com/office/powerpoint/2015/main" val="1"/>
+              </p:ext>
+            </p:extLst>
+          </p:nvPr>
+        </p:nvSpPr>
+        <p:spPr>
+          <a:xfrm>
+            <a:off x="0" y="0"/>
+            <a:ext cx="12192001" cy="6334316"/>
+          </a:xfrm>
+          <a:prstGeom prst="rect">
+            <a:avLst/>
+          </a:prstGeom>
+          <a:ln>
+            <a:noFill/>
+          </a:ln>
+        </p:spPr>
+        <p:style>
+          <a:lnRef idx="2">
+            <a:schemeClr val="accent1">
+              <a:shade val="50000"/>
+            </a:schemeClr>
+          </a:lnRef>
+          <a:fillRef idx="1">
+            <a:schemeClr val="accent1"/>
+          </a:fillRef>
+          <a:effectRef idx="0">
+            <a:schemeClr val="accent1"/>
+          </a:effectRef>
+          <a:fontRef idx="minor">
+            <a:schemeClr val="lt1"/>
+          </a:fontRef>
+        </p:style>
+        <p:txBody>
+          <a:bodyPr rtlCol="0" anchor="ctr"/>
+          <a:lstStyle/>
+          <a:p>
+            <a:pPr algn="ctr"/>
+            <a:endParaRPr lang="en-US"/>
+          </a:p>
+        </p:txBody>
+      </p:sp>
+      <p:sp>
+        <p:nvSpPr>
+          <p:cNvPr id="2" name="Title 1">
+            <a:extLst>
+              <a:ext uri="{FF2B5EF4-FFF2-40B4-BE49-F238E27FC236}">
+                <a16:creationId xmlns:a16="http://schemas.microsoft.com/office/drawing/2014/main" id="{58EF236D-0FC8-4BB9-8A75-2DF17FEDA017}"/>
+              </a:ext>
+            </a:extLst>
+          </p:cNvPr>
+          <p:cNvSpPr>
+            <a:spLocks noGrp="1"/>
+          </p:cNvSpPr>
+          <p:nvPr>
+            <p:ph type="title"/>
+          </p:nvPr>
+        </p:nvSpPr>
+        <p:spPr>
+          <a:xfrm>
+            <a:off x="6730000" y="639097"/>
+            <a:ext cx="4813072" cy="3686015"/>
+          </a:xfrm>
+        </p:spPr>
+        <p:txBody>
+          <a:bodyPr vert="horz" lIns="91440" tIns="45720" rIns="91440" bIns="45720" rtlCol="0" anchor="b">
+            <a:normAutofit/>
+          </a:bodyPr>
+          <a:lstStyle/>
+          <a:p>
+            <a:r>
+              <a:rPr lang="en-US" sz="8000">
+                <a:solidFill>
+                  <a:schemeClr val="tx1">
+                    <a:lumMod val="85000"/>
+                    <a:lumOff val="15000"/>
+                  </a:schemeClr>
+                </a:solidFill>
+              </a:rPr>
+              <a:t>Thank you for listening</a:t>
+            </a:r>
+          </a:p>
+        </p:txBody>
+      </p:sp>
+      <p:pic>
+        <p:nvPicPr>
+          <p:cNvPr id="8" name="Picture 7" descr="A picture containing text&#10;&#10;Description automatically generated">
+            <a:extLst>
+              <a:ext uri="{FF2B5EF4-FFF2-40B4-BE49-F238E27FC236}">
+                <a16:creationId xmlns:a16="http://schemas.microsoft.com/office/drawing/2014/main" id="{16123284-AC7C-47BA-B4C5-9C08439035C4}"/>
+              </a:ext>
+            </a:extLst>
+          </p:cNvPr>
+          <p:cNvPicPr>
+            <a:picLocks noChangeAspect="1"/>
+          </p:cNvPicPr>
+          <p:nvPr/>
+        </p:nvPicPr>
+        <p:blipFill rotWithShape="1">
+          <a:blip r:embed="rId2">
+            <a:extLst>
+              <a:ext uri="{28A0092B-C50C-407E-A947-70E740481C1C}">
+                <a14:useLocalDpi xmlns:a14="http://schemas.microsoft.com/office/drawing/2010/main" val="0"/>
+              </a:ext>
+            </a:extLst>
+          </a:blip>
+          <a:srcRect l="10742" r="8205" b="-1"/>
+          <a:stretch/>
+        </p:blipFill>
+        <p:spPr>
+          <a:xfrm>
+            <a:off x="633999" y="640081"/>
+            <a:ext cx="5462001" cy="5054156"/>
+          </a:xfrm>
+          <a:prstGeom prst="rect">
+            <a:avLst/>
+          </a:prstGeom>
+        </p:spPr>
+      </p:pic>
+      <p:cxnSp>
+        <p:nvCxnSpPr>
+          <p:cNvPr id="21" name="Straight Connector 20">
+            <a:extLst>
+              <a:ext uri="{FF2B5EF4-FFF2-40B4-BE49-F238E27FC236}">
+                <a16:creationId xmlns:a16="http://schemas.microsoft.com/office/drawing/2014/main" id="{D28A9C89-B313-458F-9C85-515930A51A93}"/>
+              </a:ext>
+              <a:ext uri="{C183D7F6-B498-43B3-948B-1728B52AA6E4}">
+                <adec:decorative xmlns:adec="http://schemas.microsoft.com/office/drawing/2017/decorative" val="1"/>
+              </a:ext>
+            </a:extLst>
+          </p:cNvPr>
+          <p:cNvCxnSpPr>
+            <a:cxnSpLocks noGrp="1" noRot="1" noChangeAspect="1" noMove="1" noResize="1" noEditPoints="1" noAdjustHandles="1" noChangeArrowheads="1" noChangeShapeType="1"/>
+          </p:cNvCxnSpPr>
+          <p:nvPr>
+            <p:extLst>
+              <p:ext uri="{386F3935-93C4-4BCD-93E2-E3B085C9AB24}">
+                <p16:designElem xmlns:p16="http://schemas.microsoft.com/office/powerpoint/2015/main" val="1"/>
+              </p:ext>
+            </p:extLst>
+          </p:nvPr>
+        </p:nvCxnSpPr>
+        <p:spPr>
+          <a:xfrm>
+            <a:off x="6805053" y="4343400"/>
+            <a:ext cx="4389120" cy="0"/>
+          </a:xfrm>
+          <a:prstGeom prst="line">
+            <a:avLst/>
+          </a:prstGeom>
+          <a:ln w="6350">
+            <a:solidFill>
+              <a:schemeClr val="tx2">
+                <a:alpha val="90000"/>
+              </a:schemeClr>
+            </a:solidFill>
+          </a:ln>
+        </p:spPr>
+        <p:style>
+          <a:lnRef idx="1">
+            <a:schemeClr val="accent1"/>
+          </a:lnRef>
+          <a:fillRef idx="0">
+            <a:schemeClr val="accent1"/>
+          </a:fillRef>
+          <a:effectRef idx="0">
+            <a:schemeClr val="accent1"/>
+          </a:effectRef>
+          <a:fontRef idx="minor">
+            <a:schemeClr val="tx1"/>
+          </a:fontRef>
+        </p:style>
+      </p:cxnSp>
+      <p:sp>
+        <p:nvSpPr>
+          <p:cNvPr id="23" name="Rectangle 22">
+            <a:extLst>
+              <a:ext uri="{FF2B5EF4-FFF2-40B4-BE49-F238E27FC236}">
+                <a16:creationId xmlns:a16="http://schemas.microsoft.com/office/drawing/2014/main" id="{F85B92BC-678C-4E14-97E6-3227DEF86371}"/>
+              </a:ext>
+              <a:ext uri="{C183D7F6-B498-43B3-948B-1728B52AA6E4}">
+                <adec:decorative xmlns:adec="http://schemas.microsoft.com/office/drawing/2017/decorative" val="1"/>
+              </a:ext>
+            </a:extLst>
+          </p:cNvPr>
+          <p:cNvSpPr>
+            <a:spLocks noGrp="1" noRot="1" noChangeAspect="1" noMove="1" noResize="1" noEditPoints="1" noAdjustHandles="1" noChangeArrowheads="1" noChangeShapeType="1" noTextEdit="1"/>
+          </p:cNvSpPr>
+          <p:nvPr>
+            <p:extLst>
+              <p:ext uri="{386F3935-93C4-4BCD-93E2-E3B085C9AB24}">
+                <p16:designElem xmlns:p16="http://schemas.microsoft.com/office/powerpoint/2015/main" val="1"/>
+              </p:ext>
+            </p:extLst>
+          </p:nvPr>
+        </p:nvSpPr>
+        <p:spPr>
+          <a:xfrm>
+            <a:off x="15" y="6334316"/>
+            <a:ext cx="12191985" cy="66484"/>
+          </a:xfrm>
+          <a:prstGeom prst="rect">
+            <a:avLst/>
+          </a:prstGeom>
+          <a:solidFill>
+            <a:schemeClr val="accent1"/>
+          </a:solidFill>
+          <a:ln>
+            <a:noFill/>
+          </a:ln>
+        </p:spPr>
+        <p:style>
+          <a:lnRef idx="2">
+            <a:schemeClr val="accent1">
+              <a:shade val="50000"/>
+            </a:schemeClr>
+          </a:lnRef>
+          <a:fillRef idx="1">
+            <a:schemeClr val="accent1"/>
+          </a:fillRef>
+          <a:effectRef idx="0">
+            <a:schemeClr val="accent1"/>
+          </a:effectRef>
+          <a:fontRef idx="minor">
+            <a:schemeClr val="lt1"/>
+          </a:fontRef>
+        </p:style>
+      </p:sp>
+      <p:sp>
+        <p:nvSpPr>
+          <p:cNvPr id="25" name="Rectangle 24">
+            <a:extLst>
+              <a:ext uri="{FF2B5EF4-FFF2-40B4-BE49-F238E27FC236}">
+                <a16:creationId xmlns:a16="http://schemas.microsoft.com/office/drawing/2014/main" id="{D2644120-A6B9-4D5C-8A60-E2F4CC220E77}"/>
+              </a:ext>
+              <a:ext uri="{C183D7F6-B498-43B3-948B-1728B52AA6E4}">
+                <adec:decorative xmlns:adec="http://schemas.microsoft.com/office/drawing/2017/decorative" val="1"/>
+              </a:ext>
+            </a:extLst>
+          </p:cNvPr>
+          <p:cNvSpPr>
+            <a:spLocks noGrp="1" noRot="1" noChangeAspect="1" noMove="1" noResize="1" noEditPoints="1" noAdjustHandles="1" noChangeArrowheads="1" noChangeShapeType="1" noTextEdit="1"/>
+          </p:cNvSpPr>
+          <p:nvPr>
+            <p:extLst>
+              <p:ext uri="{386F3935-93C4-4BCD-93E2-E3B085C9AB24}">
+                <p16:designElem xmlns:p16="http://schemas.microsoft.com/office/powerpoint/2015/main" val="1"/>
+              </p:ext>
+            </p:extLst>
+          </p:nvPr>
+        </p:nvSpPr>
+        <p:spPr>
+          <a:xfrm>
+            <a:off x="1" y="6400800"/>
+            <a:ext cx="12192000" cy="457200"/>
+          </a:xfrm>
+          <a:prstGeom prst="rect">
+            <a:avLst/>
+          </a:prstGeom>
+          <a:solidFill>
+            <a:schemeClr val="accent2"/>
+          </a:solidFill>
+          <a:ln>
+            <a:noFill/>
+          </a:ln>
+        </p:spPr>
+        <p:style>
+          <a:lnRef idx="2">
+            <a:schemeClr val="accent1">
+              <a:shade val="50000"/>
+            </a:schemeClr>
+          </a:lnRef>
+          <a:fillRef idx="1">
+            <a:schemeClr val="accent1"/>
+          </a:fillRef>
+          <a:effectRef idx="0">
+            <a:schemeClr val="accent1"/>
+          </a:effectRef>
+          <a:fontRef idx="minor">
+            <a:schemeClr val="lt1"/>
+          </a:fontRef>
+        </p:style>
+      </p:sp>
+      <p:sp>
+        <p:nvSpPr>
+          <p:cNvPr id="4" name="Date Placeholder 3">
+            <a:extLst>
+              <a:ext uri="{FF2B5EF4-FFF2-40B4-BE49-F238E27FC236}">
+                <a16:creationId xmlns:a16="http://schemas.microsoft.com/office/drawing/2014/main" id="{6B637B00-A9E3-41A4-A699-42AE1FC4618D}"/>
+              </a:ext>
+            </a:extLst>
+          </p:cNvPr>
+          <p:cNvSpPr>
+            <a:spLocks noGrp="1"/>
+          </p:cNvSpPr>
+          <p:nvPr>
+            <p:ph type="dt" sz="half" idx="10"/>
+          </p:nvPr>
+        </p:nvSpPr>
+        <p:spPr>
+          <a:xfrm>
+            <a:off x="1097280" y="6459785"/>
+            <a:ext cx="2472271" cy="365125"/>
+          </a:xfrm>
+        </p:spPr>
+        <p:txBody>
+          <a:bodyPr vert="horz" lIns="91440" tIns="45720" rIns="91440" bIns="45720" rtlCol="0" anchor="ctr">
+            <a:normAutofit/>
+          </a:bodyPr>
+          <a:lstStyle/>
+          <a:p>
+            <a:pPr defTabSz="914400">
+              <a:spcAft>
+                <a:spcPts val="600"/>
+              </a:spcAft>
+            </a:pPr>
+            <a:fld id="{4F06D8F6-A7B9-4826-9DEE-ADFB02B7806A}" type="datetime1">
+              <a:rPr lang="en-US" smtClean="0"/>
+              <a:pPr defTabSz="914400">
+                <a:spcAft>
+                  <a:spcPts val="600"/>
+                </a:spcAft>
+              </a:pPr>
+              <a:t>5/8/2021</a:t>
+            </a:fld>
+            <a:endParaRPr lang="en-US"/>
+          </a:p>
+        </p:txBody>
+      </p:sp>
+      <p:sp>
+        <p:nvSpPr>
+          <p:cNvPr id="5" name="Footer Placeholder 4">
+            <a:extLst>
+              <a:ext uri="{FF2B5EF4-FFF2-40B4-BE49-F238E27FC236}">
+                <a16:creationId xmlns:a16="http://schemas.microsoft.com/office/drawing/2014/main" id="{0C060F13-00DA-4A95-9AA8-5083C2E5EE25}"/>
+              </a:ext>
+            </a:extLst>
+          </p:cNvPr>
+          <p:cNvSpPr>
+            <a:spLocks noGrp="1"/>
+          </p:cNvSpPr>
+          <p:nvPr>
+            <p:ph type="ftr" sz="quarter" idx="11"/>
+          </p:nvPr>
+        </p:nvSpPr>
+        <p:spPr>
+          <a:xfrm>
+            <a:off x="3686185" y="6459785"/>
+            <a:ext cx="4822804" cy="365125"/>
+          </a:xfrm>
+        </p:spPr>
+        <p:txBody>
+          <a:bodyPr vert="horz" lIns="91440" tIns="45720" rIns="91440" bIns="45720" rtlCol="0" anchor="ctr">
+            <a:normAutofit/>
+          </a:bodyPr>
+          <a:lstStyle/>
+          <a:p>
+            <a:pPr defTabSz="914400">
+              <a:spcAft>
+                <a:spcPts val="600"/>
+              </a:spcAft>
+            </a:pPr>
+            <a:r>
+              <a:rPr lang="en-US" kern="1200" cap="all" baseline="0">
+                <a:solidFill>
+                  <a:srgbClr val="FFFFFF"/>
+                </a:solidFill>
+                <a:latin typeface="+mn-lt"/>
+                <a:ea typeface="+mn-ea"/>
+                <a:cs typeface="+mn-cs"/>
+              </a:rPr>
+              <a:t>Simulating Liquid Crystals</a:t>
+            </a:r>
+          </a:p>
+        </p:txBody>
+      </p:sp>
+      <p:sp>
+        <p:nvSpPr>
+          <p:cNvPr id="6" name="Slide Number Placeholder 5">
+            <a:extLst>
+              <a:ext uri="{FF2B5EF4-FFF2-40B4-BE49-F238E27FC236}">
+                <a16:creationId xmlns:a16="http://schemas.microsoft.com/office/drawing/2014/main" id="{16870750-ED04-4E7A-8E4E-8E23F31E5AC1}"/>
+              </a:ext>
+            </a:extLst>
+          </p:cNvPr>
+          <p:cNvSpPr>
+            <a:spLocks noGrp="1"/>
+          </p:cNvSpPr>
+          <p:nvPr>
+            <p:ph type="sldNum" sz="quarter" idx="12"/>
+          </p:nvPr>
+        </p:nvSpPr>
+        <p:spPr>
+          <a:xfrm>
+            <a:off x="9900458" y="6459785"/>
+            <a:ext cx="1312025" cy="365125"/>
+          </a:xfrm>
+        </p:spPr>
+        <p:txBody>
+          <a:bodyPr vert="horz" lIns="91440" tIns="45720" rIns="91440" bIns="45720" rtlCol="0" anchor="ctr">
+            <a:normAutofit/>
+          </a:bodyPr>
+          <a:lstStyle/>
+          <a:p>
+            <a:pPr defTabSz="914400">
+              <a:spcAft>
+                <a:spcPts val="600"/>
+              </a:spcAft>
+            </a:pPr>
+            <a:fld id="{AB645ECC-7A7A-4729-8128-50B722794741}" type="slidenum">
+              <a:rPr lang="en-US" smtClean="0"/>
+              <a:pPr defTabSz="914400">
+                <a:spcAft>
+                  <a:spcPts val="600"/>
+                </a:spcAft>
+              </a:pPr>
+              <a:t>20</a:t>
+            </a:fld>
+            <a:endParaRPr lang="en-US"/>
+          </a:p>
+        </p:txBody>
+      </p:sp>
+      <p:pic>
+        <p:nvPicPr>
+          <p:cNvPr id="16" name="Picture 15">
+            <a:extLst>
+              <a:ext uri="{FF2B5EF4-FFF2-40B4-BE49-F238E27FC236}">
+                <a16:creationId xmlns:a16="http://schemas.microsoft.com/office/drawing/2014/main" id="{A6B499B5-5C27-4B3F-B421-B2241AC4BA0D}"/>
+              </a:ext>
+            </a:extLst>
+          </p:cNvPr>
+          <p:cNvPicPr>
+            <a:picLocks noChangeAspect="1"/>
+          </p:cNvPicPr>
+          <p:nvPr/>
+        </p:nvPicPr>
+        <p:blipFill>
+          <a:blip r:embed="rId3"/>
+          <a:stretch>
+            <a:fillRect/>
+          </a:stretch>
+        </p:blipFill>
+        <p:spPr>
+          <a:xfrm>
+            <a:off x="9432916" y="5588655"/>
+            <a:ext cx="2746972" cy="738434"/>
+          </a:xfrm>
+          <a:prstGeom prst="rect">
+            <a:avLst/>
+          </a:prstGeom>
+        </p:spPr>
+      </p:pic>
+      <p:pic>
+        <p:nvPicPr>
+          <p:cNvPr id="18" name="Picture 2" descr="Physics at Work 2020 - Overview — Department of Physics">
+            <a:extLst>
+              <a:ext uri="{FF2B5EF4-FFF2-40B4-BE49-F238E27FC236}">
+                <a16:creationId xmlns:a16="http://schemas.microsoft.com/office/drawing/2014/main" id="{13E76E65-9BAE-46DA-84DC-ED4C3E5D6CBF}"/>
+              </a:ext>
+            </a:extLst>
+          </p:cNvPr>
+          <p:cNvPicPr>
+            <a:picLocks noChangeAspect="1" noChangeArrowheads="1"/>
+          </p:cNvPicPr>
+          <p:nvPr/>
+        </p:nvPicPr>
+        <p:blipFill rotWithShape="1">
+          <a:blip r:embed="rId4">
+            <a:extLst>
+              <a:ext uri="{28A0092B-C50C-407E-A947-70E740481C1C}">
+                <a14:useLocalDpi xmlns:a14="http://schemas.microsoft.com/office/drawing/2010/main" val="0"/>
+              </a:ext>
+            </a:extLst>
+          </a:blip>
+          <a:srcRect t="8973" b="53454"/>
+          <a:stretch/>
+        </p:blipFill>
+        <p:spPr bwMode="auto">
+          <a:xfrm>
+            <a:off x="9626446" y="52906"/>
+            <a:ext cx="2491296" cy="936000"/>
+          </a:xfrm>
+          <a:prstGeom prst="rect">
+            <a:avLst/>
+          </a:prstGeom>
+          <a:noFill/>
+          <a:extLst>
+            <a:ext uri="{909E8E84-426E-40DD-AFC4-6F175D3DCCD1}">
+              <a14:hiddenFill xmlns:a14="http://schemas.microsoft.com/office/drawing/2010/main">
+                <a:solidFill>
+                  <a:srgbClr val="FFFFFF"/>
+                </a:solidFill>
+              </a14:hiddenFill>
+            </a:ext>
+          </a:extLst>
+        </p:spPr>
+      </p:pic>
+    </p:spTree>
+    <p:extLst>
+      <p:ext uri="{BB962C8B-B14F-4D97-AF65-F5344CB8AC3E}">
+        <p14:creationId xmlns:p14="http://schemas.microsoft.com/office/powerpoint/2010/main" val="1312819230"/>
+      </p:ext>
+    </p:extLst>
+  </p:cSld>
+  <p:clrMapOvr>
+    <a:masterClrMapping/>
+  </p:clrMapOvr>
+</p:sld>
+</file>
+
+<file path=ppt/slides/slide21.xml><?xml version="1.0" encoding="utf-8"?>
 <p:sld xmlns:a="http://schemas.openxmlformats.org/drawingml/2006/main" xmlns:r="http://schemas.openxmlformats.org/officeDocument/2006/relationships" xmlns:p="http://schemas.openxmlformats.org/presentationml/2006/main">
   <p:cSld>
     <p:spTree>
@@ -10174,7 +17026,7 @@
           <a:p>
             <a:fld id="{6570E246-3AA0-49AE-AA61-EF2910016B7A}" type="datetime1">
               <a:rPr lang="en-GB" smtClean="0"/>
-              <a:t>07/05/2021</a:t>
+              <a:t>08/05/2021</a:t>
             </a:fld>
             <a:endParaRPr lang="en-GB"/>
           </a:p>
@@ -10231,7 +17083,7 @@
           <a:p>
             <a:fld id="{AB645ECC-7A7A-4729-8128-50B722794741}" type="slidenum">
               <a:rPr lang="en-GB" smtClean="0"/>
-              <a:t>18</a:t>
+              <a:t>21</a:t>
             </a:fld>
             <a:endParaRPr lang="en-GB"/>
           </a:p>
@@ -10241,310 +17093,6 @@
     <p:extLst>
       <p:ext uri="{BB962C8B-B14F-4D97-AF65-F5344CB8AC3E}">
         <p14:creationId xmlns:p14="http://schemas.microsoft.com/office/powerpoint/2010/main" val="4253407361"/>
-      </p:ext>
-    </p:extLst>
-  </p:cSld>
-  <p:clrMapOvr>
-    <a:masterClrMapping/>
-  </p:clrMapOvr>
-</p:sld>
-</file>
-
-<file path=ppt/slides/slide2.xml><?xml version="1.0" encoding="utf-8"?>
-<p:sld xmlns:a="http://schemas.openxmlformats.org/drawingml/2006/main" xmlns:r="http://schemas.openxmlformats.org/officeDocument/2006/relationships" xmlns:p="http://schemas.openxmlformats.org/presentationml/2006/main">
-  <p:cSld>
-    <p:spTree>
-      <p:nvGrpSpPr>
-        <p:cNvPr id="1" name=""/>
-        <p:cNvGrpSpPr/>
-        <p:nvPr/>
-      </p:nvGrpSpPr>
-      <p:grpSpPr>
-        <a:xfrm>
-          <a:off x="0" y="0"/>
-          <a:ext cx="0" cy="0"/>
-          <a:chOff x="0" y="0"/>
-          <a:chExt cx="0" cy="0"/>
-        </a:xfrm>
-      </p:grpSpPr>
-      <p:sp>
-        <p:nvSpPr>
-          <p:cNvPr id="2" name="Title 1">
-            <a:extLst>
-              <a:ext uri="{FF2B5EF4-FFF2-40B4-BE49-F238E27FC236}">
-                <a16:creationId xmlns:a16="http://schemas.microsoft.com/office/drawing/2014/main" id="{8942B4A0-F150-405A-9068-8F7612F09AE0}"/>
-              </a:ext>
-            </a:extLst>
-          </p:cNvPr>
-          <p:cNvSpPr>
-            <a:spLocks noGrp="1"/>
-          </p:cNvSpPr>
-          <p:nvPr>
-            <p:ph type="title"/>
-          </p:nvPr>
-        </p:nvSpPr>
-        <p:spPr/>
-        <p:txBody>
-          <a:bodyPr/>
-          <a:lstStyle/>
-          <a:p>
-            <a:r>
-              <a:rPr lang="en-GB" dirty="0"/>
-              <a:t>Introduction</a:t>
-            </a:r>
-          </a:p>
-        </p:txBody>
-      </p:sp>
-      <p:sp>
-        <p:nvSpPr>
-          <p:cNvPr id="3" name="Content Placeholder 2">
-            <a:extLst>
-              <a:ext uri="{FF2B5EF4-FFF2-40B4-BE49-F238E27FC236}">
-                <a16:creationId xmlns:a16="http://schemas.microsoft.com/office/drawing/2014/main" id="{AC53D448-2676-4126-B047-DB0C6E8D4412}"/>
-              </a:ext>
-            </a:extLst>
-          </p:cNvPr>
-          <p:cNvSpPr>
-            <a:spLocks noGrp="1"/>
-          </p:cNvSpPr>
-          <p:nvPr>
-            <p:ph idx="1"/>
-          </p:nvPr>
-        </p:nvSpPr>
-        <p:spPr/>
-        <p:txBody>
-          <a:bodyPr>
-            <a:normAutofit fontScale="92500" lnSpcReduction="10000"/>
-          </a:bodyPr>
-          <a:lstStyle/>
-          <a:p>
-            <a:pPr>
-              <a:buFont typeface="Arial" panose="020B0604020202020204" pitchFamily="34" charset="0"/>
-              <a:buChar char="•"/>
-            </a:pPr>
-            <a:r>
-              <a:rPr lang="en-GB" sz="2800" dirty="0"/>
-              <a:t> </a:t>
-            </a:r>
-            <a:r>
-              <a:rPr lang="en-GB" sz="2800" b="1" dirty="0"/>
-              <a:t>Introduction</a:t>
-            </a:r>
-          </a:p>
-          <a:p>
-            <a:pPr lvl="1">
-              <a:buFont typeface="Arial" panose="020B0604020202020204" pitchFamily="34" charset="0"/>
-              <a:buChar char="•"/>
-            </a:pPr>
-            <a:r>
-              <a:rPr lang="en-GB" sz="2400" i="1" dirty="0"/>
-              <a:t>Liquid Crystals </a:t>
-            </a:r>
-          </a:p>
-          <a:p>
-            <a:pPr lvl="1">
-              <a:buFont typeface="Arial" panose="020B0604020202020204" pitchFamily="34" charset="0"/>
-              <a:buChar char="•"/>
-            </a:pPr>
-            <a:r>
-              <a:rPr lang="en-GB" sz="2400" i="1" dirty="0"/>
-              <a:t>Phase Transitions</a:t>
-            </a:r>
-          </a:p>
-          <a:p>
-            <a:pPr lvl="1">
-              <a:buFont typeface="Arial" panose="020B0604020202020204" pitchFamily="34" charset="0"/>
-              <a:buChar char="•"/>
-            </a:pPr>
-            <a:r>
-              <a:rPr lang="en-GB" i="1" dirty="0"/>
-              <a:t>Order Parameters </a:t>
-            </a:r>
-          </a:p>
-          <a:p>
-            <a:pPr lvl="1">
-              <a:buFont typeface="Arial" panose="020B0604020202020204" pitchFamily="34" charset="0"/>
-              <a:buChar char="•"/>
-            </a:pPr>
-            <a:r>
-              <a:rPr lang="en-GB" sz="2400" i="1" dirty="0"/>
-              <a:t>DNA as a Liquid Crystal</a:t>
-            </a:r>
-          </a:p>
-          <a:p>
-            <a:pPr>
-              <a:buFont typeface="Arial" panose="020B0604020202020204" pitchFamily="34" charset="0"/>
-              <a:buChar char="•"/>
-            </a:pPr>
-            <a:r>
-              <a:rPr lang="en-GB" sz="3000" dirty="0"/>
-              <a:t> </a:t>
-            </a:r>
-            <a:r>
-              <a:rPr lang="en-GB" sz="2800" dirty="0"/>
-              <a:t>Methods</a:t>
-            </a:r>
-          </a:p>
-          <a:p>
-            <a:pPr>
-              <a:buFont typeface="Arial" panose="020B0604020202020204" pitchFamily="34" charset="0"/>
-              <a:buChar char="•"/>
-            </a:pPr>
-            <a:r>
-              <a:rPr lang="en-GB" sz="2800" dirty="0"/>
-              <a:t> Rigid Rod Simulations</a:t>
-            </a:r>
-          </a:p>
-          <a:p>
-            <a:pPr>
-              <a:buFont typeface="Arial" panose="020B0604020202020204" pitchFamily="34" charset="0"/>
-              <a:buChar char="•"/>
-            </a:pPr>
-            <a:r>
-              <a:rPr lang="en-GB" sz="2800" dirty="0"/>
-              <a:t> Nunchuck Simulations </a:t>
-            </a:r>
-          </a:p>
-          <a:p>
-            <a:pPr>
-              <a:buFont typeface="Arial" panose="020B0604020202020204" pitchFamily="34" charset="0"/>
-              <a:buChar char="•"/>
-            </a:pPr>
-            <a:r>
-              <a:rPr lang="en-GB" sz="2800" dirty="0"/>
-              <a:t> Conclusions</a:t>
-            </a:r>
-          </a:p>
-          <a:p>
-            <a:endParaRPr lang="en-GB" dirty="0"/>
-          </a:p>
-        </p:txBody>
-      </p:sp>
-      <p:sp>
-        <p:nvSpPr>
-          <p:cNvPr id="7" name="Date Placeholder 6">
-            <a:extLst>
-              <a:ext uri="{FF2B5EF4-FFF2-40B4-BE49-F238E27FC236}">
-                <a16:creationId xmlns:a16="http://schemas.microsoft.com/office/drawing/2014/main" id="{7886F747-82E0-48E9-AE5F-22388FEE92E5}"/>
-              </a:ext>
-            </a:extLst>
-          </p:cNvPr>
-          <p:cNvSpPr>
-            <a:spLocks noGrp="1"/>
-          </p:cNvSpPr>
-          <p:nvPr>
-            <p:ph type="dt" sz="half" idx="10"/>
-          </p:nvPr>
-        </p:nvSpPr>
-        <p:spPr/>
-        <p:txBody>
-          <a:bodyPr/>
-          <a:lstStyle/>
-          <a:p>
-            <a:fld id="{BAC64DD5-28A9-481B-B01B-AB7B52519854}" type="datetime1">
-              <a:rPr lang="en-GB" smtClean="0"/>
-              <a:t>07/05/2021</a:t>
-            </a:fld>
-            <a:endParaRPr lang="en-GB"/>
-          </a:p>
-        </p:txBody>
-      </p:sp>
-      <p:sp>
-        <p:nvSpPr>
-          <p:cNvPr id="8" name="Footer Placeholder 7">
-            <a:extLst>
-              <a:ext uri="{FF2B5EF4-FFF2-40B4-BE49-F238E27FC236}">
-                <a16:creationId xmlns:a16="http://schemas.microsoft.com/office/drawing/2014/main" id="{6CB7CA7E-E2B9-48B7-B002-73ECBB3ED20B}"/>
-              </a:ext>
-            </a:extLst>
-          </p:cNvPr>
-          <p:cNvSpPr>
-            <a:spLocks noGrp="1"/>
-          </p:cNvSpPr>
-          <p:nvPr>
-            <p:ph type="ftr" sz="quarter" idx="11"/>
-          </p:nvPr>
-        </p:nvSpPr>
-        <p:spPr/>
-        <p:txBody>
-          <a:bodyPr/>
-          <a:lstStyle/>
-          <a:p>
-            <a:r>
-              <a:rPr lang="en-GB"/>
-              <a:t>Simulating Liquid Crystals</a:t>
-            </a:r>
-          </a:p>
-        </p:txBody>
-      </p:sp>
-      <p:sp>
-        <p:nvSpPr>
-          <p:cNvPr id="9" name="Slide Number Placeholder 8">
-            <a:extLst>
-              <a:ext uri="{FF2B5EF4-FFF2-40B4-BE49-F238E27FC236}">
-                <a16:creationId xmlns:a16="http://schemas.microsoft.com/office/drawing/2014/main" id="{67D1AF3D-6814-45FB-B96B-6CF4D0AF1174}"/>
-              </a:ext>
-            </a:extLst>
-          </p:cNvPr>
-          <p:cNvSpPr>
-            <a:spLocks noGrp="1"/>
-          </p:cNvSpPr>
-          <p:nvPr>
-            <p:ph type="sldNum" sz="quarter" idx="12"/>
-          </p:nvPr>
-        </p:nvSpPr>
-        <p:spPr/>
-        <p:txBody>
-          <a:bodyPr/>
-          <a:lstStyle/>
-          <a:p>
-            <a:fld id="{AB645ECC-7A7A-4729-8128-50B722794741}" type="slidenum">
-              <a:rPr lang="en-GB" smtClean="0"/>
-              <a:t>2</a:t>
-            </a:fld>
-            <a:endParaRPr lang="en-GB"/>
-          </a:p>
-        </p:txBody>
-      </p:sp>
-      <p:pic>
-        <p:nvPicPr>
-          <p:cNvPr id="10" name="Picture 9">
-            <a:extLst>
-              <a:ext uri="{FF2B5EF4-FFF2-40B4-BE49-F238E27FC236}">
-                <a16:creationId xmlns:a16="http://schemas.microsoft.com/office/drawing/2014/main" id="{6CFCB1E8-A9E4-4CF1-B8AB-1936112E9FCA}"/>
-              </a:ext>
-            </a:extLst>
-          </p:cNvPr>
-          <p:cNvPicPr>
-            <a:picLocks noChangeAspect="1"/>
-          </p:cNvPicPr>
-          <p:nvPr/>
-        </p:nvPicPr>
-        <p:blipFill rotWithShape="1">
-          <a:blip r:embed="rId2">
-            <a:extLst>
-              <a:ext uri="{28A0092B-C50C-407E-A947-70E740481C1C}">
-                <a14:useLocalDpi xmlns:a14="http://schemas.microsoft.com/office/drawing/2010/main" val="0"/>
-              </a:ext>
-            </a:extLst>
-          </a:blip>
-          <a:srcRect l="21385" r="19620" b="-3"/>
-          <a:stretch/>
-        </p:blipFill>
-        <p:spPr>
-          <a:xfrm>
-            <a:off x="6487607" y="1564640"/>
-            <a:ext cx="3402691" cy="4325893"/>
-          </a:xfrm>
-          <a:prstGeom prst="rect">
-            <a:avLst/>
-          </a:prstGeom>
-        </p:spPr>
-      </p:pic>
-    </p:spTree>
-    <p:extLst>
-      <p:ext uri="{BB962C8B-B14F-4D97-AF65-F5344CB8AC3E}">
-        <p14:creationId xmlns:p14="http://schemas.microsoft.com/office/powerpoint/2010/main" val="2914512620"/>
       </p:ext>
     </p:extLst>
   </p:cSld>
@@ -10709,7 +17257,7 @@
             </a:pPr>
             <a:fld id="{55FDD6D8-B502-4280-AE8F-D80E5A6AE5EC}" type="datetime1">
               <a:rPr lang="en-GB" smtClean="0"/>
-              <a:t>07/05/2021</a:t>
+              <a:t>08/05/2021</a:t>
             </a:fld>
             <a:endParaRPr lang="en-GB"/>
           </a:p>
@@ -11163,7 +17711,7 @@
                   <a:spcPts val="600"/>
                 </a:spcAft>
               </a:pPr>
-              <a:t>07/05/2021</a:t>
+              <a:t>08/05/2021</a:t>
             </a:fld>
             <a:endParaRPr lang="en-GB"/>
           </a:p>
@@ -11994,7 +18542,7 @@
           <a:p>
             <a:fld id="{E608809F-CA2B-483D-9917-2252A6034B9D}" type="datetime1">
               <a:rPr lang="en-GB" smtClean="0"/>
-              <a:t>07/05/2021</a:t>
+              <a:t>08/05/2021</a:t>
             </a:fld>
             <a:endParaRPr lang="en-GB"/>
           </a:p>
@@ -12138,7 +18686,7 @@
           <a:p>
             <a:fld id="{3101D558-26F0-426F-A3F3-5153859A1A57}" type="datetime1">
               <a:rPr lang="en-GB" smtClean="0"/>
-              <a:t>07/05/2021</a:t>
+              <a:t>08/05/2021</a:t>
             </a:fld>
             <a:endParaRPr lang="en-GB"/>
           </a:p>
@@ -12881,7 +19429,7 @@
           <a:p>
             <a:fld id="{7D1F2578-8249-489E-B0F0-869A1471332D}" type="datetime1">
               <a:rPr lang="en-GB" smtClean="0"/>
-              <a:t>07/05/2021</a:t>
+              <a:t>08/05/2021</a:t>
             </a:fld>
             <a:endParaRPr lang="en-GB"/>
           </a:p>
@@ -13180,7 +19728,7 @@
           <a:p>
             <a:fld id="{C412EB05-928E-46F4-97FC-807AB687ECA7}" type="datetime1">
               <a:rPr lang="en-GB" smtClean="0"/>
-              <a:t>07/05/2021</a:t>
+              <a:t>08/05/2021</a:t>
             </a:fld>
             <a:endParaRPr lang="en-GB"/>
           </a:p>
@@ -14039,7 +20587,7 @@
           <a:p>
             <a:fld id="{9BAC4BBA-1B9A-4C08-869D-09DC3EECB5B6}" type="datetime1">
               <a:rPr lang="en-GB" smtClean="0"/>
-              <a:t>07/05/2021</a:t>
+              <a:t>08/05/2021</a:t>
             </a:fld>
             <a:endParaRPr lang="en-GB"/>
           </a:p>
